--- a/docs/Презентация v0.8.1.pptx
+++ b/docs/Презентация v0.8.1.pptx
@@ -251,7 +251,7 @@
           <a:p>
             <a:fld id="{2F7BDC20-999D-4259-B6C3-F40ECC5C4406}" type="datetimeFigureOut">
               <a:rPr lang="ru-RU" smtClean="0"/>
-              <a:t>10.12.2017</a:t>
+              <a:t>11.12.2017</a:t>
             </a:fld>
             <a:endParaRPr lang="ru-RU"/>
           </a:p>
@@ -1706,7 +1706,7 @@
           <a:p>
             <a:fld id="{8F045AFB-DE82-40CD-9223-121836DEA27A}" type="datetimeFigureOut">
               <a:rPr lang="ru-RU" smtClean="0"/>
-              <a:t>10.12.2017</a:t>
+              <a:t>11.12.2017</a:t>
             </a:fld>
             <a:endParaRPr lang="ru-RU"/>
           </a:p>
@@ -1876,7 +1876,7 @@
           <a:p>
             <a:fld id="{8F045AFB-DE82-40CD-9223-121836DEA27A}" type="datetimeFigureOut">
               <a:rPr lang="ru-RU" smtClean="0"/>
-              <a:t>10.12.2017</a:t>
+              <a:t>11.12.2017</a:t>
             </a:fld>
             <a:endParaRPr lang="ru-RU"/>
           </a:p>
@@ -2056,7 +2056,7 @@
           <a:p>
             <a:fld id="{8F045AFB-DE82-40CD-9223-121836DEA27A}" type="datetimeFigureOut">
               <a:rPr lang="ru-RU" smtClean="0"/>
-              <a:t>10.12.2017</a:t>
+              <a:t>11.12.2017</a:t>
             </a:fld>
             <a:endParaRPr lang="ru-RU"/>
           </a:p>
@@ -2226,7 +2226,7 @@
           <a:p>
             <a:fld id="{8F045AFB-DE82-40CD-9223-121836DEA27A}" type="datetimeFigureOut">
               <a:rPr lang="ru-RU" smtClean="0"/>
-              <a:t>10.12.2017</a:t>
+              <a:t>11.12.2017</a:t>
             </a:fld>
             <a:endParaRPr lang="ru-RU"/>
           </a:p>
@@ -2472,7 +2472,7 @@
           <a:p>
             <a:fld id="{8F045AFB-DE82-40CD-9223-121836DEA27A}" type="datetimeFigureOut">
               <a:rPr lang="ru-RU" smtClean="0"/>
-              <a:t>10.12.2017</a:t>
+              <a:t>11.12.2017</a:t>
             </a:fld>
             <a:endParaRPr lang="ru-RU"/>
           </a:p>
@@ -2704,7 +2704,7 @@
           <a:p>
             <a:fld id="{8F045AFB-DE82-40CD-9223-121836DEA27A}" type="datetimeFigureOut">
               <a:rPr lang="ru-RU" smtClean="0"/>
-              <a:t>10.12.2017</a:t>
+              <a:t>11.12.2017</a:t>
             </a:fld>
             <a:endParaRPr lang="ru-RU"/>
           </a:p>
@@ -3071,7 +3071,7 @@
           <a:p>
             <a:fld id="{8F045AFB-DE82-40CD-9223-121836DEA27A}" type="datetimeFigureOut">
               <a:rPr lang="ru-RU" smtClean="0"/>
-              <a:t>10.12.2017</a:t>
+              <a:t>11.12.2017</a:t>
             </a:fld>
             <a:endParaRPr lang="ru-RU"/>
           </a:p>
@@ -3189,7 +3189,7 @@
           <a:p>
             <a:fld id="{8F045AFB-DE82-40CD-9223-121836DEA27A}" type="datetimeFigureOut">
               <a:rPr lang="ru-RU" smtClean="0"/>
-              <a:t>10.12.2017</a:t>
+              <a:t>11.12.2017</a:t>
             </a:fld>
             <a:endParaRPr lang="ru-RU"/>
           </a:p>
@@ -3284,7 +3284,7 @@
           <a:p>
             <a:fld id="{8F045AFB-DE82-40CD-9223-121836DEA27A}" type="datetimeFigureOut">
               <a:rPr lang="ru-RU" smtClean="0"/>
-              <a:t>10.12.2017</a:t>
+              <a:t>11.12.2017</a:t>
             </a:fld>
             <a:endParaRPr lang="ru-RU"/>
           </a:p>
@@ -3561,7 +3561,7 @@
           <a:p>
             <a:fld id="{8F045AFB-DE82-40CD-9223-121836DEA27A}" type="datetimeFigureOut">
               <a:rPr lang="ru-RU" smtClean="0"/>
-              <a:t>10.12.2017</a:t>
+              <a:t>11.12.2017</a:t>
             </a:fld>
             <a:endParaRPr lang="ru-RU"/>
           </a:p>
@@ -3814,7 +3814,7 @@
           <a:p>
             <a:fld id="{8F045AFB-DE82-40CD-9223-121836DEA27A}" type="datetimeFigureOut">
               <a:rPr lang="ru-RU" smtClean="0"/>
-              <a:t>10.12.2017</a:t>
+              <a:t>11.12.2017</a:t>
             </a:fld>
             <a:endParaRPr lang="ru-RU"/>
           </a:p>
@@ -4027,7 +4027,7 @@
           <a:p>
             <a:fld id="{8F045AFB-DE82-40CD-9223-121836DEA27A}" type="datetimeFigureOut">
               <a:rPr lang="ru-RU" smtClean="0"/>
-              <a:t>10.12.2017</a:t>
+              <a:t>11.12.2017</a:t>
             </a:fld>
             <a:endParaRPr lang="ru-RU"/>
           </a:p>
@@ -7901,7 +7901,6 @@
               <a:rPr lang="ru-RU" sz="2800" dirty="0"/>
               <a:t>Если не удалось пронумеровать, то возвращаемся, меняем индекс и проходим заново.</a:t>
             </a:r>
-            <a:endParaRPr lang="ru-RU" sz="2800" dirty="0"/>
           </a:p>
         </p:txBody>
       </p:sp>
@@ -8080,7 +8079,6 @@
               <a:rPr lang="ru-RU" sz="2800" dirty="0"/>
               <a:t>Если не удалось пронумеровать, то возвращаемся, меняем индекс и проходим заново.</a:t>
             </a:r>
-            <a:endParaRPr lang="ru-RU" sz="2800" dirty="0"/>
           </a:p>
         </p:txBody>
       </p:sp>
@@ -8888,7 +8886,6 @@
               <a:rPr lang="ru-RU" sz="2800" dirty="0"/>
               <a:t>Один из соседей не имеет непронумерованных соседей кроме текущей вершины.</a:t>
             </a:r>
-            <a:endParaRPr lang="ru-RU" sz="2800" dirty="0"/>
           </a:p>
         </p:txBody>
       </p:sp>
@@ -9136,7 +9133,6 @@
               <a:rPr lang="ru-RU" sz="2800" dirty="0"/>
               <a:t>Если не удалось пронумеровать, то возвращаемся, меняем индекс и проходим заново.</a:t>
             </a:r>
-            <a:endParaRPr lang="ru-RU" sz="2800" dirty="0"/>
           </a:p>
         </p:txBody>
       </p:sp>
@@ -10152,7 +10148,7 @@
           <p:nvPr>
             <p:extLst>
               <p:ext uri="{D42A27DB-BD31-4B8C-83A1-F6EECF244321}">
-                <p14:modId xmlns:p14="http://schemas.microsoft.com/office/powerpoint/2010/main" val="2585293851"/>
+                <p14:modId xmlns:p14="http://schemas.microsoft.com/office/powerpoint/2010/main" val="84437839"/>
               </p:ext>
             </p:extLst>
           </p:nvPr>
@@ -10171,56 +10167,56 @@
                 <a:gridCol w="1711711">
                   <a:extLst>
                     <a:ext uri="{9D8B030D-6E8A-4147-A177-3AD203B41FA5}">
-                      <a16:colId xmlns:a16="http://schemas.microsoft.com/office/drawing/2014/main" xmlns="" val="1171950682"/>
+                      <a16:colId xmlns="" xmlns:a16="http://schemas.microsoft.com/office/drawing/2014/main" val="1171950682"/>
                     </a:ext>
                   </a:extLst>
                 </a:gridCol>
                 <a:gridCol w="848102">
                   <a:extLst>
                     <a:ext uri="{9D8B030D-6E8A-4147-A177-3AD203B41FA5}">
-                      <a16:colId xmlns:a16="http://schemas.microsoft.com/office/drawing/2014/main" xmlns="" val="2713623616"/>
+                      <a16:colId xmlns="" xmlns:a16="http://schemas.microsoft.com/office/drawing/2014/main" val="2713623616"/>
                     </a:ext>
                   </a:extLst>
                 </a:gridCol>
                 <a:gridCol w="1358137">
                   <a:extLst>
                     <a:ext uri="{9D8B030D-6E8A-4147-A177-3AD203B41FA5}">
-                      <a16:colId xmlns:a16="http://schemas.microsoft.com/office/drawing/2014/main" xmlns="" val="4214117398"/>
+                      <a16:colId xmlns="" xmlns:a16="http://schemas.microsoft.com/office/drawing/2014/main" val="4214117398"/>
                     </a:ext>
                   </a:extLst>
                 </a:gridCol>
                 <a:gridCol w="1358137">
                   <a:extLst>
                     <a:ext uri="{9D8B030D-6E8A-4147-A177-3AD203B41FA5}">
-                      <a16:colId xmlns:a16="http://schemas.microsoft.com/office/drawing/2014/main" xmlns="" val="3936630454"/>
+                      <a16:colId xmlns="" xmlns:a16="http://schemas.microsoft.com/office/drawing/2014/main" val="3936630454"/>
                     </a:ext>
                   </a:extLst>
                 </a:gridCol>
                 <a:gridCol w="1357073">
                   <a:extLst>
                     <a:ext uri="{9D8B030D-6E8A-4147-A177-3AD203B41FA5}">
-                      <a16:colId xmlns:a16="http://schemas.microsoft.com/office/drawing/2014/main" xmlns="" val="3619060530"/>
+                      <a16:colId xmlns="" xmlns:a16="http://schemas.microsoft.com/office/drawing/2014/main" val="3619060530"/>
                     </a:ext>
                   </a:extLst>
                 </a:gridCol>
-                <a:gridCol w="1509277">
+                <a:gridCol w="1388332">
                   <a:extLst>
                     <a:ext uri="{9D8B030D-6E8A-4147-A177-3AD203B41FA5}">
-                      <a16:colId xmlns:a16="http://schemas.microsoft.com/office/drawing/2014/main" xmlns="" val="3962761656"/>
+                      <a16:colId xmlns="" xmlns:a16="http://schemas.microsoft.com/office/drawing/2014/main" val="3962761656"/>
                     </a:ext>
                   </a:extLst>
                 </a:gridCol>
-                <a:gridCol w="1150406">
+                <a:gridCol w="1271351">
                   <a:extLst>
                     <a:ext uri="{9D8B030D-6E8A-4147-A177-3AD203B41FA5}">
-                      <a16:colId xmlns:a16="http://schemas.microsoft.com/office/drawing/2014/main" xmlns="" val="2897370512"/>
+                      <a16:colId xmlns="" xmlns:a16="http://schemas.microsoft.com/office/drawing/2014/main" val="2897370512"/>
                     </a:ext>
                   </a:extLst>
                 </a:gridCol>
                 <a:gridCol w="1553208">
                   <a:extLst>
                     <a:ext uri="{9D8B030D-6E8A-4147-A177-3AD203B41FA5}">
-                      <a16:colId xmlns:a16="http://schemas.microsoft.com/office/drawing/2014/main" xmlns="" val="2623348019"/>
+                      <a16:colId xmlns="" xmlns:a16="http://schemas.microsoft.com/office/drawing/2014/main" val="2623348019"/>
                     </a:ext>
                   </a:extLst>
                 </a:gridCol>
@@ -10428,7 +10424,7 @@
                 </a:tc>
                 <a:extLst>
                   <a:ext uri="{0D108BD9-81ED-4DB2-BD59-A6C34878D82A}">
-                    <a16:rowId xmlns:a16="http://schemas.microsoft.com/office/drawing/2014/main" xmlns="" val="396192681"/>
+                    <a16:rowId xmlns="" xmlns:a16="http://schemas.microsoft.com/office/drawing/2014/main" val="396192681"/>
                   </a:ext>
                 </a:extLst>
               </a:tr>
@@ -10580,7 +10576,7 @@
                     <a:p>
                       <a:pPr algn="r" fontAlgn="b"/>
                       <a:r>
-                        <a:rPr lang="ru-RU" sz="1200" b="0" i="0" u="none" strike="noStrike">
+                        <a:rPr lang="ru-RU" sz="1200" b="0" i="0" u="none" strike="noStrike" dirty="0">
                           <a:solidFill>
                             <a:srgbClr val="000000"/>
                           </a:solidFill>
@@ -10595,7 +10591,7 @@
                 </a:tc>
                 <a:extLst>
                   <a:ext uri="{0D108BD9-81ED-4DB2-BD59-A6C34878D82A}">
-                    <a16:rowId xmlns:a16="http://schemas.microsoft.com/office/drawing/2014/main" xmlns="" val="658754578"/>
+                    <a16:rowId xmlns="" xmlns:a16="http://schemas.microsoft.com/office/drawing/2014/main" val="658754578"/>
                   </a:ext>
                 </a:extLst>
               </a:tr>
@@ -10769,7 +10765,7 @@
                 </a:tc>
                 <a:extLst>
                   <a:ext uri="{0D108BD9-81ED-4DB2-BD59-A6C34878D82A}">
-                    <a16:rowId xmlns:a16="http://schemas.microsoft.com/office/drawing/2014/main" xmlns="" val="2775249390"/>
+                    <a16:rowId xmlns="" xmlns:a16="http://schemas.microsoft.com/office/drawing/2014/main" val="2775249390"/>
                   </a:ext>
                 </a:extLst>
               </a:tr>
@@ -10921,7 +10917,7 @@
                     <a:p>
                       <a:pPr algn="r" fontAlgn="b"/>
                       <a:r>
-                        <a:rPr lang="ru-RU" sz="1200" b="0" i="0" u="none" strike="noStrike">
+                        <a:rPr lang="ru-RU" sz="1200" b="0" i="0" u="none" strike="noStrike" dirty="0">
                           <a:solidFill>
                             <a:srgbClr val="000000"/>
                           </a:solidFill>
@@ -10936,7 +10932,7 @@
                 </a:tc>
                 <a:extLst>
                   <a:ext uri="{0D108BD9-81ED-4DB2-BD59-A6C34878D82A}">
-                    <a16:rowId xmlns:a16="http://schemas.microsoft.com/office/drawing/2014/main" xmlns="" val="351305436"/>
+                    <a16:rowId xmlns="" xmlns:a16="http://schemas.microsoft.com/office/drawing/2014/main" val="351305436"/>
                   </a:ext>
                 </a:extLst>
               </a:tr>
@@ -11110,7 +11106,7 @@
                 </a:tc>
                 <a:extLst>
                   <a:ext uri="{0D108BD9-81ED-4DB2-BD59-A6C34878D82A}">
-                    <a16:rowId xmlns:a16="http://schemas.microsoft.com/office/drawing/2014/main" xmlns="" val="743266472"/>
+                    <a16:rowId xmlns="" xmlns:a16="http://schemas.microsoft.com/office/drawing/2014/main" val="743266472"/>
                   </a:ext>
                 </a:extLst>
               </a:tr>
@@ -11269,7 +11265,7 @@
                           <a:effectLst/>
                           <a:latin typeface="Calibri" panose="020F0502020204030204" pitchFamily="34" charset="0"/>
                         </a:rPr>
-                        <a:t>1</a:t>
+                        <a:t>0</a:t>
                       </a:r>
                     </a:p>
                   </a:txBody>
@@ -11277,7 +11273,7 @@
                 </a:tc>
                 <a:extLst>
                   <a:ext uri="{0D108BD9-81ED-4DB2-BD59-A6C34878D82A}">
-                    <a16:rowId xmlns:a16="http://schemas.microsoft.com/office/drawing/2014/main" xmlns="" val="3253733328"/>
+                    <a16:rowId xmlns="" xmlns:a16="http://schemas.microsoft.com/office/drawing/2014/main" val="3253733328"/>
                   </a:ext>
                 </a:extLst>
               </a:tr>
@@ -11444,7 +11440,7 @@
                 </a:tc>
                 <a:extLst>
                   <a:ext uri="{0D108BD9-81ED-4DB2-BD59-A6C34878D82A}">
-                    <a16:rowId xmlns:a16="http://schemas.microsoft.com/office/drawing/2014/main" xmlns="" val="4155944330"/>
+                    <a16:rowId xmlns="" xmlns:a16="http://schemas.microsoft.com/office/drawing/2014/main" val="4155944330"/>
                   </a:ext>
                 </a:extLst>
               </a:tr>
@@ -11603,7 +11599,7 @@
                     <a:p>
                       <a:pPr algn="r" fontAlgn="b"/>
                       <a:r>
-                        <a:rPr lang="ru-RU" sz="1200" b="0" i="0" u="none" strike="noStrike">
+                        <a:rPr lang="ru-RU" sz="1200" b="0" i="0" u="none" strike="noStrike" dirty="0">
                           <a:solidFill>
                             <a:srgbClr val="000000"/>
                           </a:solidFill>
@@ -11618,7 +11614,7 @@
                 </a:tc>
                 <a:extLst>
                   <a:ext uri="{0D108BD9-81ED-4DB2-BD59-A6C34878D82A}">
-                    <a16:rowId xmlns:a16="http://schemas.microsoft.com/office/drawing/2014/main" xmlns="" val="232013355"/>
+                    <a16:rowId xmlns="" xmlns:a16="http://schemas.microsoft.com/office/drawing/2014/main" val="232013355"/>
                   </a:ext>
                 </a:extLst>
               </a:tr>
@@ -11770,7 +11766,7 @@
                     <a:p>
                       <a:pPr algn="r" fontAlgn="b"/>
                       <a:r>
-                        <a:rPr lang="ru-RU" sz="1200" b="0" i="0" u="none" strike="noStrike">
+                        <a:rPr lang="ru-RU" sz="1200" b="0" i="0" u="none" strike="noStrike" dirty="0">
                           <a:solidFill>
                             <a:srgbClr val="000000"/>
                           </a:solidFill>
@@ -12270,7 +12266,7 @@
                     <a:p>
                       <a:pPr algn="r" fontAlgn="b"/>
                       <a:r>
-                        <a:rPr lang="ru-RU" sz="1200" b="0" i="0" u="none" strike="noStrike">
+                        <a:rPr lang="ru-RU" sz="1200" b="0" i="0" u="none" strike="noStrike" dirty="0">
                           <a:solidFill>
                             <a:srgbClr val="000000"/>
                           </a:solidFill>
@@ -12439,7 +12435,7 @@
                           <a:effectLst/>
                           <a:latin typeface="Calibri" panose="020F0502020204030204" pitchFamily="34" charset="0"/>
                         </a:rPr>
-                        <a:t>467</a:t>
+                        <a:t>309233</a:t>
                       </a:r>
                     </a:p>
                   </a:txBody>
@@ -12601,7 +12597,7 @@
                     <a:p>
                       <a:pPr algn="r" fontAlgn="b"/>
                       <a:r>
-                        <a:rPr lang="ru-RU" sz="1200" b="0" i="0" u="none" strike="noStrike" dirty="0">
+                        <a:rPr lang="ru-RU" sz="1200" b="0" i="0" u="none" strike="noStrike">
                           <a:solidFill>
                             <a:srgbClr val="000000"/>
                           </a:solidFill>
@@ -12925,7 +12921,7 @@
                     <a:p>
                       <a:pPr algn="r" fontAlgn="b"/>
                       <a:r>
-                        <a:rPr lang="ru-RU" sz="1200" b="0" i="0" u="none" strike="noStrike">
+                        <a:rPr lang="ru-RU" sz="1200" b="0" i="0" u="none" strike="noStrike" dirty="0">
                           <a:solidFill>
                             <a:srgbClr val="000000"/>
                           </a:solidFill>
@@ -13087,7 +13083,7 @@
                     <a:p>
                       <a:pPr algn="r" fontAlgn="b"/>
                       <a:r>
-                        <a:rPr lang="ru-RU" sz="1200" b="0" i="0" u="none" strike="noStrike">
+                        <a:rPr lang="ru-RU" sz="1200" b="0" i="0" u="none" strike="noStrike" dirty="0">
                           <a:solidFill>
                             <a:srgbClr val="000000"/>
                           </a:solidFill>
@@ -13256,7 +13252,7 @@
                     <a:p>
                       <a:pPr algn="r" fontAlgn="b"/>
                       <a:r>
-                        <a:rPr lang="ru-RU" sz="1200" b="0" i="0" u="none" strike="noStrike">
+                        <a:rPr lang="ru-RU" sz="1200" b="0" i="0" u="none" strike="noStrike" dirty="0">
                           <a:solidFill>
                             <a:srgbClr val="000000"/>
                           </a:solidFill>
@@ -13551,7 +13547,7 @@
           <p:nvPr>
             <p:extLst>
               <p:ext uri="{D42A27DB-BD31-4B8C-83A1-F6EECF244321}">
-                <p14:modId xmlns:p14="http://schemas.microsoft.com/office/powerpoint/2010/main" val="1288266568"/>
+                <p14:modId xmlns:p14="http://schemas.microsoft.com/office/powerpoint/2010/main" val="890307860"/>
               </p:ext>
             </p:extLst>
           </p:nvPr>
@@ -13570,56 +13566,56 @@
                 <a:gridCol w="1711711">
                   <a:extLst>
                     <a:ext uri="{9D8B030D-6E8A-4147-A177-3AD203B41FA5}">
-                      <a16:colId xmlns:a16="http://schemas.microsoft.com/office/drawing/2014/main" xmlns="" val="1171950682"/>
+                      <a16:colId xmlns="" xmlns:a16="http://schemas.microsoft.com/office/drawing/2014/main" val="1171950682"/>
                     </a:ext>
                   </a:extLst>
                 </a:gridCol>
                 <a:gridCol w="848102">
                   <a:extLst>
                     <a:ext uri="{9D8B030D-6E8A-4147-A177-3AD203B41FA5}">
-                      <a16:colId xmlns:a16="http://schemas.microsoft.com/office/drawing/2014/main" xmlns="" val="2713623616"/>
+                      <a16:colId xmlns="" xmlns:a16="http://schemas.microsoft.com/office/drawing/2014/main" val="2713623616"/>
                     </a:ext>
                   </a:extLst>
                 </a:gridCol>
                 <a:gridCol w="1358137">
                   <a:extLst>
                     <a:ext uri="{9D8B030D-6E8A-4147-A177-3AD203B41FA5}">
-                      <a16:colId xmlns:a16="http://schemas.microsoft.com/office/drawing/2014/main" xmlns="" val="4214117398"/>
+                      <a16:colId xmlns="" xmlns:a16="http://schemas.microsoft.com/office/drawing/2014/main" val="4214117398"/>
                     </a:ext>
                   </a:extLst>
                 </a:gridCol>
                 <a:gridCol w="1358137">
                   <a:extLst>
                     <a:ext uri="{9D8B030D-6E8A-4147-A177-3AD203B41FA5}">
-                      <a16:colId xmlns:a16="http://schemas.microsoft.com/office/drawing/2014/main" xmlns="" val="3936630454"/>
+                      <a16:colId xmlns="" xmlns:a16="http://schemas.microsoft.com/office/drawing/2014/main" val="3936630454"/>
                     </a:ext>
                   </a:extLst>
                 </a:gridCol>
                 <a:gridCol w="1357073">
                   <a:extLst>
                     <a:ext uri="{9D8B030D-6E8A-4147-A177-3AD203B41FA5}">
-                      <a16:colId xmlns:a16="http://schemas.microsoft.com/office/drawing/2014/main" xmlns="" val="3619060530"/>
+                      <a16:colId xmlns="" xmlns:a16="http://schemas.microsoft.com/office/drawing/2014/main" val="3619060530"/>
                     </a:ext>
                   </a:extLst>
                 </a:gridCol>
-                <a:gridCol w="1509277">
+                <a:gridCol w="1434323">
                   <a:extLst>
                     <a:ext uri="{9D8B030D-6E8A-4147-A177-3AD203B41FA5}">
-                      <a16:colId xmlns:a16="http://schemas.microsoft.com/office/drawing/2014/main" xmlns="" val="3962761656"/>
+                      <a16:colId xmlns="" xmlns:a16="http://schemas.microsoft.com/office/drawing/2014/main" val="3962761656"/>
                     </a:ext>
                   </a:extLst>
                 </a:gridCol>
-                <a:gridCol w="1150406">
+                <a:gridCol w="1225360">
                   <a:extLst>
                     <a:ext uri="{9D8B030D-6E8A-4147-A177-3AD203B41FA5}">
-                      <a16:colId xmlns:a16="http://schemas.microsoft.com/office/drawing/2014/main" xmlns="" val="2897370512"/>
+                      <a16:colId xmlns="" xmlns:a16="http://schemas.microsoft.com/office/drawing/2014/main" val="2897370512"/>
                     </a:ext>
                   </a:extLst>
                 </a:gridCol>
                 <a:gridCol w="1553208">
                   <a:extLst>
                     <a:ext uri="{9D8B030D-6E8A-4147-A177-3AD203B41FA5}">
-                      <a16:colId xmlns:a16="http://schemas.microsoft.com/office/drawing/2014/main" xmlns="" val="2623348019"/>
+                      <a16:colId xmlns="" xmlns:a16="http://schemas.microsoft.com/office/drawing/2014/main" val="2623348019"/>
                     </a:ext>
                   </a:extLst>
                 </a:gridCol>
@@ -13827,7 +13823,7 @@
                 </a:tc>
                 <a:extLst>
                   <a:ext uri="{0D108BD9-81ED-4DB2-BD59-A6C34878D82A}">
-                    <a16:rowId xmlns:a16="http://schemas.microsoft.com/office/drawing/2014/main" xmlns="" val="396192681"/>
+                    <a16:rowId xmlns="" xmlns:a16="http://schemas.microsoft.com/office/drawing/2014/main" val="396192681"/>
                   </a:ext>
                 </a:extLst>
               </a:tr>
@@ -13979,7 +13975,7 @@
                     <a:p>
                       <a:pPr algn="r" fontAlgn="b"/>
                       <a:r>
-                        <a:rPr lang="ru-RU" sz="1200" b="0" i="0" u="none" strike="noStrike">
+                        <a:rPr lang="ru-RU" sz="1200" b="0" i="0" u="none" strike="noStrike" dirty="0">
                           <a:solidFill>
                             <a:srgbClr val="000000"/>
                           </a:solidFill>
@@ -13994,7 +13990,7 @@
                 </a:tc>
                 <a:extLst>
                   <a:ext uri="{0D108BD9-81ED-4DB2-BD59-A6C34878D82A}">
-                    <a16:rowId xmlns:a16="http://schemas.microsoft.com/office/drawing/2014/main" xmlns="" val="3253733328"/>
+                    <a16:rowId xmlns="" xmlns:a16="http://schemas.microsoft.com/office/drawing/2014/main" val="3253733328"/>
                   </a:ext>
                 </a:extLst>
               </a:tr>
@@ -14161,7 +14157,7 @@
                 </a:tc>
                 <a:extLst>
                   <a:ext uri="{0D108BD9-81ED-4DB2-BD59-A6C34878D82A}">
-                    <a16:rowId xmlns:a16="http://schemas.microsoft.com/office/drawing/2014/main" xmlns="" val="4155944330"/>
+                    <a16:rowId xmlns="" xmlns:a16="http://schemas.microsoft.com/office/drawing/2014/main" val="4155944330"/>
                   </a:ext>
                 </a:extLst>
               </a:tr>
@@ -14313,7 +14309,7 @@
                     <a:p>
                       <a:pPr algn="r" fontAlgn="b"/>
                       <a:r>
-                        <a:rPr lang="ru-RU" sz="1200" b="0" i="0" u="none" strike="noStrike">
+                        <a:rPr lang="ru-RU" sz="1200" b="0" i="0" u="none" strike="noStrike" dirty="0">
                           <a:solidFill>
                             <a:srgbClr val="000000"/>
                           </a:solidFill>
@@ -14328,7 +14324,7 @@
                 </a:tc>
                 <a:extLst>
                   <a:ext uri="{0D108BD9-81ED-4DB2-BD59-A6C34878D82A}">
-                    <a16:rowId xmlns:a16="http://schemas.microsoft.com/office/drawing/2014/main" xmlns="" val="232013355"/>
+                    <a16:rowId xmlns="" xmlns:a16="http://schemas.microsoft.com/office/drawing/2014/main" val="232013355"/>
                   </a:ext>
                 </a:extLst>
               </a:tr>
@@ -14480,7 +14476,7 @@
                     <a:p>
                       <a:pPr algn="r" fontAlgn="b"/>
                       <a:r>
-                        <a:rPr lang="ru-RU" sz="1200" b="0" i="0" u="none" strike="noStrike">
+                        <a:rPr lang="ru-RU" sz="1200" b="0" i="0" u="none" strike="noStrike" dirty="0">
                           <a:solidFill>
                             <a:srgbClr val="000000"/>
                           </a:solidFill>
@@ -14642,14 +14638,14 @@
                     <a:p>
                       <a:pPr algn="r" fontAlgn="b"/>
                       <a:r>
-                        <a:rPr lang="ru-RU" sz="1200" b="0" i="0" u="none" strike="noStrike">
-                          <a:solidFill>
-                            <a:srgbClr val="000000"/>
-                          </a:solidFill>
-                          <a:effectLst/>
-                          <a:latin typeface="Calibri" panose="020F0502020204030204" pitchFamily="34" charset="0"/>
-                        </a:rPr>
-                        <a:t>1</a:t>
+                        <a:rPr lang="ru-RU" sz="1200" b="0" i="0" u="none" strike="noStrike" dirty="0">
+                          <a:solidFill>
+                            <a:srgbClr val="000000"/>
+                          </a:solidFill>
+                          <a:effectLst/>
+                          <a:latin typeface="Calibri" panose="020F0502020204030204" pitchFamily="34" charset="0"/>
+                        </a:rPr>
+                        <a:t>0</a:t>
                       </a:r>
                     </a:p>
                   </a:txBody>
@@ -14811,7 +14807,7 @@
                           <a:effectLst/>
                           <a:latin typeface="Calibri" panose="020F0502020204030204" pitchFamily="34" charset="0"/>
                         </a:rPr>
-                        <a:t>1</a:t>
+                        <a:t>0</a:t>
                       </a:r>
                     </a:p>
                   </a:txBody>
@@ -14973,7 +14969,7 @@
                           <a:effectLst/>
                           <a:latin typeface="Calibri" panose="020F0502020204030204" pitchFamily="34" charset="0"/>
                         </a:rPr>
-                        <a:t>0</a:t>
+                        <a:t>2</a:t>
                       </a:r>
                     </a:p>
                   </a:txBody>
@@ -15135,7 +15131,7 @@
                           <a:effectLst/>
                           <a:latin typeface="Calibri" panose="020F0502020204030204" pitchFamily="34" charset="0"/>
                         </a:rPr>
-                        <a:t>2</a:t>
+                        <a:t>1</a:t>
                       </a:r>
                     </a:p>
                   </a:txBody>
@@ -15297,7 +15293,7 @@
                           <a:effectLst/>
                           <a:latin typeface="Calibri" panose="020F0502020204030204" pitchFamily="34" charset="0"/>
                         </a:rPr>
-                        <a:t>2</a:t>
+                        <a:t>1</a:t>
                       </a:r>
                     </a:p>
                   </a:txBody>
@@ -15622,14 +15618,14 @@
                     <a:p>
                       <a:pPr algn="r" fontAlgn="b"/>
                       <a:r>
-                        <a:rPr lang="ru-RU" sz="1200" b="0" i="0" u="none" strike="noStrike">
-                          <a:solidFill>
-                            <a:srgbClr val="000000"/>
-                          </a:solidFill>
-                          <a:effectLst/>
-                          <a:latin typeface="Calibri" panose="020F0502020204030204" pitchFamily="34" charset="0"/>
-                        </a:rPr>
-                        <a:t>387</a:t>
+                        <a:rPr lang="ru-RU" sz="1200" b="0" i="0" u="none" strike="noStrike" dirty="0">
+                          <a:solidFill>
+                            <a:srgbClr val="000000"/>
+                          </a:solidFill>
+                          <a:effectLst/>
+                          <a:latin typeface="Calibri" panose="020F0502020204030204" pitchFamily="34" charset="0"/>
+                        </a:rPr>
+                        <a:t>3432</a:t>
                       </a:r>
                     </a:p>
                   </a:txBody>
@@ -15795,7 +15791,7 @@
                           <a:effectLst/>
                           <a:latin typeface="Calibri" panose="020F0502020204030204" pitchFamily="34" charset="0"/>
                         </a:rPr>
-                        <a:t>980</a:t>
+                        <a:t>1879</a:t>
                       </a:r>
                     </a:p>
                   </a:txBody>
@@ -16120,7 +16116,7 @@
                           <a:effectLst/>
                           <a:latin typeface="Calibri" panose="020F0502020204030204" pitchFamily="34" charset="0"/>
                         </a:rPr>
-                        <a:t>2</a:t>
+                        <a:t>1</a:t>
                       </a:r>
                     </a:p>
                   </a:txBody>
@@ -16279,7 +16275,7 @@
                           <a:effectLst/>
                           <a:latin typeface="Calibri" panose="020F0502020204030204" pitchFamily="34" charset="0"/>
                         </a:rPr>
-                        <a:t>31</a:t>
+                        <a:t>29</a:t>
                       </a:r>
                     </a:p>
                   </a:txBody>
@@ -16445,7 +16441,7 @@
                           <a:effectLst/>
                           <a:latin typeface="Calibri" panose="020F0502020204030204" pitchFamily="34" charset="0"/>
                         </a:rPr>
-                        <a:t>55</a:t>
+                        <a:t>57</a:t>
                       </a:r>
                     </a:p>
                   </a:txBody>
@@ -16611,7 +16607,7 @@
                           <a:effectLst/>
                           <a:latin typeface="Calibri" panose="020F0502020204030204" pitchFamily="34" charset="0"/>
                         </a:rPr>
-                        <a:t>52</a:t>
+                        <a:t>46</a:t>
                       </a:r>
                     </a:p>
                   </a:txBody>
@@ -17088,7 +17084,7 @@
                           <a:effectLst/>
                           <a:latin typeface="Calibri" panose="020F0502020204030204" pitchFamily="34" charset="0"/>
                         </a:rPr>
-                        <a:t>683</a:t>
+                        <a:t>11570</a:t>
                       </a:r>
                     </a:p>
                   </a:txBody>
@@ -17247,7 +17243,7 @@
                     <a:p>
                       <a:pPr algn="r" fontAlgn="b"/>
                       <a:r>
-                        <a:rPr lang="ru-RU" sz="1200" b="0" i="0" u="none" strike="noStrike">
+                        <a:rPr lang="ru-RU" sz="1200" b="0" i="0" u="none" strike="noStrike" dirty="0">
                           <a:solidFill>
                             <a:srgbClr val="000000"/>
                           </a:solidFill>
@@ -17413,7 +17409,7 @@
                           <a:effectLst/>
                           <a:latin typeface="Calibri" panose="020F0502020204030204" pitchFamily="34" charset="0"/>
                         </a:rPr>
-                        <a:t>13</a:t>
+                        <a:t>11</a:t>
                       </a:r>
                     </a:p>
                   </a:txBody>
@@ -17565,14 +17561,14 @@
                     <a:p>
                       <a:pPr algn="r" fontAlgn="b"/>
                       <a:r>
-                        <a:rPr lang="ru-RU" sz="1200" b="0" i="0" u="none" strike="noStrike">
-                          <a:solidFill>
-                            <a:srgbClr val="000000"/>
-                          </a:solidFill>
-                          <a:effectLst/>
-                          <a:latin typeface="Calibri" panose="020F0502020204030204" pitchFamily="34" charset="0"/>
-                        </a:rPr>
-                        <a:t>364</a:t>
+                        <a:rPr lang="ru-RU" sz="1200" b="0" i="0" u="none" strike="noStrike" dirty="0">
+                          <a:solidFill>
+                            <a:srgbClr val="000000"/>
+                          </a:solidFill>
+                          <a:effectLst/>
+                          <a:latin typeface="Calibri" panose="020F0502020204030204" pitchFamily="34" charset="0"/>
+                        </a:rPr>
+                        <a:t>373</a:t>
                       </a:r>
                     </a:p>
                   </a:txBody>
@@ -17724,7 +17720,7 @@
                     <a:p>
                       <a:pPr algn="r" fontAlgn="b"/>
                       <a:r>
-                        <a:rPr lang="ru-RU" sz="1200" b="0" i="0" u="none" strike="noStrike">
+                        <a:rPr lang="ru-RU" sz="1200" b="0" i="0" u="none" strike="noStrike" dirty="0">
                           <a:solidFill>
                             <a:srgbClr val="000000"/>
                           </a:solidFill>

--- a/docs/Презентация v0.8.1.pptx
+++ b/docs/Презентация v0.8.1.pptx
@@ -4955,75 +4955,287 @@
           <a:chExt cx="0" cy="0"/>
         </a:xfrm>
       </p:grpSpPr>
-      <p:sp>
-        <p:nvSpPr>
-          <p:cNvPr id="4" name="Прямоугольник 3"/>
-          <p:cNvSpPr/>
-          <p:nvPr/>
-        </p:nvSpPr>
-        <p:spPr>
-          <a:xfrm>
-            <a:off x="485777" y="1217901"/>
-            <a:ext cx="11329986" cy="1384995"/>
-          </a:xfrm>
-          <a:prstGeom prst="rect">
-            <a:avLst/>
-          </a:prstGeom>
-        </p:spPr>
-        <p:txBody>
-          <a:bodyPr wrap="square">
-            <a:spAutoFit/>
-          </a:bodyPr>
-          <a:lstStyle/>
-          <a:p>
-            <a:r>
-              <a:rPr lang="ru-RU" sz="2800" dirty="0" smtClean="0">
-                <a:solidFill>
-                  <a:srgbClr val="000000"/>
-                </a:solidFill>
-              </a:rPr>
-              <a:t>· </a:t>
-            </a:r>
-            <a:r>
-              <a:rPr lang="ru-RU" sz="2800" dirty="0">
-                <a:solidFill>
-                  <a:srgbClr val="000000"/>
-                </a:solidFill>
-              </a:rPr>
-              <a:t>Неориентированный помеченный граф G = (V, E), заданный матрицей смежности: 𝐴=‖𝑎𝑖𝑗‖𝑛𝑥𝑛,𝑎𝑖𝑗∈{0,1</a:t>
-            </a:r>
-            <a:r>
-              <a:rPr lang="ru-RU" sz="2800" dirty="0" smtClean="0">
-                <a:solidFill>
-                  <a:srgbClr val="000000"/>
-                </a:solidFill>
-              </a:rPr>
-              <a:t>}</a:t>
-            </a:r>
-            <a:endParaRPr lang="ru-RU" sz="2800" dirty="0">
-              <a:solidFill>
-                <a:srgbClr val="000000"/>
-              </a:solidFill>
-            </a:endParaRPr>
-          </a:p>
-          <a:p>
-            <a:r>
-              <a:rPr lang="ru-RU" sz="2800" dirty="0">
-                <a:solidFill>
-                  <a:srgbClr val="000000"/>
-                </a:solidFill>
-              </a:rPr>
-              <a:t>· k – размерность соответствующей регулярной сетки, 𝑘∈{1,2,3}</a:t>
-            </a:r>
-            <a:endParaRPr lang="ru-RU" sz="2800" b="0" i="0" dirty="0">
-              <a:solidFill>
-                <a:srgbClr val="000000"/>
-              </a:solidFill>
-              <a:effectLst/>
-            </a:endParaRPr>
-          </a:p>
-        </p:txBody>
-      </p:sp>
+      <mc:AlternateContent xmlns:mc="http://schemas.openxmlformats.org/markup-compatibility/2006">
+        <mc:Choice xmlns:a14="http://schemas.microsoft.com/office/drawing/2010/main" Requires="a14">
+          <p:sp>
+            <p:nvSpPr>
+              <p:cNvPr id="4" name="Прямоугольник 3"/>
+              <p:cNvSpPr/>
+              <p:nvPr/>
+            </p:nvSpPr>
+            <p:spPr>
+              <a:xfrm>
+                <a:off x="485777" y="1217901"/>
+                <a:ext cx="11329986" cy="1508939"/>
+              </a:xfrm>
+              <a:prstGeom prst="rect">
+                <a:avLst/>
+              </a:prstGeom>
+            </p:spPr>
+            <p:txBody>
+              <a:bodyPr wrap="square">
+                <a:spAutoFit/>
+              </a:bodyPr>
+              <a:lstStyle/>
+              <a:p>
+                <a:r>
+                  <a:rPr lang="ru-RU" sz="2800" dirty="0">
+                    <a:solidFill>
+                      <a:srgbClr val="000000"/>
+                    </a:solidFill>
+                  </a:rPr>
+                  <a:t>· </a:t>
+                </a:r>
+                <a:r>
+                  <a:rPr lang="ru-RU" sz="2800" dirty="0">
+                    <a:solidFill>
+                      <a:srgbClr val="000000"/>
+                    </a:solidFill>
+                  </a:rPr>
+                  <a:t>Неориентированный помеченный граф G = (V, E), заданный матрицей смежности: </a:t>
+                </a:r>
+                <a14:m>
+                  <m:oMath xmlns:m="http://schemas.openxmlformats.org/officeDocument/2006/math">
+                    <m:r>
+                      <a:rPr lang="ru-RU" sz="2800" i="1">
+                        <a:latin typeface="Cambria Math" panose="02040503050406030204" pitchFamily="18" charset="0"/>
+                      </a:rPr>
+                      <m:t>𝐴</m:t>
+                    </m:r>
+                    <m:r>
+                      <a:rPr lang="ru-RU" sz="2800" i="1">
+                        <a:latin typeface="Cambria Math" panose="02040503050406030204" pitchFamily="18" charset="0"/>
+                      </a:rPr>
+                      <m:t>=</m:t>
+                    </m:r>
+                    <m:sSub>
+                      <m:sSubPr>
+                        <m:ctrlPr>
+                          <a:rPr lang="ru-RU" sz="2800" i="1">
+                            <a:latin typeface="Cambria Math" panose="02040503050406030204" pitchFamily="18" charset="0"/>
+                          </a:rPr>
+                        </m:ctrlPr>
+                      </m:sSubPr>
+                      <m:e>
+                        <m:d>
+                          <m:dPr>
+                            <m:begChr m:val="‖"/>
+                            <m:endChr m:val="‖"/>
+                            <m:ctrlPr>
+                              <a:rPr lang="ru-RU" sz="2800" i="1">
+                                <a:latin typeface="Cambria Math" panose="02040503050406030204" pitchFamily="18" charset="0"/>
+                              </a:rPr>
+                            </m:ctrlPr>
+                          </m:dPr>
+                          <m:e>
+                            <m:sSub>
+                              <m:sSubPr>
+                                <m:ctrlPr>
+                                  <a:rPr lang="ru-RU" sz="2800" i="1">
+                                    <a:latin typeface="Cambria Math" panose="02040503050406030204" pitchFamily="18" charset="0"/>
+                                  </a:rPr>
+                                </m:ctrlPr>
+                              </m:sSubPr>
+                              <m:e>
+                                <m:r>
+                                  <a:rPr lang="ru-RU" sz="2800" i="1">
+                                    <a:latin typeface="Cambria Math" panose="02040503050406030204" pitchFamily="18" charset="0"/>
+                                  </a:rPr>
+                                  <m:t>𝑎</m:t>
+                                </m:r>
+                              </m:e>
+                              <m:sub>
+                                <m:r>
+                                  <a:rPr lang="ru-RU" sz="2800" i="1">
+                                    <a:latin typeface="Cambria Math" panose="02040503050406030204" pitchFamily="18" charset="0"/>
+                                  </a:rPr>
+                                  <m:t>𝑖𝑗</m:t>
+                                </m:r>
+                              </m:sub>
+                            </m:sSub>
+                          </m:e>
+                        </m:d>
+                      </m:e>
+                      <m:sub>
+                        <m:r>
+                          <a:rPr lang="ru-RU" sz="2800" i="1">
+                            <a:latin typeface="Cambria Math" panose="02040503050406030204" pitchFamily="18" charset="0"/>
+                          </a:rPr>
+                          <m:t>𝑛𝑥𝑛</m:t>
+                        </m:r>
+                      </m:sub>
+                    </m:sSub>
+                    <m:r>
+                      <a:rPr lang="ru-RU" sz="2800" i="1">
+                        <a:latin typeface="Cambria Math" panose="02040503050406030204" pitchFamily="18" charset="0"/>
+                      </a:rPr>
+                      <m:t>, </m:t>
+                    </m:r>
+                    <m:sSub>
+                      <m:sSubPr>
+                        <m:ctrlPr>
+                          <a:rPr lang="ru-RU" sz="2800" i="1">
+                            <a:latin typeface="Cambria Math" panose="02040503050406030204" pitchFamily="18" charset="0"/>
+                          </a:rPr>
+                        </m:ctrlPr>
+                      </m:sSubPr>
+                      <m:e>
+                        <m:r>
+                          <a:rPr lang="ru-RU" sz="2800" i="1">
+                            <a:latin typeface="Cambria Math" panose="02040503050406030204" pitchFamily="18" charset="0"/>
+                          </a:rPr>
+                          <m:t>𝑎</m:t>
+                        </m:r>
+                      </m:e>
+                      <m:sub>
+                        <m:r>
+                          <a:rPr lang="ru-RU" sz="2800" i="1">
+                            <a:latin typeface="Cambria Math" panose="02040503050406030204" pitchFamily="18" charset="0"/>
+                          </a:rPr>
+                          <m:t>𝑖𝑗</m:t>
+                        </m:r>
+                      </m:sub>
+                    </m:sSub>
+                    <m:r>
+                      <a:rPr lang="ru-RU" sz="2800" i="1">
+                        <a:latin typeface="Cambria Math" panose="02040503050406030204" pitchFamily="18" charset="0"/>
+                      </a:rPr>
+                      <m:t>∈</m:t>
+                    </m:r>
+                    <m:d>
+                      <m:dPr>
+                        <m:begChr m:val="{"/>
+                        <m:endChr m:val="}"/>
+                        <m:ctrlPr>
+                          <a:rPr lang="ru-RU" sz="2800" i="1">
+                            <a:latin typeface="Cambria Math" panose="02040503050406030204" pitchFamily="18" charset="0"/>
+                          </a:rPr>
+                        </m:ctrlPr>
+                      </m:dPr>
+                      <m:e>
+                        <m:r>
+                          <a:rPr lang="ru-RU" sz="2800" i="1">
+                            <a:latin typeface="Cambria Math" panose="02040503050406030204" pitchFamily="18" charset="0"/>
+                          </a:rPr>
+                          <m:t>0,1</m:t>
+                        </m:r>
+                      </m:e>
+                    </m:d>
+                    <m:r>
+                      <a:rPr lang="en-US" sz="2800">
+                        <a:latin typeface="Cambria Math" panose="02040503050406030204" pitchFamily="18" charset="0"/>
+                      </a:rPr>
+                      <m:t>,</m:t>
+                    </m:r>
+                  </m:oMath>
+                </a14:m>
+                <a:r>
+                  <a:rPr lang="ru-RU" sz="2800" dirty="0">
+                    <a:solidFill>
+                      <a:srgbClr val="000000"/>
+                    </a:solidFill>
+                  </a:rPr>
+                  <a:t> </a:t>
+                </a:r>
+                <a:r>
+                  <a:rPr lang="ru-RU" sz="2800" dirty="0">
+                    <a:solidFill>
+                      <a:srgbClr val="000000"/>
+                    </a:solidFill>
+                  </a:rPr>
+                  <a:t>k – размерность соответствующей регулярной сетки, </a:t>
+                </a:r>
+                <a:r>
+                  <a:rPr lang="ru-RU" sz="2800" dirty="0">
+                    <a:solidFill>
+                      <a:srgbClr val="000000"/>
+                    </a:solidFill>
+                  </a:rPr>
+                  <a:t>𝑘</a:t>
+                </a:r>
+                <a:r>
+                  <a:rPr lang="en-US" sz="2800" dirty="0">
+                    <a:solidFill>
+                      <a:srgbClr val="000000"/>
+                    </a:solidFill>
+                  </a:rPr>
+                  <a:t> </a:t>
+                </a:r>
+                <a:r>
+                  <a:rPr lang="ru-RU" sz="2800" dirty="0">
+                    <a:solidFill>
+                      <a:srgbClr val="000000"/>
+                    </a:solidFill>
+                  </a:rPr>
+                  <a:t>∈</a:t>
+                </a:r>
+                <a:r>
+                  <a:rPr lang="en-US" sz="2800" dirty="0">
+                    <a:solidFill>
+                      <a:srgbClr val="000000"/>
+                    </a:solidFill>
+                  </a:rPr>
+                  <a:t> </a:t>
+                </a:r>
+                <a:r>
+                  <a:rPr lang="ru-RU" sz="2800" dirty="0">
+                    <a:solidFill>
+                      <a:srgbClr val="000000"/>
+                    </a:solidFill>
+                  </a:rPr>
+                  <a:t>{</a:t>
+                </a:r>
+                <a:r>
+                  <a:rPr lang="ru-RU" sz="2800" dirty="0">
+                    <a:solidFill>
+                      <a:srgbClr val="000000"/>
+                    </a:solidFill>
+                  </a:rPr>
+                  <a:t>1,2,3}</a:t>
+                </a:r>
+              </a:p>
+            </p:txBody>
+          </p:sp>
+        </mc:Choice>
+        <mc:Fallback>
+          <p:sp>
+            <p:nvSpPr>
+              <p:cNvPr id="4" name="Прямоугольник 3"/>
+              <p:cNvSpPr>
+                <a:spLocks noRot="1" noChangeAspect="1" noMove="1" noResize="1" noEditPoints="1" noAdjustHandles="1" noChangeArrowheads="1" noChangeShapeType="1" noTextEdit="1"/>
+              </p:cNvSpPr>
+              <p:nvPr/>
+            </p:nvSpPr>
+            <p:spPr>
+              <a:xfrm>
+                <a:off x="485777" y="1217901"/>
+                <a:ext cx="11329986" cy="1508939"/>
+              </a:xfrm>
+              <a:prstGeom prst="rect">
+                <a:avLst/>
+              </a:prstGeom>
+              <a:blipFill>
+                <a:blip r:embed="rId2"/>
+                <a:stretch>
+                  <a:fillRect l="-1130" t="-4049" b="-10931"/>
+                </a:stretch>
+              </a:blipFill>
+            </p:spPr>
+            <p:txBody>
+              <a:bodyPr/>
+              <a:lstStyle/>
+              <a:p>
+                <a:r>
+                  <a:rPr lang="ru-RU">
+                    <a:noFill/>
+                  </a:rPr>
+                  <a:t> </a:t>
+                </a:r>
+              </a:p>
+            </p:txBody>
+          </p:sp>
+        </mc:Fallback>
+      </mc:AlternateContent>
       <p:sp>
         <p:nvSpPr>
           <p:cNvPr id="5" name="Заголовок 1"/>
@@ -5085,78 +5297,452 @@
           </a:p>
         </p:txBody>
       </p:sp>
-      <p:sp>
-        <p:nvSpPr>
-          <p:cNvPr id="6" name="Прямоугольник 5"/>
-          <p:cNvSpPr/>
-          <p:nvPr/>
-        </p:nvSpPr>
-        <p:spPr>
-          <a:xfrm>
-            <a:off x="457201" y="4067148"/>
-            <a:ext cx="11329986" cy="954107"/>
-          </a:xfrm>
-          <a:prstGeom prst="rect">
-            <a:avLst/>
-          </a:prstGeom>
-        </p:spPr>
-        <p:txBody>
-          <a:bodyPr wrap="square">
-            <a:spAutoFit/>
-          </a:bodyPr>
-          <a:lstStyle/>
-          <a:p>
-            <a:r>
-              <a:rPr lang="ru-RU" sz="2800" dirty="0">
-                <a:solidFill>
-                  <a:srgbClr val="000000"/>
-                </a:solidFill>
-              </a:rPr>
-              <a:t>· 𝑋=‖𝑥𝑖𝑗‖𝑛𝑥𝑘,где 𝑥𝑖𝑗 – значение </a:t>
-            </a:r>
-            <a:r>
-              <a:rPr lang="en-US" sz="2800" dirty="0">
-                <a:solidFill>
-                  <a:srgbClr val="000000"/>
-                </a:solidFill>
-              </a:rPr>
-              <a:t>j-</a:t>
-            </a:r>
-            <a:r>
-              <a:rPr lang="ru-RU" sz="2800" dirty="0">
-                <a:solidFill>
-                  <a:srgbClr val="000000"/>
-                </a:solidFill>
-              </a:rPr>
-              <a:t>ой компоненты индекса регулярной сетки для </a:t>
-            </a:r>
-            <a:r>
-              <a:rPr lang="en-US" sz="2800" dirty="0" err="1">
-                <a:solidFill>
-                  <a:srgbClr val="000000"/>
-                </a:solidFill>
-              </a:rPr>
-              <a:t>i</a:t>
-            </a:r>
-            <a:r>
-              <a:rPr lang="en-US" sz="2800" dirty="0">
-                <a:solidFill>
-                  <a:srgbClr val="000000"/>
-                </a:solidFill>
-              </a:rPr>
-              <a:t>-</a:t>
-            </a:r>
-            <a:r>
-              <a:rPr lang="ru-RU" sz="2800" dirty="0">
-                <a:solidFill>
-                  <a:srgbClr val="000000"/>
-                </a:solidFill>
-              </a:rPr>
-              <a:t>ой вершины, 𝑥𝑖𝑗∈𝑍,𝑖=1,𝑛̅,𝑗=1,𝑘̅</a:t>
-            </a:r>
-          </a:p>
-        </p:txBody>
-      </p:sp>
+      <mc:AlternateContent xmlns:mc="http://schemas.openxmlformats.org/markup-compatibility/2006">
+        <mc:Choice xmlns:a14="http://schemas.microsoft.com/office/drawing/2010/main" Requires="a14">
+          <p:sp>
+            <p:nvSpPr>
+              <p:cNvPr id="6" name="Прямоугольник 5"/>
+              <p:cNvSpPr/>
+              <p:nvPr/>
+            </p:nvSpPr>
+            <p:spPr>
+              <a:xfrm>
+                <a:off x="457201" y="4067148"/>
+                <a:ext cx="11329986" cy="1132169"/>
+              </a:xfrm>
+              <a:prstGeom prst="rect">
+                <a:avLst/>
+              </a:prstGeom>
+            </p:spPr>
+            <p:txBody>
+              <a:bodyPr wrap="square">
+                <a:spAutoFit/>
+              </a:bodyPr>
+              <a:lstStyle/>
+              <a:p>
+                <a:r>
+                  <a:rPr lang="ru-RU" sz="2800" dirty="0">
+                    <a:solidFill>
+                      <a:srgbClr val="000000"/>
+                    </a:solidFill>
+                  </a:rPr>
+                  <a:t>· </a:t>
+                </a:r>
+                <a14:m>
+                  <m:oMath xmlns:m="http://schemas.openxmlformats.org/officeDocument/2006/math">
+                    <m:r>
+                      <a:rPr lang="ru-RU" sz="2800" i="1">
+                        <a:latin typeface="Cambria Math" panose="02040503050406030204" pitchFamily="18" charset="0"/>
+                        <a:ea typeface="Calibri" panose="020F0502020204030204" pitchFamily="34" charset="0"/>
+                        <a:cs typeface="Times New Roman" panose="02020603050405020304" pitchFamily="18" charset="0"/>
+                      </a:rPr>
+                      <m:t>𝑋</m:t>
+                    </m:r>
+                    <m:r>
+                      <a:rPr lang="ru-RU" sz="2800" i="1">
+                        <a:latin typeface="Cambria Math" panose="02040503050406030204" pitchFamily="18" charset="0"/>
+                        <a:ea typeface="Calibri" panose="020F0502020204030204" pitchFamily="34" charset="0"/>
+                        <a:cs typeface="Times New Roman" panose="02020603050405020304" pitchFamily="18" charset="0"/>
+                      </a:rPr>
+                      <m:t>=</m:t>
+                    </m:r>
+                    <m:sSub>
+                      <m:sSubPr>
+                        <m:ctrlPr>
+                          <a:rPr lang="ru-RU" sz="2800" i="1">
+                            <a:latin typeface="Cambria Math" panose="02040503050406030204" pitchFamily="18" charset="0"/>
+                          </a:rPr>
+                        </m:ctrlPr>
+                      </m:sSubPr>
+                      <m:e>
+                        <m:d>
+                          <m:dPr>
+                            <m:begChr m:val="‖"/>
+                            <m:endChr m:val="‖"/>
+                            <m:ctrlPr>
+                              <a:rPr lang="ru-RU" sz="2800" i="1">
+                                <a:latin typeface="Cambria Math" panose="02040503050406030204" pitchFamily="18" charset="0"/>
+                              </a:rPr>
+                            </m:ctrlPr>
+                          </m:dPr>
+                          <m:e>
+                            <m:sSub>
+                              <m:sSubPr>
+                                <m:ctrlPr>
+                                  <a:rPr lang="ru-RU" sz="2800" i="1">
+                                    <a:latin typeface="Cambria Math" panose="02040503050406030204" pitchFamily="18" charset="0"/>
+                                  </a:rPr>
+                                </m:ctrlPr>
+                              </m:sSubPr>
+                              <m:e>
+                                <m:r>
+                                  <a:rPr lang="ru-RU" sz="2800" i="1">
+                                    <a:latin typeface="Cambria Math" panose="02040503050406030204" pitchFamily="18" charset="0"/>
+                                    <a:ea typeface="Calibri" panose="020F0502020204030204" pitchFamily="34" charset="0"/>
+                                    <a:cs typeface="Times New Roman" panose="02020603050405020304" pitchFamily="18" charset="0"/>
+                                  </a:rPr>
+                                  <m:t>𝑥</m:t>
+                                </m:r>
+                              </m:e>
+                              <m:sub>
+                                <m:r>
+                                  <a:rPr lang="ru-RU" sz="2800" i="1">
+                                    <a:latin typeface="Cambria Math" panose="02040503050406030204" pitchFamily="18" charset="0"/>
+                                    <a:ea typeface="Calibri" panose="020F0502020204030204" pitchFamily="34" charset="0"/>
+                                    <a:cs typeface="Times New Roman" panose="02020603050405020304" pitchFamily="18" charset="0"/>
+                                  </a:rPr>
+                                  <m:t>𝑖𝑗</m:t>
+                                </m:r>
+                              </m:sub>
+                            </m:sSub>
+                          </m:e>
+                        </m:d>
+                      </m:e>
+                      <m:sub>
+                        <m:r>
+                          <a:rPr lang="ru-RU" sz="2800" i="1">
+                            <a:latin typeface="Cambria Math" panose="02040503050406030204" pitchFamily="18" charset="0"/>
+                            <a:ea typeface="Calibri" panose="020F0502020204030204" pitchFamily="34" charset="0"/>
+                            <a:cs typeface="Times New Roman" panose="02020603050405020304" pitchFamily="18" charset="0"/>
+                          </a:rPr>
+                          <m:t>𝑛𝑥𝑘</m:t>
+                        </m:r>
+                      </m:sub>
+                    </m:sSub>
+                    <m:r>
+                      <a:rPr lang="ru-RU" sz="2800" i="1">
+                        <a:latin typeface="Cambria Math" panose="02040503050406030204" pitchFamily="18" charset="0"/>
+                        <a:ea typeface="Calibri" panose="020F0502020204030204" pitchFamily="34" charset="0"/>
+                        <a:cs typeface="Times New Roman" panose="02020603050405020304" pitchFamily="18" charset="0"/>
+                      </a:rPr>
+                      <m:t>, где </m:t>
+                    </m:r>
+                    <m:sSub>
+                      <m:sSubPr>
+                        <m:ctrlPr>
+                          <a:rPr lang="ru-RU" sz="2800" i="1">
+                            <a:latin typeface="Cambria Math" panose="02040503050406030204" pitchFamily="18" charset="0"/>
+                          </a:rPr>
+                        </m:ctrlPr>
+                      </m:sSubPr>
+                      <m:e>
+                        <m:r>
+                          <a:rPr lang="en-US" sz="2800" i="1">
+                            <a:latin typeface="Cambria Math" panose="02040503050406030204" pitchFamily="18" charset="0"/>
+                            <a:ea typeface="Calibri" panose="020F0502020204030204" pitchFamily="34" charset="0"/>
+                            <a:cs typeface="Times New Roman" panose="02020603050405020304" pitchFamily="18" charset="0"/>
+                          </a:rPr>
+                          <m:t>𝑥</m:t>
+                        </m:r>
+                      </m:e>
+                      <m:sub>
+                        <m:r>
+                          <a:rPr lang="en-US" sz="2800" i="1">
+                            <a:latin typeface="Cambria Math" panose="02040503050406030204" pitchFamily="18" charset="0"/>
+                            <a:ea typeface="Calibri" panose="020F0502020204030204" pitchFamily="34" charset="0"/>
+                            <a:cs typeface="Times New Roman" panose="02020603050405020304" pitchFamily="18" charset="0"/>
+                          </a:rPr>
+                          <m:t>𝑖𝑗</m:t>
+                        </m:r>
+                      </m:sub>
+                    </m:sSub>
+                  </m:oMath>
+                </a14:m>
+                <a:r>
+                  <a:rPr lang="en-US" sz="2800" dirty="0">
+                    <a:latin typeface="Times New Roman" panose="02020603050405020304" pitchFamily="18" charset="0"/>
+                    <a:ea typeface="Calibri" panose="020F0502020204030204" pitchFamily="34" charset="0"/>
+                  </a:rPr>
+                  <a:t> </a:t>
+                </a:r>
+                <a:r>
+                  <a:rPr lang="ru-RU" sz="2800" dirty="0">
+                    <a:solidFill>
+                      <a:srgbClr val="000000"/>
+                    </a:solidFill>
+                  </a:rPr>
+                  <a:t>,</a:t>
+                </a:r>
+                <a:r>
+                  <a:rPr lang="ru-RU" sz="2800" dirty="0">
+                    <a:solidFill>
+                      <a:srgbClr val="000000"/>
+                    </a:solidFill>
+                  </a:rPr>
+                  <a:t>где 𝑥</a:t>
+                </a:r>
+                <a:r>
+                  <a:rPr lang="ru-RU" sz="2800" baseline="-25000" dirty="0">
+                    <a:solidFill>
+                      <a:srgbClr val="000000"/>
+                    </a:solidFill>
+                  </a:rPr>
+                  <a:t>𝑖𝑗</a:t>
+                </a:r>
+                <a:r>
+                  <a:rPr lang="ru-RU" sz="2800" dirty="0">
+                    <a:solidFill>
+                      <a:srgbClr val="000000"/>
+                    </a:solidFill>
+                  </a:rPr>
+                  <a:t> – значение </a:t>
+                </a:r>
+                <a:r>
+                  <a:rPr lang="en-US" sz="2800" dirty="0">
+                    <a:solidFill>
+                      <a:srgbClr val="000000"/>
+                    </a:solidFill>
+                  </a:rPr>
+                  <a:t>j-</a:t>
+                </a:r>
+                <a:r>
+                  <a:rPr lang="ru-RU" sz="2800" dirty="0">
+                    <a:solidFill>
+                      <a:srgbClr val="000000"/>
+                    </a:solidFill>
+                  </a:rPr>
+                  <a:t>ой компоненты индекса регулярной сетки для </a:t>
+                </a:r>
+                <a:r>
+                  <a:rPr lang="en-US" sz="2800" dirty="0" err="1">
+                    <a:solidFill>
+                      <a:srgbClr val="000000"/>
+                    </a:solidFill>
+                  </a:rPr>
+                  <a:t>i</a:t>
+                </a:r>
+                <a:r>
+                  <a:rPr lang="en-US" sz="2800" dirty="0">
+                    <a:solidFill>
+                      <a:srgbClr val="000000"/>
+                    </a:solidFill>
+                  </a:rPr>
+                  <a:t>-</a:t>
+                </a:r>
+                <a:r>
+                  <a:rPr lang="ru-RU" sz="2800" dirty="0">
+                    <a:solidFill>
+                      <a:srgbClr val="000000"/>
+                    </a:solidFill>
+                  </a:rPr>
+                  <a:t>ой вершины, </a:t>
+                </a:r>
+                <a:r>
+                  <a:rPr lang="ru-RU" sz="2800" dirty="0">
+                    <a:latin typeface="Times New Roman" panose="02020603050405020304" pitchFamily="18" charset="0"/>
+                    <a:ea typeface="Calibri" panose="020F0502020204030204" pitchFamily="34" charset="0"/>
+                  </a:rPr>
+                  <a:t>, </a:t>
+                </a:r>
+                <a14:m>
+                  <m:oMath xmlns:m="http://schemas.openxmlformats.org/officeDocument/2006/math">
+                    <m:r>
+                      <a:rPr lang="ru-RU" sz="2800" i="1">
+                        <a:latin typeface="Cambria Math" panose="02040503050406030204" pitchFamily="18" charset="0"/>
+                        <a:ea typeface="Calibri" panose="020F0502020204030204" pitchFamily="34" charset="0"/>
+                        <a:cs typeface="Times New Roman" panose="02020603050405020304" pitchFamily="18" charset="0"/>
+                      </a:rPr>
+                      <m:t> </m:t>
+                    </m:r>
+                    <m:sSub>
+                      <m:sSubPr>
+                        <m:ctrlPr>
+                          <a:rPr lang="ru-RU" sz="2800" i="1">
+                            <a:latin typeface="Cambria Math" panose="02040503050406030204" pitchFamily="18" charset="0"/>
+                          </a:rPr>
+                        </m:ctrlPr>
+                      </m:sSubPr>
+                      <m:e>
+                        <m:r>
+                          <a:rPr lang="ru-RU" sz="2800" i="1">
+                            <a:latin typeface="Cambria Math" panose="02040503050406030204" pitchFamily="18" charset="0"/>
+                            <a:ea typeface="Calibri" panose="020F0502020204030204" pitchFamily="34" charset="0"/>
+                            <a:cs typeface="Times New Roman" panose="02020603050405020304" pitchFamily="18" charset="0"/>
+                          </a:rPr>
+                          <m:t>𝑥</m:t>
+                        </m:r>
+                      </m:e>
+                      <m:sub>
+                        <m:r>
+                          <a:rPr lang="ru-RU" sz="2800" i="1">
+                            <a:latin typeface="Cambria Math" panose="02040503050406030204" pitchFamily="18" charset="0"/>
+                            <a:ea typeface="Calibri" panose="020F0502020204030204" pitchFamily="34" charset="0"/>
+                            <a:cs typeface="Times New Roman" panose="02020603050405020304" pitchFamily="18" charset="0"/>
+                          </a:rPr>
+                          <m:t>𝑖𝑗</m:t>
+                        </m:r>
+                      </m:sub>
+                    </m:sSub>
+                    <m:r>
+                      <a:rPr lang="ru-RU" sz="2800" i="1">
+                        <a:latin typeface="Cambria Math" panose="02040503050406030204" pitchFamily="18" charset="0"/>
+                        <a:ea typeface="Calibri" panose="020F0502020204030204" pitchFamily="34" charset="0"/>
+                        <a:cs typeface="Times New Roman" panose="02020603050405020304" pitchFamily="18" charset="0"/>
+                      </a:rPr>
+                      <m:t>∈</m:t>
+                    </m:r>
+                    <m:r>
+                      <a:rPr lang="ru-RU" sz="2800" i="1">
+                        <a:latin typeface="Cambria Math" panose="02040503050406030204" pitchFamily="18" charset="0"/>
+                        <a:ea typeface="Calibri" panose="020F0502020204030204" pitchFamily="34" charset="0"/>
+                        <a:cs typeface="Times New Roman" panose="02020603050405020304" pitchFamily="18" charset="0"/>
+                      </a:rPr>
+                      <m:t>𝑍</m:t>
+                    </m:r>
+                    <m:r>
+                      <a:rPr lang="ru-RU" sz="2800" i="1">
+                        <a:latin typeface="Cambria Math" panose="02040503050406030204" pitchFamily="18" charset="0"/>
+                        <a:ea typeface="Calibri" panose="020F0502020204030204" pitchFamily="34" charset="0"/>
+                        <a:cs typeface="Times New Roman" panose="02020603050405020304" pitchFamily="18" charset="0"/>
+                      </a:rPr>
+                      <m:t>, </m:t>
+                    </m:r>
+                    <m:r>
+                      <a:rPr lang="ru-RU" sz="2800" i="1">
+                        <a:latin typeface="Cambria Math" panose="02040503050406030204" pitchFamily="18" charset="0"/>
+                        <a:ea typeface="Calibri" panose="020F0502020204030204" pitchFamily="34" charset="0"/>
+                        <a:cs typeface="Times New Roman" panose="02020603050405020304" pitchFamily="18" charset="0"/>
+                      </a:rPr>
+                      <m:t>𝑖</m:t>
+                    </m:r>
+                    <m:r>
+                      <a:rPr lang="ru-RU" sz="2800" i="1">
+                        <a:latin typeface="Cambria Math" panose="02040503050406030204" pitchFamily="18" charset="0"/>
+                        <a:ea typeface="Calibri" panose="020F0502020204030204" pitchFamily="34" charset="0"/>
+                        <a:cs typeface="Times New Roman" panose="02020603050405020304" pitchFamily="18" charset="0"/>
+                      </a:rPr>
+                      <m:t>=</m:t>
+                    </m:r>
+                    <m:acc>
+                      <m:accPr>
+                        <m:chr m:val="̅"/>
+                        <m:ctrlPr>
+                          <a:rPr lang="ru-RU" sz="2800" i="1">
+                            <a:latin typeface="Cambria Math" panose="02040503050406030204" pitchFamily="18" charset="0"/>
+                          </a:rPr>
+                        </m:ctrlPr>
+                      </m:accPr>
+                      <m:e>
+                        <m:r>
+                          <a:rPr lang="ru-RU" sz="2800" i="1">
+                            <a:latin typeface="Cambria Math" panose="02040503050406030204" pitchFamily="18" charset="0"/>
+                            <a:ea typeface="Calibri" panose="020F0502020204030204" pitchFamily="34" charset="0"/>
+                            <a:cs typeface="Times New Roman" panose="02020603050405020304" pitchFamily="18" charset="0"/>
+                          </a:rPr>
+                          <m:t>1,</m:t>
+                        </m:r>
+                        <m:r>
+                          <a:rPr lang="ru-RU" sz="2800" i="1">
+                            <a:latin typeface="Cambria Math" panose="02040503050406030204" pitchFamily="18" charset="0"/>
+                            <a:ea typeface="Calibri" panose="020F0502020204030204" pitchFamily="34" charset="0"/>
+                            <a:cs typeface="Times New Roman" panose="02020603050405020304" pitchFamily="18" charset="0"/>
+                          </a:rPr>
+                          <m:t>𝑛</m:t>
+                        </m:r>
+                      </m:e>
+                    </m:acc>
+                    <m:r>
+                      <a:rPr lang="ru-RU" sz="2800" i="1">
+                        <a:latin typeface="Cambria Math" panose="02040503050406030204" pitchFamily="18" charset="0"/>
+                        <a:ea typeface="Calibri" panose="020F0502020204030204" pitchFamily="34" charset="0"/>
+                        <a:cs typeface="Times New Roman" panose="02020603050405020304" pitchFamily="18" charset="0"/>
+                      </a:rPr>
+                      <m:t>,  </m:t>
+                    </m:r>
+                    <m:r>
+                      <a:rPr lang="ru-RU" sz="2800" i="1">
+                        <a:latin typeface="Cambria Math" panose="02040503050406030204" pitchFamily="18" charset="0"/>
+                        <a:ea typeface="Calibri" panose="020F0502020204030204" pitchFamily="34" charset="0"/>
+                        <a:cs typeface="Times New Roman" panose="02020603050405020304" pitchFamily="18" charset="0"/>
+                      </a:rPr>
+                      <m:t>𝑗</m:t>
+                    </m:r>
+                    <m:r>
+                      <a:rPr lang="ru-RU" sz="2800" i="1">
+                        <a:latin typeface="Cambria Math" panose="02040503050406030204" pitchFamily="18" charset="0"/>
+                        <a:ea typeface="Calibri" panose="020F0502020204030204" pitchFamily="34" charset="0"/>
+                        <a:cs typeface="Times New Roman" panose="02020603050405020304" pitchFamily="18" charset="0"/>
+                      </a:rPr>
+                      <m:t>=</m:t>
+                    </m:r>
+                    <m:acc>
+                      <m:accPr>
+                        <m:chr m:val="̅"/>
+                        <m:ctrlPr>
+                          <a:rPr lang="ru-RU" sz="2800" i="1">
+                            <a:latin typeface="Cambria Math" panose="02040503050406030204" pitchFamily="18" charset="0"/>
+                          </a:rPr>
+                        </m:ctrlPr>
+                      </m:accPr>
+                      <m:e>
+                        <m:r>
+                          <a:rPr lang="ru-RU" sz="2800" i="1">
+                            <a:latin typeface="Cambria Math" panose="02040503050406030204" pitchFamily="18" charset="0"/>
+                            <a:ea typeface="Calibri" panose="020F0502020204030204" pitchFamily="34" charset="0"/>
+                            <a:cs typeface="Times New Roman" panose="02020603050405020304" pitchFamily="18" charset="0"/>
+                          </a:rPr>
+                          <m:t>1,</m:t>
+                        </m:r>
+                        <m:r>
+                          <a:rPr lang="ru-RU" sz="2800" i="1">
+                            <a:latin typeface="Cambria Math" panose="02040503050406030204" pitchFamily="18" charset="0"/>
+                            <a:ea typeface="Calibri" panose="020F0502020204030204" pitchFamily="34" charset="0"/>
+                            <a:cs typeface="Times New Roman" panose="02020603050405020304" pitchFamily="18" charset="0"/>
+                          </a:rPr>
+                          <m:t>𝑘</m:t>
+                        </m:r>
+                      </m:e>
+                    </m:acc>
+                  </m:oMath>
+                </a14:m>
+                <a:endParaRPr lang="ru-RU" sz="2800" dirty="0">
+                  <a:solidFill>
+                    <a:srgbClr val="000000"/>
+                  </a:solidFill>
+                </a:endParaRPr>
+              </a:p>
+            </p:txBody>
+          </p:sp>
+        </mc:Choice>
+        <mc:Fallback>
+          <p:sp>
+            <p:nvSpPr>
+              <p:cNvPr id="6" name="Прямоугольник 5"/>
+              <p:cNvSpPr>
+                <a:spLocks noRot="1" noChangeAspect="1" noMove="1" noResize="1" noEditPoints="1" noAdjustHandles="1" noChangeArrowheads="1" noChangeShapeType="1" noTextEdit="1"/>
+              </p:cNvSpPr>
+              <p:nvPr/>
+            </p:nvSpPr>
+            <p:spPr>
+              <a:xfrm>
+                <a:off x="457201" y="4067148"/>
+                <a:ext cx="11329986" cy="1132169"/>
+              </a:xfrm>
+              <a:prstGeom prst="rect">
+                <a:avLst/>
+              </a:prstGeom>
+              <a:blipFill>
+                <a:blip r:embed="rId3"/>
+                <a:stretch>
+                  <a:fillRect l="-1076" t="-3763" b="-11828"/>
+                </a:stretch>
+              </a:blipFill>
+            </p:spPr>
+            <p:txBody>
+              <a:bodyPr/>
+              <a:lstStyle/>
+              <a:p>
+                <a:r>
+                  <a:rPr lang="ru-RU">
+                    <a:noFill/>
+                  </a:rPr>
+                  <a:t> </a:t>
+                </a:r>
+              </a:p>
+            </p:txBody>
+          </p:sp>
+        </mc:Fallback>
+      </mc:AlternateContent>
       <p:sp>
         <p:nvSpPr>
           <p:cNvPr id="7" name="Заголовок 1"/>
@@ -5255,77 +5841,376 @@
           <a:chExt cx="0" cy="0"/>
         </a:xfrm>
       </p:grpSpPr>
-      <p:sp>
-        <p:nvSpPr>
-          <p:cNvPr id="4" name="Прямоугольник 3"/>
-          <p:cNvSpPr/>
-          <p:nvPr/>
-        </p:nvSpPr>
-        <p:spPr>
-          <a:xfrm>
-            <a:off x="485777" y="1217901"/>
-            <a:ext cx="11329986" cy="954107"/>
-          </a:xfrm>
-          <a:prstGeom prst="rect">
-            <a:avLst/>
-          </a:prstGeom>
-        </p:spPr>
-        <p:txBody>
-          <a:bodyPr wrap="square">
-            <a:spAutoFit/>
-          </a:bodyPr>
-          <a:lstStyle/>
-          <a:p>
-            <a:r>
-              <a:rPr lang="ru-RU" sz="2800" dirty="0">
-                <a:solidFill>
-                  <a:srgbClr val="000000"/>
-                </a:solidFill>
-              </a:rPr>
-              <a:t>· Граф </a:t>
-            </a:r>
-            <a:r>
-              <a:rPr lang="en-US" sz="2800" dirty="0">
-                <a:solidFill>
-                  <a:srgbClr val="000000"/>
-                </a:solidFill>
-              </a:rPr>
-              <a:t>G – </a:t>
-            </a:r>
-            <a:r>
-              <a:rPr lang="ru-RU" sz="2800" dirty="0" smtClean="0">
-                <a:solidFill>
-                  <a:srgbClr val="000000"/>
-                </a:solidFill>
-              </a:rPr>
-              <a:t>связный</a:t>
-            </a:r>
-            <a:endParaRPr lang="ru-RU" sz="2800" dirty="0">
-              <a:solidFill>
-                <a:srgbClr val="000000"/>
-              </a:solidFill>
-            </a:endParaRPr>
-          </a:p>
-          <a:p>
-            <a:r>
-              <a:rPr lang="ru-RU" sz="2800" dirty="0" smtClean="0">
-                <a:solidFill>
-                  <a:srgbClr val="000000"/>
-                </a:solidFill>
-              </a:rPr>
-              <a:t>· </a:t>
-            </a:r>
-            <a:r>
-              <a:rPr lang="ru-RU" sz="2800" dirty="0">
-                <a:solidFill>
-                  <a:srgbClr val="000000"/>
-                </a:solidFill>
-              </a:rPr>
-              <a:t>∀ {𝑣𝑖,𝑣𝑗}∈𝐸,𝑖≠𝑗: ∑|𝑥𝑖𝑙−𝑥𝑗𝑙|=1𝑘𝑙=1</a:t>
-            </a:r>
-          </a:p>
-        </p:txBody>
-      </p:sp>
+      <mc:AlternateContent xmlns:mc="http://schemas.openxmlformats.org/markup-compatibility/2006">
+        <mc:Choice xmlns:a14="http://schemas.microsoft.com/office/drawing/2010/main" Requires="a14">
+          <p:sp>
+            <p:nvSpPr>
+              <p:cNvPr id="4" name="Прямоугольник 3"/>
+              <p:cNvSpPr/>
+              <p:nvPr/>
+            </p:nvSpPr>
+            <p:spPr>
+              <a:xfrm>
+                <a:off x="485777" y="1217901"/>
+                <a:ext cx="11329986" cy="1138773"/>
+              </a:xfrm>
+              <a:prstGeom prst="rect">
+                <a:avLst/>
+              </a:prstGeom>
+            </p:spPr>
+            <p:txBody>
+              <a:bodyPr wrap="square">
+                <a:spAutoFit/>
+              </a:bodyPr>
+              <a:lstStyle/>
+              <a:p>
+                <a:r>
+                  <a:rPr lang="ru-RU" sz="2800" dirty="0">
+                    <a:solidFill>
+                      <a:srgbClr val="000000"/>
+                    </a:solidFill>
+                  </a:rPr>
+                  <a:t>· Граф </a:t>
+                </a:r>
+                <a:r>
+                  <a:rPr lang="en-US" sz="2800" dirty="0">
+                    <a:solidFill>
+                      <a:srgbClr val="000000"/>
+                    </a:solidFill>
+                  </a:rPr>
+                  <a:t>G – </a:t>
+                </a:r>
+                <a:r>
+                  <a:rPr lang="ru-RU" sz="2800" dirty="0">
+                    <a:solidFill>
+                      <a:srgbClr val="000000"/>
+                    </a:solidFill>
+                  </a:rPr>
+                  <a:t>связный</a:t>
+                </a:r>
+                <a:endParaRPr lang="en-US" sz="2800" dirty="0">
+                  <a:solidFill>
+                    <a:srgbClr val="000000"/>
+                  </a:solidFill>
+                </a:endParaRPr>
+              </a:p>
+              <a:p>
+                <a:r>
+                  <a:rPr lang="ru-RU" sz="4000" dirty="0">
+                    <a:solidFill>
+                      <a:srgbClr val="000000"/>
+                    </a:solidFill>
+                  </a:rPr>
+                  <a:t>· </a:t>
+                </a:r>
+                <a14:m>
+                  <m:oMath xmlns:m="http://schemas.openxmlformats.org/officeDocument/2006/math">
+                    <m:r>
+                      <a:rPr lang="en-US" sz="2800" i="1">
+                        <a:latin typeface="Cambria Math" panose="02040503050406030204" pitchFamily="18" charset="0"/>
+                        <a:ea typeface="Calibri" panose="020F0502020204030204" pitchFamily="34" charset="0"/>
+                      </a:rPr>
+                      <m:t>∀ </m:t>
+                    </m:r>
+                    <m:d>
+                      <m:dPr>
+                        <m:begChr m:val="{"/>
+                        <m:endChr m:val="}"/>
+                        <m:ctrlPr>
+                          <a:rPr lang="ru-RU" sz="2800" i="1">
+                            <a:latin typeface="Cambria Math" panose="02040503050406030204" pitchFamily="18" charset="0"/>
+                            <a:ea typeface="Calibri" panose="020F0502020204030204" pitchFamily="34" charset="0"/>
+                          </a:rPr>
+                        </m:ctrlPr>
+                      </m:dPr>
+                      <m:e>
+                        <m:sSub>
+                          <m:sSubPr>
+                            <m:ctrlPr>
+                              <a:rPr lang="ru-RU" sz="2800" i="1">
+                                <a:latin typeface="Cambria Math" panose="02040503050406030204" pitchFamily="18" charset="0"/>
+                                <a:ea typeface="Calibri" panose="020F0502020204030204" pitchFamily="34" charset="0"/>
+                              </a:rPr>
+                            </m:ctrlPr>
+                          </m:sSubPr>
+                          <m:e>
+                            <m:r>
+                              <a:rPr lang="en-US" sz="2800" i="1">
+                                <a:latin typeface="Cambria Math" panose="02040503050406030204" pitchFamily="18" charset="0"/>
+                                <a:ea typeface="Calibri" panose="020F0502020204030204" pitchFamily="34" charset="0"/>
+                              </a:rPr>
+                              <m:t>𝑣</m:t>
+                            </m:r>
+                          </m:e>
+                          <m:sub>
+                            <m:r>
+                              <a:rPr lang="en-US" sz="2800" i="1">
+                                <a:latin typeface="Cambria Math" panose="02040503050406030204" pitchFamily="18" charset="0"/>
+                                <a:ea typeface="Calibri" panose="020F0502020204030204" pitchFamily="34" charset="0"/>
+                              </a:rPr>
+                              <m:t>𝑖</m:t>
+                            </m:r>
+                          </m:sub>
+                        </m:sSub>
+                        <m:r>
+                          <a:rPr lang="en-US" sz="2800" i="1">
+                            <a:latin typeface="Cambria Math" panose="02040503050406030204" pitchFamily="18" charset="0"/>
+                            <a:ea typeface="Calibri" panose="020F0502020204030204" pitchFamily="34" charset="0"/>
+                          </a:rPr>
+                          <m:t>, </m:t>
+                        </m:r>
+                        <m:sSub>
+                          <m:sSubPr>
+                            <m:ctrlPr>
+                              <a:rPr lang="ru-RU" sz="2800" i="1">
+                                <a:latin typeface="Cambria Math" panose="02040503050406030204" pitchFamily="18" charset="0"/>
+                                <a:ea typeface="Calibri" panose="020F0502020204030204" pitchFamily="34" charset="0"/>
+                              </a:rPr>
+                            </m:ctrlPr>
+                          </m:sSubPr>
+                          <m:e>
+                            <m:r>
+                              <a:rPr lang="en-US" sz="2800" i="1">
+                                <a:latin typeface="Cambria Math" panose="02040503050406030204" pitchFamily="18" charset="0"/>
+                                <a:ea typeface="Calibri" panose="020F0502020204030204" pitchFamily="34" charset="0"/>
+                              </a:rPr>
+                              <m:t>𝑣</m:t>
+                            </m:r>
+                          </m:e>
+                          <m:sub>
+                            <m:r>
+                              <a:rPr lang="en-US" sz="2800" i="1">
+                                <a:latin typeface="Cambria Math" panose="02040503050406030204" pitchFamily="18" charset="0"/>
+                                <a:ea typeface="Calibri" panose="020F0502020204030204" pitchFamily="34" charset="0"/>
+                              </a:rPr>
+                              <m:t>𝑗</m:t>
+                            </m:r>
+                          </m:sub>
+                        </m:sSub>
+                      </m:e>
+                    </m:d>
+                    <m:r>
+                      <a:rPr lang="en-US" sz="2800" i="1">
+                        <a:latin typeface="Cambria Math" panose="02040503050406030204" pitchFamily="18" charset="0"/>
+                        <a:ea typeface="Calibri" panose="020F0502020204030204" pitchFamily="34" charset="0"/>
+                      </a:rPr>
+                      <m:t>∈</m:t>
+                    </m:r>
+                    <m:r>
+                      <a:rPr lang="en-US" sz="2800" i="1">
+                        <a:latin typeface="Cambria Math" panose="02040503050406030204" pitchFamily="18" charset="0"/>
+                        <a:ea typeface="Calibri" panose="020F0502020204030204" pitchFamily="34" charset="0"/>
+                      </a:rPr>
+                      <m:t>𝐸</m:t>
+                    </m:r>
+                    <m:r>
+                      <a:rPr lang="en-US" sz="2800" i="1">
+                        <a:latin typeface="Cambria Math" panose="02040503050406030204" pitchFamily="18" charset="0"/>
+                        <a:ea typeface="Calibri" panose="020F0502020204030204" pitchFamily="34" charset="0"/>
+                      </a:rPr>
+                      <m:t>, </m:t>
+                    </m:r>
+                    <m:r>
+                      <a:rPr lang="en-US" sz="2800" i="1">
+                        <a:latin typeface="Cambria Math" panose="02040503050406030204" pitchFamily="18" charset="0"/>
+                        <a:ea typeface="Calibri" panose="020F0502020204030204" pitchFamily="34" charset="0"/>
+                      </a:rPr>
+                      <m:t>𝑖</m:t>
+                    </m:r>
+                    <m:r>
+                      <a:rPr lang="en-US" sz="2800" i="1">
+                        <a:latin typeface="Cambria Math" panose="02040503050406030204" pitchFamily="18" charset="0"/>
+                        <a:ea typeface="Calibri" panose="020F0502020204030204" pitchFamily="34" charset="0"/>
+                      </a:rPr>
+                      <m:t>≠</m:t>
+                    </m:r>
+                    <m:r>
+                      <a:rPr lang="en-US" sz="2800" i="1">
+                        <a:latin typeface="Cambria Math" panose="02040503050406030204" pitchFamily="18" charset="0"/>
+                        <a:ea typeface="Calibri" panose="020F0502020204030204" pitchFamily="34" charset="0"/>
+                      </a:rPr>
+                      <m:t>𝑗</m:t>
+                    </m:r>
+                    <m:r>
+                      <a:rPr lang="en-US" sz="2800" i="1">
+                        <a:latin typeface="Cambria Math" panose="02040503050406030204" pitchFamily="18" charset="0"/>
+                        <a:ea typeface="Calibri" panose="020F0502020204030204" pitchFamily="34" charset="0"/>
+                      </a:rPr>
+                      <m:t>: </m:t>
+                    </m:r>
+                    <m:nary>
+                      <m:naryPr>
+                        <m:chr m:val="∑"/>
+                        <m:limLoc m:val="undOvr"/>
+                        <m:ctrlPr>
+                          <a:rPr lang="ru-RU" sz="2800" i="1">
+                            <a:latin typeface="Cambria Math" panose="02040503050406030204" pitchFamily="18" charset="0"/>
+                            <a:ea typeface="Calibri" panose="020F0502020204030204" pitchFamily="34" charset="0"/>
+                          </a:rPr>
+                        </m:ctrlPr>
+                      </m:naryPr>
+                      <m:sub>
+                        <m:r>
+                          <a:rPr lang="en-US" sz="2800" i="1">
+                            <a:latin typeface="Cambria Math" panose="02040503050406030204" pitchFamily="18" charset="0"/>
+                            <a:ea typeface="Calibri" panose="020F0502020204030204" pitchFamily="34" charset="0"/>
+                          </a:rPr>
+                          <m:t>𝑙</m:t>
+                        </m:r>
+                        <m:r>
+                          <a:rPr lang="en-US" sz="2800" i="1">
+                            <a:latin typeface="Cambria Math" panose="02040503050406030204" pitchFamily="18" charset="0"/>
+                            <a:ea typeface="Calibri" panose="020F0502020204030204" pitchFamily="34" charset="0"/>
+                          </a:rPr>
+                          <m:t>=1</m:t>
+                        </m:r>
+                      </m:sub>
+                      <m:sup>
+                        <m:r>
+                          <a:rPr lang="en-US" sz="2800" i="1">
+                            <a:latin typeface="Cambria Math" panose="02040503050406030204" pitchFamily="18" charset="0"/>
+                            <a:ea typeface="Calibri" panose="020F0502020204030204" pitchFamily="34" charset="0"/>
+                          </a:rPr>
+                          <m:t>𝑘</m:t>
+                        </m:r>
+                      </m:sup>
+                      <m:e>
+                        <m:d>
+                          <m:dPr>
+                            <m:begChr m:val="|"/>
+                            <m:endChr m:val="|"/>
+                            <m:ctrlPr>
+                              <a:rPr lang="ru-RU" sz="2800" i="1">
+                                <a:latin typeface="Cambria Math" panose="02040503050406030204" pitchFamily="18" charset="0"/>
+                                <a:ea typeface="Calibri" panose="020F0502020204030204" pitchFamily="34" charset="0"/>
+                              </a:rPr>
+                            </m:ctrlPr>
+                          </m:dPr>
+                          <m:e>
+                            <m:sSub>
+                              <m:sSubPr>
+                                <m:ctrlPr>
+                                  <a:rPr lang="ru-RU" sz="2800" i="1">
+                                    <a:latin typeface="Cambria Math" panose="02040503050406030204" pitchFamily="18" charset="0"/>
+                                    <a:ea typeface="Calibri" panose="020F0502020204030204" pitchFamily="34" charset="0"/>
+                                  </a:rPr>
+                                </m:ctrlPr>
+                              </m:sSubPr>
+                              <m:e>
+                                <m:r>
+                                  <a:rPr lang="en-US" sz="2800" i="1">
+                                    <a:latin typeface="Cambria Math" panose="02040503050406030204" pitchFamily="18" charset="0"/>
+                                    <a:ea typeface="Calibri" panose="020F0502020204030204" pitchFamily="34" charset="0"/>
+                                  </a:rPr>
+                                  <m:t>𝑥</m:t>
+                                </m:r>
+                              </m:e>
+                              <m:sub>
+                                <m:r>
+                                  <a:rPr lang="en-US" sz="2800" i="1">
+                                    <a:latin typeface="Cambria Math" panose="02040503050406030204" pitchFamily="18" charset="0"/>
+                                    <a:ea typeface="Calibri" panose="020F0502020204030204" pitchFamily="34" charset="0"/>
+                                  </a:rPr>
+                                  <m:t>𝑖𝑙</m:t>
+                                </m:r>
+                              </m:sub>
+                            </m:sSub>
+                            <m:r>
+                              <a:rPr lang="en-US" sz="2800" i="1">
+                                <a:latin typeface="Cambria Math" panose="02040503050406030204" pitchFamily="18" charset="0"/>
+                                <a:ea typeface="Calibri" panose="020F0502020204030204" pitchFamily="34" charset="0"/>
+                              </a:rPr>
+                              <m:t>−</m:t>
+                            </m:r>
+                            <m:sSub>
+                              <m:sSubPr>
+                                <m:ctrlPr>
+                                  <a:rPr lang="ru-RU" sz="2800" i="1">
+                                    <a:latin typeface="Cambria Math" panose="02040503050406030204" pitchFamily="18" charset="0"/>
+                                    <a:ea typeface="Calibri" panose="020F0502020204030204" pitchFamily="34" charset="0"/>
+                                  </a:rPr>
+                                </m:ctrlPr>
+                              </m:sSubPr>
+                              <m:e>
+                                <m:r>
+                                  <a:rPr lang="en-US" sz="2800" i="1">
+                                    <a:latin typeface="Cambria Math" panose="02040503050406030204" pitchFamily="18" charset="0"/>
+                                    <a:ea typeface="Calibri" panose="020F0502020204030204" pitchFamily="34" charset="0"/>
+                                  </a:rPr>
+                                  <m:t>𝑥</m:t>
+                                </m:r>
+                              </m:e>
+                              <m:sub>
+                                <m:r>
+                                  <a:rPr lang="en-US" sz="2800" i="1">
+                                    <a:latin typeface="Cambria Math" panose="02040503050406030204" pitchFamily="18" charset="0"/>
+                                    <a:ea typeface="Calibri" panose="020F0502020204030204" pitchFamily="34" charset="0"/>
+                                  </a:rPr>
+                                  <m:t>𝑗𝑙</m:t>
+                                </m:r>
+                              </m:sub>
+                            </m:sSub>
+                          </m:e>
+                        </m:d>
+                        <m:r>
+                          <a:rPr lang="en-US" sz="2800" i="1">
+                            <a:latin typeface="Cambria Math" panose="02040503050406030204" pitchFamily="18" charset="0"/>
+                            <a:ea typeface="Calibri" panose="020F0502020204030204" pitchFamily="34" charset="0"/>
+                          </a:rPr>
+                          <m:t>=1</m:t>
+                        </m:r>
+                      </m:e>
+                    </m:nary>
+                  </m:oMath>
+                </a14:m>
+                <a:endParaRPr lang="ru-RU" sz="2800" dirty="0">
+                  <a:solidFill>
+                    <a:srgbClr val="000000"/>
+                  </a:solidFill>
+                </a:endParaRPr>
+              </a:p>
+            </p:txBody>
+          </p:sp>
+        </mc:Choice>
+        <mc:Fallback>
+          <p:sp>
+            <p:nvSpPr>
+              <p:cNvPr id="4" name="Прямоугольник 3"/>
+              <p:cNvSpPr>
+                <a:spLocks noRot="1" noChangeAspect="1" noMove="1" noResize="1" noEditPoints="1" noAdjustHandles="1" noChangeArrowheads="1" noChangeShapeType="1" noTextEdit="1"/>
+              </p:cNvSpPr>
+              <p:nvPr/>
+            </p:nvSpPr>
+            <p:spPr>
+              <a:xfrm>
+                <a:off x="485777" y="1217901"/>
+                <a:ext cx="11329986" cy="1138773"/>
+              </a:xfrm>
+              <a:prstGeom prst="rect">
+                <a:avLst/>
+              </a:prstGeom>
+              <a:blipFill>
+                <a:blip r:embed="rId2"/>
+                <a:stretch>
+                  <a:fillRect l="-1938" t="-5348" b="-21925"/>
+                </a:stretch>
+              </a:blipFill>
+            </p:spPr>
+            <p:txBody>
+              <a:bodyPr/>
+              <a:lstStyle/>
+              <a:p>
+                <a:r>
+                  <a:rPr lang="ru-RU">
+                    <a:noFill/>
+                  </a:rPr>
+                  <a:t> </a:t>
+                </a:r>
+              </a:p>
+            </p:txBody>
+          </p:sp>
+        </mc:Fallback>
+      </mc:AlternateContent>
       <p:sp>
         <p:nvSpPr>
           <p:cNvPr id="5" name="Заголовок 1"/>
@@ -5387,61 +6272,512 @@
           </a:p>
         </p:txBody>
       </p:sp>
-      <p:sp>
-        <p:nvSpPr>
-          <p:cNvPr id="6" name="Прямоугольник 5"/>
-          <p:cNvSpPr/>
-          <p:nvPr/>
-        </p:nvSpPr>
-        <p:spPr>
-          <a:xfrm>
-            <a:off x="485777" y="3867123"/>
-            <a:ext cx="11329986" cy="954107"/>
-          </a:xfrm>
-          <a:prstGeom prst="rect">
-            <a:avLst/>
-          </a:prstGeom>
-        </p:spPr>
-        <p:txBody>
-          <a:bodyPr wrap="square">
-            <a:spAutoFit/>
-          </a:bodyPr>
-          <a:lstStyle/>
-          <a:p>
-            <a:r>
-              <a:rPr lang="ru-RU" sz="2800" dirty="0">
-                <a:solidFill>
-                  <a:srgbClr val="000000"/>
-                </a:solidFill>
-              </a:rPr>
-              <a:t>· 𝐹= 𝑘=&gt;</a:t>
-            </a:r>
-            <a:r>
-              <a:rPr lang="ru-RU" sz="2800" dirty="0" smtClean="0">
-                <a:solidFill>
-                  <a:srgbClr val="000000"/>
-                </a:solidFill>
-              </a:rPr>
-              <a:t>𝑚𝑖𝑛</a:t>
-            </a:r>
-            <a:endParaRPr lang="ru-RU" sz="2800" dirty="0">
-              <a:solidFill>
-                <a:srgbClr val="000000"/>
-              </a:solidFill>
-            </a:endParaRPr>
-          </a:p>
-          <a:p>
-            <a:r>
-              <a:rPr lang="ru-RU" sz="2800" dirty="0">
-                <a:solidFill>
-                  <a:srgbClr val="000000"/>
-                </a:solidFill>
-              </a:rPr>
-              <a:t>· 𝑄=|𝑆|=&gt;𝑚𝑖𝑛,где 𝑆={ {𝑣𝑖,𝑣𝑗}:𝑣𝑖,𝑣𝑗∈𝑉,{𝑣𝑖,𝑣𝑗}∉𝐸,∑|𝑥𝑖𝑙−𝑥𝑗𝑙|=1𝑘𝑙=1}</a:t>
-            </a:r>
-          </a:p>
-        </p:txBody>
-      </p:sp>
+      <mc:AlternateContent xmlns:mc="http://schemas.openxmlformats.org/markup-compatibility/2006">
+        <mc:Choice xmlns:a14="http://schemas.microsoft.com/office/drawing/2010/main" Requires="a14">
+          <p:sp>
+            <p:nvSpPr>
+              <p:cNvPr id="6" name="Прямоугольник 5"/>
+              <p:cNvSpPr/>
+              <p:nvPr/>
+            </p:nvSpPr>
+            <p:spPr>
+              <a:xfrm>
+                <a:off x="1134429" y="4273770"/>
+                <a:ext cx="10032682" cy="1888915"/>
+              </a:xfrm>
+              <a:prstGeom prst="rect">
+                <a:avLst/>
+              </a:prstGeom>
+            </p:spPr>
+            <p:txBody>
+              <a:bodyPr wrap="square">
+                <a:spAutoFit/>
+              </a:bodyPr>
+              <a:lstStyle/>
+              <a:p>
+                <a14:m>
+                  <m:oMathPara xmlns:m="http://schemas.openxmlformats.org/officeDocument/2006/math">
+                    <m:oMathParaPr>
+                      <m:jc m:val="centerGroup"/>
+                    </m:oMathParaPr>
+                    <m:oMath xmlns:m="http://schemas.openxmlformats.org/officeDocument/2006/math">
+                      <m:r>
+                        <a:rPr lang="ru-RU" sz="2800" i="1">
+                          <a:latin typeface="Cambria Math" panose="02040503050406030204" pitchFamily="18" charset="0"/>
+                        </a:rPr>
+                        <m:t>𝑄</m:t>
+                      </m:r>
+                      <m:r>
+                        <a:rPr lang="ru-RU" sz="2800">
+                          <a:latin typeface="Cambria Math" panose="02040503050406030204" pitchFamily="18" charset="0"/>
+                        </a:rPr>
+                        <m:t>=</m:t>
+                      </m:r>
+                      <m:d>
+                        <m:dPr>
+                          <m:begChr m:val="|"/>
+                          <m:endChr m:val="|"/>
+                          <m:ctrlPr>
+                            <a:rPr lang="ru-RU" sz="2800" i="1">
+                              <a:latin typeface="Cambria Math" panose="02040503050406030204" pitchFamily="18" charset="0"/>
+                            </a:rPr>
+                          </m:ctrlPr>
+                        </m:dPr>
+                        <m:e>
+                          <m:r>
+                            <a:rPr lang="ru-RU" sz="2800" i="1">
+                              <a:latin typeface="Cambria Math" panose="02040503050406030204" pitchFamily="18" charset="0"/>
+                            </a:rPr>
+                            <m:t>𝑆</m:t>
+                          </m:r>
+                        </m:e>
+                      </m:d>
+                      <m:r>
+                        <a:rPr lang="ru-RU" sz="2800">
+                          <a:latin typeface="Cambria Math" panose="02040503050406030204" pitchFamily="18" charset="0"/>
+                        </a:rPr>
+                        <m:t>=&gt;</m:t>
+                      </m:r>
+                      <m:r>
+                        <a:rPr lang="ru-RU" sz="2800" i="1">
+                          <a:latin typeface="Cambria Math" panose="02040503050406030204" pitchFamily="18" charset="0"/>
+                        </a:rPr>
+                        <m:t>𝑚𝑖𝑛</m:t>
+                      </m:r>
+                      <m:r>
+                        <a:rPr lang="ru-RU" sz="2800">
+                          <a:latin typeface="Cambria Math" panose="02040503050406030204" pitchFamily="18" charset="0"/>
+                        </a:rPr>
+                        <m:t>,  где </m:t>
+                      </m:r>
+                      <m:r>
+                        <a:rPr lang="ru-RU" sz="2800" i="1">
+                          <a:latin typeface="Cambria Math" panose="02040503050406030204" pitchFamily="18" charset="0"/>
+                        </a:rPr>
+                        <m:t>𝑆</m:t>
+                      </m:r>
+                      <m:r>
+                        <a:rPr lang="ru-RU" sz="2800">
+                          <a:latin typeface="Cambria Math" panose="02040503050406030204" pitchFamily="18" charset="0"/>
+                        </a:rPr>
+                        <m:t>=</m:t>
+                      </m:r>
+                      <m:d>
+                        <m:dPr>
+                          <m:begChr m:val="{"/>
+                          <m:endChr m:val="}"/>
+                          <m:ctrlPr>
+                            <a:rPr lang="ru-RU" sz="2800" i="1">
+                              <a:latin typeface="Cambria Math" panose="02040503050406030204" pitchFamily="18" charset="0"/>
+                            </a:rPr>
+                          </m:ctrlPr>
+                        </m:dPr>
+                        <m:e>
+                          <m:r>
+                            <a:rPr lang="ru-RU" sz="2800">
+                              <a:latin typeface="Cambria Math" panose="02040503050406030204" pitchFamily="18" charset="0"/>
+                            </a:rPr>
+                            <m:t> </m:t>
+                          </m:r>
+                          <m:d>
+                            <m:dPr>
+                              <m:begChr m:val="{"/>
+                              <m:endChr m:val="}"/>
+                              <m:ctrlPr>
+                                <a:rPr lang="ru-RU" sz="2800" i="1">
+                                  <a:latin typeface="Cambria Math" panose="02040503050406030204" pitchFamily="18" charset="0"/>
+                                </a:rPr>
+                              </m:ctrlPr>
+                            </m:dPr>
+                            <m:e>
+                              <m:sSub>
+                                <m:sSubPr>
+                                  <m:ctrlPr>
+                                    <a:rPr lang="ru-RU" sz="2800" i="1">
+                                      <a:latin typeface="Cambria Math" panose="02040503050406030204" pitchFamily="18" charset="0"/>
+                                    </a:rPr>
+                                  </m:ctrlPr>
+                                </m:sSubPr>
+                                <m:e>
+                                  <m:r>
+                                    <a:rPr lang="ru-RU" sz="2800" i="1">
+                                      <a:latin typeface="Cambria Math" panose="02040503050406030204" pitchFamily="18" charset="0"/>
+                                    </a:rPr>
+                                    <m:t>𝑣</m:t>
+                                  </m:r>
+                                </m:e>
+                                <m:sub>
+                                  <m:r>
+                                    <a:rPr lang="ru-RU" sz="2800" i="1">
+                                      <a:latin typeface="Cambria Math" panose="02040503050406030204" pitchFamily="18" charset="0"/>
+                                    </a:rPr>
+                                    <m:t>𝑖</m:t>
+                                  </m:r>
+                                </m:sub>
+                              </m:sSub>
+                              <m:r>
+                                <a:rPr lang="ru-RU" sz="2800">
+                                  <a:latin typeface="Cambria Math" panose="02040503050406030204" pitchFamily="18" charset="0"/>
+                                </a:rPr>
+                                <m:t>, </m:t>
+                              </m:r>
+                              <m:sSub>
+                                <m:sSubPr>
+                                  <m:ctrlPr>
+                                    <a:rPr lang="ru-RU" sz="2800" i="1">
+                                      <a:latin typeface="Cambria Math" panose="02040503050406030204" pitchFamily="18" charset="0"/>
+                                    </a:rPr>
+                                  </m:ctrlPr>
+                                </m:sSubPr>
+                                <m:e>
+                                  <m:r>
+                                    <a:rPr lang="ru-RU" sz="2800" i="1">
+                                      <a:latin typeface="Cambria Math" panose="02040503050406030204" pitchFamily="18" charset="0"/>
+                                    </a:rPr>
+                                    <m:t>𝑣</m:t>
+                                  </m:r>
+                                </m:e>
+                                <m:sub>
+                                  <m:r>
+                                    <a:rPr lang="ru-RU" sz="2800" i="1">
+                                      <a:latin typeface="Cambria Math" panose="02040503050406030204" pitchFamily="18" charset="0"/>
+                                    </a:rPr>
+                                    <m:t>𝑗</m:t>
+                                  </m:r>
+                                </m:sub>
+                              </m:sSub>
+                            </m:e>
+                          </m:d>
+                          <m:r>
+                            <a:rPr lang="ru-RU" sz="2800">
+                              <a:latin typeface="Cambria Math" panose="02040503050406030204" pitchFamily="18" charset="0"/>
+                            </a:rPr>
+                            <m:t>:</m:t>
+                          </m:r>
+                          <m:sSub>
+                            <m:sSubPr>
+                              <m:ctrlPr>
+                                <a:rPr lang="ru-RU" sz="2800" i="1">
+                                  <a:latin typeface="Cambria Math" panose="02040503050406030204" pitchFamily="18" charset="0"/>
+                                </a:rPr>
+                              </m:ctrlPr>
+                            </m:sSubPr>
+                            <m:e>
+                              <m:r>
+                                <a:rPr lang="ru-RU" sz="2800" i="1">
+                                  <a:latin typeface="Cambria Math" panose="02040503050406030204" pitchFamily="18" charset="0"/>
+                                </a:rPr>
+                                <m:t>𝑣</m:t>
+                              </m:r>
+                            </m:e>
+                            <m:sub>
+                              <m:r>
+                                <a:rPr lang="ru-RU" sz="2800" i="1">
+                                  <a:latin typeface="Cambria Math" panose="02040503050406030204" pitchFamily="18" charset="0"/>
+                                </a:rPr>
+                                <m:t>𝑖</m:t>
+                              </m:r>
+                            </m:sub>
+                          </m:sSub>
+                          <m:r>
+                            <a:rPr lang="ru-RU" sz="2800">
+                              <a:latin typeface="Cambria Math" panose="02040503050406030204" pitchFamily="18" charset="0"/>
+                            </a:rPr>
+                            <m:t>,</m:t>
+                          </m:r>
+                          <m:sSub>
+                            <m:sSubPr>
+                              <m:ctrlPr>
+                                <a:rPr lang="ru-RU" sz="2800" i="1">
+                                  <a:latin typeface="Cambria Math" panose="02040503050406030204" pitchFamily="18" charset="0"/>
+                                </a:rPr>
+                              </m:ctrlPr>
+                            </m:sSubPr>
+                            <m:e>
+                              <m:r>
+                                <a:rPr lang="ru-RU" sz="2800" i="1">
+                                  <a:latin typeface="Cambria Math" panose="02040503050406030204" pitchFamily="18" charset="0"/>
+                                </a:rPr>
+                                <m:t>𝑣</m:t>
+                              </m:r>
+                            </m:e>
+                            <m:sub>
+                              <m:r>
+                                <a:rPr lang="ru-RU" sz="2800" i="1">
+                                  <a:latin typeface="Cambria Math" panose="02040503050406030204" pitchFamily="18" charset="0"/>
+                                </a:rPr>
+                                <m:t>𝑗</m:t>
+                              </m:r>
+                            </m:sub>
+                          </m:sSub>
+                          <m:r>
+                            <a:rPr lang="ru-RU" sz="2800">
+                              <a:latin typeface="Cambria Math" panose="02040503050406030204" pitchFamily="18" charset="0"/>
+                            </a:rPr>
+                            <m:t>∈</m:t>
+                          </m:r>
+                          <m:r>
+                            <a:rPr lang="ru-RU" sz="2800" i="1">
+                              <a:latin typeface="Cambria Math" panose="02040503050406030204" pitchFamily="18" charset="0"/>
+                            </a:rPr>
+                            <m:t>𝑉</m:t>
+                          </m:r>
+                          <m:r>
+                            <a:rPr lang="ru-RU" sz="2800">
+                              <a:latin typeface="Cambria Math" panose="02040503050406030204" pitchFamily="18" charset="0"/>
+                            </a:rPr>
+                            <m:t>, </m:t>
+                          </m:r>
+                          <m:d>
+                            <m:dPr>
+                              <m:begChr m:val="{"/>
+                              <m:endChr m:val="}"/>
+                              <m:ctrlPr>
+                                <a:rPr lang="ru-RU" sz="2800" i="1">
+                                  <a:latin typeface="Cambria Math" panose="02040503050406030204" pitchFamily="18" charset="0"/>
+                                </a:rPr>
+                              </m:ctrlPr>
+                            </m:dPr>
+                            <m:e>
+                              <m:sSub>
+                                <m:sSubPr>
+                                  <m:ctrlPr>
+                                    <a:rPr lang="ru-RU" sz="2800" i="1">
+                                      <a:latin typeface="Cambria Math" panose="02040503050406030204" pitchFamily="18" charset="0"/>
+                                    </a:rPr>
+                                  </m:ctrlPr>
+                                </m:sSubPr>
+                                <m:e>
+                                  <m:r>
+                                    <a:rPr lang="ru-RU" sz="2800" i="1">
+                                      <a:latin typeface="Cambria Math" panose="02040503050406030204" pitchFamily="18" charset="0"/>
+                                    </a:rPr>
+                                    <m:t>𝑣</m:t>
+                                  </m:r>
+                                </m:e>
+                                <m:sub>
+                                  <m:r>
+                                    <a:rPr lang="ru-RU" sz="2800" i="1">
+                                      <a:latin typeface="Cambria Math" panose="02040503050406030204" pitchFamily="18" charset="0"/>
+                                    </a:rPr>
+                                    <m:t>𝑖</m:t>
+                                  </m:r>
+                                </m:sub>
+                              </m:sSub>
+                              <m:r>
+                                <a:rPr lang="ru-RU" sz="2800">
+                                  <a:latin typeface="Cambria Math" panose="02040503050406030204" pitchFamily="18" charset="0"/>
+                                </a:rPr>
+                                <m:t>, </m:t>
+                              </m:r>
+                              <m:sSub>
+                                <m:sSubPr>
+                                  <m:ctrlPr>
+                                    <a:rPr lang="ru-RU" sz="2800" i="1">
+                                      <a:latin typeface="Cambria Math" panose="02040503050406030204" pitchFamily="18" charset="0"/>
+                                    </a:rPr>
+                                  </m:ctrlPr>
+                                </m:sSubPr>
+                                <m:e>
+                                  <m:r>
+                                    <a:rPr lang="ru-RU" sz="2800" i="1">
+                                      <a:latin typeface="Cambria Math" panose="02040503050406030204" pitchFamily="18" charset="0"/>
+                                    </a:rPr>
+                                    <m:t>𝑣</m:t>
+                                  </m:r>
+                                </m:e>
+                                <m:sub>
+                                  <m:r>
+                                    <a:rPr lang="ru-RU" sz="2800" i="1">
+                                      <a:latin typeface="Cambria Math" panose="02040503050406030204" pitchFamily="18" charset="0"/>
+                                    </a:rPr>
+                                    <m:t>𝑗</m:t>
+                                  </m:r>
+                                </m:sub>
+                              </m:sSub>
+                            </m:e>
+                          </m:d>
+                          <m:r>
+                            <a:rPr lang="ru-RU" sz="2800">
+                              <a:latin typeface="Cambria Math" panose="02040503050406030204" pitchFamily="18" charset="0"/>
+                            </a:rPr>
+                            <m:t>∉</m:t>
+                          </m:r>
+                          <m:r>
+                            <a:rPr lang="ru-RU" sz="2800" i="1">
+                              <a:latin typeface="Cambria Math" panose="02040503050406030204" pitchFamily="18" charset="0"/>
+                            </a:rPr>
+                            <m:t>𝐸</m:t>
+                          </m:r>
+                          <m:r>
+                            <a:rPr lang="ru-RU" sz="2800">
+                              <a:latin typeface="Cambria Math" panose="02040503050406030204" pitchFamily="18" charset="0"/>
+                            </a:rPr>
+                            <m:t>,  </m:t>
+                          </m:r>
+                          <m:nary>
+                            <m:naryPr>
+                              <m:chr m:val="∑"/>
+                              <m:limLoc m:val="undOvr"/>
+                              <m:ctrlPr>
+                                <a:rPr lang="ru-RU" sz="2800" i="1">
+                                  <a:latin typeface="Cambria Math" panose="02040503050406030204" pitchFamily="18" charset="0"/>
+                                </a:rPr>
+                              </m:ctrlPr>
+                            </m:naryPr>
+                            <m:sub>
+                              <m:r>
+                                <a:rPr lang="ru-RU" sz="2800" i="1">
+                                  <a:latin typeface="Cambria Math" panose="02040503050406030204" pitchFamily="18" charset="0"/>
+                                </a:rPr>
+                                <m:t>𝑙</m:t>
+                              </m:r>
+                              <m:r>
+                                <a:rPr lang="ru-RU" sz="2800">
+                                  <a:latin typeface="Cambria Math" panose="02040503050406030204" pitchFamily="18" charset="0"/>
+                                </a:rPr>
+                                <m:t>=1</m:t>
+                              </m:r>
+                            </m:sub>
+                            <m:sup>
+                              <m:r>
+                                <a:rPr lang="ru-RU" sz="2800" i="1">
+                                  <a:latin typeface="Cambria Math" panose="02040503050406030204" pitchFamily="18" charset="0"/>
+                                </a:rPr>
+                                <m:t>𝑘</m:t>
+                              </m:r>
+                            </m:sup>
+                            <m:e>
+                              <m:d>
+                                <m:dPr>
+                                  <m:begChr m:val="|"/>
+                                  <m:endChr m:val="|"/>
+                                  <m:ctrlPr>
+                                    <a:rPr lang="ru-RU" sz="2800" i="1">
+                                      <a:latin typeface="Cambria Math" panose="02040503050406030204" pitchFamily="18" charset="0"/>
+                                    </a:rPr>
+                                  </m:ctrlPr>
+                                </m:dPr>
+                                <m:e>
+                                  <m:sSub>
+                                    <m:sSubPr>
+                                      <m:ctrlPr>
+                                        <a:rPr lang="ru-RU" sz="2800" i="1">
+                                          <a:latin typeface="Cambria Math" panose="02040503050406030204" pitchFamily="18" charset="0"/>
+                                        </a:rPr>
+                                      </m:ctrlPr>
+                                    </m:sSubPr>
+                                    <m:e>
+                                      <m:r>
+                                        <a:rPr lang="ru-RU" sz="2800" i="1">
+                                          <a:latin typeface="Cambria Math" panose="02040503050406030204" pitchFamily="18" charset="0"/>
+                                        </a:rPr>
+                                        <m:t>𝑥</m:t>
+                                      </m:r>
+                                    </m:e>
+                                    <m:sub>
+                                      <m:r>
+                                        <a:rPr lang="ru-RU" sz="2800" i="1">
+                                          <a:latin typeface="Cambria Math" panose="02040503050406030204" pitchFamily="18" charset="0"/>
+                                        </a:rPr>
+                                        <m:t>𝑖𝑙</m:t>
+                                      </m:r>
+                                    </m:sub>
+                                  </m:sSub>
+                                  <m:r>
+                                    <a:rPr lang="ru-RU" sz="2800">
+                                      <a:latin typeface="Cambria Math" panose="02040503050406030204" pitchFamily="18" charset="0"/>
+                                    </a:rPr>
+                                    <m:t>−</m:t>
+                                  </m:r>
+                                  <m:sSub>
+                                    <m:sSubPr>
+                                      <m:ctrlPr>
+                                        <a:rPr lang="ru-RU" sz="2800" i="1">
+                                          <a:latin typeface="Cambria Math" panose="02040503050406030204" pitchFamily="18" charset="0"/>
+                                        </a:rPr>
+                                      </m:ctrlPr>
+                                    </m:sSubPr>
+                                    <m:e>
+                                      <m:r>
+                                        <a:rPr lang="ru-RU" sz="2800" i="1">
+                                          <a:latin typeface="Cambria Math" panose="02040503050406030204" pitchFamily="18" charset="0"/>
+                                        </a:rPr>
+                                        <m:t>𝑥</m:t>
+                                      </m:r>
+                                    </m:e>
+                                    <m:sub>
+                                      <m:r>
+                                        <a:rPr lang="ru-RU" sz="2800" i="1">
+                                          <a:latin typeface="Cambria Math" panose="02040503050406030204" pitchFamily="18" charset="0"/>
+                                        </a:rPr>
+                                        <m:t>𝑗𝑙</m:t>
+                                      </m:r>
+                                    </m:sub>
+                                  </m:sSub>
+                                </m:e>
+                              </m:d>
+                              <m:r>
+                                <a:rPr lang="ru-RU" sz="2800">
+                                  <a:latin typeface="Cambria Math" panose="02040503050406030204" pitchFamily="18" charset="0"/>
+                                </a:rPr>
+                                <m:t>=1</m:t>
+                              </m:r>
+                            </m:e>
+                          </m:nary>
+                        </m:e>
+                      </m:d>
+                    </m:oMath>
+                  </m:oMathPara>
+                </a14:m>
+                <a:endParaRPr lang="ru-RU" sz="2800" dirty="0">
+                  <a:solidFill>
+                    <a:srgbClr val="000000"/>
+                  </a:solidFill>
+                </a:endParaRPr>
+              </a:p>
+            </p:txBody>
+          </p:sp>
+        </mc:Choice>
+        <mc:Fallback>
+          <p:sp>
+            <p:nvSpPr>
+              <p:cNvPr id="6" name="Прямоугольник 5"/>
+              <p:cNvSpPr>
+                <a:spLocks noRot="1" noChangeAspect="1" noMove="1" noResize="1" noEditPoints="1" noAdjustHandles="1" noChangeArrowheads="1" noChangeShapeType="1" noTextEdit="1"/>
+              </p:cNvSpPr>
+              <p:nvPr/>
+            </p:nvSpPr>
+            <p:spPr>
+              <a:xfrm>
+                <a:off x="1134429" y="4273770"/>
+                <a:ext cx="10032682" cy="1888915"/>
+              </a:xfrm>
+              <a:prstGeom prst="rect">
+                <a:avLst/>
+              </a:prstGeom>
+              <a:blipFill>
+                <a:blip r:embed="rId3"/>
+                <a:stretch>
+                  <a:fillRect/>
+                </a:stretch>
+              </a:blipFill>
+            </p:spPr>
+            <p:txBody>
+              <a:bodyPr/>
+              <a:lstStyle/>
+              <a:p>
+                <a:r>
+                  <a:rPr lang="ru-RU">
+                    <a:noFill/>
+                  </a:rPr>
+                  <a:t> </a:t>
+                </a:r>
+              </a:p>
+            </p:txBody>
+          </p:sp>
+        </mc:Fallback>
+      </mc:AlternateContent>
       <p:sp>
         <p:nvSpPr>
           <p:cNvPr id="7" name="Заголовок 1"/>
@@ -5503,6 +6839,143 @@
           </a:p>
         </p:txBody>
       </p:sp>
+      <mc:AlternateContent xmlns:mc="http://schemas.openxmlformats.org/markup-compatibility/2006">
+        <mc:Choice xmlns:a14="http://schemas.microsoft.com/office/drawing/2010/main" Requires="a14">
+          <p:sp>
+            <p:nvSpPr>
+              <p:cNvPr id="8" name="Прямоугольник 7"/>
+              <p:cNvSpPr/>
+              <p:nvPr/>
+            </p:nvSpPr>
+            <p:spPr>
+              <a:xfrm>
+                <a:off x="1134429" y="3867123"/>
+                <a:ext cx="11329986" cy="523220"/>
+              </a:xfrm>
+              <a:prstGeom prst="rect">
+                <a:avLst/>
+              </a:prstGeom>
+            </p:spPr>
+            <p:txBody>
+              <a:bodyPr wrap="square">
+                <a:spAutoFit/>
+              </a:bodyPr>
+              <a:lstStyle/>
+              <a:p>
+                <a:r>
+                  <a:rPr lang="en-US" sz="2800" dirty="0" smtClean="0">
+                    <a:solidFill>
+                      <a:srgbClr val="000000"/>
+                    </a:solidFill>
+                  </a:rPr>
+                  <a:t>  </a:t>
+                </a:r>
+                <a14:m>
+                  <m:oMath xmlns:m="http://schemas.openxmlformats.org/officeDocument/2006/math">
+                    <m:r>
+                      <a:rPr lang="ru-RU" sz="2800" i="1" dirty="0" smtClean="0">
+                        <a:solidFill>
+                          <a:srgbClr val="000000"/>
+                        </a:solidFill>
+                        <a:latin typeface="Cambria Math" panose="02040503050406030204" pitchFamily="18" charset="0"/>
+                      </a:rPr>
+                      <m:t>𝐹</m:t>
+                    </m:r>
+                    <m:r>
+                      <a:rPr lang="en-US" sz="2800" i="1" dirty="0" smtClean="0">
+                        <a:solidFill>
+                          <a:srgbClr val="000000"/>
+                        </a:solidFill>
+                        <a:latin typeface="Cambria Math" panose="02040503050406030204" pitchFamily="18" charset="0"/>
+                      </a:rPr>
+                      <m:t> </m:t>
+                    </m:r>
+                    <m:r>
+                      <a:rPr lang="ru-RU" sz="2800" i="1" dirty="0" smtClean="0">
+                        <a:solidFill>
+                          <a:srgbClr val="000000"/>
+                        </a:solidFill>
+                        <a:latin typeface="Cambria Math" panose="02040503050406030204" pitchFamily="18" charset="0"/>
+                      </a:rPr>
+                      <m:t>= </m:t>
+                    </m:r>
+                    <m:r>
+                      <a:rPr lang="ru-RU" sz="2800" i="1" dirty="0" smtClean="0">
+                        <a:solidFill>
+                          <a:srgbClr val="000000"/>
+                        </a:solidFill>
+                        <a:latin typeface="Cambria Math" panose="02040503050406030204" pitchFamily="18" charset="0"/>
+                      </a:rPr>
+                      <m:t>𝑘</m:t>
+                    </m:r>
+                    <m:r>
+                      <a:rPr lang="ru-RU" sz="2800" i="1" dirty="0" smtClean="0">
+                        <a:solidFill>
+                          <a:srgbClr val="000000"/>
+                        </a:solidFill>
+                        <a:latin typeface="Cambria Math" panose="02040503050406030204" pitchFamily="18" charset="0"/>
+                      </a:rPr>
+                      <m:t>=&gt;</m:t>
+                    </m:r>
+                    <m:r>
+                      <a:rPr lang="ru-RU" sz="2800" i="1" dirty="0" smtClean="0">
+                        <a:solidFill>
+                          <a:srgbClr val="000000"/>
+                        </a:solidFill>
+                        <a:latin typeface="Cambria Math" panose="02040503050406030204" pitchFamily="18" charset="0"/>
+                      </a:rPr>
+                      <m:t>𝑚𝑖𝑛</m:t>
+                    </m:r>
+                  </m:oMath>
+                </a14:m>
+                <a:endParaRPr lang="ru-RU" sz="2800" dirty="0" smtClean="0">
+                  <a:solidFill>
+                    <a:srgbClr val="000000"/>
+                  </a:solidFill>
+                </a:endParaRPr>
+              </a:p>
+            </p:txBody>
+          </p:sp>
+        </mc:Choice>
+        <mc:Fallback>
+          <p:sp>
+            <p:nvSpPr>
+              <p:cNvPr id="8" name="Прямоугольник 7"/>
+              <p:cNvSpPr>
+                <a:spLocks noRot="1" noChangeAspect="1" noMove="1" noResize="1" noEditPoints="1" noAdjustHandles="1" noChangeArrowheads="1" noChangeShapeType="1" noTextEdit="1"/>
+              </p:cNvSpPr>
+              <p:nvPr/>
+            </p:nvSpPr>
+            <p:spPr>
+              <a:xfrm>
+                <a:off x="1134429" y="3867123"/>
+                <a:ext cx="11329986" cy="523220"/>
+              </a:xfrm>
+              <a:prstGeom prst="rect">
+                <a:avLst/>
+              </a:prstGeom>
+              <a:blipFill>
+                <a:blip r:embed="rId4"/>
+                <a:stretch>
+                  <a:fillRect/>
+                </a:stretch>
+              </a:blipFill>
+            </p:spPr>
+            <p:txBody>
+              <a:bodyPr/>
+              <a:lstStyle/>
+              <a:p>
+                <a:r>
+                  <a:rPr lang="ru-RU">
+                    <a:noFill/>
+                  </a:rPr>
+                  <a:t> </a:t>
+                </a:r>
+              </a:p>
+            </p:txBody>
+          </p:sp>
+        </mc:Fallback>
+      </mc:AlternateContent>
     </p:spTree>
     <p:extLst>
       <p:ext uri="{BB962C8B-B14F-4D97-AF65-F5344CB8AC3E}">
@@ -10167,56 +11640,56 @@
                 <a:gridCol w="1711711">
                   <a:extLst>
                     <a:ext uri="{9D8B030D-6E8A-4147-A177-3AD203B41FA5}">
-                      <a16:colId xmlns="" xmlns:a16="http://schemas.microsoft.com/office/drawing/2014/main" val="1171950682"/>
+                      <a16:colId xmlns:a16="http://schemas.microsoft.com/office/drawing/2014/main" val="1171950682"/>
                     </a:ext>
                   </a:extLst>
                 </a:gridCol>
                 <a:gridCol w="848102">
                   <a:extLst>
                     <a:ext uri="{9D8B030D-6E8A-4147-A177-3AD203B41FA5}">
-                      <a16:colId xmlns="" xmlns:a16="http://schemas.microsoft.com/office/drawing/2014/main" val="2713623616"/>
+                      <a16:colId xmlns:a16="http://schemas.microsoft.com/office/drawing/2014/main" val="2713623616"/>
                     </a:ext>
                   </a:extLst>
                 </a:gridCol>
                 <a:gridCol w="1358137">
                   <a:extLst>
                     <a:ext uri="{9D8B030D-6E8A-4147-A177-3AD203B41FA5}">
-                      <a16:colId xmlns="" xmlns:a16="http://schemas.microsoft.com/office/drawing/2014/main" val="4214117398"/>
+                      <a16:colId xmlns:a16="http://schemas.microsoft.com/office/drawing/2014/main" val="4214117398"/>
                     </a:ext>
                   </a:extLst>
                 </a:gridCol>
                 <a:gridCol w="1358137">
                   <a:extLst>
                     <a:ext uri="{9D8B030D-6E8A-4147-A177-3AD203B41FA5}">
-                      <a16:colId xmlns="" xmlns:a16="http://schemas.microsoft.com/office/drawing/2014/main" val="3936630454"/>
+                      <a16:colId xmlns:a16="http://schemas.microsoft.com/office/drawing/2014/main" val="3936630454"/>
                     </a:ext>
                   </a:extLst>
                 </a:gridCol>
                 <a:gridCol w="1357073">
                   <a:extLst>
                     <a:ext uri="{9D8B030D-6E8A-4147-A177-3AD203B41FA5}">
-                      <a16:colId xmlns="" xmlns:a16="http://schemas.microsoft.com/office/drawing/2014/main" val="3619060530"/>
+                      <a16:colId xmlns:a16="http://schemas.microsoft.com/office/drawing/2014/main" val="3619060530"/>
                     </a:ext>
                   </a:extLst>
                 </a:gridCol>
                 <a:gridCol w="1388332">
                   <a:extLst>
                     <a:ext uri="{9D8B030D-6E8A-4147-A177-3AD203B41FA5}">
-                      <a16:colId xmlns="" xmlns:a16="http://schemas.microsoft.com/office/drawing/2014/main" val="3962761656"/>
+                      <a16:colId xmlns:a16="http://schemas.microsoft.com/office/drawing/2014/main" val="3962761656"/>
                     </a:ext>
                   </a:extLst>
                 </a:gridCol>
                 <a:gridCol w="1271351">
                   <a:extLst>
                     <a:ext uri="{9D8B030D-6E8A-4147-A177-3AD203B41FA5}">
-                      <a16:colId xmlns="" xmlns:a16="http://schemas.microsoft.com/office/drawing/2014/main" val="2897370512"/>
+                      <a16:colId xmlns:a16="http://schemas.microsoft.com/office/drawing/2014/main" val="2897370512"/>
                     </a:ext>
                   </a:extLst>
                 </a:gridCol>
                 <a:gridCol w="1553208">
                   <a:extLst>
                     <a:ext uri="{9D8B030D-6E8A-4147-A177-3AD203B41FA5}">
-                      <a16:colId xmlns="" xmlns:a16="http://schemas.microsoft.com/office/drawing/2014/main" val="2623348019"/>
+                      <a16:colId xmlns:a16="http://schemas.microsoft.com/office/drawing/2014/main" val="2623348019"/>
                     </a:ext>
                   </a:extLst>
                 </a:gridCol>
@@ -10424,7 +11897,7 @@
                 </a:tc>
                 <a:extLst>
                   <a:ext uri="{0D108BD9-81ED-4DB2-BD59-A6C34878D82A}">
-                    <a16:rowId xmlns="" xmlns:a16="http://schemas.microsoft.com/office/drawing/2014/main" val="396192681"/>
+                    <a16:rowId xmlns:a16="http://schemas.microsoft.com/office/drawing/2014/main" val="396192681"/>
                   </a:ext>
                 </a:extLst>
               </a:tr>
@@ -10591,7 +12064,7 @@
                 </a:tc>
                 <a:extLst>
                   <a:ext uri="{0D108BD9-81ED-4DB2-BD59-A6C34878D82A}">
-                    <a16:rowId xmlns="" xmlns:a16="http://schemas.microsoft.com/office/drawing/2014/main" val="658754578"/>
+                    <a16:rowId xmlns:a16="http://schemas.microsoft.com/office/drawing/2014/main" val="658754578"/>
                   </a:ext>
                 </a:extLst>
               </a:tr>
@@ -10765,7 +12238,7 @@
                 </a:tc>
                 <a:extLst>
                   <a:ext uri="{0D108BD9-81ED-4DB2-BD59-A6C34878D82A}">
-                    <a16:rowId xmlns="" xmlns:a16="http://schemas.microsoft.com/office/drawing/2014/main" val="2775249390"/>
+                    <a16:rowId xmlns:a16="http://schemas.microsoft.com/office/drawing/2014/main" val="2775249390"/>
                   </a:ext>
                 </a:extLst>
               </a:tr>
@@ -10932,7 +12405,7 @@
                 </a:tc>
                 <a:extLst>
                   <a:ext uri="{0D108BD9-81ED-4DB2-BD59-A6C34878D82A}">
-                    <a16:rowId xmlns="" xmlns:a16="http://schemas.microsoft.com/office/drawing/2014/main" val="351305436"/>
+                    <a16:rowId xmlns:a16="http://schemas.microsoft.com/office/drawing/2014/main" val="351305436"/>
                   </a:ext>
                 </a:extLst>
               </a:tr>
@@ -11106,7 +12579,7 @@
                 </a:tc>
                 <a:extLst>
                   <a:ext uri="{0D108BD9-81ED-4DB2-BD59-A6C34878D82A}">
-                    <a16:rowId xmlns="" xmlns:a16="http://schemas.microsoft.com/office/drawing/2014/main" val="743266472"/>
+                    <a16:rowId xmlns:a16="http://schemas.microsoft.com/office/drawing/2014/main" val="743266472"/>
                   </a:ext>
                 </a:extLst>
               </a:tr>
@@ -11273,7 +12746,7 @@
                 </a:tc>
                 <a:extLst>
                   <a:ext uri="{0D108BD9-81ED-4DB2-BD59-A6C34878D82A}">
-                    <a16:rowId xmlns="" xmlns:a16="http://schemas.microsoft.com/office/drawing/2014/main" val="3253733328"/>
+                    <a16:rowId xmlns:a16="http://schemas.microsoft.com/office/drawing/2014/main" val="3253733328"/>
                   </a:ext>
                 </a:extLst>
               </a:tr>
@@ -11440,7 +12913,7 @@
                 </a:tc>
                 <a:extLst>
                   <a:ext uri="{0D108BD9-81ED-4DB2-BD59-A6C34878D82A}">
-                    <a16:rowId xmlns="" xmlns:a16="http://schemas.microsoft.com/office/drawing/2014/main" val="4155944330"/>
+                    <a16:rowId xmlns:a16="http://schemas.microsoft.com/office/drawing/2014/main" val="4155944330"/>
                   </a:ext>
                 </a:extLst>
               </a:tr>
@@ -11614,7 +13087,7 @@
                 </a:tc>
                 <a:extLst>
                   <a:ext uri="{0D108BD9-81ED-4DB2-BD59-A6C34878D82A}">
-                    <a16:rowId xmlns="" xmlns:a16="http://schemas.microsoft.com/office/drawing/2014/main" val="232013355"/>
+                    <a16:rowId xmlns:a16="http://schemas.microsoft.com/office/drawing/2014/main" val="232013355"/>
                   </a:ext>
                 </a:extLst>
               </a:tr>
@@ -11779,6 +13252,11 @@
                   </a:txBody>
                   <a:tcPr marL="9525" marR="9525" marT="9525" marB="0" anchor="b"/>
                 </a:tc>
+                <a:extLst>
+                  <a:ext uri="{0D108BD9-81ED-4DB2-BD59-A6C34878D82A}">
+                    <a16:rowId xmlns:a16="http://schemas.microsoft.com/office/drawing/2014/main" val="10008"/>
+                  </a:ext>
+                </a:extLst>
               </a:tr>
               <a:tr h="218811">
                 <a:tc>
@@ -11948,6 +13426,11 @@
                   </a:txBody>
                   <a:tcPr marL="9525" marR="9525" marT="9525" marB="0" anchor="b"/>
                 </a:tc>
+                <a:extLst>
+                  <a:ext uri="{0D108BD9-81ED-4DB2-BD59-A6C34878D82A}">
+                    <a16:rowId xmlns:a16="http://schemas.microsoft.com/office/drawing/2014/main" val="10009"/>
+                  </a:ext>
+                </a:extLst>
               </a:tr>
               <a:tr h="218811">
                 <a:tc>
@@ -12110,6 +13593,11 @@
                   </a:txBody>
                   <a:tcPr marL="9525" marR="9525" marT="9525" marB="0" anchor="b"/>
                 </a:tc>
+                <a:extLst>
+                  <a:ext uri="{0D108BD9-81ED-4DB2-BD59-A6C34878D82A}">
+                    <a16:rowId xmlns:a16="http://schemas.microsoft.com/office/drawing/2014/main" val="10010"/>
+                  </a:ext>
+                </a:extLst>
               </a:tr>
               <a:tr h="218811">
                 <a:tc>
@@ -12279,6 +13767,11 @@
                   </a:txBody>
                   <a:tcPr marL="9525" marR="9525" marT="9525" marB="0" anchor="b"/>
                 </a:tc>
+                <a:extLst>
+                  <a:ext uri="{0D108BD9-81ED-4DB2-BD59-A6C34878D82A}">
+                    <a16:rowId xmlns:a16="http://schemas.microsoft.com/office/drawing/2014/main" val="10011"/>
+                  </a:ext>
+                </a:extLst>
               </a:tr>
               <a:tr h="218811">
                 <a:tc>
@@ -12441,6 +13934,11 @@
                   </a:txBody>
                   <a:tcPr marL="9525" marR="9525" marT="9525" marB="0" anchor="b"/>
                 </a:tc>
+                <a:extLst>
+                  <a:ext uri="{0D108BD9-81ED-4DB2-BD59-A6C34878D82A}">
+                    <a16:rowId xmlns:a16="http://schemas.microsoft.com/office/drawing/2014/main" val="10012"/>
+                  </a:ext>
+                </a:extLst>
               </a:tr>
               <a:tr h="218811">
                 <a:tc>
@@ -12610,6 +14108,11 @@
                   </a:txBody>
                   <a:tcPr marL="9525" marR="9525" marT="9525" marB="0" anchor="b"/>
                 </a:tc>
+                <a:extLst>
+                  <a:ext uri="{0D108BD9-81ED-4DB2-BD59-A6C34878D82A}">
+                    <a16:rowId xmlns:a16="http://schemas.microsoft.com/office/drawing/2014/main" val="10013"/>
+                  </a:ext>
+                </a:extLst>
               </a:tr>
               <a:tr h="218811">
                 <a:tc>
@@ -12772,6 +14275,11 @@
                   </a:txBody>
                   <a:tcPr marL="9525" marR="9525" marT="9525" marB="0" anchor="b"/>
                 </a:tc>
+                <a:extLst>
+                  <a:ext uri="{0D108BD9-81ED-4DB2-BD59-A6C34878D82A}">
+                    <a16:rowId xmlns:a16="http://schemas.microsoft.com/office/drawing/2014/main" val="10014"/>
+                  </a:ext>
+                </a:extLst>
               </a:tr>
               <a:tr h="218811">
                 <a:tc>
@@ -12934,6 +14442,11 @@
                   </a:txBody>
                   <a:tcPr marL="9525" marR="9525" marT="9525" marB="0" anchor="b"/>
                 </a:tc>
+                <a:extLst>
+                  <a:ext uri="{0D108BD9-81ED-4DB2-BD59-A6C34878D82A}">
+                    <a16:rowId xmlns:a16="http://schemas.microsoft.com/office/drawing/2014/main" val="10015"/>
+                  </a:ext>
+                </a:extLst>
               </a:tr>
               <a:tr h="218811">
                 <a:tc>
@@ -13096,6 +14609,11 @@
                   </a:txBody>
                   <a:tcPr marL="9525" marR="9525" marT="9525" marB="0" anchor="b"/>
                 </a:tc>
+                <a:extLst>
+                  <a:ext uri="{0D108BD9-81ED-4DB2-BD59-A6C34878D82A}">
+                    <a16:rowId xmlns:a16="http://schemas.microsoft.com/office/drawing/2014/main" val="10016"/>
+                  </a:ext>
+                </a:extLst>
               </a:tr>
               <a:tr h="218811">
                 <a:tc>
@@ -13265,6 +14783,11 @@
                   </a:txBody>
                   <a:tcPr marL="9525" marR="9525" marT="9525" marB="0" anchor="b"/>
                 </a:tc>
+                <a:extLst>
+                  <a:ext uri="{0D108BD9-81ED-4DB2-BD59-A6C34878D82A}">
+                    <a16:rowId xmlns:a16="http://schemas.microsoft.com/office/drawing/2014/main" val="10017"/>
+                  </a:ext>
+                </a:extLst>
               </a:tr>
               <a:tr h="218811">
                 <a:tc>
@@ -13434,6 +14957,11 @@
                   </a:txBody>
                   <a:tcPr marL="9525" marR="9525" marT="9525" marB="0" anchor="b"/>
                 </a:tc>
+                <a:extLst>
+                  <a:ext uri="{0D108BD9-81ED-4DB2-BD59-A6C34878D82A}">
+                    <a16:rowId xmlns:a16="http://schemas.microsoft.com/office/drawing/2014/main" val="10018"/>
+                  </a:ext>
+                </a:extLst>
               </a:tr>
             </a:tbl>
           </a:graphicData>
@@ -13566,56 +15094,56 @@
                 <a:gridCol w="1711711">
                   <a:extLst>
                     <a:ext uri="{9D8B030D-6E8A-4147-A177-3AD203B41FA5}">
-                      <a16:colId xmlns="" xmlns:a16="http://schemas.microsoft.com/office/drawing/2014/main" val="1171950682"/>
+                      <a16:colId xmlns:a16="http://schemas.microsoft.com/office/drawing/2014/main" val="1171950682"/>
                     </a:ext>
                   </a:extLst>
                 </a:gridCol>
                 <a:gridCol w="848102">
                   <a:extLst>
                     <a:ext uri="{9D8B030D-6E8A-4147-A177-3AD203B41FA5}">
-                      <a16:colId xmlns="" xmlns:a16="http://schemas.microsoft.com/office/drawing/2014/main" val="2713623616"/>
+                      <a16:colId xmlns:a16="http://schemas.microsoft.com/office/drawing/2014/main" val="2713623616"/>
                     </a:ext>
                   </a:extLst>
                 </a:gridCol>
                 <a:gridCol w="1358137">
                   <a:extLst>
                     <a:ext uri="{9D8B030D-6E8A-4147-A177-3AD203B41FA5}">
-                      <a16:colId xmlns="" xmlns:a16="http://schemas.microsoft.com/office/drawing/2014/main" val="4214117398"/>
+                      <a16:colId xmlns:a16="http://schemas.microsoft.com/office/drawing/2014/main" val="4214117398"/>
                     </a:ext>
                   </a:extLst>
                 </a:gridCol>
                 <a:gridCol w="1358137">
                   <a:extLst>
                     <a:ext uri="{9D8B030D-6E8A-4147-A177-3AD203B41FA5}">
-                      <a16:colId xmlns="" xmlns:a16="http://schemas.microsoft.com/office/drawing/2014/main" val="3936630454"/>
+                      <a16:colId xmlns:a16="http://schemas.microsoft.com/office/drawing/2014/main" val="3936630454"/>
                     </a:ext>
                   </a:extLst>
                 </a:gridCol>
                 <a:gridCol w="1357073">
                   <a:extLst>
                     <a:ext uri="{9D8B030D-6E8A-4147-A177-3AD203B41FA5}">
-                      <a16:colId xmlns="" xmlns:a16="http://schemas.microsoft.com/office/drawing/2014/main" val="3619060530"/>
+                      <a16:colId xmlns:a16="http://schemas.microsoft.com/office/drawing/2014/main" val="3619060530"/>
                     </a:ext>
                   </a:extLst>
                 </a:gridCol>
                 <a:gridCol w="1434323">
                   <a:extLst>
                     <a:ext uri="{9D8B030D-6E8A-4147-A177-3AD203B41FA5}">
-                      <a16:colId xmlns="" xmlns:a16="http://schemas.microsoft.com/office/drawing/2014/main" val="3962761656"/>
+                      <a16:colId xmlns:a16="http://schemas.microsoft.com/office/drawing/2014/main" val="3962761656"/>
                     </a:ext>
                   </a:extLst>
                 </a:gridCol>
                 <a:gridCol w="1225360">
                   <a:extLst>
                     <a:ext uri="{9D8B030D-6E8A-4147-A177-3AD203B41FA5}">
-                      <a16:colId xmlns="" xmlns:a16="http://schemas.microsoft.com/office/drawing/2014/main" val="2897370512"/>
+                      <a16:colId xmlns:a16="http://schemas.microsoft.com/office/drawing/2014/main" val="2897370512"/>
                     </a:ext>
                   </a:extLst>
                 </a:gridCol>
                 <a:gridCol w="1553208">
                   <a:extLst>
                     <a:ext uri="{9D8B030D-6E8A-4147-A177-3AD203B41FA5}">
-                      <a16:colId xmlns="" xmlns:a16="http://schemas.microsoft.com/office/drawing/2014/main" val="2623348019"/>
+                      <a16:colId xmlns:a16="http://schemas.microsoft.com/office/drawing/2014/main" val="2623348019"/>
                     </a:ext>
                   </a:extLst>
                 </a:gridCol>
@@ -13823,7 +15351,7 @@
                 </a:tc>
                 <a:extLst>
                   <a:ext uri="{0D108BD9-81ED-4DB2-BD59-A6C34878D82A}">
-                    <a16:rowId xmlns="" xmlns:a16="http://schemas.microsoft.com/office/drawing/2014/main" val="396192681"/>
+                    <a16:rowId xmlns:a16="http://schemas.microsoft.com/office/drawing/2014/main" val="396192681"/>
                   </a:ext>
                 </a:extLst>
               </a:tr>
@@ -13990,7 +15518,7 @@
                 </a:tc>
                 <a:extLst>
                   <a:ext uri="{0D108BD9-81ED-4DB2-BD59-A6C34878D82A}">
-                    <a16:rowId xmlns="" xmlns:a16="http://schemas.microsoft.com/office/drawing/2014/main" val="3253733328"/>
+                    <a16:rowId xmlns:a16="http://schemas.microsoft.com/office/drawing/2014/main" val="3253733328"/>
                   </a:ext>
                 </a:extLst>
               </a:tr>
@@ -14157,7 +15685,7 @@
                 </a:tc>
                 <a:extLst>
                   <a:ext uri="{0D108BD9-81ED-4DB2-BD59-A6C34878D82A}">
-                    <a16:rowId xmlns="" xmlns:a16="http://schemas.microsoft.com/office/drawing/2014/main" val="4155944330"/>
+                    <a16:rowId xmlns:a16="http://schemas.microsoft.com/office/drawing/2014/main" val="4155944330"/>
                   </a:ext>
                 </a:extLst>
               </a:tr>
@@ -14324,7 +15852,7 @@
                 </a:tc>
                 <a:extLst>
                   <a:ext uri="{0D108BD9-81ED-4DB2-BD59-A6C34878D82A}">
-                    <a16:rowId xmlns="" xmlns:a16="http://schemas.microsoft.com/office/drawing/2014/main" val="232013355"/>
+                    <a16:rowId xmlns:a16="http://schemas.microsoft.com/office/drawing/2014/main" val="232013355"/>
                   </a:ext>
                 </a:extLst>
               </a:tr>
@@ -14489,6 +16017,11 @@
                   </a:txBody>
                   <a:tcPr marL="9525" marR="9525" marT="9525" marB="0" anchor="b"/>
                 </a:tc>
+                <a:extLst>
+                  <a:ext uri="{0D108BD9-81ED-4DB2-BD59-A6C34878D82A}">
+                    <a16:rowId xmlns:a16="http://schemas.microsoft.com/office/drawing/2014/main" val="10004"/>
+                  </a:ext>
+                </a:extLst>
               </a:tr>
               <a:tr h="218811">
                 <a:tc>
@@ -14651,6 +16184,11 @@
                   </a:txBody>
                   <a:tcPr marL="9525" marR="9525" marT="9525" marB="0" anchor="b"/>
                 </a:tc>
+                <a:extLst>
+                  <a:ext uri="{0D108BD9-81ED-4DB2-BD59-A6C34878D82A}">
+                    <a16:rowId xmlns:a16="http://schemas.microsoft.com/office/drawing/2014/main" val="10005"/>
+                  </a:ext>
+                </a:extLst>
               </a:tr>
               <a:tr h="218811">
                 <a:tc>
@@ -14813,6 +16351,11 @@
                   </a:txBody>
                   <a:tcPr marL="9525" marR="9525" marT="9525" marB="0" anchor="b"/>
                 </a:tc>
+                <a:extLst>
+                  <a:ext uri="{0D108BD9-81ED-4DB2-BD59-A6C34878D82A}">
+                    <a16:rowId xmlns:a16="http://schemas.microsoft.com/office/drawing/2014/main" val="10006"/>
+                  </a:ext>
+                </a:extLst>
               </a:tr>
               <a:tr h="218811">
                 <a:tc>
@@ -14975,6 +16518,11 @@
                   </a:txBody>
                   <a:tcPr marL="9525" marR="9525" marT="9525" marB="0" anchor="b"/>
                 </a:tc>
+                <a:extLst>
+                  <a:ext uri="{0D108BD9-81ED-4DB2-BD59-A6C34878D82A}">
+                    <a16:rowId xmlns:a16="http://schemas.microsoft.com/office/drawing/2014/main" val="10007"/>
+                  </a:ext>
+                </a:extLst>
               </a:tr>
               <a:tr h="218811">
                 <a:tc>
@@ -15137,6 +16685,11 @@
                   </a:txBody>
                   <a:tcPr marL="9525" marR="9525" marT="9525" marB="0" anchor="b"/>
                 </a:tc>
+                <a:extLst>
+                  <a:ext uri="{0D108BD9-81ED-4DB2-BD59-A6C34878D82A}">
+                    <a16:rowId xmlns:a16="http://schemas.microsoft.com/office/drawing/2014/main" val="10008"/>
+                  </a:ext>
+                </a:extLst>
               </a:tr>
               <a:tr h="218811">
                 <a:tc>
@@ -15299,6 +16852,11 @@
                   </a:txBody>
                   <a:tcPr marL="9525" marR="9525" marT="9525" marB="0" anchor="b"/>
                 </a:tc>
+                <a:extLst>
+                  <a:ext uri="{0D108BD9-81ED-4DB2-BD59-A6C34878D82A}">
+                    <a16:rowId xmlns:a16="http://schemas.microsoft.com/office/drawing/2014/main" val="10009"/>
+                  </a:ext>
+                </a:extLst>
               </a:tr>
               <a:tr h="218811">
                 <a:tc>
@@ -15465,6 +17023,11 @@
                   </a:txBody>
                   <a:tcPr marL="9525" marR="9525" marT="9525" marB="0" anchor="b"/>
                 </a:tc>
+                <a:extLst>
+                  <a:ext uri="{0D108BD9-81ED-4DB2-BD59-A6C34878D82A}">
+                    <a16:rowId xmlns:a16="http://schemas.microsoft.com/office/drawing/2014/main" val="10010"/>
+                  </a:ext>
+                </a:extLst>
               </a:tr>
               <a:tr h="218811">
                 <a:tc>
@@ -15631,6 +17194,11 @@
                   </a:txBody>
                   <a:tcPr marL="9525" marR="9525" marT="9525" marB="0" anchor="b"/>
                 </a:tc>
+                <a:extLst>
+                  <a:ext uri="{0D108BD9-81ED-4DB2-BD59-A6C34878D82A}">
+                    <a16:rowId xmlns:a16="http://schemas.microsoft.com/office/drawing/2014/main" val="10011"/>
+                  </a:ext>
+                </a:extLst>
               </a:tr>
               <a:tr h="218811">
                 <a:tc>
@@ -15797,6 +17365,11 @@
                   </a:txBody>
                   <a:tcPr marL="9525" marR="9525" marT="9525" marB="0" anchor="b"/>
                 </a:tc>
+                <a:extLst>
+                  <a:ext uri="{0D108BD9-81ED-4DB2-BD59-A6C34878D82A}">
+                    <a16:rowId xmlns:a16="http://schemas.microsoft.com/office/drawing/2014/main" val="10012"/>
+                  </a:ext>
+                </a:extLst>
               </a:tr>
               <a:tr h="218811">
                 <a:tc>
@@ -15963,6 +17536,11 @@
                   </a:txBody>
                   <a:tcPr marL="9525" marR="9525" marT="9525" marB="0" anchor="b"/>
                 </a:tc>
+                <a:extLst>
+                  <a:ext uri="{0D108BD9-81ED-4DB2-BD59-A6C34878D82A}">
+                    <a16:rowId xmlns:a16="http://schemas.microsoft.com/office/drawing/2014/main" val="10013"/>
+                  </a:ext>
+                </a:extLst>
               </a:tr>
               <a:tr h="218811">
                 <a:tc>
@@ -16122,6 +17700,11 @@
                   </a:txBody>
                   <a:tcPr marL="9525" marR="9525" marT="9525" marB="0" anchor="b"/>
                 </a:tc>
+                <a:extLst>
+                  <a:ext uri="{0D108BD9-81ED-4DB2-BD59-A6C34878D82A}">
+                    <a16:rowId xmlns:a16="http://schemas.microsoft.com/office/drawing/2014/main" val="10014"/>
+                  </a:ext>
+                </a:extLst>
               </a:tr>
               <a:tr h="218811">
                 <a:tc>
@@ -16281,6 +17864,11 @@
                   </a:txBody>
                   <a:tcPr marL="9525" marR="9525" marT="9525" marB="0" anchor="b"/>
                 </a:tc>
+                <a:extLst>
+                  <a:ext uri="{0D108BD9-81ED-4DB2-BD59-A6C34878D82A}">
+                    <a16:rowId xmlns:a16="http://schemas.microsoft.com/office/drawing/2014/main" val="10015"/>
+                  </a:ext>
+                </a:extLst>
               </a:tr>
               <a:tr h="218811">
                 <a:tc>
@@ -16447,6 +18035,11 @@
                   </a:txBody>
                   <a:tcPr marL="9525" marR="9525" marT="9525" marB="0" anchor="b"/>
                 </a:tc>
+                <a:extLst>
+                  <a:ext uri="{0D108BD9-81ED-4DB2-BD59-A6C34878D82A}">
+                    <a16:rowId xmlns:a16="http://schemas.microsoft.com/office/drawing/2014/main" val="10016"/>
+                  </a:ext>
+                </a:extLst>
               </a:tr>
               <a:tr h="218811">
                 <a:tc>
@@ -16613,6 +18206,11 @@
                   </a:txBody>
                   <a:tcPr marL="9525" marR="9525" marT="9525" marB="0" anchor="b"/>
                 </a:tc>
+                <a:extLst>
+                  <a:ext uri="{0D108BD9-81ED-4DB2-BD59-A6C34878D82A}">
+                    <a16:rowId xmlns:a16="http://schemas.microsoft.com/office/drawing/2014/main" val="10017"/>
+                  </a:ext>
+                </a:extLst>
               </a:tr>
               <a:tr h="218811">
                 <a:tc>
@@ -16772,6 +18370,11 @@
                   </a:txBody>
                   <a:tcPr marL="9525" marR="9525" marT="9525" marB="0" anchor="b"/>
                 </a:tc>
+                <a:extLst>
+                  <a:ext uri="{0D108BD9-81ED-4DB2-BD59-A6C34878D82A}">
+                    <a16:rowId xmlns:a16="http://schemas.microsoft.com/office/drawing/2014/main" val="10018"/>
+                  </a:ext>
+                </a:extLst>
               </a:tr>
               <a:tr h="218811">
                 <a:tc>
@@ -16931,6 +18534,11 @@
                   </a:txBody>
                   <a:tcPr marL="9525" marR="9525" marT="9525" marB="0" anchor="b"/>
                 </a:tc>
+                <a:extLst>
+                  <a:ext uri="{0D108BD9-81ED-4DB2-BD59-A6C34878D82A}">
+                    <a16:rowId xmlns:a16="http://schemas.microsoft.com/office/drawing/2014/main" val="10019"/>
+                  </a:ext>
+                </a:extLst>
               </a:tr>
               <a:tr h="218811">
                 <a:tc>
@@ -17090,6 +18698,11 @@
                   </a:txBody>
                   <a:tcPr marL="9525" marR="9525" marT="9525" marB="0" anchor="b"/>
                 </a:tc>
+                <a:extLst>
+                  <a:ext uri="{0D108BD9-81ED-4DB2-BD59-A6C34878D82A}">
+                    <a16:rowId xmlns:a16="http://schemas.microsoft.com/office/drawing/2014/main" val="10020"/>
+                  </a:ext>
+                </a:extLst>
               </a:tr>
               <a:tr h="218811">
                 <a:tc>
@@ -17256,6 +18869,11 @@
                   </a:txBody>
                   <a:tcPr marL="9525" marR="9525" marT="9525" marB="0" anchor="b"/>
                 </a:tc>
+                <a:extLst>
+                  <a:ext uri="{0D108BD9-81ED-4DB2-BD59-A6C34878D82A}">
+                    <a16:rowId xmlns:a16="http://schemas.microsoft.com/office/drawing/2014/main" val="10021"/>
+                  </a:ext>
+                </a:extLst>
               </a:tr>
               <a:tr h="218811">
                 <a:tc>
@@ -17415,6 +19033,11 @@
                   </a:txBody>
                   <a:tcPr marL="9525" marR="9525" marT="9525" marB="0" anchor="b"/>
                 </a:tc>
+                <a:extLst>
+                  <a:ext uri="{0D108BD9-81ED-4DB2-BD59-A6C34878D82A}">
+                    <a16:rowId xmlns:a16="http://schemas.microsoft.com/office/drawing/2014/main" val="10022"/>
+                  </a:ext>
+                </a:extLst>
               </a:tr>
               <a:tr h="218811">
                 <a:tc>
@@ -17574,6 +19197,11 @@
                   </a:txBody>
                   <a:tcPr marL="9525" marR="9525" marT="9525" marB="0" anchor="b"/>
                 </a:tc>
+                <a:extLst>
+                  <a:ext uri="{0D108BD9-81ED-4DB2-BD59-A6C34878D82A}">
+                    <a16:rowId xmlns:a16="http://schemas.microsoft.com/office/drawing/2014/main" val="10023"/>
+                  </a:ext>
+                </a:extLst>
               </a:tr>
               <a:tr h="218811">
                 <a:tc>
@@ -17733,6 +19361,11 @@
                   </a:txBody>
                   <a:tcPr marL="9525" marR="9525" marT="9525" marB="0" anchor="b"/>
                 </a:tc>
+                <a:extLst>
+                  <a:ext uri="{0D108BD9-81ED-4DB2-BD59-A6C34878D82A}">
+                    <a16:rowId xmlns:a16="http://schemas.microsoft.com/office/drawing/2014/main" val="10024"/>
+                  </a:ext>
+                </a:extLst>
               </a:tr>
               <a:tr h="218811">
                 <a:tc>
@@ -17892,6 +19525,11 @@
                   </a:txBody>
                   <a:tcPr marL="9525" marR="9525" marT="9525" marB="0" anchor="b"/>
                 </a:tc>
+                <a:extLst>
+                  <a:ext uri="{0D108BD9-81ED-4DB2-BD59-A6C34878D82A}">
+                    <a16:rowId xmlns:a16="http://schemas.microsoft.com/office/drawing/2014/main" val="10025"/>
+                  </a:ext>
+                </a:extLst>
               </a:tr>
             </a:tbl>
           </a:graphicData>

--- a/docs/Презентация v0.8.1.pptx
+++ b/docs/Презентация v0.8.1.pptx
@@ -4955,8 +4955,8 @@
           <a:chExt cx="0" cy="0"/>
         </a:xfrm>
       </p:grpSpPr>
-      <mc:AlternateContent xmlns:mc="http://schemas.openxmlformats.org/markup-compatibility/2006">
-        <mc:Choice xmlns:a14="http://schemas.microsoft.com/office/drawing/2010/main" Requires="a14">
+      <mc:AlternateContent xmlns:mc="http://schemas.openxmlformats.org/markup-compatibility/2006" xmlns:a14="http://schemas.microsoft.com/office/drawing/2010/main">
+        <mc:Choice Requires="a14">
           <p:sp>
             <p:nvSpPr>
               <p:cNvPr id="4" name="Прямоугольник 3"/>
@@ -4984,15 +4984,7 @@
                       <a:srgbClr val="000000"/>
                     </a:solidFill>
                   </a:rPr>
-                  <a:t>· </a:t>
-                </a:r>
-                <a:r>
-                  <a:rPr lang="ru-RU" sz="2800" dirty="0">
-                    <a:solidFill>
-                      <a:srgbClr val="000000"/>
-                    </a:solidFill>
-                  </a:rPr>
-                  <a:t>Неориентированный помеченный граф G = (V, E), заданный матрицей смежности: </a:t>
+                  <a:t>· Неориентированный помеченный граф G = (V, E), заданный матрицей смежности: </a:t>
                 </a:r>
                 <a14:m>
                   <m:oMath xmlns:m="http://schemas.openxmlformats.org/officeDocument/2006/math">
@@ -5135,23 +5127,7 @@
                       <a:srgbClr val="000000"/>
                     </a:solidFill>
                   </a:rPr>
-                  <a:t> </a:t>
-                </a:r>
-                <a:r>
-                  <a:rPr lang="ru-RU" sz="2800" dirty="0">
-                    <a:solidFill>
-                      <a:srgbClr val="000000"/>
-                    </a:solidFill>
-                  </a:rPr>
-                  <a:t>k – размерность соответствующей регулярной сетки, </a:t>
-                </a:r>
-                <a:r>
-                  <a:rPr lang="ru-RU" sz="2800" dirty="0">
-                    <a:solidFill>
-                      <a:srgbClr val="000000"/>
-                    </a:solidFill>
-                  </a:rPr>
-                  <a:t>𝑘</a:t>
+                  <a:t> k – размерность соответствующей регулярной сетки, 𝑘</a:t>
                 </a:r>
                 <a:r>
                   <a:rPr lang="en-US" sz="2800" dirty="0">
@@ -5183,21 +5159,13 @@
                       <a:srgbClr val="000000"/>
                     </a:solidFill>
                   </a:rPr>
-                  <a:t>{</a:t>
-                </a:r>
-                <a:r>
-                  <a:rPr lang="ru-RU" sz="2800" dirty="0">
-                    <a:solidFill>
-                      <a:srgbClr val="000000"/>
-                    </a:solidFill>
-                  </a:rPr>
-                  <a:t>1,2,3}</a:t>
+                  <a:t>{1,2,3}</a:t>
                 </a:r>
               </a:p>
             </p:txBody>
           </p:sp>
         </mc:Choice>
-        <mc:Fallback>
+        <mc:Fallback xmlns="">
           <p:sp>
             <p:nvSpPr>
               <p:cNvPr id="4" name="Прямоугольник 3"/>
@@ -5297,8 +5265,8 @@
           </a:p>
         </p:txBody>
       </p:sp>
-      <mc:AlternateContent xmlns:mc="http://schemas.openxmlformats.org/markup-compatibility/2006">
-        <mc:Choice xmlns:a14="http://schemas.microsoft.com/office/drawing/2010/main" Requires="a14">
+      <mc:AlternateContent xmlns:mc="http://schemas.openxmlformats.org/markup-compatibility/2006" xmlns:a14="http://schemas.microsoft.com/office/drawing/2010/main">
+        <mc:Choice Requires="a14">
           <p:sp>
             <p:nvSpPr>
               <p:cNvPr id="6" name="Прямоугольник 5"/>
@@ -5461,15 +5429,7 @@
                       <a:srgbClr val="000000"/>
                     </a:solidFill>
                   </a:rPr>
-                  <a:t>,</a:t>
-                </a:r>
-                <a:r>
-                  <a:rPr lang="ru-RU" sz="2800" dirty="0">
-                    <a:solidFill>
-                      <a:srgbClr val="000000"/>
-                    </a:solidFill>
-                  </a:rPr>
-                  <a:t>где 𝑥</a:t>
+                  <a:t>,где 𝑥</a:t>
                 </a:r>
                 <a:r>
                   <a:rPr lang="ru-RU" sz="2800" baseline="-25000" dirty="0">
@@ -5704,7 +5664,7 @@
             </p:txBody>
           </p:sp>
         </mc:Choice>
-        <mc:Fallback>
+        <mc:Fallback xmlns="">
           <p:sp>
             <p:nvSpPr>
               <p:cNvPr id="6" name="Прямоугольник 5"/>
@@ -5841,8 +5801,8 @@
           <a:chExt cx="0" cy="0"/>
         </a:xfrm>
       </p:grpSpPr>
-      <mc:AlternateContent xmlns:mc="http://schemas.openxmlformats.org/markup-compatibility/2006">
-        <mc:Choice xmlns:a14="http://schemas.microsoft.com/office/drawing/2010/main" Requires="a14">
+      <mc:AlternateContent xmlns:mc="http://schemas.openxmlformats.org/markup-compatibility/2006" xmlns:a14="http://schemas.microsoft.com/office/drawing/2010/main">
+        <mc:Choice Requires="a14">
           <p:sp>
             <p:nvSpPr>
               <p:cNvPr id="4" name="Прямоугольник 3"/>
@@ -6172,7 +6132,7 @@
             </p:txBody>
           </p:sp>
         </mc:Choice>
-        <mc:Fallback>
+        <mc:Fallback xmlns="">
           <p:sp>
             <p:nvSpPr>
               <p:cNvPr id="4" name="Прямоугольник 3"/>
@@ -6272,8 +6232,8 @@
           </a:p>
         </p:txBody>
       </p:sp>
-      <mc:AlternateContent xmlns:mc="http://schemas.openxmlformats.org/markup-compatibility/2006">
-        <mc:Choice xmlns:a14="http://schemas.microsoft.com/office/drawing/2010/main" Requires="a14">
+      <mc:AlternateContent xmlns:mc="http://schemas.openxmlformats.org/markup-compatibility/2006" xmlns:a14="http://schemas.microsoft.com/office/drawing/2010/main">
+        <mc:Choice Requires="a14">
           <p:sp>
             <p:nvSpPr>
               <p:cNvPr id="6" name="Прямоугольник 5"/>
@@ -6295,6 +6255,7 @@
               </a:bodyPr>
               <a:lstStyle/>
               <a:p>
+                <a:pPr/>
                 <a14:m>
                   <m:oMathPara xmlns:m="http://schemas.openxmlformats.org/officeDocument/2006/math">
                     <m:oMathParaPr>
@@ -6739,7 +6700,7 @@
             </p:txBody>
           </p:sp>
         </mc:Choice>
-        <mc:Fallback>
+        <mc:Fallback xmlns="">
           <p:sp>
             <p:nvSpPr>
               <p:cNvPr id="6" name="Прямоугольник 5"/>
@@ -6839,8 +6800,8 @@
           </a:p>
         </p:txBody>
       </p:sp>
-      <mc:AlternateContent xmlns:mc="http://schemas.openxmlformats.org/markup-compatibility/2006">
-        <mc:Choice xmlns:a14="http://schemas.microsoft.com/office/drawing/2010/main" Requires="a14">
+      <mc:AlternateContent xmlns:mc="http://schemas.openxmlformats.org/markup-compatibility/2006" xmlns:a14="http://schemas.microsoft.com/office/drawing/2010/main">
+        <mc:Choice Requires="a14">
           <p:sp>
             <p:nvSpPr>
               <p:cNvPr id="8" name="Прямоугольник 7"/>
@@ -6937,7 +6898,7 @@
             </p:txBody>
           </p:sp>
         </mc:Choice>
-        <mc:Fallback>
+        <mc:Fallback xmlns="">
           <p:sp>
             <p:nvSpPr>
               <p:cNvPr id="8" name="Прямоугольник 7"/>
@@ -8190,12 +8151,15 @@
         </p:blipFill>
         <p:spPr>
           <a:xfrm>
-            <a:off x="1965914" y="4386263"/>
-            <a:ext cx="7559435" cy="1238307"/>
+            <a:off x="748823" y="3916680"/>
+            <a:ext cx="10599253" cy="1233942"/>
           </a:xfrm>
           <a:prstGeom prst="rect">
             <a:avLst/>
           </a:prstGeom>
+          <a:solidFill>
+            <a:srgbClr val="FF0000"/>
+          </a:solidFill>
         </p:spPr>
       </p:pic>
       <p:sp>
@@ -8207,7 +8171,7 @@
         <p:spPr>
           <a:xfrm>
             <a:off x="276225" y="1066626"/>
-            <a:ext cx="10510838" cy="532903"/>
+            <a:ext cx="10510838" cy="2602636"/>
           </a:xfrm>
           <a:prstGeom prst="rect">
             <a:avLst/>
@@ -8230,18 +8194,152 @@
             <a:r>
               <a:rPr lang="ru-RU" sz="2800" dirty="0" smtClean="0">
                 <a:solidFill>
+                  <a:schemeClr val="accent1">
+                    <a:lumMod val="50000"/>
+                  </a:schemeClr>
+                </a:solidFill>
+                <a:latin typeface="Calibri" panose="020F0502020204030204" pitchFamily="34" charset="0"/>
+                <a:ea typeface="Calibri" panose="020F0502020204030204" pitchFamily="34" charset="0"/>
+                <a:cs typeface="Times New Roman" panose="02020603050405020304" pitchFamily="18" charset="0"/>
+              </a:rPr>
+              <a:t>Шаг 1.</a:t>
+            </a:r>
+            <a:r>
+              <a:rPr lang="ru-RU" sz="2800" dirty="0" smtClean="0">
+                <a:solidFill>
                   <a:srgbClr val="FF0000"/>
                 </a:solidFill>
                 <a:latin typeface="Calibri" panose="020F0502020204030204" pitchFamily="34" charset="0"/>
                 <a:ea typeface="Calibri" panose="020F0502020204030204" pitchFamily="34" charset="0"/>
                 <a:cs typeface="Times New Roman" panose="02020603050405020304" pitchFamily="18" charset="0"/>
               </a:rPr>
-              <a:t>ТУТ НУЖНО ОПИСАНИЕ ДЛЯ ОДНОМЕРНОГО СЛУЧАЯ</a:t>
+              <a:t> </a:t>
+            </a:r>
+            <a:r>
+              <a:rPr lang="ru-RU" sz="2800" dirty="0" smtClean="0">
+                <a:latin typeface="Calibri" panose="020F0502020204030204" pitchFamily="34" charset="0"/>
+                <a:ea typeface="Calibri" panose="020F0502020204030204" pitchFamily="34" charset="0"/>
+                <a:cs typeface="Times New Roman" panose="02020603050405020304" pitchFamily="18" charset="0"/>
+              </a:rPr>
+              <a:t>Проверяем, что граф - связный</a:t>
+            </a:r>
+          </a:p>
+          <a:p>
+            <a:pPr>
+              <a:lnSpc>
+                <a:spcPct val="107000"/>
+              </a:lnSpc>
+              <a:spcAft>
+                <a:spcPts val="800"/>
+              </a:spcAft>
+            </a:pPr>
+            <a:r>
+              <a:rPr lang="ru-RU" sz="2800" dirty="0" smtClean="0">
+                <a:solidFill>
+                  <a:schemeClr val="accent1">
+                    <a:lumMod val="50000"/>
+                  </a:schemeClr>
+                </a:solidFill>
+                <a:latin typeface="Calibri" panose="020F0502020204030204" pitchFamily="34" charset="0"/>
+                <a:ea typeface="Calibri" panose="020F0502020204030204" pitchFamily="34" charset="0"/>
+                <a:cs typeface="Times New Roman" panose="02020603050405020304" pitchFamily="18" charset="0"/>
+              </a:rPr>
+              <a:t>Шаг 2.</a:t>
+            </a:r>
+            <a:r>
+              <a:rPr lang="ru-RU" sz="2800" dirty="0" smtClean="0">
+                <a:solidFill>
+                  <a:srgbClr val="FF0000"/>
+                </a:solidFill>
+                <a:latin typeface="Calibri" panose="020F0502020204030204" pitchFamily="34" charset="0"/>
+                <a:ea typeface="Calibri" panose="020F0502020204030204" pitchFamily="34" charset="0"/>
+                <a:cs typeface="Times New Roman" panose="02020603050405020304" pitchFamily="18" charset="0"/>
+              </a:rPr>
+              <a:t> </a:t>
+            </a:r>
+            <a:r>
+              <a:rPr lang="ru-RU" sz="2800" dirty="0" smtClean="0">
+                <a:latin typeface="Calibri" panose="020F0502020204030204" pitchFamily="34" charset="0"/>
+                <a:ea typeface="Calibri" panose="020F0502020204030204" pitchFamily="34" charset="0"/>
+                <a:cs typeface="Times New Roman" panose="02020603050405020304" pitchFamily="18" charset="0"/>
+              </a:rPr>
+              <a:t>Проверяем, что д</a:t>
+            </a:r>
+            <a:r>
+              <a:rPr lang="ru-RU" sz="2800" dirty="0" smtClean="0">
+                <a:latin typeface="Calibri" panose="020F0502020204030204" pitchFamily="34" charset="0"/>
+                <a:ea typeface="Calibri" panose="020F0502020204030204" pitchFamily="34" charset="0"/>
+                <a:cs typeface="Times New Roman" panose="02020603050405020304" pitchFamily="18" charset="0"/>
+              </a:rPr>
+              <a:t>ве вершины графа имеют степень 1, а все остальные – 2</a:t>
+            </a:r>
+          </a:p>
+          <a:p>
+            <a:pPr>
+              <a:lnSpc>
+                <a:spcPct val="107000"/>
+              </a:lnSpc>
+              <a:spcAft>
+                <a:spcPts val="800"/>
+              </a:spcAft>
+            </a:pPr>
+            <a:r>
+              <a:rPr lang="ru-RU" sz="2800" dirty="0" smtClean="0">
+                <a:solidFill>
+                  <a:schemeClr val="accent1">
+                    <a:lumMod val="50000"/>
+                  </a:schemeClr>
+                </a:solidFill>
+                <a:latin typeface="Calibri" panose="020F0502020204030204" pitchFamily="34" charset="0"/>
+                <a:ea typeface="Calibri" panose="020F0502020204030204" pitchFamily="34" charset="0"/>
+                <a:cs typeface="Times New Roman" panose="02020603050405020304" pitchFamily="18" charset="0"/>
+              </a:rPr>
+              <a:t>Шаг 3.</a:t>
+            </a:r>
+            <a:r>
+              <a:rPr lang="ru-RU" sz="2800" dirty="0" smtClean="0">
+                <a:solidFill>
+                  <a:srgbClr val="FF0000"/>
+                </a:solidFill>
+                <a:latin typeface="Calibri" panose="020F0502020204030204" pitchFamily="34" charset="0"/>
+                <a:ea typeface="Calibri" panose="020F0502020204030204" pitchFamily="34" charset="0"/>
+                <a:cs typeface="Times New Roman" panose="02020603050405020304" pitchFamily="18" charset="0"/>
+              </a:rPr>
+              <a:t> </a:t>
+            </a:r>
+            <a:r>
+              <a:rPr lang="ru-RU" sz="2800" dirty="0" smtClean="0">
+                <a:latin typeface="Calibri" panose="020F0502020204030204" pitchFamily="34" charset="0"/>
+                <a:ea typeface="Calibri" panose="020F0502020204030204" pitchFamily="34" charset="0"/>
+                <a:cs typeface="Times New Roman" panose="02020603050405020304" pitchFamily="18" charset="0"/>
+              </a:rPr>
+              <a:t>Вершине со степенью 1 присваиваем номер </a:t>
+            </a:r>
+            <a:r>
+              <a:rPr lang="en-US" sz="2800" smtClean="0">
+                <a:latin typeface="Calibri" panose="020F0502020204030204" pitchFamily="34" charset="0"/>
+                <a:ea typeface="Calibri" panose="020F0502020204030204" pitchFamily="34" charset="0"/>
+                <a:cs typeface="Times New Roman" panose="02020603050405020304" pitchFamily="18" charset="0"/>
+              </a:rPr>
+              <a:t>1</a:t>
+            </a:r>
+            <a:r>
+              <a:rPr lang="ru-RU" sz="2800" smtClean="0">
+                <a:latin typeface="Calibri" panose="020F0502020204030204" pitchFamily="34" charset="0"/>
+                <a:ea typeface="Calibri" panose="020F0502020204030204" pitchFamily="34" charset="0"/>
+                <a:cs typeface="Times New Roman" panose="02020603050405020304" pitchFamily="18" charset="0"/>
+              </a:rPr>
+              <a:t> </a:t>
+            </a:r>
+            <a:r>
+              <a:rPr lang="ru-RU" sz="2800" dirty="0" smtClean="0">
+                <a:latin typeface="Calibri" panose="020F0502020204030204" pitchFamily="34" charset="0"/>
+                <a:ea typeface="Calibri" panose="020F0502020204030204" pitchFamily="34" charset="0"/>
+                <a:cs typeface="Times New Roman" panose="02020603050405020304" pitchFamily="18" charset="0"/>
+              </a:rPr>
+              <a:t>и последовательно нумеруем соседей</a:t>
             </a:r>
             <a:endParaRPr lang="ru-RU" sz="2800" dirty="0">
-              <a:solidFill>
-                <a:srgbClr val="FF0000"/>
-              </a:solidFill>
               <a:latin typeface="Calibri" panose="020F0502020204030204" pitchFamily="34" charset="0"/>
               <a:ea typeface="Calibri" panose="020F0502020204030204" pitchFamily="34" charset="0"/>
               <a:cs typeface="Times New Roman" panose="02020603050405020304" pitchFamily="18" charset="0"/>
@@ -8249,6 +8347,36 @@
           </a:p>
         </p:txBody>
       </p:sp>
+      <p:pic>
+        <p:nvPicPr>
+          <p:cNvPr id="2" name="Рисунок 1"/>
+          <p:cNvPicPr>
+            <a:picLocks noChangeAspect="1"/>
+          </p:cNvPicPr>
+          <p:nvPr/>
+        </p:nvPicPr>
+        <p:blipFill>
+          <a:blip r:embed="rId3">
+            <a:extLst>
+              <a:ext uri="{28A0092B-C50C-407E-A947-70E740481C1C}">
+                <a14:useLocalDpi xmlns:a14="http://schemas.microsoft.com/office/drawing/2010/main" val="0"/>
+              </a:ext>
+            </a:extLst>
+          </a:blip>
+          <a:stretch>
+            <a:fillRect/>
+          </a:stretch>
+        </p:blipFill>
+        <p:spPr>
+          <a:xfrm>
+            <a:off x="666623" y="5150622"/>
+            <a:ext cx="10839578" cy="1494018"/>
+          </a:xfrm>
+          <a:prstGeom prst="rect">
+            <a:avLst/>
+          </a:prstGeom>
+        </p:spPr>
+      </p:pic>
     </p:spTree>
     <p:extLst>
       <p:ext uri="{BB962C8B-B14F-4D97-AF65-F5344CB8AC3E}">

--- a/docs/Презентация v0.8.1.pptx
+++ b/docs/Презентация v0.8.1.pptx
@@ -16,14 +16,14 @@
     <p:sldId id="315" r:id="rId7"/>
     <p:sldId id="317" r:id="rId8"/>
     <p:sldId id="320" r:id="rId9"/>
-    <p:sldId id="340" r:id="rId10"/>
-    <p:sldId id="341" r:id="rId11"/>
-    <p:sldId id="321" r:id="rId12"/>
-    <p:sldId id="322" r:id="rId13"/>
-    <p:sldId id="324" r:id="rId14"/>
-    <p:sldId id="332" r:id="rId15"/>
-    <p:sldId id="336" r:id="rId16"/>
-    <p:sldId id="337" r:id="rId17"/>
+    <p:sldId id="321" r:id="rId10"/>
+    <p:sldId id="322" r:id="rId11"/>
+    <p:sldId id="324" r:id="rId12"/>
+    <p:sldId id="332" r:id="rId13"/>
+    <p:sldId id="336" r:id="rId14"/>
+    <p:sldId id="337" r:id="rId15"/>
+    <p:sldId id="340" r:id="rId16"/>
+    <p:sldId id="341" r:id="rId17"/>
     <p:sldId id="342" r:id="rId18"/>
     <p:sldId id="343" r:id="rId19"/>
     <p:sldId id="325" r:id="rId20"/>
@@ -251,7 +251,7 @@
           <a:p>
             <a:fld id="{2F7BDC20-999D-4259-B6C3-F40ECC5C4406}" type="datetimeFigureOut">
               <a:rPr lang="ru-RU" smtClean="0"/>
-              <a:t>11.12.2017</a:t>
+              <a:t>13.12.2017</a:t>
             </a:fld>
             <a:endParaRPr lang="ru-RU"/>
           </a:p>
@@ -1706,7 +1706,7 @@
           <a:p>
             <a:fld id="{8F045AFB-DE82-40CD-9223-121836DEA27A}" type="datetimeFigureOut">
               <a:rPr lang="ru-RU" smtClean="0"/>
-              <a:t>11.12.2017</a:t>
+              <a:t>13.12.2017</a:t>
             </a:fld>
             <a:endParaRPr lang="ru-RU"/>
           </a:p>
@@ -1876,7 +1876,7 @@
           <a:p>
             <a:fld id="{8F045AFB-DE82-40CD-9223-121836DEA27A}" type="datetimeFigureOut">
               <a:rPr lang="ru-RU" smtClean="0"/>
-              <a:t>11.12.2017</a:t>
+              <a:t>13.12.2017</a:t>
             </a:fld>
             <a:endParaRPr lang="ru-RU"/>
           </a:p>
@@ -2056,7 +2056,7 @@
           <a:p>
             <a:fld id="{8F045AFB-DE82-40CD-9223-121836DEA27A}" type="datetimeFigureOut">
               <a:rPr lang="ru-RU" smtClean="0"/>
-              <a:t>11.12.2017</a:t>
+              <a:t>13.12.2017</a:t>
             </a:fld>
             <a:endParaRPr lang="ru-RU"/>
           </a:p>
@@ -2226,7 +2226,7 @@
           <a:p>
             <a:fld id="{8F045AFB-DE82-40CD-9223-121836DEA27A}" type="datetimeFigureOut">
               <a:rPr lang="ru-RU" smtClean="0"/>
-              <a:t>11.12.2017</a:t>
+              <a:t>13.12.2017</a:t>
             </a:fld>
             <a:endParaRPr lang="ru-RU"/>
           </a:p>
@@ -2472,7 +2472,7 @@
           <a:p>
             <a:fld id="{8F045AFB-DE82-40CD-9223-121836DEA27A}" type="datetimeFigureOut">
               <a:rPr lang="ru-RU" smtClean="0"/>
-              <a:t>11.12.2017</a:t>
+              <a:t>13.12.2017</a:t>
             </a:fld>
             <a:endParaRPr lang="ru-RU"/>
           </a:p>
@@ -2704,7 +2704,7 @@
           <a:p>
             <a:fld id="{8F045AFB-DE82-40CD-9223-121836DEA27A}" type="datetimeFigureOut">
               <a:rPr lang="ru-RU" smtClean="0"/>
-              <a:t>11.12.2017</a:t>
+              <a:t>13.12.2017</a:t>
             </a:fld>
             <a:endParaRPr lang="ru-RU"/>
           </a:p>
@@ -3071,7 +3071,7 @@
           <a:p>
             <a:fld id="{8F045AFB-DE82-40CD-9223-121836DEA27A}" type="datetimeFigureOut">
               <a:rPr lang="ru-RU" smtClean="0"/>
-              <a:t>11.12.2017</a:t>
+              <a:t>13.12.2017</a:t>
             </a:fld>
             <a:endParaRPr lang="ru-RU"/>
           </a:p>
@@ -3189,7 +3189,7 @@
           <a:p>
             <a:fld id="{8F045AFB-DE82-40CD-9223-121836DEA27A}" type="datetimeFigureOut">
               <a:rPr lang="ru-RU" smtClean="0"/>
-              <a:t>11.12.2017</a:t>
+              <a:t>13.12.2017</a:t>
             </a:fld>
             <a:endParaRPr lang="ru-RU"/>
           </a:p>
@@ -3284,7 +3284,7 @@
           <a:p>
             <a:fld id="{8F045AFB-DE82-40CD-9223-121836DEA27A}" type="datetimeFigureOut">
               <a:rPr lang="ru-RU" smtClean="0"/>
-              <a:t>11.12.2017</a:t>
+              <a:t>13.12.2017</a:t>
             </a:fld>
             <a:endParaRPr lang="ru-RU"/>
           </a:p>
@@ -3561,7 +3561,7 @@
           <a:p>
             <a:fld id="{8F045AFB-DE82-40CD-9223-121836DEA27A}" type="datetimeFigureOut">
               <a:rPr lang="ru-RU" smtClean="0"/>
-              <a:t>11.12.2017</a:t>
+              <a:t>13.12.2017</a:t>
             </a:fld>
             <a:endParaRPr lang="ru-RU"/>
           </a:p>
@@ -3814,7 +3814,7 @@
           <a:p>
             <a:fld id="{8F045AFB-DE82-40CD-9223-121836DEA27A}" type="datetimeFigureOut">
               <a:rPr lang="ru-RU" smtClean="0"/>
-              <a:t>11.12.2017</a:t>
+              <a:t>13.12.2017</a:t>
             </a:fld>
             <a:endParaRPr lang="ru-RU"/>
           </a:p>
@@ -4027,7 +4027,7 @@
           <a:p>
             <a:fld id="{8F045AFB-DE82-40CD-9223-121836DEA27A}" type="datetimeFigureOut">
               <a:rPr lang="ru-RU" smtClean="0"/>
-              <a:t>11.12.2017</a:t>
+              <a:t>13.12.2017</a:t>
             </a:fld>
             <a:endParaRPr lang="ru-RU"/>
           </a:p>
@@ -4511,116 +4511,245 @@
       </p:grpSpPr>
       <p:sp>
         <p:nvSpPr>
-          <p:cNvPr id="6" name="Заголовок 1"/>
-          <p:cNvSpPr txBox="1">
-            <a:spLocks/>
-          </p:cNvSpPr>
+          <p:cNvPr id="11" name="TextBox 10"/>
+          <p:cNvSpPr txBox="1"/>
           <p:nvPr/>
         </p:nvSpPr>
         <p:spPr>
           <a:xfrm>
-            <a:off x="0" y="203440"/>
-            <a:ext cx="12192000" cy="732126"/>
+            <a:off x="792480" y="472440"/>
+            <a:ext cx="4128053" cy="769441"/>
           </a:xfrm>
           <a:prstGeom prst="rect">
             <a:avLst/>
           </a:prstGeom>
+          <a:noFill/>
         </p:spPr>
         <p:txBody>
-          <a:bodyPr vert="horz" lIns="91440" tIns="45720" rIns="91440" bIns="45720" rtlCol="0" anchor="ctr">
-            <a:noAutofit/>
+          <a:bodyPr wrap="none" rtlCol="0">
+            <a:spAutoFit/>
           </a:bodyPr>
-          <a:lstStyle>
-            <a:lvl1pPr algn="l" defTabSz="914400" rtl="0" eaLnBrk="1" latinLnBrk="0" hangingPunct="1">
-              <a:lnSpc>
-                <a:spcPct val="90000"/>
-              </a:lnSpc>
-              <a:spcBef>
-                <a:spcPct val="0"/>
-              </a:spcBef>
-              <a:buNone/>
-              <a:defRPr sz="4400" kern="1200">
-                <a:solidFill>
-                  <a:schemeClr val="tx1"/>
-                </a:solidFill>
-                <a:latin typeface="+mj-lt"/>
-                <a:ea typeface="+mj-ea"/>
-                <a:cs typeface="+mj-cs"/>
-              </a:defRPr>
-            </a:lvl1pPr>
-          </a:lstStyle>
+          <a:lstStyle/>
           <a:p>
-            <a:pPr algn="ctr"/>
-            <a:r>
-              <a:rPr lang="ru-RU" dirty="0" smtClean="0">
+            <a:r>
+              <a:rPr lang="ru-RU" sz="4400" dirty="0">
                 <a:solidFill>
                   <a:schemeClr val="accent1">
                     <a:lumMod val="50000"/>
                   </a:schemeClr>
                 </a:solidFill>
+                <a:latin typeface="+mj-lt"/>
+                <a:ea typeface="+mj-ea"/>
+                <a:cs typeface="+mj-cs"/>
               </a:rPr>
-              <a:t>Сетка с восстановленной нумерацией (</a:t>
-            </a:r>
-            <a:r>
-              <a:rPr lang="en-US" dirty="0" smtClean="0">
+              <a:t>Входные</a:t>
+            </a:r>
+            <a:r>
+              <a:rPr lang="ru-RU" dirty="0" smtClean="0"/>
+              <a:t> </a:t>
+            </a:r>
+            <a:r>
+              <a:rPr lang="ru-RU" sz="4400" dirty="0">
                 <a:solidFill>
                   <a:schemeClr val="accent1">
                     <a:lumMod val="50000"/>
                   </a:schemeClr>
                 </a:solidFill>
+                <a:latin typeface="+mj-lt"/>
+                <a:ea typeface="+mj-ea"/>
+                <a:cs typeface="+mj-cs"/>
               </a:rPr>
-              <a:t>3D)</a:t>
-            </a:r>
-            <a:endParaRPr lang="ru-RU" dirty="0">
+              <a:t>данные</a:t>
+            </a:r>
+            <a:endParaRPr lang="ru-RU" sz="4400" dirty="0">
               <a:solidFill>
                 <a:schemeClr val="accent1">
                   <a:lumMod val="50000"/>
                 </a:schemeClr>
               </a:solidFill>
+              <a:latin typeface="+mj-lt"/>
+              <a:ea typeface="+mj-ea"/>
+              <a:cs typeface="+mj-cs"/>
             </a:endParaRPr>
           </a:p>
         </p:txBody>
       </p:sp>
-      <p:pic>
-        <p:nvPicPr>
-          <p:cNvPr id="2" name="Рисунок 1"/>
-          <p:cNvPicPr>
-            <a:picLocks noChangeAspect="1"/>
-          </p:cNvPicPr>
+      <p:sp>
+        <p:nvSpPr>
+          <p:cNvPr id="12" name="TextBox 11"/>
+          <p:cNvSpPr txBox="1"/>
           <p:nvPr/>
-        </p:nvPicPr>
-        <p:blipFill rotWithShape="1">
-          <a:blip r:embed="rId2">
-            <a:biLevel thresh="75000"/>
-            <a:extLst>
-              <a:ext uri="{28A0092B-C50C-407E-A947-70E740481C1C}">
-                <a14:useLocalDpi xmlns:a14="http://schemas.microsoft.com/office/drawing/2010/main" val="0"/>
-              </a:ext>
-            </a:extLst>
-          </a:blip>
-          <a:srcRect t="1090"/>
-          <a:stretch/>
-        </p:blipFill>
+        </p:nvSpPr>
         <p:spPr>
           <a:xfrm>
-            <a:off x="3232913" y="1000124"/>
-            <a:ext cx="5001799" cy="5857875"/>
+            <a:off x="792480" y="2118360"/>
+            <a:ext cx="4565673" cy="769441"/>
           </a:xfrm>
           <a:prstGeom prst="rect">
             <a:avLst/>
           </a:prstGeom>
+          <a:noFill/>
         </p:spPr>
-      </p:pic>
+        <p:txBody>
+          <a:bodyPr wrap="none" rtlCol="0">
+            <a:spAutoFit/>
+          </a:bodyPr>
+          <a:lstStyle/>
+          <a:p>
+            <a:r>
+              <a:rPr lang="ru-RU" sz="4400" dirty="0" smtClean="0">
+                <a:solidFill>
+                  <a:schemeClr val="accent1">
+                    <a:lumMod val="50000"/>
+                  </a:schemeClr>
+                </a:solidFill>
+                <a:latin typeface="+mj-lt"/>
+                <a:ea typeface="+mj-ea"/>
+                <a:cs typeface="+mj-cs"/>
+              </a:rPr>
+              <a:t>Выходные данные</a:t>
+            </a:r>
+            <a:endParaRPr lang="ru-RU" sz="4400" dirty="0">
+              <a:solidFill>
+                <a:schemeClr val="accent1">
+                  <a:lumMod val="50000"/>
+                </a:schemeClr>
+              </a:solidFill>
+              <a:latin typeface="+mj-lt"/>
+              <a:ea typeface="+mj-ea"/>
+              <a:cs typeface="+mj-cs"/>
+            </a:endParaRPr>
+          </a:p>
+        </p:txBody>
+      </p:sp>
+      <p:sp>
+        <p:nvSpPr>
+          <p:cNvPr id="13" name="TextBox 12"/>
+          <p:cNvSpPr txBox="1"/>
+          <p:nvPr/>
+        </p:nvSpPr>
+        <p:spPr>
+          <a:xfrm>
+            <a:off x="792480" y="1299150"/>
+            <a:ext cx="6787436" cy="523220"/>
+          </a:xfrm>
+          <a:prstGeom prst="rect">
+            <a:avLst/>
+          </a:prstGeom>
+          <a:noFill/>
+        </p:spPr>
+        <p:txBody>
+          <a:bodyPr wrap="none" rtlCol="0">
+            <a:spAutoFit/>
+          </a:bodyPr>
+          <a:lstStyle/>
+          <a:p>
+            <a:pPr marL="457200" indent="-457200">
+              <a:buFont typeface="Arial" panose="020B0604020202020204" pitchFamily="34" charset="0"/>
+              <a:buChar char="•"/>
+            </a:pPr>
+            <a:r>
+              <a:rPr lang="ru-RU" sz="2800" dirty="0" smtClean="0"/>
+              <a:t>Неориентированный помеченный граф.</a:t>
+            </a:r>
+            <a:endParaRPr lang="ru-RU" sz="2800" dirty="0"/>
+          </a:p>
+        </p:txBody>
+      </p:sp>
+      <p:sp>
+        <p:nvSpPr>
+          <p:cNvPr id="14" name="TextBox 13"/>
+          <p:cNvSpPr txBox="1"/>
+          <p:nvPr/>
+        </p:nvSpPr>
+        <p:spPr>
+          <a:xfrm>
+            <a:off x="792480" y="3182422"/>
+            <a:ext cx="10096225" cy="1815882"/>
+          </a:xfrm>
+          <a:prstGeom prst="rect">
+            <a:avLst/>
+          </a:prstGeom>
+          <a:noFill/>
+        </p:spPr>
+        <p:txBody>
+          <a:bodyPr wrap="none" rtlCol="0">
+            <a:spAutoFit/>
+          </a:bodyPr>
+          <a:lstStyle/>
+          <a:p>
+            <a:pPr marL="457200" indent="-457200">
+              <a:buFont typeface="Arial" panose="020B0604020202020204" pitchFamily="34" charset="0"/>
+              <a:buChar char="•"/>
+            </a:pPr>
+            <a:r>
+              <a:rPr lang="ru-RU" sz="2800" dirty="0" smtClean="0"/>
+              <a:t>Координаты</a:t>
+            </a:r>
+            <a:r>
+              <a:rPr lang="ru-RU" sz="2800" dirty="0"/>
+              <a:t> на регулярной </a:t>
+            </a:r>
+            <a:r>
+              <a:rPr lang="ru-RU" sz="2800" dirty="0" smtClean="0"/>
+              <a:t>сетке определенной размерности</a:t>
+            </a:r>
+          </a:p>
+          <a:p>
+            <a:r>
+              <a:rPr lang="ru-RU" sz="2800" dirty="0" smtClean="0"/>
+              <a:t>для </a:t>
+            </a:r>
+            <a:r>
+              <a:rPr lang="ru-RU" sz="2800" dirty="0"/>
+              <a:t>каждой </a:t>
+            </a:r>
+            <a:r>
+              <a:rPr lang="ru-RU" sz="2800" dirty="0" smtClean="0"/>
+              <a:t>вершины графа</a:t>
+            </a:r>
+          </a:p>
+          <a:p>
+            <a:pPr marL="457200" indent="-457200">
+              <a:buFont typeface="Arial" panose="020B0604020202020204" pitchFamily="34" charset="0"/>
+              <a:buChar char="•"/>
+            </a:pPr>
+            <a:r>
+              <a:rPr lang="ru-RU" sz="2800" dirty="0" smtClean="0"/>
+              <a:t>Сообщение об ошибке, если не удалось найти подходящие </a:t>
+            </a:r>
+          </a:p>
+          <a:p>
+            <a:r>
+              <a:rPr lang="ru-RU" sz="2800" dirty="0" smtClean="0"/>
+              <a:t>координаты</a:t>
+            </a:r>
+            <a:endParaRPr lang="ru-RU" sz="2800" dirty="0"/>
+          </a:p>
+        </p:txBody>
+      </p:sp>
     </p:spTree>
     <p:extLst>
       <p:ext uri="{BB962C8B-B14F-4D97-AF65-F5344CB8AC3E}">
-        <p14:creationId xmlns:p14="http://schemas.microsoft.com/office/powerpoint/2010/main" val="3230243968"/>
+        <p14:creationId xmlns:p14="http://schemas.microsoft.com/office/powerpoint/2010/main" val="2608972873"/>
       </p:ext>
     </p:extLst>
   </p:cSld>
   <p:clrMapOvr>
     <a:masterClrMapping/>
   </p:clrMapOvr>
+  <mc:AlternateContent xmlns:mc="http://schemas.openxmlformats.org/markup-compatibility/2006" xmlns:p14="http://schemas.microsoft.com/office/powerpoint/2010/main">
+    <mc:Choice Requires="p14">
+      <p:transition spd="med" p14:dur="700">
+        <p:fade/>
+      </p:transition>
+    </mc:Choice>
+    <mc:Fallback xmlns="">
+      <p:transition spd="med">
+        <p:fade/>
+      </p:transition>
+    </mc:Fallback>
+  </mc:AlternateContent>
   <p:timing>
     <p:tnLst>
       <p:par>
@@ -4698,202 +4827,6 @@
                   </a:schemeClr>
                 </a:solidFill>
               </a:rPr>
-              <a:t>Постановка задачи</a:t>
-            </a:r>
-            <a:endParaRPr lang="ru-RU" sz="7200" dirty="0">
-              <a:solidFill>
-                <a:schemeClr val="accent1">
-                  <a:lumMod val="50000"/>
-                </a:schemeClr>
-              </a:solidFill>
-            </a:endParaRPr>
-          </a:p>
-        </p:txBody>
-      </p:sp>
-    </p:spTree>
-    <p:extLst>
-      <p:ext uri="{BB962C8B-B14F-4D97-AF65-F5344CB8AC3E}">
-        <p14:creationId xmlns:p14="http://schemas.microsoft.com/office/powerpoint/2010/main" val="4024909480"/>
-      </p:ext>
-    </p:extLst>
-  </p:cSld>
-  <p:clrMapOvr>
-    <a:masterClrMapping/>
-  </p:clrMapOvr>
-  <mc:AlternateContent xmlns:mc="http://schemas.openxmlformats.org/markup-compatibility/2006" xmlns:p14="http://schemas.microsoft.com/office/powerpoint/2010/main">
-    <mc:Choice Requires="p14">
-      <p:transition spd="med" p14:dur="700">
-        <p:fade/>
-      </p:transition>
-    </mc:Choice>
-    <mc:Fallback xmlns="">
-      <p:transition spd="med">
-        <p:fade/>
-      </p:transition>
-    </mc:Fallback>
-  </mc:AlternateContent>
-  <p:timing>
-    <p:tnLst>
-      <p:par>
-        <p:cTn id="1" dur="indefinite" restart="never" nodeType="tmRoot"/>
-      </p:par>
-    </p:tnLst>
-  </p:timing>
-</p:sld>
-</file>
-
-<file path=ppt/slides/slide12.xml><?xml version="1.0" encoding="utf-8"?>
-<p:sld xmlns:a="http://schemas.openxmlformats.org/drawingml/2006/main" xmlns:r="http://schemas.openxmlformats.org/officeDocument/2006/relationships" xmlns:p="http://schemas.openxmlformats.org/presentationml/2006/main">
-  <p:cSld>
-    <p:spTree>
-      <p:nvGrpSpPr>
-        <p:cNvPr id="1" name=""/>
-        <p:cNvGrpSpPr/>
-        <p:nvPr/>
-      </p:nvGrpSpPr>
-      <p:grpSpPr>
-        <a:xfrm>
-          <a:off x="0" y="0"/>
-          <a:ext cx="0" cy="0"/>
-          <a:chOff x="0" y="0"/>
-          <a:chExt cx="0" cy="0"/>
-        </a:xfrm>
-      </p:grpSpPr>
-      <p:sp>
-        <p:nvSpPr>
-          <p:cNvPr id="2" name="Заголовок 1"/>
-          <p:cNvSpPr>
-            <a:spLocks noGrp="1"/>
-          </p:cNvSpPr>
-          <p:nvPr>
-            <p:ph type="title"/>
-          </p:nvPr>
-        </p:nvSpPr>
-        <p:spPr>
-          <a:xfrm>
-            <a:off x="1000124" y="365125"/>
-            <a:ext cx="10353675" cy="1325563"/>
-          </a:xfrm>
-        </p:spPr>
-        <p:txBody>
-          <a:bodyPr/>
-          <a:lstStyle/>
-          <a:p>
-            <a:r>
-              <a:rPr lang="ru-RU" dirty="0" smtClean="0">
-                <a:solidFill>
-                  <a:srgbClr val="FF0000"/>
-                </a:solidFill>
-              </a:rPr>
-              <a:t>КАКАЯ ДОЛЖНА БЫТЬ НУМЕРАЦИЯ И СЕТКА</a:t>
-            </a:r>
-            <a:endParaRPr lang="ru-RU" dirty="0">
-              <a:solidFill>
-                <a:srgbClr val="FF0000"/>
-              </a:solidFill>
-            </a:endParaRPr>
-          </a:p>
-        </p:txBody>
-      </p:sp>
-    </p:spTree>
-    <p:extLst>
-      <p:ext uri="{BB962C8B-B14F-4D97-AF65-F5344CB8AC3E}">
-        <p14:creationId xmlns:p14="http://schemas.microsoft.com/office/powerpoint/2010/main" val="2608972873"/>
-      </p:ext>
-    </p:extLst>
-  </p:cSld>
-  <p:clrMapOvr>
-    <a:masterClrMapping/>
-  </p:clrMapOvr>
-  <mc:AlternateContent xmlns:mc="http://schemas.openxmlformats.org/markup-compatibility/2006" xmlns:p14="http://schemas.microsoft.com/office/powerpoint/2010/main">
-    <mc:Choice Requires="p14">
-      <p:transition spd="med" p14:dur="700">
-        <p:fade/>
-      </p:transition>
-    </mc:Choice>
-    <mc:Fallback xmlns="">
-      <p:transition spd="med">
-        <p:fade/>
-      </p:transition>
-    </mc:Fallback>
-  </mc:AlternateContent>
-  <p:timing>
-    <p:tnLst>
-      <p:par>
-        <p:cTn id="1" dur="indefinite" restart="never" nodeType="tmRoot"/>
-      </p:par>
-    </p:tnLst>
-  </p:timing>
-</p:sld>
-</file>
-
-<file path=ppt/slides/slide13.xml><?xml version="1.0" encoding="utf-8"?>
-<p:sld xmlns:a="http://schemas.openxmlformats.org/drawingml/2006/main" xmlns:r="http://schemas.openxmlformats.org/officeDocument/2006/relationships" xmlns:p="http://schemas.openxmlformats.org/presentationml/2006/main">
-  <p:cSld>
-    <p:spTree>
-      <p:nvGrpSpPr>
-        <p:cNvPr id="1" name=""/>
-        <p:cNvGrpSpPr/>
-        <p:nvPr/>
-      </p:nvGrpSpPr>
-      <p:grpSpPr>
-        <a:xfrm>
-          <a:off x="0" y="0"/>
-          <a:ext cx="0" cy="0"/>
-          <a:chOff x="0" y="0"/>
-          <a:chExt cx="0" cy="0"/>
-        </a:xfrm>
-      </p:grpSpPr>
-      <p:sp>
-        <p:nvSpPr>
-          <p:cNvPr id="5" name="Заголовок 1"/>
-          <p:cNvSpPr txBox="1">
-            <a:spLocks/>
-          </p:cNvSpPr>
-          <p:nvPr/>
-        </p:nvSpPr>
-        <p:spPr>
-          <a:xfrm>
-            <a:off x="2563091" y="2313708"/>
-            <a:ext cx="6456219" cy="1704543"/>
-          </a:xfrm>
-          <a:prstGeom prst="rect">
-            <a:avLst/>
-          </a:prstGeom>
-        </p:spPr>
-        <p:txBody>
-          <a:bodyPr vert="horz" lIns="91440" tIns="45720" rIns="91440" bIns="45720" rtlCol="0" anchor="ctr">
-            <a:noAutofit/>
-          </a:bodyPr>
-          <a:lstStyle>
-            <a:lvl1pPr algn="l" defTabSz="914400" rtl="0" eaLnBrk="1" latinLnBrk="0" hangingPunct="1">
-              <a:lnSpc>
-                <a:spcPct val="90000"/>
-              </a:lnSpc>
-              <a:spcBef>
-                <a:spcPct val="0"/>
-              </a:spcBef>
-              <a:buNone/>
-              <a:defRPr sz="4400" kern="1200">
-                <a:solidFill>
-                  <a:schemeClr val="tx1"/>
-                </a:solidFill>
-                <a:latin typeface="+mj-lt"/>
-                <a:ea typeface="+mj-ea"/>
-                <a:cs typeface="+mj-cs"/>
-              </a:defRPr>
-            </a:lvl1pPr>
-          </a:lstStyle>
-          <a:p>
-            <a:pPr algn="ctr"/>
-            <a:r>
-              <a:rPr lang="ru-RU" sz="7200" dirty="0" smtClean="0">
-                <a:solidFill>
-                  <a:schemeClr val="accent1">
-                    <a:lumMod val="50000"/>
-                  </a:schemeClr>
-                </a:solidFill>
-              </a:rPr>
               <a:t>Формальная постановка задачи</a:t>
             </a:r>
             <a:endParaRPr lang="ru-RU" sz="7200" dirty="0">
@@ -4938,7 +4871,7 @@
 </p:sld>
 </file>
 
-<file path=ppt/slides/slide14.xml><?xml version="1.0" encoding="utf-8"?>
+<file path=ppt/slides/slide12.xml><?xml version="1.0" encoding="utf-8"?>
 <p:sld xmlns:a="http://schemas.openxmlformats.org/drawingml/2006/main" xmlns:r="http://schemas.openxmlformats.org/officeDocument/2006/relationships" xmlns:p="http://schemas.openxmlformats.org/presentationml/2006/main">
   <p:cSld>
     <p:spTree>
@@ -5784,7 +5717,7 @@
 </p:sld>
 </file>
 
-<file path=ppt/slides/slide15.xml><?xml version="1.0" encoding="utf-8"?>
+<file path=ppt/slides/slide13.xml><?xml version="1.0" encoding="utf-8"?>
 <p:sld xmlns:a="http://schemas.openxmlformats.org/drawingml/2006/main" xmlns:r="http://schemas.openxmlformats.org/officeDocument/2006/relationships" xmlns:p="http://schemas.openxmlformats.org/presentationml/2006/main">
   <p:cSld>
     <p:spTree>
@@ -6957,7 +6890,7 @@
 </p:sld>
 </file>
 
-<file path=ppt/slides/slide16.xml><?xml version="1.0" encoding="utf-8"?>
+<file path=ppt/slides/slide14.xml><?xml version="1.0" encoding="utf-8"?>
 <p:sld xmlns:a="http://schemas.openxmlformats.org/drawingml/2006/main" xmlns:r="http://schemas.openxmlformats.org/officeDocument/2006/relationships" xmlns:p="http://schemas.openxmlformats.org/presentationml/2006/main">
   <p:cSld>
     <p:spTree>
@@ -8001,6 +7934,284 @@
 </p:sld>
 </file>
 
+<file path=ppt/slides/slide15.xml><?xml version="1.0" encoding="utf-8"?>
+<p:sld xmlns:a="http://schemas.openxmlformats.org/drawingml/2006/main" xmlns:r="http://schemas.openxmlformats.org/officeDocument/2006/relationships" xmlns:p="http://schemas.openxmlformats.org/presentationml/2006/main">
+  <p:cSld>
+    <p:spTree>
+      <p:nvGrpSpPr>
+        <p:cNvPr id="1" name=""/>
+        <p:cNvGrpSpPr/>
+        <p:nvPr/>
+      </p:nvGrpSpPr>
+      <p:grpSpPr>
+        <a:xfrm>
+          <a:off x="0" y="0"/>
+          <a:ext cx="0" cy="0"/>
+          <a:chOff x="0" y="0"/>
+          <a:chExt cx="0" cy="0"/>
+        </a:xfrm>
+      </p:grpSpPr>
+      <p:pic>
+        <p:nvPicPr>
+          <p:cNvPr id="4" name="Рисунок 3"/>
+          <p:cNvPicPr>
+            <a:picLocks noChangeAspect="1"/>
+          </p:cNvPicPr>
+          <p:nvPr/>
+        </p:nvPicPr>
+        <p:blipFill>
+          <a:blip r:embed="rId2">
+            <a:extLst>
+              <a:ext uri="{28A0092B-C50C-407E-A947-70E740481C1C}">
+                <a14:useLocalDpi xmlns:a14="http://schemas.microsoft.com/office/drawing/2010/main" val="0"/>
+              </a:ext>
+            </a:extLst>
+          </a:blip>
+          <a:stretch>
+            <a:fillRect/>
+          </a:stretch>
+        </p:blipFill>
+        <p:spPr>
+          <a:xfrm>
+            <a:off x="2304300" y="850130"/>
+            <a:ext cx="7268326" cy="6007870"/>
+          </a:xfrm>
+          <a:prstGeom prst="rect">
+            <a:avLst/>
+          </a:prstGeom>
+        </p:spPr>
+      </p:pic>
+      <p:sp>
+        <p:nvSpPr>
+          <p:cNvPr id="6" name="Заголовок 1"/>
+          <p:cNvSpPr txBox="1">
+            <a:spLocks/>
+          </p:cNvSpPr>
+          <p:nvPr/>
+        </p:nvSpPr>
+        <p:spPr>
+          <a:xfrm>
+            <a:off x="0" y="203440"/>
+            <a:ext cx="12192000" cy="732126"/>
+          </a:xfrm>
+          <a:prstGeom prst="rect">
+            <a:avLst/>
+          </a:prstGeom>
+        </p:spPr>
+        <p:txBody>
+          <a:bodyPr vert="horz" lIns="91440" tIns="45720" rIns="91440" bIns="45720" rtlCol="0" anchor="ctr">
+            <a:noAutofit/>
+          </a:bodyPr>
+          <a:lstStyle>
+            <a:lvl1pPr algn="l" defTabSz="914400" rtl="0" eaLnBrk="1" latinLnBrk="0" hangingPunct="1">
+              <a:lnSpc>
+                <a:spcPct val="90000"/>
+              </a:lnSpc>
+              <a:spcBef>
+                <a:spcPct val="0"/>
+              </a:spcBef>
+              <a:buNone/>
+              <a:defRPr sz="4400" kern="1200">
+                <a:solidFill>
+                  <a:schemeClr val="tx1"/>
+                </a:solidFill>
+                <a:latin typeface="+mj-lt"/>
+                <a:ea typeface="+mj-ea"/>
+                <a:cs typeface="+mj-cs"/>
+              </a:defRPr>
+            </a:lvl1pPr>
+          </a:lstStyle>
+          <a:p>
+            <a:pPr algn="ctr"/>
+            <a:r>
+              <a:rPr lang="ru-RU" dirty="0" smtClean="0">
+                <a:solidFill>
+                  <a:schemeClr val="accent1">
+                    <a:lumMod val="50000"/>
+                  </a:schemeClr>
+                </a:solidFill>
+              </a:rPr>
+              <a:t>Сетка с восстановленной нумерацией (2</a:t>
+            </a:r>
+            <a:r>
+              <a:rPr lang="en-US" dirty="0" smtClean="0">
+                <a:solidFill>
+                  <a:schemeClr val="accent1">
+                    <a:lumMod val="50000"/>
+                  </a:schemeClr>
+                </a:solidFill>
+              </a:rPr>
+              <a:t>D)</a:t>
+            </a:r>
+            <a:endParaRPr lang="ru-RU" dirty="0">
+              <a:solidFill>
+                <a:schemeClr val="accent1">
+                  <a:lumMod val="50000"/>
+                </a:schemeClr>
+              </a:solidFill>
+            </a:endParaRPr>
+          </a:p>
+        </p:txBody>
+      </p:sp>
+    </p:spTree>
+    <p:extLst>
+      <p:ext uri="{BB962C8B-B14F-4D97-AF65-F5344CB8AC3E}">
+        <p14:creationId xmlns:p14="http://schemas.microsoft.com/office/powerpoint/2010/main" val="2860695980"/>
+      </p:ext>
+    </p:extLst>
+  </p:cSld>
+  <p:clrMapOvr>
+    <a:masterClrMapping/>
+  </p:clrMapOvr>
+  <p:timing>
+    <p:tnLst>
+      <p:par>
+        <p:cTn id="1" dur="indefinite" restart="never" nodeType="tmRoot"/>
+      </p:par>
+    </p:tnLst>
+  </p:timing>
+</p:sld>
+</file>
+
+<file path=ppt/slides/slide16.xml><?xml version="1.0" encoding="utf-8"?>
+<p:sld xmlns:a="http://schemas.openxmlformats.org/drawingml/2006/main" xmlns:r="http://schemas.openxmlformats.org/officeDocument/2006/relationships" xmlns:p="http://schemas.openxmlformats.org/presentationml/2006/main">
+  <p:cSld>
+    <p:spTree>
+      <p:nvGrpSpPr>
+        <p:cNvPr id="1" name=""/>
+        <p:cNvGrpSpPr/>
+        <p:nvPr/>
+      </p:nvGrpSpPr>
+      <p:grpSpPr>
+        <a:xfrm>
+          <a:off x="0" y="0"/>
+          <a:ext cx="0" cy="0"/>
+          <a:chOff x="0" y="0"/>
+          <a:chExt cx="0" cy="0"/>
+        </a:xfrm>
+      </p:grpSpPr>
+      <p:sp>
+        <p:nvSpPr>
+          <p:cNvPr id="6" name="Заголовок 1"/>
+          <p:cNvSpPr txBox="1">
+            <a:spLocks/>
+          </p:cNvSpPr>
+          <p:nvPr/>
+        </p:nvSpPr>
+        <p:spPr>
+          <a:xfrm>
+            <a:off x="0" y="203440"/>
+            <a:ext cx="12192000" cy="732126"/>
+          </a:xfrm>
+          <a:prstGeom prst="rect">
+            <a:avLst/>
+          </a:prstGeom>
+        </p:spPr>
+        <p:txBody>
+          <a:bodyPr vert="horz" lIns="91440" tIns="45720" rIns="91440" bIns="45720" rtlCol="0" anchor="ctr">
+            <a:noAutofit/>
+          </a:bodyPr>
+          <a:lstStyle>
+            <a:lvl1pPr algn="l" defTabSz="914400" rtl="0" eaLnBrk="1" latinLnBrk="0" hangingPunct="1">
+              <a:lnSpc>
+                <a:spcPct val="90000"/>
+              </a:lnSpc>
+              <a:spcBef>
+                <a:spcPct val="0"/>
+              </a:spcBef>
+              <a:buNone/>
+              <a:defRPr sz="4400" kern="1200">
+                <a:solidFill>
+                  <a:schemeClr val="tx1"/>
+                </a:solidFill>
+                <a:latin typeface="+mj-lt"/>
+                <a:ea typeface="+mj-ea"/>
+                <a:cs typeface="+mj-cs"/>
+              </a:defRPr>
+            </a:lvl1pPr>
+          </a:lstStyle>
+          <a:p>
+            <a:pPr algn="ctr"/>
+            <a:r>
+              <a:rPr lang="ru-RU" dirty="0" smtClean="0">
+                <a:solidFill>
+                  <a:schemeClr val="accent1">
+                    <a:lumMod val="50000"/>
+                  </a:schemeClr>
+                </a:solidFill>
+              </a:rPr>
+              <a:t>Сетка с восстановленной нумерацией (</a:t>
+            </a:r>
+            <a:r>
+              <a:rPr lang="en-US" dirty="0" smtClean="0">
+                <a:solidFill>
+                  <a:schemeClr val="accent1">
+                    <a:lumMod val="50000"/>
+                  </a:schemeClr>
+                </a:solidFill>
+              </a:rPr>
+              <a:t>3D)</a:t>
+            </a:r>
+            <a:endParaRPr lang="ru-RU" dirty="0">
+              <a:solidFill>
+                <a:schemeClr val="accent1">
+                  <a:lumMod val="50000"/>
+                </a:schemeClr>
+              </a:solidFill>
+            </a:endParaRPr>
+          </a:p>
+        </p:txBody>
+      </p:sp>
+      <p:pic>
+        <p:nvPicPr>
+          <p:cNvPr id="2" name="Рисунок 1"/>
+          <p:cNvPicPr>
+            <a:picLocks noChangeAspect="1"/>
+          </p:cNvPicPr>
+          <p:nvPr/>
+        </p:nvPicPr>
+        <p:blipFill rotWithShape="1">
+          <a:blip r:embed="rId2">
+            <a:biLevel thresh="75000"/>
+            <a:extLst>
+              <a:ext uri="{28A0092B-C50C-407E-A947-70E740481C1C}">
+                <a14:useLocalDpi xmlns:a14="http://schemas.microsoft.com/office/drawing/2010/main" val="0"/>
+              </a:ext>
+            </a:extLst>
+          </a:blip>
+          <a:srcRect t="1090"/>
+          <a:stretch/>
+        </p:blipFill>
+        <p:spPr>
+          <a:xfrm>
+            <a:off x="3232913" y="1000124"/>
+            <a:ext cx="5001799" cy="5857875"/>
+          </a:xfrm>
+          <a:prstGeom prst="rect">
+            <a:avLst/>
+          </a:prstGeom>
+        </p:spPr>
+      </p:pic>
+    </p:spTree>
+    <p:extLst>
+      <p:ext uri="{BB962C8B-B14F-4D97-AF65-F5344CB8AC3E}">
+        <p14:creationId xmlns:p14="http://schemas.microsoft.com/office/powerpoint/2010/main" val="3230243968"/>
+      </p:ext>
+    </p:extLst>
+  </p:cSld>
+  <p:clrMapOvr>
+    <a:masterClrMapping/>
+  </p:clrMapOvr>
+  <p:timing>
+    <p:tnLst>
+      <p:par>
+        <p:cTn id="1" dur="indefinite" restart="never" nodeType="tmRoot"/>
+      </p:par>
+    </p:tnLst>
+  </p:timing>
+</p:sld>
+</file>
+
 <file path=ppt/slides/slide17.xml><?xml version="1.0" encoding="utf-8"?>
 <p:sld xmlns:a="http://schemas.openxmlformats.org/drawingml/2006/main" xmlns:r="http://schemas.openxmlformats.org/officeDocument/2006/relationships" xmlns:p="http://schemas.openxmlformats.org/presentationml/2006/main">
   <p:cSld>
@@ -8263,15 +8474,7 @@
                 <a:ea typeface="Calibri" panose="020F0502020204030204" pitchFamily="34" charset="0"/>
                 <a:cs typeface="Times New Roman" panose="02020603050405020304" pitchFamily="18" charset="0"/>
               </a:rPr>
-              <a:t>Проверяем, что д</a:t>
-            </a:r>
-            <a:r>
-              <a:rPr lang="ru-RU" sz="2800" dirty="0" smtClean="0">
-                <a:latin typeface="Calibri" panose="020F0502020204030204" pitchFamily="34" charset="0"/>
-                <a:ea typeface="Calibri" panose="020F0502020204030204" pitchFamily="34" charset="0"/>
-                <a:cs typeface="Times New Roman" panose="02020603050405020304" pitchFamily="18" charset="0"/>
-              </a:rPr>
-              <a:t>ве вершины графа имеют степень 1, а все остальные – 2</a:t>
+              <a:t>Проверяем, что две вершины графа имеют степень 1, а все остальные – 2</a:t>
             </a:r>
           </a:p>
           <a:p>
@@ -20843,39 +21046,9 @@
           <a:chExt cx="0" cy="0"/>
         </a:xfrm>
       </p:grpSpPr>
-      <p:pic>
-        <p:nvPicPr>
-          <p:cNvPr id="4" name="Рисунок 3"/>
-          <p:cNvPicPr>
-            <a:picLocks noChangeAspect="1"/>
-          </p:cNvPicPr>
-          <p:nvPr/>
-        </p:nvPicPr>
-        <p:blipFill>
-          <a:blip r:embed="rId2">
-            <a:extLst>
-              <a:ext uri="{28A0092B-C50C-407E-A947-70E740481C1C}">
-                <a14:useLocalDpi xmlns:a14="http://schemas.microsoft.com/office/drawing/2010/main" val="0"/>
-              </a:ext>
-            </a:extLst>
-          </a:blip>
-          <a:stretch>
-            <a:fillRect/>
-          </a:stretch>
-        </p:blipFill>
-        <p:spPr>
-          <a:xfrm>
-            <a:off x="2304300" y="850130"/>
-            <a:ext cx="7268326" cy="6007870"/>
-          </a:xfrm>
-          <a:prstGeom prst="rect">
-            <a:avLst/>
-          </a:prstGeom>
-        </p:spPr>
-      </p:pic>
       <p:sp>
         <p:nvSpPr>
-          <p:cNvPr id="6" name="Заголовок 1"/>
+          <p:cNvPr id="5" name="Заголовок 1"/>
           <p:cNvSpPr txBox="1">
             <a:spLocks/>
           </p:cNvSpPr>
@@ -20883,8 +21056,8 @@
         </p:nvSpPr>
         <p:spPr>
           <a:xfrm>
-            <a:off x="0" y="203440"/>
-            <a:ext cx="12192000" cy="732126"/>
+            <a:off x="2563091" y="2313708"/>
+            <a:ext cx="6456219" cy="1704543"/>
           </a:xfrm>
           <a:prstGeom prst="rect">
             <a:avLst/>
@@ -20916,26 +21089,16 @@
           <a:p>
             <a:pPr algn="ctr"/>
             <a:r>
-              <a:rPr lang="ru-RU" dirty="0" smtClean="0">
+              <a:rPr lang="ru-RU" sz="7200" dirty="0" smtClean="0">
                 <a:solidFill>
                   <a:schemeClr val="accent1">
                     <a:lumMod val="50000"/>
                   </a:schemeClr>
                 </a:solidFill>
               </a:rPr>
-              <a:t>Сетка с восстановленной нумерацией (2</a:t>
-            </a:r>
-            <a:r>
-              <a:rPr lang="en-US" dirty="0" smtClean="0">
-                <a:solidFill>
-                  <a:schemeClr val="accent1">
-                    <a:lumMod val="50000"/>
-                  </a:schemeClr>
-                </a:solidFill>
-              </a:rPr>
-              <a:t>D)</a:t>
-            </a:r>
-            <a:endParaRPr lang="ru-RU" dirty="0">
+              <a:t>Постановка задачи</a:t>
+            </a:r>
+            <a:endParaRPr lang="ru-RU" sz="7200" dirty="0">
               <a:solidFill>
                 <a:schemeClr val="accent1">
                   <a:lumMod val="50000"/>
@@ -20948,13 +21111,25 @@
     </p:spTree>
     <p:extLst>
       <p:ext uri="{BB962C8B-B14F-4D97-AF65-F5344CB8AC3E}">
-        <p14:creationId xmlns:p14="http://schemas.microsoft.com/office/powerpoint/2010/main" val="2860695980"/>
+        <p14:creationId xmlns:p14="http://schemas.microsoft.com/office/powerpoint/2010/main" val="4024909480"/>
       </p:ext>
     </p:extLst>
   </p:cSld>
   <p:clrMapOvr>
     <a:masterClrMapping/>
   </p:clrMapOvr>
+  <mc:AlternateContent xmlns:mc="http://schemas.openxmlformats.org/markup-compatibility/2006" xmlns:p14="http://schemas.microsoft.com/office/powerpoint/2010/main">
+    <mc:Choice Requires="p14">
+      <p:transition spd="med" p14:dur="700">
+        <p:fade/>
+      </p:transition>
+    </mc:Choice>
+    <mc:Fallback xmlns="">
+      <p:transition spd="med">
+        <p:fade/>
+      </p:transition>
+    </mc:Fallback>
+  </mc:AlternateContent>
   <p:timing>
     <p:tnLst>
       <p:par>

--- a/docs/Презентация v0.8.1.pptx
+++ b/docs/Презентация v0.8.1.pptx
@@ -5,7 +5,7 @@
     <p:sldMasterId id="2147483648" r:id="rId1"/>
   </p:sldMasterIdLst>
   <p:notesMasterIdLst>
-    <p:notesMasterId r:id="rId45"/>
+    <p:notesMasterId r:id="rId46"/>
   </p:notesMasterIdLst>
   <p:sldIdLst>
     <p:sldId id="256" r:id="rId2"/>
@@ -38,19 +38,20 @@
     <p:sldId id="357" r:id="rId29"/>
     <p:sldId id="358" r:id="rId30"/>
     <p:sldId id="359" r:id="rId31"/>
-    <p:sldId id="349" r:id="rId32"/>
-    <p:sldId id="350" r:id="rId33"/>
-    <p:sldId id="351" r:id="rId34"/>
-    <p:sldId id="352" r:id="rId35"/>
-    <p:sldId id="353" r:id="rId36"/>
-    <p:sldId id="354" r:id="rId37"/>
-    <p:sldId id="338" r:id="rId38"/>
-    <p:sldId id="339" r:id="rId39"/>
-    <p:sldId id="347" r:id="rId40"/>
-    <p:sldId id="348" r:id="rId41"/>
-    <p:sldId id="344" r:id="rId42"/>
-    <p:sldId id="345" r:id="rId43"/>
-    <p:sldId id="346" r:id="rId44"/>
+    <p:sldId id="360" r:id="rId32"/>
+    <p:sldId id="349" r:id="rId33"/>
+    <p:sldId id="350" r:id="rId34"/>
+    <p:sldId id="351" r:id="rId35"/>
+    <p:sldId id="352" r:id="rId36"/>
+    <p:sldId id="353" r:id="rId37"/>
+    <p:sldId id="354" r:id="rId38"/>
+    <p:sldId id="338" r:id="rId39"/>
+    <p:sldId id="339" r:id="rId40"/>
+    <p:sldId id="347" r:id="rId41"/>
+    <p:sldId id="348" r:id="rId42"/>
+    <p:sldId id="344" r:id="rId43"/>
+    <p:sldId id="345" r:id="rId44"/>
+    <p:sldId id="346" r:id="rId45"/>
   </p:sldIdLst>
   <p:sldSz cx="12192000" cy="6858000"/>
   <p:notesSz cx="6858000" cy="9144000"/>
@@ -251,7 +252,7 @@
           <a:p>
             <a:fld id="{2F7BDC20-999D-4259-B6C3-F40ECC5C4406}" type="datetimeFigureOut">
               <a:rPr lang="ru-RU" smtClean="0"/>
-              <a:t>13.12.2017</a:t>
+              <a:t>14.12.2017</a:t>
             </a:fld>
             <a:endParaRPr lang="ru-RU"/>
           </a:p>
@@ -672,7 +673,7 @@
           <a:p>
             <a:fld id="{9C466FCC-2ADF-469F-864C-91669074506B}" type="slidenum">
               <a:rPr lang="ru-RU" smtClean="0"/>
-              <a:t>37</a:t>
+              <a:t>38</a:t>
             </a:fld>
             <a:endParaRPr lang="ru-RU"/>
           </a:p>
@@ -756,7 +757,7 @@
           <a:p>
             <a:fld id="{9C466FCC-2ADF-469F-864C-91669074506B}" type="slidenum">
               <a:rPr lang="ru-RU" smtClean="0"/>
-              <a:t>38</a:t>
+              <a:t>39</a:t>
             </a:fld>
             <a:endParaRPr lang="ru-RU"/>
           </a:p>
@@ -848,7 +849,7 @@
           <a:p>
             <a:fld id="{9C466FCC-2ADF-469F-864C-91669074506B}" type="slidenum">
               <a:rPr lang="ru-RU" smtClean="0"/>
-              <a:t>42</a:t>
+              <a:t>43</a:t>
             </a:fld>
             <a:endParaRPr lang="ru-RU"/>
           </a:p>
@@ -1706,7 +1707,7 @@
           <a:p>
             <a:fld id="{8F045AFB-DE82-40CD-9223-121836DEA27A}" type="datetimeFigureOut">
               <a:rPr lang="ru-RU" smtClean="0"/>
-              <a:t>13.12.2017</a:t>
+              <a:t>14.12.2017</a:t>
             </a:fld>
             <a:endParaRPr lang="ru-RU"/>
           </a:p>
@@ -1876,7 +1877,7 @@
           <a:p>
             <a:fld id="{8F045AFB-DE82-40CD-9223-121836DEA27A}" type="datetimeFigureOut">
               <a:rPr lang="ru-RU" smtClean="0"/>
-              <a:t>13.12.2017</a:t>
+              <a:t>14.12.2017</a:t>
             </a:fld>
             <a:endParaRPr lang="ru-RU"/>
           </a:p>
@@ -2056,7 +2057,7 @@
           <a:p>
             <a:fld id="{8F045AFB-DE82-40CD-9223-121836DEA27A}" type="datetimeFigureOut">
               <a:rPr lang="ru-RU" smtClean="0"/>
-              <a:t>13.12.2017</a:t>
+              <a:t>14.12.2017</a:t>
             </a:fld>
             <a:endParaRPr lang="ru-RU"/>
           </a:p>
@@ -2226,7 +2227,7 @@
           <a:p>
             <a:fld id="{8F045AFB-DE82-40CD-9223-121836DEA27A}" type="datetimeFigureOut">
               <a:rPr lang="ru-RU" smtClean="0"/>
-              <a:t>13.12.2017</a:t>
+              <a:t>14.12.2017</a:t>
             </a:fld>
             <a:endParaRPr lang="ru-RU"/>
           </a:p>
@@ -2472,7 +2473,7 @@
           <a:p>
             <a:fld id="{8F045AFB-DE82-40CD-9223-121836DEA27A}" type="datetimeFigureOut">
               <a:rPr lang="ru-RU" smtClean="0"/>
-              <a:t>13.12.2017</a:t>
+              <a:t>14.12.2017</a:t>
             </a:fld>
             <a:endParaRPr lang="ru-RU"/>
           </a:p>
@@ -2704,7 +2705,7 @@
           <a:p>
             <a:fld id="{8F045AFB-DE82-40CD-9223-121836DEA27A}" type="datetimeFigureOut">
               <a:rPr lang="ru-RU" smtClean="0"/>
-              <a:t>13.12.2017</a:t>
+              <a:t>14.12.2017</a:t>
             </a:fld>
             <a:endParaRPr lang="ru-RU"/>
           </a:p>
@@ -3071,7 +3072,7 @@
           <a:p>
             <a:fld id="{8F045AFB-DE82-40CD-9223-121836DEA27A}" type="datetimeFigureOut">
               <a:rPr lang="ru-RU" smtClean="0"/>
-              <a:t>13.12.2017</a:t>
+              <a:t>14.12.2017</a:t>
             </a:fld>
             <a:endParaRPr lang="ru-RU"/>
           </a:p>
@@ -3189,7 +3190,7 @@
           <a:p>
             <a:fld id="{8F045AFB-DE82-40CD-9223-121836DEA27A}" type="datetimeFigureOut">
               <a:rPr lang="ru-RU" smtClean="0"/>
-              <a:t>13.12.2017</a:t>
+              <a:t>14.12.2017</a:t>
             </a:fld>
             <a:endParaRPr lang="ru-RU"/>
           </a:p>
@@ -3284,7 +3285,7 @@
           <a:p>
             <a:fld id="{8F045AFB-DE82-40CD-9223-121836DEA27A}" type="datetimeFigureOut">
               <a:rPr lang="ru-RU" smtClean="0"/>
-              <a:t>13.12.2017</a:t>
+              <a:t>14.12.2017</a:t>
             </a:fld>
             <a:endParaRPr lang="ru-RU"/>
           </a:p>
@@ -3561,7 +3562,7 @@
           <a:p>
             <a:fld id="{8F045AFB-DE82-40CD-9223-121836DEA27A}" type="datetimeFigureOut">
               <a:rPr lang="ru-RU" smtClean="0"/>
-              <a:t>13.12.2017</a:t>
+              <a:t>14.12.2017</a:t>
             </a:fld>
             <a:endParaRPr lang="ru-RU"/>
           </a:p>
@@ -3814,7 +3815,7 @@
           <a:p>
             <a:fld id="{8F045AFB-DE82-40CD-9223-121836DEA27A}" type="datetimeFigureOut">
               <a:rPr lang="ru-RU" smtClean="0"/>
-              <a:t>13.12.2017</a:t>
+              <a:t>14.12.2017</a:t>
             </a:fld>
             <a:endParaRPr lang="ru-RU"/>
           </a:p>
@@ -4027,7 +4028,7 @@
           <a:p>
             <a:fld id="{8F045AFB-DE82-40CD-9223-121836DEA27A}" type="datetimeFigureOut">
               <a:rPr lang="ru-RU" smtClean="0"/>
-              <a:t>13.12.2017</a:t>
+              <a:t>14.12.2017</a:t>
             </a:fld>
             <a:endParaRPr lang="ru-RU"/>
           </a:p>
@@ -4561,16 +4562,6 @@
               </a:rPr>
               <a:t>данные</a:t>
             </a:r>
-            <a:endParaRPr lang="ru-RU" sz="4400" dirty="0">
-              <a:solidFill>
-                <a:schemeClr val="accent1">
-                  <a:lumMod val="50000"/>
-                </a:schemeClr>
-              </a:solidFill>
-              <a:latin typeface="+mj-lt"/>
-              <a:ea typeface="+mj-ea"/>
-              <a:cs typeface="+mj-cs"/>
-            </a:endParaRPr>
           </a:p>
         </p:txBody>
       </p:sp>
@@ -4684,15 +4675,11 @@
             </a:pPr>
             <a:r>
               <a:rPr lang="ru-RU" sz="2800" dirty="0" smtClean="0"/>
-              <a:t>Координаты</a:t>
-            </a:r>
-            <a:r>
-              <a:rPr lang="ru-RU" sz="2800" dirty="0"/>
-              <a:t> на регулярной </a:t>
+              <a:t>Индексы регулярной сетки </a:t>
             </a:r>
             <a:r>
               <a:rPr lang="ru-RU" sz="2800" dirty="0" smtClean="0"/>
-              <a:t>сетке определенной размерности</a:t>
+              <a:t>определенной размерности</a:t>
             </a:r>
           </a:p>
           <a:p>
@@ -4721,8 +4708,8 @@
           </a:p>
           <a:p>
             <a:r>
-              <a:rPr lang="ru-RU" sz="2800" dirty="0" smtClean="0"/>
-              <a:t>координаты</a:t>
+              <a:rPr lang="ru-RU" sz="2800" smtClean="0"/>
+              <a:t>индексы</a:t>
             </a:r>
             <a:endParaRPr lang="ru-RU" sz="2800" dirty="0"/>
           </a:p>
@@ -8362,7 +8349,7 @@
         </p:blipFill>
         <p:spPr>
           <a:xfrm>
-            <a:off x="748823" y="3916680"/>
+            <a:off x="748822" y="3931422"/>
             <a:ext cx="10599253" cy="1233942"/>
           </a:xfrm>
           <a:prstGeom prst="rect">
@@ -8381,7 +8368,7 @@
         </p:nvSpPr>
         <p:spPr>
           <a:xfrm>
-            <a:off x="276225" y="1066626"/>
+            <a:off x="793029" y="1328786"/>
             <a:ext cx="10510838" cy="2602636"/>
           </a:xfrm>
           <a:prstGeom prst="rect">
@@ -8519,7 +8506,7 @@
               <a:t>Вершине со степенью 1 присваиваем номер </a:t>
             </a:r>
             <a:r>
-              <a:rPr lang="en-US" sz="2800" smtClean="0">
+              <a:rPr lang="en-US" sz="2800" dirty="0" smtClean="0">
                 <a:latin typeface="Calibri" panose="020F0502020204030204" pitchFamily="34" charset="0"/>
                 <a:ea typeface="Calibri" panose="020F0502020204030204" pitchFamily="34" charset="0"/>
                 <a:cs typeface="Times New Roman" panose="02020603050405020304" pitchFamily="18" charset="0"/>
@@ -8527,20 +8514,12 @@
               <a:t>1</a:t>
             </a:r>
             <a:r>
-              <a:rPr lang="ru-RU" sz="2800" smtClean="0">
-                <a:latin typeface="Calibri" panose="020F0502020204030204" pitchFamily="34" charset="0"/>
-                <a:ea typeface="Calibri" panose="020F0502020204030204" pitchFamily="34" charset="0"/>
-                <a:cs typeface="Times New Roman" panose="02020603050405020304" pitchFamily="18" charset="0"/>
-              </a:rPr>
-              <a:t> </a:t>
-            </a:r>
-            <a:r>
               <a:rPr lang="ru-RU" sz="2800" dirty="0" smtClean="0">
                 <a:latin typeface="Calibri" panose="020F0502020204030204" pitchFamily="34" charset="0"/>
                 <a:ea typeface="Calibri" panose="020F0502020204030204" pitchFamily="34" charset="0"/>
                 <a:cs typeface="Times New Roman" panose="02020603050405020304" pitchFamily="18" charset="0"/>
               </a:rPr>
-              <a:t>и последовательно нумеруем соседей</a:t>
+              <a:t> и последовательно нумеруем соседей</a:t>
             </a:r>
             <a:endParaRPr lang="ru-RU" sz="2800" dirty="0">
               <a:latin typeface="Calibri" panose="020F0502020204030204" pitchFamily="34" charset="0"/>
@@ -8572,14 +8551,62 @@
         </p:blipFill>
         <p:spPr>
           <a:xfrm>
-            <a:off x="666623" y="5150622"/>
-            <a:ext cx="10839578" cy="1494018"/>
+            <a:off x="628660" y="5165364"/>
+            <a:ext cx="10839577" cy="1494018"/>
           </a:xfrm>
           <a:prstGeom prst="rect">
             <a:avLst/>
           </a:prstGeom>
         </p:spPr>
       </p:pic>
+      <p:sp>
+        <p:nvSpPr>
+          <p:cNvPr id="4" name="TextBox 3"/>
+          <p:cNvSpPr txBox="1"/>
+          <p:nvPr/>
+        </p:nvSpPr>
+        <p:spPr>
+          <a:xfrm>
+            <a:off x="2494274" y="543406"/>
+            <a:ext cx="6074740" cy="523220"/>
+          </a:xfrm>
+          <a:prstGeom prst="rect">
+            <a:avLst/>
+          </a:prstGeom>
+          <a:noFill/>
+        </p:spPr>
+        <p:txBody>
+          <a:bodyPr wrap="none" rtlCol="0">
+            <a:spAutoFit/>
+          </a:bodyPr>
+          <a:lstStyle/>
+          <a:p>
+            <a:r>
+              <a:rPr lang="ru-RU" sz="2800" dirty="0">
+                <a:solidFill>
+                  <a:schemeClr val="accent1">
+                    <a:lumMod val="50000"/>
+                  </a:schemeClr>
+                </a:solidFill>
+                <a:latin typeface="Calibri" panose="020F0502020204030204" pitchFamily="34" charset="0"/>
+                <a:ea typeface="Calibri" panose="020F0502020204030204" pitchFamily="34" charset="0"/>
+                <a:cs typeface="Times New Roman" panose="02020603050405020304" pitchFamily="18" charset="0"/>
+              </a:rPr>
+              <a:t>Идея: Проверить, что граф - линейный</a:t>
+            </a:r>
+            <a:endParaRPr lang="ru-RU" sz="2800" dirty="0">
+              <a:solidFill>
+                <a:schemeClr val="accent1">
+                  <a:lumMod val="50000"/>
+                </a:schemeClr>
+              </a:solidFill>
+              <a:latin typeface="Calibri" panose="020F0502020204030204" pitchFamily="34" charset="0"/>
+              <a:ea typeface="Calibri" panose="020F0502020204030204" pitchFamily="34" charset="0"/>
+              <a:cs typeface="Times New Roman" panose="02020603050405020304" pitchFamily="18" charset="0"/>
+            </a:endParaRPr>
+          </a:p>
+        </p:txBody>
+      </p:sp>
     </p:spTree>
     <p:extLst>
       <p:ext uri="{BB962C8B-B14F-4D97-AF65-F5344CB8AC3E}">
@@ -8908,8 +8935,8 @@
         </p:nvSpPr>
         <p:spPr>
           <a:xfrm>
-            <a:off x="276225" y="1066626"/>
-            <a:ext cx="5067300" cy="3985706"/>
+            <a:off x="516513" y="1839887"/>
+            <a:ext cx="5067300" cy="2379498"/>
           </a:xfrm>
           <a:prstGeom prst="rect">
             <a:avLst/>
@@ -8930,87 +8957,6 @@
               </a:spcAft>
             </a:pPr>
             <a:r>
-              <a:rPr lang="ru-RU" sz="2800" dirty="0">
-                <a:latin typeface="Calibri" panose="020F0502020204030204" pitchFamily="34" charset="0"/>
-                <a:ea typeface="Calibri" panose="020F0502020204030204" pitchFamily="34" charset="0"/>
-                <a:cs typeface="Times New Roman" panose="02020603050405020304" pitchFamily="18" charset="0"/>
-              </a:rPr>
-              <a:t>Дан неориентированный помеченный граф </a:t>
-            </a:r>
-            <a:r>
-              <a:rPr lang="en-US" sz="2800" dirty="0">
-                <a:latin typeface="Calibri" panose="020F0502020204030204" pitchFamily="34" charset="0"/>
-                <a:ea typeface="Calibri" panose="020F0502020204030204" pitchFamily="34" charset="0"/>
-                <a:cs typeface="Times New Roman" panose="02020603050405020304" pitchFamily="18" charset="0"/>
-              </a:rPr>
-              <a:t>G</a:t>
-            </a:r>
-            <a:r>
-              <a:rPr lang="ru-RU" sz="2800" dirty="0">
-                <a:latin typeface="Calibri" panose="020F0502020204030204" pitchFamily="34" charset="0"/>
-                <a:ea typeface="Calibri" panose="020F0502020204030204" pitchFamily="34" charset="0"/>
-                <a:cs typeface="Times New Roman" panose="02020603050405020304" pitchFamily="18" charset="0"/>
-              </a:rPr>
-              <a:t>=(</a:t>
-            </a:r>
-            <a:r>
-              <a:rPr lang="en-US" sz="2800" dirty="0">
-                <a:latin typeface="Calibri" panose="020F0502020204030204" pitchFamily="34" charset="0"/>
-                <a:ea typeface="Calibri" panose="020F0502020204030204" pitchFamily="34" charset="0"/>
-                <a:cs typeface="Times New Roman" panose="02020603050405020304" pitchFamily="18" charset="0"/>
-              </a:rPr>
-              <a:t>V</a:t>
-            </a:r>
-            <a:r>
-              <a:rPr lang="ru-RU" sz="2800" dirty="0">
-                <a:latin typeface="Calibri" panose="020F0502020204030204" pitchFamily="34" charset="0"/>
-                <a:ea typeface="Calibri" panose="020F0502020204030204" pitchFamily="34" charset="0"/>
-                <a:cs typeface="Times New Roman" panose="02020603050405020304" pitchFamily="18" charset="0"/>
-              </a:rPr>
-              <a:t>,</a:t>
-            </a:r>
-            <a:r>
-              <a:rPr lang="en-US" sz="2800" dirty="0">
-                <a:latin typeface="Calibri" panose="020F0502020204030204" pitchFamily="34" charset="0"/>
-                <a:ea typeface="Calibri" panose="020F0502020204030204" pitchFamily="34" charset="0"/>
-                <a:cs typeface="Times New Roman" panose="02020603050405020304" pitchFamily="18" charset="0"/>
-              </a:rPr>
-              <a:t>E</a:t>
-            </a:r>
-            <a:r>
-              <a:rPr lang="ru-RU" sz="2800" dirty="0">
-                <a:latin typeface="Calibri" panose="020F0502020204030204" pitchFamily="34" charset="0"/>
-                <a:ea typeface="Calibri" panose="020F0502020204030204" pitchFamily="34" charset="0"/>
-                <a:cs typeface="Times New Roman" panose="02020603050405020304" pitchFamily="18" charset="0"/>
-              </a:rPr>
-              <a:t>).</a:t>
-            </a:r>
-          </a:p>
-          <a:p>
-            <a:pPr>
-              <a:lnSpc>
-                <a:spcPct val="107000"/>
-              </a:lnSpc>
-              <a:spcAft>
-                <a:spcPts val="800"/>
-              </a:spcAft>
-            </a:pPr>
-            <a:endParaRPr lang="ru-RU" sz="2800" dirty="0">
-              <a:latin typeface="Calibri" panose="020F0502020204030204" pitchFamily="34" charset="0"/>
-              <a:ea typeface="Calibri" panose="020F0502020204030204" pitchFamily="34" charset="0"/>
-              <a:cs typeface="Times New Roman" panose="02020603050405020304" pitchFamily="18" charset="0"/>
-            </a:endParaRPr>
-          </a:p>
-          <a:p>
-            <a:pPr>
-              <a:lnSpc>
-                <a:spcPct val="107000"/>
-              </a:lnSpc>
-              <a:spcAft>
-                <a:spcPts val="800"/>
-              </a:spcAft>
-            </a:pPr>
-            <a:r>
               <a:rPr lang="ru-RU" sz="2800" dirty="0" smtClean="0">
                 <a:solidFill>
                   <a:schemeClr val="accent1">
@@ -9021,60 +8967,143 @@
                 <a:ea typeface="Calibri" panose="020F0502020204030204" pitchFamily="34" charset="0"/>
                 <a:cs typeface="Times New Roman" panose="02020603050405020304" pitchFamily="18" charset="0"/>
               </a:rPr>
-              <a:t>Шаг 1.</a:t>
-            </a:r>
-            <a:r>
-              <a:rPr lang="ru-RU" sz="2800" dirty="0" smtClean="0">
+              <a:t>Шаг 1</a:t>
+            </a:r>
+            <a:endParaRPr lang="ru-RU" sz="2800" dirty="0" smtClean="0">
+              <a:latin typeface="Calibri" panose="020F0502020204030204" pitchFamily="34" charset="0"/>
+              <a:ea typeface="Calibri" panose="020F0502020204030204" pitchFamily="34" charset="0"/>
+              <a:cs typeface="Times New Roman" panose="02020603050405020304" pitchFamily="18" charset="0"/>
+            </a:endParaRPr>
+          </a:p>
+          <a:p>
+            <a:pPr marL="457200" indent="-457200">
+              <a:spcAft>
+                <a:spcPts val="800"/>
+              </a:spcAft>
+              <a:buFont typeface="Arial" panose="020B0604020202020204" pitchFamily="34" charset="0"/>
+              <a:buChar char="•"/>
+            </a:pPr>
+            <a:r>
+              <a:rPr lang="ru-RU" sz="2800" dirty="0" smtClean="0"/>
+              <a:t>Находим </a:t>
+            </a:r>
+            <a:r>
+              <a:rPr lang="ru-RU" sz="2800" dirty="0"/>
+              <a:t>вершину </a:t>
+            </a:r>
+            <a:r>
+              <a:rPr lang="ru-RU" sz="2800" dirty="0" smtClean="0"/>
+              <a:t>старшей степени </a:t>
+            </a:r>
+            <a:r>
+              <a:rPr lang="en-US" sz="2800" dirty="0" smtClean="0"/>
+              <a:t>(</a:t>
+            </a:r>
+            <a:r>
+              <a:rPr lang="ru-RU" sz="2800" dirty="0" smtClean="0"/>
+              <a:t>максимальная </a:t>
+            </a:r>
+            <a:r>
+              <a:rPr lang="ru-RU" sz="2800" dirty="0"/>
+              <a:t>степень </a:t>
+            </a:r>
+            <a:r>
+              <a:rPr lang="ru-RU" sz="2800" dirty="0" smtClean="0"/>
+              <a:t>– 4</a:t>
+            </a:r>
+            <a:r>
+              <a:rPr lang="en-US" sz="2800" dirty="0" smtClean="0"/>
+              <a:t>)</a:t>
+            </a:r>
+            <a:r>
+              <a:rPr lang="ru-RU" sz="2800" dirty="0" smtClean="0"/>
+              <a:t>, </a:t>
+            </a:r>
+            <a:r>
+              <a:rPr lang="ru-RU" sz="2800" dirty="0"/>
+              <a:t>нумеруем нулевыми значениями</a:t>
+            </a:r>
+            <a:r>
+              <a:rPr lang="ru-RU" sz="2800" dirty="0" smtClean="0"/>
+              <a:t>.</a:t>
+            </a:r>
+            <a:endParaRPr lang="ru-RU" sz="2800" dirty="0">
+              <a:latin typeface="Calibri" panose="020F0502020204030204" pitchFamily="34" charset="0"/>
+              <a:ea typeface="Calibri" panose="020F0502020204030204" pitchFamily="34" charset="0"/>
+              <a:cs typeface="Times New Roman" panose="02020603050405020304" pitchFamily="18" charset="0"/>
+            </a:endParaRPr>
+          </a:p>
+        </p:txBody>
+      </p:sp>
+      <p:sp>
+        <p:nvSpPr>
+          <p:cNvPr id="6" name="TextBox 5"/>
+          <p:cNvSpPr txBox="1"/>
+          <p:nvPr/>
+        </p:nvSpPr>
+        <p:spPr>
+          <a:xfrm>
+            <a:off x="517554" y="622980"/>
+            <a:ext cx="5066259" cy="954107"/>
+          </a:xfrm>
+          <a:prstGeom prst="rect">
+            <a:avLst/>
+          </a:prstGeom>
+          <a:noFill/>
+        </p:spPr>
+        <p:txBody>
+          <a:bodyPr wrap="none" rtlCol="0">
+            <a:spAutoFit/>
+          </a:bodyPr>
+          <a:lstStyle/>
+          <a:p>
+            <a:r>
+              <a:rPr lang="ru-RU" sz="2800" dirty="0">
+                <a:solidFill>
+                  <a:schemeClr val="accent1">
+                    <a:lumMod val="50000"/>
+                  </a:schemeClr>
+                </a:solidFill>
                 <a:latin typeface="Calibri" panose="020F0502020204030204" pitchFamily="34" charset="0"/>
                 <a:ea typeface="Calibri" panose="020F0502020204030204" pitchFamily="34" charset="0"/>
                 <a:cs typeface="Times New Roman" panose="02020603050405020304" pitchFamily="18" charset="0"/>
               </a:rPr>
-              <a:t/>
-            </a:r>
-            <a:br>
+              <a:t>Идея: </a:t>
+            </a:r>
+            <a:r>
               <a:rPr lang="ru-RU" sz="2800" dirty="0" smtClean="0">
+                <a:solidFill>
+                  <a:schemeClr val="accent1">
+                    <a:lumMod val="50000"/>
+                  </a:schemeClr>
+                </a:solidFill>
                 <a:latin typeface="Calibri" panose="020F0502020204030204" pitchFamily="34" charset="0"/>
                 <a:ea typeface="Calibri" panose="020F0502020204030204" pitchFamily="34" charset="0"/>
                 <a:cs typeface="Times New Roman" panose="02020603050405020304" pitchFamily="18" charset="0"/>
               </a:rPr>
-            </a:br>
-            <a:r>
-              <a:rPr lang="ru-RU" sz="2800" dirty="0"/>
-              <a:t>Находим вершину старшей </a:t>
-            </a:r>
-            <a:r>
-              <a:rPr lang="ru-RU" sz="2800" dirty="0" smtClean="0"/>
-              <a:t>степени</a:t>
-            </a:r>
-            <a:r>
-              <a:rPr lang="en-US" sz="2800" dirty="0" smtClean="0"/>
-              <a:t>(</a:t>
-            </a:r>
-            <a:r>
-              <a:rPr lang="ru-RU" sz="2800" dirty="0" smtClean="0"/>
-              <a:t>максимальная </a:t>
-            </a:r>
-            <a:r>
-              <a:rPr lang="ru-RU" sz="2800" dirty="0"/>
-              <a:t>степень </a:t>
-            </a:r>
-            <a:r>
-              <a:rPr lang="ru-RU" sz="2800" dirty="0" smtClean="0"/>
-              <a:t>– 4</a:t>
-            </a:r>
-            <a:r>
-              <a:rPr lang="en-US" sz="2800" dirty="0" smtClean="0"/>
-              <a:t>)</a:t>
-            </a:r>
-            <a:r>
-              <a:rPr lang="ru-RU" sz="2800" dirty="0" smtClean="0"/>
-              <a:t>, </a:t>
-            </a:r>
-            <a:r>
-              <a:rPr lang="ru-RU" sz="2800" dirty="0"/>
-              <a:t>нумеруем нулевыми значениями. </a:t>
+              <a:t>Выделяем опорную точку</a:t>
+            </a:r>
+          </a:p>
+          <a:p>
+            <a:r>
+              <a:rPr lang="ru-RU" sz="2800" dirty="0" smtClean="0">
+                <a:solidFill>
+                  <a:schemeClr val="accent1">
+                    <a:lumMod val="50000"/>
+                  </a:schemeClr>
+                </a:solidFill>
+                <a:latin typeface="Calibri" panose="020F0502020204030204" pitchFamily="34" charset="0"/>
+                <a:ea typeface="Calibri" panose="020F0502020204030204" pitchFamily="34" charset="0"/>
+                <a:cs typeface="Times New Roman" panose="02020603050405020304" pitchFamily="18" charset="0"/>
+              </a:rPr>
+              <a:t>через эвристики</a:t>
             </a:r>
             <a:endParaRPr lang="ru-RU" sz="2800" dirty="0">
+              <a:solidFill>
+                <a:schemeClr val="accent1">
+                  <a:lumMod val="50000"/>
+                </a:schemeClr>
+              </a:solidFill>
               <a:latin typeface="Calibri" panose="020F0502020204030204" pitchFamily="34" charset="0"/>
               <a:ea typeface="Calibri" panose="020F0502020204030204" pitchFamily="34" charset="0"/>
               <a:cs typeface="Times New Roman" panose="02020603050405020304" pitchFamily="18" charset="0"/>
@@ -9169,8 +9198,8 @@
         </p:nvSpPr>
         <p:spPr>
           <a:xfrm>
-            <a:off x="315315" y="1656762"/>
-            <a:ext cx="5543550" cy="4221092"/>
+            <a:off x="443866" y="1847654"/>
+            <a:ext cx="5171122" cy="4739118"/>
           </a:xfrm>
           <a:prstGeom prst="rect">
             <a:avLst/>
@@ -9183,9 +9212,6 @@
           <a:lstStyle/>
           <a:p>
             <a:pPr lvl="0">
-              <a:lnSpc>
-                <a:spcPct val="107000"/>
-              </a:lnSpc>
               <a:spcAft>
                 <a:spcPts val="800"/>
               </a:spcAft>
@@ -9201,156 +9227,260 @@
                 <a:ea typeface="Calibri" panose="020F0502020204030204" pitchFamily="34" charset="0"/>
                 <a:cs typeface="Times New Roman" panose="02020603050405020304" pitchFamily="18" charset="0"/>
               </a:rPr>
-              <a:t>Шаг 2.</a:t>
+              <a:t>Шаг </a:t>
             </a:r>
             <a:r>
               <a:rPr lang="ru-RU" sz="2800" dirty="0" smtClean="0">
-                <a:latin typeface="Calibri" panose="020F0502020204030204" pitchFamily="34" charset="0"/>
-                <a:ea typeface="Calibri" panose="020F0502020204030204" pitchFamily="34" charset="0"/>
-                <a:cs typeface="Times New Roman" panose="02020603050405020304" pitchFamily="18" charset="0"/>
-              </a:rPr>
-              <a:t/>
-            </a:r>
-            <a:br>
-              <a:rPr lang="ru-RU" sz="2800" dirty="0" smtClean="0">
-                <a:latin typeface="Calibri" panose="020F0502020204030204" pitchFamily="34" charset="0"/>
-                <a:ea typeface="Calibri" panose="020F0502020204030204" pitchFamily="34" charset="0"/>
-                <a:cs typeface="Times New Roman" panose="02020603050405020304" pitchFamily="18" charset="0"/>
-              </a:rPr>
-            </a:br>
-            <a:r>
-              <a:rPr lang="ru-RU" sz="2800" dirty="0">
-                <a:latin typeface="Calibri" panose="020F0502020204030204" pitchFamily="34" charset="0"/>
-                <a:ea typeface="Calibri" panose="020F0502020204030204" pitchFamily="34" charset="0"/>
-                <a:cs typeface="Times New Roman" panose="02020603050405020304" pitchFamily="18" charset="0"/>
-              </a:rPr>
-              <a:t>Нумеруем </a:t>
-            </a:r>
-            <a:r>
-              <a:rPr lang="ru-RU" sz="2800" dirty="0" smtClean="0">
-                <a:latin typeface="Calibri" panose="020F0502020204030204" pitchFamily="34" charset="0"/>
-                <a:ea typeface="Calibri" panose="020F0502020204030204" pitchFamily="34" charset="0"/>
-                <a:cs typeface="Times New Roman" panose="02020603050405020304" pitchFamily="18" charset="0"/>
-              </a:rPr>
-              <a:t>смежные вершины </a:t>
-            </a:r>
-            <a:r>
-              <a:rPr lang="ru-RU" sz="2800" i="1" dirty="0" smtClean="0">
-                <a:latin typeface="Calibri" panose="020F0502020204030204" pitchFamily="34" charset="0"/>
-                <a:ea typeface="Calibri" panose="020F0502020204030204" pitchFamily="34" charset="0"/>
-                <a:cs typeface="Times New Roman" panose="02020603050405020304" pitchFamily="18" charset="0"/>
-              </a:rPr>
-              <a:t>(</a:t>
-            </a:r>
-            <a:r>
-              <a:rPr lang="en-US" sz="2800" i="1" dirty="0" smtClean="0">
-                <a:latin typeface="Calibri" panose="020F0502020204030204" pitchFamily="34" charset="0"/>
-                <a:ea typeface="Calibri" panose="020F0502020204030204" pitchFamily="34" charset="0"/>
-                <a:cs typeface="Times New Roman" panose="02020603050405020304" pitchFamily="18" charset="0"/>
-              </a:rPr>
-              <a:t>P</a:t>
-            </a:r>
-            <a:r>
-              <a:rPr lang="ru-RU" sz="2800" i="1" dirty="0" smtClean="0">
-                <a:latin typeface="Calibri" panose="020F0502020204030204" pitchFamily="34" charset="0"/>
-                <a:ea typeface="Calibri" panose="020F0502020204030204" pitchFamily="34" charset="0"/>
-                <a:cs typeface="Times New Roman" panose="02020603050405020304" pitchFamily="18" charset="0"/>
-              </a:rPr>
-              <a:t>)</a:t>
-            </a:r>
-            <a:r>
-              <a:rPr lang="ru-RU" sz="2800" dirty="0" smtClean="0">
-                <a:latin typeface="Calibri" panose="020F0502020204030204" pitchFamily="34" charset="0"/>
-                <a:ea typeface="Calibri" panose="020F0502020204030204" pitchFamily="34" charset="0"/>
-                <a:cs typeface="Times New Roman" panose="02020603050405020304" pitchFamily="18" charset="0"/>
-              </a:rPr>
-              <a:t> </a:t>
-            </a:r>
-            <a:r>
-              <a:rPr lang="ru-RU" sz="2800" dirty="0">
-                <a:latin typeface="Calibri" panose="020F0502020204030204" pitchFamily="34" charset="0"/>
-                <a:ea typeface="Calibri" panose="020F0502020204030204" pitchFamily="34" charset="0"/>
-                <a:cs typeface="Times New Roman" panose="02020603050405020304" pitchFamily="18" charset="0"/>
-              </a:rPr>
-              <a:t>по очереди. Если дальнейшая нумерация не удалась, то пробуем поменять координаты вершин местами и запустить нумерацию заново. Для </a:t>
-            </a:r>
-            <a:r>
-              <a:rPr lang="en-US" sz="2800" dirty="0" smtClean="0">
+                <a:solidFill>
+                  <a:schemeClr val="accent1">
+                    <a:lumMod val="50000"/>
+                  </a:schemeClr>
+                </a:solidFill>
                 <a:latin typeface="Calibri" panose="020F0502020204030204" pitchFamily="34" charset="0"/>
                 <a:ea typeface="Calibri" panose="020F0502020204030204" pitchFamily="34" charset="0"/>
                 <a:cs typeface="Times New Roman" panose="02020603050405020304" pitchFamily="18" charset="0"/>
               </a:rPr>
               <a:t>2</a:t>
             </a:r>
+            <a:endParaRPr lang="ru-RU" sz="2800" dirty="0" smtClean="0">
+              <a:latin typeface="Calibri" panose="020F0502020204030204" pitchFamily="34" charset="0"/>
+              <a:ea typeface="Calibri" panose="020F0502020204030204" pitchFamily="34" charset="0"/>
+              <a:cs typeface="Times New Roman" panose="02020603050405020304" pitchFamily="18" charset="0"/>
+            </a:endParaRPr>
+          </a:p>
+          <a:p>
+            <a:pPr marL="457200" lvl="0" indent="-457200">
+              <a:spcAft>
+                <a:spcPts val="800"/>
+              </a:spcAft>
+              <a:buFont typeface="Arial" panose="020B0604020202020204" pitchFamily="34" charset="0"/>
+              <a:buChar char="•"/>
+            </a:pPr>
             <a:r>
               <a:rPr lang="ru-RU" sz="2800" dirty="0" smtClean="0">
+                <a:ea typeface="Calibri" panose="020F0502020204030204" pitchFamily="34" charset="0"/>
+                <a:cs typeface="Times New Roman" panose="02020603050405020304" pitchFamily="18" charset="0"/>
+              </a:rPr>
+              <a:t>Нумеруем </a:t>
+            </a:r>
+            <a:r>
+              <a:rPr lang="ru-RU" sz="2800" dirty="0" smtClean="0">
+                <a:ea typeface="Calibri" panose="020F0502020204030204" pitchFamily="34" charset="0"/>
+                <a:cs typeface="Times New Roman" panose="02020603050405020304" pitchFamily="18" charset="0"/>
+              </a:rPr>
+              <a:t>смежные вершины </a:t>
+            </a:r>
+            <a:r>
+              <a:rPr lang="ru-RU" sz="2800" i="1" dirty="0" smtClean="0">
+                <a:ea typeface="Calibri" panose="020F0502020204030204" pitchFamily="34" charset="0"/>
+                <a:cs typeface="Times New Roman" panose="02020603050405020304" pitchFamily="18" charset="0"/>
+              </a:rPr>
+              <a:t>(</a:t>
+            </a:r>
+            <a:r>
+              <a:rPr lang="en-US" sz="2800" i="1" dirty="0" smtClean="0">
+                <a:ea typeface="Calibri" panose="020F0502020204030204" pitchFamily="34" charset="0"/>
+                <a:cs typeface="Times New Roman" panose="02020603050405020304" pitchFamily="18" charset="0"/>
+              </a:rPr>
+              <a:t>P</a:t>
+            </a:r>
+            <a:r>
+              <a:rPr lang="ru-RU" sz="2800" i="1" dirty="0" smtClean="0">
+                <a:ea typeface="Calibri" panose="020F0502020204030204" pitchFamily="34" charset="0"/>
+                <a:cs typeface="Times New Roman" panose="02020603050405020304" pitchFamily="18" charset="0"/>
+              </a:rPr>
+              <a:t>)</a:t>
+            </a:r>
+            <a:r>
+              <a:rPr lang="ru-RU" sz="2800" dirty="0" smtClean="0">
+                <a:ea typeface="Calibri" panose="020F0502020204030204" pitchFamily="34" charset="0"/>
+                <a:cs typeface="Times New Roman" panose="02020603050405020304" pitchFamily="18" charset="0"/>
+              </a:rPr>
+              <a:t> </a:t>
+            </a:r>
+            <a:r>
+              <a:rPr lang="ru-RU" sz="2800" dirty="0">
+                <a:ea typeface="Calibri" panose="020F0502020204030204" pitchFamily="34" charset="0"/>
+                <a:cs typeface="Times New Roman" panose="02020603050405020304" pitchFamily="18" charset="0"/>
+              </a:rPr>
+              <a:t>по очереди. </a:t>
+            </a:r>
+            <a:endParaRPr lang="ru-RU" sz="2800" dirty="0" smtClean="0">
+              <a:ea typeface="Calibri" panose="020F0502020204030204" pitchFamily="34" charset="0"/>
+              <a:cs typeface="Times New Roman" panose="02020603050405020304" pitchFamily="18" charset="0"/>
+            </a:endParaRPr>
+          </a:p>
+          <a:p>
+            <a:pPr marL="457200" lvl="0" indent="-457200">
+              <a:spcAft>
+                <a:spcPts val="800"/>
+              </a:spcAft>
+              <a:buFont typeface="Arial" panose="020B0604020202020204" pitchFamily="34" charset="0"/>
+              <a:buChar char="•"/>
+            </a:pPr>
+            <a:r>
+              <a:rPr lang="ru-RU" sz="2800" dirty="0" smtClean="0">
+                <a:ea typeface="Calibri" panose="020F0502020204030204" pitchFamily="34" charset="0"/>
+                <a:cs typeface="Times New Roman" panose="02020603050405020304" pitchFamily="18" charset="0"/>
+              </a:rPr>
+              <a:t>Если </a:t>
+            </a:r>
+            <a:r>
+              <a:rPr lang="ru-RU" sz="2800" dirty="0">
+                <a:ea typeface="Calibri" panose="020F0502020204030204" pitchFamily="34" charset="0"/>
+                <a:cs typeface="Times New Roman" panose="02020603050405020304" pitchFamily="18" charset="0"/>
+              </a:rPr>
+              <a:t>дальнейшая нумерация не удалась, то пробуем поменять координаты вершин местами и запустить нумерацию заново. </a:t>
+            </a:r>
+            <a:endParaRPr lang="ru-RU" sz="2800" dirty="0" smtClean="0">
+              <a:ea typeface="Calibri" panose="020F0502020204030204" pitchFamily="34" charset="0"/>
+              <a:cs typeface="Times New Roman" panose="02020603050405020304" pitchFamily="18" charset="0"/>
+            </a:endParaRPr>
+          </a:p>
+          <a:p>
+            <a:pPr marL="457200" lvl="0" indent="-457200">
+              <a:spcAft>
+                <a:spcPts val="800"/>
+              </a:spcAft>
+              <a:buFont typeface="Arial" panose="020B0604020202020204" pitchFamily="34" charset="0"/>
+              <a:buChar char="•"/>
+            </a:pPr>
+            <a:r>
+              <a:rPr lang="ru-RU" sz="2800" dirty="0">
+                <a:ea typeface="Calibri" panose="020F0502020204030204" pitchFamily="34" charset="0"/>
+                <a:cs typeface="Times New Roman" panose="02020603050405020304" pitchFamily="18" charset="0"/>
+              </a:rPr>
+              <a:t>Д</a:t>
+            </a:r>
+            <a:r>
+              <a:rPr lang="ru-RU" sz="2800" dirty="0" smtClean="0">
+                <a:ea typeface="Calibri" panose="020F0502020204030204" pitchFamily="34" charset="0"/>
+                <a:cs typeface="Times New Roman" panose="02020603050405020304" pitchFamily="18" charset="0"/>
+              </a:rPr>
+              <a:t>о</a:t>
+            </a:r>
+            <a:r>
+              <a:rPr lang="en-US" sz="2800" dirty="0" smtClean="0">
+                <a:ea typeface="Calibri" panose="020F0502020204030204" pitchFamily="34" charset="0"/>
+                <a:cs typeface="Times New Roman" panose="02020603050405020304" pitchFamily="18" charset="0"/>
+              </a:rPr>
+              <a:t> </a:t>
+            </a:r>
+            <a:r>
+              <a:rPr lang="en-US" sz="2800" dirty="0" smtClean="0">
+                <a:ea typeface="Calibri" panose="020F0502020204030204" pitchFamily="34" charset="0"/>
+                <a:cs typeface="Times New Roman" panose="02020603050405020304" pitchFamily="18" charset="0"/>
+              </a:rPr>
+              <a:t>24</a:t>
+            </a:r>
+            <a:r>
+              <a:rPr lang="ru-RU" sz="2800" dirty="0" smtClean="0">
+                <a:ea typeface="Calibri" panose="020F0502020204030204" pitchFamily="34" charset="0"/>
+                <a:cs typeface="Times New Roman" panose="02020603050405020304" pitchFamily="18" charset="0"/>
+              </a:rPr>
+              <a:t> </a:t>
+            </a:r>
+            <a:r>
+              <a:rPr lang="ru-RU" sz="2800" dirty="0">
+                <a:ea typeface="Calibri" panose="020F0502020204030204" pitchFamily="34" charset="0"/>
+                <a:cs typeface="Times New Roman" panose="02020603050405020304" pitchFamily="18" charset="0"/>
+              </a:rPr>
+              <a:t>вариантов нумераций </a:t>
+            </a:r>
+            <a:r>
+              <a:rPr lang="en-US" sz="2800" i="1" dirty="0">
+                <a:ea typeface="Calibri" panose="020F0502020204030204" pitchFamily="34" charset="0"/>
+                <a:cs typeface="Times New Roman" panose="02020603050405020304" pitchFamily="18" charset="0"/>
+              </a:rPr>
+              <a:t>P</a:t>
+            </a:r>
+            <a:r>
+              <a:rPr lang="ru-RU" sz="2800" dirty="0" smtClean="0">
+                <a:ea typeface="Calibri" panose="020F0502020204030204" pitchFamily="34" charset="0"/>
+                <a:cs typeface="Times New Roman" panose="02020603050405020304" pitchFamily="18" charset="0"/>
+              </a:rPr>
+              <a:t>.</a:t>
+            </a:r>
+            <a:r>
+              <a:rPr lang="ru-RU" sz="2800" dirty="0" smtClean="0"/>
+              <a:t> </a:t>
+            </a:r>
+            <a:endParaRPr lang="ru-RU" sz="2800" dirty="0">
+              <a:ea typeface="Calibri" panose="020F0502020204030204" pitchFamily="34" charset="0"/>
+              <a:cs typeface="Times New Roman" panose="02020603050405020304" pitchFamily="18" charset="0"/>
+            </a:endParaRPr>
+          </a:p>
+        </p:txBody>
+      </p:sp>
+      <p:sp>
+        <p:nvSpPr>
+          <p:cNvPr id="4" name="TextBox 3"/>
+          <p:cNvSpPr txBox="1"/>
+          <p:nvPr/>
+        </p:nvSpPr>
+        <p:spPr>
+          <a:xfrm>
+            <a:off x="517554" y="622980"/>
+            <a:ext cx="6047938" cy="954107"/>
+          </a:xfrm>
+          <a:prstGeom prst="rect">
+            <a:avLst/>
+          </a:prstGeom>
+          <a:noFill/>
+        </p:spPr>
+        <p:txBody>
+          <a:bodyPr wrap="none" rtlCol="0">
+            <a:spAutoFit/>
+          </a:bodyPr>
+          <a:lstStyle/>
+          <a:p>
+            <a:r>
+              <a:rPr lang="ru-RU" sz="2800" dirty="0">
+                <a:solidFill>
+                  <a:schemeClr val="accent1">
+                    <a:lumMod val="50000"/>
+                  </a:schemeClr>
+                </a:solidFill>
                 <a:latin typeface="Calibri" panose="020F0502020204030204" pitchFamily="34" charset="0"/>
                 <a:ea typeface="Calibri" panose="020F0502020204030204" pitchFamily="34" charset="0"/>
                 <a:cs typeface="Times New Roman" panose="02020603050405020304" pitchFamily="18" charset="0"/>
               </a:rPr>
-              <a:t>-хмерного </a:t>
-            </a:r>
-            <a:r>
-              <a:rPr lang="ru-RU" sz="2800" dirty="0">
+              <a:t>Идея: </a:t>
+            </a:r>
+            <a:r>
+              <a:rPr lang="ru-RU" sz="2800" dirty="0" smtClean="0">
+                <a:solidFill>
+                  <a:schemeClr val="accent1">
+                    <a:lumMod val="50000"/>
+                  </a:schemeClr>
+                </a:solidFill>
                 <a:latin typeface="Calibri" panose="020F0502020204030204" pitchFamily="34" charset="0"/>
                 <a:ea typeface="Calibri" panose="020F0502020204030204" pitchFamily="34" charset="0"/>
                 <a:cs typeface="Times New Roman" panose="02020603050405020304" pitchFamily="18" charset="0"/>
               </a:rPr>
-              <a:t>случая будет </a:t>
-            </a:r>
+              <a:t>Пытаемся задать координатную</a:t>
+            </a:r>
+          </a:p>
+          <a:p>
             <a:r>
               <a:rPr lang="ru-RU" sz="2800" dirty="0" smtClean="0">
+                <a:solidFill>
+                  <a:schemeClr val="accent1">
+                    <a:lumMod val="50000"/>
+                  </a:schemeClr>
+                </a:solidFill>
                 <a:latin typeface="Calibri" panose="020F0502020204030204" pitchFamily="34" charset="0"/>
                 <a:ea typeface="Calibri" panose="020F0502020204030204" pitchFamily="34" charset="0"/>
                 <a:cs typeface="Times New Roman" panose="02020603050405020304" pitchFamily="18" charset="0"/>
               </a:rPr>
-              <a:t>до</a:t>
-            </a:r>
-            <a:r>
-              <a:rPr lang="en-US" sz="2800" dirty="0" smtClean="0">
-                <a:latin typeface="Calibri" panose="020F0502020204030204" pitchFamily="34" charset="0"/>
-                <a:ea typeface="Calibri" panose="020F0502020204030204" pitchFamily="34" charset="0"/>
-                <a:cs typeface="Times New Roman" panose="02020603050405020304" pitchFamily="18" charset="0"/>
-              </a:rPr>
-              <a:t> 24</a:t>
-            </a:r>
-            <a:r>
-              <a:rPr lang="ru-RU" sz="2800" dirty="0" smtClean="0">
-                <a:latin typeface="Calibri" panose="020F0502020204030204" pitchFamily="34" charset="0"/>
-                <a:ea typeface="Calibri" panose="020F0502020204030204" pitchFamily="34" charset="0"/>
-                <a:cs typeface="Times New Roman" panose="02020603050405020304" pitchFamily="18" charset="0"/>
-              </a:rPr>
-              <a:t> </a:t>
-            </a:r>
-            <a:r>
-              <a:rPr lang="ru-RU" sz="2800" dirty="0">
-                <a:latin typeface="Calibri" panose="020F0502020204030204" pitchFamily="34" charset="0"/>
-                <a:ea typeface="Calibri" panose="020F0502020204030204" pitchFamily="34" charset="0"/>
-                <a:cs typeface="Times New Roman" panose="02020603050405020304" pitchFamily="18" charset="0"/>
-              </a:rPr>
-              <a:t>вариантов нумераций </a:t>
-            </a:r>
-            <a:r>
-              <a:rPr lang="en-US" sz="2800" i="1" dirty="0">
-                <a:latin typeface="Calibri" panose="020F0502020204030204" pitchFamily="34" charset="0"/>
-                <a:ea typeface="Calibri" panose="020F0502020204030204" pitchFamily="34" charset="0"/>
-                <a:cs typeface="Times New Roman" panose="02020603050405020304" pitchFamily="18" charset="0"/>
-              </a:rPr>
-              <a:t>P</a:t>
-            </a:r>
-            <a:r>
-              <a:rPr lang="ru-RU" sz="2800" dirty="0" smtClean="0">
-                <a:latin typeface="Calibri" panose="020F0502020204030204" pitchFamily="34" charset="0"/>
-                <a:ea typeface="Calibri" panose="020F0502020204030204" pitchFamily="34" charset="0"/>
-                <a:cs typeface="Times New Roman" panose="02020603050405020304" pitchFamily="18" charset="0"/>
-              </a:rPr>
-              <a:t>.</a:t>
-            </a:r>
-            <a:r>
-              <a:rPr lang="ru-RU" sz="2800" dirty="0" smtClean="0"/>
-              <a:t> </a:t>
+              <a:t>систему</a:t>
             </a:r>
             <a:endParaRPr lang="ru-RU" sz="2800" dirty="0">
+              <a:solidFill>
+                <a:schemeClr val="accent1">
+                  <a:lumMod val="50000"/>
+                </a:schemeClr>
+              </a:solidFill>
               <a:latin typeface="Calibri" panose="020F0502020204030204" pitchFamily="34" charset="0"/>
               <a:ea typeface="Calibri" panose="020F0502020204030204" pitchFamily="34" charset="0"/>
               <a:cs typeface="Times New Roman" panose="02020603050405020304" pitchFamily="18" charset="0"/>
@@ -9445,8 +9575,8 @@
         </p:nvSpPr>
         <p:spPr>
           <a:xfrm>
-            <a:off x="271604" y="1638677"/>
-            <a:ext cx="5413972" cy="4401205"/>
+            <a:off x="517554" y="1870544"/>
+            <a:ext cx="5413972" cy="4832092"/>
           </a:xfrm>
           <a:prstGeom prst="rect">
             <a:avLst/>
@@ -9469,60 +9599,164 @@
                 <a:ea typeface="Calibri" panose="020F0502020204030204" pitchFamily="34" charset="0"/>
                 <a:cs typeface="Times New Roman" panose="02020603050405020304" pitchFamily="18" charset="0"/>
               </a:rPr>
-              <a:t>Шаг 3.</a:t>
+              <a:t>Шаг </a:t>
             </a:r>
             <a:r>
               <a:rPr lang="ru-RU" sz="2800" dirty="0" smtClean="0">
+                <a:solidFill>
+                  <a:schemeClr val="accent1">
+                    <a:lumMod val="50000"/>
+                  </a:schemeClr>
+                </a:solidFill>
                 <a:latin typeface="Calibri" panose="020F0502020204030204" pitchFamily="34" charset="0"/>
                 <a:ea typeface="Calibri" panose="020F0502020204030204" pitchFamily="34" charset="0"/>
                 <a:cs typeface="Times New Roman" panose="02020603050405020304" pitchFamily="18" charset="0"/>
               </a:rPr>
-              <a:t/>
-            </a:r>
-            <a:br>
-              <a:rPr lang="ru-RU" sz="2800" dirty="0" smtClean="0">
+              <a:t>3</a:t>
+            </a:r>
+            <a:endParaRPr lang="ru-RU" sz="2800" dirty="0" smtClean="0">
+              <a:latin typeface="Calibri" panose="020F0502020204030204" pitchFamily="34" charset="0"/>
+              <a:ea typeface="Calibri" panose="020F0502020204030204" pitchFamily="34" charset="0"/>
+              <a:cs typeface="Times New Roman" panose="02020603050405020304" pitchFamily="18" charset="0"/>
+            </a:endParaRPr>
+          </a:p>
+          <a:p>
+            <a:pPr marL="457200" indent="-457200">
+              <a:buFont typeface="Arial" panose="020B0604020202020204" pitchFamily="34" charset="0"/>
+              <a:buChar char="•"/>
+            </a:pPr>
+            <a:r>
+              <a:rPr lang="ru-RU" sz="2800" dirty="0" smtClean="0"/>
+              <a:t>Нумеруем </a:t>
+            </a:r>
+            <a:r>
+              <a:rPr lang="ru-RU" sz="2800" dirty="0"/>
+              <a:t>смежные вершины от </a:t>
+            </a:r>
+            <a:r>
+              <a:rPr lang="en-US" sz="2800" i="1" dirty="0"/>
+              <a:t>P</a:t>
+            </a:r>
+            <a:r>
+              <a:rPr lang="ru-RU" sz="2800" dirty="0"/>
+              <a:t> по </a:t>
+            </a:r>
+            <a:r>
+              <a:rPr lang="ru-RU" sz="2800" dirty="0" smtClean="0"/>
+              <a:t>очереди.</a:t>
+            </a:r>
+          </a:p>
+          <a:p>
+            <a:pPr marL="457200" indent="-457200">
+              <a:buFont typeface="Arial" panose="020B0604020202020204" pitchFamily="34" charset="0"/>
+              <a:buChar char="•"/>
+            </a:pPr>
+            <a:r>
+              <a:rPr lang="ru-RU" sz="2800" dirty="0" smtClean="0"/>
+              <a:t>Однозначно разрешимые случаи:</a:t>
+            </a:r>
+            <a:endParaRPr lang="ru-RU" sz="2800" dirty="0"/>
+          </a:p>
+          <a:p>
+            <a:pPr marL="914400" lvl="1" indent="-457200">
+              <a:buFont typeface="Arial" panose="020B0604020202020204" pitchFamily="34" charset="0"/>
+              <a:buChar char="•"/>
+            </a:pPr>
+            <a:r>
+              <a:rPr lang="ru-RU" sz="2800" dirty="0"/>
+              <a:t>Два и более соседей имеют индекс.</a:t>
+            </a:r>
+          </a:p>
+          <a:p>
+            <a:pPr marL="914400" lvl="1" indent="-457200">
+              <a:buFont typeface="Arial" panose="020B0604020202020204" pitchFamily="34" charset="0"/>
+              <a:buChar char="•"/>
+            </a:pPr>
+            <a:r>
+              <a:rPr lang="ru-RU" sz="2800" dirty="0"/>
+              <a:t>Один из соседей не имеет непронумерованных соседей кроме текущей вершины</a:t>
+            </a:r>
+            <a:r>
+              <a:rPr lang="ru-RU" sz="2800" dirty="0" smtClean="0"/>
+              <a:t>.</a:t>
+            </a:r>
+            <a:endParaRPr lang="ru-RU" sz="2800" dirty="0"/>
+          </a:p>
+        </p:txBody>
+      </p:sp>
+      <p:sp>
+        <p:nvSpPr>
+          <p:cNvPr id="4" name="TextBox 3"/>
+          <p:cNvSpPr txBox="1"/>
+          <p:nvPr/>
+        </p:nvSpPr>
+        <p:spPr>
+          <a:xfrm>
+            <a:off x="517554" y="622980"/>
+            <a:ext cx="6689652" cy="954107"/>
+          </a:xfrm>
+          <a:prstGeom prst="rect">
+            <a:avLst/>
+          </a:prstGeom>
+          <a:noFill/>
+        </p:spPr>
+        <p:txBody>
+          <a:bodyPr wrap="none" rtlCol="0">
+            <a:spAutoFit/>
+          </a:bodyPr>
+          <a:lstStyle/>
+          <a:p>
+            <a:r>
+              <a:rPr lang="ru-RU" sz="2800" dirty="0">
+                <a:solidFill>
+                  <a:schemeClr val="accent1">
+                    <a:lumMod val="50000"/>
+                  </a:schemeClr>
+                </a:solidFill>
                 <a:latin typeface="Calibri" panose="020F0502020204030204" pitchFamily="34" charset="0"/>
                 <a:ea typeface="Calibri" panose="020F0502020204030204" pitchFamily="34" charset="0"/>
                 <a:cs typeface="Times New Roman" panose="02020603050405020304" pitchFamily="18" charset="0"/>
               </a:rPr>
-            </a:br>
-            <a:r>
-              <a:rPr lang="ru-RU" sz="2800" dirty="0"/>
-              <a:t>Нумеруем смежные вершины от </a:t>
-            </a:r>
-            <a:r>
-              <a:rPr lang="en-US" sz="2800" i="1" dirty="0"/>
-              <a:t>P</a:t>
-            </a:r>
-            <a:r>
-              <a:rPr lang="ru-RU" sz="2800" dirty="0"/>
-              <a:t> по очереди. Есть два случая, когда мы можем однозначно поставить индекс для вершины:</a:t>
-            </a:r>
-          </a:p>
-          <a:p>
-            <a:pPr marL="457200" lvl="0" indent="-457200">
-              <a:buFont typeface="Arial" panose="020B0604020202020204" pitchFamily="34" charset="0"/>
-              <a:buChar char="•"/>
-            </a:pPr>
-            <a:r>
-              <a:rPr lang="ru-RU" sz="2800" dirty="0"/>
-              <a:t>Два и более соседей имеют индекс.</a:t>
-            </a:r>
-          </a:p>
-          <a:p>
-            <a:pPr marL="457200" lvl="0" indent="-457200">
-              <a:buFont typeface="Arial" panose="020B0604020202020204" pitchFamily="34" charset="0"/>
-              <a:buChar char="•"/>
-            </a:pPr>
-            <a:r>
-              <a:rPr lang="ru-RU" sz="2800" dirty="0"/>
-              <a:t>Один из соседей не имеет непронумерованных соседей кроме текущей вершины</a:t>
-            </a:r>
-            <a:r>
-              <a:rPr lang="ru-RU" sz="2800" dirty="0" smtClean="0"/>
-              <a:t>.</a:t>
-            </a:r>
-            <a:endParaRPr lang="ru-RU" sz="2800" dirty="0"/>
+              <a:t>Идея: </a:t>
+            </a:r>
+            <a:r>
+              <a:rPr lang="ru-RU" sz="2800" dirty="0" smtClean="0">
+                <a:solidFill>
+                  <a:schemeClr val="accent1">
+                    <a:lumMod val="50000"/>
+                  </a:schemeClr>
+                </a:solidFill>
+                <a:latin typeface="Calibri" panose="020F0502020204030204" pitchFamily="34" charset="0"/>
+                <a:ea typeface="Calibri" panose="020F0502020204030204" pitchFamily="34" charset="0"/>
+                <a:cs typeface="Times New Roman" panose="02020603050405020304" pitchFamily="18" charset="0"/>
+              </a:rPr>
+              <a:t>Нумеруем однозначно разрешимые</a:t>
+            </a:r>
+          </a:p>
+          <a:p>
+            <a:r>
+              <a:rPr lang="ru-RU" sz="2800" dirty="0" smtClean="0">
+                <a:solidFill>
+                  <a:schemeClr val="accent1">
+                    <a:lumMod val="50000"/>
+                  </a:schemeClr>
+                </a:solidFill>
+                <a:latin typeface="Calibri" panose="020F0502020204030204" pitchFamily="34" charset="0"/>
+                <a:ea typeface="Calibri" panose="020F0502020204030204" pitchFamily="34" charset="0"/>
+                <a:cs typeface="Times New Roman" panose="02020603050405020304" pitchFamily="18" charset="0"/>
+              </a:rPr>
+              <a:t>случаи</a:t>
+            </a:r>
+            <a:endParaRPr lang="ru-RU" sz="2800" dirty="0">
+              <a:solidFill>
+                <a:schemeClr val="accent1">
+                  <a:lumMod val="50000"/>
+                </a:schemeClr>
+              </a:solidFill>
+              <a:latin typeface="Calibri" panose="020F0502020204030204" pitchFamily="34" charset="0"/>
+              <a:ea typeface="Calibri" panose="020F0502020204030204" pitchFamily="34" charset="0"/>
+              <a:cs typeface="Times New Roman" panose="02020603050405020304" pitchFamily="18" charset="0"/>
+            </a:endParaRPr>
           </a:p>
         </p:txBody>
       </p:sp>
@@ -9613,8 +9847,8 @@
         </p:nvSpPr>
         <p:spPr>
           <a:xfrm>
-            <a:off x="271604" y="1080646"/>
-            <a:ext cx="5717716" cy="4832092"/>
+            <a:off x="517554" y="1914316"/>
+            <a:ext cx="5078574" cy="3539430"/>
           </a:xfrm>
           <a:prstGeom prst="rect">
             <a:avLst/>
@@ -9638,73 +9872,170 @@
                 <a:ea typeface="Calibri" panose="020F0502020204030204" pitchFamily="34" charset="0"/>
                 <a:cs typeface="Times New Roman" panose="02020603050405020304" pitchFamily="18" charset="0"/>
               </a:rPr>
-              <a:t>Шаг 4.</a:t>
-            </a:r>
-            <a:r>
-              <a:rPr lang="ru-RU" sz="2800" dirty="0">
+              <a:t>Шаг </a:t>
+            </a:r>
+            <a:r>
+              <a:rPr lang="ru-RU" sz="2800" dirty="0" smtClean="0">
+                <a:solidFill>
+                  <a:schemeClr val="accent1">
+                    <a:lumMod val="50000"/>
+                  </a:schemeClr>
+                </a:solidFill>
                 <a:latin typeface="Calibri" panose="020F0502020204030204" pitchFamily="34" charset="0"/>
                 <a:ea typeface="Calibri" panose="020F0502020204030204" pitchFamily="34" charset="0"/>
                 <a:cs typeface="Times New Roman" panose="02020603050405020304" pitchFamily="18" charset="0"/>
               </a:rPr>
-              <a:t/>
-            </a:r>
-            <a:br>
+              <a:t>4</a:t>
+            </a:r>
+            <a:endParaRPr lang="ru-RU" sz="2800" dirty="0" smtClean="0">
+              <a:latin typeface="Calibri" panose="020F0502020204030204" pitchFamily="34" charset="0"/>
+              <a:ea typeface="Calibri" panose="020F0502020204030204" pitchFamily="34" charset="0"/>
+              <a:cs typeface="Times New Roman" panose="02020603050405020304" pitchFamily="18" charset="0"/>
+            </a:endParaRPr>
+          </a:p>
+          <a:p>
+            <a:pPr marL="457200" lvl="0" indent="-457200">
+              <a:buFont typeface="Arial" panose="020B0604020202020204" pitchFamily="34" charset="0"/>
+              <a:buChar char="•"/>
+            </a:pPr>
+            <a:r>
+              <a:rPr lang="ru-RU" sz="2800" dirty="0" smtClean="0"/>
+              <a:t>Для </a:t>
+            </a:r>
+            <a:r>
+              <a:rPr lang="ru-RU" sz="2800" dirty="0"/>
+              <a:t>остальных вершин </a:t>
+            </a:r>
+            <a:r>
+              <a:rPr lang="ru-RU" sz="2800" dirty="0" smtClean="0"/>
+              <a:t>рекурсивно </a:t>
+            </a:r>
+            <a:r>
+              <a:rPr lang="ru-RU" sz="2800" dirty="0"/>
+              <a:t>перебираем все возможные индексы:</a:t>
+            </a:r>
+          </a:p>
+          <a:p>
+            <a:pPr marL="914400" lvl="1" indent="-457200">
+              <a:buFont typeface="Arial" panose="020B0604020202020204" pitchFamily="34" charset="0"/>
+              <a:buChar char="•"/>
+            </a:pPr>
+            <a:r>
+              <a:rPr lang="ru-RU" sz="2800" dirty="0"/>
+              <a:t>Ставим один из возможных индексов.</a:t>
+            </a:r>
+          </a:p>
+          <a:p>
+            <a:pPr marL="914400" lvl="1" indent="-457200">
+              <a:buFont typeface="Arial" panose="020B0604020202020204" pitchFamily="34" charset="0"/>
+              <a:buChar char="•"/>
+            </a:pPr>
+            <a:r>
+              <a:rPr lang="ru-RU" sz="2800" dirty="0"/>
+              <a:t>Повторяем алгоритм</a:t>
+            </a:r>
+            <a:r>
+              <a:rPr lang="en-US" sz="2800" dirty="0"/>
+              <a:t> </a:t>
+            </a:r>
+            <a:r>
+              <a:rPr lang="ru-RU" sz="2800" dirty="0"/>
+              <a:t>для смежных вершин</a:t>
+            </a:r>
+            <a:r>
+              <a:rPr lang="ru-RU" sz="2800" dirty="0" smtClean="0"/>
+              <a:t>.</a:t>
+            </a:r>
+            <a:endParaRPr lang="ru-RU" sz="2800" dirty="0"/>
+          </a:p>
+        </p:txBody>
+      </p:sp>
+      <p:sp>
+        <p:nvSpPr>
+          <p:cNvPr id="4" name="TextBox 3"/>
+          <p:cNvSpPr txBox="1"/>
+          <p:nvPr/>
+        </p:nvSpPr>
+        <p:spPr>
+          <a:xfrm>
+            <a:off x="517554" y="622980"/>
+            <a:ext cx="6415795" cy="954107"/>
+          </a:xfrm>
+          <a:prstGeom prst="rect">
+            <a:avLst/>
+          </a:prstGeom>
+          <a:noFill/>
+        </p:spPr>
+        <p:txBody>
+          <a:bodyPr wrap="none" rtlCol="0">
+            <a:spAutoFit/>
+          </a:bodyPr>
+          <a:lstStyle/>
+          <a:p>
+            <a:r>
               <a:rPr lang="ru-RU" sz="2800" dirty="0">
+                <a:solidFill>
+                  <a:schemeClr val="accent1">
+                    <a:lumMod val="50000"/>
+                  </a:schemeClr>
+                </a:solidFill>
                 <a:latin typeface="Calibri" panose="020F0502020204030204" pitchFamily="34" charset="0"/>
                 <a:ea typeface="Calibri" panose="020F0502020204030204" pitchFamily="34" charset="0"/>
                 <a:cs typeface="Times New Roman" panose="02020603050405020304" pitchFamily="18" charset="0"/>
               </a:rPr>
-            </a:br>
-            <a:r>
-              <a:rPr lang="ru-RU" sz="2800" dirty="0"/>
-              <a:t>Для остальных вершин </a:t>
-            </a:r>
-            <a:r>
-              <a:rPr lang="ru-RU" sz="2800" dirty="0" smtClean="0"/>
-              <a:t>рекурсивно </a:t>
-            </a:r>
-            <a:r>
-              <a:rPr lang="ru-RU" sz="2800" dirty="0"/>
-              <a:t>перебираем все возможные индексы:</a:t>
-            </a:r>
-          </a:p>
-          <a:p>
-            <a:pPr marL="457200" lvl="0" indent="-457200">
-              <a:buFont typeface="Arial" panose="020B0604020202020204" pitchFamily="34" charset="0"/>
-              <a:buChar char="•"/>
-            </a:pPr>
-            <a:r>
-              <a:rPr lang="ru-RU" sz="2800" dirty="0"/>
-              <a:t>Ставим один из возможных индексов.</a:t>
-            </a:r>
-          </a:p>
-          <a:p>
-            <a:pPr marL="457200" lvl="0" indent="-457200">
-              <a:buFont typeface="Arial" panose="020B0604020202020204" pitchFamily="34" charset="0"/>
-              <a:buChar char="•"/>
-            </a:pPr>
-            <a:r>
-              <a:rPr lang="ru-RU" sz="2800" dirty="0"/>
-              <a:t>Повторяем алгоритм</a:t>
-            </a:r>
-            <a:r>
-              <a:rPr lang="en-US" sz="2800" dirty="0"/>
-              <a:t> </a:t>
-            </a:r>
-            <a:r>
-              <a:rPr lang="ru-RU" sz="2800" dirty="0"/>
-              <a:t>для смежных вершин.</a:t>
-            </a:r>
-          </a:p>
-          <a:p>
-            <a:pPr marL="457200" lvl="0" indent="-457200">
-              <a:buFont typeface="Arial" panose="020B0604020202020204" pitchFamily="34" charset="0"/>
-              <a:buChar char="•"/>
-            </a:pPr>
-            <a:r>
-              <a:rPr lang="ru-RU" sz="2800" dirty="0"/>
-              <a:t>Если не удалось пронумеровать, то возвращаемся, меняем индекс и проходим заново.</a:t>
-            </a:r>
+              <a:t>Идея: </a:t>
+            </a:r>
+            <a:r>
+              <a:rPr lang="ru-RU" sz="2800" dirty="0" smtClean="0">
+                <a:solidFill>
+                  <a:schemeClr val="accent1">
+                    <a:lumMod val="50000"/>
+                  </a:schemeClr>
+                </a:solidFill>
+                <a:latin typeface="Calibri" panose="020F0502020204030204" pitchFamily="34" charset="0"/>
+                <a:ea typeface="Calibri" panose="020F0502020204030204" pitchFamily="34" charset="0"/>
+                <a:cs typeface="Times New Roman" panose="02020603050405020304" pitchFamily="18" charset="0"/>
+              </a:rPr>
+              <a:t>Перебираем варианты нумерации</a:t>
+            </a:r>
+          </a:p>
+          <a:p>
+            <a:r>
+              <a:rPr lang="ru-RU" sz="2800" dirty="0">
+                <a:solidFill>
+                  <a:schemeClr val="accent1">
+                    <a:lumMod val="50000"/>
+                  </a:schemeClr>
+                </a:solidFill>
+                <a:latin typeface="Calibri" panose="020F0502020204030204" pitchFamily="34" charset="0"/>
+                <a:ea typeface="Calibri" panose="020F0502020204030204" pitchFamily="34" charset="0"/>
+                <a:cs typeface="Times New Roman" panose="02020603050405020304" pitchFamily="18" charset="0"/>
+              </a:rPr>
+              <a:t>д</a:t>
+            </a:r>
+            <a:r>
+              <a:rPr lang="ru-RU" sz="2800" dirty="0" smtClean="0">
+                <a:solidFill>
+                  <a:schemeClr val="accent1">
+                    <a:lumMod val="50000"/>
+                  </a:schemeClr>
+                </a:solidFill>
+                <a:latin typeface="Calibri" panose="020F0502020204030204" pitchFamily="34" charset="0"/>
+                <a:ea typeface="Calibri" panose="020F0502020204030204" pitchFamily="34" charset="0"/>
+                <a:cs typeface="Times New Roman" panose="02020603050405020304" pitchFamily="18" charset="0"/>
+              </a:rPr>
+              <a:t>ля неоднозначных случаев</a:t>
+            </a:r>
+            <a:endParaRPr lang="ru-RU" sz="2800" dirty="0">
+              <a:solidFill>
+                <a:schemeClr val="accent1">
+                  <a:lumMod val="50000"/>
+                </a:schemeClr>
+              </a:solidFill>
+              <a:latin typeface="Calibri" panose="020F0502020204030204" pitchFamily="34" charset="0"/>
+              <a:ea typeface="Calibri" panose="020F0502020204030204" pitchFamily="34" charset="0"/>
+              <a:cs typeface="Times New Roman" panose="02020603050405020304" pitchFamily="18" charset="0"/>
+            </a:endParaRPr>
           </a:p>
         </p:txBody>
       </p:sp>
@@ -9795,8 +10126,8 @@
         </p:nvSpPr>
         <p:spPr>
           <a:xfrm>
-            <a:off x="271604" y="1080646"/>
-            <a:ext cx="5717716" cy="4832092"/>
+            <a:off x="517554" y="1886349"/>
+            <a:ext cx="5097434" cy="4832092"/>
           </a:xfrm>
           <a:prstGeom prst="rect">
             <a:avLst/>
@@ -9808,7 +10139,6 @@
           </a:bodyPr>
           <a:lstStyle/>
           <a:p>
-            <a:pPr lvl="0"/>
             <a:r>
               <a:rPr lang="ru-RU" sz="2800" dirty="0" smtClean="0">
                 <a:solidFill>
@@ -9820,69 +10150,171 @@
                 <a:ea typeface="Calibri" panose="020F0502020204030204" pitchFamily="34" charset="0"/>
                 <a:cs typeface="Times New Roman" panose="02020603050405020304" pitchFamily="18" charset="0"/>
               </a:rPr>
-              <a:t>Шаг 4.</a:t>
-            </a:r>
-            <a:r>
-              <a:rPr lang="ru-RU" sz="2800" dirty="0">
+              <a:t>Шаг 4</a:t>
+            </a:r>
+            <a:endParaRPr lang="ru-RU" sz="2800" dirty="0" smtClean="0">
+              <a:latin typeface="Calibri" panose="020F0502020204030204" pitchFamily="34" charset="0"/>
+              <a:ea typeface="Calibri" panose="020F0502020204030204" pitchFamily="34" charset="0"/>
+              <a:cs typeface="Times New Roman" panose="02020603050405020304" pitchFamily="18" charset="0"/>
+            </a:endParaRPr>
+          </a:p>
+          <a:p>
+            <a:pPr marL="457200" indent="-457200">
+              <a:buFont typeface="Arial" panose="020B0604020202020204" pitchFamily="34" charset="0"/>
+              <a:buChar char="•"/>
+            </a:pPr>
+            <a:r>
+              <a:rPr lang="ru-RU" sz="2800" dirty="0" smtClean="0">
                 <a:latin typeface="Calibri" panose="020F0502020204030204" pitchFamily="34" charset="0"/>
                 <a:ea typeface="Calibri" panose="020F0502020204030204" pitchFamily="34" charset="0"/>
                 <a:cs typeface="Times New Roman" panose="02020603050405020304" pitchFamily="18" charset="0"/>
               </a:rPr>
-              <a:t/>
-            </a:r>
-            <a:br>
+              <a:t>Если </a:t>
+            </a:r>
+            <a:r>
+              <a:rPr lang="ru-RU" sz="2800" dirty="0" smtClean="0"/>
+              <a:t>не </a:t>
+            </a:r>
+            <a:r>
+              <a:rPr lang="ru-RU" sz="2800" dirty="0"/>
+              <a:t>удалось </a:t>
+            </a:r>
+            <a:r>
+              <a:rPr lang="ru-RU" sz="2800" dirty="0" smtClean="0"/>
+              <a:t>пронумеровать, то:</a:t>
+            </a:r>
+          </a:p>
+          <a:p>
+            <a:pPr marL="914400" lvl="1" indent="-457200">
+              <a:buFont typeface="Arial" panose="020B0604020202020204" pitchFamily="34" charset="0"/>
+              <a:buChar char="•"/>
+            </a:pPr>
+            <a:r>
+              <a:rPr lang="ru-RU" sz="2800" dirty="0" smtClean="0"/>
+              <a:t>Возвращаемся к предыдущему неоднозначному случаю</a:t>
+            </a:r>
+          </a:p>
+          <a:p>
+            <a:pPr marL="914400" lvl="1" indent="-457200">
+              <a:buFont typeface="Arial" panose="020B0604020202020204" pitchFamily="34" charset="0"/>
+              <a:buChar char="•"/>
+            </a:pPr>
+            <a:r>
+              <a:rPr lang="ru-RU" sz="2800" dirty="0" smtClean="0"/>
+              <a:t>Меняем </a:t>
+            </a:r>
+            <a:r>
+              <a:rPr lang="ru-RU" sz="2800" dirty="0"/>
+              <a:t>индекс </a:t>
+            </a:r>
+            <a:r>
+              <a:rPr lang="ru-RU" sz="2800" dirty="0" smtClean="0"/>
+              <a:t>на следующий возможный</a:t>
+            </a:r>
+          </a:p>
+          <a:p>
+            <a:pPr marL="914400" lvl="1" indent="-457200">
+              <a:buFont typeface="Arial" panose="020B0604020202020204" pitchFamily="34" charset="0"/>
+              <a:buChar char="•"/>
+            </a:pPr>
+            <a:r>
+              <a:rPr lang="ru-RU" sz="2800" dirty="0" smtClean="0"/>
+              <a:t>Запускаем дальнейшую нумерацию</a:t>
+            </a:r>
+            <a:endParaRPr lang="ru-RU" sz="2800" dirty="0"/>
+          </a:p>
+          <a:p>
+            <a:pPr lvl="0"/>
+            <a:endParaRPr lang="ru-RU" sz="2800" dirty="0"/>
+          </a:p>
+        </p:txBody>
+      </p:sp>
+      <p:sp>
+        <p:nvSpPr>
+          <p:cNvPr id="6" name="TextBox 5"/>
+          <p:cNvSpPr txBox="1"/>
+          <p:nvPr/>
+        </p:nvSpPr>
+        <p:spPr>
+          <a:xfrm>
+            <a:off x="517554" y="622980"/>
+            <a:ext cx="6415795" cy="954107"/>
+          </a:xfrm>
+          <a:prstGeom prst="rect">
+            <a:avLst/>
+          </a:prstGeom>
+          <a:noFill/>
+        </p:spPr>
+        <p:txBody>
+          <a:bodyPr wrap="none" rtlCol="0">
+            <a:spAutoFit/>
+          </a:bodyPr>
+          <a:lstStyle/>
+          <a:p>
+            <a:r>
               <a:rPr lang="ru-RU" sz="2800" dirty="0">
+                <a:solidFill>
+                  <a:schemeClr val="accent1">
+                    <a:lumMod val="50000"/>
+                  </a:schemeClr>
+                </a:solidFill>
                 <a:latin typeface="Calibri" panose="020F0502020204030204" pitchFamily="34" charset="0"/>
                 <a:ea typeface="Calibri" panose="020F0502020204030204" pitchFamily="34" charset="0"/>
                 <a:cs typeface="Times New Roman" panose="02020603050405020304" pitchFamily="18" charset="0"/>
               </a:rPr>
-            </a:br>
-            <a:r>
-              <a:rPr lang="ru-RU" sz="2800" dirty="0"/>
-              <a:t>Для остальных вершин рекурсивно перебираем все возможные индексы:</a:t>
-            </a:r>
-          </a:p>
-          <a:p>
-            <a:pPr marL="457200" lvl="0" indent="-457200">
-              <a:buFont typeface="Arial" panose="020B0604020202020204" pitchFamily="34" charset="0"/>
-              <a:buChar char="•"/>
-            </a:pPr>
-            <a:r>
-              <a:rPr lang="ru-RU" sz="2800" dirty="0" smtClean="0"/>
-              <a:t>Ставим </a:t>
-            </a:r>
-            <a:r>
-              <a:rPr lang="ru-RU" sz="2800" dirty="0"/>
-              <a:t>один из возможных индексов.</a:t>
-            </a:r>
-          </a:p>
-          <a:p>
-            <a:pPr marL="457200" lvl="0" indent="-457200">
-              <a:buFont typeface="Arial" panose="020B0604020202020204" pitchFamily="34" charset="0"/>
-              <a:buChar char="•"/>
-            </a:pPr>
-            <a:r>
-              <a:rPr lang="ru-RU" sz="2800" dirty="0"/>
-              <a:t>Повторяем алгоритм</a:t>
-            </a:r>
-            <a:r>
-              <a:rPr lang="en-US" sz="2800" dirty="0"/>
-              <a:t> </a:t>
-            </a:r>
-            <a:r>
-              <a:rPr lang="ru-RU" sz="2800" dirty="0"/>
-              <a:t>для смежных вершин.</a:t>
-            </a:r>
-          </a:p>
-          <a:p>
-            <a:pPr marL="457200" lvl="0" indent="-457200">
-              <a:buFont typeface="Arial" panose="020B0604020202020204" pitchFamily="34" charset="0"/>
-              <a:buChar char="•"/>
-            </a:pPr>
-            <a:r>
-              <a:rPr lang="ru-RU" sz="2800" dirty="0"/>
-              <a:t>Если не удалось пронумеровать, то возвращаемся, меняем индекс и проходим заново.</a:t>
-            </a:r>
+              <a:t>Идея: </a:t>
+            </a:r>
+            <a:r>
+              <a:rPr lang="ru-RU" sz="2800" dirty="0" smtClean="0">
+                <a:solidFill>
+                  <a:schemeClr val="accent1">
+                    <a:lumMod val="50000"/>
+                  </a:schemeClr>
+                </a:solidFill>
+                <a:latin typeface="Calibri" panose="020F0502020204030204" pitchFamily="34" charset="0"/>
+                <a:ea typeface="Calibri" panose="020F0502020204030204" pitchFamily="34" charset="0"/>
+                <a:cs typeface="Times New Roman" panose="02020603050405020304" pitchFamily="18" charset="0"/>
+              </a:rPr>
+              <a:t>Перебираем варианты нумерации</a:t>
+            </a:r>
+          </a:p>
+          <a:p>
+            <a:r>
+              <a:rPr lang="ru-RU" sz="2800" dirty="0">
+                <a:solidFill>
+                  <a:schemeClr val="accent1">
+                    <a:lumMod val="50000"/>
+                  </a:schemeClr>
+                </a:solidFill>
+                <a:latin typeface="Calibri" panose="020F0502020204030204" pitchFamily="34" charset="0"/>
+                <a:ea typeface="Calibri" panose="020F0502020204030204" pitchFamily="34" charset="0"/>
+                <a:cs typeface="Times New Roman" panose="02020603050405020304" pitchFamily="18" charset="0"/>
+              </a:rPr>
+              <a:t>д</a:t>
+            </a:r>
+            <a:r>
+              <a:rPr lang="ru-RU" sz="2800" dirty="0" smtClean="0">
+                <a:solidFill>
+                  <a:schemeClr val="accent1">
+                    <a:lumMod val="50000"/>
+                  </a:schemeClr>
+                </a:solidFill>
+                <a:latin typeface="Calibri" panose="020F0502020204030204" pitchFamily="34" charset="0"/>
+                <a:ea typeface="Calibri" panose="020F0502020204030204" pitchFamily="34" charset="0"/>
+                <a:cs typeface="Times New Roman" panose="02020603050405020304" pitchFamily="18" charset="0"/>
+              </a:rPr>
+              <a:t>ля неоднозначных случаев</a:t>
+            </a:r>
+            <a:endParaRPr lang="ru-RU" sz="2800" dirty="0">
+              <a:solidFill>
+                <a:schemeClr val="accent1">
+                  <a:lumMod val="50000"/>
+                </a:schemeClr>
+              </a:solidFill>
+              <a:latin typeface="Calibri" panose="020F0502020204030204" pitchFamily="34" charset="0"/>
+              <a:ea typeface="Calibri" panose="020F0502020204030204" pitchFamily="34" charset="0"/>
+              <a:cs typeface="Times New Roman" panose="02020603050405020304" pitchFamily="18" charset="0"/>
+            </a:endParaRPr>
           </a:p>
         </p:txBody>
       </p:sp>
@@ -10152,16 +10584,39 @@
           <a:chExt cx="0" cy="0"/>
         </a:xfrm>
       </p:grpSpPr>
+      <p:pic>
+        <p:nvPicPr>
+          <p:cNvPr id="4" name="Рисунок 6"/>
+          <p:cNvPicPr>
+            <a:picLocks noChangeAspect="1"/>
+          </p:cNvPicPr>
+          <p:nvPr/>
+        </p:nvPicPr>
+        <p:blipFill rotWithShape="1">
+          <a:blip r:embed="rId2"/>
+          <a:srcRect t="1070" b="-1"/>
+          <a:stretch/>
+        </p:blipFill>
+        <p:spPr>
+          <a:xfrm>
+            <a:off x="6406773" y="622980"/>
+            <a:ext cx="4947027" cy="5808796"/>
+          </a:xfrm>
+          <a:prstGeom prst="rect">
+            <a:avLst/>
+          </a:prstGeom>
+        </p:spPr>
+      </p:pic>
       <p:sp>
         <p:nvSpPr>
-          <p:cNvPr id="6" name="Прямоугольник 5"/>
+          <p:cNvPr id="5" name="Прямоугольник 4"/>
           <p:cNvSpPr/>
           <p:nvPr/>
         </p:nvSpPr>
         <p:spPr>
           <a:xfrm>
-            <a:off x="276225" y="1066626"/>
-            <a:ext cx="5067300" cy="3985706"/>
+            <a:off x="516513" y="1839887"/>
+            <a:ext cx="5067300" cy="2379498"/>
           </a:xfrm>
           <a:prstGeom prst="rect">
             <a:avLst/>
@@ -10182,87 +10637,6 @@
               </a:spcAft>
             </a:pPr>
             <a:r>
-              <a:rPr lang="ru-RU" sz="2800" dirty="0">
-                <a:latin typeface="Calibri" panose="020F0502020204030204" pitchFamily="34" charset="0"/>
-                <a:ea typeface="Calibri" panose="020F0502020204030204" pitchFamily="34" charset="0"/>
-                <a:cs typeface="Times New Roman" panose="02020603050405020304" pitchFamily="18" charset="0"/>
-              </a:rPr>
-              <a:t>Дан неориентированный помеченный граф </a:t>
-            </a:r>
-            <a:r>
-              <a:rPr lang="en-US" sz="2800" dirty="0">
-                <a:latin typeface="Calibri" panose="020F0502020204030204" pitchFamily="34" charset="0"/>
-                <a:ea typeface="Calibri" panose="020F0502020204030204" pitchFamily="34" charset="0"/>
-                <a:cs typeface="Times New Roman" panose="02020603050405020304" pitchFamily="18" charset="0"/>
-              </a:rPr>
-              <a:t>G</a:t>
-            </a:r>
-            <a:r>
-              <a:rPr lang="ru-RU" sz="2800" dirty="0">
-                <a:latin typeface="Calibri" panose="020F0502020204030204" pitchFamily="34" charset="0"/>
-                <a:ea typeface="Calibri" panose="020F0502020204030204" pitchFamily="34" charset="0"/>
-                <a:cs typeface="Times New Roman" panose="02020603050405020304" pitchFamily="18" charset="0"/>
-              </a:rPr>
-              <a:t>=(</a:t>
-            </a:r>
-            <a:r>
-              <a:rPr lang="en-US" sz="2800" dirty="0">
-                <a:latin typeface="Calibri" panose="020F0502020204030204" pitchFamily="34" charset="0"/>
-                <a:ea typeface="Calibri" panose="020F0502020204030204" pitchFamily="34" charset="0"/>
-                <a:cs typeface="Times New Roman" panose="02020603050405020304" pitchFamily="18" charset="0"/>
-              </a:rPr>
-              <a:t>V</a:t>
-            </a:r>
-            <a:r>
-              <a:rPr lang="ru-RU" sz="2800" dirty="0">
-                <a:latin typeface="Calibri" panose="020F0502020204030204" pitchFamily="34" charset="0"/>
-                <a:ea typeface="Calibri" panose="020F0502020204030204" pitchFamily="34" charset="0"/>
-                <a:cs typeface="Times New Roman" panose="02020603050405020304" pitchFamily="18" charset="0"/>
-              </a:rPr>
-              <a:t>,</a:t>
-            </a:r>
-            <a:r>
-              <a:rPr lang="en-US" sz="2800" dirty="0">
-                <a:latin typeface="Calibri" panose="020F0502020204030204" pitchFamily="34" charset="0"/>
-                <a:ea typeface="Calibri" panose="020F0502020204030204" pitchFamily="34" charset="0"/>
-                <a:cs typeface="Times New Roman" panose="02020603050405020304" pitchFamily="18" charset="0"/>
-              </a:rPr>
-              <a:t>E</a:t>
-            </a:r>
-            <a:r>
-              <a:rPr lang="ru-RU" sz="2800" dirty="0">
-                <a:latin typeface="Calibri" panose="020F0502020204030204" pitchFamily="34" charset="0"/>
-                <a:ea typeface="Calibri" panose="020F0502020204030204" pitchFamily="34" charset="0"/>
-                <a:cs typeface="Times New Roman" panose="02020603050405020304" pitchFamily="18" charset="0"/>
-              </a:rPr>
-              <a:t>).</a:t>
-            </a:r>
-          </a:p>
-          <a:p>
-            <a:pPr>
-              <a:lnSpc>
-                <a:spcPct val="107000"/>
-              </a:lnSpc>
-              <a:spcAft>
-                <a:spcPts val="800"/>
-              </a:spcAft>
-            </a:pPr>
-            <a:endParaRPr lang="ru-RU" sz="2800" dirty="0">
-              <a:latin typeface="Calibri" panose="020F0502020204030204" pitchFamily="34" charset="0"/>
-              <a:ea typeface="Calibri" panose="020F0502020204030204" pitchFamily="34" charset="0"/>
-              <a:cs typeface="Times New Roman" panose="02020603050405020304" pitchFamily="18" charset="0"/>
-            </a:endParaRPr>
-          </a:p>
-          <a:p>
-            <a:pPr>
-              <a:lnSpc>
-                <a:spcPct val="107000"/>
-              </a:lnSpc>
-              <a:spcAft>
-                <a:spcPts val="800"/>
-              </a:spcAft>
-            </a:pPr>
-            <a:r>
               <a:rPr lang="ru-RU" sz="2800" dirty="0" smtClean="0">
                 <a:solidFill>
                   <a:schemeClr val="accent1">
@@ -10273,34 +10647,49 @@
                 <a:ea typeface="Calibri" panose="020F0502020204030204" pitchFamily="34" charset="0"/>
                 <a:cs typeface="Times New Roman" panose="02020603050405020304" pitchFamily="18" charset="0"/>
               </a:rPr>
-              <a:t>Шаг 1.</a:t>
-            </a:r>
-            <a:r>
-              <a:rPr lang="ru-RU" sz="2800" dirty="0" smtClean="0">
-                <a:latin typeface="Calibri" panose="020F0502020204030204" pitchFamily="34" charset="0"/>
-                <a:ea typeface="Calibri" panose="020F0502020204030204" pitchFamily="34" charset="0"/>
-                <a:cs typeface="Times New Roman" panose="02020603050405020304" pitchFamily="18" charset="0"/>
-              </a:rPr>
-              <a:t/>
-            </a:r>
-            <a:br>
-              <a:rPr lang="ru-RU" sz="2800" dirty="0" smtClean="0">
-                <a:latin typeface="Calibri" panose="020F0502020204030204" pitchFamily="34" charset="0"/>
-                <a:ea typeface="Calibri" panose="020F0502020204030204" pitchFamily="34" charset="0"/>
-                <a:cs typeface="Times New Roman" panose="02020603050405020304" pitchFamily="18" charset="0"/>
-              </a:rPr>
-            </a:br>
+              <a:t>Шаг 1</a:t>
+            </a:r>
+            <a:endParaRPr lang="ru-RU" sz="2800" dirty="0" smtClean="0">
+              <a:latin typeface="Calibri" panose="020F0502020204030204" pitchFamily="34" charset="0"/>
+              <a:ea typeface="Calibri" panose="020F0502020204030204" pitchFamily="34" charset="0"/>
+              <a:cs typeface="Times New Roman" panose="02020603050405020304" pitchFamily="18" charset="0"/>
+            </a:endParaRPr>
+          </a:p>
+          <a:p>
+            <a:pPr marL="457200" indent="-457200">
+              <a:spcAft>
+                <a:spcPts val="800"/>
+              </a:spcAft>
+              <a:buFont typeface="Arial" panose="020B0604020202020204" pitchFamily="34" charset="0"/>
+              <a:buChar char="•"/>
+            </a:pPr>
+            <a:r>
+              <a:rPr lang="ru-RU" sz="2800" dirty="0" smtClean="0"/>
+              <a:t>Находим </a:t>
+            </a:r>
             <a:r>
               <a:rPr lang="ru-RU" sz="2800" dirty="0"/>
-              <a:t>Находим вершину старшей степени</a:t>
-            </a:r>
-            <a:r>
-              <a:rPr lang="en-US" sz="2800" dirty="0"/>
+              <a:t>вершину </a:t>
+            </a:r>
+            <a:r>
+              <a:rPr lang="ru-RU" sz="2800" dirty="0" smtClean="0"/>
+              <a:t>старшей степени </a:t>
+            </a:r>
+            <a:r>
+              <a:rPr lang="en-US" sz="2800" dirty="0" smtClean="0"/>
               <a:t>(</a:t>
             </a:r>
             <a:r>
+              <a:rPr lang="ru-RU" sz="2800" dirty="0" smtClean="0"/>
+              <a:t>максимальная </a:t>
+            </a:r>
+            <a:r>
               <a:rPr lang="ru-RU" sz="2800" dirty="0"/>
-              <a:t>максимальная степень – </a:t>
+              <a:t>степень </a:t>
+            </a:r>
+            <a:r>
+              <a:rPr lang="ru-RU" sz="2800" dirty="0" smtClean="0"/>
+              <a:t>– </a:t>
             </a:r>
             <a:r>
               <a:rPr lang="ru-RU" sz="2800" dirty="0" smtClean="0"/>
@@ -10311,8 +10700,16 @@
               <a:t>)</a:t>
             </a:r>
             <a:r>
+              <a:rPr lang="ru-RU" sz="2800" dirty="0" smtClean="0"/>
+              <a:t>, </a:t>
+            </a:r>
+            <a:r>
               <a:rPr lang="ru-RU" sz="2800" dirty="0"/>
-              <a:t>, нумеруем нулевыми значениями. </a:t>
+              <a:t>нумеруем нулевыми значениями</a:t>
+            </a:r>
+            <a:r>
+              <a:rPr lang="ru-RU" sz="2800" dirty="0" smtClean="0"/>
+              <a:t>.</a:t>
             </a:r>
             <a:endParaRPr lang="ru-RU" sz="2800" dirty="0">
               <a:latin typeface="Calibri" panose="020F0502020204030204" pitchFamily="34" charset="0"/>
@@ -10322,30 +10719,82 @@
           </a:p>
         </p:txBody>
       </p:sp>
-      <p:pic>
-        <p:nvPicPr>
-          <p:cNvPr id="4" name="Рисунок 6"/>
-          <p:cNvPicPr>
-            <a:picLocks noChangeAspect="1"/>
-          </p:cNvPicPr>
+      <p:sp>
+        <p:nvSpPr>
+          <p:cNvPr id="7" name="TextBox 6"/>
+          <p:cNvSpPr txBox="1"/>
           <p:nvPr/>
-        </p:nvPicPr>
-        <p:blipFill>
-          <a:blip r:embed="rId2"/>
-          <a:stretch>
-            <a:fillRect/>
-          </a:stretch>
-        </p:blipFill>
+        </p:nvSpPr>
         <p:spPr>
           <a:xfrm>
-            <a:off x="5987218" y="356291"/>
-            <a:ext cx="4943475" cy="5867400"/>
+            <a:off x="517554" y="622980"/>
+            <a:ext cx="5066259" cy="954107"/>
           </a:xfrm>
           <a:prstGeom prst="rect">
             <a:avLst/>
           </a:prstGeom>
+          <a:noFill/>
         </p:spPr>
-      </p:pic>
+        <p:txBody>
+          <a:bodyPr wrap="none" rtlCol="0">
+            <a:spAutoFit/>
+          </a:bodyPr>
+          <a:lstStyle/>
+          <a:p>
+            <a:r>
+              <a:rPr lang="ru-RU" sz="2800" dirty="0">
+                <a:solidFill>
+                  <a:schemeClr val="accent1">
+                    <a:lumMod val="50000"/>
+                  </a:schemeClr>
+                </a:solidFill>
+                <a:latin typeface="Calibri" panose="020F0502020204030204" pitchFamily="34" charset="0"/>
+                <a:ea typeface="Calibri" panose="020F0502020204030204" pitchFamily="34" charset="0"/>
+                <a:cs typeface="Times New Roman" panose="02020603050405020304" pitchFamily="18" charset="0"/>
+              </a:rPr>
+              <a:t>Идея: </a:t>
+            </a:r>
+            <a:r>
+              <a:rPr lang="ru-RU" sz="2800" dirty="0" smtClean="0">
+                <a:solidFill>
+                  <a:schemeClr val="accent1">
+                    <a:lumMod val="50000"/>
+                  </a:schemeClr>
+                </a:solidFill>
+                <a:latin typeface="Calibri" panose="020F0502020204030204" pitchFamily="34" charset="0"/>
+                <a:ea typeface="Calibri" panose="020F0502020204030204" pitchFamily="34" charset="0"/>
+                <a:cs typeface="Times New Roman" panose="02020603050405020304" pitchFamily="18" charset="0"/>
+              </a:rPr>
+              <a:t>Выделяем опорную точку</a:t>
+            </a:r>
+          </a:p>
+          <a:p>
+            <a:r>
+              <a:rPr lang="ru-RU" sz="2800" dirty="0" smtClean="0">
+                <a:solidFill>
+                  <a:schemeClr val="accent1">
+                    <a:lumMod val="50000"/>
+                  </a:schemeClr>
+                </a:solidFill>
+                <a:latin typeface="Calibri" panose="020F0502020204030204" pitchFamily="34" charset="0"/>
+                <a:ea typeface="Calibri" panose="020F0502020204030204" pitchFamily="34" charset="0"/>
+                <a:cs typeface="Times New Roman" panose="02020603050405020304" pitchFamily="18" charset="0"/>
+              </a:rPr>
+              <a:t>через эвристики</a:t>
+            </a:r>
+            <a:endParaRPr lang="ru-RU" sz="2800" dirty="0">
+              <a:solidFill>
+                <a:schemeClr val="accent1">
+                  <a:lumMod val="50000"/>
+                </a:schemeClr>
+              </a:solidFill>
+              <a:latin typeface="Calibri" panose="020F0502020204030204" pitchFamily="34" charset="0"/>
+              <a:ea typeface="Calibri" panose="020F0502020204030204" pitchFamily="34" charset="0"/>
+              <a:cs typeface="Times New Roman" panose="02020603050405020304" pitchFamily="18" charset="0"/>
+            </a:endParaRPr>
+          </a:p>
+        </p:txBody>
+      </p:sp>
     </p:spTree>
     <p:extLst>
       <p:ext uri="{BB962C8B-B14F-4D97-AF65-F5344CB8AC3E}">
@@ -10383,16 +10832,39 @@
           <a:chExt cx="0" cy="0"/>
         </a:xfrm>
       </p:grpSpPr>
+      <p:pic>
+        <p:nvPicPr>
+          <p:cNvPr id="6" name="Рисунок 5"/>
+          <p:cNvPicPr>
+            <a:picLocks noChangeAspect="1"/>
+          </p:cNvPicPr>
+          <p:nvPr/>
+        </p:nvPicPr>
+        <p:blipFill rotWithShape="1">
+          <a:blip r:embed="rId2"/>
+          <a:srcRect t="3108"/>
+          <a:stretch/>
+        </p:blipFill>
+        <p:spPr>
+          <a:xfrm>
+            <a:off x="6565492" y="622980"/>
+            <a:ext cx="4505325" cy="5758860"/>
+          </a:xfrm>
+          <a:prstGeom prst="rect">
+            <a:avLst/>
+          </a:prstGeom>
+        </p:spPr>
+      </p:pic>
       <p:sp>
         <p:nvSpPr>
-          <p:cNvPr id="3" name="Прямоугольник 2"/>
+          <p:cNvPr id="5" name="Прямоугольник 4"/>
           <p:cNvSpPr/>
           <p:nvPr/>
         </p:nvSpPr>
         <p:spPr>
           <a:xfrm>
-            <a:off x="270319" y="1308778"/>
-            <a:ext cx="5543550" cy="4241546"/>
+            <a:off x="443866" y="1847654"/>
+            <a:ext cx="5171122" cy="4708981"/>
           </a:xfrm>
           <a:prstGeom prst="rect">
             <a:avLst/>
@@ -10405,9 +10877,6 @@
           <a:lstStyle/>
           <a:p>
             <a:pPr lvl="0">
-              <a:lnSpc>
-                <a:spcPct val="107000"/>
-              </a:lnSpc>
               <a:spcAft>
                 <a:spcPts val="800"/>
               </a:spcAft>
@@ -10423,124 +10892,253 @@
                 <a:ea typeface="Calibri" panose="020F0502020204030204" pitchFamily="34" charset="0"/>
                 <a:cs typeface="Times New Roman" panose="02020603050405020304" pitchFamily="18" charset="0"/>
               </a:rPr>
-              <a:t>Шаг 2.</a:t>
+              <a:t>Шаг </a:t>
             </a:r>
             <a:r>
               <a:rPr lang="ru-RU" sz="2800" dirty="0" smtClean="0">
+                <a:solidFill>
+                  <a:schemeClr val="accent1">
+                    <a:lumMod val="50000"/>
+                  </a:schemeClr>
+                </a:solidFill>
                 <a:latin typeface="Calibri" panose="020F0502020204030204" pitchFamily="34" charset="0"/>
                 <a:ea typeface="Calibri" panose="020F0502020204030204" pitchFamily="34" charset="0"/>
                 <a:cs typeface="Times New Roman" panose="02020603050405020304" pitchFamily="18" charset="0"/>
               </a:rPr>
-              <a:t/>
-            </a:r>
-            <a:br>
+              <a:t>2</a:t>
+            </a:r>
+            <a:endParaRPr lang="ru-RU" sz="2800" dirty="0" smtClean="0">
+              <a:latin typeface="Calibri" panose="020F0502020204030204" pitchFamily="34" charset="0"/>
+              <a:ea typeface="Calibri" panose="020F0502020204030204" pitchFamily="34" charset="0"/>
+              <a:cs typeface="Times New Roman" panose="02020603050405020304" pitchFamily="18" charset="0"/>
+            </a:endParaRPr>
+          </a:p>
+          <a:p>
+            <a:pPr marL="457200" lvl="0" indent="-457200">
+              <a:spcAft>
+                <a:spcPts val="800"/>
+              </a:spcAft>
+              <a:buFont typeface="Arial" panose="020B0604020202020204" pitchFamily="34" charset="0"/>
+              <a:buChar char="•"/>
+            </a:pPr>
+            <a:r>
               <a:rPr lang="ru-RU" sz="2800" dirty="0" smtClean="0">
+                <a:ea typeface="Calibri" panose="020F0502020204030204" pitchFamily="34" charset="0"/>
+                <a:cs typeface="Times New Roman" panose="02020603050405020304" pitchFamily="18" charset="0"/>
+              </a:rPr>
+              <a:t>Нумеруем </a:t>
+            </a:r>
+            <a:r>
+              <a:rPr lang="ru-RU" sz="2800" dirty="0" smtClean="0">
+                <a:ea typeface="Calibri" panose="020F0502020204030204" pitchFamily="34" charset="0"/>
+                <a:cs typeface="Times New Roman" panose="02020603050405020304" pitchFamily="18" charset="0"/>
+              </a:rPr>
+              <a:t>смежные вершины </a:t>
+            </a:r>
+            <a:r>
+              <a:rPr lang="ru-RU" sz="2800" i="1" dirty="0" smtClean="0">
+                <a:ea typeface="Calibri" panose="020F0502020204030204" pitchFamily="34" charset="0"/>
+                <a:cs typeface="Times New Roman" panose="02020603050405020304" pitchFamily="18" charset="0"/>
+              </a:rPr>
+              <a:t>(</a:t>
+            </a:r>
+            <a:r>
+              <a:rPr lang="en-US" sz="2800" i="1" dirty="0" smtClean="0">
+                <a:ea typeface="Calibri" panose="020F0502020204030204" pitchFamily="34" charset="0"/>
+                <a:cs typeface="Times New Roman" panose="02020603050405020304" pitchFamily="18" charset="0"/>
+              </a:rPr>
+              <a:t>P</a:t>
+            </a:r>
+            <a:r>
+              <a:rPr lang="ru-RU" sz="2800" i="1" dirty="0" smtClean="0">
+                <a:ea typeface="Calibri" panose="020F0502020204030204" pitchFamily="34" charset="0"/>
+                <a:cs typeface="Times New Roman" panose="02020603050405020304" pitchFamily="18" charset="0"/>
+              </a:rPr>
+              <a:t>)</a:t>
+            </a:r>
+            <a:r>
+              <a:rPr lang="ru-RU" sz="2800" dirty="0" smtClean="0">
+                <a:ea typeface="Calibri" panose="020F0502020204030204" pitchFamily="34" charset="0"/>
+                <a:cs typeface="Times New Roman" panose="02020603050405020304" pitchFamily="18" charset="0"/>
+              </a:rPr>
+              <a:t> </a:t>
+            </a:r>
+            <a:r>
+              <a:rPr lang="ru-RU" sz="2800" dirty="0">
+                <a:ea typeface="Calibri" panose="020F0502020204030204" pitchFamily="34" charset="0"/>
+                <a:cs typeface="Times New Roman" panose="02020603050405020304" pitchFamily="18" charset="0"/>
+              </a:rPr>
+              <a:t>по очереди. </a:t>
+            </a:r>
+            <a:endParaRPr lang="ru-RU" sz="2800" dirty="0" smtClean="0">
+              <a:ea typeface="Calibri" panose="020F0502020204030204" pitchFamily="34" charset="0"/>
+              <a:cs typeface="Times New Roman" panose="02020603050405020304" pitchFamily="18" charset="0"/>
+            </a:endParaRPr>
+          </a:p>
+          <a:p>
+            <a:pPr marL="457200" lvl="0" indent="-457200">
+              <a:spcAft>
+                <a:spcPts val="800"/>
+              </a:spcAft>
+              <a:buFont typeface="Arial" panose="020B0604020202020204" pitchFamily="34" charset="0"/>
+              <a:buChar char="•"/>
+            </a:pPr>
+            <a:r>
+              <a:rPr lang="ru-RU" sz="2800" dirty="0" smtClean="0">
+                <a:ea typeface="Calibri" panose="020F0502020204030204" pitchFamily="34" charset="0"/>
+                <a:cs typeface="Times New Roman" panose="02020603050405020304" pitchFamily="18" charset="0"/>
+              </a:rPr>
+              <a:t>Если </a:t>
+            </a:r>
+            <a:r>
+              <a:rPr lang="ru-RU" sz="2800" dirty="0">
+                <a:ea typeface="Calibri" panose="020F0502020204030204" pitchFamily="34" charset="0"/>
+                <a:cs typeface="Times New Roman" panose="02020603050405020304" pitchFamily="18" charset="0"/>
+              </a:rPr>
+              <a:t>дальнейшая нумерация не удалась, то пробуем поменять координаты вершин местами и запустить нумерацию заново. </a:t>
+            </a:r>
+            <a:endParaRPr lang="ru-RU" sz="2800" dirty="0" smtClean="0">
+              <a:ea typeface="Calibri" panose="020F0502020204030204" pitchFamily="34" charset="0"/>
+              <a:cs typeface="Times New Roman" panose="02020603050405020304" pitchFamily="18" charset="0"/>
+            </a:endParaRPr>
+          </a:p>
+          <a:p>
+            <a:pPr marL="457200" lvl="0" indent="-457200">
+              <a:spcAft>
+                <a:spcPts val="800"/>
+              </a:spcAft>
+              <a:buFont typeface="Arial" panose="020B0604020202020204" pitchFamily="34" charset="0"/>
+              <a:buChar char="•"/>
+            </a:pPr>
+            <a:r>
+              <a:rPr lang="ru-RU" sz="2800" dirty="0">
+                <a:ea typeface="Calibri" panose="020F0502020204030204" pitchFamily="34" charset="0"/>
+                <a:cs typeface="Times New Roman" panose="02020603050405020304" pitchFamily="18" charset="0"/>
+              </a:rPr>
+              <a:t>Д</a:t>
+            </a:r>
+            <a:r>
+              <a:rPr lang="ru-RU" sz="2800" dirty="0" smtClean="0">
+                <a:ea typeface="Calibri" panose="020F0502020204030204" pitchFamily="34" charset="0"/>
+                <a:cs typeface="Times New Roman" panose="02020603050405020304" pitchFamily="18" charset="0"/>
+              </a:rPr>
+              <a:t>о</a:t>
+            </a:r>
+            <a:r>
+              <a:rPr lang="en-US" sz="2800" dirty="0" smtClean="0">
+                <a:ea typeface="Calibri" panose="020F0502020204030204" pitchFamily="34" charset="0"/>
+                <a:cs typeface="Times New Roman" panose="02020603050405020304" pitchFamily="18" charset="0"/>
+              </a:rPr>
+              <a:t> </a:t>
+            </a:r>
+            <a:r>
+              <a:rPr lang="ru-RU" sz="2800" dirty="0" smtClean="0">
+                <a:ea typeface="Calibri" panose="020F0502020204030204" pitchFamily="34" charset="0"/>
+                <a:cs typeface="Times New Roman" panose="02020603050405020304" pitchFamily="18" charset="0"/>
+              </a:rPr>
+              <a:t>720 </a:t>
+            </a:r>
+            <a:r>
+              <a:rPr lang="ru-RU" sz="2800" dirty="0">
+                <a:ea typeface="Calibri" panose="020F0502020204030204" pitchFamily="34" charset="0"/>
+                <a:cs typeface="Times New Roman" panose="02020603050405020304" pitchFamily="18" charset="0"/>
+              </a:rPr>
+              <a:t>вариантов нумераций </a:t>
+            </a:r>
+            <a:r>
+              <a:rPr lang="en-US" sz="2800" i="1" dirty="0">
+                <a:ea typeface="Calibri" panose="020F0502020204030204" pitchFamily="34" charset="0"/>
+                <a:cs typeface="Times New Roman" panose="02020603050405020304" pitchFamily="18" charset="0"/>
+              </a:rPr>
+              <a:t>P</a:t>
+            </a:r>
+            <a:r>
+              <a:rPr lang="ru-RU" sz="2800" dirty="0" smtClean="0">
+                <a:ea typeface="Calibri" panose="020F0502020204030204" pitchFamily="34" charset="0"/>
+                <a:cs typeface="Times New Roman" panose="02020603050405020304" pitchFamily="18" charset="0"/>
+              </a:rPr>
+              <a:t>.</a:t>
+            </a:r>
+            <a:r>
+              <a:rPr lang="ru-RU" sz="2800" dirty="0" smtClean="0"/>
+              <a:t> </a:t>
+            </a:r>
+            <a:endParaRPr lang="ru-RU" sz="2800" dirty="0">
+              <a:ea typeface="Calibri" panose="020F0502020204030204" pitchFamily="34" charset="0"/>
+              <a:cs typeface="Times New Roman" panose="02020603050405020304" pitchFamily="18" charset="0"/>
+            </a:endParaRPr>
+          </a:p>
+        </p:txBody>
+      </p:sp>
+      <p:sp>
+        <p:nvSpPr>
+          <p:cNvPr id="7" name="TextBox 6"/>
+          <p:cNvSpPr txBox="1"/>
+          <p:nvPr/>
+        </p:nvSpPr>
+        <p:spPr>
+          <a:xfrm>
+            <a:off x="517554" y="622980"/>
+            <a:ext cx="6047938" cy="954107"/>
+          </a:xfrm>
+          <a:prstGeom prst="rect">
+            <a:avLst/>
+          </a:prstGeom>
+          <a:noFill/>
+        </p:spPr>
+        <p:txBody>
+          <a:bodyPr wrap="none" rtlCol="0">
+            <a:spAutoFit/>
+          </a:bodyPr>
+          <a:lstStyle/>
+          <a:p>
+            <a:r>
+              <a:rPr lang="ru-RU" sz="2800" dirty="0">
+                <a:solidFill>
+                  <a:schemeClr val="accent1">
+                    <a:lumMod val="50000"/>
+                  </a:schemeClr>
+                </a:solidFill>
                 <a:latin typeface="Calibri" panose="020F0502020204030204" pitchFamily="34" charset="0"/>
                 <a:ea typeface="Calibri" panose="020F0502020204030204" pitchFamily="34" charset="0"/>
                 <a:cs typeface="Times New Roman" panose="02020603050405020304" pitchFamily="18" charset="0"/>
               </a:rPr>
-            </a:br>
-            <a:r>
-              <a:rPr lang="ru-RU" sz="2800" dirty="0">
+              <a:t>Идея: </a:t>
+            </a:r>
+            <a:r>
+              <a:rPr lang="ru-RU" sz="2800" dirty="0" smtClean="0">
+                <a:solidFill>
+                  <a:schemeClr val="accent1">
+                    <a:lumMod val="50000"/>
+                  </a:schemeClr>
+                </a:solidFill>
                 <a:latin typeface="Calibri" panose="020F0502020204030204" pitchFamily="34" charset="0"/>
                 <a:ea typeface="Calibri" panose="020F0502020204030204" pitchFamily="34" charset="0"/>
                 <a:cs typeface="Times New Roman" panose="02020603050405020304" pitchFamily="18" charset="0"/>
               </a:rPr>
-              <a:t>Нумеруем смежные вершины </a:t>
-            </a:r>
-            <a:r>
-              <a:rPr lang="ru-RU" sz="2800" i="1" dirty="0">
+              <a:t>Пытаемся задать координатную</a:t>
+            </a:r>
+          </a:p>
+          <a:p>
+            <a:r>
+              <a:rPr lang="ru-RU" sz="2800" dirty="0" smtClean="0">
+                <a:solidFill>
+                  <a:schemeClr val="accent1">
+                    <a:lumMod val="50000"/>
+                  </a:schemeClr>
+                </a:solidFill>
                 <a:latin typeface="Calibri" panose="020F0502020204030204" pitchFamily="34" charset="0"/>
                 <a:ea typeface="Calibri" panose="020F0502020204030204" pitchFamily="34" charset="0"/>
                 <a:cs typeface="Times New Roman" panose="02020603050405020304" pitchFamily="18" charset="0"/>
               </a:rPr>
-              <a:t>(</a:t>
-            </a:r>
-            <a:r>
-              <a:rPr lang="en-US" sz="2800" i="1" dirty="0">
-                <a:latin typeface="Calibri" panose="020F0502020204030204" pitchFamily="34" charset="0"/>
-                <a:ea typeface="Calibri" panose="020F0502020204030204" pitchFamily="34" charset="0"/>
-                <a:cs typeface="Times New Roman" panose="02020603050405020304" pitchFamily="18" charset="0"/>
-              </a:rPr>
-              <a:t>P</a:t>
-            </a:r>
-            <a:r>
-              <a:rPr lang="ru-RU" sz="2800" i="1" dirty="0">
-                <a:latin typeface="Calibri" panose="020F0502020204030204" pitchFamily="34" charset="0"/>
-                <a:ea typeface="Calibri" panose="020F0502020204030204" pitchFamily="34" charset="0"/>
-                <a:cs typeface="Times New Roman" panose="02020603050405020304" pitchFamily="18" charset="0"/>
-              </a:rPr>
-              <a:t>)</a:t>
-            </a:r>
-            <a:r>
-              <a:rPr lang="ru-RU" sz="2800" dirty="0">
-                <a:latin typeface="Calibri" panose="020F0502020204030204" pitchFamily="34" charset="0"/>
-                <a:ea typeface="Calibri" panose="020F0502020204030204" pitchFamily="34" charset="0"/>
-                <a:cs typeface="Times New Roman" panose="02020603050405020304" pitchFamily="18" charset="0"/>
-              </a:rPr>
-              <a:t> по очереди. Если дальнейшая нумерация не удалась, то пробуем поменять координаты вершин местами и запустить нумерацию заново. Для </a:t>
-            </a:r>
-            <a:r>
-              <a:rPr lang="ru-RU" sz="2800" dirty="0" smtClean="0">
-                <a:latin typeface="Calibri" panose="020F0502020204030204" pitchFamily="34" charset="0"/>
-                <a:ea typeface="Calibri" panose="020F0502020204030204" pitchFamily="34" charset="0"/>
-                <a:cs typeface="Times New Roman" panose="02020603050405020304" pitchFamily="18" charset="0"/>
-              </a:rPr>
-              <a:t>3-хмерного </a:t>
-            </a:r>
-            <a:r>
-              <a:rPr lang="ru-RU" sz="2800" dirty="0">
-                <a:latin typeface="Calibri" panose="020F0502020204030204" pitchFamily="34" charset="0"/>
-                <a:ea typeface="Calibri" panose="020F0502020204030204" pitchFamily="34" charset="0"/>
-                <a:cs typeface="Times New Roman" panose="02020603050405020304" pitchFamily="18" charset="0"/>
-              </a:rPr>
-              <a:t>случая будет до</a:t>
-            </a:r>
-            <a:r>
-              <a:rPr lang="en-US" sz="2800" dirty="0">
-                <a:latin typeface="Calibri" panose="020F0502020204030204" pitchFamily="34" charset="0"/>
-                <a:ea typeface="Calibri" panose="020F0502020204030204" pitchFamily="34" charset="0"/>
-                <a:cs typeface="Times New Roman" panose="02020603050405020304" pitchFamily="18" charset="0"/>
-              </a:rPr>
-              <a:t> </a:t>
-            </a:r>
-            <a:r>
-              <a:rPr lang="ru-RU" sz="2800" dirty="0" smtClean="0">
-                <a:latin typeface="Calibri" panose="020F0502020204030204" pitchFamily="34" charset="0"/>
-                <a:ea typeface="Calibri" panose="020F0502020204030204" pitchFamily="34" charset="0"/>
-                <a:cs typeface="Times New Roman" panose="02020603050405020304" pitchFamily="18" charset="0"/>
-              </a:rPr>
-              <a:t>720 </a:t>
-            </a:r>
-            <a:r>
-              <a:rPr lang="ru-RU" sz="2800" dirty="0">
-                <a:latin typeface="Calibri" panose="020F0502020204030204" pitchFamily="34" charset="0"/>
-                <a:ea typeface="Calibri" panose="020F0502020204030204" pitchFamily="34" charset="0"/>
-                <a:cs typeface="Times New Roman" panose="02020603050405020304" pitchFamily="18" charset="0"/>
-              </a:rPr>
-              <a:t>вариантов нумераций </a:t>
-            </a:r>
-            <a:r>
-              <a:rPr lang="en-US" sz="2800" i="1" dirty="0">
-                <a:latin typeface="Calibri" panose="020F0502020204030204" pitchFamily="34" charset="0"/>
-                <a:ea typeface="Calibri" panose="020F0502020204030204" pitchFamily="34" charset="0"/>
-                <a:cs typeface="Times New Roman" panose="02020603050405020304" pitchFamily="18" charset="0"/>
-              </a:rPr>
-              <a:t>P</a:t>
-            </a:r>
-            <a:r>
-              <a:rPr lang="ru-RU" sz="2800" dirty="0">
-                <a:latin typeface="Calibri" panose="020F0502020204030204" pitchFamily="34" charset="0"/>
-                <a:ea typeface="Calibri" panose="020F0502020204030204" pitchFamily="34" charset="0"/>
-                <a:cs typeface="Times New Roman" panose="02020603050405020304" pitchFamily="18" charset="0"/>
-              </a:rPr>
-              <a:t>.</a:t>
-            </a:r>
-            <a:r>
-              <a:rPr lang="ru-RU" sz="2800" dirty="0"/>
-              <a:t> </a:t>
+              <a:t>систему</a:t>
             </a:r>
             <a:endParaRPr lang="ru-RU" sz="2800" dirty="0">
+              <a:solidFill>
+                <a:schemeClr val="accent1">
+                  <a:lumMod val="50000"/>
+                </a:schemeClr>
+              </a:solidFill>
               <a:latin typeface="Calibri" panose="020F0502020204030204" pitchFamily="34" charset="0"/>
               <a:ea typeface="Calibri" panose="020F0502020204030204" pitchFamily="34" charset="0"/>
               <a:cs typeface="Times New Roman" panose="02020603050405020304" pitchFamily="18" charset="0"/>
@@ -10548,30 +11146,6 @@
           </a:p>
         </p:txBody>
       </p:sp>
-      <p:pic>
-        <p:nvPicPr>
-          <p:cNvPr id="6" name="Рисунок 5"/>
-          <p:cNvPicPr>
-            <a:picLocks noChangeAspect="1"/>
-          </p:cNvPicPr>
-          <p:nvPr/>
-        </p:nvPicPr>
-        <p:blipFill>
-          <a:blip r:embed="rId2"/>
-          <a:stretch>
-            <a:fillRect/>
-          </a:stretch>
-        </p:blipFill>
-        <p:spPr>
-          <a:xfrm>
-            <a:off x="6165913" y="219456"/>
-            <a:ext cx="4505325" cy="5943600"/>
-          </a:xfrm>
-          <a:prstGeom prst="rect">
-            <a:avLst/>
-          </a:prstGeom>
-        </p:spPr>
-      </p:pic>
     </p:spTree>
     <p:extLst>
       <p:ext uri="{BB962C8B-B14F-4D97-AF65-F5344CB8AC3E}">
@@ -10609,16 +11183,39 @@
           <a:chExt cx="0" cy="0"/>
         </a:xfrm>
       </p:grpSpPr>
+      <p:pic>
+        <p:nvPicPr>
+          <p:cNvPr id="4" name="Рисунок 3"/>
+          <p:cNvPicPr>
+            <a:picLocks noChangeAspect="1"/>
+          </p:cNvPicPr>
+          <p:nvPr/>
+        </p:nvPicPr>
+        <p:blipFill rotWithShape="1">
+          <a:blip r:embed="rId2"/>
+          <a:srcRect t="2898"/>
+          <a:stretch/>
+        </p:blipFill>
+        <p:spPr>
+          <a:xfrm>
+            <a:off x="6250305" y="622980"/>
+            <a:ext cx="5372100" cy="5678850"/>
+          </a:xfrm>
+          <a:prstGeom prst="rect">
+            <a:avLst/>
+          </a:prstGeom>
+        </p:spPr>
+      </p:pic>
       <p:sp>
         <p:nvSpPr>
-          <p:cNvPr id="2" name="Прямоугольник 1"/>
+          <p:cNvPr id="6" name="Прямоугольник 5"/>
           <p:cNvSpPr/>
           <p:nvPr/>
         </p:nvSpPr>
         <p:spPr>
           <a:xfrm>
-            <a:off x="226337" y="984175"/>
-            <a:ext cx="5688688" cy="4401205"/>
+            <a:off x="517554" y="1870544"/>
+            <a:ext cx="5413972" cy="4832092"/>
           </a:xfrm>
           <a:prstGeom prst="rect">
             <a:avLst/>
@@ -10641,82 +11238,167 @@
                 <a:ea typeface="Calibri" panose="020F0502020204030204" pitchFamily="34" charset="0"/>
                 <a:cs typeface="Times New Roman" panose="02020603050405020304" pitchFamily="18" charset="0"/>
               </a:rPr>
-              <a:t>Шаг 3.</a:t>
+              <a:t>Шаг </a:t>
             </a:r>
             <a:r>
               <a:rPr lang="ru-RU" sz="2800" dirty="0" smtClean="0">
+                <a:solidFill>
+                  <a:schemeClr val="accent1">
+                    <a:lumMod val="50000"/>
+                  </a:schemeClr>
+                </a:solidFill>
                 <a:latin typeface="Calibri" panose="020F0502020204030204" pitchFamily="34" charset="0"/>
                 <a:ea typeface="Calibri" panose="020F0502020204030204" pitchFamily="34" charset="0"/>
                 <a:cs typeface="Times New Roman" panose="02020603050405020304" pitchFamily="18" charset="0"/>
               </a:rPr>
-              <a:t/>
-            </a:r>
-            <a:br>
-              <a:rPr lang="ru-RU" sz="2800" dirty="0" smtClean="0">
+              <a:t>3</a:t>
+            </a:r>
+            <a:endParaRPr lang="ru-RU" sz="2800" dirty="0" smtClean="0">
+              <a:latin typeface="Calibri" panose="020F0502020204030204" pitchFamily="34" charset="0"/>
+              <a:ea typeface="Calibri" panose="020F0502020204030204" pitchFamily="34" charset="0"/>
+              <a:cs typeface="Times New Roman" panose="02020603050405020304" pitchFamily="18" charset="0"/>
+            </a:endParaRPr>
+          </a:p>
+          <a:p>
+            <a:pPr marL="457200" indent="-457200">
+              <a:buFont typeface="Arial" panose="020B0604020202020204" pitchFamily="34" charset="0"/>
+              <a:buChar char="•"/>
+            </a:pPr>
+            <a:r>
+              <a:rPr lang="ru-RU" sz="2800" dirty="0" smtClean="0"/>
+              <a:t>Нумеруем </a:t>
+            </a:r>
+            <a:r>
+              <a:rPr lang="ru-RU" sz="2800" dirty="0"/>
+              <a:t>смежные вершины от </a:t>
+            </a:r>
+            <a:r>
+              <a:rPr lang="en-US" sz="2800" i="1" dirty="0"/>
+              <a:t>P</a:t>
+            </a:r>
+            <a:r>
+              <a:rPr lang="ru-RU" sz="2800" dirty="0"/>
+              <a:t> по </a:t>
+            </a:r>
+            <a:r>
+              <a:rPr lang="ru-RU" sz="2800" dirty="0" smtClean="0"/>
+              <a:t>очереди.</a:t>
+            </a:r>
+          </a:p>
+          <a:p>
+            <a:pPr marL="457200" indent="-457200">
+              <a:buFont typeface="Arial" panose="020B0604020202020204" pitchFamily="34" charset="0"/>
+              <a:buChar char="•"/>
+            </a:pPr>
+            <a:r>
+              <a:rPr lang="ru-RU" sz="2800" dirty="0" smtClean="0"/>
+              <a:t>Однозначно разрешимые случаи:</a:t>
+            </a:r>
+            <a:endParaRPr lang="ru-RU" sz="2800" dirty="0"/>
+          </a:p>
+          <a:p>
+            <a:pPr marL="914400" lvl="1" indent="-457200">
+              <a:buFont typeface="Arial" panose="020B0604020202020204" pitchFamily="34" charset="0"/>
+              <a:buChar char="•"/>
+            </a:pPr>
+            <a:r>
+              <a:rPr lang="ru-RU" sz="2800" dirty="0"/>
+              <a:t>Два и более соседей имеют индекс.</a:t>
+            </a:r>
+          </a:p>
+          <a:p>
+            <a:pPr marL="914400" lvl="1" indent="-457200">
+              <a:buFont typeface="Arial" panose="020B0604020202020204" pitchFamily="34" charset="0"/>
+              <a:buChar char="•"/>
+            </a:pPr>
+            <a:r>
+              <a:rPr lang="ru-RU" sz="2800" dirty="0"/>
+              <a:t>Один из соседей не имеет непронумерованных соседей кроме текущей вершины</a:t>
+            </a:r>
+            <a:r>
+              <a:rPr lang="ru-RU" sz="2800" dirty="0" smtClean="0"/>
+              <a:t>.</a:t>
+            </a:r>
+            <a:endParaRPr lang="ru-RU" sz="2800" dirty="0"/>
+          </a:p>
+        </p:txBody>
+      </p:sp>
+      <p:sp>
+        <p:nvSpPr>
+          <p:cNvPr id="7" name="TextBox 6"/>
+          <p:cNvSpPr txBox="1"/>
+          <p:nvPr/>
+        </p:nvSpPr>
+        <p:spPr>
+          <a:xfrm>
+            <a:off x="517554" y="622980"/>
+            <a:ext cx="6689652" cy="954107"/>
+          </a:xfrm>
+          <a:prstGeom prst="rect">
+            <a:avLst/>
+          </a:prstGeom>
+          <a:noFill/>
+        </p:spPr>
+        <p:txBody>
+          <a:bodyPr wrap="none" rtlCol="0">
+            <a:spAutoFit/>
+          </a:bodyPr>
+          <a:lstStyle/>
+          <a:p>
+            <a:r>
+              <a:rPr lang="ru-RU" sz="2800" dirty="0">
+                <a:solidFill>
+                  <a:schemeClr val="accent1">
+                    <a:lumMod val="50000"/>
+                  </a:schemeClr>
+                </a:solidFill>
                 <a:latin typeface="Calibri" panose="020F0502020204030204" pitchFamily="34" charset="0"/>
                 <a:ea typeface="Calibri" panose="020F0502020204030204" pitchFamily="34" charset="0"/>
                 <a:cs typeface="Times New Roman" panose="02020603050405020304" pitchFamily="18" charset="0"/>
               </a:rPr>
-            </a:br>
-            <a:r>
-              <a:rPr lang="ru-RU" sz="2800" dirty="0"/>
-              <a:t>Нумеруем смежные вершины от </a:t>
-            </a:r>
-            <a:r>
-              <a:rPr lang="en-US" sz="2800" i="1" dirty="0"/>
-              <a:t>P</a:t>
-            </a:r>
-            <a:r>
-              <a:rPr lang="ru-RU" sz="2800" dirty="0"/>
-              <a:t> по очереди. Есть два случая, когда мы можем однозначно поставить индекс для вершины:</a:t>
-            </a:r>
-          </a:p>
-          <a:p>
-            <a:pPr marL="457200" lvl="0" indent="-457200">
-              <a:buFont typeface="Arial" panose="020B0604020202020204" pitchFamily="34" charset="0"/>
-              <a:buChar char="•"/>
-            </a:pPr>
-            <a:r>
-              <a:rPr lang="ru-RU" sz="2800" dirty="0"/>
-              <a:t>Два и более соседей имеют индекс.</a:t>
-            </a:r>
-          </a:p>
-          <a:p>
-            <a:pPr marL="457200" lvl="0" indent="-457200">
-              <a:buFont typeface="Arial" panose="020B0604020202020204" pitchFamily="34" charset="0"/>
-              <a:buChar char="•"/>
-            </a:pPr>
-            <a:r>
-              <a:rPr lang="ru-RU" sz="2800" dirty="0"/>
-              <a:t>Один из соседей не имеет непронумерованных соседей кроме текущей вершины.</a:t>
-            </a:r>
+              <a:t>Идея: </a:t>
+            </a:r>
+            <a:r>
+              <a:rPr lang="ru-RU" sz="2800" dirty="0" smtClean="0">
+                <a:solidFill>
+                  <a:schemeClr val="accent1">
+                    <a:lumMod val="50000"/>
+                  </a:schemeClr>
+                </a:solidFill>
+                <a:latin typeface="Calibri" panose="020F0502020204030204" pitchFamily="34" charset="0"/>
+                <a:ea typeface="Calibri" panose="020F0502020204030204" pitchFamily="34" charset="0"/>
+                <a:cs typeface="Times New Roman" panose="02020603050405020304" pitchFamily="18" charset="0"/>
+              </a:rPr>
+              <a:t>Нумеруем однозначно разрешимые</a:t>
+            </a:r>
+          </a:p>
+          <a:p>
+            <a:r>
+              <a:rPr lang="ru-RU" sz="2800" dirty="0" smtClean="0">
+                <a:solidFill>
+                  <a:schemeClr val="accent1">
+                    <a:lumMod val="50000"/>
+                  </a:schemeClr>
+                </a:solidFill>
+                <a:latin typeface="Calibri" panose="020F0502020204030204" pitchFamily="34" charset="0"/>
+                <a:ea typeface="Calibri" panose="020F0502020204030204" pitchFamily="34" charset="0"/>
+                <a:cs typeface="Times New Roman" panose="02020603050405020304" pitchFamily="18" charset="0"/>
+              </a:rPr>
+              <a:t>случаи</a:t>
+            </a:r>
+            <a:endParaRPr lang="ru-RU" sz="2800" dirty="0">
+              <a:solidFill>
+                <a:schemeClr val="accent1">
+                  <a:lumMod val="50000"/>
+                </a:schemeClr>
+              </a:solidFill>
+              <a:latin typeface="Calibri" panose="020F0502020204030204" pitchFamily="34" charset="0"/>
+              <a:ea typeface="Calibri" panose="020F0502020204030204" pitchFamily="34" charset="0"/>
+              <a:cs typeface="Times New Roman" panose="02020603050405020304" pitchFamily="18" charset="0"/>
+            </a:endParaRPr>
           </a:p>
         </p:txBody>
       </p:sp>
-      <p:pic>
-        <p:nvPicPr>
-          <p:cNvPr id="4" name="Рисунок 3"/>
-          <p:cNvPicPr>
-            <a:picLocks noChangeAspect="1"/>
-          </p:cNvPicPr>
-          <p:nvPr/>
-        </p:nvPicPr>
-        <p:blipFill>
-          <a:blip r:embed="rId2"/>
-          <a:stretch>
-            <a:fillRect/>
-          </a:stretch>
-        </p:blipFill>
-        <p:spPr>
-          <a:xfrm>
-            <a:off x="5915025" y="565173"/>
-            <a:ext cx="5372100" cy="5848350"/>
-          </a:xfrm>
-          <a:prstGeom prst="rect">
-            <a:avLst/>
-          </a:prstGeom>
-        </p:spPr>
-      </p:pic>
     </p:spTree>
     <p:extLst>
       <p:ext uri="{BB962C8B-B14F-4D97-AF65-F5344CB8AC3E}">
@@ -10841,105 +11523,6 @@
           <a:chExt cx="0" cy="0"/>
         </a:xfrm>
       </p:grpSpPr>
-      <p:sp>
-        <p:nvSpPr>
-          <p:cNvPr id="2" name="Прямоугольник 1"/>
-          <p:cNvSpPr/>
-          <p:nvPr/>
-        </p:nvSpPr>
-        <p:spPr>
-          <a:xfrm>
-            <a:off x="235391" y="1080646"/>
-            <a:ext cx="5844464" cy="4832092"/>
-          </a:xfrm>
-          <a:prstGeom prst="rect">
-            <a:avLst/>
-          </a:prstGeom>
-        </p:spPr>
-        <p:txBody>
-          <a:bodyPr wrap="square">
-            <a:spAutoFit/>
-          </a:bodyPr>
-          <a:lstStyle/>
-          <a:p>
-            <a:pPr lvl="0"/>
-            <a:r>
-              <a:rPr lang="ru-RU" sz="2800" dirty="0" smtClean="0">
-                <a:solidFill>
-                  <a:schemeClr val="accent1">
-                    <a:lumMod val="50000"/>
-                  </a:schemeClr>
-                </a:solidFill>
-                <a:latin typeface="Calibri" panose="020F0502020204030204" pitchFamily="34" charset="0"/>
-                <a:ea typeface="Calibri" panose="020F0502020204030204" pitchFamily="34" charset="0"/>
-                <a:cs typeface="Times New Roman" panose="02020603050405020304" pitchFamily="18" charset="0"/>
-              </a:rPr>
-              <a:t>Шаг 4.</a:t>
-            </a:r>
-            <a:r>
-              <a:rPr lang="ru-RU" sz="2800" dirty="0">
-                <a:latin typeface="Calibri" panose="020F0502020204030204" pitchFamily="34" charset="0"/>
-                <a:ea typeface="Calibri" panose="020F0502020204030204" pitchFamily="34" charset="0"/>
-                <a:cs typeface="Times New Roman" panose="02020603050405020304" pitchFamily="18" charset="0"/>
-              </a:rPr>
-              <a:t/>
-            </a:r>
-            <a:br>
-              <a:rPr lang="ru-RU" sz="2800" dirty="0">
-                <a:latin typeface="Calibri" panose="020F0502020204030204" pitchFamily="34" charset="0"/>
-                <a:ea typeface="Calibri" panose="020F0502020204030204" pitchFamily="34" charset="0"/>
-                <a:cs typeface="Times New Roman" panose="02020603050405020304" pitchFamily="18" charset="0"/>
-              </a:rPr>
-            </a:br>
-            <a:r>
-              <a:rPr lang="ru-RU" sz="2800" dirty="0" smtClean="0"/>
-              <a:t>Для остальных вершин рекурсивно </a:t>
-            </a:r>
-            <a:r>
-              <a:rPr lang="ru-RU" sz="2800" dirty="0"/>
-              <a:t>перебираем все возможные индексы:</a:t>
-            </a:r>
-          </a:p>
-          <a:p>
-            <a:pPr marL="457200" lvl="0" indent="-457200">
-              <a:buFont typeface="Arial" panose="020B0604020202020204" pitchFamily="34" charset="0"/>
-              <a:buChar char="•"/>
-            </a:pPr>
-            <a:r>
-              <a:rPr lang="ru-RU" sz="2800" dirty="0"/>
-              <a:t>Ставим один из возможных индексов.</a:t>
-            </a:r>
-          </a:p>
-          <a:p>
-            <a:pPr marL="457200" lvl="0" indent="-457200">
-              <a:buFont typeface="Arial" panose="020B0604020202020204" pitchFamily="34" charset="0"/>
-              <a:buChar char="•"/>
-            </a:pPr>
-            <a:r>
-              <a:rPr lang="ru-RU" sz="2800" dirty="0"/>
-              <a:t>Повторяем алгоритм</a:t>
-            </a:r>
-            <a:r>
-              <a:rPr lang="en-US" sz="2800" dirty="0"/>
-              <a:t> </a:t>
-            </a:r>
-            <a:r>
-              <a:rPr lang="ru-RU" sz="2800" dirty="0"/>
-              <a:t>для смежных вершин.</a:t>
-            </a:r>
-          </a:p>
-          <a:p>
-            <a:pPr marL="457200" lvl="0" indent="-457200">
-              <a:buFont typeface="Arial" panose="020B0604020202020204" pitchFamily="34" charset="0"/>
-              <a:buChar char="•"/>
-            </a:pPr>
-            <a:r>
-              <a:rPr lang="ru-RU" sz="2800" dirty="0"/>
-              <a:t>Если не удалось пронумеровать, то возвращаемся, меняем индекс и проходим заново.</a:t>
-            </a:r>
-          </a:p>
-        </p:txBody>
-      </p:sp>
       <p:pic>
         <p:nvPicPr>
           <p:cNvPr id="3" name="Рисунок 2"/>
@@ -10956,7 +11539,7 @@
         </p:blipFill>
         <p:spPr>
           <a:xfrm>
-            <a:off x="6552057" y="708505"/>
+            <a:off x="6323457" y="622980"/>
             <a:ext cx="5086350" cy="5800725"/>
           </a:xfrm>
           <a:prstGeom prst="rect">
@@ -10964,6 +11547,206 @@
           </a:prstGeom>
         </p:spPr>
       </p:pic>
+      <p:sp>
+        <p:nvSpPr>
+          <p:cNvPr id="5" name="Прямоугольник 4"/>
+          <p:cNvSpPr/>
+          <p:nvPr/>
+        </p:nvSpPr>
+        <p:spPr>
+          <a:xfrm>
+            <a:off x="517554" y="1914316"/>
+            <a:ext cx="5078574" cy="3539430"/>
+          </a:xfrm>
+          <a:prstGeom prst="rect">
+            <a:avLst/>
+          </a:prstGeom>
+        </p:spPr>
+        <p:txBody>
+          <a:bodyPr wrap="square">
+            <a:spAutoFit/>
+          </a:bodyPr>
+          <a:lstStyle/>
+          <a:p>
+            <a:pPr lvl="0"/>
+            <a:r>
+              <a:rPr lang="ru-RU" sz="2800" dirty="0" smtClean="0">
+                <a:solidFill>
+                  <a:schemeClr val="accent1">
+                    <a:lumMod val="50000"/>
+                  </a:schemeClr>
+                </a:solidFill>
+                <a:latin typeface="Calibri" panose="020F0502020204030204" pitchFamily="34" charset="0"/>
+                <a:ea typeface="Calibri" panose="020F0502020204030204" pitchFamily="34" charset="0"/>
+                <a:cs typeface="Times New Roman" panose="02020603050405020304" pitchFamily="18" charset="0"/>
+              </a:rPr>
+              <a:t>Шаг </a:t>
+            </a:r>
+            <a:r>
+              <a:rPr lang="ru-RU" sz="2800" dirty="0" smtClean="0">
+                <a:solidFill>
+                  <a:schemeClr val="accent1">
+                    <a:lumMod val="50000"/>
+                  </a:schemeClr>
+                </a:solidFill>
+                <a:latin typeface="Calibri" panose="020F0502020204030204" pitchFamily="34" charset="0"/>
+                <a:ea typeface="Calibri" panose="020F0502020204030204" pitchFamily="34" charset="0"/>
+                <a:cs typeface="Times New Roman" panose="02020603050405020304" pitchFamily="18" charset="0"/>
+              </a:rPr>
+              <a:t>4</a:t>
+            </a:r>
+            <a:endParaRPr lang="ru-RU" sz="2800" dirty="0" smtClean="0">
+              <a:latin typeface="Calibri" panose="020F0502020204030204" pitchFamily="34" charset="0"/>
+              <a:ea typeface="Calibri" panose="020F0502020204030204" pitchFamily="34" charset="0"/>
+              <a:cs typeface="Times New Roman" panose="02020603050405020304" pitchFamily="18" charset="0"/>
+            </a:endParaRPr>
+          </a:p>
+          <a:p>
+            <a:pPr marL="457200" lvl="0" indent="-457200">
+              <a:buFont typeface="Arial" panose="020B0604020202020204" pitchFamily="34" charset="0"/>
+              <a:buChar char="•"/>
+            </a:pPr>
+            <a:r>
+              <a:rPr lang="ru-RU" sz="2800" dirty="0" smtClean="0"/>
+              <a:t>Для </a:t>
+            </a:r>
+            <a:r>
+              <a:rPr lang="ru-RU" sz="2800" dirty="0"/>
+              <a:t>остальных вершин </a:t>
+            </a:r>
+            <a:r>
+              <a:rPr lang="ru-RU" sz="2800" dirty="0" smtClean="0"/>
+              <a:t>рекурсивно </a:t>
+            </a:r>
+            <a:r>
+              <a:rPr lang="ru-RU" sz="2800" dirty="0"/>
+              <a:t>перебираем все возможные индексы:</a:t>
+            </a:r>
+          </a:p>
+          <a:p>
+            <a:pPr marL="914400" lvl="1" indent="-457200">
+              <a:buFont typeface="Arial" panose="020B0604020202020204" pitchFamily="34" charset="0"/>
+              <a:buChar char="•"/>
+            </a:pPr>
+            <a:r>
+              <a:rPr lang="ru-RU" sz="2800" dirty="0"/>
+              <a:t>Ставим один из возможных индексов.</a:t>
+            </a:r>
+          </a:p>
+          <a:p>
+            <a:pPr marL="914400" lvl="1" indent="-457200">
+              <a:buFont typeface="Arial" panose="020B0604020202020204" pitchFamily="34" charset="0"/>
+              <a:buChar char="•"/>
+            </a:pPr>
+            <a:r>
+              <a:rPr lang="ru-RU" sz="2800" dirty="0"/>
+              <a:t>Повторяем алгоритм</a:t>
+            </a:r>
+            <a:r>
+              <a:rPr lang="en-US" sz="2800" dirty="0"/>
+              <a:t> </a:t>
+            </a:r>
+            <a:r>
+              <a:rPr lang="ru-RU" sz="2800" dirty="0"/>
+              <a:t>для смежных вершин</a:t>
+            </a:r>
+            <a:r>
+              <a:rPr lang="ru-RU" sz="2800" dirty="0" smtClean="0"/>
+              <a:t>.</a:t>
+            </a:r>
+            <a:endParaRPr lang="ru-RU" sz="2800" dirty="0"/>
+          </a:p>
+        </p:txBody>
+      </p:sp>
+      <p:sp>
+        <p:nvSpPr>
+          <p:cNvPr id="6" name="TextBox 5"/>
+          <p:cNvSpPr txBox="1"/>
+          <p:nvPr/>
+        </p:nvSpPr>
+        <p:spPr>
+          <a:xfrm>
+            <a:off x="517554" y="622980"/>
+            <a:ext cx="6415795" cy="954107"/>
+          </a:xfrm>
+          <a:prstGeom prst="rect">
+            <a:avLst/>
+          </a:prstGeom>
+          <a:noFill/>
+        </p:spPr>
+        <p:txBody>
+          <a:bodyPr wrap="none" rtlCol="0">
+            <a:spAutoFit/>
+          </a:bodyPr>
+          <a:lstStyle/>
+          <a:p>
+            <a:r>
+              <a:rPr lang="ru-RU" sz="2800" dirty="0">
+                <a:solidFill>
+                  <a:schemeClr val="accent1">
+                    <a:lumMod val="50000"/>
+                  </a:schemeClr>
+                </a:solidFill>
+                <a:latin typeface="Calibri" panose="020F0502020204030204" pitchFamily="34" charset="0"/>
+                <a:ea typeface="Calibri" panose="020F0502020204030204" pitchFamily="34" charset="0"/>
+                <a:cs typeface="Times New Roman" panose="02020603050405020304" pitchFamily="18" charset="0"/>
+              </a:rPr>
+              <a:t>Идея: </a:t>
+            </a:r>
+            <a:r>
+              <a:rPr lang="ru-RU" sz="2800" dirty="0" smtClean="0">
+                <a:solidFill>
+                  <a:schemeClr val="accent1">
+                    <a:lumMod val="50000"/>
+                  </a:schemeClr>
+                </a:solidFill>
+                <a:latin typeface="Calibri" panose="020F0502020204030204" pitchFamily="34" charset="0"/>
+                <a:ea typeface="Calibri" panose="020F0502020204030204" pitchFamily="34" charset="0"/>
+                <a:cs typeface="Times New Roman" panose="02020603050405020304" pitchFamily="18" charset="0"/>
+              </a:rPr>
+              <a:t>Перебираем варианты нумерации</a:t>
+            </a:r>
+          </a:p>
+          <a:p>
+            <a:r>
+              <a:rPr lang="ru-RU" sz="2800" dirty="0">
+                <a:solidFill>
+                  <a:schemeClr val="accent1">
+                    <a:lumMod val="50000"/>
+                  </a:schemeClr>
+                </a:solidFill>
+                <a:latin typeface="Calibri" panose="020F0502020204030204" pitchFamily="34" charset="0"/>
+                <a:ea typeface="Calibri" panose="020F0502020204030204" pitchFamily="34" charset="0"/>
+                <a:cs typeface="Times New Roman" panose="02020603050405020304" pitchFamily="18" charset="0"/>
+              </a:rPr>
+              <a:t>д</a:t>
+            </a:r>
+            <a:r>
+              <a:rPr lang="ru-RU" sz="2800" dirty="0" smtClean="0">
+                <a:solidFill>
+                  <a:schemeClr val="accent1">
+                    <a:lumMod val="50000"/>
+                  </a:schemeClr>
+                </a:solidFill>
+                <a:latin typeface="Calibri" panose="020F0502020204030204" pitchFamily="34" charset="0"/>
+                <a:ea typeface="Calibri" panose="020F0502020204030204" pitchFamily="34" charset="0"/>
+                <a:cs typeface="Times New Roman" panose="02020603050405020304" pitchFamily="18" charset="0"/>
+              </a:rPr>
+              <a:t>ля неоднозначных случаев</a:t>
+            </a:r>
+            <a:endParaRPr lang="ru-RU" sz="2800" dirty="0">
+              <a:solidFill>
+                <a:schemeClr val="accent1">
+                  <a:lumMod val="50000"/>
+                </a:schemeClr>
+              </a:solidFill>
+              <a:latin typeface="Calibri" panose="020F0502020204030204" pitchFamily="34" charset="0"/>
+              <a:ea typeface="Calibri" panose="020F0502020204030204" pitchFamily="34" charset="0"/>
+              <a:cs typeface="Times New Roman" panose="02020603050405020304" pitchFamily="18" charset="0"/>
+            </a:endParaRPr>
+          </a:p>
+        </p:txBody>
+      </p:sp>
     </p:spTree>
     <p:extLst>
       <p:ext uri="{BB962C8B-B14F-4D97-AF65-F5344CB8AC3E}">
@@ -10985,6 +11768,267 @@
 </file>
 
 <file path=ppt/slides/slide31.xml><?xml version="1.0" encoding="utf-8"?>
+<p:sld xmlns:a="http://schemas.openxmlformats.org/drawingml/2006/main" xmlns:r="http://schemas.openxmlformats.org/officeDocument/2006/relationships" xmlns:p="http://schemas.openxmlformats.org/presentationml/2006/main">
+  <p:cSld>
+    <p:spTree>
+      <p:nvGrpSpPr>
+        <p:cNvPr id="1" name=""/>
+        <p:cNvGrpSpPr/>
+        <p:nvPr/>
+      </p:nvGrpSpPr>
+      <p:grpSpPr>
+        <a:xfrm>
+          <a:off x="0" y="0"/>
+          <a:ext cx="0" cy="0"/>
+          <a:chOff x="0" y="0"/>
+          <a:chExt cx="0" cy="0"/>
+        </a:xfrm>
+      </p:grpSpPr>
+      <p:pic>
+        <p:nvPicPr>
+          <p:cNvPr id="3" name="Рисунок 2"/>
+          <p:cNvPicPr>
+            <a:picLocks noChangeAspect="1"/>
+          </p:cNvPicPr>
+          <p:nvPr/>
+        </p:nvPicPr>
+        <p:blipFill>
+          <a:blip r:embed="rId2"/>
+          <a:stretch>
+            <a:fillRect/>
+          </a:stretch>
+        </p:blipFill>
+        <p:spPr>
+          <a:xfrm>
+            <a:off x="6323457" y="622980"/>
+            <a:ext cx="5086350" cy="5800725"/>
+          </a:xfrm>
+          <a:prstGeom prst="rect">
+            <a:avLst/>
+          </a:prstGeom>
+        </p:spPr>
+      </p:pic>
+      <p:sp>
+        <p:nvSpPr>
+          <p:cNvPr id="7" name="Прямоугольник 1"/>
+          <p:cNvSpPr/>
+          <p:nvPr/>
+        </p:nvSpPr>
+        <p:spPr>
+          <a:xfrm>
+            <a:off x="517554" y="1886349"/>
+            <a:ext cx="5097434" cy="4832092"/>
+          </a:xfrm>
+          <a:prstGeom prst="rect">
+            <a:avLst/>
+          </a:prstGeom>
+        </p:spPr>
+        <p:txBody>
+          <a:bodyPr wrap="square">
+            <a:spAutoFit/>
+          </a:bodyPr>
+          <a:lstStyle/>
+          <a:p>
+            <a:r>
+              <a:rPr lang="ru-RU" sz="2800" dirty="0" smtClean="0">
+                <a:solidFill>
+                  <a:schemeClr val="accent1">
+                    <a:lumMod val="50000"/>
+                  </a:schemeClr>
+                </a:solidFill>
+                <a:latin typeface="Calibri" panose="020F0502020204030204" pitchFamily="34" charset="0"/>
+                <a:ea typeface="Calibri" panose="020F0502020204030204" pitchFamily="34" charset="0"/>
+                <a:cs typeface="Times New Roman" panose="02020603050405020304" pitchFamily="18" charset="0"/>
+              </a:rPr>
+              <a:t>Шаг 4</a:t>
+            </a:r>
+            <a:endParaRPr lang="ru-RU" sz="2800" dirty="0" smtClean="0">
+              <a:latin typeface="Calibri" panose="020F0502020204030204" pitchFamily="34" charset="0"/>
+              <a:ea typeface="Calibri" panose="020F0502020204030204" pitchFamily="34" charset="0"/>
+              <a:cs typeface="Times New Roman" panose="02020603050405020304" pitchFamily="18" charset="0"/>
+            </a:endParaRPr>
+          </a:p>
+          <a:p>
+            <a:pPr marL="457200" indent="-457200">
+              <a:buFont typeface="Arial" panose="020B0604020202020204" pitchFamily="34" charset="0"/>
+              <a:buChar char="•"/>
+            </a:pPr>
+            <a:r>
+              <a:rPr lang="ru-RU" sz="2800" dirty="0" smtClean="0">
+                <a:latin typeface="Calibri" panose="020F0502020204030204" pitchFamily="34" charset="0"/>
+                <a:ea typeface="Calibri" panose="020F0502020204030204" pitchFamily="34" charset="0"/>
+                <a:cs typeface="Times New Roman" panose="02020603050405020304" pitchFamily="18" charset="0"/>
+              </a:rPr>
+              <a:t>Если </a:t>
+            </a:r>
+            <a:r>
+              <a:rPr lang="ru-RU" sz="2800" dirty="0" smtClean="0"/>
+              <a:t>не </a:t>
+            </a:r>
+            <a:r>
+              <a:rPr lang="ru-RU" sz="2800" dirty="0"/>
+              <a:t>удалось </a:t>
+            </a:r>
+            <a:r>
+              <a:rPr lang="ru-RU" sz="2800" dirty="0" smtClean="0"/>
+              <a:t>пронумеровать, то:</a:t>
+            </a:r>
+          </a:p>
+          <a:p>
+            <a:pPr marL="914400" lvl="1" indent="-457200">
+              <a:buFont typeface="Arial" panose="020B0604020202020204" pitchFamily="34" charset="0"/>
+              <a:buChar char="•"/>
+            </a:pPr>
+            <a:r>
+              <a:rPr lang="ru-RU" sz="2800" dirty="0" smtClean="0"/>
+              <a:t>Возвращаемся к предыдущему неоднозначному случаю</a:t>
+            </a:r>
+          </a:p>
+          <a:p>
+            <a:pPr marL="914400" lvl="1" indent="-457200">
+              <a:buFont typeface="Arial" panose="020B0604020202020204" pitchFamily="34" charset="0"/>
+              <a:buChar char="•"/>
+            </a:pPr>
+            <a:r>
+              <a:rPr lang="ru-RU" sz="2800" dirty="0" smtClean="0"/>
+              <a:t>Меняем </a:t>
+            </a:r>
+            <a:r>
+              <a:rPr lang="ru-RU" sz="2800" dirty="0"/>
+              <a:t>индекс </a:t>
+            </a:r>
+            <a:r>
+              <a:rPr lang="ru-RU" sz="2800" dirty="0" smtClean="0"/>
+              <a:t>на следующий возможный</a:t>
+            </a:r>
+          </a:p>
+          <a:p>
+            <a:pPr marL="914400" lvl="1" indent="-457200">
+              <a:buFont typeface="Arial" panose="020B0604020202020204" pitchFamily="34" charset="0"/>
+              <a:buChar char="•"/>
+            </a:pPr>
+            <a:r>
+              <a:rPr lang="ru-RU" sz="2800" dirty="0" smtClean="0"/>
+              <a:t>Запускаем дальнейшую нумерацию</a:t>
+            </a:r>
+            <a:endParaRPr lang="ru-RU" sz="2800" dirty="0"/>
+          </a:p>
+          <a:p>
+            <a:pPr lvl="0"/>
+            <a:endParaRPr lang="ru-RU" sz="2800" dirty="0"/>
+          </a:p>
+        </p:txBody>
+      </p:sp>
+      <p:sp>
+        <p:nvSpPr>
+          <p:cNvPr id="8" name="TextBox 7"/>
+          <p:cNvSpPr txBox="1"/>
+          <p:nvPr/>
+        </p:nvSpPr>
+        <p:spPr>
+          <a:xfrm>
+            <a:off x="517554" y="622980"/>
+            <a:ext cx="6415795" cy="954107"/>
+          </a:xfrm>
+          <a:prstGeom prst="rect">
+            <a:avLst/>
+          </a:prstGeom>
+          <a:noFill/>
+        </p:spPr>
+        <p:txBody>
+          <a:bodyPr wrap="none" rtlCol="0">
+            <a:spAutoFit/>
+          </a:bodyPr>
+          <a:lstStyle/>
+          <a:p>
+            <a:r>
+              <a:rPr lang="ru-RU" sz="2800" dirty="0">
+                <a:solidFill>
+                  <a:schemeClr val="accent1">
+                    <a:lumMod val="50000"/>
+                  </a:schemeClr>
+                </a:solidFill>
+                <a:latin typeface="Calibri" panose="020F0502020204030204" pitchFamily="34" charset="0"/>
+                <a:ea typeface="Calibri" panose="020F0502020204030204" pitchFamily="34" charset="0"/>
+                <a:cs typeface="Times New Roman" panose="02020603050405020304" pitchFamily="18" charset="0"/>
+              </a:rPr>
+              <a:t>Идея: </a:t>
+            </a:r>
+            <a:r>
+              <a:rPr lang="ru-RU" sz="2800" dirty="0" smtClean="0">
+                <a:solidFill>
+                  <a:schemeClr val="accent1">
+                    <a:lumMod val="50000"/>
+                  </a:schemeClr>
+                </a:solidFill>
+                <a:latin typeface="Calibri" panose="020F0502020204030204" pitchFamily="34" charset="0"/>
+                <a:ea typeface="Calibri" panose="020F0502020204030204" pitchFamily="34" charset="0"/>
+                <a:cs typeface="Times New Roman" panose="02020603050405020304" pitchFamily="18" charset="0"/>
+              </a:rPr>
+              <a:t>Перебираем варианты нумерации</a:t>
+            </a:r>
+          </a:p>
+          <a:p>
+            <a:r>
+              <a:rPr lang="ru-RU" sz="2800" dirty="0">
+                <a:solidFill>
+                  <a:schemeClr val="accent1">
+                    <a:lumMod val="50000"/>
+                  </a:schemeClr>
+                </a:solidFill>
+                <a:latin typeface="Calibri" panose="020F0502020204030204" pitchFamily="34" charset="0"/>
+                <a:ea typeface="Calibri" panose="020F0502020204030204" pitchFamily="34" charset="0"/>
+                <a:cs typeface="Times New Roman" panose="02020603050405020304" pitchFamily="18" charset="0"/>
+              </a:rPr>
+              <a:t>д</a:t>
+            </a:r>
+            <a:r>
+              <a:rPr lang="ru-RU" sz="2800" dirty="0" smtClean="0">
+                <a:solidFill>
+                  <a:schemeClr val="accent1">
+                    <a:lumMod val="50000"/>
+                  </a:schemeClr>
+                </a:solidFill>
+                <a:latin typeface="Calibri" panose="020F0502020204030204" pitchFamily="34" charset="0"/>
+                <a:ea typeface="Calibri" panose="020F0502020204030204" pitchFamily="34" charset="0"/>
+                <a:cs typeface="Times New Roman" panose="02020603050405020304" pitchFamily="18" charset="0"/>
+              </a:rPr>
+              <a:t>ля неоднозначных случаев</a:t>
+            </a:r>
+            <a:endParaRPr lang="ru-RU" sz="2800" dirty="0">
+              <a:solidFill>
+                <a:schemeClr val="accent1">
+                  <a:lumMod val="50000"/>
+                </a:schemeClr>
+              </a:solidFill>
+              <a:latin typeface="Calibri" panose="020F0502020204030204" pitchFamily="34" charset="0"/>
+              <a:ea typeface="Calibri" panose="020F0502020204030204" pitchFamily="34" charset="0"/>
+              <a:cs typeface="Times New Roman" panose="02020603050405020304" pitchFamily="18" charset="0"/>
+            </a:endParaRPr>
+          </a:p>
+        </p:txBody>
+      </p:sp>
+    </p:spTree>
+    <p:extLst>
+      <p:ext uri="{BB962C8B-B14F-4D97-AF65-F5344CB8AC3E}">
+        <p14:creationId xmlns:p14="http://schemas.microsoft.com/office/powerpoint/2010/main" val="1153994347"/>
+      </p:ext>
+    </p:extLst>
+  </p:cSld>
+  <p:clrMapOvr>
+    <a:masterClrMapping/>
+  </p:clrMapOvr>
+  <p:timing>
+    <p:tnLst>
+      <p:par>
+        <p:cTn id="1" dur="indefinite" restart="never" nodeType="tmRoot"/>
+      </p:par>
+    </p:tnLst>
+  </p:timing>
+</p:sld>
+</file>
+
+<file path=ppt/slides/slide32.xml><?xml version="1.0" encoding="utf-8"?>
 <p:sld xmlns:a="http://schemas.openxmlformats.org/drawingml/2006/main" xmlns:r="http://schemas.openxmlformats.org/officeDocument/2006/relationships" xmlns:p="http://schemas.openxmlformats.org/presentationml/2006/main">
   <p:cSld>
     <p:spTree>
@@ -11083,7 +12127,7 @@
 </p:sld>
 </file>
 
-<file path=ppt/slides/slide32.xml><?xml version="1.0" encoding="utf-8"?>
+<file path=ppt/slides/slide33.xml><?xml version="1.0" encoding="utf-8"?>
 <p:sld xmlns:a="http://schemas.openxmlformats.org/drawingml/2006/main" xmlns:r="http://schemas.openxmlformats.org/officeDocument/2006/relationships" xmlns:p="http://schemas.openxmlformats.org/presentationml/2006/main">
   <p:cSld>
     <p:spTree>
@@ -11302,7 +12346,7 @@
 </p:sld>
 </file>
 
-<file path=ppt/slides/slide33.xml><?xml version="1.0" encoding="utf-8"?>
+<file path=ppt/slides/slide34.xml><?xml version="1.0" encoding="utf-8"?>
 <p:sld xmlns:a="http://schemas.openxmlformats.org/drawingml/2006/main" xmlns:r="http://schemas.openxmlformats.org/officeDocument/2006/relationships" xmlns:p="http://schemas.openxmlformats.org/presentationml/2006/main">
   <p:cSld>
     <p:spTree>
@@ -11461,7 +12505,7 @@
 </p:sld>
 </file>
 
-<file path=ppt/slides/slide34.xml><?xml version="1.0" encoding="utf-8"?>
+<file path=ppt/slides/slide35.xml><?xml version="1.0" encoding="utf-8"?>
 <p:sld xmlns:a="http://schemas.openxmlformats.org/drawingml/2006/main" xmlns:r="http://schemas.openxmlformats.org/officeDocument/2006/relationships" xmlns:p="http://schemas.openxmlformats.org/presentationml/2006/main">
   <p:cSld>
     <p:spTree>
@@ -11620,7 +12664,7 @@
 </p:sld>
 </file>
 
-<file path=ppt/slides/slide35.xml><?xml version="1.0" encoding="utf-8"?>
+<file path=ppt/slides/slide36.xml><?xml version="1.0" encoding="utf-8"?>
 <p:sld xmlns:a="http://schemas.openxmlformats.org/drawingml/2006/main" xmlns:r="http://schemas.openxmlformats.org/officeDocument/2006/relationships" xmlns:p="http://schemas.openxmlformats.org/presentationml/2006/main">
   <p:cSld>
     <p:spTree>
@@ -11773,7 +12817,7 @@
 </p:sld>
 </file>
 
-<file path=ppt/slides/slide36.xml><?xml version="1.0" encoding="utf-8"?>
+<file path=ppt/slides/slide37.xml><?xml version="1.0" encoding="utf-8"?>
 <p:sld xmlns:a="http://schemas.openxmlformats.org/drawingml/2006/main" xmlns:r="http://schemas.openxmlformats.org/officeDocument/2006/relationships" xmlns:p="http://schemas.openxmlformats.org/presentationml/2006/main">
   <p:cSld>
     <p:spTree>
@@ -11926,7 +12970,7 @@
 </p:sld>
 </file>
 
-<file path=ppt/slides/slide37.xml><?xml version="1.0" encoding="utf-8"?>
+<file path=ppt/slides/slide38.xml><?xml version="1.0" encoding="utf-8"?>
 <p:sld xmlns:a="http://schemas.openxmlformats.org/drawingml/2006/main" xmlns:r="http://schemas.openxmlformats.org/officeDocument/2006/relationships" xmlns:p="http://schemas.openxmlformats.org/presentationml/2006/main">
   <p:cSld>
     <p:spTree>
@@ -15380,7 +16424,7 @@
 </p:sld>
 </file>
 
-<file path=ppt/slides/slide38.xml><?xml version="1.0" encoding="utf-8"?>
+<file path=ppt/slides/slide39.xml><?xml version="1.0" encoding="utf-8"?>
 <p:sld xmlns:a="http://schemas.openxmlformats.org/drawingml/2006/main" xmlns:r="http://schemas.openxmlformats.org/officeDocument/2006/relationships" xmlns:p="http://schemas.openxmlformats.org/presentationml/2006/main">
   <p:cSld>
     <p:spTree>
@@ -19870,105 +20914,6 @@
     <p:extLst>
       <p:ext uri="{BB962C8B-B14F-4D97-AF65-F5344CB8AC3E}">
         <p14:creationId xmlns:p14="http://schemas.microsoft.com/office/powerpoint/2010/main" val="3123212971"/>
-      </p:ext>
-    </p:extLst>
-  </p:cSld>
-  <p:clrMapOvr>
-    <a:masterClrMapping/>
-  </p:clrMapOvr>
-  <p:timing>
-    <p:tnLst>
-      <p:par>
-        <p:cTn id="1" dur="indefinite" restart="never" nodeType="tmRoot"/>
-      </p:par>
-    </p:tnLst>
-  </p:timing>
-</p:sld>
-</file>
-
-<file path=ppt/slides/slide39.xml><?xml version="1.0" encoding="utf-8"?>
-<p:sld xmlns:a="http://schemas.openxmlformats.org/drawingml/2006/main" xmlns:r="http://schemas.openxmlformats.org/officeDocument/2006/relationships" xmlns:p="http://schemas.openxmlformats.org/presentationml/2006/main">
-  <p:cSld>
-    <p:spTree>
-      <p:nvGrpSpPr>
-        <p:cNvPr id="1" name=""/>
-        <p:cNvGrpSpPr/>
-        <p:nvPr/>
-      </p:nvGrpSpPr>
-      <p:grpSpPr>
-        <a:xfrm>
-          <a:off x="0" y="0"/>
-          <a:ext cx="0" cy="0"/>
-          <a:chOff x="0" y="0"/>
-          <a:chExt cx="0" cy="0"/>
-        </a:xfrm>
-      </p:grpSpPr>
-      <p:sp>
-        <p:nvSpPr>
-          <p:cNvPr id="2" name="Заголовок 1"/>
-          <p:cNvSpPr txBox="1">
-            <a:spLocks/>
-          </p:cNvSpPr>
-          <p:nvPr/>
-        </p:nvSpPr>
-        <p:spPr>
-          <a:xfrm>
-            <a:off x="1" y="970683"/>
-            <a:ext cx="12087224" cy="4544292"/>
-          </a:xfrm>
-          <a:prstGeom prst="rect">
-            <a:avLst/>
-          </a:prstGeom>
-        </p:spPr>
-        <p:txBody>
-          <a:bodyPr vert="horz" lIns="91440" tIns="45720" rIns="91440" bIns="45720" rtlCol="0" anchor="ctr">
-            <a:noAutofit/>
-          </a:bodyPr>
-          <a:lstStyle>
-            <a:lvl1pPr algn="l" defTabSz="914400" rtl="0" eaLnBrk="1" latinLnBrk="0" hangingPunct="1">
-              <a:lnSpc>
-                <a:spcPct val="90000"/>
-              </a:lnSpc>
-              <a:spcBef>
-                <a:spcPct val="0"/>
-              </a:spcBef>
-              <a:buNone/>
-              <a:defRPr sz="4400" kern="1200">
-                <a:solidFill>
-                  <a:schemeClr val="tx1"/>
-                </a:solidFill>
-                <a:latin typeface="+mj-lt"/>
-                <a:ea typeface="+mj-ea"/>
-                <a:cs typeface="+mj-cs"/>
-              </a:defRPr>
-            </a:lvl1pPr>
-          </a:lstStyle>
-          <a:p>
-            <a:pPr algn="ctr"/>
-            <a:r>
-              <a:rPr lang="ru-RU" sz="7200" dirty="0" smtClean="0">
-                <a:solidFill>
-                  <a:schemeClr val="accent1">
-                    <a:lumMod val="50000"/>
-                  </a:schemeClr>
-                </a:solidFill>
-              </a:rPr>
-              <a:t>Характеристики приложения</a:t>
-            </a:r>
-            <a:endParaRPr lang="ru-RU" sz="7200" dirty="0">
-              <a:solidFill>
-                <a:schemeClr val="accent1">
-                  <a:lumMod val="50000"/>
-                </a:schemeClr>
-              </a:solidFill>
-            </a:endParaRPr>
-          </a:p>
-        </p:txBody>
-      </p:sp>
-    </p:spTree>
-    <p:extLst>
-      <p:ext uri="{BB962C8B-B14F-4D97-AF65-F5344CB8AC3E}">
-        <p14:creationId xmlns:p14="http://schemas.microsoft.com/office/powerpoint/2010/main" val="2398216839"/>
       </p:ext>
     </p:extLst>
   </p:cSld>
@@ -20091,6 +21036,105 @@
       </p:grpSpPr>
       <p:sp>
         <p:nvSpPr>
+          <p:cNvPr id="2" name="Заголовок 1"/>
+          <p:cNvSpPr txBox="1">
+            <a:spLocks/>
+          </p:cNvSpPr>
+          <p:nvPr/>
+        </p:nvSpPr>
+        <p:spPr>
+          <a:xfrm>
+            <a:off x="1" y="970683"/>
+            <a:ext cx="12087224" cy="4544292"/>
+          </a:xfrm>
+          <a:prstGeom prst="rect">
+            <a:avLst/>
+          </a:prstGeom>
+        </p:spPr>
+        <p:txBody>
+          <a:bodyPr vert="horz" lIns="91440" tIns="45720" rIns="91440" bIns="45720" rtlCol="0" anchor="ctr">
+            <a:noAutofit/>
+          </a:bodyPr>
+          <a:lstStyle>
+            <a:lvl1pPr algn="l" defTabSz="914400" rtl="0" eaLnBrk="1" latinLnBrk="0" hangingPunct="1">
+              <a:lnSpc>
+                <a:spcPct val="90000"/>
+              </a:lnSpc>
+              <a:spcBef>
+                <a:spcPct val="0"/>
+              </a:spcBef>
+              <a:buNone/>
+              <a:defRPr sz="4400" kern="1200">
+                <a:solidFill>
+                  <a:schemeClr val="tx1"/>
+                </a:solidFill>
+                <a:latin typeface="+mj-lt"/>
+                <a:ea typeface="+mj-ea"/>
+                <a:cs typeface="+mj-cs"/>
+              </a:defRPr>
+            </a:lvl1pPr>
+          </a:lstStyle>
+          <a:p>
+            <a:pPr algn="ctr"/>
+            <a:r>
+              <a:rPr lang="ru-RU" sz="7200" dirty="0" smtClean="0">
+                <a:solidFill>
+                  <a:schemeClr val="accent1">
+                    <a:lumMod val="50000"/>
+                  </a:schemeClr>
+                </a:solidFill>
+              </a:rPr>
+              <a:t>Характеристики приложения</a:t>
+            </a:r>
+            <a:endParaRPr lang="ru-RU" sz="7200" dirty="0">
+              <a:solidFill>
+                <a:schemeClr val="accent1">
+                  <a:lumMod val="50000"/>
+                </a:schemeClr>
+              </a:solidFill>
+            </a:endParaRPr>
+          </a:p>
+        </p:txBody>
+      </p:sp>
+    </p:spTree>
+    <p:extLst>
+      <p:ext uri="{BB962C8B-B14F-4D97-AF65-F5344CB8AC3E}">
+        <p14:creationId xmlns:p14="http://schemas.microsoft.com/office/powerpoint/2010/main" val="2398216839"/>
+      </p:ext>
+    </p:extLst>
+  </p:cSld>
+  <p:clrMapOvr>
+    <a:masterClrMapping/>
+  </p:clrMapOvr>
+  <p:timing>
+    <p:tnLst>
+      <p:par>
+        <p:cTn id="1" dur="indefinite" restart="never" nodeType="tmRoot"/>
+      </p:par>
+    </p:tnLst>
+  </p:timing>
+</p:sld>
+</file>
+
+<file path=ppt/slides/slide41.xml><?xml version="1.0" encoding="utf-8"?>
+<p:sld xmlns:a="http://schemas.openxmlformats.org/drawingml/2006/main" xmlns:r="http://schemas.openxmlformats.org/officeDocument/2006/relationships" xmlns:p="http://schemas.openxmlformats.org/presentationml/2006/main">
+  <p:cSld>
+    <p:spTree>
+      <p:nvGrpSpPr>
+        <p:cNvPr id="1" name=""/>
+        <p:cNvGrpSpPr/>
+        <p:nvPr/>
+      </p:nvGrpSpPr>
+      <p:grpSpPr>
+        <a:xfrm>
+          <a:off x="0" y="0"/>
+          <a:ext cx="0" cy="0"/>
+          <a:chOff x="0" y="0"/>
+          <a:chExt cx="0" cy="0"/>
+        </a:xfrm>
+      </p:grpSpPr>
+      <p:sp>
+        <p:nvSpPr>
           <p:cNvPr id="4" name="Прямоугольник 3"/>
           <p:cNvSpPr/>
           <p:nvPr/>
@@ -20287,7 +21331,7 @@
 </p:sld>
 </file>
 
-<file path=ppt/slides/slide41.xml><?xml version="1.0" encoding="utf-8"?>
+<file path=ppt/slides/slide42.xml><?xml version="1.0" encoding="utf-8"?>
 <p:sld xmlns:a="http://schemas.openxmlformats.org/drawingml/2006/main" xmlns:r="http://schemas.openxmlformats.org/officeDocument/2006/relationships" xmlns:p="http://schemas.openxmlformats.org/presentationml/2006/main">
   <p:cSld>
     <p:spTree>
@@ -20386,7 +21430,7 @@
 </p:sld>
 </file>
 
-<file path=ppt/slides/slide42.xml><?xml version="1.0" encoding="utf-8"?>
+<file path=ppt/slides/slide43.xml><?xml version="1.0" encoding="utf-8"?>
 <p:sld xmlns:a="http://schemas.openxmlformats.org/drawingml/2006/main" xmlns:r="http://schemas.openxmlformats.org/officeDocument/2006/relationships" xmlns:p="http://schemas.openxmlformats.org/presentationml/2006/main">
   <p:cSld>
     <p:spTree>
@@ -20423,7 +21467,7 @@
 </p:sld>
 </file>
 
-<file path=ppt/slides/slide43.xml><?xml version="1.0" encoding="utf-8"?>
+<file path=ppt/slides/slide44.xml><?xml version="1.0" encoding="utf-8"?>
 <p:sld xmlns:a="http://schemas.openxmlformats.org/drawingml/2006/main" xmlns:r="http://schemas.openxmlformats.org/officeDocument/2006/relationships" xmlns:p="http://schemas.openxmlformats.org/presentationml/2006/main">
   <p:cSld>
     <p:spTree>

--- a/docs/Презентация v0.8.1.pptx
+++ b/docs/Презентация v0.8.1.pptx
@@ -4675,11 +4675,7 @@
             </a:pPr>
             <a:r>
               <a:rPr lang="ru-RU" sz="2800" dirty="0" smtClean="0"/>
-              <a:t>Индексы регулярной сетки </a:t>
-            </a:r>
-            <a:r>
-              <a:rPr lang="ru-RU" sz="2800" dirty="0" smtClean="0"/>
-              <a:t>определенной размерности</a:t>
+              <a:t>Индексы регулярной сетки определенной размерности</a:t>
             </a:r>
           </a:p>
           <a:p>
@@ -8594,16 +8590,6 @@
               </a:rPr>
               <a:t>Идея: Проверить, что граф - линейный</a:t>
             </a:r>
-            <a:endParaRPr lang="ru-RU" sz="2800" dirty="0">
-              <a:solidFill>
-                <a:schemeClr val="accent1">
-                  <a:lumMod val="50000"/>
-                </a:schemeClr>
-              </a:solidFill>
-              <a:latin typeface="Calibri" panose="020F0502020204030204" pitchFamily="34" charset="0"/>
-              <a:ea typeface="Calibri" panose="020F0502020204030204" pitchFamily="34" charset="0"/>
-              <a:cs typeface="Times New Roman" panose="02020603050405020304" pitchFamily="18" charset="0"/>
-            </a:endParaRPr>
           </a:p>
         </p:txBody>
       </p:sp>
@@ -9227,20 +9213,7 @@
                 <a:ea typeface="Calibri" panose="020F0502020204030204" pitchFamily="34" charset="0"/>
                 <a:cs typeface="Times New Roman" panose="02020603050405020304" pitchFamily="18" charset="0"/>
               </a:rPr>
-              <a:t>Шаг </a:t>
-            </a:r>
-            <a:r>
-              <a:rPr lang="ru-RU" sz="2800" dirty="0" smtClean="0">
-                <a:solidFill>
-                  <a:schemeClr val="accent1">
-                    <a:lumMod val="50000"/>
-                  </a:schemeClr>
-                </a:solidFill>
-                <a:latin typeface="Calibri" panose="020F0502020204030204" pitchFamily="34" charset="0"/>
-                <a:ea typeface="Calibri" panose="020F0502020204030204" pitchFamily="34" charset="0"/>
-                <a:cs typeface="Times New Roman" panose="02020603050405020304" pitchFamily="18" charset="0"/>
-              </a:rPr>
-              <a:t>2</a:t>
+              <a:t>Шаг 2</a:t>
             </a:r>
             <a:endParaRPr lang="ru-RU" sz="2800" dirty="0" smtClean="0">
               <a:latin typeface="Calibri" panose="020F0502020204030204" pitchFamily="34" charset="0"/>
@@ -9261,14 +9234,7 @@
                 <a:ea typeface="Calibri" panose="020F0502020204030204" pitchFamily="34" charset="0"/>
                 <a:cs typeface="Times New Roman" panose="02020603050405020304" pitchFamily="18" charset="0"/>
               </a:rPr>
-              <a:t>Нумеруем </a:t>
-            </a:r>
-            <a:r>
-              <a:rPr lang="ru-RU" sz="2800" dirty="0" smtClean="0">
-                <a:ea typeface="Calibri" panose="020F0502020204030204" pitchFamily="34" charset="0"/>
-                <a:cs typeface="Times New Roman" panose="02020603050405020304" pitchFamily="18" charset="0"/>
-              </a:rPr>
-              <a:t>смежные вершины </a:t>
+              <a:t>Нумеруем смежные вершины </a:t>
             </a:r>
             <a:r>
               <a:rPr lang="ru-RU" sz="2800" i="1" dirty="0" smtClean="0">
@@ -9364,14 +9330,7 @@
                 <a:ea typeface="Calibri" panose="020F0502020204030204" pitchFamily="34" charset="0"/>
                 <a:cs typeface="Times New Roman" panose="02020603050405020304" pitchFamily="18" charset="0"/>
               </a:rPr>
-              <a:t> </a:t>
-            </a:r>
-            <a:r>
-              <a:rPr lang="en-US" sz="2800" dirty="0" smtClean="0">
-                <a:ea typeface="Calibri" panose="020F0502020204030204" pitchFamily="34" charset="0"/>
-                <a:cs typeface="Times New Roman" panose="02020603050405020304" pitchFamily="18" charset="0"/>
-              </a:rPr>
-              <a:t>24</a:t>
+              <a:t> 24</a:t>
             </a:r>
             <a:r>
               <a:rPr lang="ru-RU" sz="2800" dirty="0" smtClean="0">
@@ -9599,20 +9558,7 @@
                 <a:ea typeface="Calibri" panose="020F0502020204030204" pitchFamily="34" charset="0"/>
                 <a:cs typeface="Times New Roman" panose="02020603050405020304" pitchFamily="18" charset="0"/>
               </a:rPr>
-              <a:t>Шаг </a:t>
-            </a:r>
-            <a:r>
-              <a:rPr lang="ru-RU" sz="2800" dirty="0" smtClean="0">
-                <a:solidFill>
-                  <a:schemeClr val="accent1">
-                    <a:lumMod val="50000"/>
-                  </a:schemeClr>
-                </a:solidFill>
-                <a:latin typeface="Calibri" panose="020F0502020204030204" pitchFamily="34" charset="0"/>
-                <a:ea typeface="Calibri" panose="020F0502020204030204" pitchFamily="34" charset="0"/>
-                <a:cs typeface="Times New Roman" panose="02020603050405020304" pitchFamily="18" charset="0"/>
-              </a:rPr>
-              <a:t>3</a:t>
+              <a:t>Шаг 3</a:t>
             </a:r>
             <a:endParaRPr lang="ru-RU" sz="2800" dirty="0" smtClean="0">
               <a:latin typeface="Calibri" panose="020F0502020204030204" pitchFamily="34" charset="0"/>
@@ -9872,20 +9818,7 @@
                 <a:ea typeface="Calibri" panose="020F0502020204030204" pitchFamily="34" charset="0"/>
                 <a:cs typeface="Times New Roman" panose="02020603050405020304" pitchFamily="18" charset="0"/>
               </a:rPr>
-              <a:t>Шаг </a:t>
-            </a:r>
-            <a:r>
-              <a:rPr lang="ru-RU" sz="2800" dirty="0" smtClean="0">
-                <a:solidFill>
-                  <a:schemeClr val="accent1">
-                    <a:lumMod val="50000"/>
-                  </a:schemeClr>
-                </a:solidFill>
-                <a:latin typeface="Calibri" panose="020F0502020204030204" pitchFamily="34" charset="0"/>
-                <a:ea typeface="Calibri" panose="020F0502020204030204" pitchFamily="34" charset="0"/>
-                <a:cs typeface="Times New Roman" panose="02020603050405020304" pitchFamily="18" charset="0"/>
-              </a:rPr>
-              <a:t>4</a:t>
+              <a:t>Шаг 4</a:t>
             </a:r>
             <a:endParaRPr lang="ru-RU" sz="2800" dirty="0" smtClean="0">
               <a:latin typeface="Calibri" panose="020F0502020204030204" pitchFamily="34" charset="0"/>
@@ -10150,7 +10083,20 @@
                 <a:ea typeface="Calibri" panose="020F0502020204030204" pitchFamily="34" charset="0"/>
                 <a:cs typeface="Times New Roman" panose="02020603050405020304" pitchFamily="18" charset="0"/>
               </a:rPr>
-              <a:t>Шаг 4</a:t>
+              <a:t>Шаг </a:t>
+            </a:r>
+            <a:r>
+              <a:rPr lang="ru-RU" sz="2800" dirty="0" smtClean="0">
+                <a:solidFill>
+                  <a:schemeClr val="accent1">
+                    <a:lumMod val="50000"/>
+                  </a:schemeClr>
+                </a:solidFill>
+                <a:latin typeface="Calibri" panose="020F0502020204030204" pitchFamily="34" charset="0"/>
+                <a:ea typeface="Calibri" panose="020F0502020204030204" pitchFamily="34" charset="0"/>
+                <a:cs typeface="Times New Roman" panose="02020603050405020304" pitchFamily="18" charset="0"/>
+              </a:rPr>
+              <a:t>5</a:t>
             </a:r>
             <a:endParaRPr lang="ru-RU" sz="2800" dirty="0" smtClean="0">
               <a:latin typeface="Calibri" panose="020F0502020204030204" pitchFamily="34" charset="0"/>
@@ -10689,11 +10635,7 @@
             </a:r>
             <a:r>
               <a:rPr lang="ru-RU" sz="2800" dirty="0" smtClean="0"/>
-              <a:t>– </a:t>
-            </a:r>
-            <a:r>
-              <a:rPr lang="ru-RU" sz="2800" dirty="0" smtClean="0"/>
-              <a:t>6</a:t>
+              <a:t>– 6</a:t>
             </a:r>
             <a:r>
               <a:rPr lang="en-US" sz="2800" dirty="0" smtClean="0"/>
@@ -10892,20 +10834,7 @@
                 <a:ea typeface="Calibri" panose="020F0502020204030204" pitchFamily="34" charset="0"/>
                 <a:cs typeface="Times New Roman" panose="02020603050405020304" pitchFamily="18" charset="0"/>
               </a:rPr>
-              <a:t>Шаг </a:t>
-            </a:r>
-            <a:r>
-              <a:rPr lang="ru-RU" sz="2800" dirty="0" smtClean="0">
-                <a:solidFill>
-                  <a:schemeClr val="accent1">
-                    <a:lumMod val="50000"/>
-                  </a:schemeClr>
-                </a:solidFill>
-                <a:latin typeface="Calibri" panose="020F0502020204030204" pitchFamily="34" charset="0"/>
-                <a:ea typeface="Calibri" panose="020F0502020204030204" pitchFamily="34" charset="0"/>
-                <a:cs typeface="Times New Roman" panose="02020603050405020304" pitchFamily="18" charset="0"/>
-              </a:rPr>
-              <a:t>2</a:t>
+              <a:t>Шаг 2</a:t>
             </a:r>
             <a:endParaRPr lang="ru-RU" sz="2800" dirty="0" smtClean="0">
               <a:latin typeface="Calibri" panose="020F0502020204030204" pitchFamily="34" charset="0"/>
@@ -10926,14 +10855,7 @@
                 <a:ea typeface="Calibri" panose="020F0502020204030204" pitchFamily="34" charset="0"/>
                 <a:cs typeface="Times New Roman" panose="02020603050405020304" pitchFamily="18" charset="0"/>
               </a:rPr>
-              <a:t>Нумеруем </a:t>
-            </a:r>
-            <a:r>
-              <a:rPr lang="ru-RU" sz="2800" dirty="0" smtClean="0">
-                <a:ea typeface="Calibri" panose="020F0502020204030204" pitchFamily="34" charset="0"/>
-                <a:cs typeface="Times New Roman" panose="02020603050405020304" pitchFamily="18" charset="0"/>
-              </a:rPr>
-              <a:t>смежные вершины </a:t>
+              <a:t>Нумеруем смежные вершины </a:t>
             </a:r>
             <a:r>
               <a:rPr lang="ru-RU" sz="2800" i="1" dirty="0" smtClean="0">
@@ -11238,20 +11160,7 @@
                 <a:ea typeface="Calibri" panose="020F0502020204030204" pitchFamily="34" charset="0"/>
                 <a:cs typeface="Times New Roman" panose="02020603050405020304" pitchFamily="18" charset="0"/>
               </a:rPr>
-              <a:t>Шаг </a:t>
-            </a:r>
-            <a:r>
-              <a:rPr lang="ru-RU" sz="2800" dirty="0" smtClean="0">
-                <a:solidFill>
-                  <a:schemeClr val="accent1">
-                    <a:lumMod val="50000"/>
-                  </a:schemeClr>
-                </a:solidFill>
-                <a:latin typeface="Calibri" panose="020F0502020204030204" pitchFamily="34" charset="0"/>
-                <a:ea typeface="Calibri" panose="020F0502020204030204" pitchFamily="34" charset="0"/>
-                <a:cs typeface="Times New Roman" panose="02020603050405020304" pitchFamily="18" charset="0"/>
-              </a:rPr>
-              <a:t>3</a:t>
+              <a:t>Шаг 3</a:t>
             </a:r>
             <a:endParaRPr lang="ru-RU" sz="2800" dirty="0" smtClean="0">
               <a:latin typeface="Calibri" panose="020F0502020204030204" pitchFamily="34" charset="0"/>
@@ -11580,20 +11489,7 @@
                 <a:ea typeface="Calibri" panose="020F0502020204030204" pitchFamily="34" charset="0"/>
                 <a:cs typeface="Times New Roman" panose="02020603050405020304" pitchFamily="18" charset="0"/>
               </a:rPr>
-              <a:t>Шаг </a:t>
-            </a:r>
-            <a:r>
-              <a:rPr lang="ru-RU" sz="2800" dirty="0" smtClean="0">
-                <a:solidFill>
-                  <a:schemeClr val="accent1">
-                    <a:lumMod val="50000"/>
-                  </a:schemeClr>
-                </a:solidFill>
-                <a:latin typeface="Calibri" panose="020F0502020204030204" pitchFamily="34" charset="0"/>
-                <a:ea typeface="Calibri" panose="020F0502020204030204" pitchFamily="34" charset="0"/>
-                <a:cs typeface="Times New Roman" panose="02020603050405020304" pitchFamily="18" charset="0"/>
-              </a:rPr>
-              <a:t>4</a:t>
+              <a:t>Шаг 4</a:t>
             </a:r>
             <a:endParaRPr lang="ru-RU" sz="2800" dirty="0" smtClean="0">
               <a:latin typeface="Calibri" panose="020F0502020204030204" pitchFamily="34" charset="0"/>
@@ -11840,7 +11736,20 @@
                 <a:ea typeface="Calibri" panose="020F0502020204030204" pitchFamily="34" charset="0"/>
                 <a:cs typeface="Times New Roman" panose="02020603050405020304" pitchFamily="18" charset="0"/>
               </a:rPr>
-              <a:t>Шаг 4</a:t>
+              <a:t>Шаг </a:t>
+            </a:r>
+            <a:r>
+              <a:rPr lang="ru-RU" sz="2800" dirty="0" smtClean="0">
+                <a:solidFill>
+                  <a:schemeClr val="accent1">
+                    <a:lumMod val="50000"/>
+                  </a:schemeClr>
+                </a:solidFill>
+                <a:latin typeface="Calibri" panose="020F0502020204030204" pitchFamily="34" charset="0"/>
+                <a:ea typeface="Calibri" panose="020F0502020204030204" pitchFamily="34" charset="0"/>
+                <a:cs typeface="Times New Roman" panose="02020603050405020304" pitchFamily="18" charset="0"/>
+              </a:rPr>
+              <a:t>5</a:t>
             </a:r>
             <a:endParaRPr lang="ru-RU" sz="2800" dirty="0" smtClean="0">
               <a:latin typeface="Calibri" panose="020F0502020204030204" pitchFamily="34" charset="0"/>

--- a/docs/Презентация v0.8.1.pptx
+++ b/docs/Презентация v0.8.1.pptx
@@ -12905,7 +12905,7 @@
           <p:nvPr>
             <p:extLst>
               <p:ext uri="{D42A27DB-BD31-4B8C-83A1-F6EECF244321}">
-                <p14:modId xmlns:p14="http://schemas.microsoft.com/office/powerpoint/2010/main" val="84437839"/>
+                <p14:modId xmlns:p14="http://schemas.microsoft.com/office/powerpoint/2010/main" val="468174769"/>
               </p:ext>
             </p:extLst>
           </p:nvPr>
@@ -13046,55 +13046,59 @@
                     <a:p>
                       <a:pPr algn="ctr" fontAlgn="b"/>
                       <a:r>
-                        <a:rPr lang="ru-RU" sz="1600" b="1" i="0" u="none" strike="noStrike" dirty="0">
+                        <a:rPr lang="ru-RU" sz="1600" b="1" i="0" u="none" strike="noStrike" dirty="0" smtClean="0">
                           <a:solidFill>
                             <a:schemeClr val="bg1"/>
                           </a:solidFill>
                           <a:effectLst/>
                           <a:latin typeface="Calibri" panose="020F0502020204030204" pitchFamily="34" charset="0"/>
                         </a:rPr>
-                        <a:t>Результат </a:t>
-                      </a:r>
-                      <a:r>
-                        <a:rPr lang="en-US" sz="1600" b="1" i="0" u="none" strike="noStrike" dirty="0">
+                        <a:t>Распознал граф</a:t>
+                      </a:r>
+                      <a:endParaRPr lang="en-US" sz="1600" b="1" i="0" u="none" strike="noStrike" dirty="0">
+                        <a:solidFill>
+                          <a:schemeClr val="bg1"/>
+                        </a:solidFill>
+                        <a:effectLst/>
+                        <a:latin typeface="Calibri" panose="020F0502020204030204" pitchFamily="34" charset="0"/>
+                      </a:endParaRPr>
+                    </a:p>
+                  </a:txBody>
+                  <a:tcPr marL="9525" marR="9525" marT="9525" marB="0" anchor="b"/>
+                </a:tc>
+                <a:tc>
+                  <a:txBody>
+                    <a:bodyPr/>
+                    <a:lstStyle/>
+                    <a:p>
+                      <a:pPr algn="ctr" fontAlgn="b"/>
+                      <a:r>
+                        <a:rPr lang="ru-RU" sz="1600" b="1" i="0" u="none" strike="noStrike" dirty="0" smtClean="0">
                           <a:solidFill>
                             <a:schemeClr val="bg1"/>
                           </a:solidFill>
                           <a:effectLst/>
                           <a:latin typeface="Calibri" panose="020F0502020204030204" pitchFamily="34" charset="0"/>
                         </a:rPr>
-                        <a:t>Validate</a:t>
-                      </a:r>
-                    </a:p>
-                  </a:txBody>
-                  <a:tcPr marL="9525" marR="9525" marT="9525" marB="0" anchor="b"/>
-                </a:tc>
-                <a:tc>
-                  <a:txBody>
-                    <a:bodyPr/>
-                    <a:lstStyle/>
-                    <a:p>
-                      <a:pPr algn="ctr" fontAlgn="b"/>
-                      <a:r>
-                        <a:rPr lang="ru-RU" sz="1600" b="1" i="0" u="none" strike="noStrike" dirty="0">
+                        <a:t>Построил</a:t>
+                      </a:r>
+                      <a:r>
+                        <a:rPr lang="ru-RU" sz="1600" b="1" i="0" u="none" strike="noStrike" baseline="0" dirty="0" smtClean="0">
                           <a:solidFill>
                             <a:schemeClr val="bg1"/>
                           </a:solidFill>
                           <a:effectLst/>
                           <a:latin typeface="Calibri" panose="020F0502020204030204" pitchFamily="34" charset="0"/>
                         </a:rPr>
-                        <a:t>Результат </a:t>
-                      </a:r>
-                      <a:r>
-                        <a:rPr lang="en-US" sz="1600" b="1" i="0" u="none" strike="noStrike" dirty="0">
-                          <a:solidFill>
-                            <a:schemeClr val="bg1"/>
-                          </a:solidFill>
-                          <a:effectLst/>
-                          <a:latin typeface="Calibri" panose="020F0502020204030204" pitchFamily="34" charset="0"/>
-                        </a:rPr>
-                        <a:t>Numerate</a:t>
-                      </a:r>
+                        <a:t> нумерацию</a:t>
+                      </a:r>
+                      <a:endParaRPr lang="en-US" sz="1600" b="1" i="0" u="none" strike="noStrike" dirty="0">
+                        <a:solidFill>
+                          <a:schemeClr val="bg1"/>
+                        </a:solidFill>
+                        <a:effectLst/>
+                        <a:latin typeface="Calibri" panose="020F0502020204030204" pitchFamily="34" charset="0"/>
+                      </a:endParaRPr>
                     </a:p>
                   </a:txBody>
                   <a:tcPr marL="9525" marR="9525" marT="9525" marB="0" anchor="b"/>
@@ -13211,7 +13215,7 @@
                     <a:bodyPr/>
                     <a:lstStyle/>
                     <a:p>
-                      <a:pPr algn="r" fontAlgn="b"/>
+                      <a:pPr algn="ctr" fontAlgn="b"/>
                       <a:r>
                         <a:rPr lang="ru-RU" sz="1200" b="0" i="0" u="none" strike="noStrike" dirty="0">
                           <a:solidFill>
@@ -13231,7 +13235,136 @@
                     <a:bodyPr/>
                     <a:lstStyle/>
                     <a:p>
-                      <a:pPr algn="r" fontAlgn="b"/>
+                      <a:pPr algn="ctr" fontAlgn="b"/>
+                      <a:r>
+                        <a:rPr lang="ru-RU" sz="1200" b="0" i="0" u="none" strike="noStrike" dirty="0">
+                          <a:solidFill>
+                            <a:srgbClr val="000000"/>
+                          </a:solidFill>
+                          <a:effectLst/>
+                          <a:latin typeface="Calibri" panose="020F0502020204030204" pitchFamily="34" charset="0"/>
+                        </a:rPr>
+                        <a:t>41</a:t>
+                      </a:r>
+                    </a:p>
+                  </a:txBody>
+                  <a:tcPr marL="9525" marR="9525" marT="9525" marB="0" anchor="b"/>
+                </a:tc>
+                <a:tc>
+                  <a:txBody>
+                    <a:bodyPr/>
+                    <a:lstStyle/>
+                    <a:p>
+                      <a:pPr algn="ctr" fontAlgn="b"/>
+                      <a:r>
+                        <a:rPr lang="ru-RU" sz="1200" b="0" i="0" u="none" strike="noStrike" dirty="0">
+                          <a:solidFill>
+                            <a:srgbClr val="000000"/>
+                          </a:solidFill>
+                          <a:effectLst/>
+                          <a:latin typeface="Calibri" panose="020F0502020204030204" pitchFamily="34" charset="0"/>
+                        </a:rPr>
+                        <a:t>ИСТИНА</a:t>
+                      </a:r>
+                    </a:p>
+                  </a:txBody>
+                  <a:tcPr marL="9525" marR="9525" marT="9525" marB="0" anchor="b">
+                    <a:solidFill>
+                      <a:schemeClr val="accent6"/>
+                    </a:solidFill>
+                  </a:tcPr>
+                </a:tc>
+                <a:tc>
+                  <a:txBody>
+                    <a:bodyPr/>
+                    <a:lstStyle/>
+                    <a:p>
+                      <a:pPr marL="0" marR="0" lvl="0" indent="0" algn="ctr" defTabSz="914400" rtl="0" eaLnBrk="1" fontAlgn="b" latinLnBrk="0" hangingPunct="1">
+                        <a:lnSpc>
+                          <a:spcPct val="100000"/>
+                        </a:lnSpc>
+                        <a:spcBef>
+                          <a:spcPts val="0"/>
+                        </a:spcBef>
+                        <a:spcAft>
+                          <a:spcPts val="0"/>
+                        </a:spcAft>
+                        <a:buClrTx/>
+                        <a:buSzTx/>
+                        <a:buFontTx/>
+                        <a:buNone/>
+                        <a:tabLst/>
+                        <a:defRPr/>
+                      </a:pPr>
+                      <a:r>
+                        <a:rPr kumimoji="0" lang="ru-RU" sz="1200" b="0" i="0" u="none" strike="noStrike" kern="1200" cap="none" spc="0" normalizeH="0" baseline="0" noProof="0" dirty="0" smtClean="0">
+                          <a:ln>
+                            <a:noFill/>
+                          </a:ln>
+                          <a:solidFill>
+                            <a:srgbClr val="000000"/>
+                          </a:solidFill>
+                          <a:effectLst/>
+                          <a:uLnTx/>
+                          <a:uFillTx/>
+                          <a:latin typeface="Calibri" panose="020F0502020204030204" pitchFamily="34" charset="0"/>
+                          <a:ea typeface="+mn-ea"/>
+                          <a:cs typeface="+mn-cs"/>
+                        </a:rPr>
+                        <a:t>ИСТИНА</a:t>
+                      </a:r>
+                      <a:endParaRPr kumimoji="0" lang="ru-RU" sz="1200" b="0" i="0" u="none" strike="noStrike" kern="1200" cap="none" spc="0" normalizeH="0" baseline="0" noProof="0" dirty="0">
+                        <a:ln>
+                          <a:noFill/>
+                        </a:ln>
+                        <a:solidFill>
+                          <a:srgbClr val="000000"/>
+                        </a:solidFill>
+                        <a:effectLst/>
+                        <a:uLnTx/>
+                        <a:uFillTx/>
+                        <a:latin typeface="Calibri" panose="020F0502020204030204" pitchFamily="34" charset="0"/>
+                        <a:ea typeface="+mn-ea"/>
+                        <a:cs typeface="+mn-cs"/>
+                      </a:endParaRPr>
+                    </a:p>
+                  </a:txBody>
+                  <a:tcPr marL="9525" marR="9525" marT="9525" marB="0" anchor="b">
+                    <a:solidFill>
+                      <a:schemeClr val="accent6"/>
+                    </a:solidFill>
+                  </a:tcPr>
+                </a:tc>
+                <a:tc>
+                  <a:txBody>
+                    <a:bodyPr/>
+                    <a:lstStyle/>
+                    <a:p>
+                      <a:pPr algn="ctr" fontAlgn="b"/>
+                      <a:r>
+                        <a:rPr lang="ru-RU" sz="1200" b="0" i="0" u="none" strike="noStrike" dirty="0">
+                          <a:solidFill>
+                            <a:srgbClr val="000000"/>
+                          </a:solidFill>
+                          <a:effectLst/>
+                          <a:latin typeface="Calibri" panose="020F0502020204030204" pitchFamily="34" charset="0"/>
+                        </a:rPr>
+                        <a:t>Верно</a:t>
+                      </a:r>
+                    </a:p>
+                  </a:txBody>
+                  <a:tcPr marL="9525" marR="9525" marT="9525" marB="0" anchor="b">
+                    <a:solidFill>
+                      <a:schemeClr val="accent6"/>
+                    </a:solidFill>
+                  </a:tcPr>
+                </a:tc>
+                <a:tc>
+                  <a:txBody>
+                    <a:bodyPr/>
+                    <a:lstStyle/>
+                    <a:p>
+                      <a:pPr algn="ctr" fontAlgn="b"/>
                       <a:r>
                         <a:rPr lang="ru-RU" sz="1200" b="0" i="0" u="none" strike="noStrike">
                           <a:solidFill>
@@ -13240,86 +13373,6 @@
                           <a:effectLst/>
                           <a:latin typeface="Calibri" panose="020F0502020204030204" pitchFamily="34" charset="0"/>
                         </a:rPr>
-                        <a:t>41</a:t>
-                      </a:r>
-                    </a:p>
-                  </a:txBody>
-                  <a:tcPr marL="9525" marR="9525" marT="9525" marB="0" anchor="b"/>
-                </a:tc>
-                <a:tc>
-                  <a:txBody>
-                    <a:bodyPr/>
-                    <a:lstStyle/>
-                    <a:p>
-                      <a:pPr algn="l" fontAlgn="b"/>
-                      <a:r>
-                        <a:rPr lang="ru-RU" sz="1200" b="0" i="0" u="none" strike="noStrike">
-                          <a:solidFill>
-                            <a:srgbClr val="000000"/>
-                          </a:solidFill>
-                          <a:effectLst/>
-                          <a:latin typeface="Calibri" panose="020F0502020204030204" pitchFamily="34" charset="0"/>
-                        </a:rPr>
-                        <a:t>ИСТИНА</a:t>
-                      </a:r>
-                    </a:p>
-                  </a:txBody>
-                  <a:tcPr marL="9525" marR="9525" marT="9525" marB="0" anchor="b"/>
-                </a:tc>
-                <a:tc>
-                  <a:txBody>
-                    <a:bodyPr/>
-                    <a:lstStyle/>
-                    <a:p>
-                      <a:pPr algn="r" fontAlgn="b"/>
-                      <a:r>
-                        <a:rPr lang="ru-RU" sz="1200" b="0" i="0" u="none" strike="noStrike">
-                          <a:solidFill>
-                            <a:srgbClr val="000000"/>
-                          </a:solidFill>
-                          <a:effectLst/>
-                          <a:latin typeface="Calibri" panose="020F0502020204030204" pitchFamily="34" charset="0"/>
-                        </a:rPr>
-                        <a:t>0</a:t>
-                      </a:r>
-                    </a:p>
-                  </a:txBody>
-                  <a:tcPr marL="9525" marR="9525" marT="9525" marB="0" anchor="b"/>
-                </a:tc>
-                <a:tc>
-                  <a:txBody>
-                    <a:bodyPr/>
-                    <a:lstStyle/>
-                    <a:p>
-                      <a:pPr algn="l" fontAlgn="b"/>
-                      <a:r>
-                        <a:rPr lang="ru-RU" sz="1200" b="0" i="0" u="none" strike="noStrike">
-                          <a:solidFill>
-                            <a:srgbClr val="000000"/>
-                          </a:solidFill>
-                          <a:effectLst/>
-                          <a:latin typeface="Calibri" panose="020F0502020204030204" pitchFamily="34" charset="0"/>
-                        </a:rPr>
-                        <a:t>Верно</a:t>
-                      </a:r>
-                    </a:p>
-                  </a:txBody>
-                  <a:tcPr marL="9525" marR="9525" marT="9525" marB="0" anchor="b"/>
-                </a:tc>
-                <a:tc>
-                  <a:txBody>
-                    <a:bodyPr/>
-                    <a:lstStyle/>
-                    <a:p>
-                      <a:pPr algn="r" fontAlgn="b"/>
-                      <a:r>
-                        <a:rPr lang="ru-RU" sz="1200" b="0" i="0" u="none" strike="noStrike">
-                          <a:solidFill>
-                            <a:srgbClr val="000000"/>
-                          </a:solidFill>
-                          <a:effectLst/>
-                          <a:latin typeface="Calibri" panose="020F0502020204030204" pitchFamily="34" charset="0"/>
-                        </a:rPr>
                         <a:t>2</a:t>
                       </a:r>
                     </a:p>
@@ -13331,7 +13384,7 @@
                     <a:bodyPr/>
                     <a:lstStyle/>
                     <a:p>
-                      <a:pPr algn="r" fontAlgn="b"/>
+                      <a:pPr algn="ctr" fontAlgn="b"/>
                       <a:r>
                         <a:rPr lang="ru-RU" sz="1200" b="0" i="0" u="none" strike="noStrike" dirty="0">
                           <a:solidFill>
@@ -13385,7 +13438,7 @@
                     <a:bodyPr/>
                     <a:lstStyle/>
                     <a:p>
-                      <a:pPr algn="r" fontAlgn="b"/>
+                      <a:pPr algn="ctr" fontAlgn="b"/>
                       <a:r>
                         <a:rPr lang="ru-RU" sz="1200" b="0" i="0" u="none" strike="noStrike">
                           <a:solidFill>
@@ -13405,7 +13458,136 @@
                     <a:bodyPr/>
                     <a:lstStyle/>
                     <a:p>
-                      <a:pPr algn="r" fontAlgn="b"/>
+                      <a:pPr algn="ctr" fontAlgn="b"/>
+                      <a:r>
+                        <a:rPr lang="ru-RU" sz="1200" b="0" i="0" u="none" strike="noStrike" dirty="0">
+                          <a:solidFill>
+                            <a:srgbClr val="000000"/>
+                          </a:solidFill>
+                          <a:effectLst/>
+                          <a:latin typeface="Calibri" panose="020F0502020204030204" pitchFamily="34" charset="0"/>
+                        </a:rPr>
+                        <a:t>12</a:t>
+                      </a:r>
+                    </a:p>
+                  </a:txBody>
+                  <a:tcPr marL="9525" marR="9525" marT="9525" marB="0" anchor="b"/>
+                </a:tc>
+                <a:tc>
+                  <a:txBody>
+                    <a:bodyPr/>
+                    <a:lstStyle/>
+                    <a:p>
+                      <a:pPr algn="ctr" fontAlgn="b"/>
+                      <a:r>
+                        <a:rPr lang="ru-RU" sz="1200" b="0" i="0" u="none" strike="noStrike" dirty="0">
+                          <a:solidFill>
+                            <a:srgbClr val="000000"/>
+                          </a:solidFill>
+                          <a:effectLst/>
+                          <a:latin typeface="Calibri" panose="020F0502020204030204" pitchFamily="34" charset="0"/>
+                        </a:rPr>
+                        <a:t>ИСТИНА</a:t>
+                      </a:r>
+                    </a:p>
+                  </a:txBody>
+                  <a:tcPr marL="9525" marR="9525" marT="9525" marB="0" anchor="b">
+                    <a:solidFill>
+                      <a:schemeClr val="accent6"/>
+                    </a:solidFill>
+                  </a:tcPr>
+                </a:tc>
+                <a:tc>
+                  <a:txBody>
+                    <a:bodyPr/>
+                    <a:lstStyle/>
+                    <a:p>
+                      <a:pPr marL="0" marR="0" lvl="0" indent="0" algn="ctr" defTabSz="914400" rtl="0" eaLnBrk="1" fontAlgn="b" latinLnBrk="0" hangingPunct="1">
+                        <a:lnSpc>
+                          <a:spcPct val="100000"/>
+                        </a:lnSpc>
+                        <a:spcBef>
+                          <a:spcPts val="0"/>
+                        </a:spcBef>
+                        <a:spcAft>
+                          <a:spcPts val="0"/>
+                        </a:spcAft>
+                        <a:buClrTx/>
+                        <a:buSzTx/>
+                        <a:buFontTx/>
+                        <a:buNone/>
+                        <a:tabLst/>
+                        <a:defRPr/>
+                      </a:pPr>
+                      <a:r>
+                        <a:rPr kumimoji="0" lang="ru-RU" sz="1200" b="0" i="0" u="none" strike="noStrike" kern="1200" cap="none" spc="0" normalizeH="0" baseline="0" noProof="0" dirty="0" smtClean="0">
+                          <a:ln>
+                            <a:noFill/>
+                          </a:ln>
+                          <a:solidFill>
+                            <a:srgbClr val="000000"/>
+                          </a:solidFill>
+                          <a:effectLst/>
+                          <a:uLnTx/>
+                          <a:uFillTx/>
+                          <a:latin typeface="Calibri" panose="020F0502020204030204" pitchFamily="34" charset="0"/>
+                          <a:ea typeface="+mn-ea"/>
+                          <a:cs typeface="+mn-cs"/>
+                        </a:rPr>
+                        <a:t>ИСТИНА</a:t>
+                      </a:r>
+                      <a:endParaRPr kumimoji="0" lang="ru-RU" sz="1200" b="0" i="0" u="none" strike="noStrike" kern="1200" cap="none" spc="0" normalizeH="0" baseline="0" noProof="0" dirty="0">
+                        <a:ln>
+                          <a:noFill/>
+                        </a:ln>
+                        <a:solidFill>
+                          <a:srgbClr val="000000"/>
+                        </a:solidFill>
+                        <a:effectLst/>
+                        <a:uLnTx/>
+                        <a:uFillTx/>
+                        <a:latin typeface="Calibri" panose="020F0502020204030204" pitchFamily="34" charset="0"/>
+                        <a:ea typeface="+mn-ea"/>
+                        <a:cs typeface="+mn-cs"/>
+                      </a:endParaRPr>
+                    </a:p>
+                  </a:txBody>
+                  <a:tcPr marL="9525" marR="9525" marT="9525" marB="0" anchor="b">
+                    <a:solidFill>
+                      <a:schemeClr val="accent6"/>
+                    </a:solidFill>
+                  </a:tcPr>
+                </a:tc>
+                <a:tc>
+                  <a:txBody>
+                    <a:bodyPr/>
+                    <a:lstStyle/>
+                    <a:p>
+                      <a:pPr algn="ctr" fontAlgn="b"/>
+                      <a:r>
+                        <a:rPr lang="ru-RU" sz="1200" b="0" i="0" u="none" strike="noStrike" dirty="0">
+                          <a:solidFill>
+                            <a:srgbClr val="000000"/>
+                          </a:solidFill>
+                          <a:effectLst/>
+                          <a:latin typeface="Calibri" panose="020F0502020204030204" pitchFamily="34" charset="0"/>
+                        </a:rPr>
+                        <a:t>Верно</a:t>
+                      </a:r>
+                    </a:p>
+                  </a:txBody>
+                  <a:tcPr marL="9525" marR="9525" marT="9525" marB="0" anchor="b">
+                    <a:solidFill>
+                      <a:schemeClr val="accent6"/>
+                    </a:solidFill>
+                  </a:tcPr>
+                </a:tc>
+                <a:tc>
+                  <a:txBody>
+                    <a:bodyPr/>
+                    <a:lstStyle/>
+                    <a:p>
+                      <a:pPr algn="ctr" fontAlgn="b"/>
                       <a:r>
                         <a:rPr lang="ru-RU" sz="1200" b="0" i="0" u="none" strike="noStrike">
                           <a:solidFill>
@@ -13414,86 +13596,6 @@
                           <a:effectLst/>
                           <a:latin typeface="Calibri" panose="020F0502020204030204" pitchFamily="34" charset="0"/>
                         </a:rPr>
-                        <a:t>12</a:t>
-                      </a:r>
-                    </a:p>
-                  </a:txBody>
-                  <a:tcPr marL="9525" marR="9525" marT="9525" marB="0" anchor="b"/>
-                </a:tc>
-                <a:tc>
-                  <a:txBody>
-                    <a:bodyPr/>
-                    <a:lstStyle/>
-                    <a:p>
-                      <a:pPr algn="l" fontAlgn="b"/>
-                      <a:r>
-                        <a:rPr lang="ru-RU" sz="1200" b="0" i="0" u="none" strike="noStrike">
-                          <a:solidFill>
-                            <a:srgbClr val="000000"/>
-                          </a:solidFill>
-                          <a:effectLst/>
-                          <a:latin typeface="Calibri" panose="020F0502020204030204" pitchFamily="34" charset="0"/>
-                        </a:rPr>
-                        <a:t>ИСТИНА</a:t>
-                      </a:r>
-                    </a:p>
-                  </a:txBody>
-                  <a:tcPr marL="9525" marR="9525" marT="9525" marB="0" anchor="b"/>
-                </a:tc>
-                <a:tc>
-                  <a:txBody>
-                    <a:bodyPr/>
-                    <a:lstStyle/>
-                    <a:p>
-                      <a:pPr algn="r" fontAlgn="b"/>
-                      <a:r>
-                        <a:rPr lang="ru-RU" sz="1200" b="0" i="0" u="none" strike="noStrike">
-                          <a:solidFill>
-                            <a:srgbClr val="000000"/>
-                          </a:solidFill>
-                          <a:effectLst/>
-                          <a:latin typeface="Calibri" panose="020F0502020204030204" pitchFamily="34" charset="0"/>
-                        </a:rPr>
-                        <a:t>0</a:t>
-                      </a:r>
-                    </a:p>
-                  </a:txBody>
-                  <a:tcPr marL="9525" marR="9525" marT="9525" marB="0" anchor="b"/>
-                </a:tc>
-                <a:tc>
-                  <a:txBody>
-                    <a:bodyPr/>
-                    <a:lstStyle/>
-                    <a:p>
-                      <a:pPr algn="l" fontAlgn="b"/>
-                      <a:r>
-                        <a:rPr lang="ru-RU" sz="1200" b="0" i="0" u="none" strike="noStrike">
-                          <a:solidFill>
-                            <a:srgbClr val="000000"/>
-                          </a:solidFill>
-                          <a:effectLst/>
-                          <a:latin typeface="Calibri" panose="020F0502020204030204" pitchFamily="34" charset="0"/>
-                        </a:rPr>
-                        <a:t>Верно</a:t>
-                      </a:r>
-                    </a:p>
-                  </a:txBody>
-                  <a:tcPr marL="9525" marR="9525" marT="9525" marB="0" anchor="b"/>
-                </a:tc>
-                <a:tc>
-                  <a:txBody>
-                    <a:bodyPr/>
-                    <a:lstStyle/>
-                    <a:p>
-                      <a:pPr algn="r" fontAlgn="b"/>
-                      <a:r>
-                        <a:rPr lang="ru-RU" sz="1200" b="0" i="0" u="none" strike="noStrike">
-                          <a:solidFill>
-                            <a:srgbClr val="000000"/>
-                          </a:solidFill>
-                          <a:effectLst/>
-                          <a:latin typeface="Calibri" panose="020F0502020204030204" pitchFamily="34" charset="0"/>
-                        </a:rPr>
                         <a:t>2</a:t>
                       </a:r>
                     </a:p>
@@ -13505,7 +13607,7 @@
                     <a:bodyPr/>
                     <a:lstStyle/>
                     <a:p>
-                      <a:pPr algn="r" fontAlgn="b"/>
+                      <a:pPr algn="ctr" fontAlgn="b"/>
                       <a:r>
                         <a:rPr lang="ru-RU" sz="1200" b="0" i="0" u="none" strike="noStrike">
                           <a:solidFill>
@@ -13552,7 +13654,7 @@
                     <a:bodyPr/>
                     <a:lstStyle/>
                     <a:p>
-                      <a:pPr algn="r" fontAlgn="b"/>
+                      <a:pPr algn="ctr" fontAlgn="b"/>
                       <a:r>
                         <a:rPr lang="ru-RU" sz="1200" b="0" i="0" u="none" strike="noStrike" dirty="0">
                           <a:solidFill>
@@ -13572,7 +13674,136 @@
                     <a:bodyPr/>
                     <a:lstStyle/>
                     <a:p>
-                      <a:pPr algn="r" fontAlgn="b"/>
+                      <a:pPr algn="ctr" fontAlgn="b"/>
+                      <a:r>
+                        <a:rPr lang="ru-RU" sz="1200" b="0" i="0" u="none" strike="noStrike" dirty="0">
+                          <a:solidFill>
+                            <a:srgbClr val="000000"/>
+                          </a:solidFill>
+                          <a:effectLst/>
+                          <a:latin typeface="Calibri" panose="020F0502020204030204" pitchFamily="34" charset="0"/>
+                        </a:rPr>
+                        <a:t>5</a:t>
+                      </a:r>
+                    </a:p>
+                  </a:txBody>
+                  <a:tcPr marL="9525" marR="9525" marT="9525" marB="0" anchor="b"/>
+                </a:tc>
+                <a:tc>
+                  <a:txBody>
+                    <a:bodyPr/>
+                    <a:lstStyle/>
+                    <a:p>
+                      <a:pPr algn="ctr" fontAlgn="b"/>
+                      <a:r>
+                        <a:rPr lang="ru-RU" sz="1200" b="0" i="0" u="none" strike="noStrike" dirty="0">
+                          <a:solidFill>
+                            <a:srgbClr val="000000"/>
+                          </a:solidFill>
+                          <a:effectLst/>
+                          <a:latin typeface="Calibri" panose="020F0502020204030204" pitchFamily="34" charset="0"/>
+                        </a:rPr>
+                        <a:t>ИСТИНА</a:t>
+                      </a:r>
+                    </a:p>
+                  </a:txBody>
+                  <a:tcPr marL="9525" marR="9525" marT="9525" marB="0" anchor="b">
+                    <a:solidFill>
+                      <a:schemeClr val="accent6"/>
+                    </a:solidFill>
+                  </a:tcPr>
+                </a:tc>
+                <a:tc>
+                  <a:txBody>
+                    <a:bodyPr/>
+                    <a:lstStyle/>
+                    <a:p>
+                      <a:pPr marL="0" marR="0" lvl="0" indent="0" algn="ctr" defTabSz="914400" rtl="0" eaLnBrk="1" fontAlgn="b" latinLnBrk="0" hangingPunct="1">
+                        <a:lnSpc>
+                          <a:spcPct val="100000"/>
+                        </a:lnSpc>
+                        <a:spcBef>
+                          <a:spcPts val="0"/>
+                        </a:spcBef>
+                        <a:spcAft>
+                          <a:spcPts val="0"/>
+                        </a:spcAft>
+                        <a:buClrTx/>
+                        <a:buSzTx/>
+                        <a:buFontTx/>
+                        <a:buNone/>
+                        <a:tabLst/>
+                        <a:defRPr/>
+                      </a:pPr>
+                      <a:r>
+                        <a:rPr kumimoji="0" lang="ru-RU" sz="1200" b="0" i="0" u="none" strike="noStrike" kern="1200" cap="none" spc="0" normalizeH="0" baseline="0" noProof="0" dirty="0" smtClean="0">
+                          <a:ln>
+                            <a:noFill/>
+                          </a:ln>
+                          <a:solidFill>
+                            <a:srgbClr val="000000"/>
+                          </a:solidFill>
+                          <a:effectLst/>
+                          <a:uLnTx/>
+                          <a:uFillTx/>
+                          <a:latin typeface="Calibri" panose="020F0502020204030204" pitchFamily="34" charset="0"/>
+                          <a:ea typeface="+mn-ea"/>
+                          <a:cs typeface="+mn-cs"/>
+                        </a:rPr>
+                        <a:t>ИСТИНА</a:t>
+                      </a:r>
+                      <a:endParaRPr kumimoji="0" lang="ru-RU" sz="1200" b="0" i="0" u="none" strike="noStrike" kern="1200" cap="none" spc="0" normalizeH="0" baseline="0" noProof="0" dirty="0">
+                        <a:ln>
+                          <a:noFill/>
+                        </a:ln>
+                        <a:solidFill>
+                          <a:srgbClr val="000000"/>
+                        </a:solidFill>
+                        <a:effectLst/>
+                        <a:uLnTx/>
+                        <a:uFillTx/>
+                        <a:latin typeface="Calibri" panose="020F0502020204030204" pitchFamily="34" charset="0"/>
+                        <a:ea typeface="+mn-ea"/>
+                        <a:cs typeface="+mn-cs"/>
+                      </a:endParaRPr>
+                    </a:p>
+                  </a:txBody>
+                  <a:tcPr marL="9525" marR="9525" marT="9525" marB="0" anchor="b">
+                    <a:solidFill>
+                      <a:schemeClr val="accent6"/>
+                    </a:solidFill>
+                  </a:tcPr>
+                </a:tc>
+                <a:tc>
+                  <a:txBody>
+                    <a:bodyPr/>
+                    <a:lstStyle/>
+                    <a:p>
+                      <a:pPr algn="ctr" fontAlgn="b"/>
+                      <a:r>
+                        <a:rPr lang="ru-RU" sz="1200" b="0" i="0" u="none" strike="noStrike" dirty="0">
+                          <a:solidFill>
+                            <a:srgbClr val="000000"/>
+                          </a:solidFill>
+                          <a:effectLst/>
+                          <a:latin typeface="Calibri" panose="020F0502020204030204" pitchFamily="34" charset="0"/>
+                        </a:rPr>
+                        <a:t>Верно</a:t>
+                      </a:r>
+                    </a:p>
+                  </a:txBody>
+                  <a:tcPr marL="9525" marR="9525" marT="9525" marB="0" anchor="b">
+                    <a:solidFill>
+                      <a:schemeClr val="accent6"/>
+                    </a:solidFill>
+                  </a:tcPr>
+                </a:tc>
+                <a:tc>
+                  <a:txBody>
+                    <a:bodyPr/>
+                    <a:lstStyle/>
+                    <a:p>
+                      <a:pPr algn="ctr" fontAlgn="b"/>
                       <a:r>
                         <a:rPr lang="ru-RU" sz="1200" b="0" i="0" u="none" strike="noStrike">
                           <a:solidFill>
@@ -13581,86 +13812,6 @@
                           <a:effectLst/>
                           <a:latin typeface="Calibri" panose="020F0502020204030204" pitchFamily="34" charset="0"/>
                         </a:rPr>
-                        <a:t>5</a:t>
-                      </a:r>
-                    </a:p>
-                  </a:txBody>
-                  <a:tcPr marL="9525" marR="9525" marT="9525" marB="0" anchor="b"/>
-                </a:tc>
-                <a:tc>
-                  <a:txBody>
-                    <a:bodyPr/>
-                    <a:lstStyle/>
-                    <a:p>
-                      <a:pPr algn="l" fontAlgn="b"/>
-                      <a:r>
-                        <a:rPr lang="ru-RU" sz="1200" b="0" i="0" u="none" strike="noStrike">
-                          <a:solidFill>
-                            <a:srgbClr val="000000"/>
-                          </a:solidFill>
-                          <a:effectLst/>
-                          <a:latin typeface="Calibri" panose="020F0502020204030204" pitchFamily="34" charset="0"/>
-                        </a:rPr>
-                        <a:t>ИСТИНА</a:t>
-                      </a:r>
-                    </a:p>
-                  </a:txBody>
-                  <a:tcPr marL="9525" marR="9525" marT="9525" marB="0" anchor="b"/>
-                </a:tc>
-                <a:tc>
-                  <a:txBody>
-                    <a:bodyPr/>
-                    <a:lstStyle/>
-                    <a:p>
-                      <a:pPr algn="r" fontAlgn="b"/>
-                      <a:r>
-                        <a:rPr lang="ru-RU" sz="1200" b="0" i="0" u="none" strike="noStrike">
-                          <a:solidFill>
-                            <a:srgbClr val="000000"/>
-                          </a:solidFill>
-                          <a:effectLst/>
-                          <a:latin typeface="Calibri" panose="020F0502020204030204" pitchFamily="34" charset="0"/>
-                        </a:rPr>
-                        <a:t>0</a:t>
-                      </a:r>
-                    </a:p>
-                  </a:txBody>
-                  <a:tcPr marL="9525" marR="9525" marT="9525" marB="0" anchor="b"/>
-                </a:tc>
-                <a:tc>
-                  <a:txBody>
-                    <a:bodyPr/>
-                    <a:lstStyle/>
-                    <a:p>
-                      <a:pPr algn="l" fontAlgn="b"/>
-                      <a:r>
-                        <a:rPr lang="ru-RU" sz="1200" b="0" i="0" u="none" strike="noStrike">
-                          <a:solidFill>
-                            <a:srgbClr val="000000"/>
-                          </a:solidFill>
-                          <a:effectLst/>
-                          <a:latin typeface="Calibri" panose="020F0502020204030204" pitchFamily="34" charset="0"/>
-                        </a:rPr>
-                        <a:t>Верно</a:t>
-                      </a:r>
-                    </a:p>
-                  </a:txBody>
-                  <a:tcPr marL="9525" marR="9525" marT="9525" marB="0" anchor="b"/>
-                </a:tc>
-                <a:tc>
-                  <a:txBody>
-                    <a:bodyPr/>
-                    <a:lstStyle/>
-                    <a:p>
-                      <a:pPr algn="r" fontAlgn="b"/>
-                      <a:r>
-                        <a:rPr lang="ru-RU" sz="1200" b="0" i="0" u="none" strike="noStrike">
-                          <a:solidFill>
-                            <a:srgbClr val="000000"/>
-                          </a:solidFill>
-                          <a:effectLst/>
-                          <a:latin typeface="Calibri" panose="020F0502020204030204" pitchFamily="34" charset="0"/>
-                        </a:rPr>
                         <a:t>2</a:t>
                       </a:r>
                     </a:p>
@@ -13672,7 +13823,7 @@
                     <a:bodyPr/>
                     <a:lstStyle/>
                     <a:p>
-                      <a:pPr algn="r" fontAlgn="b"/>
+                      <a:pPr algn="ctr" fontAlgn="b"/>
                       <a:r>
                         <a:rPr lang="ru-RU" sz="1200" b="0" i="0" u="none" strike="noStrike" dirty="0">
                           <a:solidFill>
@@ -13726,7 +13877,7 @@
                     <a:bodyPr/>
                     <a:lstStyle/>
                     <a:p>
-                      <a:pPr algn="r" fontAlgn="b"/>
+                      <a:pPr algn="ctr" fontAlgn="b"/>
                       <a:r>
                         <a:rPr lang="ru-RU" sz="1200" b="0" i="0" u="none" strike="noStrike">
                           <a:solidFill>
@@ -13746,7 +13897,7 @@
                     <a:bodyPr/>
                     <a:lstStyle/>
                     <a:p>
-                      <a:pPr algn="r" fontAlgn="b"/>
+                      <a:pPr algn="ctr" fontAlgn="b"/>
                       <a:r>
                         <a:rPr lang="ru-RU" sz="1200" b="0" i="0" u="none" strike="noStrike">
                           <a:solidFill>
@@ -13766,7 +13917,116 @@
                     <a:bodyPr/>
                     <a:lstStyle/>
                     <a:p>
-                      <a:pPr algn="l" fontAlgn="b"/>
+                      <a:pPr algn="ctr" fontAlgn="b"/>
+                      <a:r>
+                        <a:rPr lang="ru-RU" sz="1200" b="0" i="0" u="none" strike="noStrike" dirty="0">
+                          <a:solidFill>
+                            <a:srgbClr val="000000"/>
+                          </a:solidFill>
+                          <a:effectLst/>
+                          <a:latin typeface="Calibri" panose="020F0502020204030204" pitchFamily="34" charset="0"/>
+                        </a:rPr>
+                        <a:t>ИСТИНА</a:t>
+                      </a:r>
+                    </a:p>
+                  </a:txBody>
+                  <a:tcPr marL="9525" marR="9525" marT="9525" marB="0" anchor="b">
+                    <a:solidFill>
+                      <a:schemeClr val="accent6"/>
+                    </a:solidFill>
+                  </a:tcPr>
+                </a:tc>
+                <a:tc>
+                  <a:txBody>
+                    <a:bodyPr/>
+                    <a:lstStyle/>
+                    <a:p>
+                      <a:pPr marL="0" marR="0" lvl="0" indent="0" algn="ctr" defTabSz="914400" rtl="0" eaLnBrk="1" fontAlgn="b" latinLnBrk="0" hangingPunct="1">
+                        <a:lnSpc>
+                          <a:spcPct val="100000"/>
+                        </a:lnSpc>
+                        <a:spcBef>
+                          <a:spcPts val="0"/>
+                        </a:spcBef>
+                        <a:spcAft>
+                          <a:spcPts val="0"/>
+                        </a:spcAft>
+                        <a:buClrTx/>
+                        <a:buSzTx/>
+                        <a:buFontTx/>
+                        <a:buNone/>
+                        <a:tabLst/>
+                        <a:defRPr/>
+                      </a:pPr>
+                      <a:r>
+                        <a:rPr kumimoji="0" lang="ru-RU" sz="1200" b="0" i="0" u="none" strike="noStrike" kern="1200" cap="none" spc="0" normalizeH="0" baseline="0" noProof="0" dirty="0" smtClean="0">
+                          <a:ln>
+                            <a:noFill/>
+                          </a:ln>
+                          <a:solidFill>
+                            <a:srgbClr val="000000"/>
+                          </a:solidFill>
+                          <a:effectLst/>
+                          <a:uLnTx/>
+                          <a:uFillTx/>
+                          <a:latin typeface="Calibri" panose="020F0502020204030204" pitchFamily="34" charset="0"/>
+                          <a:ea typeface="+mn-ea"/>
+                          <a:cs typeface="+mn-cs"/>
+                        </a:rPr>
+                        <a:t>ИСТИНА</a:t>
+                      </a:r>
+                      <a:endParaRPr kumimoji="0" lang="ru-RU" sz="1200" b="0" i="0" u="none" strike="noStrike" kern="1200" cap="none" spc="0" normalizeH="0" baseline="0" noProof="0" dirty="0">
+                        <a:ln>
+                          <a:noFill/>
+                        </a:ln>
+                        <a:solidFill>
+                          <a:srgbClr val="000000"/>
+                        </a:solidFill>
+                        <a:effectLst/>
+                        <a:uLnTx/>
+                        <a:uFillTx/>
+                        <a:latin typeface="Calibri" panose="020F0502020204030204" pitchFamily="34" charset="0"/>
+                        <a:ea typeface="+mn-ea"/>
+                        <a:cs typeface="+mn-cs"/>
+                      </a:endParaRPr>
+                    </a:p>
+                  </a:txBody>
+                  <a:tcPr marL="9525" marR="9525" marT="9525" marB="0" anchor="b">
+                    <a:solidFill>
+                      <a:schemeClr val="accent6"/>
+                    </a:solidFill>
+                  </a:tcPr>
+                </a:tc>
+                <a:tc>
+                  <a:txBody>
+                    <a:bodyPr/>
+                    <a:lstStyle/>
+                    <a:p>
+                      <a:pPr algn="ctr" fontAlgn="b"/>
+                      <a:r>
+                        <a:rPr lang="ru-RU" sz="1200" b="0" i="0" u="none" strike="noStrike" dirty="0">
+                          <a:solidFill>
+                            <a:srgbClr val="000000"/>
+                          </a:solidFill>
+                          <a:effectLst/>
+                          <a:latin typeface="Calibri" panose="020F0502020204030204" pitchFamily="34" charset="0"/>
+                        </a:rPr>
+                        <a:t>Верно</a:t>
+                      </a:r>
+                    </a:p>
+                  </a:txBody>
+                  <a:tcPr marL="9525" marR="9525" marT="9525" marB="0" anchor="b">
+                    <a:solidFill>
+                      <a:schemeClr val="accent6"/>
+                    </a:solidFill>
+                  </a:tcPr>
+                </a:tc>
+                <a:tc>
+                  <a:txBody>
+                    <a:bodyPr/>
+                    <a:lstStyle/>
+                    <a:p>
+                      <a:pPr algn="ctr" fontAlgn="b"/>
                       <a:r>
                         <a:rPr lang="ru-RU" sz="1200" b="0" i="0" u="none" strike="noStrike">
                           <a:solidFill>
@@ -13775,66 +14035,6 @@
                           <a:effectLst/>
                           <a:latin typeface="Calibri" panose="020F0502020204030204" pitchFamily="34" charset="0"/>
                         </a:rPr>
-                        <a:t>ИСТИНА</a:t>
-                      </a:r>
-                    </a:p>
-                  </a:txBody>
-                  <a:tcPr marL="9525" marR="9525" marT="9525" marB="0" anchor="b"/>
-                </a:tc>
-                <a:tc>
-                  <a:txBody>
-                    <a:bodyPr/>
-                    <a:lstStyle/>
-                    <a:p>
-                      <a:pPr algn="r" fontAlgn="b"/>
-                      <a:r>
-                        <a:rPr lang="ru-RU" sz="1200" b="0" i="0" u="none" strike="noStrike">
-                          <a:solidFill>
-                            <a:srgbClr val="000000"/>
-                          </a:solidFill>
-                          <a:effectLst/>
-                          <a:latin typeface="Calibri" panose="020F0502020204030204" pitchFamily="34" charset="0"/>
-                        </a:rPr>
-                        <a:t>0</a:t>
-                      </a:r>
-                    </a:p>
-                  </a:txBody>
-                  <a:tcPr marL="9525" marR="9525" marT="9525" marB="0" anchor="b"/>
-                </a:tc>
-                <a:tc>
-                  <a:txBody>
-                    <a:bodyPr/>
-                    <a:lstStyle/>
-                    <a:p>
-                      <a:pPr algn="l" fontAlgn="b"/>
-                      <a:r>
-                        <a:rPr lang="ru-RU" sz="1200" b="0" i="0" u="none" strike="noStrike">
-                          <a:solidFill>
-                            <a:srgbClr val="000000"/>
-                          </a:solidFill>
-                          <a:effectLst/>
-                          <a:latin typeface="Calibri" panose="020F0502020204030204" pitchFamily="34" charset="0"/>
-                        </a:rPr>
-                        <a:t>Верно</a:t>
-                      </a:r>
-                    </a:p>
-                  </a:txBody>
-                  <a:tcPr marL="9525" marR="9525" marT="9525" marB="0" anchor="b"/>
-                </a:tc>
-                <a:tc>
-                  <a:txBody>
-                    <a:bodyPr/>
-                    <a:lstStyle/>
-                    <a:p>
-                      <a:pPr algn="r" fontAlgn="b"/>
-                      <a:r>
-                        <a:rPr lang="ru-RU" sz="1200" b="0" i="0" u="none" strike="noStrike">
-                          <a:solidFill>
-                            <a:srgbClr val="000000"/>
-                          </a:solidFill>
-                          <a:effectLst/>
-                          <a:latin typeface="Calibri" panose="020F0502020204030204" pitchFamily="34" charset="0"/>
-                        </a:rPr>
                         <a:t>3</a:t>
                       </a:r>
                     </a:p>
@@ -13846,7 +14046,7 @@
                     <a:bodyPr/>
                     <a:lstStyle/>
                     <a:p>
-                      <a:pPr algn="r" fontAlgn="b"/>
+                      <a:pPr algn="ctr" fontAlgn="b"/>
                       <a:r>
                         <a:rPr lang="ru-RU" sz="1200" b="0" i="0" u="none" strike="noStrike">
                           <a:solidFill>
@@ -13893,7 +14093,7 @@
                     <a:bodyPr/>
                     <a:lstStyle/>
                     <a:p>
-                      <a:pPr algn="r" fontAlgn="b"/>
+                      <a:pPr algn="ctr" fontAlgn="b"/>
                       <a:r>
                         <a:rPr lang="ru-RU" sz="1200" b="0" i="0" u="none" strike="noStrike">
                           <a:solidFill>
@@ -13913,7 +14113,7 @@
                     <a:bodyPr/>
                     <a:lstStyle/>
                     <a:p>
-                      <a:pPr algn="r" fontAlgn="b"/>
+                      <a:pPr algn="ctr" fontAlgn="b"/>
                       <a:r>
                         <a:rPr lang="ru-RU" sz="1200" b="0" i="0" u="none" strike="noStrike" dirty="0">
                           <a:solidFill>
@@ -13933,7 +14133,7 @@
                     <a:bodyPr/>
                     <a:lstStyle/>
                     <a:p>
-                      <a:pPr algn="l" fontAlgn="b"/>
+                      <a:pPr algn="ctr" fontAlgn="b"/>
                       <a:r>
                         <a:rPr lang="ru-RU" sz="1200" b="0" i="0" u="none" strike="noStrike" dirty="0">
                           <a:solidFill>
@@ -13946,14 +14146,103 @@
                       </a:r>
                     </a:p>
                   </a:txBody>
-                  <a:tcPr marL="9525" marR="9525" marT="9525" marB="0" anchor="b"/>
-                </a:tc>
-                <a:tc>
-                  <a:txBody>
-                    <a:bodyPr/>
-                    <a:lstStyle/>
-                    <a:p>
-                      <a:pPr algn="r" fontAlgn="b"/>
+                  <a:tcPr marL="9525" marR="9525" marT="9525" marB="0" anchor="b">
+                    <a:solidFill>
+                      <a:schemeClr val="accent6"/>
+                    </a:solidFill>
+                  </a:tcPr>
+                </a:tc>
+                <a:tc>
+                  <a:txBody>
+                    <a:bodyPr/>
+                    <a:lstStyle/>
+                    <a:p>
+                      <a:pPr marL="0" marR="0" lvl="0" indent="0" algn="ctr" defTabSz="914400" rtl="0" eaLnBrk="1" fontAlgn="b" latinLnBrk="0" hangingPunct="1">
+                        <a:lnSpc>
+                          <a:spcPct val="100000"/>
+                        </a:lnSpc>
+                        <a:spcBef>
+                          <a:spcPts val="0"/>
+                        </a:spcBef>
+                        <a:spcAft>
+                          <a:spcPts val="0"/>
+                        </a:spcAft>
+                        <a:buClrTx/>
+                        <a:buSzTx/>
+                        <a:buFontTx/>
+                        <a:buNone/>
+                        <a:tabLst/>
+                        <a:defRPr/>
+                      </a:pPr>
+                      <a:r>
+                        <a:rPr kumimoji="0" lang="ru-RU" sz="1200" b="0" i="0" u="none" strike="noStrike" kern="1200" cap="none" spc="0" normalizeH="0" baseline="0" noProof="0" dirty="0" smtClean="0">
+                          <a:ln>
+                            <a:noFill/>
+                          </a:ln>
+                          <a:solidFill>
+                            <a:srgbClr val="000000"/>
+                          </a:solidFill>
+                          <a:effectLst/>
+                          <a:uLnTx/>
+                          <a:uFillTx/>
+                          <a:latin typeface="Calibri" panose="020F0502020204030204" pitchFamily="34" charset="0"/>
+                          <a:ea typeface="+mn-ea"/>
+                          <a:cs typeface="+mn-cs"/>
+                        </a:rPr>
+                        <a:t>ИСТИНА</a:t>
+                      </a:r>
+                      <a:endParaRPr kumimoji="0" lang="ru-RU" sz="1200" b="0" i="0" u="none" strike="noStrike" kern="1200" cap="none" spc="0" normalizeH="0" baseline="0" noProof="0" dirty="0">
+                        <a:ln>
+                          <a:noFill/>
+                        </a:ln>
+                        <a:solidFill>
+                          <a:srgbClr val="000000"/>
+                        </a:solidFill>
+                        <a:effectLst/>
+                        <a:uLnTx/>
+                        <a:uFillTx/>
+                        <a:latin typeface="Calibri" panose="020F0502020204030204" pitchFamily="34" charset="0"/>
+                        <a:ea typeface="+mn-ea"/>
+                        <a:cs typeface="+mn-cs"/>
+                      </a:endParaRPr>
+                    </a:p>
+                  </a:txBody>
+                  <a:tcPr marL="9525" marR="9525" marT="9525" marB="0" anchor="b">
+                    <a:solidFill>
+                      <a:schemeClr val="accent6"/>
+                    </a:solidFill>
+                  </a:tcPr>
+                </a:tc>
+                <a:tc>
+                  <a:txBody>
+                    <a:bodyPr/>
+                    <a:lstStyle/>
+                    <a:p>
+                      <a:pPr algn="ctr" fontAlgn="b"/>
+                      <a:r>
+                        <a:rPr lang="ru-RU" sz="1200" b="0" i="0" u="none" strike="noStrike" dirty="0">
+                          <a:solidFill>
+                            <a:srgbClr val="000000"/>
+                          </a:solidFill>
+                          <a:effectLst/>
+                          <a:latin typeface="Calibri" panose="020F0502020204030204" pitchFamily="34" charset="0"/>
+                        </a:rPr>
+                        <a:t>Верно</a:t>
+                      </a:r>
+                    </a:p>
+                  </a:txBody>
+                  <a:tcPr marL="9525" marR="9525" marT="9525" marB="0" anchor="b">
+                    <a:solidFill>
+                      <a:schemeClr val="accent6"/>
+                    </a:solidFill>
+                  </a:tcPr>
+                </a:tc>
+                <a:tc>
+                  <a:txBody>
+                    <a:bodyPr/>
+                    <a:lstStyle/>
+                    <a:p>
+                      <a:pPr algn="ctr" fontAlgn="b"/>
                       <a:r>
                         <a:rPr lang="ru-RU" sz="1200" b="0" i="0" u="none" strike="noStrike">
                           <a:solidFill>
@@ -13962,46 +14251,6 @@
                           <a:effectLst/>
                           <a:latin typeface="Calibri" panose="020F0502020204030204" pitchFamily="34" charset="0"/>
                         </a:rPr>
-                        <a:t>0</a:t>
-                      </a:r>
-                    </a:p>
-                  </a:txBody>
-                  <a:tcPr marL="9525" marR="9525" marT="9525" marB="0" anchor="b"/>
-                </a:tc>
-                <a:tc>
-                  <a:txBody>
-                    <a:bodyPr/>
-                    <a:lstStyle/>
-                    <a:p>
-                      <a:pPr algn="l" fontAlgn="b"/>
-                      <a:r>
-                        <a:rPr lang="ru-RU" sz="1200" b="0" i="0" u="none" strike="noStrike">
-                          <a:solidFill>
-                            <a:srgbClr val="000000"/>
-                          </a:solidFill>
-                          <a:effectLst/>
-                          <a:latin typeface="Calibri" panose="020F0502020204030204" pitchFamily="34" charset="0"/>
-                        </a:rPr>
-                        <a:t>Верно</a:t>
-                      </a:r>
-                    </a:p>
-                  </a:txBody>
-                  <a:tcPr marL="9525" marR="9525" marT="9525" marB="0" anchor="b"/>
-                </a:tc>
-                <a:tc>
-                  <a:txBody>
-                    <a:bodyPr/>
-                    <a:lstStyle/>
-                    <a:p>
-                      <a:pPr algn="r" fontAlgn="b"/>
-                      <a:r>
-                        <a:rPr lang="ru-RU" sz="1200" b="0" i="0" u="none" strike="noStrike">
-                          <a:solidFill>
-                            <a:srgbClr val="000000"/>
-                          </a:solidFill>
-                          <a:effectLst/>
-                          <a:latin typeface="Calibri" panose="020F0502020204030204" pitchFamily="34" charset="0"/>
-                        </a:rPr>
                         <a:t>3</a:t>
                       </a:r>
                     </a:p>
@@ -14013,7 +14262,7 @@
                     <a:bodyPr/>
                     <a:lstStyle/>
                     <a:p>
-                      <a:pPr algn="r" fontAlgn="b"/>
+                      <a:pPr algn="ctr" fontAlgn="b"/>
                       <a:r>
                         <a:rPr lang="ru-RU" sz="1200" b="0" i="0" u="none" strike="noStrike">
                           <a:solidFill>
@@ -14060,7 +14309,7 @@
                     <a:bodyPr/>
                     <a:lstStyle/>
                     <a:p>
-                      <a:pPr algn="r" fontAlgn="b"/>
+                      <a:pPr algn="ctr" fontAlgn="b"/>
                       <a:r>
                         <a:rPr lang="ru-RU" sz="1200" b="0" i="0" u="none" strike="noStrike">
                           <a:solidFill>
@@ -14080,7 +14329,7 @@
                     <a:bodyPr/>
                     <a:lstStyle/>
                     <a:p>
-                      <a:pPr algn="r" fontAlgn="b"/>
+                      <a:pPr algn="ctr" fontAlgn="b"/>
                       <a:r>
                         <a:rPr lang="ru-RU" sz="1200" b="0" i="0" u="none" strike="noStrike" dirty="0">
                           <a:solidFill>
@@ -14100,7 +14349,7 @@
                     <a:bodyPr/>
                     <a:lstStyle/>
                     <a:p>
-                      <a:pPr algn="l" fontAlgn="b"/>
+                      <a:pPr algn="ctr" fontAlgn="b"/>
                       <a:r>
                         <a:rPr lang="ru-RU" sz="1200" b="0" i="0" u="none" strike="noStrike" dirty="0">
                           <a:solidFill>
@@ -14113,14 +14362,103 @@
                       </a:r>
                     </a:p>
                   </a:txBody>
-                  <a:tcPr marL="9525" marR="9525" marT="9525" marB="0" anchor="b"/>
-                </a:tc>
-                <a:tc>
-                  <a:txBody>
-                    <a:bodyPr/>
-                    <a:lstStyle/>
-                    <a:p>
-                      <a:pPr algn="r" fontAlgn="b"/>
+                  <a:tcPr marL="9525" marR="9525" marT="9525" marB="0" anchor="b">
+                    <a:solidFill>
+                      <a:schemeClr val="accent6"/>
+                    </a:solidFill>
+                  </a:tcPr>
+                </a:tc>
+                <a:tc>
+                  <a:txBody>
+                    <a:bodyPr/>
+                    <a:lstStyle/>
+                    <a:p>
+                      <a:pPr marL="0" marR="0" lvl="0" indent="0" algn="ctr" defTabSz="914400" rtl="0" eaLnBrk="1" fontAlgn="b" latinLnBrk="0" hangingPunct="1">
+                        <a:lnSpc>
+                          <a:spcPct val="100000"/>
+                        </a:lnSpc>
+                        <a:spcBef>
+                          <a:spcPts val="0"/>
+                        </a:spcBef>
+                        <a:spcAft>
+                          <a:spcPts val="0"/>
+                        </a:spcAft>
+                        <a:buClrTx/>
+                        <a:buSzTx/>
+                        <a:buFontTx/>
+                        <a:buNone/>
+                        <a:tabLst/>
+                        <a:defRPr/>
+                      </a:pPr>
+                      <a:r>
+                        <a:rPr kumimoji="0" lang="ru-RU" sz="1200" b="0" i="0" u="none" strike="noStrike" kern="1200" cap="none" spc="0" normalizeH="0" baseline="0" noProof="0" dirty="0" smtClean="0">
+                          <a:ln>
+                            <a:noFill/>
+                          </a:ln>
+                          <a:solidFill>
+                            <a:srgbClr val="000000"/>
+                          </a:solidFill>
+                          <a:effectLst/>
+                          <a:uLnTx/>
+                          <a:uFillTx/>
+                          <a:latin typeface="Calibri" panose="020F0502020204030204" pitchFamily="34" charset="0"/>
+                          <a:ea typeface="+mn-ea"/>
+                          <a:cs typeface="+mn-cs"/>
+                        </a:rPr>
+                        <a:t>ИСТИНА</a:t>
+                      </a:r>
+                      <a:endParaRPr kumimoji="0" lang="ru-RU" sz="1200" b="0" i="0" u="none" strike="noStrike" kern="1200" cap="none" spc="0" normalizeH="0" baseline="0" noProof="0" dirty="0">
+                        <a:ln>
+                          <a:noFill/>
+                        </a:ln>
+                        <a:solidFill>
+                          <a:srgbClr val="000000"/>
+                        </a:solidFill>
+                        <a:effectLst/>
+                        <a:uLnTx/>
+                        <a:uFillTx/>
+                        <a:latin typeface="Calibri" panose="020F0502020204030204" pitchFamily="34" charset="0"/>
+                        <a:ea typeface="+mn-ea"/>
+                        <a:cs typeface="+mn-cs"/>
+                      </a:endParaRPr>
+                    </a:p>
+                  </a:txBody>
+                  <a:tcPr marL="9525" marR="9525" marT="9525" marB="0" anchor="b">
+                    <a:solidFill>
+                      <a:schemeClr val="accent6"/>
+                    </a:solidFill>
+                  </a:tcPr>
+                </a:tc>
+                <a:tc>
+                  <a:txBody>
+                    <a:bodyPr/>
+                    <a:lstStyle/>
+                    <a:p>
+                      <a:pPr algn="ctr" fontAlgn="b"/>
+                      <a:r>
+                        <a:rPr lang="ru-RU" sz="1200" b="0" i="0" u="none" strike="noStrike" dirty="0">
+                          <a:solidFill>
+                            <a:srgbClr val="000000"/>
+                          </a:solidFill>
+                          <a:effectLst/>
+                          <a:latin typeface="Calibri" panose="020F0502020204030204" pitchFamily="34" charset="0"/>
+                        </a:rPr>
+                        <a:t>Верно</a:t>
+                      </a:r>
+                    </a:p>
+                  </a:txBody>
+                  <a:tcPr marL="9525" marR="9525" marT="9525" marB="0" anchor="b">
+                    <a:solidFill>
+                      <a:schemeClr val="accent6"/>
+                    </a:solidFill>
+                  </a:tcPr>
+                </a:tc>
+                <a:tc>
+                  <a:txBody>
+                    <a:bodyPr/>
+                    <a:lstStyle/>
+                    <a:p>
+                      <a:pPr algn="ctr" fontAlgn="b"/>
                       <a:r>
                         <a:rPr lang="ru-RU" sz="1200" b="0" i="0" u="none" strike="noStrike">
                           <a:solidFill>
@@ -14129,46 +14467,6 @@
                           <a:effectLst/>
                           <a:latin typeface="Calibri" panose="020F0502020204030204" pitchFamily="34" charset="0"/>
                         </a:rPr>
-                        <a:t>0</a:t>
-                      </a:r>
-                    </a:p>
-                  </a:txBody>
-                  <a:tcPr marL="9525" marR="9525" marT="9525" marB="0" anchor="b"/>
-                </a:tc>
-                <a:tc>
-                  <a:txBody>
-                    <a:bodyPr/>
-                    <a:lstStyle/>
-                    <a:p>
-                      <a:pPr algn="l" fontAlgn="b"/>
-                      <a:r>
-                        <a:rPr lang="ru-RU" sz="1200" b="0" i="0" u="none" strike="noStrike">
-                          <a:solidFill>
-                            <a:srgbClr val="000000"/>
-                          </a:solidFill>
-                          <a:effectLst/>
-                          <a:latin typeface="Calibri" panose="020F0502020204030204" pitchFamily="34" charset="0"/>
-                        </a:rPr>
-                        <a:t>Верно</a:t>
-                      </a:r>
-                    </a:p>
-                  </a:txBody>
-                  <a:tcPr marL="9525" marR="9525" marT="9525" marB="0" anchor="b"/>
-                </a:tc>
-                <a:tc>
-                  <a:txBody>
-                    <a:bodyPr/>
-                    <a:lstStyle/>
-                    <a:p>
-                      <a:pPr algn="r" fontAlgn="b"/>
-                      <a:r>
-                        <a:rPr lang="ru-RU" sz="1200" b="0" i="0" u="none" strike="noStrike">
-                          <a:solidFill>
-                            <a:srgbClr val="000000"/>
-                          </a:solidFill>
-                          <a:effectLst/>
-                          <a:latin typeface="Calibri" panose="020F0502020204030204" pitchFamily="34" charset="0"/>
-                        </a:rPr>
                         <a:t>2</a:t>
                       </a:r>
                     </a:p>
@@ -14180,7 +14478,7 @@
                     <a:bodyPr/>
                     <a:lstStyle/>
                     <a:p>
-                      <a:pPr algn="r" fontAlgn="b"/>
+                      <a:pPr algn="ctr" fontAlgn="b"/>
                       <a:r>
                         <a:rPr lang="ru-RU" sz="1200" b="0" i="0" u="none" strike="noStrike">
                           <a:solidFill>
@@ -14234,7 +14532,7 @@
                     <a:bodyPr/>
                     <a:lstStyle/>
                     <a:p>
-                      <a:pPr algn="r" fontAlgn="b"/>
+                      <a:pPr algn="ctr" fontAlgn="b"/>
                       <a:r>
                         <a:rPr lang="ru-RU" sz="1200" b="0" i="0" u="none" strike="noStrike">
                           <a:solidFill>
@@ -14254,7 +14552,7 @@
                     <a:bodyPr/>
                     <a:lstStyle/>
                     <a:p>
-                      <a:pPr algn="r" fontAlgn="b"/>
+                      <a:pPr algn="ctr" fontAlgn="b"/>
                       <a:r>
                         <a:rPr lang="ru-RU" sz="1200" b="0" i="0" u="none" strike="noStrike">
                           <a:solidFill>
@@ -14274,7 +14572,7 @@
                     <a:bodyPr/>
                     <a:lstStyle/>
                     <a:p>
-                      <a:pPr algn="l" fontAlgn="b"/>
+                      <a:pPr algn="ctr" fontAlgn="b"/>
                       <a:r>
                         <a:rPr lang="ru-RU" sz="1200" b="0" i="0" u="none" strike="noStrike" dirty="0">
                           <a:solidFill>
@@ -14287,14 +14585,79 @@
                       </a:r>
                     </a:p>
                   </a:txBody>
-                  <a:tcPr marL="9525" marR="9525" marT="9525" marB="0" anchor="b"/>
-                </a:tc>
-                <a:tc>
-                  <a:txBody>
-                    <a:bodyPr/>
-                    <a:lstStyle/>
-                    <a:p>
-                      <a:pPr algn="r" fontAlgn="b"/>
+                  <a:tcPr marL="9525" marR="9525" marT="9525" marB="0" anchor="b">
+                    <a:solidFill>
+                      <a:schemeClr val="accent6"/>
+                    </a:solidFill>
+                  </a:tcPr>
+                </a:tc>
+                <a:tc>
+                  <a:txBody>
+                    <a:bodyPr/>
+                    <a:lstStyle/>
+                    <a:p>
+                      <a:pPr marL="0" marR="0" lvl="0" indent="0" algn="ctr" defTabSz="914400" rtl="0" eaLnBrk="1" fontAlgn="b" latinLnBrk="0" hangingPunct="1">
+                        <a:lnSpc>
+                          <a:spcPct val="100000"/>
+                        </a:lnSpc>
+                        <a:spcBef>
+                          <a:spcPts val="0"/>
+                        </a:spcBef>
+                        <a:spcAft>
+                          <a:spcPts val="0"/>
+                        </a:spcAft>
+                        <a:buClrTx/>
+                        <a:buSzTx/>
+                        <a:buFontTx/>
+                        <a:buNone/>
+                        <a:tabLst/>
+                        <a:defRPr/>
+                      </a:pPr>
+                      <a:r>
+                        <a:rPr kumimoji="0" lang="ru-RU" sz="1200" b="0" i="0" u="none" strike="noStrike" kern="1200" cap="none" spc="0" normalizeH="0" baseline="0" noProof="0" dirty="0" smtClean="0">
+                          <a:ln>
+                            <a:noFill/>
+                          </a:ln>
+                          <a:solidFill>
+                            <a:srgbClr val="000000"/>
+                          </a:solidFill>
+                          <a:effectLst/>
+                          <a:uLnTx/>
+                          <a:uFillTx/>
+                          <a:latin typeface="Calibri" panose="020F0502020204030204" pitchFamily="34" charset="0"/>
+                          <a:ea typeface="+mn-ea"/>
+                          <a:cs typeface="+mn-cs"/>
+                        </a:rPr>
+                        <a:t>ИСТИНА</a:t>
+                      </a:r>
+                      <a:endParaRPr kumimoji="0" lang="ru-RU" sz="1200" b="0" i="0" u="none" strike="noStrike" kern="1200" cap="none" spc="0" normalizeH="0" baseline="0" noProof="0" dirty="0">
+                        <a:ln>
+                          <a:noFill/>
+                        </a:ln>
+                        <a:solidFill>
+                          <a:srgbClr val="000000"/>
+                        </a:solidFill>
+                        <a:effectLst/>
+                        <a:uLnTx/>
+                        <a:uFillTx/>
+                        <a:latin typeface="Calibri" panose="020F0502020204030204" pitchFamily="34" charset="0"/>
+                        <a:ea typeface="+mn-ea"/>
+                        <a:cs typeface="+mn-cs"/>
+                      </a:endParaRPr>
+                    </a:p>
+                  </a:txBody>
+                  <a:tcPr marL="9525" marR="9525" marT="9525" marB="0" anchor="b">
+                    <a:solidFill>
+                      <a:schemeClr val="accent6"/>
+                    </a:solidFill>
+                  </a:tcPr>
+                </a:tc>
+                <a:tc>
+                  <a:txBody>
+                    <a:bodyPr/>
+                    <a:lstStyle/>
+                    <a:p>
+                      <a:pPr algn="ctr" fontAlgn="b"/>
                       <a:r>
                         <a:rPr lang="ru-RU" sz="1200" b="0" i="0" u="none" strike="noStrike" dirty="0">
                           <a:solidFill>
@@ -14303,18 +14666,22 @@
                           <a:effectLst/>
                           <a:latin typeface="Calibri" panose="020F0502020204030204" pitchFamily="34" charset="0"/>
                         </a:rPr>
-                        <a:t>0</a:t>
-                      </a:r>
-                    </a:p>
-                  </a:txBody>
-                  <a:tcPr marL="9525" marR="9525" marT="9525" marB="0" anchor="b"/>
-                </a:tc>
-                <a:tc>
-                  <a:txBody>
-                    <a:bodyPr/>
-                    <a:lstStyle/>
-                    <a:p>
-                      <a:pPr algn="l" fontAlgn="b"/>
+                        <a:t>Верно</a:t>
+                      </a:r>
+                    </a:p>
+                  </a:txBody>
+                  <a:tcPr marL="9525" marR="9525" marT="9525" marB="0" anchor="b">
+                    <a:solidFill>
+                      <a:schemeClr val="accent6"/>
+                    </a:solidFill>
+                  </a:tcPr>
+                </a:tc>
+                <a:tc>
+                  <a:txBody>
+                    <a:bodyPr/>
+                    <a:lstStyle/>
+                    <a:p>
+                      <a:pPr algn="ctr" fontAlgn="b"/>
                       <a:r>
                         <a:rPr lang="ru-RU" sz="1200" b="0" i="0" u="none" strike="noStrike">
                           <a:solidFill>
@@ -14323,26 +14690,6 @@
                           <a:effectLst/>
                           <a:latin typeface="Calibri" panose="020F0502020204030204" pitchFamily="34" charset="0"/>
                         </a:rPr>
-                        <a:t>Верно</a:t>
-                      </a:r>
-                    </a:p>
-                  </a:txBody>
-                  <a:tcPr marL="9525" marR="9525" marT="9525" marB="0" anchor="b"/>
-                </a:tc>
-                <a:tc>
-                  <a:txBody>
-                    <a:bodyPr/>
-                    <a:lstStyle/>
-                    <a:p>
-                      <a:pPr algn="r" fontAlgn="b"/>
-                      <a:r>
-                        <a:rPr lang="ru-RU" sz="1200" b="0" i="0" u="none" strike="noStrike">
-                          <a:solidFill>
-                            <a:srgbClr val="000000"/>
-                          </a:solidFill>
-                          <a:effectLst/>
-                          <a:latin typeface="Calibri" panose="020F0502020204030204" pitchFamily="34" charset="0"/>
-                        </a:rPr>
                         <a:t>3</a:t>
                       </a:r>
                     </a:p>
@@ -14354,7 +14701,7 @@
                     <a:bodyPr/>
                     <a:lstStyle/>
                     <a:p>
-                      <a:pPr algn="r" fontAlgn="b"/>
+                      <a:pPr algn="ctr" fontAlgn="b"/>
                       <a:r>
                         <a:rPr lang="ru-RU" sz="1200" b="0" i="0" u="none" strike="noStrike" dirty="0">
                           <a:solidFill>
@@ -14401,7 +14748,7 @@
                     <a:bodyPr/>
                     <a:lstStyle/>
                     <a:p>
-                      <a:pPr algn="r" fontAlgn="b"/>
+                      <a:pPr algn="ctr" fontAlgn="b"/>
                       <a:r>
                         <a:rPr lang="ru-RU" sz="1200" b="0" i="0" u="none" strike="noStrike">
                           <a:solidFill>
@@ -14421,7 +14768,7 @@
                     <a:bodyPr/>
                     <a:lstStyle/>
                     <a:p>
-                      <a:pPr algn="r" fontAlgn="b"/>
+                      <a:pPr algn="ctr" fontAlgn="b"/>
                       <a:r>
                         <a:rPr lang="ru-RU" sz="1200" b="0" i="0" u="none" strike="noStrike">
                           <a:solidFill>
@@ -14441,7 +14788,116 @@
                     <a:bodyPr/>
                     <a:lstStyle/>
                     <a:p>
-                      <a:pPr algn="l" fontAlgn="b"/>
+                      <a:pPr algn="ctr" fontAlgn="b"/>
+                      <a:r>
+                        <a:rPr lang="ru-RU" sz="1200" b="0" i="0" u="none" strike="noStrike" dirty="0">
+                          <a:solidFill>
+                            <a:srgbClr val="000000"/>
+                          </a:solidFill>
+                          <a:effectLst/>
+                          <a:latin typeface="Calibri" panose="020F0502020204030204" pitchFamily="34" charset="0"/>
+                        </a:rPr>
+                        <a:t>ИСТИНА</a:t>
+                      </a:r>
+                    </a:p>
+                  </a:txBody>
+                  <a:tcPr marL="9525" marR="9525" marT="9525" marB="0" anchor="b">
+                    <a:solidFill>
+                      <a:schemeClr val="accent6"/>
+                    </a:solidFill>
+                  </a:tcPr>
+                </a:tc>
+                <a:tc>
+                  <a:txBody>
+                    <a:bodyPr/>
+                    <a:lstStyle/>
+                    <a:p>
+                      <a:pPr marL="0" marR="0" lvl="0" indent="0" algn="ctr" defTabSz="914400" rtl="0" eaLnBrk="1" fontAlgn="b" latinLnBrk="0" hangingPunct="1">
+                        <a:lnSpc>
+                          <a:spcPct val="100000"/>
+                        </a:lnSpc>
+                        <a:spcBef>
+                          <a:spcPts val="0"/>
+                        </a:spcBef>
+                        <a:spcAft>
+                          <a:spcPts val="0"/>
+                        </a:spcAft>
+                        <a:buClrTx/>
+                        <a:buSzTx/>
+                        <a:buFontTx/>
+                        <a:buNone/>
+                        <a:tabLst/>
+                        <a:defRPr/>
+                      </a:pPr>
+                      <a:r>
+                        <a:rPr kumimoji="0" lang="ru-RU" sz="1200" b="0" i="0" u="none" strike="noStrike" kern="1200" cap="none" spc="0" normalizeH="0" baseline="0" noProof="0" dirty="0" smtClean="0">
+                          <a:ln>
+                            <a:noFill/>
+                          </a:ln>
+                          <a:solidFill>
+                            <a:srgbClr val="000000"/>
+                          </a:solidFill>
+                          <a:effectLst/>
+                          <a:uLnTx/>
+                          <a:uFillTx/>
+                          <a:latin typeface="Calibri" panose="020F0502020204030204" pitchFamily="34" charset="0"/>
+                          <a:ea typeface="+mn-ea"/>
+                          <a:cs typeface="+mn-cs"/>
+                        </a:rPr>
+                        <a:t>ИСТИНА</a:t>
+                      </a:r>
+                      <a:endParaRPr kumimoji="0" lang="ru-RU" sz="1200" b="0" i="0" u="none" strike="noStrike" kern="1200" cap="none" spc="0" normalizeH="0" baseline="0" noProof="0" dirty="0">
+                        <a:ln>
+                          <a:noFill/>
+                        </a:ln>
+                        <a:solidFill>
+                          <a:srgbClr val="000000"/>
+                        </a:solidFill>
+                        <a:effectLst/>
+                        <a:uLnTx/>
+                        <a:uFillTx/>
+                        <a:latin typeface="Calibri" panose="020F0502020204030204" pitchFamily="34" charset="0"/>
+                        <a:ea typeface="+mn-ea"/>
+                        <a:cs typeface="+mn-cs"/>
+                      </a:endParaRPr>
+                    </a:p>
+                  </a:txBody>
+                  <a:tcPr marL="9525" marR="9525" marT="9525" marB="0" anchor="b">
+                    <a:solidFill>
+                      <a:schemeClr val="accent6"/>
+                    </a:solidFill>
+                  </a:tcPr>
+                </a:tc>
+                <a:tc>
+                  <a:txBody>
+                    <a:bodyPr/>
+                    <a:lstStyle/>
+                    <a:p>
+                      <a:pPr algn="ctr" fontAlgn="b"/>
+                      <a:r>
+                        <a:rPr lang="ru-RU" sz="1200" b="0" i="0" u="none" strike="noStrike" dirty="0">
+                          <a:solidFill>
+                            <a:srgbClr val="000000"/>
+                          </a:solidFill>
+                          <a:effectLst/>
+                          <a:latin typeface="Calibri" panose="020F0502020204030204" pitchFamily="34" charset="0"/>
+                        </a:rPr>
+                        <a:t>Верно</a:t>
+                      </a:r>
+                    </a:p>
+                  </a:txBody>
+                  <a:tcPr marL="9525" marR="9525" marT="9525" marB="0" anchor="b">
+                    <a:solidFill>
+                      <a:schemeClr val="accent6"/>
+                    </a:solidFill>
+                  </a:tcPr>
+                </a:tc>
+                <a:tc>
+                  <a:txBody>
+                    <a:bodyPr/>
+                    <a:lstStyle/>
+                    <a:p>
+                      <a:pPr algn="ctr" fontAlgn="b"/>
                       <a:r>
                         <a:rPr lang="ru-RU" sz="1200" b="0" i="0" u="none" strike="noStrike">
                           <a:solidFill>
@@ -14450,66 +14906,6 @@
                           <a:effectLst/>
                           <a:latin typeface="Calibri" panose="020F0502020204030204" pitchFamily="34" charset="0"/>
                         </a:rPr>
-                        <a:t>ИСТИНА</a:t>
-                      </a:r>
-                    </a:p>
-                  </a:txBody>
-                  <a:tcPr marL="9525" marR="9525" marT="9525" marB="0" anchor="b"/>
-                </a:tc>
-                <a:tc>
-                  <a:txBody>
-                    <a:bodyPr/>
-                    <a:lstStyle/>
-                    <a:p>
-                      <a:pPr algn="r" fontAlgn="b"/>
-                      <a:r>
-                        <a:rPr lang="ru-RU" sz="1200" b="0" i="0" u="none" strike="noStrike" dirty="0">
-                          <a:solidFill>
-                            <a:srgbClr val="000000"/>
-                          </a:solidFill>
-                          <a:effectLst/>
-                          <a:latin typeface="Calibri" panose="020F0502020204030204" pitchFamily="34" charset="0"/>
-                        </a:rPr>
-                        <a:t>0</a:t>
-                      </a:r>
-                    </a:p>
-                  </a:txBody>
-                  <a:tcPr marL="9525" marR="9525" marT="9525" marB="0" anchor="b"/>
-                </a:tc>
-                <a:tc>
-                  <a:txBody>
-                    <a:bodyPr/>
-                    <a:lstStyle/>
-                    <a:p>
-                      <a:pPr algn="l" fontAlgn="b"/>
-                      <a:r>
-                        <a:rPr lang="ru-RU" sz="1200" b="0" i="0" u="none" strike="noStrike">
-                          <a:solidFill>
-                            <a:srgbClr val="000000"/>
-                          </a:solidFill>
-                          <a:effectLst/>
-                          <a:latin typeface="Calibri" panose="020F0502020204030204" pitchFamily="34" charset="0"/>
-                        </a:rPr>
-                        <a:t>Верно</a:t>
-                      </a:r>
-                    </a:p>
-                  </a:txBody>
-                  <a:tcPr marL="9525" marR="9525" marT="9525" marB="0" anchor="b"/>
-                </a:tc>
-                <a:tc>
-                  <a:txBody>
-                    <a:bodyPr/>
-                    <a:lstStyle/>
-                    <a:p>
-                      <a:pPr algn="r" fontAlgn="b"/>
-                      <a:r>
-                        <a:rPr lang="ru-RU" sz="1200" b="0" i="0" u="none" strike="noStrike">
-                          <a:solidFill>
-                            <a:srgbClr val="000000"/>
-                          </a:solidFill>
-                          <a:effectLst/>
-                          <a:latin typeface="Calibri" panose="020F0502020204030204" pitchFamily="34" charset="0"/>
-                        </a:rPr>
                         <a:t>3</a:t>
                       </a:r>
                     </a:p>
@@ -14521,7 +14917,7 @@
                     <a:bodyPr/>
                     <a:lstStyle/>
                     <a:p>
-                      <a:pPr algn="r" fontAlgn="b"/>
+                      <a:pPr algn="ctr" fontAlgn="b"/>
                       <a:r>
                         <a:rPr lang="ru-RU" sz="1200" b="0" i="0" u="none" strike="noStrike" dirty="0">
                           <a:solidFill>
@@ -14575,7 +14971,7 @@
                     <a:bodyPr/>
                     <a:lstStyle/>
                     <a:p>
-                      <a:pPr algn="r" fontAlgn="b"/>
+                      <a:pPr algn="ctr" fontAlgn="b"/>
                       <a:r>
                         <a:rPr lang="ru-RU" sz="1200" b="0" i="0" u="none" strike="noStrike">
                           <a:solidFill>
@@ -14595,7 +14991,7 @@
                     <a:bodyPr/>
                     <a:lstStyle/>
                     <a:p>
-                      <a:pPr algn="r" fontAlgn="b"/>
+                      <a:pPr algn="ctr" fontAlgn="b"/>
                       <a:r>
                         <a:rPr lang="ru-RU" sz="1200" b="0" i="0" u="none" strike="noStrike">
                           <a:solidFill>
@@ -14615,7 +15011,116 @@
                     <a:bodyPr/>
                     <a:lstStyle/>
                     <a:p>
-                      <a:pPr algn="l" fontAlgn="b"/>
+                      <a:pPr algn="ctr" fontAlgn="b"/>
+                      <a:r>
+                        <a:rPr lang="ru-RU" sz="1200" b="0" i="0" u="none" strike="noStrike" dirty="0">
+                          <a:solidFill>
+                            <a:srgbClr val="000000"/>
+                          </a:solidFill>
+                          <a:effectLst/>
+                          <a:latin typeface="Calibri" panose="020F0502020204030204" pitchFamily="34" charset="0"/>
+                        </a:rPr>
+                        <a:t>ИСТИНА</a:t>
+                      </a:r>
+                    </a:p>
+                  </a:txBody>
+                  <a:tcPr marL="9525" marR="9525" marT="9525" marB="0" anchor="b">
+                    <a:solidFill>
+                      <a:schemeClr val="accent6"/>
+                    </a:solidFill>
+                  </a:tcPr>
+                </a:tc>
+                <a:tc>
+                  <a:txBody>
+                    <a:bodyPr/>
+                    <a:lstStyle/>
+                    <a:p>
+                      <a:pPr marL="0" marR="0" lvl="0" indent="0" algn="ctr" defTabSz="914400" rtl="0" eaLnBrk="1" fontAlgn="b" latinLnBrk="0" hangingPunct="1">
+                        <a:lnSpc>
+                          <a:spcPct val="100000"/>
+                        </a:lnSpc>
+                        <a:spcBef>
+                          <a:spcPts val="0"/>
+                        </a:spcBef>
+                        <a:spcAft>
+                          <a:spcPts val="0"/>
+                        </a:spcAft>
+                        <a:buClrTx/>
+                        <a:buSzTx/>
+                        <a:buFontTx/>
+                        <a:buNone/>
+                        <a:tabLst/>
+                        <a:defRPr/>
+                      </a:pPr>
+                      <a:r>
+                        <a:rPr kumimoji="0" lang="ru-RU" sz="1200" b="0" i="0" u="none" strike="noStrike" kern="1200" cap="none" spc="0" normalizeH="0" baseline="0" noProof="0" dirty="0" smtClean="0">
+                          <a:ln>
+                            <a:noFill/>
+                          </a:ln>
+                          <a:solidFill>
+                            <a:srgbClr val="000000"/>
+                          </a:solidFill>
+                          <a:effectLst/>
+                          <a:uLnTx/>
+                          <a:uFillTx/>
+                          <a:latin typeface="Calibri" panose="020F0502020204030204" pitchFamily="34" charset="0"/>
+                          <a:ea typeface="+mn-ea"/>
+                          <a:cs typeface="+mn-cs"/>
+                        </a:rPr>
+                        <a:t>ИСТИНА</a:t>
+                      </a:r>
+                      <a:endParaRPr kumimoji="0" lang="ru-RU" sz="1200" b="0" i="0" u="none" strike="noStrike" kern="1200" cap="none" spc="0" normalizeH="0" baseline="0" noProof="0" dirty="0">
+                        <a:ln>
+                          <a:noFill/>
+                        </a:ln>
+                        <a:solidFill>
+                          <a:srgbClr val="000000"/>
+                        </a:solidFill>
+                        <a:effectLst/>
+                        <a:uLnTx/>
+                        <a:uFillTx/>
+                        <a:latin typeface="Calibri" panose="020F0502020204030204" pitchFamily="34" charset="0"/>
+                        <a:ea typeface="+mn-ea"/>
+                        <a:cs typeface="+mn-cs"/>
+                      </a:endParaRPr>
+                    </a:p>
+                  </a:txBody>
+                  <a:tcPr marL="9525" marR="9525" marT="9525" marB="0" anchor="b">
+                    <a:solidFill>
+                      <a:schemeClr val="accent6"/>
+                    </a:solidFill>
+                  </a:tcPr>
+                </a:tc>
+                <a:tc>
+                  <a:txBody>
+                    <a:bodyPr/>
+                    <a:lstStyle/>
+                    <a:p>
+                      <a:pPr algn="ctr" fontAlgn="b"/>
+                      <a:r>
+                        <a:rPr lang="ru-RU" sz="1200" b="0" i="0" u="none" strike="noStrike" dirty="0">
+                          <a:solidFill>
+                            <a:srgbClr val="000000"/>
+                          </a:solidFill>
+                          <a:effectLst/>
+                          <a:latin typeface="Calibri" panose="020F0502020204030204" pitchFamily="34" charset="0"/>
+                        </a:rPr>
+                        <a:t>Верно</a:t>
+                      </a:r>
+                    </a:p>
+                  </a:txBody>
+                  <a:tcPr marL="9525" marR="9525" marT="9525" marB="0" anchor="b">
+                    <a:solidFill>
+                      <a:schemeClr val="accent6"/>
+                    </a:solidFill>
+                  </a:tcPr>
+                </a:tc>
+                <a:tc>
+                  <a:txBody>
+                    <a:bodyPr/>
+                    <a:lstStyle/>
+                    <a:p>
+                      <a:pPr algn="ctr" fontAlgn="b"/>
                       <a:r>
                         <a:rPr lang="ru-RU" sz="1200" b="0" i="0" u="none" strike="noStrike">
                           <a:solidFill>
@@ -14624,66 +15129,6 @@
                           <a:effectLst/>
                           <a:latin typeface="Calibri" panose="020F0502020204030204" pitchFamily="34" charset="0"/>
                         </a:rPr>
-                        <a:t>ИСТИНА</a:t>
-                      </a:r>
-                    </a:p>
-                  </a:txBody>
-                  <a:tcPr marL="9525" marR="9525" marT="9525" marB="0" anchor="b"/>
-                </a:tc>
-                <a:tc>
-                  <a:txBody>
-                    <a:bodyPr/>
-                    <a:lstStyle/>
-                    <a:p>
-                      <a:pPr algn="r" fontAlgn="b"/>
-                      <a:r>
-                        <a:rPr lang="ru-RU" sz="1200" b="0" i="0" u="none" strike="noStrike" dirty="0">
-                          <a:solidFill>
-                            <a:srgbClr val="000000"/>
-                          </a:solidFill>
-                          <a:effectLst/>
-                          <a:latin typeface="Calibri" panose="020F0502020204030204" pitchFamily="34" charset="0"/>
-                        </a:rPr>
-                        <a:t>0</a:t>
-                      </a:r>
-                    </a:p>
-                  </a:txBody>
-                  <a:tcPr marL="9525" marR="9525" marT="9525" marB="0" anchor="b"/>
-                </a:tc>
-                <a:tc>
-                  <a:txBody>
-                    <a:bodyPr/>
-                    <a:lstStyle/>
-                    <a:p>
-                      <a:pPr algn="l" fontAlgn="b"/>
-                      <a:r>
-                        <a:rPr lang="ru-RU" sz="1200" b="0" i="0" u="none" strike="noStrike">
-                          <a:solidFill>
-                            <a:srgbClr val="000000"/>
-                          </a:solidFill>
-                          <a:effectLst/>
-                          <a:latin typeface="Calibri" panose="020F0502020204030204" pitchFamily="34" charset="0"/>
-                        </a:rPr>
-                        <a:t>Верно</a:t>
-                      </a:r>
-                    </a:p>
-                  </a:txBody>
-                  <a:tcPr marL="9525" marR="9525" marT="9525" marB="0" anchor="b"/>
-                </a:tc>
-                <a:tc>
-                  <a:txBody>
-                    <a:bodyPr/>
-                    <a:lstStyle/>
-                    <a:p>
-                      <a:pPr algn="r" fontAlgn="b"/>
-                      <a:r>
-                        <a:rPr lang="ru-RU" sz="1200" b="0" i="0" u="none" strike="noStrike">
-                          <a:solidFill>
-                            <a:srgbClr val="000000"/>
-                          </a:solidFill>
-                          <a:effectLst/>
-                          <a:latin typeface="Calibri" panose="020F0502020204030204" pitchFamily="34" charset="0"/>
-                        </a:rPr>
                         <a:t>2</a:t>
                       </a:r>
                     </a:p>
@@ -14695,7 +15140,7 @@
                     <a:bodyPr/>
                     <a:lstStyle/>
                     <a:p>
-                      <a:pPr algn="r" fontAlgn="b"/>
+                      <a:pPr algn="ctr" fontAlgn="b"/>
                       <a:r>
                         <a:rPr lang="ru-RU" sz="1200" b="0" i="0" u="none" strike="noStrike">
                           <a:solidFill>
@@ -14742,7 +15187,7 @@
                     <a:bodyPr/>
                     <a:lstStyle/>
                     <a:p>
-                      <a:pPr algn="r" fontAlgn="b"/>
+                      <a:pPr algn="ctr" fontAlgn="b"/>
                       <a:r>
                         <a:rPr lang="ru-RU" sz="1200" b="0" i="0" u="none" strike="noStrike">
                           <a:solidFill>
@@ -14762,7 +15207,7 @@
                     <a:bodyPr/>
                     <a:lstStyle/>
                     <a:p>
-                      <a:pPr algn="r" fontAlgn="b"/>
+                      <a:pPr algn="ctr" fontAlgn="b"/>
                       <a:r>
                         <a:rPr lang="ru-RU" sz="1200" b="0" i="0" u="none" strike="noStrike">
                           <a:solidFill>
@@ -14782,7 +15227,116 @@
                     <a:bodyPr/>
                     <a:lstStyle/>
                     <a:p>
-                      <a:pPr algn="l" fontAlgn="b"/>
+                      <a:pPr algn="ctr" fontAlgn="b"/>
+                      <a:r>
+                        <a:rPr lang="ru-RU" sz="1200" b="0" i="0" u="none" strike="noStrike" dirty="0">
+                          <a:solidFill>
+                            <a:srgbClr val="000000"/>
+                          </a:solidFill>
+                          <a:effectLst/>
+                          <a:latin typeface="Calibri" panose="020F0502020204030204" pitchFamily="34" charset="0"/>
+                        </a:rPr>
+                        <a:t>ИСТИНА</a:t>
+                      </a:r>
+                    </a:p>
+                  </a:txBody>
+                  <a:tcPr marL="9525" marR="9525" marT="9525" marB="0" anchor="b">
+                    <a:solidFill>
+                      <a:schemeClr val="accent6"/>
+                    </a:solidFill>
+                  </a:tcPr>
+                </a:tc>
+                <a:tc>
+                  <a:txBody>
+                    <a:bodyPr/>
+                    <a:lstStyle/>
+                    <a:p>
+                      <a:pPr marL="0" marR="0" lvl="0" indent="0" algn="ctr" defTabSz="914400" rtl="0" eaLnBrk="1" fontAlgn="b" latinLnBrk="0" hangingPunct="1">
+                        <a:lnSpc>
+                          <a:spcPct val="100000"/>
+                        </a:lnSpc>
+                        <a:spcBef>
+                          <a:spcPts val="0"/>
+                        </a:spcBef>
+                        <a:spcAft>
+                          <a:spcPts val="0"/>
+                        </a:spcAft>
+                        <a:buClrTx/>
+                        <a:buSzTx/>
+                        <a:buFontTx/>
+                        <a:buNone/>
+                        <a:tabLst/>
+                        <a:defRPr/>
+                      </a:pPr>
+                      <a:r>
+                        <a:rPr kumimoji="0" lang="ru-RU" sz="1200" b="0" i="0" u="none" strike="noStrike" kern="1200" cap="none" spc="0" normalizeH="0" baseline="0" noProof="0" dirty="0" smtClean="0">
+                          <a:ln>
+                            <a:noFill/>
+                          </a:ln>
+                          <a:solidFill>
+                            <a:srgbClr val="000000"/>
+                          </a:solidFill>
+                          <a:effectLst/>
+                          <a:uLnTx/>
+                          <a:uFillTx/>
+                          <a:latin typeface="Calibri" panose="020F0502020204030204" pitchFamily="34" charset="0"/>
+                          <a:ea typeface="+mn-ea"/>
+                          <a:cs typeface="+mn-cs"/>
+                        </a:rPr>
+                        <a:t>ИСТИНА</a:t>
+                      </a:r>
+                      <a:endParaRPr kumimoji="0" lang="ru-RU" sz="1200" b="0" i="0" u="none" strike="noStrike" kern="1200" cap="none" spc="0" normalizeH="0" baseline="0" noProof="0" dirty="0">
+                        <a:ln>
+                          <a:noFill/>
+                        </a:ln>
+                        <a:solidFill>
+                          <a:srgbClr val="000000"/>
+                        </a:solidFill>
+                        <a:effectLst/>
+                        <a:uLnTx/>
+                        <a:uFillTx/>
+                        <a:latin typeface="Calibri" panose="020F0502020204030204" pitchFamily="34" charset="0"/>
+                        <a:ea typeface="+mn-ea"/>
+                        <a:cs typeface="+mn-cs"/>
+                      </a:endParaRPr>
+                    </a:p>
+                  </a:txBody>
+                  <a:tcPr marL="9525" marR="9525" marT="9525" marB="0" anchor="b">
+                    <a:solidFill>
+                      <a:schemeClr val="accent6"/>
+                    </a:solidFill>
+                  </a:tcPr>
+                </a:tc>
+                <a:tc>
+                  <a:txBody>
+                    <a:bodyPr/>
+                    <a:lstStyle/>
+                    <a:p>
+                      <a:pPr algn="ctr" fontAlgn="b"/>
+                      <a:r>
+                        <a:rPr lang="ru-RU" sz="1200" b="0" i="0" u="none" strike="noStrike" dirty="0">
+                          <a:solidFill>
+                            <a:srgbClr val="000000"/>
+                          </a:solidFill>
+                          <a:effectLst/>
+                          <a:latin typeface="Calibri" panose="020F0502020204030204" pitchFamily="34" charset="0"/>
+                        </a:rPr>
+                        <a:t>Верно</a:t>
+                      </a:r>
+                    </a:p>
+                  </a:txBody>
+                  <a:tcPr marL="9525" marR="9525" marT="9525" marB="0" anchor="b">
+                    <a:solidFill>
+                      <a:schemeClr val="accent6"/>
+                    </a:solidFill>
+                  </a:tcPr>
+                </a:tc>
+                <a:tc>
+                  <a:txBody>
+                    <a:bodyPr/>
+                    <a:lstStyle/>
+                    <a:p>
+                      <a:pPr algn="ctr" fontAlgn="b"/>
                       <a:r>
                         <a:rPr lang="ru-RU" sz="1200" b="0" i="0" u="none" strike="noStrike">
                           <a:solidFill>
@@ -14791,66 +15345,6 @@
                           <a:effectLst/>
                           <a:latin typeface="Calibri" panose="020F0502020204030204" pitchFamily="34" charset="0"/>
                         </a:rPr>
-                        <a:t>ИСТИНА</a:t>
-                      </a:r>
-                    </a:p>
-                  </a:txBody>
-                  <a:tcPr marL="9525" marR="9525" marT="9525" marB="0" anchor="b"/>
-                </a:tc>
-                <a:tc>
-                  <a:txBody>
-                    <a:bodyPr/>
-                    <a:lstStyle/>
-                    <a:p>
-                      <a:pPr algn="r" fontAlgn="b"/>
-                      <a:r>
-                        <a:rPr lang="ru-RU" sz="1200" b="0" i="0" u="none" strike="noStrike">
-                          <a:solidFill>
-                            <a:srgbClr val="000000"/>
-                          </a:solidFill>
-                          <a:effectLst/>
-                          <a:latin typeface="Calibri" panose="020F0502020204030204" pitchFamily="34" charset="0"/>
-                        </a:rPr>
-                        <a:t>0</a:t>
-                      </a:r>
-                    </a:p>
-                  </a:txBody>
-                  <a:tcPr marL="9525" marR="9525" marT="9525" marB="0" anchor="b"/>
-                </a:tc>
-                <a:tc>
-                  <a:txBody>
-                    <a:bodyPr/>
-                    <a:lstStyle/>
-                    <a:p>
-                      <a:pPr algn="l" fontAlgn="b"/>
-                      <a:r>
-                        <a:rPr lang="ru-RU" sz="1200" b="0" i="0" u="none" strike="noStrike">
-                          <a:solidFill>
-                            <a:srgbClr val="000000"/>
-                          </a:solidFill>
-                          <a:effectLst/>
-                          <a:latin typeface="Calibri" panose="020F0502020204030204" pitchFamily="34" charset="0"/>
-                        </a:rPr>
-                        <a:t>Верно</a:t>
-                      </a:r>
-                    </a:p>
-                  </a:txBody>
-                  <a:tcPr marL="9525" marR="9525" marT="9525" marB="0" anchor="b"/>
-                </a:tc>
-                <a:tc>
-                  <a:txBody>
-                    <a:bodyPr/>
-                    <a:lstStyle/>
-                    <a:p>
-                      <a:pPr algn="r" fontAlgn="b"/>
-                      <a:r>
-                        <a:rPr lang="ru-RU" sz="1200" b="0" i="0" u="none" strike="noStrike">
-                          <a:solidFill>
-                            <a:srgbClr val="000000"/>
-                          </a:solidFill>
-                          <a:effectLst/>
-                          <a:latin typeface="Calibri" panose="020F0502020204030204" pitchFamily="34" charset="0"/>
-                        </a:rPr>
                         <a:t>2</a:t>
                       </a:r>
                     </a:p>
@@ -14862,7 +15356,7 @@
                     <a:bodyPr/>
                     <a:lstStyle/>
                     <a:p>
-                      <a:pPr algn="r" fontAlgn="b"/>
+                      <a:pPr algn="ctr" fontAlgn="b"/>
                       <a:r>
                         <a:rPr lang="ru-RU" sz="1200" b="0" i="0" u="none" strike="noStrike">
                           <a:solidFill>
@@ -14916,7 +15410,7 @@
                     <a:bodyPr/>
                     <a:lstStyle/>
                     <a:p>
-                      <a:pPr algn="r" fontAlgn="b"/>
+                      <a:pPr algn="ctr" fontAlgn="b"/>
                       <a:r>
                         <a:rPr lang="ru-RU" sz="1200" b="0" i="0" u="none" strike="noStrike">
                           <a:solidFill>
@@ -14936,9 +15430,9 @@
                     <a:bodyPr/>
                     <a:lstStyle/>
                     <a:p>
-                      <a:pPr algn="r" fontAlgn="b"/>
-                      <a:r>
-                        <a:rPr lang="ru-RU" sz="1200" b="0" i="0" u="none" strike="noStrike">
+                      <a:pPr algn="ctr" fontAlgn="b"/>
+                      <a:r>
+                        <a:rPr lang="ru-RU" sz="1200" b="0" i="0" u="none" strike="noStrike" dirty="0">
                           <a:solidFill>
                             <a:srgbClr val="000000"/>
                           </a:solidFill>
@@ -14956,9 +15450,9 @@
                     <a:bodyPr/>
                     <a:lstStyle/>
                     <a:p>
-                      <a:pPr algn="l" fontAlgn="b"/>
-                      <a:r>
-                        <a:rPr lang="ru-RU" sz="1200" b="0" i="0" u="none" strike="noStrike">
+                      <a:pPr algn="ctr" fontAlgn="b"/>
+                      <a:r>
+                        <a:rPr lang="ru-RU" sz="1200" b="0" i="0" u="none" strike="noStrike" dirty="0">
                           <a:solidFill>
                             <a:srgbClr val="000000"/>
                           </a:solidFill>
@@ -14969,34 +15463,79 @@
                       </a:r>
                     </a:p>
                   </a:txBody>
-                  <a:tcPr marL="9525" marR="9525" marT="9525" marB="0" anchor="b"/>
-                </a:tc>
-                <a:tc>
-                  <a:txBody>
-                    <a:bodyPr/>
-                    <a:lstStyle/>
-                    <a:p>
-                      <a:pPr algn="r" fontAlgn="b"/>
-                      <a:r>
-                        <a:rPr lang="ru-RU" sz="1200" b="0" i="0" u="none" strike="noStrike">
-                          <a:solidFill>
-                            <a:srgbClr val="000000"/>
-                          </a:solidFill>
-                          <a:effectLst/>
-                          <a:latin typeface="Calibri" panose="020F0502020204030204" pitchFamily="34" charset="0"/>
-                        </a:rPr>
-                        <a:t>0</a:t>
-                      </a:r>
-                    </a:p>
-                  </a:txBody>
-                  <a:tcPr marL="9525" marR="9525" marT="9525" marB="0" anchor="b"/>
-                </a:tc>
-                <a:tc>
-                  <a:txBody>
-                    <a:bodyPr/>
-                    <a:lstStyle/>
-                    <a:p>
-                      <a:pPr algn="l" fontAlgn="b"/>
+                  <a:tcPr marL="9525" marR="9525" marT="9525" marB="0" anchor="b">
+                    <a:solidFill>
+                      <a:schemeClr val="accent6"/>
+                    </a:solidFill>
+                  </a:tcPr>
+                </a:tc>
+                <a:tc>
+                  <a:txBody>
+                    <a:bodyPr/>
+                    <a:lstStyle/>
+                    <a:p>
+                      <a:pPr marL="0" marR="0" lvl="0" indent="0" algn="ctr" defTabSz="914400" rtl="0" eaLnBrk="1" fontAlgn="b" latinLnBrk="0" hangingPunct="1">
+                        <a:lnSpc>
+                          <a:spcPct val="100000"/>
+                        </a:lnSpc>
+                        <a:spcBef>
+                          <a:spcPts val="0"/>
+                        </a:spcBef>
+                        <a:spcAft>
+                          <a:spcPts val="0"/>
+                        </a:spcAft>
+                        <a:buClrTx/>
+                        <a:buSzTx/>
+                        <a:buFontTx/>
+                        <a:buNone/>
+                        <a:tabLst/>
+                        <a:defRPr/>
+                      </a:pPr>
+                      <a:r>
+                        <a:rPr kumimoji="0" lang="ru-RU" sz="1200" b="0" i="0" u="none" strike="noStrike" kern="1200" cap="none" spc="0" normalizeH="0" baseline="0" noProof="0" dirty="0" smtClean="0">
+                          <a:ln>
+                            <a:noFill/>
+                          </a:ln>
+                          <a:solidFill>
+                            <a:srgbClr val="000000"/>
+                          </a:solidFill>
+                          <a:effectLst/>
+                          <a:uLnTx/>
+                          <a:uFillTx/>
+                          <a:latin typeface="Calibri" panose="020F0502020204030204" pitchFamily="34" charset="0"/>
+                          <a:ea typeface="+mn-ea"/>
+                          <a:cs typeface="+mn-cs"/>
+                        </a:rPr>
+                        <a:t>ИСТИНА</a:t>
+                      </a:r>
+                      <a:endParaRPr kumimoji="0" lang="ru-RU" sz="1200" b="0" i="0" u="none" strike="noStrike" kern="1200" cap="none" spc="0" normalizeH="0" baseline="0" noProof="0" dirty="0">
+                        <a:ln>
+                          <a:noFill/>
+                        </a:ln>
+                        <a:solidFill>
+                          <a:srgbClr val="000000"/>
+                        </a:solidFill>
+                        <a:effectLst/>
+                        <a:uLnTx/>
+                        <a:uFillTx/>
+                        <a:latin typeface="Calibri" panose="020F0502020204030204" pitchFamily="34" charset="0"/>
+                        <a:ea typeface="+mn-ea"/>
+                        <a:cs typeface="+mn-cs"/>
+                      </a:endParaRPr>
+                    </a:p>
+                  </a:txBody>
+                  <a:tcPr marL="9525" marR="9525" marT="9525" marB="0" anchor="b">
+                    <a:solidFill>
+                      <a:schemeClr val="accent6"/>
+                    </a:solidFill>
+                  </a:tcPr>
+                </a:tc>
+                <a:tc>
+                  <a:txBody>
+                    <a:bodyPr/>
+                    <a:lstStyle/>
+                    <a:p>
+                      <a:pPr algn="ctr" fontAlgn="b"/>
                       <a:r>
                         <a:rPr lang="ru-RU" sz="1200" b="0" i="0" u="none" strike="noStrike" dirty="0">
                           <a:solidFill>
@@ -15009,16 +15548,20 @@
                       </a:r>
                     </a:p>
                   </a:txBody>
-                  <a:tcPr marL="9525" marR="9525" marT="9525" marB="0" anchor="b"/>
-                </a:tc>
-                <a:tc>
-                  <a:txBody>
-                    <a:bodyPr/>
-                    <a:lstStyle/>
-                    <a:p>
-                      <a:pPr algn="r" fontAlgn="b"/>
-                      <a:r>
-                        <a:rPr lang="ru-RU" sz="1200" b="0" i="0" u="none" strike="noStrike">
+                  <a:tcPr marL="9525" marR="9525" marT="9525" marB="0" anchor="b">
+                    <a:solidFill>
+                      <a:schemeClr val="accent6"/>
+                    </a:solidFill>
+                  </a:tcPr>
+                </a:tc>
+                <a:tc>
+                  <a:txBody>
+                    <a:bodyPr/>
+                    <a:lstStyle/>
+                    <a:p>
+                      <a:pPr algn="ctr" fontAlgn="b"/>
+                      <a:r>
+                        <a:rPr lang="ru-RU" sz="1200" b="0" i="0" u="none" strike="noStrike" dirty="0">
                           <a:solidFill>
                             <a:srgbClr val="000000"/>
                           </a:solidFill>
@@ -15036,7 +15579,7 @@
                     <a:bodyPr/>
                     <a:lstStyle/>
                     <a:p>
-                      <a:pPr algn="r" fontAlgn="b"/>
+                      <a:pPr algn="ctr" fontAlgn="b"/>
                       <a:r>
                         <a:rPr lang="ru-RU" sz="1200" b="0" i="0" u="none" strike="noStrike" dirty="0">
                           <a:solidFill>
@@ -15083,7 +15626,7 @@
                     <a:bodyPr/>
                     <a:lstStyle/>
                     <a:p>
-                      <a:pPr algn="r" fontAlgn="b"/>
+                      <a:pPr algn="ctr" fontAlgn="b"/>
                       <a:r>
                         <a:rPr lang="ru-RU" sz="1200" b="0" i="0" u="none" strike="noStrike">
                           <a:solidFill>
@@ -15103,7 +15646,7 @@
                     <a:bodyPr/>
                     <a:lstStyle/>
                     <a:p>
-                      <a:pPr algn="r" fontAlgn="b"/>
+                      <a:pPr algn="ctr" fontAlgn="b"/>
                       <a:r>
                         <a:rPr lang="ru-RU" sz="1200" b="0" i="0" u="none" strike="noStrike">
                           <a:solidFill>
@@ -15123,9 +15666,9 @@
                     <a:bodyPr/>
                     <a:lstStyle/>
                     <a:p>
-                      <a:pPr algn="l" fontAlgn="b"/>
-                      <a:r>
-                        <a:rPr lang="ru-RU" sz="1200" b="0" i="0" u="none" strike="noStrike">
+                      <a:pPr algn="ctr" fontAlgn="b"/>
+                      <a:r>
+                        <a:rPr lang="ru-RU" sz="1200" b="0" i="0" u="none" strike="noStrike" dirty="0">
                           <a:solidFill>
                             <a:srgbClr val="000000"/>
                           </a:solidFill>
@@ -15136,34 +15679,79 @@
                       </a:r>
                     </a:p>
                   </a:txBody>
-                  <a:tcPr marL="9525" marR="9525" marT="9525" marB="0" anchor="b"/>
-                </a:tc>
-                <a:tc>
-                  <a:txBody>
-                    <a:bodyPr/>
-                    <a:lstStyle/>
-                    <a:p>
-                      <a:pPr algn="r" fontAlgn="b"/>
-                      <a:r>
-                        <a:rPr lang="ru-RU" sz="1200" b="0" i="0" u="none" strike="noStrike">
-                          <a:solidFill>
-                            <a:srgbClr val="000000"/>
-                          </a:solidFill>
-                          <a:effectLst/>
-                          <a:latin typeface="Calibri" panose="020F0502020204030204" pitchFamily="34" charset="0"/>
-                        </a:rPr>
-                        <a:t>0</a:t>
-                      </a:r>
-                    </a:p>
-                  </a:txBody>
-                  <a:tcPr marL="9525" marR="9525" marT="9525" marB="0" anchor="b"/>
-                </a:tc>
-                <a:tc>
-                  <a:txBody>
-                    <a:bodyPr/>
-                    <a:lstStyle/>
-                    <a:p>
-                      <a:pPr algn="l" fontAlgn="b"/>
+                  <a:tcPr marL="9525" marR="9525" marT="9525" marB="0" anchor="b">
+                    <a:solidFill>
+                      <a:schemeClr val="accent6"/>
+                    </a:solidFill>
+                  </a:tcPr>
+                </a:tc>
+                <a:tc>
+                  <a:txBody>
+                    <a:bodyPr/>
+                    <a:lstStyle/>
+                    <a:p>
+                      <a:pPr marL="0" marR="0" lvl="0" indent="0" algn="ctr" defTabSz="914400" rtl="0" eaLnBrk="1" fontAlgn="b" latinLnBrk="0" hangingPunct="1">
+                        <a:lnSpc>
+                          <a:spcPct val="100000"/>
+                        </a:lnSpc>
+                        <a:spcBef>
+                          <a:spcPts val="0"/>
+                        </a:spcBef>
+                        <a:spcAft>
+                          <a:spcPts val="0"/>
+                        </a:spcAft>
+                        <a:buClrTx/>
+                        <a:buSzTx/>
+                        <a:buFontTx/>
+                        <a:buNone/>
+                        <a:tabLst/>
+                        <a:defRPr/>
+                      </a:pPr>
+                      <a:r>
+                        <a:rPr kumimoji="0" lang="ru-RU" sz="1200" b="0" i="0" u="none" strike="noStrike" kern="1200" cap="none" spc="0" normalizeH="0" baseline="0" noProof="0" dirty="0" smtClean="0">
+                          <a:ln>
+                            <a:noFill/>
+                          </a:ln>
+                          <a:solidFill>
+                            <a:srgbClr val="000000"/>
+                          </a:solidFill>
+                          <a:effectLst/>
+                          <a:uLnTx/>
+                          <a:uFillTx/>
+                          <a:latin typeface="Calibri" panose="020F0502020204030204" pitchFamily="34" charset="0"/>
+                          <a:ea typeface="+mn-ea"/>
+                          <a:cs typeface="+mn-cs"/>
+                        </a:rPr>
+                        <a:t>ИСТИНА</a:t>
+                      </a:r>
+                      <a:endParaRPr kumimoji="0" lang="ru-RU" sz="1200" b="0" i="0" u="none" strike="noStrike" kern="1200" cap="none" spc="0" normalizeH="0" baseline="0" noProof="0" dirty="0">
+                        <a:ln>
+                          <a:noFill/>
+                        </a:ln>
+                        <a:solidFill>
+                          <a:srgbClr val="000000"/>
+                        </a:solidFill>
+                        <a:effectLst/>
+                        <a:uLnTx/>
+                        <a:uFillTx/>
+                        <a:latin typeface="Calibri" panose="020F0502020204030204" pitchFamily="34" charset="0"/>
+                        <a:ea typeface="+mn-ea"/>
+                        <a:cs typeface="+mn-cs"/>
+                      </a:endParaRPr>
+                    </a:p>
+                  </a:txBody>
+                  <a:tcPr marL="9525" marR="9525" marT="9525" marB="0" anchor="b">
+                    <a:solidFill>
+                      <a:schemeClr val="accent6"/>
+                    </a:solidFill>
+                  </a:tcPr>
+                </a:tc>
+                <a:tc>
+                  <a:txBody>
+                    <a:bodyPr/>
+                    <a:lstStyle/>
+                    <a:p>
+                      <a:pPr algn="ctr" fontAlgn="b"/>
                       <a:r>
                         <a:rPr lang="ru-RU" sz="1200" b="0" i="0" u="none" strike="noStrike" dirty="0">
                           <a:solidFill>
@@ -15176,14 +15764,18 @@
                       </a:r>
                     </a:p>
                   </a:txBody>
-                  <a:tcPr marL="9525" marR="9525" marT="9525" marB="0" anchor="b"/>
-                </a:tc>
-                <a:tc>
-                  <a:txBody>
-                    <a:bodyPr/>
-                    <a:lstStyle/>
-                    <a:p>
-                      <a:pPr algn="r" fontAlgn="b"/>
+                  <a:tcPr marL="9525" marR="9525" marT="9525" marB="0" anchor="b">
+                    <a:solidFill>
+                      <a:schemeClr val="accent6"/>
+                    </a:solidFill>
+                  </a:tcPr>
+                </a:tc>
+                <a:tc>
+                  <a:txBody>
+                    <a:bodyPr/>
+                    <a:lstStyle/>
+                    <a:p>
+                      <a:pPr algn="ctr" fontAlgn="b"/>
                       <a:r>
                         <a:rPr lang="ru-RU" sz="1200" b="0" i="0" u="none" strike="noStrike" dirty="0">
                           <a:solidFill>
@@ -15203,9 +15795,9 @@
                     <a:bodyPr/>
                     <a:lstStyle/>
                     <a:p>
-                      <a:pPr algn="r" fontAlgn="b"/>
-                      <a:r>
-                        <a:rPr lang="ru-RU" sz="1200" b="0" i="0" u="none" strike="noStrike">
+                      <a:pPr algn="ctr" fontAlgn="b"/>
+                      <a:r>
+                        <a:rPr lang="ru-RU" sz="1200" b="0" i="0" u="none" strike="noStrike" dirty="0">
                           <a:solidFill>
                             <a:srgbClr val="000000"/>
                           </a:solidFill>
@@ -15257,7 +15849,7 @@
                     <a:bodyPr/>
                     <a:lstStyle/>
                     <a:p>
-                      <a:pPr algn="r" fontAlgn="b"/>
+                      <a:pPr algn="ctr" fontAlgn="b"/>
                       <a:r>
                         <a:rPr lang="ru-RU" sz="1200" b="0" i="0" u="none" strike="noStrike">
                           <a:solidFill>
@@ -15277,7 +15869,7 @@
                     <a:bodyPr/>
                     <a:lstStyle/>
                     <a:p>
-                      <a:pPr algn="r" fontAlgn="b"/>
+                      <a:pPr algn="ctr" fontAlgn="b"/>
                       <a:r>
                         <a:rPr lang="ru-RU" sz="1200" b="0" i="0" u="none" strike="noStrike">
                           <a:solidFill>
@@ -15297,9 +15889,9 @@
                     <a:bodyPr/>
                     <a:lstStyle/>
                     <a:p>
-                      <a:pPr algn="l" fontAlgn="b"/>
-                      <a:r>
-                        <a:rPr lang="ru-RU" sz="1200" b="0" i="0" u="none" strike="noStrike">
+                      <a:pPr algn="ctr" fontAlgn="b"/>
+                      <a:r>
+                        <a:rPr lang="ru-RU" sz="1200" b="0" i="0" u="none" strike="noStrike" dirty="0">
                           <a:solidFill>
                             <a:srgbClr val="000000"/>
                           </a:solidFill>
@@ -15310,36 +15902,81 @@
                       </a:r>
                     </a:p>
                   </a:txBody>
-                  <a:tcPr marL="9525" marR="9525" marT="9525" marB="0" anchor="b"/>
-                </a:tc>
-                <a:tc>
-                  <a:txBody>
-                    <a:bodyPr/>
-                    <a:lstStyle/>
-                    <a:p>
-                      <a:pPr algn="r" fontAlgn="b"/>
-                      <a:r>
-                        <a:rPr lang="ru-RU" sz="1200" b="0" i="0" u="none" strike="noStrike">
-                          <a:solidFill>
-                            <a:srgbClr val="000000"/>
-                          </a:solidFill>
-                          <a:effectLst/>
-                          <a:latin typeface="Calibri" panose="020F0502020204030204" pitchFamily="34" charset="0"/>
-                        </a:rPr>
-                        <a:t>0</a:t>
-                      </a:r>
-                    </a:p>
-                  </a:txBody>
-                  <a:tcPr marL="9525" marR="9525" marT="9525" marB="0" anchor="b"/>
-                </a:tc>
-                <a:tc>
-                  <a:txBody>
-                    <a:bodyPr/>
-                    <a:lstStyle/>
-                    <a:p>
-                      <a:pPr algn="l" fontAlgn="b"/>
-                      <a:r>
-                        <a:rPr lang="ru-RU" sz="1200" b="0" i="0" u="none" strike="noStrike">
+                  <a:tcPr marL="9525" marR="9525" marT="9525" marB="0" anchor="b">
+                    <a:solidFill>
+                      <a:schemeClr val="accent6"/>
+                    </a:solidFill>
+                  </a:tcPr>
+                </a:tc>
+                <a:tc>
+                  <a:txBody>
+                    <a:bodyPr/>
+                    <a:lstStyle/>
+                    <a:p>
+                      <a:pPr marL="0" marR="0" lvl="0" indent="0" algn="ctr" defTabSz="914400" rtl="0" eaLnBrk="1" fontAlgn="b" latinLnBrk="0" hangingPunct="1">
+                        <a:lnSpc>
+                          <a:spcPct val="100000"/>
+                        </a:lnSpc>
+                        <a:spcBef>
+                          <a:spcPts val="0"/>
+                        </a:spcBef>
+                        <a:spcAft>
+                          <a:spcPts val="0"/>
+                        </a:spcAft>
+                        <a:buClrTx/>
+                        <a:buSzTx/>
+                        <a:buFontTx/>
+                        <a:buNone/>
+                        <a:tabLst/>
+                        <a:defRPr/>
+                      </a:pPr>
+                      <a:r>
+                        <a:rPr kumimoji="0" lang="ru-RU" sz="1200" b="0" i="0" u="none" strike="noStrike" kern="1200" cap="none" spc="0" normalizeH="0" baseline="0" noProof="0" dirty="0" smtClean="0">
+                          <a:ln>
+                            <a:noFill/>
+                          </a:ln>
+                          <a:solidFill>
+                            <a:srgbClr val="000000"/>
+                          </a:solidFill>
+                          <a:effectLst/>
+                          <a:uLnTx/>
+                          <a:uFillTx/>
+                          <a:latin typeface="Calibri" panose="020F0502020204030204" pitchFamily="34" charset="0"/>
+                          <a:ea typeface="+mn-ea"/>
+                          <a:cs typeface="+mn-cs"/>
+                        </a:rPr>
+                        <a:t>ИСТИНА</a:t>
+                      </a:r>
+                      <a:endParaRPr kumimoji="0" lang="ru-RU" sz="1200" b="0" i="0" u="none" strike="noStrike" kern="1200" cap="none" spc="0" normalizeH="0" baseline="0" noProof="0" dirty="0">
+                        <a:ln>
+                          <a:noFill/>
+                        </a:ln>
+                        <a:solidFill>
+                          <a:srgbClr val="000000"/>
+                        </a:solidFill>
+                        <a:effectLst/>
+                        <a:uLnTx/>
+                        <a:uFillTx/>
+                        <a:latin typeface="Calibri" panose="020F0502020204030204" pitchFamily="34" charset="0"/>
+                        <a:ea typeface="+mn-ea"/>
+                        <a:cs typeface="+mn-cs"/>
+                      </a:endParaRPr>
+                    </a:p>
+                  </a:txBody>
+                  <a:tcPr marL="9525" marR="9525" marT="9525" marB="0" anchor="b">
+                    <a:solidFill>
+                      <a:schemeClr val="accent6"/>
+                    </a:solidFill>
+                  </a:tcPr>
+                </a:tc>
+                <a:tc>
+                  <a:txBody>
+                    <a:bodyPr/>
+                    <a:lstStyle/>
+                    <a:p>
+                      <a:pPr algn="ctr" fontAlgn="b"/>
+                      <a:r>
+                        <a:rPr lang="ru-RU" sz="1200" b="0" i="0" u="none" strike="noStrike" dirty="0">
                           <a:solidFill>
                             <a:srgbClr val="000000"/>
                           </a:solidFill>
@@ -15350,14 +15987,18 @@
                       </a:r>
                     </a:p>
                   </a:txBody>
-                  <a:tcPr marL="9525" marR="9525" marT="9525" marB="0" anchor="b"/>
-                </a:tc>
-                <a:tc>
-                  <a:txBody>
-                    <a:bodyPr/>
-                    <a:lstStyle/>
-                    <a:p>
-                      <a:pPr algn="r" fontAlgn="b"/>
+                  <a:tcPr marL="9525" marR="9525" marT="9525" marB="0" anchor="b">
+                    <a:solidFill>
+                      <a:schemeClr val="accent6"/>
+                    </a:solidFill>
+                  </a:tcPr>
+                </a:tc>
+                <a:tc>
+                  <a:txBody>
+                    <a:bodyPr/>
+                    <a:lstStyle/>
+                    <a:p>
+                      <a:pPr algn="ctr" fontAlgn="b"/>
                       <a:r>
                         <a:rPr lang="ru-RU" sz="1200" b="0" i="0" u="none" strike="noStrike" dirty="0">
                           <a:solidFill>
@@ -15377,9 +16018,9 @@
                     <a:bodyPr/>
                     <a:lstStyle/>
                     <a:p>
-                      <a:pPr algn="r" fontAlgn="b"/>
-                      <a:r>
-                        <a:rPr lang="ru-RU" sz="1200" b="0" i="0" u="none" strike="noStrike">
+                      <a:pPr algn="ctr" fontAlgn="b"/>
+                      <a:r>
+                        <a:rPr lang="ru-RU" sz="1200" b="0" i="0" u="none" strike="noStrike" dirty="0">
                           <a:solidFill>
                             <a:srgbClr val="000000"/>
                           </a:solidFill>
@@ -15424,7 +16065,7 @@
                     <a:bodyPr/>
                     <a:lstStyle/>
                     <a:p>
-                      <a:pPr algn="r" fontAlgn="b"/>
+                      <a:pPr algn="ctr" fontAlgn="b"/>
                       <a:r>
                         <a:rPr lang="ru-RU" sz="1200" b="0" i="0" u="none" strike="noStrike">
                           <a:solidFill>
@@ -15444,7 +16085,7 @@
                     <a:bodyPr/>
                     <a:lstStyle/>
                     <a:p>
-                      <a:pPr algn="r" fontAlgn="b"/>
+                      <a:pPr algn="ctr" fontAlgn="b"/>
                       <a:r>
                         <a:rPr lang="ru-RU" sz="1200" b="0" i="0" u="none" strike="noStrike">
                           <a:solidFill>
@@ -15464,7 +16105,116 @@
                     <a:bodyPr/>
                     <a:lstStyle/>
                     <a:p>
-                      <a:pPr algn="l" fontAlgn="b"/>
+                      <a:pPr algn="ctr" fontAlgn="b"/>
+                      <a:r>
+                        <a:rPr lang="ru-RU" sz="1200" b="0" i="0" u="none" strike="noStrike" dirty="0">
+                          <a:solidFill>
+                            <a:srgbClr val="000000"/>
+                          </a:solidFill>
+                          <a:effectLst/>
+                          <a:latin typeface="Calibri" panose="020F0502020204030204" pitchFamily="34" charset="0"/>
+                        </a:rPr>
+                        <a:t>ИСТИНА</a:t>
+                      </a:r>
+                    </a:p>
+                  </a:txBody>
+                  <a:tcPr marL="9525" marR="9525" marT="9525" marB="0" anchor="b">
+                    <a:solidFill>
+                      <a:schemeClr val="accent6"/>
+                    </a:solidFill>
+                  </a:tcPr>
+                </a:tc>
+                <a:tc>
+                  <a:txBody>
+                    <a:bodyPr/>
+                    <a:lstStyle/>
+                    <a:p>
+                      <a:pPr marL="0" marR="0" lvl="0" indent="0" algn="ctr" defTabSz="914400" rtl="0" eaLnBrk="1" fontAlgn="b" latinLnBrk="0" hangingPunct="1">
+                        <a:lnSpc>
+                          <a:spcPct val="100000"/>
+                        </a:lnSpc>
+                        <a:spcBef>
+                          <a:spcPts val="0"/>
+                        </a:spcBef>
+                        <a:spcAft>
+                          <a:spcPts val="0"/>
+                        </a:spcAft>
+                        <a:buClrTx/>
+                        <a:buSzTx/>
+                        <a:buFontTx/>
+                        <a:buNone/>
+                        <a:tabLst/>
+                        <a:defRPr/>
+                      </a:pPr>
+                      <a:r>
+                        <a:rPr kumimoji="0" lang="ru-RU" sz="1200" b="0" i="0" u="none" strike="noStrike" kern="1200" cap="none" spc="0" normalizeH="0" baseline="0" noProof="0" smtClean="0">
+                          <a:ln>
+                            <a:noFill/>
+                          </a:ln>
+                          <a:solidFill>
+                            <a:srgbClr val="000000"/>
+                          </a:solidFill>
+                          <a:effectLst/>
+                          <a:uLnTx/>
+                          <a:uFillTx/>
+                          <a:latin typeface="Calibri" panose="020F0502020204030204" pitchFamily="34" charset="0"/>
+                          <a:ea typeface="+mn-ea"/>
+                          <a:cs typeface="+mn-cs"/>
+                        </a:rPr>
+                        <a:t>ИСТИНА</a:t>
+                      </a:r>
+                      <a:endParaRPr kumimoji="0" lang="ru-RU" sz="1200" b="0" i="0" u="none" strike="noStrike" kern="1200" cap="none" spc="0" normalizeH="0" baseline="0" noProof="0" dirty="0">
+                        <a:ln>
+                          <a:noFill/>
+                        </a:ln>
+                        <a:solidFill>
+                          <a:srgbClr val="000000"/>
+                        </a:solidFill>
+                        <a:effectLst/>
+                        <a:uLnTx/>
+                        <a:uFillTx/>
+                        <a:latin typeface="Calibri" panose="020F0502020204030204" pitchFamily="34" charset="0"/>
+                        <a:ea typeface="+mn-ea"/>
+                        <a:cs typeface="+mn-cs"/>
+                      </a:endParaRPr>
+                    </a:p>
+                  </a:txBody>
+                  <a:tcPr marL="9525" marR="9525" marT="9525" marB="0" anchor="b">
+                    <a:solidFill>
+                      <a:schemeClr val="accent6"/>
+                    </a:solidFill>
+                  </a:tcPr>
+                </a:tc>
+                <a:tc>
+                  <a:txBody>
+                    <a:bodyPr/>
+                    <a:lstStyle/>
+                    <a:p>
+                      <a:pPr algn="ctr" fontAlgn="b"/>
+                      <a:r>
+                        <a:rPr lang="ru-RU" sz="1200" b="0" i="0" u="none" strike="noStrike" dirty="0">
+                          <a:solidFill>
+                            <a:srgbClr val="000000"/>
+                          </a:solidFill>
+                          <a:effectLst/>
+                          <a:latin typeface="Calibri" panose="020F0502020204030204" pitchFamily="34" charset="0"/>
+                        </a:rPr>
+                        <a:t>Верно</a:t>
+                      </a:r>
+                    </a:p>
+                  </a:txBody>
+                  <a:tcPr marL="9525" marR="9525" marT="9525" marB="0" anchor="b">
+                    <a:solidFill>
+                      <a:schemeClr val="accent6"/>
+                    </a:solidFill>
+                  </a:tcPr>
+                </a:tc>
+                <a:tc>
+                  <a:txBody>
+                    <a:bodyPr/>
+                    <a:lstStyle/>
+                    <a:p>
+                      <a:pPr algn="ctr" fontAlgn="b"/>
                       <a:r>
                         <a:rPr lang="ru-RU" sz="1200" b="0" i="0" u="none" strike="noStrike">
                           <a:solidFill>
@@ -15473,66 +16223,6 @@
                           <a:effectLst/>
                           <a:latin typeface="Calibri" panose="020F0502020204030204" pitchFamily="34" charset="0"/>
                         </a:rPr>
-                        <a:t>ИСТИНА</a:t>
-                      </a:r>
-                    </a:p>
-                  </a:txBody>
-                  <a:tcPr marL="9525" marR="9525" marT="9525" marB="0" anchor="b"/>
-                </a:tc>
-                <a:tc>
-                  <a:txBody>
-                    <a:bodyPr/>
-                    <a:lstStyle/>
-                    <a:p>
-                      <a:pPr algn="r" fontAlgn="b"/>
-                      <a:r>
-                        <a:rPr lang="ru-RU" sz="1200" b="0" i="0" u="none" strike="noStrike">
-                          <a:solidFill>
-                            <a:srgbClr val="000000"/>
-                          </a:solidFill>
-                          <a:effectLst/>
-                          <a:latin typeface="Calibri" panose="020F0502020204030204" pitchFamily="34" charset="0"/>
-                        </a:rPr>
-                        <a:t>0</a:t>
-                      </a:r>
-                    </a:p>
-                  </a:txBody>
-                  <a:tcPr marL="9525" marR="9525" marT="9525" marB="0" anchor="b"/>
-                </a:tc>
-                <a:tc>
-                  <a:txBody>
-                    <a:bodyPr/>
-                    <a:lstStyle/>
-                    <a:p>
-                      <a:pPr algn="l" fontAlgn="b"/>
-                      <a:r>
-                        <a:rPr lang="ru-RU" sz="1200" b="0" i="0" u="none" strike="noStrike">
-                          <a:solidFill>
-                            <a:srgbClr val="000000"/>
-                          </a:solidFill>
-                          <a:effectLst/>
-                          <a:latin typeface="Calibri" panose="020F0502020204030204" pitchFamily="34" charset="0"/>
-                        </a:rPr>
-                        <a:t>Верно</a:t>
-                      </a:r>
-                    </a:p>
-                  </a:txBody>
-                  <a:tcPr marL="9525" marR="9525" marT="9525" marB="0" anchor="b"/>
-                </a:tc>
-                <a:tc>
-                  <a:txBody>
-                    <a:bodyPr/>
-                    <a:lstStyle/>
-                    <a:p>
-                      <a:pPr algn="r" fontAlgn="b"/>
-                      <a:r>
-                        <a:rPr lang="ru-RU" sz="1200" b="0" i="0" u="none" strike="noStrike">
-                          <a:solidFill>
-                            <a:srgbClr val="000000"/>
-                          </a:solidFill>
-                          <a:effectLst/>
-                          <a:latin typeface="Calibri" panose="020F0502020204030204" pitchFamily="34" charset="0"/>
-                        </a:rPr>
                         <a:t>1</a:t>
                       </a:r>
                     </a:p>
@@ -15544,7 +16234,7 @@
                     <a:bodyPr/>
                     <a:lstStyle/>
                     <a:p>
-                      <a:pPr algn="r" fontAlgn="b"/>
+                      <a:pPr algn="ctr" fontAlgn="b"/>
                       <a:r>
                         <a:rPr lang="ru-RU" sz="1200" b="0" i="0" u="none" strike="noStrike" dirty="0">
                           <a:solidFill>
@@ -15591,7 +16281,7 @@
                     <a:bodyPr/>
                     <a:lstStyle/>
                     <a:p>
-                      <a:pPr algn="r" fontAlgn="b"/>
+                      <a:pPr algn="ctr" fontAlgn="b"/>
                       <a:r>
                         <a:rPr lang="ru-RU" sz="1200" b="0" i="0" u="none" strike="noStrike">
                           <a:solidFill>
@@ -15611,7 +16301,7 @@
                     <a:bodyPr/>
                     <a:lstStyle/>
                     <a:p>
-                      <a:pPr algn="r" fontAlgn="b"/>
+                      <a:pPr algn="ctr" fontAlgn="b"/>
                       <a:r>
                         <a:rPr lang="ru-RU" sz="1200" b="0" i="0" u="none" strike="noStrike">
                           <a:solidFill>
@@ -15631,7 +16321,116 @@
                     <a:bodyPr/>
                     <a:lstStyle/>
                     <a:p>
-                      <a:pPr algn="l" fontAlgn="b"/>
+                      <a:pPr algn="ctr" fontAlgn="b"/>
+                      <a:r>
+                        <a:rPr lang="ru-RU" sz="1200" b="0" i="0" u="none" strike="noStrike" dirty="0">
+                          <a:solidFill>
+                            <a:srgbClr val="000000"/>
+                          </a:solidFill>
+                          <a:effectLst/>
+                          <a:latin typeface="Calibri" panose="020F0502020204030204" pitchFamily="34" charset="0"/>
+                        </a:rPr>
+                        <a:t>ИСТИНА</a:t>
+                      </a:r>
+                    </a:p>
+                  </a:txBody>
+                  <a:tcPr marL="9525" marR="9525" marT="9525" marB="0" anchor="b">
+                    <a:solidFill>
+                      <a:schemeClr val="accent6"/>
+                    </a:solidFill>
+                  </a:tcPr>
+                </a:tc>
+                <a:tc>
+                  <a:txBody>
+                    <a:bodyPr/>
+                    <a:lstStyle/>
+                    <a:p>
+                      <a:pPr marL="0" marR="0" lvl="0" indent="0" algn="ctr" defTabSz="914400" rtl="0" eaLnBrk="1" fontAlgn="b" latinLnBrk="0" hangingPunct="1">
+                        <a:lnSpc>
+                          <a:spcPct val="100000"/>
+                        </a:lnSpc>
+                        <a:spcBef>
+                          <a:spcPts val="0"/>
+                        </a:spcBef>
+                        <a:spcAft>
+                          <a:spcPts val="0"/>
+                        </a:spcAft>
+                        <a:buClrTx/>
+                        <a:buSzTx/>
+                        <a:buFontTx/>
+                        <a:buNone/>
+                        <a:tabLst/>
+                        <a:defRPr/>
+                      </a:pPr>
+                      <a:r>
+                        <a:rPr kumimoji="0" lang="ru-RU" sz="1200" b="0" i="0" u="none" strike="noStrike" kern="1200" cap="none" spc="0" normalizeH="0" baseline="0" noProof="0" smtClean="0">
+                          <a:ln>
+                            <a:noFill/>
+                          </a:ln>
+                          <a:solidFill>
+                            <a:srgbClr val="000000"/>
+                          </a:solidFill>
+                          <a:effectLst/>
+                          <a:uLnTx/>
+                          <a:uFillTx/>
+                          <a:latin typeface="Calibri" panose="020F0502020204030204" pitchFamily="34" charset="0"/>
+                          <a:ea typeface="+mn-ea"/>
+                          <a:cs typeface="+mn-cs"/>
+                        </a:rPr>
+                        <a:t>ИСТИНА</a:t>
+                      </a:r>
+                      <a:endParaRPr kumimoji="0" lang="ru-RU" sz="1200" b="0" i="0" u="none" strike="noStrike" kern="1200" cap="none" spc="0" normalizeH="0" baseline="0" noProof="0" dirty="0">
+                        <a:ln>
+                          <a:noFill/>
+                        </a:ln>
+                        <a:solidFill>
+                          <a:srgbClr val="000000"/>
+                        </a:solidFill>
+                        <a:effectLst/>
+                        <a:uLnTx/>
+                        <a:uFillTx/>
+                        <a:latin typeface="Calibri" panose="020F0502020204030204" pitchFamily="34" charset="0"/>
+                        <a:ea typeface="+mn-ea"/>
+                        <a:cs typeface="+mn-cs"/>
+                      </a:endParaRPr>
+                    </a:p>
+                  </a:txBody>
+                  <a:tcPr marL="9525" marR="9525" marT="9525" marB="0" anchor="b">
+                    <a:solidFill>
+                      <a:schemeClr val="accent6"/>
+                    </a:solidFill>
+                  </a:tcPr>
+                </a:tc>
+                <a:tc>
+                  <a:txBody>
+                    <a:bodyPr/>
+                    <a:lstStyle/>
+                    <a:p>
+                      <a:pPr algn="ctr" fontAlgn="b"/>
+                      <a:r>
+                        <a:rPr lang="ru-RU" sz="1200" b="0" i="0" u="none" strike="noStrike" dirty="0">
+                          <a:solidFill>
+                            <a:srgbClr val="000000"/>
+                          </a:solidFill>
+                          <a:effectLst/>
+                          <a:latin typeface="Calibri" panose="020F0502020204030204" pitchFamily="34" charset="0"/>
+                        </a:rPr>
+                        <a:t>Верно</a:t>
+                      </a:r>
+                    </a:p>
+                  </a:txBody>
+                  <a:tcPr marL="9525" marR="9525" marT="9525" marB="0" anchor="b">
+                    <a:solidFill>
+                      <a:schemeClr val="accent6"/>
+                    </a:solidFill>
+                  </a:tcPr>
+                </a:tc>
+                <a:tc>
+                  <a:txBody>
+                    <a:bodyPr/>
+                    <a:lstStyle/>
+                    <a:p>
+                      <a:pPr algn="ctr" fontAlgn="b"/>
                       <a:r>
                         <a:rPr lang="ru-RU" sz="1200" b="0" i="0" u="none" strike="noStrike">
                           <a:solidFill>
@@ -15640,66 +16439,6 @@
                           <a:effectLst/>
                           <a:latin typeface="Calibri" panose="020F0502020204030204" pitchFamily="34" charset="0"/>
                         </a:rPr>
-                        <a:t>ИСТИНА</a:t>
-                      </a:r>
-                    </a:p>
-                  </a:txBody>
-                  <a:tcPr marL="9525" marR="9525" marT="9525" marB="0" anchor="b"/>
-                </a:tc>
-                <a:tc>
-                  <a:txBody>
-                    <a:bodyPr/>
-                    <a:lstStyle/>
-                    <a:p>
-                      <a:pPr algn="r" fontAlgn="b"/>
-                      <a:r>
-                        <a:rPr lang="ru-RU" sz="1200" b="0" i="0" u="none" strike="noStrike" dirty="0">
-                          <a:solidFill>
-                            <a:srgbClr val="000000"/>
-                          </a:solidFill>
-                          <a:effectLst/>
-                          <a:latin typeface="Calibri" panose="020F0502020204030204" pitchFamily="34" charset="0"/>
-                        </a:rPr>
-                        <a:t>0</a:t>
-                      </a:r>
-                    </a:p>
-                  </a:txBody>
-                  <a:tcPr marL="9525" marR="9525" marT="9525" marB="0" anchor="b"/>
-                </a:tc>
-                <a:tc>
-                  <a:txBody>
-                    <a:bodyPr/>
-                    <a:lstStyle/>
-                    <a:p>
-                      <a:pPr algn="l" fontAlgn="b"/>
-                      <a:r>
-                        <a:rPr lang="ru-RU" sz="1200" b="0" i="0" u="none" strike="noStrike">
-                          <a:solidFill>
-                            <a:srgbClr val="000000"/>
-                          </a:solidFill>
-                          <a:effectLst/>
-                          <a:latin typeface="Calibri" panose="020F0502020204030204" pitchFamily="34" charset="0"/>
-                        </a:rPr>
-                        <a:t>Верно</a:t>
-                      </a:r>
-                    </a:p>
-                  </a:txBody>
-                  <a:tcPr marL="9525" marR="9525" marT="9525" marB="0" anchor="b"/>
-                </a:tc>
-                <a:tc>
-                  <a:txBody>
-                    <a:bodyPr/>
-                    <a:lstStyle/>
-                    <a:p>
-                      <a:pPr algn="r" fontAlgn="b"/>
-                      <a:r>
-                        <a:rPr lang="ru-RU" sz="1200" b="0" i="0" u="none" strike="noStrike">
-                          <a:solidFill>
-                            <a:srgbClr val="000000"/>
-                          </a:solidFill>
-                          <a:effectLst/>
-                          <a:latin typeface="Calibri" panose="020F0502020204030204" pitchFamily="34" charset="0"/>
-                        </a:rPr>
                         <a:t>1</a:t>
                       </a:r>
                     </a:p>
@@ -15711,7 +16450,7 @@
                     <a:bodyPr/>
                     <a:lstStyle/>
                     <a:p>
-                      <a:pPr algn="r" fontAlgn="b"/>
+                      <a:pPr algn="ctr" fontAlgn="b"/>
                       <a:r>
                         <a:rPr lang="ru-RU" sz="1200" b="0" i="0" u="none" strike="noStrike" dirty="0">
                           <a:solidFill>
@@ -15758,7 +16497,7 @@
                     <a:bodyPr/>
                     <a:lstStyle/>
                     <a:p>
-                      <a:pPr algn="r" fontAlgn="b"/>
+                      <a:pPr algn="ctr" fontAlgn="b"/>
                       <a:r>
                         <a:rPr lang="ru-RU" sz="1200" b="0" i="0" u="none" strike="noStrike">
                           <a:solidFill>
@@ -15778,7 +16517,7 @@
                     <a:bodyPr/>
                     <a:lstStyle/>
                     <a:p>
-                      <a:pPr algn="r" fontAlgn="b"/>
+                      <a:pPr algn="ctr" fontAlgn="b"/>
                       <a:r>
                         <a:rPr lang="ru-RU" sz="1200" b="0" i="0" u="none" strike="noStrike">
                           <a:solidFill>
@@ -15798,7 +16537,116 @@
                     <a:bodyPr/>
                     <a:lstStyle/>
                     <a:p>
-                      <a:pPr algn="l" fontAlgn="b"/>
+                      <a:pPr algn="ctr" fontAlgn="b"/>
+                      <a:r>
+                        <a:rPr lang="ru-RU" sz="1200" b="0" i="0" u="none" strike="noStrike" dirty="0">
+                          <a:solidFill>
+                            <a:srgbClr val="000000"/>
+                          </a:solidFill>
+                          <a:effectLst/>
+                          <a:latin typeface="Calibri" panose="020F0502020204030204" pitchFamily="34" charset="0"/>
+                        </a:rPr>
+                        <a:t>ИСТИНА</a:t>
+                      </a:r>
+                    </a:p>
+                  </a:txBody>
+                  <a:tcPr marL="9525" marR="9525" marT="9525" marB="0" anchor="b">
+                    <a:solidFill>
+                      <a:schemeClr val="accent6"/>
+                    </a:solidFill>
+                  </a:tcPr>
+                </a:tc>
+                <a:tc>
+                  <a:txBody>
+                    <a:bodyPr/>
+                    <a:lstStyle/>
+                    <a:p>
+                      <a:pPr marL="0" marR="0" lvl="0" indent="0" algn="ctr" defTabSz="914400" rtl="0" eaLnBrk="1" fontAlgn="b" latinLnBrk="0" hangingPunct="1">
+                        <a:lnSpc>
+                          <a:spcPct val="100000"/>
+                        </a:lnSpc>
+                        <a:spcBef>
+                          <a:spcPts val="0"/>
+                        </a:spcBef>
+                        <a:spcAft>
+                          <a:spcPts val="0"/>
+                        </a:spcAft>
+                        <a:buClrTx/>
+                        <a:buSzTx/>
+                        <a:buFontTx/>
+                        <a:buNone/>
+                        <a:tabLst/>
+                        <a:defRPr/>
+                      </a:pPr>
+                      <a:r>
+                        <a:rPr kumimoji="0" lang="ru-RU" sz="1200" b="0" i="0" u="none" strike="noStrike" kern="1200" cap="none" spc="0" normalizeH="0" baseline="0" noProof="0" dirty="0" smtClean="0">
+                          <a:ln>
+                            <a:noFill/>
+                          </a:ln>
+                          <a:solidFill>
+                            <a:srgbClr val="000000"/>
+                          </a:solidFill>
+                          <a:effectLst/>
+                          <a:uLnTx/>
+                          <a:uFillTx/>
+                          <a:latin typeface="Calibri" panose="020F0502020204030204" pitchFamily="34" charset="0"/>
+                          <a:ea typeface="+mn-ea"/>
+                          <a:cs typeface="+mn-cs"/>
+                        </a:rPr>
+                        <a:t>ИСТИНА</a:t>
+                      </a:r>
+                      <a:endParaRPr kumimoji="0" lang="ru-RU" sz="1200" b="0" i="0" u="none" strike="noStrike" kern="1200" cap="none" spc="0" normalizeH="0" baseline="0" noProof="0" dirty="0">
+                        <a:ln>
+                          <a:noFill/>
+                        </a:ln>
+                        <a:solidFill>
+                          <a:srgbClr val="000000"/>
+                        </a:solidFill>
+                        <a:effectLst/>
+                        <a:uLnTx/>
+                        <a:uFillTx/>
+                        <a:latin typeface="Calibri" panose="020F0502020204030204" pitchFamily="34" charset="0"/>
+                        <a:ea typeface="+mn-ea"/>
+                        <a:cs typeface="+mn-cs"/>
+                      </a:endParaRPr>
+                    </a:p>
+                  </a:txBody>
+                  <a:tcPr marL="9525" marR="9525" marT="9525" marB="0" anchor="b">
+                    <a:solidFill>
+                      <a:schemeClr val="accent6"/>
+                    </a:solidFill>
+                  </a:tcPr>
+                </a:tc>
+                <a:tc>
+                  <a:txBody>
+                    <a:bodyPr/>
+                    <a:lstStyle/>
+                    <a:p>
+                      <a:pPr algn="ctr" fontAlgn="b"/>
+                      <a:r>
+                        <a:rPr lang="ru-RU" sz="1200" b="0" i="0" u="none" strike="noStrike" dirty="0">
+                          <a:solidFill>
+                            <a:srgbClr val="000000"/>
+                          </a:solidFill>
+                          <a:effectLst/>
+                          <a:latin typeface="Calibri" panose="020F0502020204030204" pitchFamily="34" charset="0"/>
+                        </a:rPr>
+                        <a:t>Верно</a:t>
+                      </a:r>
+                    </a:p>
+                  </a:txBody>
+                  <a:tcPr marL="9525" marR="9525" marT="9525" marB="0" anchor="b">
+                    <a:solidFill>
+                      <a:schemeClr val="accent6"/>
+                    </a:solidFill>
+                  </a:tcPr>
+                </a:tc>
+                <a:tc>
+                  <a:txBody>
+                    <a:bodyPr/>
+                    <a:lstStyle/>
+                    <a:p>
+                      <a:pPr algn="ctr" fontAlgn="b"/>
                       <a:r>
                         <a:rPr lang="ru-RU" sz="1200" b="0" i="0" u="none" strike="noStrike">
                           <a:solidFill>
@@ -15807,66 +16655,6 @@
                           <a:effectLst/>
                           <a:latin typeface="Calibri" panose="020F0502020204030204" pitchFamily="34" charset="0"/>
                         </a:rPr>
-                        <a:t>ИСТИНА</a:t>
-                      </a:r>
-                    </a:p>
-                  </a:txBody>
-                  <a:tcPr marL="9525" marR="9525" marT="9525" marB="0" anchor="b"/>
-                </a:tc>
-                <a:tc>
-                  <a:txBody>
-                    <a:bodyPr/>
-                    <a:lstStyle/>
-                    <a:p>
-                      <a:pPr algn="r" fontAlgn="b"/>
-                      <a:r>
-                        <a:rPr lang="ru-RU" sz="1200" b="0" i="0" u="none" strike="noStrike">
-                          <a:solidFill>
-                            <a:srgbClr val="000000"/>
-                          </a:solidFill>
-                          <a:effectLst/>
-                          <a:latin typeface="Calibri" panose="020F0502020204030204" pitchFamily="34" charset="0"/>
-                        </a:rPr>
-                        <a:t>0</a:t>
-                      </a:r>
-                    </a:p>
-                  </a:txBody>
-                  <a:tcPr marL="9525" marR="9525" marT="9525" marB="0" anchor="b"/>
-                </a:tc>
-                <a:tc>
-                  <a:txBody>
-                    <a:bodyPr/>
-                    <a:lstStyle/>
-                    <a:p>
-                      <a:pPr algn="l" fontAlgn="b"/>
-                      <a:r>
-                        <a:rPr lang="ru-RU" sz="1200" b="0" i="0" u="none" strike="noStrike">
-                          <a:solidFill>
-                            <a:srgbClr val="000000"/>
-                          </a:solidFill>
-                          <a:effectLst/>
-                          <a:latin typeface="Calibri" panose="020F0502020204030204" pitchFamily="34" charset="0"/>
-                        </a:rPr>
-                        <a:t>Верно</a:t>
-                      </a:r>
-                    </a:p>
-                  </a:txBody>
-                  <a:tcPr marL="9525" marR="9525" marT="9525" marB="0" anchor="b"/>
-                </a:tc>
-                <a:tc>
-                  <a:txBody>
-                    <a:bodyPr/>
-                    <a:lstStyle/>
-                    <a:p>
-                      <a:pPr algn="r" fontAlgn="b"/>
-                      <a:r>
-                        <a:rPr lang="ru-RU" sz="1200" b="0" i="0" u="none" strike="noStrike">
-                          <a:solidFill>
-                            <a:srgbClr val="000000"/>
-                          </a:solidFill>
-                          <a:effectLst/>
-                          <a:latin typeface="Calibri" panose="020F0502020204030204" pitchFamily="34" charset="0"/>
-                        </a:rPr>
                         <a:t>1</a:t>
                       </a:r>
                     </a:p>
@@ -15878,7 +16666,7 @@
                     <a:bodyPr/>
                     <a:lstStyle/>
                     <a:p>
-                      <a:pPr algn="r" fontAlgn="b"/>
+                      <a:pPr algn="ctr" fontAlgn="b"/>
                       <a:r>
                         <a:rPr lang="ru-RU" sz="1200" b="0" i="0" u="none" strike="noStrike" dirty="0">
                           <a:solidFill>
@@ -15932,7 +16720,7 @@
                     <a:bodyPr/>
                     <a:lstStyle/>
                     <a:p>
-                      <a:pPr algn="r" fontAlgn="b"/>
+                      <a:pPr algn="ctr" fontAlgn="b"/>
                       <a:r>
                         <a:rPr lang="ru-RU" sz="1200" b="0" i="0" u="none" strike="noStrike">
                           <a:solidFill>
@@ -15952,7 +16740,7 @@
                     <a:bodyPr/>
                     <a:lstStyle/>
                     <a:p>
-                      <a:pPr algn="r" fontAlgn="b"/>
+                      <a:pPr algn="ctr" fontAlgn="b"/>
                       <a:r>
                         <a:rPr lang="ru-RU" sz="1200" b="0" i="0" u="none" strike="noStrike">
                           <a:solidFill>
@@ -15972,7 +16760,116 @@
                     <a:bodyPr/>
                     <a:lstStyle/>
                     <a:p>
-                      <a:pPr algn="l" fontAlgn="b"/>
+                      <a:pPr algn="ctr" fontAlgn="b"/>
+                      <a:r>
+                        <a:rPr lang="ru-RU" sz="1200" b="0" i="0" u="none" strike="noStrike" dirty="0">
+                          <a:solidFill>
+                            <a:srgbClr val="000000"/>
+                          </a:solidFill>
+                          <a:effectLst/>
+                          <a:latin typeface="Calibri" panose="020F0502020204030204" pitchFamily="34" charset="0"/>
+                        </a:rPr>
+                        <a:t>ИСТИНА</a:t>
+                      </a:r>
+                    </a:p>
+                  </a:txBody>
+                  <a:tcPr marL="9525" marR="9525" marT="9525" marB="0" anchor="b">
+                    <a:solidFill>
+                      <a:schemeClr val="accent6"/>
+                    </a:solidFill>
+                  </a:tcPr>
+                </a:tc>
+                <a:tc>
+                  <a:txBody>
+                    <a:bodyPr/>
+                    <a:lstStyle/>
+                    <a:p>
+                      <a:pPr marL="0" marR="0" lvl="0" indent="0" algn="ctr" defTabSz="914400" rtl="0" eaLnBrk="1" fontAlgn="b" latinLnBrk="0" hangingPunct="1">
+                        <a:lnSpc>
+                          <a:spcPct val="100000"/>
+                        </a:lnSpc>
+                        <a:spcBef>
+                          <a:spcPts val="0"/>
+                        </a:spcBef>
+                        <a:spcAft>
+                          <a:spcPts val="0"/>
+                        </a:spcAft>
+                        <a:buClrTx/>
+                        <a:buSzTx/>
+                        <a:buFontTx/>
+                        <a:buNone/>
+                        <a:tabLst/>
+                        <a:defRPr/>
+                      </a:pPr>
+                      <a:r>
+                        <a:rPr kumimoji="0" lang="ru-RU" sz="1200" b="0" i="0" u="none" strike="noStrike" kern="1200" cap="none" spc="0" normalizeH="0" baseline="0" noProof="0" dirty="0" smtClean="0">
+                          <a:ln>
+                            <a:noFill/>
+                          </a:ln>
+                          <a:solidFill>
+                            <a:srgbClr val="000000"/>
+                          </a:solidFill>
+                          <a:effectLst/>
+                          <a:uLnTx/>
+                          <a:uFillTx/>
+                          <a:latin typeface="Calibri" panose="020F0502020204030204" pitchFamily="34" charset="0"/>
+                          <a:ea typeface="+mn-ea"/>
+                          <a:cs typeface="+mn-cs"/>
+                        </a:rPr>
+                        <a:t>ИСТИНА</a:t>
+                      </a:r>
+                      <a:endParaRPr kumimoji="0" lang="ru-RU" sz="1200" b="0" i="0" u="none" strike="noStrike" kern="1200" cap="none" spc="0" normalizeH="0" baseline="0" noProof="0" dirty="0">
+                        <a:ln>
+                          <a:noFill/>
+                        </a:ln>
+                        <a:solidFill>
+                          <a:srgbClr val="000000"/>
+                        </a:solidFill>
+                        <a:effectLst/>
+                        <a:uLnTx/>
+                        <a:uFillTx/>
+                        <a:latin typeface="Calibri" panose="020F0502020204030204" pitchFamily="34" charset="0"/>
+                        <a:ea typeface="+mn-ea"/>
+                        <a:cs typeface="+mn-cs"/>
+                      </a:endParaRPr>
+                    </a:p>
+                  </a:txBody>
+                  <a:tcPr marL="9525" marR="9525" marT="9525" marB="0" anchor="b">
+                    <a:solidFill>
+                      <a:schemeClr val="accent6"/>
+                    </a:solidFill>
+                  </a:tcPr>
+                </a:tc>
+                <a:tc>
+                  <a:txBody>
+                    <a:bodyPr/>
+                    <a:lstStyle/>
+                    <a:p>
+                      <a:pPr algn="ctr" fontAlgn="b"/>
+                      <a:r>
+                        <a:rPr lang="ru-RU" sz="1200" b="0" i="0" u="none" strike="noStrike" dirty="0">
+                          <a:solidFill>
+                            <a:srgbClr val="000000"/>
+                          </a:solidFill>
+                          <a:effectLst/>
+                          <a:latin typeface="Calibri" panose="020F0502020204030204" pitchFamily="34" charset="0"/>
+                        </a:rPr>
+                        <a:t>Верно</a:t>
+                      </a:r>
+                    </a:p>
+                  </a:txBody>
+                  <a:tcPr marL="9525" marR="9525" marT="9525" marB="0" anchor="b">
+                    <a:solidFill>
+                      <a:schemeClr val="accent6"/>
+                    </a:solidFill>
+                  </a:tcPr>
+                </a:tc>
+                <a:tc>
+                  <a:txBody>
+                    <a:bodyPr/>
+                    <a:lstStyle/>
+                    <a:p>
+                      <a:pPr algn="ctr" fontAlgn="b"/>
                       <a:r>
                         <a:rPr lang="ru-RU" sz="1200" b="0" i="0" u="none" strike="noStrike">
                           <a:solidFill>
@@ -15981,66 +16878,6 @@
                           <a:effectLst/>
                           <a:latin typeface="Calibri" panose="020F0502020204030204" pitchFamily="34" charset="0"/>
                         </a:rPr>
-                        <a:t>ИСТИНА</a:t>
-                      </a:r>
-                    </a:p>
-                  </a:txBody>
-                  <a:tcPr marL="9525" marR="9525" marT="9525" marB="0" anchor="b"/>
-                </a:tc>
-                <a:tc>
-                  <a:txBody>
-                    <a:bodyPr/>
-                    <a:lstStyle/>
-                    <a:p>
-                      <a:pPr algn="r" fontAlgn="b"/>
-                      <a:r>
-                        <a:rPr lang="ru-RU" sz="1200" b="0" i="0" u="none" strike="noStrike">
-                          <a:solidFill>
-                            <a:srgbClr val="000000"/>
-                          </a:solidFill>
-                          <a:effectLst/>
-                          <a:latin typeface="Calibri" panose="020F0502020204030204" pitchFamily="34" charset="0"/>
-                        </a:rPr>
-                        <a:t>0</a:t>
-                      </a:r>
-                    </a:p>
-                  </a:txBody>
-                  <a:tcPr marL="9525" marR="9525" marT="9525" marB="0" anchor="b"/>
-                </a:tc>
-                <a:tc>
-                  <a:txBody>
-                    <a:bodyPr/>
-                    <a:lstStyle/>
-                    <a:p>
-                      <a:pPr algn="l" fontAlgn="b"/>
-                      <a:r>
-                        <a:rPr lang="ru-RU" sz="1200" b="0" i="0" u="none" strike="noStrike">
-                          <a:solidFill>
-                            <a:srgbClr val="000000"/>
-                          </a:solidFill>
-                          <a:effectLst/>
-                          <a:latin typeface="Calibri" panose="020F0502020204030204" pitchFamily="34" charset="0"/>
-                        </a:rPr>
-                        <a:t>Верно</a:t>
-                      </a:r>
-                    </a:p>
-                  </a:txBody>
-                  <a:tcPr marL="9525" marR="9525" marT="9525" marB="0" anchor="b"/>
-                </a:tc>
-                <a:tc>
-                  <a:txBody>
-                    <a:bodyPr/>
-                    <a:lstStyle/>
-                    <a:p>
-                      <a:pPr algn="r" fontAlgn="b"/>
-                      <a:r>
-                        <a:rPr lang="ru-RU" sz="1200" b="0" i="0" u="none" strike="noStrike">
-                          <a:solidFill>
-                            <a:srgbClr val="000000"/>
-                          </a:solidFill>
-                          <a:effectLst/>
-                          <a:latin typeface="Calibri" panose="020F0502020204030204" pitchFamily="34" charset="0"/>
-                        </a:rPr>
                         <a:t>1</a:t>
                       </a:r>
                     </a:p>
@@ -16052,7 +16889,7 @@
                     <a:bodyPr/>
                     <a:lstStyle/>
                     <a:p>
-                      <a:pPr algn="r" fontAlgn="b"/>
+                      <a:pPr algn="ctr" fontAlgn="b"/>
                       <a:r>
                         <a:rPr lang="ru-RU" sz="1200" b="0" i="0" u="none" strike="noStrike" dirty="0">
                           <a:solidFill>
@@ -16106,7 +16943,7 @@
                     <a:bodyPr/>
                     <a:lstStyle/>
                     <a:p>
-                      <a:pPr algn="r" fontAlgn="b"/>
+                      <a:pPr algn="ctr" fontAlgn="b"/>
                       <a:r>
                         <a:rPr lang="ru-RU" sz="1200" b="0" i="0" u="none" strike="noStrike" dirty="0">
                           <a:solidFill>
@@ -16126,7 +16963,7 @@
                     <a:bodyPr/>
                     <a:lstStyle/>
                     <a:p>
-                      <a:pPr algn="r" fontAlgn="b"/>
+                      <a:pPr algn="ctr" fontAlgn="b"/>
                       <a:r>
                         <a:rPr lang="ru-RU" sz="1200" b="0" i="0" u="none" strike="noStrike">
                           <a:solidFill>
@@ -16146,9 +16983,9 @@
                     <a:bodyPr/>
                     <a:lstStyle/>
                     <a:p>
-                      <a:pPr algn="l" fontAlgn="b"/>
-                      <a:r>
-                        <a:rPr lang="ru-RU" sz="1200" b="0" i="0" u="none" strike="noStrike">
+                      <a:pPr algn="ctr" fontAlgn="b"/>
+                      <a:r>
+                        <a:rPr lang="ru-RU" sz="1200" b="0" i="0" u="none" strike="noStrike" dirty="0">
                           <a:solidFill>
                             <a:srgbClr val="000000"/>
                           </a:solidFill>
@@ -16159,14 +16996,58 @@
                       </a:r>
                     </a:p>
                   </a:txBody>
-                  <a:tcPr marL="9525" marR="9525" marT="9525" marB="0" anchor="b"/>
-                </a:tc>
-                <a:tc>
-                  <a:txBody>
-                    <a:bodyPr/>
-                    <a:lstStyle/>
-                    <a:p>
-                      <a:pPr algn="r" fontAlgn="b"/>
+                  <a:tcPr marL="9525" marR="9525" marT="9525" marB="0" anchor="b">
+                    <a:solidFill>
+                      <a:schemeClr val="accent6"/>
+                    </a:solidFill>
+                  </a:tcPr>
+                </a:tc>
+                <a:tc>
+                  <a:txBody>
+                    <a:bodyPr/>
+                    <a:lstStyle/>
+                    <a:p>
+                      <a:pPr marL="0" marR="0" lvl="0" indent="0" algn="ctr" defTabSz="914400" rtl="0" eaLnBrk="1" fontAlgn="b" latinLnBrk="0" hangingPunct="1">
+                        <a:lnSpc>
+                          <a:spcPct val="100000"/>
+                        </a:lnSpc>
+                        <a:spcBef>
+                          <a:spcPts val="0"/>
+                        </a:spcBef>
+                        <a:spcAft>
+                          <a:spcPts val="0"/>
+                        </a:spcAft>
+                        <a:buClrTx/>
+                        <a:buSzTx/>
+                        <a:buFontTx/>
+                        <a:buNone/>
+                        <a:tabLst/>
+                        <a:defRPr/>
+                      </a:pPr>
+                      <a:r>
+                        <a:rPr lang="ru-RU" sz="1200" b="0" i="0" u="none" strike="noStrike" dirty="0" smtClean="0">
+                          <a:solidFill>
+                            <a:srgbClr val="000000"/>
+                          </a:solidFill>
+                          <a:effectLst/>
+                          <a:latin typeface="Calibri" panose="020F0502020204030204" pitchFamily="34" charset="0"/>
+                        </a:rPr>
+                        <a:t>ИСТИНА</a:t>
+                      </a:r>
+                    </a:p>
+                  </a:txBody>
+                  <a:tcPr marL="9525" marR="9525" marT="9525" marB="0" anchor="b">
+                    <a:solidFill>
+                      <a:schemeClr val="accent6"/>
+                    </a:solidFill>
+                  </a:tcPr>
+                </a:tc>
+                <a:tc>
+                  <a:txBody>
+                    <a:bodyPr/>
+                    <a:lstStyle/>
+                    <a:p>
+                      <a:pPr algn="ctr" fontAlgn="b"/>
                       <a:r>
                         <a:rPr lang="ru-RU" sz="1200" b="0" i="0" u="none" strike="noStrike" dirty="0">
                           <a:solidFill>
@@ -16175,18 +17056,22 @@
                           <a:effectLst/>
                           <a:latin typeface="Calibri" panose="020F0502020204030204" pitchFamily="34" charset="0"/>
                         </a:rPr>
-                        <a:t>0</a:t>
-                      </a:r>
-                    </a:p>
-                  </a:txBody>
-                  <a:tcPr marL="9525" marR="9525" marT="9525" marB="0" anchor="b"/>
-                </a:tc>
-                <a:tc>
-                  <a:txBody>
-                    <a:bodyPr/>
-                    <a:lstStyle/>
-                    <a:p>
-                      <a:pPr algn="l" fontAlgn="b"/>
+                        <a:t>Верно</a:t>
+                      </a:r>
+                    </a:p>
+                  </a:txBody>
+                  <a:tcPr marL="9525" marR="9525" marT="9525" marB="0" anchor="b">
+                    <a:solidFill>
+                      <a:schemeClr val="accent6"/>
+                    </a:solidFill>
+                  </a:tcPr>
+                </a:tc>
+                <a:tc>
+                  <a:txBody>
+                    <a:bodyPr/>
+                    <a:lstStyle/>
+                    <a:p>
+                      <a:pPr algn="ctr" fontAlgn="b"/>
                       <a:r>
                         <a:rPr lang="ru-RU" sz="1200" b="0" i="0" u="none" strike="noStrike" dirty="0">
                           <a:solidFill>
@@ -16195,26 +17080,6 @@
                           <a:effectLst/>
                           <a:latin typeface="Calibri" panose="020F0502020204030204" pitchFamily="34" charset="0"/>
                         </a:rPr>
-                        <a:t>Верно</a:t>
-                      </a:r>
-                    </a:p>
-                  </a:txBody>
-                  <a:tcPr marL="9525" marR="9525" marT="9525" marB="0" anchor="b"/>
-                </a:tc>
-                <a:tc>
-                  <a:txBody>
-                    <a:bodyPr/>
-                    <a:lstStyle/>
-                    <a:p>
-                      <a:pPr algn="r" fontAlgn="b"/>
-                      <a:r>
-                        <a:rPr lang="ru-RU" sz="1200" b="0" i="0" u="none" strike="noStrike" dirty="0">
-                          <a:solidFill>
-                            <a:srgbClr val="000000"/>
-                          </a:solidFill>
-                          <a:effectLst/>
-                          <a:latin typeface="Calibri" panose="020F0502020204030204" pitchFamily="34" charset="0"/>
-                        </a:rPr>
                         <a:t>2</a:t>
                       </a:r>
                     </a:p>
@@ -16226,7 +17091,7 @@
                     <a:bodyPr/>
                     <a:lstStyle/>
                     <a:p>
-                      <a:pPr algn="r" fontAlgn="b"/>
+                      <a:pPr algn="ctr" fontAlgn="b"/>
                       <a:r>
                         <a:rPr lang="ru-RU" sz="1200" b="0" i="0" u="none" strike="noStrike" dirty="0">
                           <a:solidFill>
@@ -16359,7 +17224,7 @@
           <p:nvPr>
             <p:extLst>
               <p:ext uri="{D42A27DB-BD31-4B8C-83A1-F6EECF244321}">
-                <p14:modId xmlns:p14="http://schemas.microsoft.com/office/powerpoint/2010/main" val="890307860"/>
+                <p14:modId xmlns:p14="http://schemas.microsoft.com/office/powerpoint/2010/main" val="622371114"/>
               </p:ext>
             </p:extLst>
           </p:nvPr>
@@ -16500,55 +17365,49 @@
                     <a:p>
                       <a:pPr algn="ctr" fontAlgn="b"/>
                       <a:r>
-                        <a:rPr lang="ru-RU" sz="1600" b="1" i="0" u="none" strike="noStrike" dirty="0">
+                        <a:rPr lang="ru-RU" sz="1600" b="1" i="0" u="none" strike="noStrike" dirty="0" smtClean="0">
                           <a:solidFill>
                             <a:schemeClr val="bg1"/>
                           </a:solidFill>
                           <a:effectLst/>
                           <a:latin typeface="Calibri" panose="020F0502020204030204" pitchFamily="34" charset="0"/>
                         </a:rPr>
-                        <a:t>Результат </a:t>
-                      </a:r>
-                      <a:r>
-                        <a:rPr lang="en-US" sz="1600" b="1" i="0" u="none" strike="noStrike" dirty="0">
+                        <a:t>Распознал граф</a:t>
+                      </a:r>
+                      <a:endParaRPr lang="en-US" sz="1600" b="1" i="0" u="none" strike="noStrike" dirty="0">
+                        <a:solidFill>
+                          <a:schemeClr val="bg1"/>
+                        </a:solidFill>
+                        <a:effectLst/>
+                        <a:latin typeface="Calibri" panose="020F0502020204030204" pitchFamily="34" charset="0"/>
+                      </a:endParaRPr>
+                    </a:p>
+                  </a:txBody>
+                  <a:tcPr marL="9525" marR="9525" marT="9525" marB="0" anchor="b"/>
+                </a:tc>
+                <a:tc>
+                  <a:txBody>
+                    <a:bodyPr/>
+                    <a:lstStyle/>
+                    <a:p>
+                      <a:pPr algn="ctr" fontAlgn="b"/>
+                      <a:r>
+                        <a:rPr lang="ru-RU" sz="1600" b="1" i="0" u="none" strike="noStrike" dirty="0" smtClean="0">
                           <a:solidFill>
                             <a:schemeClr val="bg1"/>
                           </a:solidFill>
                           <a:effectLst/>
                           <a:latin typeface="Calibri" panose="020F0502020204030204" pitchFamily="34" charset="0"/>
                         </a:rPr>
-                        <a:t>Validate</a:t>
-                      </a:r>
-                    </a:p>
-                  </a:txBody>
-                  <a:tcPr marL="9525" marR="9525" marT="9525" marB="0" anchor="b"/>
-                </a:tc>
-                <a:tc>
-                  <a:txBody>
-                    <a:bodyPr/>
-                    <a:lstStyle/>
-                    <a:p>
-                      <a:pPr algn="ctr" fontAlgn="b"/>
-                      <a:r>
-                        <a:rPr lang="ru-RU" sz="1600" b="1" i="0" u="none" strike="noStrike" dirty="0">
-                          <a:solidFill>
-                            <a:schemeClr val="bg1"/>
-                          </a:solidFill>
-                          <a:effectLst/>
-                          <a:latin typeface="Calibri" panose="020F0502020204030204" pitchFamily="34" charset="0"/>
-                        </a:rPr>
-                        <a:t>Результат </a:t>
-                      </a:r>
-                      <a:r>
-                        <a:rPr lang="en-US" sz="1600" b="1" i="0" u="none" strike="noStrike" dirty="0">
-                          <a:solidFill>
-                            <a:schemeClr val="bg1"/>
-                          </a:solidFill>
-                          <a:effectLst/>
-                          <a:latin typeface="Calibri" panose="020F0502020204030204" pitchFamily="34" charset="0"/>
-                        </a:rPr>
-                        <a:t>Numerate</a:t>
-                      </a:r>
+                        <a:t>Построил нумерацию</a:t>
+                      </a:r>
+                      <a:endParaRPr lang="en-US" sz="1600" b="1" i="0" u="none" strike="noStrike" dirty="0">
+                        <a:solidFill>
+                          <a:schemeClr val="bg1"/>
+                        </a:solidFill>
+                        <a:effectLst/>
+                        <a:latin typeface="Calibri" panose="020F0502020204030204" pitchFamily="34" charset="0"/>
+                      </a:endParaRPr>
                     </a:p>
                   </a:txBody>
                   <a:tcPr marL="9525" marR="9525" marT="9525" marB="0" anchor="b"/>
@@ -16665,7 +17524,7 @@
                     <a:bodyPr/>
                     <a:lstStyle/>
                     <a:p>
-                      <a:pPr algn="r" fontAlgn="b"/>
+                      <a:pPr algn="ctr" fontAlgn="b"/>
                       <a:r>
                         <a:rPr lang="ru-RU" sz="1200" b="0" i="0" u="none" strike="noStrike" dirty="0">
                           <a:solidFill>
@@ -16685,7 +17544,7 @@
                     <a:bodyPr/>
                     <a:lstStyle/>
                     <a:p>
-                      <a:pPr algn="r" fontAlgn="b"/>
+                      <a:pPr algn="ctr" fontAlgn="b"/>
                       <a:r>
                         <a:rPr lang="ru-RU" sz="1200" b="0" i="0" u="none" strike="noStrike" dirty="0">
                           <a:solidFill>
@@ -16705,7 +17564,7 @@
                     <a:bodyPr/>
                     <a:lstStyle/>
                     <a:p>
-                      <a:pPr algn="l" fontAlgn="b"/>
+                      <a:pPr algn="ctr" fontAlgn="b"/>
                       <a:r>
                         <a:rPr lang="ru-RU" sz="1200" b="0" i="0" u="none" strike="noStrike" dirty="0">
                           <a:solidFill>
@@ -16718,36 +17577,58 @@
                       </a:r>
                     </a:p>
                   </a:txBody>
-                  <a:tcPr marL="9525" marR="9525" marT="9525" marB="0" anchor="b"/>
-                </a:tc>
-                <a:tc>
-                  <a:txBody>
-                    <a:bodyPr/>
-                    <a:lstStyle/>
-                    <a:p>
-                      <a:pPr algn="r" fontAlgn="b"/>
-                      <a:r>
-                        <a:rPr lang="ru-RU" sz="1200" b="0" i="0" u="none" strike="noStrike">
-                          <a:solidFill>
-                            <a:srgbClr val="000000"/>
-                          </a:solidFill>
-                          <a:effectLst/>
-                          <a:latin typeface="Calibri" panose="020F0502020204030204" pitchFamily="34" charset="0"/>
-                        </a:rPr>
-                        <a:t>0</a:t>
-                      </a:r>
-                    </a:p>
-                  </a:txBody>
-                  <a:tcPr marL="9525" marR="9525" marT="9525" marB="0" anchor="b"/>
-                </a:tc>
-                <a:tc>
-                  <a:txBody>
-                    <a:bodyPr/>
-                    <a:lstStyle/>
-                    <a:p>
-                      <a:pPr algn="l" fontAlgn="b"/>
-                      <a:r>
-                        <a:rPr lang="ru-RU" sz="1200" b="0" i="0" u="none" strike="noStrike">
+                  <a:tcPr marL="9525" marR="9525" marT="9525" marB="0" anchor="b">
+                    <a:solidFill>
+                      <a:schemeClr val="accent6"/>
+                    </a:solidFill>
+                  </a:tcPr>
+                </a:tc>
+                <a:tc>
+                  <a:txBody>
+                    <a:bodyPr/>
+                    <a:lstStyle/>
+                    <a:p>
+                      <a:pPr algn="ctr" fontAlgn="b"/>
+                      <a:r>
+                        <a:rPr kumimoji="0" lang="ru-RU" sz="1200" b="0" i="0" u="none" strike="noStrike" kern="1200" cap="none" spc="0" normalizeH="0" baseline="0" noProof="0" dirty="0" smtClean="0">
+                          <a:ln>
+                            <a:noFill/>
+                          </a:ln>
+                          <a:solidFill>
+                            <a:srgbClr val="000000"/>
+                          </a:solidFill>
+                          <a:effectLst/>
+                          <a:uLnTx/>
+                          <a:uFillTx/>
+                          <a:latin typeface="Calibri" panose="020F0502020204030204" pitchFamily="34" charset="0"/>
+                          <a:ea typeface="+mn-ea"/>
+                          <a:cs typeface="+mn-cs"/>
+                        </a:rPr>
+                        <a:t>ИСТИНА</a:t>
+                      </a:r>
+                      <a:endParaRPr lang="ru-RU" sz="1200" b="0" i="0" u="none" strike="noStrike" dirty="0">
+                        <a:solidFill>
+                          <a:srgbClr val="000000"/>
+                        </a:solidFill>
+                        <a:effectLst/>
+                        <a:latin typeface="Calibri" panose="020F0502020204030204" pitchFamily="34" charset="0"/>
+                      </a:endParaRPr>
+                    </a:p>
+                  </a:txBody>
+                  <a:tcPr marL="9525" marR="9525" marT="9525" marB="0" anchor="b">
+                    <a:solidFill>
+                      <a:schemeClr val="accent6"/>
+                    </a:solidFill>
+                  </a:tcPr>
+                </a:tc>
+                <a:tc>
+                  <a:txBody>
+                    <a:bodyPr/>
+                    <a:lstStyle/>
+                    <a:p>
+                      <a:pPr algn="ctr" fontAlgn="b"/>
+                      <a:r>
+                        <a:rPr lang="ru-RU" sz="1200" b="0" i="0" u="none" strike="noStrike" dirty="0">
                           <a:solidFill>
                             <a:srgbClr val="000000"/>
                           </a:solidFill>
@@ -16758,16 +17639,20 @@
                       </a:r>
                     </a:p>
                   </a:txBody>
-                  <a:tcPr marL="9525" marR="9525" marT="9525" marB="0" anchor="b"/>
-                </a:tc>
-                <a:tc>
-                  <a:txBody>
-                    <a:bodyPr/>
-                    <a:lstStyle/>
-                    <a:p>
-                      <a:pPr algn="r" fontAlgn="b"/>
-                      <a:r>
-                        <a:rPr lang="ru-RU" sz="1200" b="0" i="0" u="none" strike="noStrike">
+                  <a:tcPr marL="9525" marR="9525" marT="9525" marB="0" anchor="b">
+                    <a:solidFill>
+                      <a:schemeClr val="accent6"/>
+                    </a:solidFill>
+                  </a:tcPr>
+                </a:tc>
+                <a:tc>
+                  <a:txBody>
+                    <a:bodyPr/>
+                    <a:lstStyle/>
+                    <a:p>
+                      <a:pPr algn="ctr" fontAlgn="b"/>
+                      <a:r>
+                        <a:rPr lang="ru-RU" sz="1200" b="0" i="0" u="none" strike="noStrike" dirty="0">
                           <a:solidFill>
                             <a:srgbClr val="000000"/>
                           </a:solidFill>
@@ -16785,7 +17670,7 @@
                     <a:bodyPr/>
                     <a:lstStyle/>
                     <a:p>
-                      <a:pPr algn="r" fontAlgn="b"/>
+                      <a:pPr algn="ctr" fontAlgn="b"/>
                       <a:r>
                         <a:rPr lang="ru-RU" sz="1200" b="0" i="0" u="none" strike="noStrike" dirty="0">
                           <a:solidFill>
@@ -16832,7 +17717,7 @@
                     <a:bodyPr/>
                     <a:lstStyle/>
                     <a:p>
-                      <a:pPr algn="r" fontAlgn="b"/>
+                      <a:pPr algn="ctr" fontAlgn="b"/>
                       <a:r>
                         <a:rPr lang="ru-RU" sz="1200" b="0" i="0" u="none" strike="noStrike">
                           <a:solidFill>
@@ -16852,7 +17737,7 @@
                     <a:bodyPr/>
                     <a:lstStyle/>
                     <a:p>
-                      <a:pPr algn="r" fontAlgn="b"/>
+                      <a:pPr algn="ctr" fontAlgn="b"/>
                       <a:r>
                         <a:rPr lang="ru-RU" sz="1200" b="0" i="0" u="none" strike="noStrike">
                           <a:solidFill>
@@ -16872,9 +17757,9 @@
                     <a:bodyPr/>
                     <a:lstStyle/>
                     <a:p>
-                      <a:pPr algn="l" fontAlgn="b"/>
-                      <a:r>
-                        <a:rPr lang="ru-RU" sz="1200" b="0" i="0" u="none" strike="noStrike">
+                      <a:pPr algn="ctr" fontAlgn="b"/>
+                      <a:r>
+                        <a:rPr lang="ru-RU" sz="1200" b="0" i="0" u="none" strike="noStrike" dirty="0">
                           <a:solidFill>
                             <a:srgbClr val="000000"/>
                           </a:solidFill>
@@ -16885,36 +17770,58 @@
                       </a:r>
                     </a:p>
                   </a:txBody>
-                  <a:tcPr marL="9525" marR="9525" marT="9525" marB="0" anchor="b"/>
-                </a:tc>
-                <a:tc>
-                  <a:txBody>
-                    <a:bodyPr/>
-                    <a:lstStyle/>
-                    <a:p>
-                      <a:pPr algn="r" fontAlgn="b"/>
-                      <a:r>
-                        <a:rPr lang="ru-RU" sz="1200" b="0" i="0" u="none" strike="noStrike">
-                          <a:solidFill>
-                            <a:srgbClr val="000000"/>
-                          </a:solidFill>
-                          <a:effectLst/>
-                          <a:latin typeface="Calibri" panose="020F0502020204030204" pitchFamily="34" charset="0"/>
-                        </a:rPr>
-                        <a:t>0</a:t>
-                      </a:r>
-                    </a:p>
-                  </a:txBody>
-                  <a:tcPr marL="9525" marR="9525" marT="9525" marB="0" anchor="b"/>
-                </a:tc>
-                <a:tc>
-                  <a:txBody>
-                    <a:bodyPr/>
-                    <a:lstStyle/>
-                    <a:p>
-                      <a:pPr algn="l" fontAlgn="b"/>
-                      <a:r>
-                        <a:rPr lang="ru-RU" sz="1200" b="0" i="0" u="none" strike="noStrike">
+                  <a:tcPr marL="9525" marR="9525" marT="9525" marB="0" anchor="b">
+                    <a:solidFill>
+                      <a:schemeClr val="accent6"/>
+                    </a:solidFill>
+                  </a:tcPr>
+                </a:tc>
+                <a:tc>
+                  <a:txBody>
+                    <a:bodyPr/>
+                    <a:lstStyle/>
+                    <a:p>
+                      <a:pPr algn="ctr" fontAlgn="b"/>
+                      <a:r>
+                        <a:rPr kumimoji="0" lang="ru-RU" sz="1200" b="0" i="0" u="none" strike="noStrike" kern="1200" cap="none" spc="0" normalizeH="0" baseline="0" noProof="0" dirty="0" smtClean="0">
+                          <a:ln>
+                            <a:noFill/>
+                          </a:ln>
+                          <a:solidFill>
+                            <a:srgbClr val="000000"/>
+                          </a:solidFill>
+                          <a:effectLst/>
+                          <a:uLnTx/>
+                          <a:uFillTx/>
+                          <a:latin typeface="Calibri" panose="020F0502020204030204" pitchFamily="34" charset="0"/>
+                          <a:ea typeface="+mn-ea"/>
+                          <a:cs typeface="+mn-cs"/>
+                        </a:rPr>
+                        <a:t>ИСТИНА</a:t>
+                      </a:r>
+                      <a:endParaRPr lang="ru-RU" sz="1200" b="0" i="0" u="none" strike="noStrike" dirty="0">
+                        <a:solidFill>
+                          <a:srgbClr val="000000"/>
+                        </a:solidFill>
+                        <a:effectLst/>
+                        <a:latin typeface="Calibri" panose="020F0502020204030204" pitchFamily="34" charset="0"/>
+                      </a:endParaRPr>
+                    </a:p>
+                  </a:txBody>
+                  <a:tcPr marL="9525" marR="9525" marT="9525" marB="0" anchor="b">
+                    <a:solidFill>
+                      <a:schemeClr val="accent6"/>
+                    </a:solidFill>
+                  </a:tcPr>
+                </a:tc>
+                <a:tc>
+                  <a:txBody>
+                    <a:bodyPr/>
+                    <a:lstStyle/>
+                    <a:p>
+                      <a:pPr algn="ctr" fontAlgn="b"/>
+                      <a:r>
+                        <a:rPr lang="ru-RU" sz="1200" b="0" i="0" u="none" strike="noStrike" dirty="0">
                           <a:solidFill>
                             <a:srgbClr val="000000"/>
                           </a:solidFill>
@@ -16925,16 +17832,20 @@
                       </a:r>
                     </a:p>
                   </a:txBody>
-                  <a:tcPr marL="9525" marR="9525" marT="9525" marB="0" anchor="b"/>
-                </a:tc>
-                <a:tc>
-                  <a:txBody>
-                    <a:bodyPr/>
-                    <a:lstStyle/>
-                    <a:p>
-                      <a:pPr algn="r" fontAlgn="b"/>
-                      <a:r>
-                        <a:rPr lang="ru-RU" sz="1200" b="0" i="0" u="none" strike="noStrike">
+                  <a:tcPr marL="9525" marR="9525" marT="9525" marB="0" anchor="b">
+                    <a:solidFill>
+                      <a:schemeClr val="accent6"/>
+                    </a:solidFill>
+                  </a:tcPr>
+                </a:tc>
+                <a:tc>
+                  <a:txBody>
+                    <a:bodyPr/>
+                    <a:lstStyle/>
+                    <a:p>
+                      <a:pPr algn="ctr" fontAlgn="b"/>
+                      <a:r>
+                        <a:rPr lang="ru-RU" sz="1200" b="0" i="0" u="none" strike="noStrike" dirty="0">
                           <a:solidFill>
                             <a:srgbClr val="000000"/>
                           </a:solidFill>
@@ -16952,7 +17863,7 @@
                     <a:bodyPr/>
                     <a:lstStyle/>
                     <a:p>
-                      <a:pPr algn="r" fontAlgn="b"/>
+                      <a:pPr algn="ctr" fontAlgn="b"/>
                       <a:r>
                         <a:rPr lang="ru-RU" sz="1200" b="0" i="0" u="none" strike="noStrike">
                           <a:solidFill>
@@ -16999,7 +17910,27 @@
                     <a:bodyPr/>
                     <a:lstStyle/>
                     <a:p>
-                      <a:pPr algn="r" fontAlgn="b"/>
+                      <a:pPr algn="ctr" fontAlgn="b"/>
+                      <a:r>
+                        <a:rPr lang="ru-RU" sz="1200" b="0" i="0" u="none" strike="noStrike" dirty="0">
+                          <a:solidFill>
+                            <a:srgbClr val="000000"/>
+                          </a:solidFill>
+                          <a:effectLst/>
+                          <a:latin typeface="Calibri" panose="020F0502020204030204" pitchFamily="34" charset="0"/>
+                        </a:rPr>
+                        <a:t>7</a:t>
+                      </a:r>
+                    </a:p>
+                  </a:txBody>
+                  <a:tcPr marL="9525" marR="9525" marT="9525" marB="0" anchor="b"/>
+                </a:tc>
+                <a:tc>
+                  <a:txBody>
+                    <a:bodyPr/>
+                    <a:lstStyle/>
+                    <a:p>
+                      <a:pPr algn="ctr" fontAlgn="b"/>
                       <a:r>
                         <a:rPr lang="ru-RU" sz="1200" b="0" i="0" u="none" strike="noStrike">
                           <a:solidFill>
@@ -17008,26 +17939,6 @@
                           <a:effectLst/>
                           <a:latin typeface="Calibri" panose="020F0502020204030204" pitchFamily="34" charset="0"/>
                         </a:rPr>
-                        <a:t>7</a:t>
-                      </a:r>
-                    </a:p>
-                  </a:txBody>
-                  <a:tcPr marL="9525" marR="9525" marT="9525" marB="0" anchor="b"/>
-                </a:tc>
-                <a:tc>
-                  <a:txBody>
-                    <a:bodyPr/>
-                    <a:lstStyle/>
-                    <a:p>
-                      <a:pPr algn="r" fontAlgn="b"/>
-                      <a:r>
-                        <a:rPr lang="ru-RU" sz="1200" b="0" i="0" u="none" strike="noStrike">
-                          <a:solidFill>
-                            <a:srgbClr val="000000"/>
-                          </a:solidFill>
-                          <a:effectLst/>
-                          <a:latin typeface="Calibri" panose="020F0502020204030204" pitchFamily="34" charset="0"/>
-                        </a:rPr>
                         <a:t>8</a:t>
                       </a:r>
                     </a:p>
@@ -17039,9 +17950,9 @@
                     <a:bodyPr/>
                     <a:lstStyle/>
                     <a:p>
-                      <a:pPr algn="l" fontAlgn="b"/>
-                      <a:r>
-                        <a:rPr lang="ru-RU" sz="1200" b="0" i="0" u="none" strike="noStrike">
+                      <a:pPr algn="ctr" fontAlgn="b"/>
+                      <a:r>
+                        <a:rPr lang="ru-RU" sz="1200" b="0" i="0" u="none" strike="noStrike" dirty="0">
                           <a:solidFill>
                             <a:srgbClr val="000000"/>
                           </a:solidFill>
@@ -17052,36 +17963,58 @@
                       </a:r>
                     </a:p>
                   </a:txBody>
-                  <a:tcPr marL="9525" marR="9525" marT="9525" marB="0" anchor="b"/>
-                </a:tc>
-                <a:tc>
-                  <a:txBody>
-                    <a:bodyPr/>
-                    <a:lstStyle/>
-                    <a:p>
-                      <a:pPr algn="r" fontAlgn="b"/>
-                      <a:r>
-                        <a:rPr lang="ru-RU" sz="1200" b="0" i="0" u="none" strike="noStrike">
-                          <a:solidFill>
-                            <a:srgbClr val="000000"/>
-                          </a:solidFill>
-                          <a:effectLst/>
-                          <a:latin typeface="Calibri" panose="020F0502020204030204" pitchFamily="34" charset="0"/>
-                        </a:rPr>
-                        <a:t>0</a:t>
-                      </a:r>
-                    </a:p>
-                  </a:txBody>
-                  <a:tcPr marL="9525" marR="9525" marT="9525" marB="0" anchor="b"/>
-                </a:tc>
-                <a:tc>
-                  <a:txBody>
-                    <a:bodyPr/>
-                    <a:lstStyle/>
-                    <a:p>
-                      <a:pPr algn="l" fontAlgn="b"/>
-                      <a:r>
-                        <a:rPr lang="ru-RU" sz="1200" b="0" i="0" u="none" strike="noStrike">
+                  <a:tcPr marL="9525" marR="9525" marT="9525" marB="0" anchor="b">
+                    <a:solidFill>
+                      <a:schemeClr val="accent6"/>
+                    </a:solidFill>
+                  </a:tcPr>
+                </a:tc>
+                <a:tc>
+                  <a:txBody>
+                    <a:bodyPr/>
+                    <a:lstStyle/>
+                    <a:p>
+                      <a:pPr algn="ctr" fontAlgn="b"/>
+                      <a:r>
+                        <a:rPr kumimoji="0" lang="ru-RU" sz="1200" b="0" i="0" u="none" strike="noStrike" kern="1200" cap="none" spc="0" normalizeH="0" baseline="0" noProof="0" dirty="0" smtClean="0">
+                          <a:ln>
+                            <a:noFill/>
+                          </a:ln>
+                          <a:solidFill>
+                            <a:srgbClr val="000000"/>
+                          </a:solidFill>
+                          <a:effectLst/>
+                          <a:uLnTx/>
+                          <a:uFillTx/>
+                          <a:latin typeface="Calibri" panose="020F0502020204030204" pitchFamily="34" charset="0"/>
+                          <a:ea typeface="+mn-ea"/>
+                          <a:cs typeface="+mn-cs"/>
+                        </a:rPr>
+                        <a:t>ИСТИНА</a:t>
+                      </a:r>
+                      <a:endParaRPr lang="ru-RU" sz="1200" b="0" i="0" u="none" strike="noStrike" dirty="0">
+                        <a:solidFill>
+                          <a:srgbClr val="000000"/>
+                        </a:solidFill>
+                        <a:effectLst/>
+                        <a:latin typeface="Calibri" panose="020F0502020204030204" pitchFamily="34" charset="0"/>
+                      </a:endParaRPr>
+                    </a:p>
+                  </a:txBody>
+                  <a:tcPr marL="9525" marR="9525" marT="9525" marB="0" anchor="b">
+                    <a:solidFill>
+                      <a:schemeClr val="accent6"/>
+                    </a:solidFill>
+                  </a:tcPr>
+                </a:tc>
+                <a:tc>
+                  <a:txBody>
+                    <a:bodyPr/>
+                    <a:lstStyle/>
+                    <a:p>
+                      <a:pPr algn="ctr" fontAlgn="b"/>
+                      <a:r>
+                        <a:rPr lang="ru-RU" sz="1200" b="0" i="0" u="none" strike="noStrike" dirty="0">
                           <a:solidFill>
                             <a:srgbClr val="000000"/>
                           </a:solidFill>
@@ -17092,16 +18025,20 @@
                       </a:r>
                     </a:p>
                   </a:txBody>
-                  <a:tcPr marL="9525" marR="9525" marT="9525" marB="0" anchor="b"/>
-                </a:tc>
-                <a:tc>
-                  <a:txBody>
-                    <a:bodyPr/>
-                    <a:lstStyle/>
-                    <a:p>
-                      <a:pPr algn="r" fontAlgn="b"/>
-                      <a:r>
-                        <a:rPr lang="ru-RU" sz="1200" b="0" i="0" u="none" strike="noStrike">
+                  <a:tcPr marL="9525" marR="9525" marT="9525" marB="0" anchor="b">
+                    <a:solidFill>
+                      <a:schemeClr val="accent6"/>
+                    </a:solidFill>
+                  </a:tcPr>
+                </a:tc>
+                <a:tc>
+                  <a:txBody>
+                    <a:bodyPr/>
+                    <a:lstStyle/>
+                    <a:p>
+                      <a:pPr algn="ctr" fontAlgn="b"/>
+                      <a:r>
+                        <a:rPr lang="ru-RU" sz="1200" b="0" i="0" u="none" strike="noStrike" dirty="0">
                           <a:solidFill>
                             <a:srgbClr val="000000"/>
                           </a:solidFill>
@@ -17119,7 +18056,7 @@
                     <a:bodyPr/>
                     <a:lstStyle/>
                     <a:p>
-                      <a:pPr algn="r" fontAlgn="b"/>
+                      <a:pPr algn="ctr" fontAlgn="b"/>
                       <a:r>
                         <a:rPr lang="ru-RU" sz="1200" b="0" i="0" u="none" strike="noStrike" dirty="0">
                           <a:solidFill>
@@ -17166,7 +18103,7 @@
                     <a:bodyPr/>
                     <a:lstStyle/>
                     <a:p>
-                      <a:pPr algn="r" fontAlgn="b"/>
+                      <a:pPr algn="ctr" fontAlgn="b"/>
                       <a:r>
                         <a:rPr lang="ru-RU" sz="1200" b="0" i="0" u="none" strike="noStrike">
                           <a:solidFill>
@@ -17186,7 +18123,7 @@
                     <a:bodyPr/>
                     <a:lstStyle/>
                     <a:p>
-                      <a:pPr algn="r" fontAlgn="b"/>
+                      <a:pPr algn="ctr" fontAlgn="b"/>
                       <a:r>
                         <a:rPr lang="ru-RU" sz="1200" b="0" i="0" u="none" strike="noStrike">
                           <a:solidFill>
@@ -17206,7 +18143,93 @@
                     <a:bodyPr/>
                     <a:lstStyle/>
                     <a:p>
-                      <a:pPr algn="l" fontAlgn="b"/>
+                      <a:pPr algn="ctr" fontAlgn="b"/>
+                      <a:r>
+                        <a:rPr lang="ru-RU" sz="1200" b="0" i="0" u="none" strike="noStrike" dirty="0">
+                          <a:solidFill>
+                            <a:srgbClr val="000000"/>
+                          </a:solidFill>
+                          <a:effectLst/>
+                          <a:latin typeface="Calibri" panose="020F0502020204030204" pitchFamily="34" charset="0"/>
+                        </a:rPr>
+                        <a:t>ИСТИНА</a:t>
+                      </a:r>
+                    </a:p>
+                  </a:txBody>
+                  <a:tcPr marL="9525" marR="9525" marT="9525" marB="0" anchor="b">
+                    <a:solidFill>
+                      <a:schemeClr val="accent6"/>
+                    </a:solidFill>
+                  </a:tcPr>
+                </a:tc>
+                <a:tc>
+                  <a:txBody>
+                    <a:bodyPr/>
+                    <a:lstStyle/>
+                    <a:p>
+                      <a:pPr algn="ctr" fontAlgn="b"/>
+                      <a:r>
+                        <a:rPr kumimoji="0" lang="ru-RU" sz="1200" b="0" i="0" u="none" strike="noStrike" kern="1200" cap="none" spc="0" normalizeH="0" baseline="0" noProof="0" dirty="0" smtClean="0">
+                          <a:ln>
+                            <a:noFill/>
+                          </a:ln>
+                          <a:solidFill>
+                            <a:srgbClr val="000000"/>
+                          </a:solidFill>
+                          <a:effectLst/>
+                          <a:uLnTx/>
+                          <a:uFillTx/>
+                          <a:latin typeface="Calibri" panose="020F0502020204030204" pitchFamily="34" charset="0"/>
+                          <a:ea typeface="+mn-ea"/>
+                          <a:cs typeface="+mn-cs"/>
+                        </a:rPr>
+                        <a:t>ИСТИНА</a:t>
+                      </a:r>
+                      <a:endParaRPr lang="ru-RU" sz="1200" b="0" i="0" u="none" strike="noStrike" dirty="0">
+                        <a:solidFill>
+                          <a:srgbClr val="000000"/>
+                        </a:solidFill>
+                        <a:effectLst/>
+                        <a:latin typeface="Calibri" panose="020F0502020204030204" pitchFamily="34" charset="0"/>
+                      </a:endParaRPr>
+                    </a:p>
+                  </a:txBody>
+                  <a:tcPr marL="9525" marR="9525" marT="9525" marB="0" anchor="b">
+                    <a:solidFill>
+                      <a:schemeClr val="accent6"/>
+                    </a:solidFill>
+                  </a:tcPr>
+                </a:tc>
+                <a:tc>
+                  <a:txBody>
+                    <a:bodyPr/>
+                    <a:lstStyle/>
+                    <a:p>
+                      <a:pPr algn="ctr" fontAlgn="b"/>
+                      <a:r>
+                        <a:rPr lang="ru-RU" sz="1200" b="0" i="0" u="none" strike="noStrike" dirty="0">
+                          <a:solidFill>
+                            <a:srgbClr val="000000"/>
+                          </a:solidFill>
+                          <a:effectLst/>
+                          <a:latin typeface="Calibri" panose="020F0502020204030204" pitchFamily="34" charset="0"/>
+                        </a:rPr>
+                        <a:t>Верно</a:t>
+                      </a:r>
+                    </a:p>
+                  </a:txBody>
+                  <a:tcPr marL="9525" marR="9525" marT="9525" marB="0" anchor="b">
+                    <a:solidFill>
+                      <a:schemeClr val="accent6"/>
+                    </a:solidFill>
+                  </a:tcPr>
+                </a:tc>
+                <a:tc>
+                  <a:txBody>
+                    <a:bodyPr/>
+                    <a:lstStyle/>
+                    <a:p>
+                      <a:pPr algn="ctr" fontAlgn="b"/>
                       <a:r>
                         <a:rPr lang="ru-RU" sz="1200" b="0" i="0" u="none" strike="noStrike">
                           <a:solidFill>
@@ -17215,66 +18238,6 @@
                           <a:effectLst/>
                           <a:latin typeface="Calibri" panose="020F0502020204030204" pitchFamily="34" charset="0"/>
                         </a:rPr>
-                        <a:t>ИСТИНА</a:t>
-                      </a:r>
-                    </a:p>
-                  </a:txBody>
-                  <a:tcPr marL="9525" marR="9525" marT="9525" marB="0" anchor="b"/>
-                </a:tc>
-                <a:tc>
-                  <a:txBody>
-                    <a:bodyPr/>
-                    <a:lstStyle/>
-                    <a:p>
-                      <a:pPr algn="r" fontAlgn="b"/>
-                      <a:r>
-                        <a:rPr lang="ru-RU" sz="1200" b="0" i="0" u="none" strike="noStrike">
-                          <a:solidFill>
-                            <a:srgbClr val="000000"/>
-                          </a:solidFill>
-                          <a:effectLst/>
-                          <a:latin typeface="Calibri" panose="020F0502020204030204" pitchFamily="34" charset="0"/>
-                        </a:rPr>
-                        <a:t>0</a:t>
-                      </a:r>
-                    </a:p>
-                  </a:txBody>
-                  <a:tcPr marL="9525" marR="9525" marT="9525" marB="0" anchor="b"/>
-                </a:tc>
-                <a:tc>
-                  <a:txBody>
-                    <a:bodyPr/>
-                    <a:lstStyle/>
-                    <a:p>
-                      <a:pPr algn="l" fontAlgn="b"/>
-                      <a:r>
-                        <a:rPr lang="ru-RU" sz="1200" b="0" i="0" u="none" strike="noStrike">
-                          <a:solidFill>
-                            <a:srgbClr val="000000"/>
-                          </a:solidFill>
-                          <a:effectLst/>
-                          <a:latin typeface="Calibri" panose="020F0502020204030204" pitchFamily="34" charset="0"/>
-                        </a:rPr>
-                        <a:t>Верно</a:t>
-                      </a:r>
-                    </a:p>
-                  </a:txBody>
-                  <a:tcPr marL="9525" marR="9525" marT="9525" marB="0" anchor="b"/>
-                </a:tc>
-                <a:tc>
-                  <a:txBody>
-                    <a:bodyPr/>
-                    <a:lstStyle/>
-                    <a:p>
-                      <a:pPr algn="r" fontAlgn="b"/>
-                      <a:r>
-                        <a:rPr lang="ru-RU" sz="1200" b="0" i="0" u="none" strike="noStrike">
-                          <a:solidFill>
-                            <a:srgbClr val="000000"/>
-                          </a:solidFill>
-                          <a:effectLst/>
-                          <a:latin typeface="Calibri" panose="020F0502020204030204" pitchFamily="34" charset="0"/>
-                        </a:rPr>
                         <a:t>3</a:t>
                       </a:r>
                     </a:p>
@@ -17286,7 +18249,7 @@
                     <a:bodyPr/>
                     <a:lstStyle/>
                     <a:p>
-                      <a:pPr algn="r" fontAlgn="b"/>
+                      <a:pPr algn="ctr" fontAlgn="b"/>
                       <a:r>
                         <a:rPr lang="ru-RU" sz="1200" b="0" i="0" u="none" strike="noStrike" dirty="0">
                           <a:solidFill>
@@ -17333,7 +18296,7 @@
                     <a:bodyPr/>
                     <a:lstStyle/>
                     <a:p>
-                      <a:pPr algn="r" fontAlgn="b"/>
+                      <a:pPr algn="ctr" fontAlgn="b"/>
                       <a:r>
                         <a:rPr lang="ru-RU" sz="1200" b="0" i="0" u="none" strike="noStrike">
                           <a:solidFill>
@@ -17353,9 +18316,9 @@
                     <a:bodyPr/>
                     <a:lstStyle/>
                     <a:p>
-                      <a:pPr algn="r" fontAlgn="b"/>
-                      <a:r>
-                        <a:rPr lang="ru-RU" sz="1200" b="0" i="0" u="none" strike="noStrike">
+                      <a:pPr algn="ctr" fontAlgn="b"/>
+                      <a:r>
+                        <a:rPr lang="ru-RU" sz="1200" b="0" i="0" u="none" strike="noStrike" dirty="0">
                           <a:solidFill>
                             <a:srgbClr val="000000"/>
                           </a:solidFill>
@@ -17373,9 +18336,9 @@
                     <a:bodyPr/>
                     <a:lstStyle/>
                     <a:p>
-                      <a:pPr algn="l" fontAlgn="b"/>
-                      <a:r>
-                        <a:rPr lang="ru-RU" sz="1200" b="0" i="0" u="none" strike="noStrike">
+                      <a:pPr algn="ctr" fontAlgn="b"/>
+                      <a:r>
+                        <a:rPr lang="ru-RU" sz="1200" b="0" i="0" u="none" strike="noStrike" dirty="0">
                           <a:solidFill>
                             <a:srgbClr val="000000"/>
                           </a:solidFill>
@@ -17386,14 +18349,56 @@
                       </a:r>
                     </a:p>
                   </a:txBody>
-                  <a:tcPr marL="9525" marR="9525" marT="9525" marB="0" anchor="b"/>
-                </a:tc>
-                <a:tc>
-                  <a:txBody>
-                    <a:bodyPr/>
-                    <a:lstStyle/>
-                    <a:p>
-                      <a:pPr algn="r" fontAlgn="b"/>
+                  <a:tcPr marL="9525" marR="9525" marT="9525" marB="0" anchor="b">
+                    <a:solidFill>
+                      <a:schemeClr val="accent6"/>
+                    </a:solidFill>
+                  </a:tcPr>
+                </a:tc>
+                <a:tc>
+                  <a:txBody>
+                    <a:bodyPr/>
+                    <a:lstStyle/>
+                    <a:p>
+                      <a:pPr algn="ctr" fontAlgn="b"/>
+                      <a:r>
+                        <a:rPr kumimoji="0" lang="ru-RU" sz="1200" b="0" i="0" u="none" strike="noStrike" kern="1200" cap="none" spc="0" normalizeH="0" baseline="0" noProof="0" dirty="0" smtClean="0">
+                          <a:ln>
+                            <a:noFill/>
+                          </a:ln>
+                          <a:solidFill>
+                            <a:srgbClr val="000000"/>
+                          </a:solidFill>
+                          <a:effectLst/>
+                          <a:uLnTx/>
+                          <a:uFillTx/>
+                          <a:latin typeface="Calibri" panose="020F0502020204030204" pitchFamily="34" charset="0"/>
+                          <a:ea typeface="+mn-ea"/>
+                          <a:cs typeface="+mn-cs"/>
+                        </a:rPr>
+                        <a:t>ИСТИНА</a:t>
+                      </a:r>
+                      <a:endParaRPr lang="ru-RU" sz="1200" b="0" i="0" u="none" strike="noStrike" dirty="0">
+                        <a:solidFill>
+                          <a:srgbClr val="000000"/>
+                        </a:solidFill>
+                        <a:effectLst/>
+                        <a:latin typeface="Calibri" panose="020F0502020204030204" pitchFamily="34" charset="0"/>
+                      </a:endParaRPr>
+                    </a:p>
+                  </a:txBody>
+                  <a:tcPr marL="9525" marR="9525" marT="9525" marB="0" anchor="b">
+                    <a:solidFill>
+                      <a:schemeClr val="accent6"/>
+                    </a:solidFill>
+                  </a:tcPr>
+                </a:tc>
+                <a:tc>
+                  <a:txBody>
+                    <a:bodyPr/>
+                    <a:lstStyle/>
+                    <a:p>
+                      <a:pPr algn="ctr" fontAlgn="b"/>
                       <a:r>
                         <a:rPr lang="ru-RU" sz="1200" b="0" i="0" u="none" strike="noStrike" dirty="0">
                           <a:solidFill>
@@ -17402,40 +18407,24 @@
                           <a:effectLst/>
                           <a:latin typeface="Calibri" panose="020F0502020204030204" pitchFamily="34" charset="0"/>
                         </a:rPr>
-                        <a:t>0</a:t>
-                      </a:r>
-                    </a:p>
-                  </a:txBody>
-                  <a:tcPr marL="9525" marR="9525" marT="9525" marB="0" anchor="b"/>
-                </a:tc>
-                <a:tc>
-                  <a:txBody>
-                    <a:bodyPr/>
-                    <a:lstStyle/>
-                    <a:p>
-                      <a:pPr algn="l" fontAlgn="b"/>
-                      <a:r>
-                        <a:rPr lang="ru-RU" sz="1200" b="0" i="0" u="none" strike="noStrike">
-                          <a:solidFill>
-                            <a:srgbClr val="000000"/>
-                          </a:solidFill>
-                          <a:effectLst/>
-                          <a:latin typeface="Calibri" panose="020F0502020204030204" pitchFamily="34" charset="0"/>
-                        </a:rPr>
                         <a:t>Верно</a:t>
                       </a:r>
                     </a:p>
                   </a:txBody>
-                  <a:tcPr marL="9525" marR="9525" marT="9525" marB="0" anchor="b"/>
-                </a:tc>
-                <a:tc>
-                  <a:txBody>
-                    <a:bodyPr/>
-                    <a:lstStyle/>
-                    <a:p>
-                      <a:pPr algn="r" fontAlgn="b"/>
-                      <a:r>
-                        <a:rPr lang="ru-RU" sz="1200" b="0" i="0" u="none" strike="noStrike">
+                  <a:tcPr marL="9525" marR="9525" marT="9525" marB="0" anchor="b">
+                    <a:solidFill>
+                      <a:schemeClr val="accent6"/>
+                    </a:solidFill>
+                  </a:tcPr>
+                </a:tc>
+                <a:tc>
+                  <a:txBody>
+                    <a:bodyPr/>
+                    <a:lstStyle/>
+                    <a:p>
+                      <a:pPr algn="ctr" fontAlgn="b"/>
+                      <a:r>
+                        <a:rPr lang="ru-RU" sz="1200" b="0" i="0" u="none" strike="noStrike" dirty="0">
                           <a:solidFill>
                             <a:srgbClr val="000000"/>
                           </a:solidFill>
@@ -17453,7 +18442,7 @@
                     <a:bodyPr/>
                     <a:lstStyle/>
                     <a:p>
-                      <a:pPr algn="r" fontAlgn="b"/>
+                      <a:pPr algn="ctr" fontAlgn="b"/>
                       <a:r>
                         <a:rPr lang="ru-RU" sz="1200" b="0" i="0" u="none" strike="noStrike" dirty="0">
                           <a:solidFill>
@@ -17500,7 +18489,7 @@
                     <a:bodyPr/>
                     <a:lstStyle/>
                     <a:p>
-                      <a:pPr algn="r" fontAlgn="b"/>
+                      <a:pPr algn="ctr" fontAlgn="b"/>
                       <a:r>
                         <a:rPr lang="ru-RU" sz="1200" b="0" i="0" u="none" strike="noStrike">
                           <a:solidFill>
@@ -17520,7 +18509,113 @@
                     <a:bodyPr/>
                     <a:lstStyle/>
                     <a:p>
-                      <a:pPr algn="r" fontAlgn="b"/>
+                      <a:pPr algn="ctr" fontAlgn="b"/>
+                      <a:r>
+                        <a:rPr lang="ru-RU" sz="1200" b="0" i="0" u="none" strike="noStrike" dirty="0">
+                          <a:solidFill>
+                            <a:srgbClr val="000000"/>
+                          </a:solidFill>
+                          <a:effectLst/>
+                          <a:latin typeface="Calibri" panose="020F0502020204030204" pitchFamily="34" charset="0"/>
+                        </a:rPr>
+                        <a:t>28</a:t>
+                      </a:r>
+                    </a:p>
+                  </a:txBody>
+                  <a:tcPr marL="9525" marR="9525" marT="9525" marB="0" anchor="b"/>
+                </a:tc>
+                <a:tc>
+                  <a:txBody>
+                    <a:bodyPr/>
+                    <a:lstStyle/>
+                    <a:p>
+                      <a:pPr algn="ctr" fontAlgn="b"/>
+                      <a:r>
+                        <a:rPr lang="ru-RU" sz="1200" b="0" i="0" u="none" strike="noStrike" dirty="0">
+                          <a:solidFill>
+                            <a:srgbClr val="000000"/>
+                          </a:solidFill>
+                          <a:effectLst/>
+                          <a:latin typeface="Calibri" panose="020F0502020204030204" pitchFamily="34" charset="0"/>
+                        </a:rPr>
+                        <a:t>ИСТИНА</a:t>
+                      </a:r>
+                    </a:p>
+                  </a:txBody>
+                  <a:tcPr marL="9525" marR="9525" marT="9525" marB="0" anchor="b">
+                    <a:solidFill>
+                      <a:schemeClr val="accent6"/>
+                    </a:solidFill>
+                  </a:tcPr>
+                </a:tc>
+                <a:tc>
+                  <a:txBody>
+                    <a:bodyPr/>
+                    <a:lstStyle/>
+                    <a:p>
+                      <a:pPr algn="ctr" fontAlgn="b"/>
+                      <a:r>
+                        <a:rPr kumimoji="0" lang="ru-RU" sz="1200" b="0" i="0" u="none" strike="noStrike" kern="1200" cap="none" spc="0" normalizeH="0" baseline="0" noProof="0" dirty="0" smtClean="0">
+                          <a:ln>
+                            <a:noFill/>
+                          </a:ln>
+                          <a:solidFill>
+                            <a:srgbClr val="000000"/>
+                          </a:solidFill>
+                          <a:effectLst/>
+                          <a:uLnTx/>
+                          <a:uFillTx/>
+                          <a:latin typeface="Calibri" panose="020F0502020204030204" pitchFamily="34" charset="0"/>
+                          <a:ea typeface="+mn-ea"/>
+                          <a:cs typeface="+mn-cs"/>
+                        </a:rPr>
+                        <a:t>ИСТИНА</a:t>
+                      </a:r>
+                      <a:endParaRPr lang="ru-RU" sz="1200" b="0" i="0" u="none" strike="noStrike" dirty="0">
+                        <a:solidFill>
+                          <a:srgbClr val="000000"/>
+                        </a:solidFill>
+                        <a:effectLst/>
+                        <a:latin typeface="Calibri" panose="020F0502020204030204" pitchFamily="34" charset="0"/>
+                      </a:endParaRPr>
+                    </a:p>
+                  </a:txBody>
+                  <a:tcPr marL="9525" marR="9525" marT="9525" marB="0" anchor="b">
+                    <a:solidFill>
+                      <a:schemeClr val="accent6"/>
+                    </a:solidFill>
+                  </a:tcPr>
+                </a:tc>
+                <a:tc>
+                  <a:txBody>
+                    <a:bodyPr/>
+                    <a:lstStyle/>
+                    <a:p>
+                      <a:pPr algn="ctr" fontAlgn="b"/>
+                      <a:r>
+                        <a:rPr lang="ru-RU" sz="1200" b="0" i="0" u="none" strike="noStrike" dirty="0">
+                          <a:solidFill>
+                            <a:srgbClr val="000000"/>
+                          </a:solidFill>
+                          <a:effectLst/>
+                          <a:latin typeface="Calibri" panose="020F0502020204030204" pitchFamily="34" charset="0"/>
+                        </a:rPr>
+                        <a:t>Верно</a:t>
+                      </a:r>
+                    </a:p>
+                  </a:txBody>
+                  <a:tcPr marL="9525" marR="9525" marT="9525" marB="0" anchor="b">
+                    <a:solidFill>
+                      <a:schemeClr val="accent6"/>
+                    </a:solidFill>
+                  </a:tcPr>
+                </a:tc>
+                <a:tc>
+                  <a:txBody>
+                    <a:bodyPr/>
+                    <a:lstStyle/>
+                    <a:p>
+                      <a:pPr algn="ctr" fontAlgn="b"/>
                       <a:r>
                         <a:rPr lang="ru-RU" sz="1200" b="0" i="0" u="none" strike="noStrike">
                           <a:solidFill>
@@ -17529,100 +18624,20 @@
                           <a:effectLst/>
                           <a:latin typeface="Calibri" panose="020F0502020204030204" pitchFamily="34" charset="0"/>
                         </a:rPr>
-                        <a:t>28</a:t>
-                      </a:r>
-                    </a:p>
-                  </a:txBody>
-                  <a:tcPr marL="9525" marR="9525" marT="9525" marB="0" anchor="b"/>
-                </a:tc>
-                <a:tc>
-                  <a:txBody>
-                    <a:bodyPr/>
-                    <a:lstStyle/>
-                    <a:p>
-                      <a:pPr algn="l" fontAlgn="b"/>
-                      <a:r>
-                        <a:rPr lang="ru-RU" sz="1200" b="0" i="0" u="none" strike="noStrike">
-                          <a:solidFill>
-                            <a:srgbClr val="000000"/>
-                          </a:solidFill>
-                          <a:effectLst/>
-                          <a:latin typeface="Calibri" panose="020F0502020204030204" pitchFamily="34" charset="0"/>
-                        </a:rPr>
-                        <a:t>ИСТИНА</a:t>
-                      </a:r>
-                    </a:p>
-                  </a:txBody>
-                  <a:tcPr marL="9525" marR="9525" marT="9525" marB="0" anchor="b"/>
-                </a:tc>
-                <a:tc>
-                  <a:txBody>
-                    <a:bodyPr/>
-                    <a:lstStyle/>
-                    <a:p>
-                      <a:pPr algn="r" fontAlgn="b"/>
+                        <a:t>3</a:t>
+                      </a:r>
+                    </a:p>
+                  </a:txBody>
+                  <a:tcPr marL="9525" marR="9525" marT="9525" marB="0" anchor="b"/>
+                </a:tc>
+                <a:tc>
+                  <a:txBody>
+                    <a:bodyPr/>
+                    <a:lstStyle/>
+                    <a:p>
+                      <a:pPr algn="ctr" fontAlgn="b"/>
                       <a:r>
                         <a:rPr lang="ru-RU" sz="1200" b="0" i="0" u="none" strike="noStrike" dirty="0">
-                          <a:solidFill>
-                            <a:srgbClr val="000000"/>
-                          </a:solidFill>
-                          <a:effectLst/>
-                          <a:latin typeface="Calibri" panose="020F0502020204030204" pitchFamily="34" charset="0"/>
-                        </a:rPr>
-                        <a:t>0</a:t>
-                      </a:r>
-                    </a:p>
-                  </a:txBody>
-                  <a:tcPr marL="9525" marR="9525" marT="9525" marB="0" anchor="b"/>
-                </a:tc>
-                <a:tc>
-                  <a:txBody>
-                    <a:bodyPr/>
-                    <a:lstStyle/>
-                    <a:p>
-                      <a:pPr algn="l" fontAlgn="b"/>
-                      <a:r>
-                        <a:rPr lang="ru-RU" sz="1200" b="0" i="0" u="none" strike="noStrike" dirty="0">
-                          <a:solidFill>
-                            <a:srgbClr val="000000"/>
-                          </a:solidFill>
-                          <a:effectLst/>
-                          <a:latin typeface="Calibri" panose="020F0502020204030204" pitchFamily="34" charset="0"/>
-                        </a:rPr>
-                        <a:t>Верно</a:t>
-                      </a:r>
-                    </a:p>
-                  </a:txBody>
-                  <a:tcPr marL="9525" marR="9525" marT="9525" marB="0" anchor="b"/>
-                </a:tc>
-                <a:tc>
-                  <a:txBody>
-                    <a:bodyPr/>
-                    <a:lstStyle/>
-                    <a:p>
-                      <a:pPr algn="r" fontAlgn="b"/>
-                      <a:r>
-                        <a:rPr lang="ru-RU" sz="1200" b="0" i="0" u="none" strike="noStrike">
-                          <a:solidFill>
-                            <a:srgbClr val="000000"/>
-                          </a:solidFill>
-                          <a:effectLst/>
-                          <a:latin typeface="Calibri" panose="020F0502020204030204" pitchFamily="34" charset="0"/>
-                        </a:rPr>
-                        <a:t>3</a:t>
-                      </a:r>
-                    </a:p>
-                  </a:txBody>
-                  <a:tcPr marL="9525" marR="9525" marT="9525" marB="0" anchor="b"/>
-                </a:tc>
-                <a:tc>
-                  <a:txBody>
-                    <a:bodyPr/>
-                    <a:lstStyle/>
-                    <a:p>
-                      <a:pPr algn="r" fontAlgn="b"/>
-                      <a:r>
-                        <a:rPr lang="ru-RU" sz="1200" b="0" i="0" u="none" strike="noStrike">
                           <a:solidFill>
                             <a:srgbClr val="000000"/>
                           </a:solidFill>
@@ -17667,7 +18682,7 @@
                     <a:bodyPr/>
                     <a:lstStyle/>
                     <a:p>
-                      <a:pPr algn="r" fontAlgn="b"/>
+                      <a:pPr algn="ctr" fontAlgn="b"/>
                       <a:r>
                         <a:rPr lang="ru-RU" sz="1200" b="0" i="0" u="none" strike="noStrike">
                           <a:solidFill>
@@ -17687,7 +18702,113 @@
                     <a:bodyPr/>
                     <a:lstStyle/>
                     <a:p>
-                      <a:pPr algn="r" fontAlgn="b"/>
+                      <a:pPr algn="ctr" fontAlgn="b"/>
+                      <a:r>
+                        <a:rPr lang="ru-RU" sz="1200" b="0" i="0" u="none" strike="noStrike" dirty="0">
+                          <a:solidFill>
+                            <a:srgbClr val="000000"/>
+                          </a:solidFill>
+                          <a:effectLst/>
+                          <a:latin typeface="Calibri" panose="020F0502020204030204" pitchFamily="34" charset="0"/>
+                        </a:rPr>
+                        <a:t>44</a:t>
+                      </a:r>
+                    </a:p>
+                  </a:txBody>
+                  <a:tcPr marL="9525" marR="9525" marT="9525" marB="0" anchor="b"/>
+                </a:tc>
+                <a:tc>
+                  <a:txBody>
+                    <a:bodyPr/>
+                    <a:lstStyle/>
+                    <a:p>
+                      <a:pPr algn="ctr" fontAlgn="b"/>
+                      <a:r>
+                        <a:rPr lang="ru-RU" sz="1200" b="0" i="0" u="none" strike="noStrike" dirty="0">
+                          <a:solidFill>
+                            <a:srgbClr val="000000"/>
+                          </a:solidFill>
+                          <a:effectLst/>
+                          <a:latin typeface="Calibri" panose="020F0502020204030204" pitchFamily="34" charset="0"/>
+                        </a:rPr>
+                        <a:t>ИСТИНА</a:t>
+                      </a:r>
+                    </a:p>
+                  </a:txBody>
+                  <a:tcPr marL="9525" marR="9525" marT="9525" marB="0" anchor="b">
+                    <a:solidFill>
+                      <a:schemeClr val="accent6"/>
+                    </a:solidFill>
+                  </a:tcPr>
+                </a:tc>
+                <a:tc>
+                  <a:txBody>
+                    <a:bodyPr/>
+                    <a:lstStyle/>
+                    <a:p>
+                      <a:pPr algn="ctr" fontAlgn="b"/>
+                      <a:r>
+                        <a:rPr kumimoji="0" lang="ru-RU" sz="1200" b="0" i="0" u="none" strike="noStrike" kern="1200" cap="none" spc="0" normalizeH="0" baseline="0" noProof="0" dirty="0" smtClean="0">
+                          <a:ln>
+                            <a:noFill/>
+                          </a:ln>
+                          <a:solidFill>
+                            <a:srgbClr val="000000"/>
+                          </a:solidFill>
+                          <a:effectLst/>
+                          <a:uLnTx/>
+                          <a:uFillTx/>
+                          <a:latin typeface="Calibri" panose="020F0502020204030204" pitchFamily="34" charset="0"/>
+                          <a:ea typeface="+mn-ea"/>
+                          <a:cs typeface="+mn-cs"/>
+                        </a:rPr>
+                        <a:t>ИСТИНА</a:t>
+                      </a:r>
+                      <a:endParaRPr lang="ru-RU" sz="1200" b="0" i="0" u="none" strike="noStrike" dirty="0">
+                        <a:solidFill>
+                          <a:srgbClr val="000000"/>
+                        </a:solidFill>
+                        <a:effectLst/>
+                        <a:latin typeface="Calibri" panose="020F0502020204030204" pitchFamily="34" charset="0"/>
+                      </a:endParaRPr>
+                    </a:p>
+                  </a:txBody>
+                  <a:tcPr marL="9525" marR="9525" marT="9525" marB="0" anchor="b">
+                    <a:solidFill>
+                      <a:schemeClr val="accent6"/>
+                    </a:solidFill>
+                  </a:tcPr>
+                </a:tc>
+                <a:tc>
+                  <a:txBody>
+                    <a:bodyPr/>
+                    <a:lstStyle/>
+                    <a:p>
+                      <a:pPr algn="ctr" fontAlgn="b"/>
+                      <a:r>
+                        <a:rPr lang="ru-RU" sz="1200" b="0" i="0" u="none" strike="noStrike" dirty="0">
+                          <a:solidFill>
+                            <a:srgbClr val="000000"/>
+                          </a:solidFill>
+                          <a:effectLst/>
+                          <a:latin typeface="Calibri" panose="020F0502020204030204" pitchFamily="34" charset="0"/>
+                        </a:rPr>
+                        <a:t>Верно</a:t>
+                      </a:r>
+                    </a:p>
+                  </a:txBody>
+                  <a:tcPr marL="9525" marR="9525" marT="9525" marB="0" anchor="b">
+                    <a:solidFill>
+                      <a:schemeClr val="accent6"/>
+                    </a:solidFill>
+                  </a:tcPr>
+                </a:tc>
+                <a:tc>
+                  <a:txBody>
+                    <a:bodyPr/>
+                    <a:lstStyle/>
+                    <a:p>
+                      <a:pPr algn="ctr" fontAlgn="b"/>
                       <a:r>
                         <a:rPr lang="ru-RU" sz="1200" b="0" i="0" u="none" strike="noStrike">
                           <a:solidFill>
@@ -17696,100 +18817,20 @@
                           <a:effectLst/>
                           <a:latin typeface="Calibri" panose="020F0502020204030204" pitchFamily="34" charset="0"/>
                         </a:rPr>
-                        <a:t>44</a:t>
-                      </a:r>
-                    </a:p>
-                  </a:txBody>
-                  <a:tcPr marL="9525" marR="9525" marT="9525" marB="0" anchor="b"/>
-                </a:tc>
-                <a:tc>
-                  <a:txBody>
-                    <a:bodyPr/>
-                    <a:lstStyle/>
-                    <a:p>
-                      <a:pPr algn="l" fontAlgn="b"/>
-                      <a:r>
-                        <a:rPr lang="ru-RU" sz="1200" b="0" i="0" u="none" strike="noStrike">
-                          <a:solidFill>
-                            <a:srgbClr val="000000"/>
-                          </a:solidFill>
-                          <a:effectLst/>
-                          <a:latin typeface="Calibri" panose="020F0502020204030204" pitchFamily="34" charset="0"/>
-                        </a:rPr>
-                        <a:t>ИСТИНА</a:t>
-                      </a:r>
-                    </a:p>
-                  </a:txBody>
-                  <a:tcPr marL="9525" marR="9525" marT="9525" marB="0" anchor="b"/>
-                </a:tc>
-                <a:tc>
-                  <a:txBody>
-                    <a:bodyPr/>
-                    <a:lstStyle/>
-                    <a:p>
-                      <a:pPr algn="r" fontAlgn="b"/>
-                      <a:r>
-                        <a:rPr lang="ru-RU" sz="1200" b="0" i="0" u="none" strike="noStrike">
-                          <a:solidFill>
-                            <a:srgbClr val="000000"/>
-                          </a:solidFill>
-                          <a:effectLst/>
-                          <a:latin typeface="Calibri" panose="020F0502020204030204" pitchFamily="34" charset="0"/>
-                        </a:rPr>
-                        <a:t>0</a:t>
-                      </a:r>
-                    </a:p>
-                  </a:txBody>
-                  <a:tcPr marL="9525" marR="9525" marT="9525" marB="0" anchor="b"/>
-                </a:tc>
-                <a:tc>
-                  <a:txBody>
-                    <a:bodyPr/>
-                    <a:lstStyle/>
-                    <a:p>
-                      <a:pPr algn="l" fontAlgn="b"/>
+                        <a:t>3</a:t>
+                      </a:r>
+                    </a:p>
+                  </a:txBody>
+                  <a:tcPr marL="9525" marR="9525" marT="9525" marB="0" anchor="b"/>
+                </a:tc>
+                <a:tc>
+                  <a:txBody>
+                    <a:bodyPr/>
+                    <a:lstStyle/>
+                    <a:p>
+                      <a:pPr algn="ctr" fontAlgn="b"/>
                       <a:r>
                         <a:rPr lang="ru-RU" sz="1200" b="0" i="0" u="none" strike="noStrike" dirty="0">
-                          <a:solidFill>
-                            <a:srgbClr val="000000"/>
-                          </a:solidFill>
-                          <a:effectLst/>
-                          <a:latin typeface="Calibri" panose="020F0502020204030204" pitchFamily="34" charset="0"/>
-                        </a:rPr>
-                        <a:t>Верно</a:t>
-                      </a:r>
-                    </a:p>
-                  </a:txBody>
-                  <a:tcPr marL="9525" marR="9525" marT="9525" marB="0" anchor="b"/>
-                </a:tc>
-                <a:tc>
-                  <a:txBody>
-                    <a:bodyPr/>
-                    <a:lstStyle/>
-                    <a:p>
-                      <a:pPr algn="r" fontAlgn="b"/>
-                      <a:r>
-                        <a:rPr lang="ru-RU" sz="1200" b="0" i="0" u="none" strike="noStrike">
-                          <a:solidFill>
-                            <a:srgbClr val="000000"/>
-                          </a:solidFill>
-                          <a:effectLst/>
-                          <a:latin typeface="Calibri" panose="020F0502020204030204" pitchFamily="34" charset="0"/>
-                        </a:rPr>
-                        <a:t>3</a:t>
-                      </a:r>
-                    </a:p>
-                  </a:txBody>
-                  <a:tcPr marL="9525" marR="9525" marT="9525" marB="0" anchor="b"/>
-                </a:tc>
-                <a:tc>
-                  <a:txBody>
-                    <a:bodyPr/>
-                    <a:lstStyle/>
-                    <a:p>
-                      <a:pPr algn="r" fontAlgn="b"/>
-                      <a:r>
-                        <a:rPr lang="ru-RU" sz="1200" b="0" i="0" u="none" strike="noStrike">
                           <a:solidFill>
                             <a:srgbClr val="000000"/>
                           </a:solidFill>
@@ -17834,7 +18875,7 @@
                     <a:bodyPr/>
                     <a:lstStyle/>
                     <a:p>
-                      <a:pPr algn="r" fontAlgn="b"/>
+                      <a:pPr algn="ctr" fontAlgn="b"/>
                       <a:r>
                         <a:rPr lang="ru-RU" sz="1200" b="0" i="0" u="none" strike="noStrike">
                           <a:solidFill>
@@ -17854,9 +18895,9 @@
                     <a:bodyPr/>
                     <a:lstStyle/>
                     <a:p>
-                      <a:pPr algn="r" fontAlgn="b"/>
-                      <a:r>
-                        <a:rPr lang="ru-RU" sz="1200" b="0" i="0" u="none" strike="noStrike">
+                      <a:pPr algn="ctr" fontAlgn="b"/>
+                      <a:r>
+                        <a:rPr lang="ru-RU" sz="1200" b="0" i="0" u="none" strike="noStrike" dirty="0">
                           <a:solidFill>
                             <a:srgbClr val="000000"/>
                           </a:solidFill>
@@ -17874,9 +18915,9 @@
                     <a:bodyPr/>
                     <a:lstStyle/>
                     <a:p>
-                      <a:pPr algn="l" fontAlgn="b"/>
-                      <a:r>
-                        <a:rPr lang="ru-RU" sz="1200" b="0" i="0" u="none" strike="noStrike">
+                      <a:pPr algn="ctr" fontAlgn="b"/>
+                      <a:r>
+                        <a:rPr lang="ru-RU" sz="1200" b="0" i="0" u="none" strike="noStrike" dirty="0">
                           <a:solidFill>
                             <a:srgbClr val="000000"/>
                           </a:solidFill>
@@ -17887,36 +18928,58 @@
                       </a:r>
                     </a:p>
                   </a:txBody>
-                  <a:tcPr marL="9525" marR="9525" marT="9525" marB="0" anchor="b"/>
-                </a:tc>
-                <a:tc>
-                  <a:txBody>
-                    <a:bodyPr/>
-                    <a:lstStyle/>
-                    <a:p>
-                      <a:pPr algn="r" fontAlgn="b"/>
-                      <a:r>
-                        <a:rPr lang="ru-RU" sz="1200" b="0" i="0" u="none" strike="noStrike">
-                          <a:solidFill>
-                            <a:srgbClr val="000000"/>
-                          </a:solidFill>
-                          <a:effectLst/>
-                          <a:latin typeface="Calibri" panose="020F0502020204030204" pitchFamily="34" charset="0"/>
-                        </a:rPr>
-                        <a:t>0</a:t>
-                      </a:r>
-                    </a:p>
-                  </a:txBody>
-                  <a:tcPr marL="9525" marR="9525" marT="9525" marB="0" anchor="b"/>
-                </a:tc>
-                <a:tc>
-                  <a:txBody>
-                    <a:bodyPr/>
-                    <a:lstStyle/>
-                    <a:p>
-                      <a:pPr algn="l" fontAlgn="b"/>
-                      <a:r>
-                        <a:rPr lang="ru-RU" sz="1200" b="0" i="0" u="none" strike="noStrike">
+                  <a:tcPr marL="9525" marR="9525" marT="9525" marB="0" anchor="b">
+                    <a:solidFill>
+                      <a:schemeClr val="accent6"/>
+                    </a:solidFill>
+                  </a:tcPr>
+                </a:tc>
+                <a:tc>
+                  <a:txBody>
+                    <a:bodyPr/>
+                    <a:lstStyle/>
+                    <a:p>
+                      <a:pPr algn="ctr" fontAlgn="b"/>
+                      <a:r>
+                        <a:rPr kumimoji="0" lang="ru-RU" sz="1200" b="0" i="0" u="none" strike="noStrike" kern="1200" cap="none" spc="0" normalizeH="0" baseline="0" noProof="0" dirty="0" smtClean="0">
+                          <a:ln>
+                            <a:noFill/>
+                          </a:ln>
+                          <a:solidFill>
+                            <a:srgbClr val="000000"/>
+                          </a:solidFill>
+                          <a:effectLst/>
+                          <a:uLnTx/>
+                          <a:uFillTx/>
+                          <a:latin typeface="Calibri" panose="020F0502020204030204" pitchFamily="34" charset="0"/>
+                          <a:ea typeface="+mn-ea"/>
+                          <a:cs typeface="+mn-cs"/>
+                        </a:rPr>
+                        <a:t>ИСТИНА</a:t>
+                      </a:r>
+                      <a:endParaRPr lang="ru-RU" sz="1200" b="0" i="0" u="none" strike="noStrike" dirty="0">
+                        <a:solidFill>
+                          <a:srgbClr val="000000"/>
+                        </a:solidFill>
+                        <a:effectLst/>
+                        <a:latin typeface="Calibri" panose="020F0502020204030204" pitchFamily="34" charset="0"/>
+                      </a:endParaRPr>
+                    </a:p>
+                  </a:txBody>
+                  <a:tcPr marL="9525" marR="9525" marT="9525" marB="0" anchor="b">
+                    <a:solidFill>
+                      <a:schemeClr val="accent6"/>
+                    </a:solidFill>
+                  </a:tcPr>
+                </a:tc>
+                <a:tc>
+                  <a:txBody>
+                    <a:bodyPr/>
+                    <a:lstStyle/>
+                    <a:p>
+                      <a:pPr algn="ctr" fontAlgn="b"/>
+                      <a:r>
+                        <a:rPr lang="ru-RU" sz="1200" b="0" i="0" u="none" strike="noStrike" dirty="0">
                           <a:solidFill>
                             <a:srgbClr val="000000"/>
                           </a:solidFill>
@@ -17927,14 +18990,18 @@
                       </a:r>
                     </a:p>
                   </a:txBody>
-                  <a:tcPr marL="9525" marR="9525" marT="9525" marB="0" anchor="b"/>
-                </a:tc>
-                <a:tc>
-                  <a:txBody>
-                    <a:bodyPr/>
-                    <a:lstStyle/>
-                    <a:p>
-                      <a:pPr algn="r" fontAlgn="b"/>
+                  <a:tcPr marL="9525" marR="9525" marT="9525" marB="0" anchor="b">
+                    <a:solidFill>
+                      <a:schemeClr val="accent6"/>
+                    </a:solidFill>
+                  </a:tcPr>
+                </a:tc>
+                <a:tc>
+                  <a:txBody>
+                    <a:bodyPr/>
+                    <a:lstStyle/>
+                    <a:p>
+                      <a:pPr algn="ctr" fontAlgn="b"/>
                       <a:r>
                         <a:rPr lang="ru-RU" sz="1200" b="0" i="0" u="none" strike="noStrike" dirty="0">
                           <a:solidFill>
@@ -17954,9 +19021,9 @@
                     <a:bodyPr/>
                     <a:lstStyle/>
                     <a:p>
-                      <a:pPr algn="r" fontAlgn="b"/>
-                      <a:r>
-                        <a:rPr lang="ru-RU" sz="1200" b="0" i="0" u="none" strike="noStrike">
+                      <a:pPr algn="ctr" fontAlgn="b"/>
+                      <a:r>
+                        <a:rPr lang="ru-RU" sz="1200" b="0" i="0" u="none" strike="noStrike" dirty="0">
                           <a:solidFill>
                             <a:srgbClr val="000000"/>
                           </a:solidFill>
@@ -18001,7 +19068,7 @@
                     <a:bodyPr/>
                     <a:lstStyle/>
                     <a:p>
-                      <a:pPr algn="r" fontAlgn="b"/>
+                      <a:pPr algn="ctr" fontAlgn="b"/>
                       <a:r>
                         <a:rPr lang="ru-RU" sz="1200" b="0" i="0" u="none" strike="noStrike">
                           <a:solidFill>
@@ -18021,9 +19088,9 @@
                     <a:bodyPr/>
                     <a:lstStyle/>
                     <a:p>
-                      <a:pPr algn="r" fontAlgn="b"/>
-                      <a:r>
-                        <a:rPr lang="ru-RU" sz="1200" b="0" i="0" u="none" strike="noStrike">
+                      <a:pPr algn="ctr" fontAlgn="b"/>
+                      <a:r>
+                        <a:rPr lang="ru-RU" sz="1200" b="0" i="0" u="none" strike="noStrike" dirty="0">
                           <a:solidFill>
                             <a:srgbClr val="000000"/>
                           </a:solidFill>
@@ -18041,9 +19108,9 @@
                     <a:bodyPr/>
                     <a:lstStyle/>
                     <a:p>
-                      <a:pPr algn="l" fontAlgn="b"/>
-                      <a:r>
-                        <a:rPr lang="ru-RU" sz="1200" b="0" i="0" u="none" strike="noStrike">
+                      <a:pPr algn="ctr" fontAlgn="b"/>
+                      <a:r>
+                        <a:rPr lang="ru-RU" sz="1200" b="0" i="0" u="none" strike="noStrike" dirty="0">
                           <a:solidFill>
                             <a:srgbClr val="000000"/>
                           </a:solidFill>
@@ -18054,36 +19121,58 @@
                       </a:r>
                     </a:p>
                   </a:txBody>
-                  <a:tcPr marL="9525" marR="9525" marT="9525" marB="0" anchor="b"/>
-                </a:tc>
-                <a:tc>
-                  <a:txBody>
-                    <a:bodyPr/>
-                    <a:lstStyle/>
-                    <a:p>
-                      <a:pPr algn="r" fontAlgn="b"/>
-                      <a:r>
-                        <a:rPr lang="ru-RU" sz="1200" b="0" i="0" u="none" strike="noStrike">
-                          <a:solidFill>
-                            <a:srgbClr val="000000"/>
-                          </a:solidFill>
-                          <a:effectLst/>
-                          <a:latin typeface="Calibri" panose="020F0502020204030204" pitchFamily="34" charset="0"/>
-                        </a:rPr>
-                        <a:t>0</a:t>
-                      </a:r>
-                    </a:p>
-                  </a:txBody>
-                  <a:tcPr marL="9525" marR="9525" marT="9525" marB="0" anchor="b"/>
-                </a:tc>
-                <a:tc>
-                  <a:txBody>
-                    <a:bodyPr/>
-                    <a:lstStyle/>
-                    <a:p>
-                      <a:pPr algn="l" fontAlgn="b"/>
-                      <a:r>
-                        <a:rPr lang="ru-RU" sz="1200" b="0" i="0" u="none" strike="noStrike">
+                  <a:tcPr marL="9525" marR="9525" marT="9525" marB="0" anchor="b">
+                    <a:solidFill>
+                      <a:schemeClr val="accent6"/>
+                    </a:solidFill>
+                  </a:tcPr>
+                </a:tc>
+                <a:tc>
+                  <a:txBody>
+                    <a:bodyPr/>
+                    <a:lstStyle/>
+                    <a:p>
+                      <a:pPr algn="ctr" fontAlgn="b"/>
+                      <a:r>
+                        <a:rPr kumimoji="0" lang="ru-RU" sz="1200" b="0" i="0" u="none" strike="noStrike" kern="1200" cap="none" spc="0" normalizeH="0" baseline="0" noProof="0" dirty="0" smtClean="0">
+                          <a:ln>
+                            <a:noFill/>
+                          </a:ln>
+                          <a:solidFill>
+                            <a:srgbClr val="000000"/>
+                          </a:solidFill>
+                          <a:effectLst/>
+                          <a:uLnTx/>
+                          <a:uFillTx/>
+                          <a:latin typeface="Calibri" panose="020F0502020204030204" pitchFamily="34" charset="0"/>
+                          <a:ea typeface="+mn-ea"/>
+                          <a:cs typeface="+mn-cs"/>
+                        </a:rPr>
+                        <a:t>ИСТИНА</a:t>
+                      </a:r>
+                      <a:endParaRPr lang="ru-RU" sz="1200" b="0" i="0" u="none" strike="noStrike" dirty="0">
+                        <a:solidFill>
+                          <a:srgbClr val="000000"/>
+                        </a:solidFill>
+                        <a:effectLst/>
+                        <a:latin typeface="Calibri" panose="020F0502020204030204" pitchFamily="34" charset="0"/>
+                      </a:endParaRPr>
+                    </a:p>
+                  </a:txBody>
+                  <a:tcPr marL="9525" marR="9525" marT="9525" marB="0" anchor="b">
+                    <a:solidFill>
+                      <a:schemeClr val="accent6"/>
+                    </a:solidFill>
+                  </a:tcPr>
+                </a:tc>
+                <a:tc>
+                  <a:txBody>
+                    <a:bodyPr/>
+                    <a:lstStyle/>
+                    <a:p>
+                      <a:pPr algn="ctr" fontAlgn="b"/>
+                      <a:r>
+                        <a:rPr lang="ru-RU" sz="1200" b="0" i="0" u="none" strike="noStrike" dirty="0">
                           <a:solidFill>
                             <a:srgbClr val="000000"/>
                           </a:solidFill>
@@ -18094,14 +19183,18 @@
                       </a:r>
                     </a:p>
                   </a:txBody>
-                  <a:tcPr marL="9525" marR="9525" marT="9525" marB="0" anchor="b"/>
-                </a:tc>
-                <a:tc>
-                  <a:txBody>
-                    <a:bodyPr/>
-                    <a:lstStyle/>
-                    <a:p>
-                      <a:pPr algn="r" fontAlgn="b"/>
+                  <a:tcPr marL="9525" marR="9525" marT="9525" marB="0" anchor="b">
+                    <a:solidFill>
+                      <a:schemeClr val="accent6"/>
+                    </a:solidFill>
+                  </a:tcPr>
+                </a:tc>
+                <a:tc>
+                  <a:txBody>
+                    <a:bodyPr/>
+                    <a:lstStyle/>
+                    <a:p>
+                      <a:pPr algn="ctr" fontAlgn="b"/>
                       <a:r>
                         <a:rPr lang="ru-RU" sz="1200" b="0" i="0" u="none" strike="noStrike" dirty="0">
                           <a:solidFill>
@@ -18121,7 +19214,7 @@
                     <a:bodyPr/>
                     <a:lstStyle/>
                     <a:p>
-                      <a:pPr algn="r" fontAlgn="b"/>
+                      <a:pPr algn="ctr" fontAlgn="b"/>
                       <a:r>
                         <a:rPr lang="ru-RU" sz="1200" b="0" i="0" u="none" strike="noStrike" dirty="0">
                           <a:solidFill>
@@ -18175,7 +19268,7 @@
                     <a:bodyPr/>
                     <a:lstStyle/>
                     <a:p>
-                      <a:pPr algn="r" fontAlgn="b"/>
+                      <a:pPr algn="ctr" fontAlgn="b"/>
                       <a:r>
                         <a:rPr lang="ru-RU" sz="1200" b="0" i="0" u="none" strike="noStrike">
                           <a:solidFill>
@@ -18195,9 +19288,9 @@
                     <a:bodyPr/>
                     <a:lstStyle/>
                     <a:p>
-                      <a:pPr algn="r" fontAlgn="b"/>
-                      <a:r>
-                        <a:rPr lang="ru-RU" sz="1200" b="0" i="0" u="none" strike="noStrike">
+                      <a:pPr algn="ctr" fontAlgn="b"/>
+                      <a:r>
+                        <a:rPr lang="ru-RU" sz="1200" b="0" i="0" u="none" strike="noStrike" dirty="0">
                           <a:solidFill>
                             <a:srgbClr val="000000"/>
                           </a:solidFill>
@@ -18215,9 +19308,9 @@
                     <a:bodyPr/>
                     <a:lstStyle/>
                     <a:p>
-                      <a:pPr algn="l" fontAlgn="b"/>
-                      <a:r>
-                        <a:rPr lang="ru-RU" sz="1200" b="0" i="0" u="none" strike="noStrike">
+                      <a:pPr algn="ctr" fontAlgn="b"/>
+                      <a:r>
+                        <a:rPr lang="ru-RU" sz="1200" b="0" i="0" u="none" strike="noStrike" dirty="0">
                           <a:solidFill>
                             <a:srgbClr val="000000"/>
                           </a:solidFill>
@@ -18228,35 +19321,36 @@
                       </a:r>
                     </a:p>
                   </a:txBody>
-                  <a:tcPr marL="9525" marR="9525" marT="9525" marB="0" anchor="b"/>
-                </a:tc>
-                <a:tc>
-                  <a:txBody>
-                    <a:bodyPr/>
-                    <a:lstStyle/>
-                    <a:p>
-                      <a:pPr algn="r" fontAlgn="b"/>
-                      <a:r>
-                        <a:rPr lang="ru-RU" sz="1200" b="0" i="0" u="none" strike="noStrike">
-                          <a:solidFill>
-                            <a:srgbClr val="000000"/>
-                          </a:solidFill>
-                          <a:effectLst/>
-                          <a:latin typeface="Calibri" panose="020F0502020204030204" pitchFamily="34" charset="0"/>
-                        </a:rPr>
-                        <a:t>-1</a:t>
-                      </a:r>
-                    </a:p>
-                  </a:txBody>
-                  <a:tcPr marL="9525" marR="9525" marT="9525" marB="0" anchor="b"/>
-                </a:tc>
-                <a:tc>
-                  <a:txBody>
-                    <a:bodyPr/>
-                    <a:lstStyle/>
-                    <a:p>
-                      <a:pPr algn="l" fontAlgn="b"/>
-                      <a:endParaRPr lang="ru-RU" sz="1200" b="0" i="0" u="none" strike="noStrike">
+                  <a:tcPr marL="9525" marR="9525" marT="9525" marB="0" anchor="b">
+                    <a:solidFill>
+                      <a:srgbClr val="FF0000"/>
+                    </a:solidFill>
+                  </a:tcPr>
+                </a:tc>
+                <a:tc>
+                  <a:txBody>
+                    <a:bodyPr/>
+                    <a:lstStyle/>
+                    <a:p>
+                      <a:pPr algn="ctr" fontAlgn="b"/>
+                      <a:r>
+                        <a:rPr kumimoji="0" lang="ru-RU" sz="1200" b="0" i="0" u="none" strike="noStrike" kern="1200" cap="none" spc="0" normalizeH="0" baseline="0" noProof="0" dirty="0" smtClean="0">
+                          <a:ln>
+                            <a:noFill/>
+                          </a:ln>
+                          <a:solidFill>
+                            <a:srgbClr val="000000"/>
+                          </a:solidFill>
+                          <a:effectLst/>
+                          <a:uLnTx/>
+                          <a:uFillTx/>
+                          <a:latin typeface="Calibri" panose="020F0502020204030204" pitchFamily="34" charset="0"/>
+                          <a:ea typeface="+mn-ea"/>
+                          <a:cs typeface="+mn-cs"/>
+                        </a:rPr>
+                        <a:t>ЛОЖЬ</a:t>
+                      </a:r>
+                      <a:endParaRPr lang="ru-RU" sz="1200" b="0" i="0" u="none" strike="noStrike" dirty="0">
                         <a:solidFill>
                           <a:srgbClr val="000000"/>
                         </a:solidFill>
@@ -18265,16 +19359,20 @@
                       </a:endParaRPr>
                     </a:p>
                   </a:txBody>
-                  <a:tcPr marL="9525" marR="9525" marT="9525" marB="0" anchor="b"/>
-                </a:tc>
-                <a:tc>
-                  <a:txBody>
-                    <a:bodyPr/>
-                    <a:lstStyle/>
-                    <a:p>
-                      <a:pPr algn="l" fontAlgn="b"/>
-                      <a:r>
-                        <a:rPr lang="en-US" sz="1200" b="0" i="0" u="none" strike="noStrike">
+                  <a:tcPr marL="9525" marR="9525" marT="9525" marB="0" anchor="b">
+                    <a:solidFill>
+                      <a:srgbClr val="FF0000"/>
+                    </a:solidFill>
+                  </a:tcPr>
+                </a:tc>
+                <a:tc>
+                  <a:txBody>
+                    <a:bodyPr/>
+                    <a:lstStyle/>
+                    <a:p>
+                      <a:pPr algn="ctr" fontAlgn="b"/>
+                      <a:r>
+                        <a:rPr lang="en-US" sz="1200" b="0" i="0" u="none" strike="noStrike" dirty="0">
                           <a:solidFill>
                             <a:srgbClr val="000000"/>
                           </a:solidFill>
@@ -18292,9 +19390,29 @@
                     <a:bodyPr/>
                     <a:lstStyle/>
                     <a:p>
-                      <a:pPr algn="r" fontAlgn="b"/>
-                      <a:r>
-                        <a:rPr lang="ru-RU" sz="1200" b="0" i="0" u="none" strike="noStrike">
+                      <a:pPr algn="ctr" fontAlgn="b"/>
+                      <a:r>
+                        <a:rPr lang="en-US" sz="1200" b="0" i="0" u="none" strike="noStrike" dirty="0">
+                          <a:solidFill>
+                            <a:srgbClr val="000000"/>
+                          </a:solidFill>
+                          <a:effectLst/>
+                          <a:latin typeface="Calibri" panose="020F0502020204030204" pitchFamily="34" charset="0"/>
+                        </a:rPr>
+                        <a:t>X</a:t>
+                      </a:r>
+                    </a:p>
+                  </a:txBody>
+                  <a:tcPr marL="9525" marR="9525" marT="9525" marB="0" anchor="b"/>
+                </a:tc>
+                <a:tc>
+                  <a:txBody>
+                    <a:bodyPr/>
+                    <a:lstStyle/>
+                    <a:p>
+                      <a:pPr algn="ctr" fontAlgn="b"/>
+                      <a:r>
+                        <a:rPr lang="ru-RU" sz="1200" b="0" i="0" u="none" strike="noStrike" dirty="0">
                           <a:solidFill>
                             <a:srgbClr val="000000"/>
                           </a:solidFill>
@@ -18346,7 +19464,7 @@
                     <a:bodyPr/>
                     <a:lstStyle/>
                     <a:p>
-                      <a:pPr algn="r" fontAlgn="b"/>
+                      <a:pPr algn="ctr" fontAlgn="b"/>
                       <a:r>
                         <a:rPr lang="ru-RU" sz="1200" b="0" i="0" u="none" strike="noStrike">
                           <a:solidFill>
@@ -18366,9 +19484,9 @@
                     <a:bodyPr/>
                     <a:lstStyle/>
                     <a:p>
-                      <a:pPr algn="r" fontAlgn="b"/>
-                      <a:r>
-                        <a:rPr lang="ru-RU" sz="1200" b="0" i="0" u="none" strike="noStrike">
+                      <a:pPr algn="ctr" fontAlgn="b"/>
+                      <a:r>
+                        <a:rPr lang="ru-RU" sz="1200" b="0" i="0" u="none" strike="noStrike" dirty="0">
                           <a:solidFill>
                             <a:srgbClr val="000000"/>
                           </a:solidFill>
@@ -18386,9 +19504,9 @@
                     <a:bodyPr/>
                     <a:lstStyle/>
                     <a:p>
-                      <a:pPr algn="l" fontAlgn="b"/>
-                      <a:r>
-                        <a:rPr lang="ru-RU" sz="1200" b="0" i="0" u="none" strike="noStrike">
+                      <a:pPr algn="ctr" fontAlgn="b"/>
+                      <a:r>
+                        <a:rPr lang="ru-RU" sz="1200" b="0" i="0" u="none" strike="noStrike" dirty="0">
                           <a:solidFill>
                             <a:srgbClr val="000000"/>
                           </a:solidFill>
@@ -18399,35 +19517,36 @@
                       </a:r>
                     </a:p>
                   </a:txBody>
-                  <a:tcPr marL="9525" marR="9525" marT="9525" marB="0" anchor="b"/>
-                </a:tc>
-                <a:tc>
-                  <a:txBody>
-                    <a:bodyPr/>
-                    <a:lstStyle/>
-                    <a:p>
-                      <a:pPr algn="r" fontAlgn="b"/>
-                      <a:r>
-                        <a:rPr lang="ru-RU" sz="1200" b="0" i="0" u="none" strike="noStrike">
-                          <a:solidFill>
-                            <a:srgbClr val="000000"/>
-                          </a:solidFill>
-                          <a:effectLst/>
-                          <a:latin typeface="Calibri" panose="020F0502020204030204" pitchFamily="34" charset="0"/>
-                        </a:rPr>
-                        <a:t>-1</a:t>
-                      </a:r>
-                    </a:p>
-                  </a:txBody>
-                  <a:tcPr marL="9525" marR="9525" marT="9525" marB="0" anchor="b"/>
-                </a:tc>
-                <a:tc>
-                  <a:txBody>
-                    <a:bodyPr/>
-                    <a:lstStyle/>
-                    <a:p>
-                      <a:pPr algn="l" fontAlgn="b"/>
-                      <a:endParaRPr lang="ru-RU" sz="1200" b="0" i="0" u="none" strike="noStrike">
+                  <a:tcPr marL="9525" marR="9525" marT="9525" marB="0" anchor="b">
+                    <a:solidFill>
+                      <a:schemeClr val="accent6"/>
+                    </a:solidFill>
+                  </a:tcPr>
+                </a:tc>
+                <a:tc>
+                  <a:txBody>
+                    <a:bodyPr/>
+                    <a:lstStyle/>
+                    <a:p>
+                      <a:pPr algn="ctr" fontAlgn="b"/>
+                      <a:r>
+                        <a:rPr kumimoji="0" lang="ru-RU" sz="1200" b="0" i="0" u="none" strike="noStrike" kern="1200" cap="none" spc="0" normalizeH="0" baseline="0" noProof="0" dirty="0" smtClean="0">
+                          <a:ln>
+                            <a:noFill/>
+                          </a:ln>
+                          <a:solidFill>
+                            <a:srgbClr val="000000"/>
+                          </a:solidFill>
+                          <a:effectLst/>
+                          <a:uLnTx/>
+                          <a:uFillTx/>
+                          <a:latin typeface="Calibri" panose="020F0502020204030204" pitchFamily="34" charset="0"/>
+                          <a:ea typeface="+mn-ea"/>
+                          <a:cs typeface="+mn-cs"/>
+                        </a:rPr>
+                        <a:t>ЛОЖЬ</a:t>
+                      </a:r>
+                      <a:endParaRPr lang="ru-RU" sz="1200" b="0" i="0" u="none" strike="noStrike" dirty="0">
                         <a:solidFill>
                           <a:srgbClr val="000000"/>
                         </a:solidFill>
@@ -18436,16 +19555,20 @@
                       </a:endParaRPr>
                     </a:p>
                   </a:txBody>
-                  <a:tcPr marL="9525" marR="9525" marT="9525" marB="0" anchor="b"/>
-                </a:tc>
-                <a:tc>
-                  <a:txBody>
-                    <a:bodyPr/>
-                    <a:lstStyle/>
-                    <a:p>
-                      <a:pPr algn="l" fontAlgn="b"/>
-                      <a:r>
-                        <a:rPr lang="en-US" sz="1200" b="0" i="0" u="none" strike="noStrike">
+                  <a:tcPr marL="9525" marR="9525" marT="9525" marB="0" anchor="b">
+                    <a:solidFill>
+                      <a:srgbClr val="FF0000"/>
+                    </a:solidFill>
+                  </a:tcPr>
+                </a:tc>
+                <a:tc>
+                  <a:txBody>
+                    <a:bodyPr/>
+                    <a:lstStyle/>
+                    <a:p>
+                      <a:pPr algn="ctr" fontAlgn="b"/>
+                      <a:r>
+                        <a:rPr lang="en-US" sz="1200" b="0" i="0" u="none" strike="noStrike" dirty="0">
                           <a:solidFill>
                             <a:srgbClr val="000000"/>
                           </a:solidFill>
@@ -18463,7 +19586,27 @@
                     <a:bodyPr/>
                     <a:lstStyle/>
                     <a:p>
-                      <a:pPr algn="r" fontAlgn="b"/>
+                      <a:pPr algn="ctr" fontAlgn="b"/>
+                      <a:r>
+                        <a:rPr lang="en-US" sz="1200" b="0" i="0" u="none" strike="noStrike" dirty="0">
+                          <a:solidFill>
+                            <a:srgbClr val="000000"/>
+                          </a:solidFill>
+                          <a:effectLst/>
+                          <a:latin typeface="Calibri" panose="020F0502020204030204" pitchFamily="34" charset="0"/>
+                        </a:rPr>
+                        <a:t>X</a:t>
+                      </a:r>
+                    </a:p>
+                  </a:txBody>
+                  <a:tcPr marL="9525" marR="9525" marT="9525" marB="0" anchor="b"/>
+                </a:tc>
+                <a:tc>
+                  <a:txBody>
+                    <a:bodyPr/>
+                    <a:lstStyle/>
+                    <a:p>
+                      <a:pPr algn="ctr" fontAlgn="b"/>
                       <a:r>
                         <a:rPr lang="ru-RU" sz="1200" b="0" i="0" u="none" strike="noStrike" dirty="0">
                           <a:solidFill>
@@ -18517,7 +19660,7 @@
                     <a:bodyPr/>
                     <a:lstStyle/>
                     <a:p>
-                      <a:pPr algn="r" fontAlgn="b"/>
+                      <a:pPr algn="ctr" fontAlgn="b"/>
                       <a:r>
                         <a:rPr lang="ru-RU" sz="1200" b="0" i="0" u="none" strike="noStrike" dirty="0">
                           <a:solidFill>
@@ -18537,9 +19680,9 @@
                     <a:bodyPr/>
                     <a:lstStyle/>
                     <a:p>
-                      <a:pPr algn="r" fontAlgn="b"/>
-                      <a:r>
-                        <a:rPr lang="ru-RU" sz="1200" b="0" i="0" u="none" strike="noStrike">
+                      <a:pPr algn="ctr" fontAlgn="b"/>
+                      <a:r>
+                        <a:rPr lang="ru-RU" sz="1200" b="0" i="0" u="none" strike="noStrike" dirty="0">
                           <a:solidFill>
                             <a:srgbClr val="000000"/>
                           </a:solidFill>
@@ -18557,9 +19700,9 @@
                     <a:bodyPr/>
                     <a:lstStyle/>
                     <a:p>
-                      <a:pPr algn="l" fontAlgn="b"/>
-                      <a:r>
-                        <a:rPr lang="ru-RU" sz="1200" b="0" i="0" u="none" strike="noStrike">
+                      <a:pPr algn="ctr" fontAlgn="b"/>
+                      <a:r>
+                        <a:rPr lang="ru-RU" sz="1200" b="0" i="0" u="none" strike="noStrike" dirty="0">
                           <a:solidFill>
                             <a:srgbClr val="000000"/>
                           </a:solidFill>
@@ -18570,35 +19713,36 @@
                       </a:r>
                     </a:p>
                   </a:txBody>
-                  <a:tcPr marL="9525" marR="9525" marT="9525" marB="0" anchor="b"/>
-                </a:tc>
-                <a:tc>
-                  <a:txBody>
-                    <a:bodyPr/>
-                    <a:lstStyle/>
-                    <a:p>
-                      <a:pPr algn="r" fontAlgn="b"/>
-                      <a:r>
-                        <a:rPr lang="ru-RU" sz="1200" b="0" i="0" u="none" strike="noStrike">
-                          <a:solidFill>
-                            <a:srgbClr val="000000"/>
-                          </a:solidFill>
-                          <a:effectLst/>
-                          <a:latin typeface="Calibri" panose="020F0502020204030204" pitchFamily="34" charset="0"/>
-                        </a:rPr>
-                        <a:t>-1</a:t>
-                      </a:r>
-                    </a:p>
-                  </a:txBody>
-                  <a:tcPr marL="9525" marR="9525" marT="9525" marB="0" anchor="b"/>
-                </a:tc>
-                <a:tc>
-                  <a:txBody>
-                    <a:bodyPr/>
-                    <a:lstStyle/>
-                    <a:p>
-                      <a:pPr algn="l" fontAlgn="b"/>
-                      <a:endParaRPr lang="ru-RU" sz="1200" b="0" i="0" u="none" strike="noStrike">
+                  <a:tcPr marL="9525" marR="9525" marT="9525" marB="0" anchor="b">
+                    <a:solidFill>
+                      <a:schemeClr val="accent6"/>
+                    </a:solidFill>
+                  </a:tcPr>
+                </a:tc>
+                <a:tc>
+                  <a:txBody>
+                    <a:bodyPr/>
+                    <a:lstStyle/>
+                    <a:p>
+                      <a:pPr algn="ctr" fontAlgn="b"/>
+                      <a:r>
+                        <a:rPr kumimoji="0" lang="ru-RU" sz="1200" b="0" i="0" u="none" strike="noStrike" kern="1200" cap="none" spc="0" normalizeH="0" baseline="0" noProof="0" dirty="0" smtClean="0">
+                          <a:ln>
+                            <a:noFill/>
+                          </a:ln>
+                          <a:solidFill>
+                            <a:srgbClr val="000000"/>
+                          </a:solidFill>
+                          <a:effectLst/>
+                          <a:uLnTx/>
+                          <a:uFillTx/>
+                          <a:latin typeface="Calibri" panose="020F0502020204030204" pitchFamily="34" charset="0"/>
+                          <a:ea typeface="+mn-ea"/>
+                          <a:cs typeface="+mn-cs"/>
+                        </a:rPr>
+                        <a:t>ЛОЖЬ</a:t>
+                      </a:r>
+                      <a:endParaRPr lang="ru-RU" sz="1200" b="0" i="0" u="none" strike="noStrike" dirty="0">
                         <a:solidFill>
                           <a:srgbClr val="000000"/>
                         </a:solidFill>
@@ -18607,16 +19751,20 @@
                       </a:endParaRPr>
                     </a:p>
                   </a:txBody>
-                  <a:tcPr marL="9525" marR="9525" marT="9525" marB="0" anchor="b"/>
-                </a:tc>
-                <a:tc>
-                  <a:txBody>
-                    <a:bodyPr/>
-                    <a:lstStyle/>
-                    <a:p>
-                      <a:pPr algn="l" fontAlgn="b"/>
-                      <a:r>
-                        <a:rPr lang="en-US" sz="1200" b="0" i="0" u="none" strike="noStrike">
+                  <a:tcPr marL="9525" marR="9525" marT="9525" marB="0" anchor="b">
+                    <a:solidFill>
+                      <a:srgbClr val="FF0000"/>
+                    </a:solidFill>
+                  </a:tcPr>
+                </a:tc>
+                <a:tc>
+                  <a:txBody>
+                    <a:bodyPr/>
+                    <a:lstStyle/>
+                    <a:p>
+                      <a:pPr algn="ctr" fontAlgn="b"/>
+                      <a:r>
+                        <a:rPr lang="en-US" sz="1200" b="0" i="0" u="none" strike="noStrike" dirty="0">
                           <a:solidFill>
                             <a:srgbClr val="000000"/>
                           </a:solidFill>
@@ -18634,9 +19782,29 @@
                     <a:bodyPr/>
                     <a:lstStyle/>
                     <a:p>
-                      <a:pPr algn="r" fontAlgn="b"/>
-                      <a:r>
-                        <a:rPr lang="ru-RU" sz="1200" b="0" i="0" u="none" strike="noStrike">
+                      <a:pPr algn="ctr" fontAlgn="b"/>
+                      <a:r>
+                        <a:rPr lang="en-US" sz="1200" b="0" i="0" u="none" strike="noStrike" dirty="0">
+                          <a:solidFill>
+                            <a:srgbClr val="000000"/>
+                          </a:solidFill>
+                          <a:effectLst/>
+                          <a:latin typeface="Calibri" panose="020F0502020204030204" pitchFamily="34" charset="0"/>
+                        </a:rPr>
+                        <a:t>X</a:t>
+                      </a:r>
+                    </a:p>
+                  </a:txBody>
+                  <a:tcPr marL="9525" marR="9525" marT="9525" marB="0" anchor="b"/>
+                </a:tc>
+                <a:tc>
+                  <a:txBody>
+                    <a:bodyPr/>
+                    <a:lstStyle/>
+                    <a:p>
+                      <a:pPr algn="ctr" fontAlgn="b"/>
+                      <a:r>
+                        <a:rPr lang="ru-RU" sz="1200" b="0" i="0" u="none" strike="noStrike" dirty="0">
                           <a:solidFill>
                             <a:srgbClr val="000000"/>
                           </a:solidFill>
@@ -18688,7 +19856,7 @@
                     <a:bodyPr/>
                     <a:lstStyle/>
                     <a:p>
-                      <a:pPr algn="r" fontAlgn="b"/>
+                      <a:pPr algn="ctr" fontAlgn="b"/>
                       <a:r>
                         <a:rPr lang="ru-RU" sz="1200" b="0" i="0" u="none" strike="noStrike">
                           <a:solidFill>
@@ -18708,9 +19876,9 @@
                     <a:bodyPr/>
                     <a:lstStyle/>
                     <a:p>
-                      <a:pPr algn="r" fontAlgn="b"/>
-                      <a:r>
-                        <a:rPr lang="ru-RU" sz="1200" b="0" i="0" u="none" strike="noStrike">
+                      <a:pPr algn="ctr" fontAlgn="b"/>
+                      <a:r>
+                        <a:rPr lang="ru-RU" sz="1200" b="0" i="0" u="none" strike="noStrike" dirty="0">
                           <a:solidFill>
                             <a:srgbClr val="000000"/>
                           </a:solidFill>
@@ -18728,9 +19896,9 @@
                     <a:bodyPr/>
                     <a:lstStyle/>
                     <a:p>
-                      <a:pPr algn="l" fontAlgn="b"/>
-                      <a:r>
-                        <a:rPr lang="ru-RU" sz="1200" b="0" i="0" u="none" strike="noStrike">
+                      <a:pPr algn="ctr" fontAlgn="b"/>
+                      <a:r>
+                        <a:rPr lang="ru-RU" sz="1200" b="0" i="0" u="none" strike="noStrike" dirty="0">
                           <a:solidFill>
                             <a:srgbClr val="000000"/>
                           </a:solidFill>
@@ -18741,35 +19909,36 @@
                       </a:r>
                     </a:p>
                   </a:txBody>
-                  <a:tcPr marL="9525" marR="9525" marT="9525" marB="0" anchor="b"/>
-                </a:tc>
-                <a:tc>
-                  <a:txBody>
-                    <a:bodyPr/>
-                    <a:lstStyle/>
-                    <a:p>
-                      <a:pPr algn="r" fontAlgn="b"/>
-                      <a:r>
-                        <a:rPr lang="ru-RU" sz="1200" b="0" i="0" u="none" strike="noStrike">
-                          <a:solidFill>
-                            <a:srgbClr val="000000"/>
-                          </a:solidFill>
-                          <a:effectLst/>
-                          <a:latin typeface="Calibri" panose="020F0502020204030204" pitchFamily="34" charset="0"/>
-                        </a:rPr>
-                        <a:t>-1</a:t>
-                      </a:r>
-                    </a:p>
-                  </a:txBody>
-                  <a:tcPr marL="9525" marR="9525" marT="9525" marB="0" anchor="b"/>
-                </a:tc>
-                <a:tc>
-                  <a:txBody>
-                    <a:bodyPr/>
-                    <a:lstStyle/>
-                    <a:p>
-                      <a:pPr algn="l" fontAlgn="b"/>
-                      <a:endParaRPr lang="ru-RU" sz="1200" b="0" i="0" u="none" strike="noStrike">
+                  <a:tcPr marL="9525" marR="9525" marT="9525" marB="0" anchor="b">
+                    <a:solidFill>
+                      <a:schemeClr val="accent6"/>
+                    </a:solidFill>
+                  </a:tcPr>
+                </a:tc>
+                <a:tc>
+                  <a:txBody>
+                    <a:bodyPr/>
+                    <a:lstStyle/>
+                    <a:p>
+                      <a:pPr algn="ctr" fontAlgn="b"/>
+                      <a:r>
+                        <a:rPr kumimoji="0" lang="ru-RU" sz="1200" b="0" i="0" u="none" strike="noStrike" kern="1200" cap="none" spc="0" normalizeH="0" baseline="0" noProof="0" dirty="0" smtClean="0">
+                          <a:ln>
+                            <a:noFill/>
+                          </a:ln>
+                          <a:solidFill>
+                            <a:srgbClr val="000000"/>
+                          </a:solidFill>
+                          <a:effectLst/>
+                          <a:uLnTx/>
+                          <a:uFillTx/>
+                          <a:latin typeface="Calibri" panose="020F0502020204030204" pitchFamily="34" charset="0"/>
+                          <a:ea typeface="+mn-ea"/>
+                          <a:cs typeface="+mn-cs"/>
+                        </a:rPr>
+                        <a:t>ЛОЖЬ</a:t>
+                      </a:r>
+                      <a:endParaRPr lang="ru-RU" sz="1200" b="0" i="0" u="none" strike="noStrike" dirty="0">
                         <a:solidFill>
                           <a:srgbClr val="000000"/>
                         </a:solidFill>
@@ -18778,16 +19947,20 @@
                       </a:endParaRPr>
                     </a:p>
                   </a:txBody>
-                  <a:tcPr marL="9525" marR="9525" marT="9525" marB="0" anchor="b"/>
-                </a:tc>
-                <a:tc>
-                  <a:txBody>
-                    <a:bodyPr/>
-                    <a:lstStyle/>
-                    <a:p>
-                      <a:pPr algn="l" fontAlgn="b"/>
-                      <a:r>
-                        <a:rPr lang="en-US" sz="1200" b="0" i="0" u="none" strike="noStrike">
+                  <a:tcPr marL="9525" marR="9525" marT="9525" marB="0" anchor="b">
+                    <a:solidFill>
+                      <a:srgbClr val="FF0000"/>
+                    </a:solidFill>
+                  </a:tcPr>
+                </a:tc>
+                <a:tc>
+                  <a:txBody>
+                    <a:bodyPr/>
+                    <a:lstStyle/>
+                    <a:p>
+                      <a:pPr algn="ctr" fontAlgn="b"/>
+                      <a:r>
+                        <a:rPr lang="en-US" sz="1200" b="0" i="0" u="none" strike="noStrike" dirty="0">
                           <a:solidFill>
                             <a:srgbClr val="000000"/>
                           </a:solidFill>
@@ -18805,9 +19978,29 @@
                     <a:bodyPr/>
                     <a:lstStyle/>
                     <a:p>
-                      <a:pPr algn="r" fontAlgn="b"/>
-                      <a:r>
-                        <a:rPr lang="ru-RU" sz="1200" b="0" i="0" u="none" strike="noStrike">
+                      <a:pPr algn="ctr" fontAlgn="b"/>
+                      <a:r>
+                        <a:rPr lang="en-US" sz="1200" b="0" i="0" u="none" strike="noStrike" dirty="0">
+                          <a:solidFill>
+                            <a:srgbClr val="000000"/>
+                          </a:solidFill>
+                          <a:effectLst/>
+                          <a:latin typeface="Calibri" panose="020F0502020204030204" pitchFamily="34" charset="0"/>
+                        </a:rPr>
+                        <a:t>X</a:t>
+                      </a:r>
+                    </a:p>
+                  </a:txBody>
+                  <a:tcPr marL="9525" marR="9525" marT="9525" marB="0" anchor="b"/>
+                </a:tc>
+                <a:tc>
+                  <a:txBody>
+                    <a:bodyPr/>
+                    <a:lstStyle/>
+                    <a:p>
+                      <a:pPr algn="ctr" fontAlgn="b"/>
+                      <a:r>
+                        <a:rPr lang="ru-RU" sz="1200" b="0" i="0" u="none" strike="noStrike" dirty="0">
                           <a:solidFill>
                             <a:srgbClr val="000000"/>
                           </a:solidFill>
@@ -18852,7 +20045,7 @@
                     <a:bodyPr/>
                     <a:lstStyle/>
                     <a:p>
-                      <a:pPr algn="r" fontAlgn="b"/>
+                      <a:pPr algn="ctr" fontAlgn="b"/>
                       <a:r>
                         <a:rPr lang="ru-RU" sz="1200" b="0" i="0" u="none" strike="noStrike">
                           <a:solidFill>
@@ -18872,9 +20065,9 @@
                     <a:bodyPr/>
                     <a:lstStyle/>
                     <a:p>
-                      <a:pPr algn="r" fontAlgn="b"/>
-                      <a:r>
-                        <a:rPr lang="ru-RU" sz="1200" b="0" i="0" u="none" strike="noStrike">
+                      <a:pPr algn="ctr" fontAlgn="b"/>
+                      <a:r>
+                        <a:rPr lang="ru-RU" sz="1200" b="0" i="0" u="none" strike="noStrike" dirty="0">
                           <a:solidFill>
                             <a:srgbClr val="000000"/>
                           </a:solidFill>
@@ -18892,9 +20085,9 @@
                     <a:bodyPr/>
                     <a:lstStyle/>
                     <a:p>
-                      <a:pPr algn="l" fontAlgn="b"/>
-                      <a:r>
-                        <a:rPr lang="ru-RU" sz="1200" b="0" i="0" u="none" strike="noStrike">
+                      <a:pPr algn="ctr" fontAlgn="b"/>
+                      <a:r>
+                        <a:rPr lang="ru-RU" sz="1200" b="0" i="0" u="none" strike="noStrike" dirty="0">
                           <a:solidFill>
                             <a:srgbClr val="000000"/>
                           </a:solidFill>
@@ -18905,35 +20098,36 @@
                       </a:r>
                     </a:p>
                   </a:txBody>
-                  <a:tcPr marL="9525" marR="9525" marT="9525" marB="0" anchor="b"/>
-                </a:tc>
-                <a:tc>
-                  <a:txBody>
-                    <a:bodyPr/>
-                    <a:lstStyle/>
-                    <a:p>
-                      <a:pPr algn="r" fontAlgn="b"/>
-                      <a:r>
-                        <a:rPr lang="ru-RU" sz="1200" b="0" i="0" u="none" strike="noStrike">
-                          <a:solidFill>
-                            <a:srgbClr val="000000"/>
-                          </a:solidFill>
-                          <a:effectLst/>
-                          <a:latin typeface="Calibri" panose="020F0502020204030204" pitchFamily="34" charset="0"/>
-                        </a:rPr>
-                        <a:t>-1</a:t>
-                      </a:r>
-                    </a:p>
-                  </a:txBody>
-                  <a:tcPr marL="9525" marR="9525" marT="9525" marB="0" anchor="b"/>
-                </a:tc>
-                <a:tc>
-                  <a:txBody>
-                    <a:bodyPr/>
-                    <a:lstStyle/>
-                    <a:p>
-                      <a:pPr algn="l" fontAlgn="b"/>
-                      <a:endParaRPr lang="ru-RU" sz="1200" b="0" i="0" u="none" strike="noStrike">
+                  <a:tcPr marL="9525" marR="9525" marT="9525" marB="0" anchor="b">
+                    <a:solidFill>
+                      <a:srgbClr val="FF0000"/>
+                    </a:solidFill>
+                  </a:tcPr>
+                </a:tc>
+                <a:tc>
+                  <a:txBody>
+                    <a:bodyPr/>
+                    <a:lstStyle/>
+                    <a:p>
+                      <a:pPr algn="ctr" fontAlgn="b"/>
+                      <a:r>
+                        <a:rPr kumimoji="0" lang="ru-RU" sz="1200" b="0" i="0" u="none" strike="noStrike" kern="1200" cap="none" spc="0" normalizeH="0" baseline="0" noProof="0" smtClean="0">
+                          <a:ln>
+                            <a:noFill/>
+                          </a:ln>
+                          <a:solidFill>
+                            <a:srgbClr val="000000"/>
+                          </a:solidFill>
+                          <a:effectLst/>
+                          <a:uLnTx/>
+                          <a:uFillTx/>
+                          <a:latin typeface="Calibri" panose="020F0502020204030204" pitchFamily="34" charset="0"/>
+                          <a:ea typeface="+mn-ea"/>
+                          <a:cs typeface="+mn-cs"/>
+                        </a:rPr>
+                        <a:t>ЛОЖЬ</a:t>
+                      </a:r>
+                      <a:endParaRPr lang="ru-RU" sz="1200" b="0" i="0" u="none" strike="noStrike" dirty="0">
                         <a:solidFill>
                           <a:srgbClr val="000000"/>
                         </a:solidFill>
@@ -18942,16 +20136,20 @@
                       </a:endParaRPr>
                     </a:p>
                   </a:txBody>
-                  <a:tcPr marL="9525" marR="9525" marT="9525" marB="0" anchor="b"/>
-                </a:tc>
-                <a:tc>
-                  <a:txBody>
-                    <a:bodyPr/>
-                    <a:lstStyle/>
-                    <a:p>
-                      <a:pPr algn="l" fontAlgn="b"/>
-                      <a:r>
-                        <a:rPr lang="en-US" sz="1200" b="0" i="0" u="none" strike="noStrike">
+                  <a:tcPr marL="9525" marR="9525" marT="9525" marB="0" anchor="b">
+                    <a:solidFill>
+                      <a:srgbClr val="FF0000"/>
+                    </a:solidFill>
+                  </a:tcPr>
+                </a:tc>
+                <a:tc>
+                  <a:txBody>
+                    <a:bodyPr/>
+                    <a:lstStyle/>
+                    <a:p>
+                      <a:pPr algn="ctr" fontAlgn="b"/>
+                      <a:r>
+                        <a:rPr lang="en-US" sz="1200" b="0" i="0" u="none" strike="noStrike" dirty="0">
                           <a:solidFill>
                             <a:srgbClr val="000000"/>
                           </a:solidFill>
@@ -18969,9 +20167,29 @@
                     <a:bodyPr/>
                     <a:lstStyle/>
                     <a:p>
-                      <a:pPr algn="r" fontAlgn="b"/>
-                      <a:r>
-                        <a:rPr lang="ru-RU" sz="1200" b="0" i="0" u="none" strike="noStrike">
+                      <a:pPr algn="ctr" fontAlgn="b"/>
+                      <a:r>
+                        <a:rPr lang="en-US" sz="1200" b="0" i="0" u="none" strike="noStrike" dirty="0">
+                          <a:solidFill>
+                            <a:srgbClr val="000000"/>
+                          </a:solidFill>
+                          <a:effectLst/>
+                          <a:latin typeface="Calibri" panose="020F0502020204030204" pitchFamily="34" charset="0"/>
+                        </a:rPr>
+                        <a:t>X</a:t>
+                      </a:r>
+                    </a:p>
+                  </a:txBody>
+                  <a:tcPr marL="9525" marR="9525" marT="9525" marB="0" anchor="b"/>
+                </a:tc>
+                <a:tc>
+                  <a:txBody>
+                    <a:bodyPr/>
+                    <a:lstStyle/>
+                    <a:p>
+                      <a:pPr algn="ctr" fontAlgn="b"/>
+                      <a:r>
+                        <a:rPr lang="ru-RU" sz="1200" b="0" i="0" u="none" strike="noStrike" dirty="0">
                           <a:solidFill>
                             <a:srgbClr val="000000"/>
                           </a:solidFill>
@@ -19016,7 +20234,7 @@
                     <a:bodyPr/>
                     <a:lstStyle/>
                     <a:p>
-                      <a:pPr algn="r" fontAlgn="b"/>
+                      <a:pPr algn="ctr" fontAlgn="b"/>
                       <a:r>
                         <a:rPr lang="ru-RU" sz="1200" b="0" i="0" u="none" strike="noStrike">
                           <a:solidFill>
@@ -19036,9 +20254,9 @@
                     <a:bodyPr/>
                     <a:lstStyle/>
                     <a:p>
-                      <a:pPr algn="r" fontAlgn="b"/>
-                      <a:r>
-                        <a:rPr lang="ru-RU" sz="1200" b="0" i="0" u="none" strike="noStrike">
+                      <a:pPr algn="ctr" fontAlgn="b"/>
+                      <a:r>
+                        <a:rPr lang="ru-RU" sz="1200" b="0" i="0" u="none" strike="noStrike" dirty="0">
                           <a:solidFill>
                             <a:srgbClr val="000000"/>
                           </a:solidFill>
@@ -19056,9 +20274,9 @@
                     <a:bodyPr/>
                     <a:lstStyle/>
                     <a:p>
-                      <a:pPr algn="l" fontAlgn="b"/>
-                      <a:r>
-                        <a:rPr lang="ru-RU" sz="1200" b="0" i="0" u="none" strike="noStrike">
+                      <a:pPr algn="ctr" fontAlgn="b"/>
+                      <a:r>
+                        <a:rPr lang="ru-RU" sz="1200" b="0" i="0" u="none" strike="noStrike" dirty="0">
                           <a:solidFill>
                             <a:srgbClr val="000000"/>
                           </a:solidFill>
@@ -19069,35 +20287,36 @@
                       </a:r>
                     </a:p>
                   </a:txBody>
-                  <a:tcPr marL="9525" marR="9525" marT="9525" marB="0" anchor="b"/>
-                </a:tc>
-                <a:tc>
-                  <a:txBody>
-                    <a:bodyPr/>
-                    <a:lstStyle/>
-                    <a:p>
-                      <a:pPr algn="r" fontAlgn="b"/>
-                      <a:r>
-                        <a:rPr lang="ru-RU" sz="1200" b="0" i="0" u="none" strike="noStrike">
-                          <a:solidFill>
-                            <a:srgbClr val="000000"/>
-                          </a:solidFill>
-                          <a:effectLst/>
-                          <a:latin typeface="Calibri" panose="020F0502020204030204" pitchFamily="34" charset="0"/>
-                        </a:rPr>
-                        <a:t>-1</a:t>
-                      </a:r>
-                    </a:p>
-                  </a:txBody>
-                  <a:tcPr marL="9525" marR="9525" marT="9525" marB="0" anchor="b"/>
-                </a:tc>
-                <a:tc>
-                  <a:txBody>
-                    <a:bodyPr/>
-                    <a:lstStyle/>
-                    <a:p>
-                      <a:pPr algn="l" fontAlgn="b"/>
-                      <a:endParaRPr lang="ru-RU" sz="1200" b="0" i="0" u="none" strike="noStrike">
+                  <a:tcPr marL="9525" marR="9525" marT="9525" marB="0" anchor="b">
+                    <a:solidFill>
+                      <a:srgbClr val="FF0000"/>
+                    </a:solidFill>
+                  </a:tcPr>
+                </a:tc>
+                <a:tc>
+                  <a:txBody>
+                    <a:bodyPr/>
+                    <a:lstStyle/>
+                    <a:p>
+                      <a:pPr algn="ctr" fontAlgn="b"/>
+                      <a:r>
+                        <a:rPr kumimoji="0" lang="ru-RU" sz="1200" b="0" i="0" u="none" strike="noStrike" kern="1200" cap="none" spc="0" normalizeH="0" baseline="0" noProof="0" smtClean="0">
+                          <a:ln>
+                            <a:noFill/>
+                          </a:ln>
+                          <a:solidFill>
+                            <a:srgbClr val="000000"/>
+                          </a:solidFill>
+                          <a:effectLst/>
+                          <a:uLnTx/>
+                          <a:uFillTx/>
+                          <a:latin typeface="Calibri" panose="020F0502020204030204" pitchFamily="34" charset="0"/>
+                          <a:ea typeface="+mn-ea"/>
+                          <a:cs typeface="+mn-cs"/>
+                        </a:rPr>
+                        <a:t>ЛОЖЬ</a:t>
+                      </a:r>
+                      <a:endParaRPr lang="ru-RU" sz="1200" b="0" i="0" u="none" strike="noStrike" dirty="0">
                         <a:solidFill>
                           <a:srgbClr val="000000"/>
                         </a:solidFill>
@@ -19106,16 +20325,20 @@
                       </a:endParaRPr>
                     </a:p>
                   </a:txBody>
-                  <a:tcPr marL="9525" marR="9525" marT="9525" marB="0" anchor="b"/>
-                </a:tc>
-                <a:tc>
-                  <a:txBody>
-                    <a:bodyPr/>
-                    <a:lstStyle/>
-                    <a:p>
-                      <a:pPr algn="l" fontAlgn="b"/>
-                      <a:r>
-                        <a:rPr lang="en-US" sz="1200" b="0" i="0" u="none" strike="noStrike">
+                  <a:tcPr marL="9525" marR="9525" marT="9525" marB="0" anchor="b">
+                    <a:solidFill>
+                      <a:srgbClr val="FF0000"/>
+                    </a:solidFill>
+                  </a:tcPr>
+                </a:tc>
+                <a:tc>
+                  <a:txBody>
+                    <a:bodyPr/>
+                    <a:lstStyle/>
+                    <a:p>
+                      <a:pPr algn="ctr" fontAlgn="b"/>
+                      <a:r>
+                        <a:rPr lang="en-US" sz="1200" b="0" i="0" u="none" strike="noStrike" dirty="0">
                           <a:solidFill>
                             <a:srgbClr val="000000"/>
                           </a:solidFill>
@@ -19133,9 +20356,29 @@
                     <a:bodyPr/>
                     <a:lstStyle/>
                     <a:p>
-                      <a:pPr algn="r" fontAlgn="b"/>
-                      <a:r>
-                        <a:rPr lang="ru-RU" sz="1200" b="0" i="0" u="none" strike="noStrike">
+                      <a:pPr algn="ctr" fontAlgn="b"/>
+                      <a:r>
+                        <a:rPr lang="en-US" sz="1200" b="0" i="0" u="none" strike="noStrike" dirty="0">
+                          <a:solidFill>
+                            <a:srgbClr val="000000"/>
+                          </a:solidFill>
+                          <a:effectLst/>
+                          <a:latin typeface="Calibri" panose="020F0502020204030204" pitchFamily="34" charset="0"/>
+                        </a:rPr>
+                        <a:t>X</a:t>
+                      </a:r>
+                    </a:p>
+                  </a:txBody>
+                  <a:tcPr marL="9525" marR="9525" marT="9525" marB="0" anchor="b"/>
+                </a:tc>
+                <a:tc>
+                  <a:txBody>
+                    <a:bodyPr/>
+                    <a:lstStyle/>
+                    <a:p>
+                      <a:pPr algn="ctr" fontAlgn="b"/>
+                      <a:r>
+                        <a:rPr lang="ru-RU" sz="1200" b="0" i="0" u="none" strike="noStrike" dirty="0">
                           <a:solidFill>
                             <a:srgbClr val="000000"/>
                           </a:solidFill>
@@ -19187,7 +20430,7 @@
                     <a:bodyPr/>
                     <a:lstStyle/>
                     <a:p>
-                      <a:pPr algn="r" fontAlgn="b"/>
+                      <a:pPr algn="ctr" fontAlgn="b"/>
                       <a:r>
                         <a:rPr lang="ru-RU" sz="1200" b="0" i="0" u="none" strike="noStrike">
                           <a:solidFill>
@@ -19207,9 +20450,9 @@
                     <a:bodyPr/>
                     <a:lstStyle/>
                     <a:p>
-                      <a:pPr algn="r" fontAlgn="b"/>
-                      <a:r>
-                        <a:rPr lang="ru-RU" sz="1200" b="0" i="0" u="none" strike="noStrike">
+                      <a:pPr algn="ctr" fontAlgn="b"/>
+                      <a:r>
+                        <a:rPr lang="ru-RU" sz="1200" b="0" i="0" u="none" strike="noStrike" dirty="0">
                           <a:solidFill>
                             <a:srgbClr val="000000"/>
                           </a:solidFill>
@@ -19227,9 +20470,9 @@
                     <a:bodyPr/>
                     <a:lstStyle/>
                     <a:p>
-                      <a:pPr algn="l" fontAlgn="b"/>
-                      <a:r>
-                        <a:rPr lang="ru-RU" sz="1200" b="0" i="0" u="none" strike="noStrike">
+                      <a:pPr algn="ctr" fontAlgn="b"/>
+                      <a:r>
+                        <a:rPr lang="ru-RU" sz="1200" b="0" i="0" u="none" strike="noStrike" dirty="0">
                           <a:solidFill>
                             <a:srgbClr val="000000"/>
                           </a:solidFill>
@@ -19240,35 +20483,36 @@
                       </a:r>
                     </a:p>
                   </a:txBody>
-                  <a:tcPr marL="9525" marR="9525" marT="9525" marB="0" anchor="b"/>
-                </a:tc>
-                <a:tc>
-                  <a:txBody>
-                    <a:bodyPr/>
-                    <a:lstStyle/>
-                    <a:p>
-                      <a:pPr algn="r" fontAlgn="b"/>
-                      <a:r>
-                        <a:rPr lang="ru-RU" sz="1200" b="0" i="0" u="none" strike="noStrike">
-                          <a:solidFill>
-                            <a:srgbClr val="000000"/>
-                          </a:solidFill>
-                          <a:effectLst/>
-                          <a:latin typeface="Calibri" panose="020F0502020204030204" pitchFamily="34" charset="0"/>
-                        </a:rPr>
-                        <a:t>-1</a:t>
-                      </a:r>
-                    </a:p>
-                  </a:txBody>
-                  <a:tcPr marL="9525" marR="9525" marT="9525" marB="0" anchor="b"/>
-                </a:tc>
-                <a:tc>
-                  <a:txBody>
-                    <a:bodyPr/>
-                    <a:lstStyle/>
-                    <a:p>
-                      <a:pPr algn="l" fontAlgn="b"/>
-                      <a:endParaRPr lang="ru-RU" sz="1200" b="0" i="0" u="none" strike="noStrike">
+                  <a:tcPr marL="9525" marR="9525" marT="9525" marB="0" anchor="b">
+                    <a:solidFill>
+                      <a:srgbClr val="FF0000"/>
+                    </a:solidFill>
+                  </a:tcPr>
+                </a:tc>
+                <a:tc>
+                  <a:txBody>
+                    <a:bodyPr/>
+                    <a:lstStyle/>
+                    <a:p>
+                      <a:pPr algn="ctr" fontAlgn="b"/>
+                      <a:r>
+                        <a:rPr kumimoji="0" lang="ru-RU" sz="1200" b="0" i="0" u="none" strike="noStrike" kern="1200" cap="none" spc="0" normalizeH="0" baseline="0" noProof="0" smtClean="0">
+                          <a:ln>
+                            <a:noFill/>
+                          </a:ln>
+                          <a:solidFill>
+                            <a:srgbClr val="000000"/>
+                          </a:solidFill>
+                          <a:effectLst/>
+                          <a:uLnTx/>
+                          <a:uFillTx/>
+                          <a:latin typeface="Calibri" panose="020F0502020204030204" pitchFamily="34" charset="0"/>
+                          <a:ea typeface="+mn-ea"/>
+                          <a:cs typeface="+mn-cs"/>
+                        </a:rPr>
+                        <a:t>ЛОЖЬ</a:t>
+                      </a:r>
+                      <a:endParaRPr lang="ru-RU" sz="1200" b="0" i="0" u="none" strike="noStrike" dirty="0">
                         <a:solidFill>
                           <a:srgbClr val="000000"/>
                         </a:solidFill>
@@ -19277,16 +20521,20 @@
                       </a:endParaRPr>
                     </a:p>
                   </a:txBody>
-                  <a:tcPr marL="9525" marR="9525" marT="9525" marB="0" anchor="b"/>
-                </a:tc>
-                <a:tc>
-                  <a:txBody>
-                    <a:bodyPr/>
-                    <a:lstStyle/>
-                    <a:p>
-                      <a:pPr algn="l" fontAlgn="b"/>
-                      <a:r>
-                        <a:rPr lang="en-US" sz="1200" b="0" i="0" u="none" strike="noStrike">
+                  <a:tcPr marL="9525" marR="9525" marT="9525" marB="0" anchor="b">
+                    <a:solidFill>
+                      <a:srgbClr val="FF0000"/>
+                    </a:solidFill>
+                  </a:tcPr>
+                </a:tc>
+                <a:tc>
+                  <a:txBody>
+                    <a:bodyPr/>
+                    <a:lstStyle/>
+                    <a:p>
+                      <a:pPr algn="ctr" fontAlgn="b"/>
+                      <a:r>
+                        <a:rPr lang="en-US" sz="1200" b="0" i="0" u="none" strike="noStrike" dirty="0">
                           <a:solidFill>
                             <a:srgbClr val="000000"/>
                           </a:solidFill>
@@ -19304,9 +20552,29 @@
                     <a:bodyPr/>
                     <a:lstStyle/>
                     <a:p>
-                      <a:pPr algn="r" fontAlgn="b"/>
-                      <a:r>
-                        <a:rPr lang="ru-RU" sz="1200" b="0" i="0" u="none" strike="noStrike">
+                      <a:pPr algn="ctr" fontAlgn="b"/>
+                      <a:r>
+                        <a:rPr lang="en-US" sz="1200" b="0" i="0" u="none" strike="noStrike" dirty="0">
+                          <a:solidFill>
+                            <a:srgbClr val="000000"/>
+                          </a:solidFill>
+                          <a:effectLst/>
+                          <a:latin typeface="Calibri" panose="020F0502020204030204" pitchFamily="34" charset="0"/>
+                        </a:rPr>
+                        <a:t>X</a:t>
+                      </a:r>
+                    </a:p>
+                  </a:txBody>
+                  <a:tcPr marL="9525" marR="9525" marT="9525" marB="0" anchor="b"/>
+                </a:tc>
+                <a:tc>
+                  <a:txBody>
+                    <a:bodyPr/>
+                    <a:lstStyle/>
+                    <a:p>
+                      <a:pPr algn="ctr" fontAlgn="b"/>
+                      <a:r>
+                        <a:rPr lang="ru-RU" sz="1200" b="0" i="0" u="none" strike="noStrike" dirty="0">
                           <a:solidFill>
                             <a:srgbClr val="000000"/>
                           </a:solidFill>
@@ -19358,7 +20626,7 @@
                     <a:bodyPr/>
                     <a:lstStyle/>
                     <a:p>
-                      <a:pPr algn="r" fontAlgn="b"/>
+                      <a:pPr algn="ctr" fontAlgn="b"/>
                       <a:r>
                         <a:rPr lang="ru-RU" sz="1200" b="0" i="0" u="none" strike="noStrike">
                           <a:solidFill>
@@ -19378,9 +20646,9 @@
                     <a:bodyPr/>
                     <a:lstStyle/>
                     <a:p>
-                      <a:pPr algn="r" fontAlgn="b"/>
-                      <a:r>
-                        <a:rPr lang="ru-RU" sz="1200" b="0" i="0" u="none" strike="noStrike">
+                      <a:pPr algn="ctr" fontAlgn="b"/>
+                      <a:r>
+                        <a:rPr lang="ru-RU" sz="1200" b="0" i="0" u="none" strike="noStrike" dirty="0">
                           <a:solidFill>
                             <a:srgbClr val="000000"/>
                           </a:solidFill>
@@ -19398,9 +20666,9 @@
                     <a:bodyPr/>
                     <a:lstStyle/>
                     <a:p>
-                      <a:pPr algn="l" fontAlgn="b"/>
-                      <a:r>
-                        <a:rPr lang="ru-RU" sz="1200" b="0" i="0" u="none" strike="noStrike">
+                      <a:pPr algn="ctr" fontAlgn="b"/>
+                      <a:r>
+                        <a:rPr lang="ru-RU" sz="1200" b="0" i="0" u="none" strike="noStrike" dirty="0">
                           <a:solidFill>
                             <a:srgbClr val="000000"/>
                           </a:solidFill>
@@ -19411,35 +20679,36 @@
                       </a:r>
                     </a:p>
                   </a:txBody>
-                  <a:tcPr marL="9525" marR="9525" marT="9525" marB="0" anchor="b"/>
-                </a:tc>
-                <a:tc>
-                  <a:txBody>
-                    <a:bodyPr/>
-                    <a:lstStyle/>
-                    <a:p>
-                      <a:pPr algn="r" fontAlgn="b"/>
-                      <a:r>
-                        <a:rPr lang="ru-RU" sz="1200" b="0" i="0" u="none" strike="noStrike">
-                          <a:solidFill>
-                            <a:srgbClr val="000000"/>
-                          </a:solidFill>
-                          <a:effectLst/>
-                          <a:latin typeface="Calibri" panose="020F0502020204030204" pitchFamily="34" charset="0"/>
-                        </a:rPr>
-                        <a:t>-1</a:t>
-                      </a:r>
-                    </a:p>
-                  </a:txBody>
-                  <a:tcPr marL="9525" marR="9525" marT="9525" marB="0" anchor="b"/>
-                </a:tc>
-                <a:tc>
-                  <a:txBody>
-                    <a:bodyPr/>
-                    <a:lstStyle/>
-                    <a:p>
-                      <a:pPr algn="l" fontAlgn="b"/>
-                      <a:endParaRPr lang="ru-RU" sz="1200" b="0" i="0" u="none" strike="noStrike">
+                  <a:tcPr marL="9525" marR="9525" marT="9525" marB="0" anchor="b">
+                    <a:solidFill>
+                      <a:srgbClr val="FF0000"/>
+                    </a:solidFill>
+                  </a:tcPr>
+                </a:tc>
+                <a:tc>
+                  <a:txBody>
+                    <a:bodyPr/>
+                    <a:lstStyle/>
+                    <a:p>
+                      <a:pPr algn="ctr" fontAlgn="b"/>
+                      <a:r>
+                        <a:rPr kumimoji="0" lang="ru-RU" sz="1200" b="0" i="0" u="none" strike="noStrike" kern="1200" cap="none" spc="0" normalizeH="0" baseline="0" noProof="0" smtClean="0">
+                          <a:ln>
+                            <a:noFill/>
+                          </a:ln>
+                          <a:solidFill>
+                            <a:srgbClr val="000000"/>
+                          </a:solidFill>
+                          <a:effectLst/>
+                          <a:uLnTx/>
+                          <a:uFillTx/>
+                          <a:latin typeface="Calibri" panose="020F0502020204030204" pitchFamily="34" charset="0"/>
+                          <a:ea typeface="+mn-ea"/>
+                          <a:cs typeface="+mn-cs"/>
+                        </a:rPr>
+                        <a:t>ЛОЖЬ</a:t>
+                      </a:r>
+                      <a:endParaRPr lang="ru-RU" sz="1200" b="0" i="0" u="none" strike="noStrike" dirty="0">
                         <a:solidFill>
                           <a:srgbClr val="000000"/>
                         </a:solidFill>
@@ -19448,16 +20717,20 @@
                       </a:endParaRPr>
                     </a:p>
                   </a:txBody>
-                  <a:tcPr marL="9525" marR="9525" marT="9525" marB="0" anchor="b"/>
-                </a:tc>
-                <a:tc>
-                  <a:txBody>
-                    <a:bodyPr/>
-                    <a:lstStyle/>
-                    <a:p>
-                      <a:pPr algn="l" fontAlgn="b"/>
-                      <a:r>
-                        <a:rPr lang="en-US" sz="1200" b="0" i="0" u="none" strike="noStrike">
+                  <a:tcPr marL="9525" marR="9525" marT="9525" marB="0" anchor="b">
+                    <a:solidFill>
+                      <a:srgbClr val="FF0000"/>
+                    </a:solidFill>
+                  </a:tcPr>
+                </a:tc>
+                <a:tc>
+                  <a:txBody>
+                    <a:bodyPr/>
+                    <a:lstStyle/>
+                    <a:p>
+                      <a:pPr algn="ctr" fontAlgn="b"/>
+                      <a:r>
+                        <a:rPr lang="en-US" sz="1200" b="0" i="0" u="none" strike="noStrike" dirty="0">
                           <a:solidFill>
                             <a:srgbClr val="000000"/>
                           </a:solidFill>
@@ -19475,7 +20748,27 @@
                     <a:bodyPr/>
                     <a:lstStyle/>
                     <a:p>
-                      <a:pPr algn="r" fontAlgn="b"/>
+                      <a:pPr algn="ctr" fontAlgn="b"/>
+                      <a:r>
+                        <a:rPr lang="en-US" sz="1200" b="0" i="0" u="none" strike="noStrike" dirty="0">
+                          <a:solidFill>
+                            <a:srgbClr val="000000"/>
+                          </a:solidFill>
+                          <a:effectLst/>
+                          <a:latin typeface="Calibri" panose="020F0502020204030204" pitchFamily="34" charset="0"/>
+                        </a:rPr>
+                        <a:t>X</a:t>
+                      </a:r>
+                    </a:p>
+                  </a:txBody>
+                  <a:tcPr marL="9525" marR="9525" marT="9525" marB="0" anchor="b"/>
+                </a:tc>
+                <a:tc>
+                  <a:txBody>
+                    <a:bodyPr/>
+                    <a:lstStyle/>
+                    <a:p>
+                      <a:pPr algn="ctr" fontAlgn="b"/>
                       <a:r>
                         <a:rPr lang="ru-RU" sz="1200" b="0" i="0" u="none" strike="noStrike" dirty="0">
                           <a:solidFill>
@@ -19522,7 +20815,7 @@
                     <a:bodyPr/>
                     <a:lstStyle/>
                     <a:p>
-                      <a:pPr algn="r" fontAlgn="b"/>
+                      <a:pPr algn="ctr" fontAlgn="b"/>
                       <a:r>
                         <a:rPr lang="ru-RU" sz="1200" b="0" i="0" u="none" strike="noStrike">
                           <a:solidFill>
@@ -19542,9 +20835,9 @@
                     <a:bodyPr/>
                     <a:lstStyle/>
                     <a:p>
-                      <a:pPr algn="r" fontAlgn="b"/>
-                      <a:r>
-                        <a:rPr lang="ru-RU" sz="1200" b="0" i="0" u="none" strike="noStrike">
+                      <a:pPr algn="ctr" fontAlgn="b"/>
+                      <a:r>
+                        <a:rPr lang="ru-RU" sz="1200" b="0" i="0" u="none" strike="noStrike" dirty="0">
                           <a:solidFill>
                             <a:srgbClr val="000000"/>
                           </a:solidFill>
@@ -19562,9 +20855,9 @@
                     <a:bodyPr/>
                     <a:lstStyle/>
                     <a:p>
-                      <a:pPr algn="l" fontAlgn="b"/>
-                      <a:r>
-                        <a:rPr lang="ru-RU" sz="1200" b="0" i="0" u="none" strike="noStrike">
+                      <a:pPr algn="ctr" fontAlgn="b"/>
+                      <a:r>
+                        <a:rPr lang="ru-RU" sz="1200" b="0" i="0" u="none" strike="noStrike" dirty="0">
                           <a:solidFill>
                             <a:srgbClr val="000000"/>
                           </a:solidFill>
@@ -19575,35 +20868,36 @@
                       </a:r>
                     </a:p>
                   </a:txBody>
-                  <a:tcPr marL="9525" marR="9525" marT="9525" marB="0" anchor="b"/>
-                </a:tc>
-                <a:tc>
-                  <a:txBody>
-                    <a:bodyPr/>
-                    <a:lstStyle/>
-                    <a:p>
-                      <a:pPr algn="r" fontAlgn="b"/>
-                      <a:r>
-                        <a:rPr lang="ru-RU" sz="1200" b="0" i="0" u="none" strike="noStrike">
-                          <a:solidFill>
-                            <a:srgbClr val="000000"/>
-                          </a:solidFill>
-                          <a:effectLst/>
-                          <a:latin typeface="Calibri" panose="020F0502020204030204" pitchFamily="34" charset="0"/>
-                        </a:rPr>
-                        <a:t>-1</a:t>
-                      </a:r>
-                    </a:p>
-                  </a:txBody>
-                  <a:tcPr marL="9525" marR="9525" marT="9525" marB="0" anchor="b"/>
-                </a:tc>
-                <a:tc>
-                  <a:txBody>
-                    <a:bodyPr/>
-                    <a:lstStyle/>
-                    <a:p>
-                      <a:pPr algn="l" fontAlgn="b"/>
-                      <a:endParaRPr lang="ru-RU" sz="1200" b="0" i="0" u="none" strike="noStrike">
+                  <a:tcPr marL="9525" marR="9525" marT="9525" marB="0" anchor="b">
+                    <a:solidFill>
+                      <a:srgbClr val="FF0000"/>
+                    </a:solidFill>
+                  </a:tcPr>
+                </a:tc>
+                <a:tc>
+                  <a:txBody>
+                    <a:bodyPr/>
+                    <a:lstStyle/>
+                    <a:p>
+                      <a:pPr algn="ctr" fontAlgn="b"/>
+                      <a:r>
+                        <a:rPr kumimoji="0" lang="ru-RU" sz="1200" b="0" i="0" u="none" strike="noStrike" kern="1200" cap="none" spc="0" normalizeH="0" baseline="0" noProof="0" smtClean="0">
+                          <a:ln>
+                            <a:noFill/>
+                          </a:ln>
+                          <a:solidFill>
+                            <a:srgbClr val="000000"/>
+                          </a:solidFill>
+                          <a:effectLst/>
+                          <a:uLnTx/>
+                          <a:uFillTx/>
+                          <a:latin typeface="Calibri" panose="020F0502020204030204" pitchFamily="34" charset="0"/>
+                          <a:ea typeface="+mn-ea"/>
+                          <a:cs typeface="+mn-cs"/>
+                        </a:rPr>
+                        <a:t>ЛОЖЬ</a:t>
+                      </a:r>
+                      <a:endParaRPr lang="ru-RU" sz="1200" b="0" i="0" u="none" strike="noStrike" dirty="0">
                         <a:solidFill>
                           <a:srgbClr val="000000"/>
                         </a:solidFill>
@@ -19612,16 +20906,20 @@
                       </a:endParaRPr>
                     </a:p>
                   </a:txBody>
-                  <a:tcPr marL="9525" marR="9525" marT="9525" marB="0" anchor="b"/>
-                </a:tc>
-                <a:tc>
-                  <a:txBody>
-                    <a:bodyPr/>
-                    <a:lstStyle/>
-                    <a:p>
-                      <a:pPr algn="l" fontAlgn="b"/>
-                      <a:r>
-                        <a:rPr lang="en-US" sz="1200" b="0" i="0" u="none" strike="noStrike">
+                  <a:tcPr marL="9525" marR="9525" marT="9525" marB="0" anchor="b">
+                    <a:solidFill>
+                      <a:srgbClr val="FF0000"/>
+                    </a:solidFill>
+                  </a:tcPr>
+                </a:tc>
+                <a:tc>
+                  <a:txBody>
+                    <a:bodyPr/>
+                    <a:lstStyle/>
+                    <a:p>
+                      <a:pPr algn="ctr" fontAlgn="b"/>
+                      <a:r>
+                        <a:rPr lang="en-US" sz="1200" b="0" i="0" u="none" strike="noStrike" dirty="0">
                           <a:solidFill>
                             <a:srgbClr val="000000"/>
                           </a:solidFill>
@@ -19639,9 +20937,29 @@
                     <a:bodyPr/>
                     <a:lstStyle/>
                     <a:p>
-                      <a:pPr algn="r" fontAlgn="b"/>
-                      <a:r>
-                        <a:rPr lang="ru-RU" sz="1200" b="0" i="0" u="none" strike="noStrike">
+                      <a:pPr algn="ctr" fontAlgn="b"/>
+                      <a:r>
+                        <a:rPr lang="en-US" sz="1200" b="0" i="0" u="none" strike="noStrike" dirty="0">
+                          <a:solidFill>
+                            <a:srgbClr val="000000"/>
+                          </a:solidFill>
+                          <a:effectLst/>
+                          <a:latin typeface="Calibri" panose="020F0502020204030204" pitchFamily="34" charset="0"/>
+                        </a:rPr>
+                        <a:t>X</a:t>
+                      </a:r>
+                    </a:p>
+                  </a:txBody>
+                  <a:tcPr marL="9525" marR="9525" marT="9525" marB="0" anchor="b"/>
+                </a:tc>
+                <a:tc>
+                  <a:txBody>
+                    <a:bodyPr/>
+                    <a:lstStyle/>
+                    <a:p>
+                      <a:pPr algn="ctr" fontAlgn="b"/>
+                      <a:r>
+                        <a:rPr lang="ru-RU" sz="1200" b="0" i="0" u="none" strike="noStrike" dirty="0">
                           <a:solidFill>
                             <a:srgbClr val="000000"/>
                           </a:solidFill>
@@ -19686,7 +21004,7 @@
                     <a:bodyPr/>
                     <a:lstStyle/>
                     <a:p>
-                      <a:pPr algn="r" fontAlgn="b"/>
+                      <a:pPr algn="ctr" fontAlgn="b"/>
                       <a:r>
                         <a:rPr lang="ru-RU" sz="1200" b="0" i="0" u="none" strike="noStrike">
                           <a:solidFill>
@@ -19706,9 +21024,9 @@
                     <a:bodyPr/>
                     <a:lstStyle/>
                     <a:p>
-                      <a:pPr algn="r" fontAlgn="b"/>
-                      <a:r>
-                        <a:rPr lang="ru-RU" sz="1200" b="0" i="0" u="none" strike="noStrike">
+                      <a:pPr algn="ctr" fontAlgn="b"/>
+                      <a:r>
+                        <a:rPr lang="ru-RU" sz="1200" b="0" i="0" u="none" strike="noStrike" dirty="0">
                           <a:solidFill>
                             <a:srgbClr val="000000"/>
                           </a:solidFill>
@@ -19726,9 +21044,9 @@
                     <a:bodyPr/>
                     <a:lstStyle/>
                     <a:p>
-                      <a:pPr algn="l" fontAlgn="b"/>
-                      <a:r>
-                        <a:rPr lang="ru-RU" sz="1200" b="0" i="0" u="none" strike="noStrike">
+                      <a:pPr algn="ctr" fontAlgn="b"/>
+                      <a:r>
+                        <a:rPr lang="ru-RU" sz="1200" b="0" i="0" u="none" strike="noStrike" dirty="0">
                           <a:solidFill>
                             <a:srgbClr val="000000"/>
                           </a:solidFill>
@@ -19739,35 +21057,36 @@
                       </a:r>
                     </a:p>
                   </a:txBody>
-                  <a:tcPr marL="9525" marR="9525" marT="9525" marB="0" anchor="b"/>
-                </a:tc>
-                <a:tc>
-                  <a:txBody>
-                    <a:bodyPr/>
-                    <a:lstStyle/>
-                    <a:p>
-                      <a:pPr algn="r" fontAlgn="b"/>
-                      <a:r>
-                        <a:rPr lang="ru-RU" sz="1200" b="0" i="0" u="none" strike="noStrike">
-                          <a:solidFill>
-                            <a:srgbClr val="000000"/>
-                          </a:solidFill>
-                          <a:effectLst/>
-                          <a:latin typeface="Calibri" panose="020F0502020204030204" pitchFamily="34" charset="0"/>
-                        </a:rPr>
-                        <a:t>-1</a:t>
-                      </a:r>
-                    </a:p>
-                  </a:txBody>
-                  <a:tcPr marL="9525" marR="9525" marT="9525" marB="0" anchor="b"/>
-                </a:tc>
-                <a:tc>
-                  <a:txBody>
-                    <a:bodyPr/>
-                    <a:lstStyle/>
-                    <a:p>
-                      <a:pPr algn="l" fontAlgn="b"/>
-                      <a:endParaRPr lang="ru-RU" sz="1200" b="0" i="0" u="none" strike="noStrike">
+                  <a:tcPr marL="9525" marR="9525" marT="9525" marB="0" anchor="b">
+                    <a:solidFill>
+                      <a:srgbClr val="FF0000"/>
+                    </a:solidFill>
+                  </a:tcPr>
+                </a:tc>
+                <a:tc>
+                  <a:txBody>
+                    <a:bodyPr/>
+                    <a:lstStyle/>
+                    <a:p>
+                      <a:pPr algn="ctr" fontAlgn="b"/>
+                      <a:r>
+                        <a:rPr kumimoji="0" lang="ru-RU" sz="1200" b="0" i="0" u="none" strike="noStrike" kern="1200" cap="none" spc="0" normalizeH="0" baseline="0" noProof="0" smtClean="0">
+                          <a:ln>
+                            <a:noFill/>
+                          </a:ln>
+                          <a:solidFill>
+                            <a:srgbClr val="000000"/>
+                          </a:solidFill>
+                          <a:effectLst/>
+                          <a:uLnTx/>
+                          <a:uFillTx/>
+                          <a:latin typeface="Calibri" panose="020F0502020204030204" pitchFamily="34" charset="0"/>
+                          <a:ea typeface="+mn-ea"/>
+                          <a:cs typeface="+mn-cs"/>
+                        </a:rPr>
+                        <a:t>ЛОЖЬ</a:t>
+                      </a:r>
+                      <a:endParaRPr lang="ru-RU" sz="1200" b="0" i="0" u="none" strike="noStrike" dirty="0">
                         <a:solidFill>
                           <a:srgbClr val="000000"/>
                         </a:solidFill>
@@ -19776,16 +21095,20 @@
                       </a:endParaRPr>
                     </a:p>
                   </a:txBody>
-                  <a:tcPr marL="9525" marR="9525" marT="9525" marB="0" anchor="b"/>
-                </a:tc>
-                <a:tc>
-                  <a:txBody>
-                    <a:bodyPr/>
-                    <a:lstStyle/>
-                    <a:p>
-                      <a:pPr algn="l" fontAlgn="b"/>
-                      <a:r>
-                        <a:rPr lang="en-US" sz="1200" b="0" i="0" u="none" strike="noStrike">
+                  <a:tcPr marL="9525" marR="9525" marT="9525" marB="0" anchor="b">
+                    <a:solidFill>
+                      <a:srgbClr val="FF0000"/>
+                    </a:solidFill>
+                  </a:tcPr>
+                </a:tc>
+                <a:tc>
+                  <a:txBody>
+                    <a:bodyPr/>
+                    <a:lstStyle/>
+                    <a:p>
+                      <a:pPr algn="ctr" fontAlgn="b"/>
+                      <a:r>
+                        <a:rPr lang="en-US" sz="1200" b="0" i="0" u="none" strike="noStrike" dirty="0">
                           <a:solidFill>
                             <a:srgbClr val="000000"/>
                           </a:solidFill>
@@ -19803,9 +21126,29 @@
                     <a:bodyPr/>
                     <a:lstStyle/>
                     <a:p>
-                      <a:pPr algn="r" fontAlgn="b"/>
-                      <a:r>
-                        <a:rPr lang="ru-RU" sz="1200" b="0" i="0" u="none" strike="noStrike">
+                      <a:pPr algn="ctr" fontAlgn="b"/>
+                      <a:r>
+                        <a:rPr lang="en-US" sz="1200" b="0" i="0" u="none" strike="noStrike" dirty="0">
+                          <a:solidFill>
+                            <a:srgbClr val="000000"/>
+                          </a:solidFill>
+                          <a:effectLst/>
+                          <a:latin typeface="Calibri" panose="020F0502020204030204" pitchFamily="34" charset="0"/>
+                        </a:rPr>
+                        <a:t>X</a:t>
+                      </a:r>
+                    </a:p>
+                  </a:txBody>
+                  <a:tcPr marL="9525" marR="9525" marT="9525" marB="0" anchor="b"/>
+                </a:tc>
+                <a:tc>
+                  <a:txBody>
+                    <a:bodyPr/>
+                    <a:lstStyle/>
+                    <a:p>
+                      <a:pPr algn="ctr" fontAlgn="b"/>
+                      <a:r>
+                        <a:rPr lang="ru-RU" sz="1200" b="0" i="0" u="none" strike="noStrike" dirty="0">
                           <a:solidFill>
                             <a:srgbClr val="000000"/>
                           </a:solidFill>
@@ -19850,7 +21193,7 @@
                     <a:bodyPr/>
                     <a:lstStyle/>
                     <a:p>
-                      <a:pPr algn="r" fontAlgn="b"/>
+                      <a:pPr algn="ctr" fontAlgn="b"/>
                       <a:r>
                         <a:rPr lang="ru-RU" sz="1200" b="0" i="0" u="none" strike="noStrike">
                           <a:solidFill>
@@ -19870,9 +21213,9 @@
                     <a:bodyPr/>
                     <a:lstStyle/>
                     <a:p>
-                      <a:pPr algn="r" fontAlgn="b"/>
-                      <a:r>
-                        <a:rPr lang="ru-RU" sz="1200" b="0" i="0" u="none" strike="noStrike">
+                      <a:pPr algn="ctr" fontAlgn="b"/>
+                      <a:r>
+                        <a:rPr lang="ru-RU" sz="1200" b="0" i="0" u="none" strike="noStrike" dirty="0">
                           <a:solidFill>
                             <a:srgbClr val="000000"/>
                           </a:solidFill>
@@ -19890,9 +21233,9 @@
                     <a:bodyPr/>
                     <a:lstStyle/>
                     <a:p>
-                      <a:pPr algn="l" fontAlgn="b"/>
-                      <a:r>
-                        <a:rPr lang="ru-RU" sz="1200" b="0" i="0" u="none" strike="noStrike">
+                      <a:pPr algn="ctr" fontAlgn="b"/>
+                      <a:r>
+                        <a:rPr lang="ru-RU" sz="1200" b="0" i="0" u="none" strike="noStrike" dirty="0">
                           <a:solidFill>
                             <a:srgbClr val="000000"/>
                           </a:solidFill>
@@ -19903,35 +21246,36 @@
                       </a:r>
                     </a:p>
                   </a:txBody>
-                  <a:tcPr marL="9525" marR="9525" marT="9525" marB="0" anchor="b"/>
-                </a:tc>
-                <a:tc>
-                  <a:txBody>
-                    <a:bodyPr/>
-                    <a:lstStyle/>
-                    <a:p>
-                      <a:pPr algn="r" fontAlgn="b"/>
-                      <a:r>
-                        <a:rPr lang="ru-RU" sz="1200" b="0" i="0" u="none" strike="noStrike">
-                          <a:solidFill>
-                            <a:srgbClr val="000000"/>
-                          </a:solidFill>
-                          <a:effectLst/>
-                          <a:latin typeface="Calibri" panose="020F0502020204030204" pitchFamily="34" charset="0"/>
-                        </a:rPr>
-                        <a:t>-1</a:t>
-                      </a:r>
-                    </a:p>
-                  </a:txBody>
-                  <a:tcPr marL="9525" marR="9525" marT="9525" marB="0" anchor="b"/>
-                </a:tc>
-                <a:tc>
-                  <a:txBody>
-                    <a:bodyPr/>
-                    <a:lstStyle/>
-                    <a:p>
-                      <a:pPr algn="l" fontAlgn="b"/>
-                      <a:endParaRPr lang="ru-RU" sz="1200" b="0" i="0" u="none" strike="noStrike">
+                  <a:tcPr marL="9525" marR="9525" marT="9525" marB="0" anchor="b">
+                    <a:solidFill>
+                      <a:schemeClr val="accent6"/>
+                    </a:solidFill>
+                  </a:tcPr>
+                </a:tc>
+                <a:tc>
+                  <a:txBody>
+                    <a:bodyPr/>
+                    <a:lstStyle/>
+                    <a:p>
+                      <a:pPr algn="ctr" fontAlgn="b"/>
+                      <a:r>
+                        <a:rPr kumimoji="0" lang="ru-RU" sz="1200" b="0" i="0" u="none" strike="noStrike" kern="1200" cap="none" spc="0" normalizeH="0" baseline="0" noProof="0" smtClean="0">
+                          <a:ln>
+                            <a:noFill/>
+                          </a:ln>
+                          <a:solidFill>
+                            <a:srgbClr val="000000"/>
+                          </a:solidFill>
+                          <a:effectLst/>
+                          <a:uLnTx/>
+                          <a:uFillTx/>
+                          <a:latin typeface="Calibri" panose="020F0502020204030204" pitchFamily="34" charset="0"/>
+                          <a:ea typeface="+mn-ea"/>
+                          <a:cs typeface="+mn-cs"/>
+                        </a:rPr>
+                        <a:t>ЛОЖЬ</a:t>
+                      </a:r>
+                      <a:endParaRPr lang="ru-RU" sz="1200" b="0" i="0" u="none" strike="noStrike" dirty="0">
                         <a:solidFill>
                           <a:srgbClr val="000000"/>
                         </a:solidFill>
@@ -19940,16 +21284,20 @@
                       </a:endParaRPr>
                     </a:p>
                   </a:txBody>
-                  <a:tcPr marL="9525" marR="9525" marT="9525" marB="0" anchor="b"/>
-                </a:tc>
-                <a:tc>
-                  <a:txBody>
-                    <a:bodyPr/>
-                    <a:lstStyle/>
-                    <a:p>
-                      <a:pPr algn="l" fontAlgn="b"/>
-                      <a:r>
-                        <a:rPr lang="en-US" sz="1200" b="0" i="0" u="none" strike="noStrike">
+                  <a:tcPr marL="9525" marR="9525" marT="9525" marB="0" anchor="b">
+                    <a:solidFill>
+                      <a:srgbClr val="FF0000"/>
+                    </a:solidFill>
+                  </a:tcPr>
+                </a:tc>
+                <a:tc>
+                  <a:txBody>
+                    <a:bodyPr/>
+                    <a:lstStyle/>
+                    <a:p>
+                      <a:pPr algn="ctr" fontAlgn="b"/>
+                      <a:r>
+                        <a:rPr lang="en-US" sz="1200" b="0" i="0" u="none" strike="noStrike" dirty="0">
                           <a:solidFill>
                             <a:srgbClr val="000000"/>
                           </a:solidFill>
@@ -19967,9 +21315,29 @@
                     <a:bodyPr/>
                     <a:lstStyle/>
                     <a:p>
-                      <a:pPr algn="r" fontAlgn="b"/>
-                      <a:r>
-                        <a:rPr lang="ru-RU" sz="1200" b="0" i="0" u="none" strike="noStrike">
+                      <a:pPr algn="ctr" fontAlgn="b"/>
+                      <a:r>
+                        <a:rPr lang="en-US" sz="1200" b="0" i="0" u="none" strike="noStrike" dirty="0">
+                          <a:solidFill>
+                            <a:srgbClr val="000000"/>
+                          </a:solidFill>
+                          <a:effectLst/>
+                          <a:latin typeface="Calibri" panose="020F0502020204030204" pitchFamily="34" charset="0"/>
+                        </a:rPr>
+                        <a:t>X</a:t>
+                      </a:r>
+                    </a:p>
+                  </a:txBody>
+                  <a:tcPr marL="9525" marR="9525" marT="9525" marB="0" anchor="b"/>
+                </a:tc>
+                <a:tc>
+                  <a:txBody>
+                    <a:bodyPr/>
+                    <a:lstStyle/>
+                    <a:p>
+                      <a:pPr algn="ctr" fontAlgn="b"/>
+                      <a:r>
+                        <a:rPr lang="ru-RU" sz="1200" b="0" i="0" u="none" strike="noStrike" dirty="0">
                           <a:solidFill>
                             <a:srgbClr val="000000"/>
                           </a:solidFill>
@@ -20021,7 +21389,7 @@
                     <a:bodyPr/>
                     <a:lstStyle/>
                     <a:p>
-                      <a:pPr algn="r" fontAlgn="b"/>
+                      <a:pPr algn="ctr" fontAlgn="b"/>
                       <a:r>
                         <a:rPr lang="ru-RU" sz="1200" b="0" i="0" u="none" strike="noStrike">
                           <a:solidFill>
@@ -20041,9 +21409,9 @@
                     <a:bodyPr/>
                     <a:lstStyle/>
                     <a:p>
-                      <a:pPr algn="r" fontAlgn="b"/>
-                      <a:r>
-                        <a:rPr lang="ru-RU" sz="1200" b="0" i="0" u="none" strike="noStrike">
+                      <a:pPr algn="ctr" fontAlgn="b"/>
+                      <a:r>
+                        <a:rPr lang="ru-RU" sz="1200" b="0" i="0" u="none" strike="noStrike" dirty="0">
                           <a:solidFill>
                             <a:srgbClr val="000000"/>
                           </a:solidFill>
@@ -20061,9 +21429,9 @@
                     <a:bodyPr/>
                     <a:lstStyle/>
                     <a:p>
-                      <a:pPr algn="l" fontAlgn="b"/>
-                      <a:r>
-                        <a:rPr lang="ru-RU" sz="1200" b="0" i="0" u="none" strike="noStrike">
+                      <a:pPr algn="ctr" fontAlgn="b"/>
+                      <a:r>
+                        <a:rPr lang="ru-RU" sz="1200" b="0" i="0" u="none" strike="noStrike" dirty="0">
                           <a:solidFill>
                             <a:srgbClr val="000000"/>
                           </a:solidFill>
@@ -20074,35 +21442,36 @@
                       </a:r>
                     </a:p>
                   </a:txBody>
-                  <a:tcPr marL="9525" marR="9525" marT="9525" marB="0" anchor="b"/>
-                </a:tc>
-                <a:tc>
-                  <a:txBody>
-                    <a:bodyPr/>
-                    <a:lstStyle/>
-                    <a:p>
-                      <a:pPr algn="r" fontAlgn="b"/>
-                      <a:r>
-                        <a:rPr lang="ru-RU" sz="1200" b="0" i="0" u="none" strike="noStrike">
-                          <a:solidFill>
-                            <a:srgbClr val="000000"/>
-                          </a:solidFill>
-                          <a:effectLst/>
-                          <a:latin typeface="Calibri" panose="020F0502020204030204" pitchFamily="34" charset="0"/>
-                        </a:rPr>
-                        <a:t>-1</a:t>
-                      </a:r>
-                    </a:p>
-                  </a:txBody>
-                  <a:tcPr marL="9525" marR="9525" marT="9525" marB="0" anchor="b"/>
-                </a:tc>
-                <a:tc>
-                  <a:txBody>
-                    <a:bodyPr/>
-                    <a:lstStyle/>
-                    <a:p>
-                      <a:pPr algn="l" fontAlgn="b"/>
-                      <a:endParaRPr lang="ru-RU" sz="1200" b="0" i="0" u="none" strike="noStrike">
+                  <a:tcPr marL="9525" marR="9525" marT="9525" marB="0" anchor="b">
+                    <a:solidFill>
+                      <a:schemeClr val="accent6"/>
+                    </a:solidFill>
+                  </a:tcPr>
+                </a:tc>
+                <a:tc>
+                  <a:txBody>
+                    <a:bodyPr/>
+                    <a:lstStyle/>
+                    <a:p>
+                      <a:pPr algn="ctr" fontAlgn="b"/>
+                      <a:r>
+                        <a:rPr kumimoji="0" lang="ru-RU" sz="1200" b="0" i="0" u="none" strike="noStrike" kern="1200" cap="none" spc="0" normalizeH="0" baseline="0" noProof="0" smtClean="0">
+                          <a:ln>
+                            <a:noFill/>
+                          </a:ln>
+                          <a:solidFill>
+                            <a:srgbClr val="000000"/>
+                          </a:solidFill>
+                          <a:effectLst/>
+                          <a:uLnTx/>
+                          <a:uFillTx/>
+                          <a:latin typeface="Calibri" panose="020F0502020204030204" pitchFamily="34" charset="0"/>
+                          <a:ea typeface="+mn-ea"/>
+                          <a:cs typeface="+mn-cs"/>
+                        </a:rPr>
+                        <a:t>ЛОЖЬ</a:t>
+                      </a:r>
+                      <a:endParaRPr lang="ru-RU" sz="1200" b="0" i="0" u="none" strike="noStrike" dirty="0">
                         <a:solidFill>
                           <a:srgbClr val="000000"/>
                         </a:solidFill>
@@ -20111,16 +21480,20 @@
                       </a:endParaRPr>
                     </a:p>
                   </a:txBody>
-                  <a:tcPr marL="9525" marR="9525" marT="9525" marB="0" anchor="b"/>
-                </a:tc>
-                <a:tc>
-                  <a:txBody>
-                    <a:bodyPr/>
-                    <a:lstStyle/>
-                    <a:p>
-                      <a:pPr algn="l" fontAlgn="b"/>
-                      <a:r>
-                        <a:rPr lang="en-US" sz="1200" b="0" i="0" u="none" strike="noStrike">
+                  <a:tcPr marL="9525" marR="9525" marT="9525" marB="0" anchor="b">
+                    <a:solidFill>
+                      <a:srgbClr val="FF0000"/>
+                    </a:solidFill>
+                  </a:tcPr>
+                </a:tc>
+                <a:tc>
+                  <a:txBody>
+                    <a:bodyPr/>
+                    <a:lstStyle/>
+                    <a:p>
+                      <a:pPr algn="ctr" fontAlgn="b"/>
+                      <a:r>
+                        <a:rPr lang="en-US" sz="1200" b="0" i="0" u="none" strike="noStrike" dirty="0">
                           <a:solidFill>
                             <a:srgbClr val="000000"/>
                           </a:solidFill>
@@ -20138,7 +21511,27 @@
                     <a:bodyPr/>
                     <a:lstStyle/>
                     <a:p>
-                      <a:pPr algn="r" fontAlgn="b"/>
+                      <a:pPr algn="ctr" fontAlgn="b"/>
+                      <a:r>
+                        <a:rPr lang="en-US" sz="1200" b="0" i="0" u="none" strike="noStrike" dirty="0">
+                          <a:solidFill>
+                            <a:srgbClr val="000000"/>
+                          </a:solidFill>
+                          <a:effectLst/>
+                          <a:latin typeface="Calibri" panose="020F0502020204030204" pitchFamily="34" charset="0"/>
+                        </a:rPr>
+                        <a:t>X</a:t>
+                      </a:r>
+                    </a:p>
+                  </a:txBody>
+                  <a:tcPr marL="9525" marR="9525" marT="9525" marB="0" anchor="b"/>
+                </a:tc>
+                <a:tc>
+                  <a:txBody>
+                    <a:bodyPr/>
+                    <a:lstStyle/>
+                    <a:p>
+                      <a:pPr algn="ctr" fontAlgn="b"/>
                       <a:r>
                         <a:rPr lang="ru-RU" sz="1200" b="0" i="0" u="none" strike="noStrike" dirty="0">
                           <a:solidFill>
@@ -20185,7 +21578,7 @@
                     <a:bodyPr/>
                     <a:lstStyle/>
                     <a:p>
-                      <a:pPr algn="r" fontAlgn="b"/>
+                      <a:pPr algn="ctr" fontAlgn="b"/>
                       <a:r>
                         <a:rPr lang="ru-RU" sz="1200" b="0" i="0" u="none" strike="noStrike">
                           <a:solidFill>
@@ -20205,9 +21598,9 @@
                     <a:bodyPr/>
                     <a:lstStyle/>
                     <a:p>
-                      <a:pPr algn="r" fontAlgn="b"/>
-                      <a:r>
-                        <a:rPr lang="ru-RU" sz="1200" b="0" i="0" u="none" strike="noStrike">
+                      <a:pPr algn="ctr" fontAlgn="b"/>
+                      <a:r>
+                        <a:rPr lang="ru-RU" sz="1200" b="0" i="0" u="none" strike="noStrike" dirty="0">
                           <a:solidFill>
                             <a:srgbClr val="000000"/>
                           </a:solidFill>
@@ -20225,9 +21618,9 @@
                     <a:bodyPr/>
                     <a:lstStyle/>
                     <a:p>
-                      <a:pPr algn="l" fontAlgn="b"/>
-                      <a:r>
-                        <a:rPr lang="ru-RU" sz="1200" b="0" i="0" u="none" strike="noStrike">
+                      <a:pPr algn="ctr" fontAlgn="b"/>
+                      <a:r>
+                        <a:rPr lang="ru-RU" sz="1200" b="0" i="0" u="none" strike="noStrike" dirty="0">
                           <a:solidFill>
                             <a:srgbClr val="000000"/>
                           </a:solidFill>
@@ -20238,35 +21631,36 @@
                       </a:r>
                     </a:p>
                   </a:txBody>
-                  <a:tcPr marL="9525" marR="9525" marT="9525" marB="0" anchor="b"/>
-                </a:tc>
-                <a:tc>
-                  <a:txBody>
-                    <a:bodyPr/>
-                    <a:lstStyle/>
-                    <a:p>
-                      <a:pPr algn="r" fontAlgn="b"/>
-                      <a:r>
-                        <a:rPr lang="ru-RU" sz="1200" b="0" i="0" u="none" strike="noStrike" dirty="0">
-                          <a:solidFill>
-                            <a:srgbClr val="000000"/>
-                          </a:solidFill>
-                          <a:effectLst/>
-                          <a:latin typeface="Calibri" panose="020F0502020204030204" pitchFamily="34" charset="0"/>
-                        </a:rPr>
-                        <a:t>-1</a:t>
-                      </a:r>
-                    </a:p>
-                  </a:txBody>
-                  <a:tcPr marL="9525" marR="9525" marT="9525" marB="0" anchor="b"/>
-                </a:tc>
-                <a:tc>
-                  <a:txBody>
-                    <a:bodyPr/>
-                    <a:lstStyle/>
-                    <a:p>
-                      <a:pPr algn="l" fontAlgn="b"/>
-                      <a:endParaRPr lang="ru-RU" sz="1200" b="0" i="0" u="none" strike="noStrike">
+                  <a:tcPr marL="9525" marR="9525" marT="9525" marB="0" anchor="b">
+                    <a:solidFill>
+                      <a:schemeClr val="accent6"/>
+                    </a:solidFill>
+                  </a:tcPr>
+                </a:tc>
+                <a:tc>
+                  <a:txBody>
+                    <a:bodyPr/>
+                    <a:lstStyle/>
+                    <a:p>
+                      <a:pPr algn="ctr" fontAlgn="b"/>
+                      <a:r>
+                        <a:rPr kumimoji="0" lang="ru-RU" sz="1200" b="0" i="0" u="none" strike="noStrike" kern="1200" cap="none" spc="0" normalizeH="0" baseline="0" noProof="0" smtClean="0">
+                          <a:ln>
+                            <a:noFill/>
+                          </a:ln>
+                          <a:solidFill>
+                            <a:srgbClr val="000000"/>
+                          </a:solidFill>
+                          <a:effectLst/>
+                          <a:uLnTx/>
+                          <a:uFillTx/>
+                          <a:latin typeface="Calibri" panose="020F0502020204030204" pitchFamily="34" charset="0"/>
+                          <a:ea typeface="+mn-ea"/>
+                          <a:cs typeface="+mn-cs"/>
+                        </a:rPr>
+                        <a:t>ЛОЖЬ</a:t>
+                      </a:r>
+                      <a:endParaRPr lang="ru-RU" sz="1200" b="0" i="0" u="none" strike="noStrike" dirty="0">
                         <a:solidFill>
                           <a:srgbClr val="000000"/>
                         </a:solidFill>
@@ -20275,16 +21669,20 @@
                       </a:endParaRPr>
                     </a:p>
                   </a:txBody>
-                  <a:tcPr marL="9525" marR="9525" marT="9525" marB="0" anchor="b"/>
-                </a:tc>
-                <a:tc>
-                  <a:txBody>
-                    <a:bodyPr/>
-                    <a:lstStyle/>
-                    <a:p>
-                      <a:pPr algn="l" fontAlgn="b"/>
-                      <a:r>
-                        <a:rPr lang="en-US" sz="1200" b="0" i="0" u="none" strike="noStrike">
+                  <a:tcPr marL="9525" marR="9525" marT="9525" marB="0" anchor="b">
+                    <a:solidFill>
+                      <a:srgbClr val="FF0000"/>
+                    </a:solidFill>
+                  </a:tcPr>
+                </a:tc>
+                <a:tc>
+                  <a:txBody>
+                    <a:bodyPr/>
+                    <a:lstStyle/>
+                    <a:p>
+                      <a:pPr algn="ctr" fontAlgn="b"/>
+                      <a:r>
+                        <a:rPr lang="en-US" sz="1200" b="0" i="0" u="none" strike="noStrike" dirty="0">
                           <a:solidFill>
                             <a:srgbClr val="000000"/>
                           </a:solidFill>
@@ -20302,9 +21700,29 @@
                     <a:bodyPr/>
                     <a:lstStyle/>
                     <a:p>
-                      <a:pPr algn="r" fontAlgn="b"/>
-                      <a:r>
-                        <a:rPr lang="ru-RU" sz="1200" b="0" i="0" u="none" strike="noStrike">
+                      <a:pPr algn="ctr" fontAlgn="b"/>
+                      <a:r>
+                        <a:rPr lang="en-US" sz="1200" b="0" i="0" u="none" strike="noStrike" dirty="0">
+                          <a:solidFill>
+                            <a:srgbClr val="000000"/>
+                          </a:solidFill>
+                          <a:effectLst/>
+                          <a:latin typeface="Calibri" panose="020F0502020204030204" pitchFamily="34" charset="0"/>
+                        </a:rPr>
+                        <a:t>X</a:t>
+                      </a:r>
+                    </a:p>
+                  </a:txBody>
+                  <a:tcPr marL="9525" marR="9525" marT="9525" marB="0" anchor="b"/>
+                </a:tc>
+                <a:tc>
+                  <a:txBody>
+                    <a:bodyPr/>
+                    <a:lstStyle/>
+                    <a:p>
+                      <a:pPr algn="ctr" fontAlgn="b"/>
+                      <a:r>
+                        <a:rPr lang="ru-RU" sz="1200" b="0" i="0" u="none" strike="noStrike" dirty="0">
                           <a:solidFill>
                             <a:srgbClr val="000000"/>
                           </a:solidFill>
@@ -20349,7 +21767,7 @@
                     <a:bodyPr/>
                     <a:lstStyle/>
                     <a:p>
-                      <a:pPr algn="r" fontAlgn="b"/>
+                      <a:pPr algn="ctr" fontAlgn="b"/>
                       <a:r>
                         <a:rPr lang="ru-RU" sz="1200" b="0" i="0" u="none" strike="noStrike">
                           <a:solidFill>
@@ -20369,9 +21787,9 @@
                     <a:bodyPr/>
                     <a:lstStyle/>
                     <a:p>
-                      <a:pPr algn="r" fontAlgn="b"/>
-                      <a:r>
-                        <a:rPr lang="ru-RU" sz="1200" b="0" i="0" u="none" strike="noStrike">
+                      <a:pPr algn="ctr" fontAlgn="b"/>
+                      <a:r>
+                        <a:rPr lang="ru-RU" sz="1200" b="0" i="0" u="none" strike="noStrike" dirty="0">
                           <a:solidFill>
                             <a:srgbClr val="000000"/>
                           </a:solidFill>
@@ -20389,9 +21807,9 @@
                     <a:bodyPr/>
                     <a:lstStyle/>
                     <a:p>
-                      <a:pPr algn="l" fontAlgn="b"/>
-                      <a:r>
-                        <a:rPr lang="ru-RU" sz="1200" b="0" i="0" u="none" strike="noStrike">
+                      <a:pPr algn="ctr" fontAlgn="b"/>
+                      <a:r>
+                        <a:rPr lang="ru-RU" sz="1200" b="0" i="0" u="none" strike="noStrike" dirty="0">
                           <a:solidFill>
                             <a:srgbClr val="000000"/>
                           </a:solidFill>
@@ -20402,34 +21820,35 @@
                       </a:r>
                     </a:p>
                   </a:txBody>
-                  <a:tcPr marL="9525" marR="9525" marT="9525" marB="0" anchor="b"/>
-                </a:tc>
-                <a:tc>
-                  <a:txBody>
-                    <a:bodyPr/>
-                    <a:lstStyle/>
-                    <a:p>
-                      <a:pPr algn="r" fontAlgn="b"/>
-                      <a:r>
-                        <a:rPr lang="ru-RU" sz="1200" b="0" i="0" u="none" strike="noStrike" dirty="0">
-                          <a:solidFill>
-                            <a:srgbClr val="000000"/>
-                          </a:solidFill>
-                          <a:effectLst/>
-                          <a:latin typeface="Calibri" panose="020F0502020204030204" pitchFamily="34" charset="0"/>
-                        </a:rPr>
-                        <a:t>-1</a:t>
-                      </a:r>
-                    </a:p>
-                  </a:txBody>
-                  <a:tcPr marL="9525" marR="9525" marT="9525" marB="0" anchor="b"/>
-                </a:tc>
-                <a:tc>
-                  <a:txBody>
-                    <a:bodyPr/>
-                    <a:lstStyle/>
-                    <a:p>
-                      <a:pPr algn="l" fontAlgn="b"/>
+                  <a:tcPr marL="9525" marR="9525" marT="9525" marB="0" anchor="b">
+                    <a:solidFill>
+                      <a:schemeClr val="accent6"/>
+                    </a:solidFill>
+                  </a:tcPr>
+                </a:tc>
+                <a:tc>
+                  <a:txBody>
+                    <a:bodyPr/>
+                    <a:lstStyle/>
+                    <a:p>
+                      <a:pPr algn="ctr" fontAlgn="b"/>
+                      <a:r>
+                        <a:rPr kumimoji="0" lang="ru-RU" sz="1200" b="0" i="0" u="none" strike="noStrike" kern="1200" cap="none" spc="0" normalizeH="0" baseline="0" noProof="0" smtClean="0">
+                          <a:ln>
+                            <a:noFill/>
+                          </a:ln>
+                          <a:solidFill>
+                            <a:srgbClr val="000000"/>
+                          </a:solidFill>
+                          <a:effectLst/>
+                          <a:uLnTx/>
+                          <a:uFillTx/>
+                          <a:latin typeface="Calibri" panose="020F0502020204030204" pitchFamily="34" charset="0"/>
+                          <a:ea typeface="+mn-ea"/>
+                          <a:cs typeface="+mn-cs"/>
+                        </a:rPr>
+                        <a:t>ЛОЖЬ</a:t>
+                      </a:r>
                       <a:endParaRPr lang="ru-RU" sz="1200" b="0" i="0" u="none" strike="noStrike" dirty="0">
                         <a:solidFill>
                           <a:srgbClr val="000000"/>
@@ -20439,16 +21858,20 @@
                       </a:endParaRPr>
                     </a:p>
                   </a:txBody>
-                  <a:tcPr marL="9525" marR="9525" marT="9525" marB="0" anchor="b"/>
-                </a:tc>
-                <a:tc>
-                  <a:txBody>
-                    <a:bodyPr/>
-                    <a:lstStyle/>
-                    <a:p>
-                      <a:pPr algn="l" fontAlgn="b"/>
-                      <a:r>
-                        <a:rPr lang="en-US" sz="1200" b="0" i="0" u="none" strike="noStrike">
+                  <a:tcPr marL="9525" marR="9525" marT="9525" marB="0" anchor="b">
+                    <a:solidFill>
+                      <a:srgbClr val="FF0000"/>
+                    </a:solidFill>
+                  </a:tcPr>
+                </a:tc>
+                <a:tc>
+                  <a:txBody>
+                    <a:bodyPr/>
+                    <a:lstStyle/>
+                    <a:p>
+                      <a:pPr algn="ctr" fontAlgn="b"/>
+                      <a:r>
+                        <a:rPr lang="en-US" sz="1200" b="0" i="0" u="none" strike="noStrike" dirty="0">
                           <a:solidFill>
                             <a:srgbClr val="000000"/>
                           </a:solidFill>
@@ -20466,7 +21889,27 @@
                     <a:bodyPr/>
                     <a:lstStyle/>
                     <a:p>
-                      <a:pPr algn="r" fontAlgn="b"/>
+                      <a:pPr algn="ctr" fontAlgn="b"/>
+                      <a:r>
+                        <a:rPr lang="en-US" sz="1200" b="0" i="0" u="none" strike="noStrike" dirty="0">
+                          <a:solidFill>
+                            <a:srgbClr val="000000"/>
+                          </a:solidFill>
+                          <a:effectLst/>
+                          <a:latin typeface="Calibri" panose="020F0502020204030204" pitchFamily="34" charset="0"/>
+                        </a:rPr>
+                        <a:t>X</a:t>
+                      </a:r>
+                    </a:p>
+                  </a:txBody>
+                  <a:tcPr marL="9525" marR="9525" marT="9525" marB="0" anchor="b"/>
+                </a:tc>
+                <a:tc>
+                  <a:txBody>
+                    <a:bodyPr/>
+                    <a:lstStyle/>
+                    <a:p>
+                      <a:pPr algn="ctr" fontAlgn="b"/>
                       <a:r>
                         <a:rPr lang="ru-RU" sz="1200" b="0" i="0" u="none" strike="noStrike" dirty="0">
                           <a:solidFill>
@@ -20513,7 +21956,7 @@
                     <a:bodyPr/>
                     <a:lstStyle/>
                     <a:p>
-                      <a:pPr algn="r" fontAlgn="b"/>
+                      <a:pPr algn="ctr" fontAlgn="b"/>
                       <a:r>
                         <a:rPr lang="ru-RU" sz="1200" b="0" i="0" u="none" strike="noStrike">
                           <a:solidFill>
@@ -20533,9 +21976,9 @@
                     <a:bodyPr/>
                     <a:lstStyle/>
                     <a:p>
-                      <a:pPr algn="r" fontAlgn="b"/>
-                      <a:r>
-                        <a:rPr lang="ru-RU" sz="1200" b="0" i="0" u="none" strike="noStrike">
+                      <a:pPr algn="ctr" fontAlgn="b"/>
+                      <a:r>
+                        <a:rPr lang="ru-RU" sz="1200" b="0" i="0" u="none" strike="noStrike" dirty="0">
                           <a:solidFill>
                             <a:srgbClr val="000000"/>
                           </a:solidFill>
@@ -20553,9 +21996,9 @@
                     <a:bodyPr/>
                     <a:lstStyle/>
                     <a:p>
-                      <a:pPr algn="l" fontAlgn="b"/>
-                      <a:r>
-                        <a:rPr lang="ru-RU" sz="1200" b="0" i="0" u="none" strike="noStrike">
+                      <a:pPr algn="ctr" fontAlgn="b"/>
+                      <a:r>
+                        <a:rPr lang="ru-RU" sz="1200" b="0" i="0" u="none" strike="noStrike" dirty="0">
                           <a:solidFill>
                             <a:srgbClr val="000000"/>
                           </a:solidFill>
@@ -20566,34 +22009,35 @@
                       </a:r>
                     </a:p>
                   </a:txBody>
-                  <a:tcPr marL="9525" marR="9525" marT="9525" marB="0" anchor="b"/>
-                </a:tc>
-                <a:tc>
-                  <a:txBody>
-                    <a:bodyPr/>
-                    <a:lstStyle/>
-                    <a:p>
-                      <a:pPr algn="r" fontAlgn="b"/>
-                      <a:r>
-                        <a:rPr lang="ru-RU" sz="1200" b="0" i="0" u="none" strike="noStrike">
-                          <a:solidFill>
-                            <a:srgbClr val="000000"/>
-                          </a:solidFill>
-                          <a:effectLst/>
-                          <a:latin typeface="Calibri" panose="020F0502020204030204" pitchFamily="34" charset="0"/>
-                        </a:rPr>
-                        <a:t>-1</a:t>
-                      </a:r>
-                    </a:p>
-                  </a:txBody>
-                  <a:tcPr marL="9525" marR="9525" marT="9525" marB="0" anchor="b"/>
-                </a:tc>
-                <a:tc>
-                  <a:txBody>
-                    <a:bodyPr/>
-                    <a:lstStyle/>
-                    <a:p>
-                      <a:pPr algn="l" fontAlgn="b"/>
+                  <a:tcPr marL="9525" marR="9525" marT="9525" marB="0" anchor="b">
+                    <a:solidFill>
+                      <a:schemeClr val="accent6"/>
+                    </a:solidFill>
+                  </a:tcPr>
+                </a:tc>
+                <a:tc>
+                  <a:txBody>
+                    <a:bodyPr/>
+                    <a:lstStyle/>
+                    <a:p>
+                      <a:pPr algn="ctr" fontAlgn="b"/>
+                      <a:r>
+                        <a:rPr kumimoji="0" lang="ru-RU" sz="1200" b="0" i="0" u="none" strike="noStrike" kern="1200" cap="none" spc="0" normalizeH="0" baseline="0" noProof="0" smtClean="0">
+                          <a:ln>
+                            <a:noFill/>
+                          </a:ln>
+                          <a:solidFill>
+                            <a:srgbClr val="000000"/>
+                          </a:solidFill>
+                          <a:effectLst/>
+                          <a:uLnTx/>
+                          <a:uFillTx/>
+                          <a:latin typeface="Calibri" panose="020F0502020204030204" pitchFamily="34" charset="0"/>
+                          <a:ea typeface="+mn-ea"/>
+                          <a:cs typeface="+mn-cs"/>
+                        </a:rPr>
+                        <a:t>ЛОЖЬ</a:t>
+                      </a:r>
                       <a:endParaRPr lang="ru-RU" sz="1200" b="0" i="0" u="none" strike="noStrike" dirty="0">
                         <a:solidFill>
                           <a:srgbClr val="000000"/>
@@ -20603,16 +22047,20 @@
                       </a:endParaRPr>
                     </a:p>
                   </a:txBody>
-                  <a:tcPr marL="9525" marR="9525" marT="9525" marB="0" anchor="b"/>
-                </a:tc>
-                <a:tc>
-                  <a:txBody>
-                    <a:bodyPr/>
-                    <a:lstStyle/>
-                    <a:p>
-                      <a:pPr algn="l" fontAlgn="b"/>
-                      <a:r>
-                        <a:rPr lang="en-US" sz="1200" b="0" i="0" u="none" strike="noStrike">
+                  <a:tcPr marL="9525" marR="9525" marT="9525" marB="0" anchor="b">
+                    <a:solidFill>
+                      <a:srgbClr val="FF0000"/>
+                    </a:solidFill>
+                  </a:tcPr>
+                </a:tc>
+                <a:tc>
+                  <a:txBody>
+                    <a:bodyPr/>
+                    <a:lstStyle/>
+                    <a:p>
+                      <a:pPr algn="ctr" fontAlgn="b"/>
+                      <a:r>
+                        <a:rPr lang="en-US" sz="1200" b="0" i="0" u="none" strike="noStrike" dirty="0">
                           <a:solidFill>
                             <a:srgbClr val="000000"/>
                           </a:solidFill>
@@ -20630,7 +22078,27 @@
                     <a:bodyPr/>
                     <a:lstStyle/>
                     <a:p>
-                      <a:pPr algn="r" fontAlgn="b"/>
+                      <a:pPr algn="ctr" fontAlgn="b"/>
+                      <a:r>
+                        <a:rPr lang="en-US" sz="1200" b="0" i="0" u="none" strike="noStrike" dirty="0">
+                          <a:solidFill>
+                            <a:srgbClr val="000000"/>
+                          </a:solidFill>
+                          <a:effectLst/>
+                          <a:latin typeface="Calibri" panose="020F0502020204030204" pitchFamily="34" charset="0"/>
+                        </a:rPr>
+                        <a:t>X</a:t>
+                      </a:r>
+                    </a:p>
+                  </a:txBody>
+                  <a:tcPr marL="9525" marR="9525" marT="9525" marB="0" anchor="b"/>
+                </a:tc>
+                <a:tc>
+                  <a:txBody>
+                    <a:bodyPr/>
+                    <a:lstStyle/>
+                    <a:p>
+                      <a:pPr algn="ctr" fontAlgn="b"/>
                       <a:r>
                         <a:rPr lang="ru-RU" sz="1200" b="0" i="0" u="none" strike="noStrike" dirty="0">
                           <a:solidFill>
@@ -20677,7 +22145,7 @@
                     <a:bodyPr/>
                     <a:lstStyle/>
                     <a:p>
-                      <a:pPr algn="r" fontAlgn="b"/>
+                      <a:pPr algn="ctr" fontAlgn="b"/>
                       <a:r>
                         <a:rPr lang="ru-RU" sz="1200" b="0" i="0" u="none" strike="noStrike">
                           <a:solidFill>
@@ -20697,9 +22165,9 @@
                     <a:bodyPr/>
                     <a:lstStyle/>
                     <a:p>
-                      <a:pPr algn="r" fontAlgn="b"/>
-                      <a:r>
-                        <a:rPr lang="ru-RU" sz="1200" b="0" i="0" u="none" strike="noStrike">
+                      <a:pPr algn="ctr" fontAlgn="b"/>
+                      <a:r>
+                        <a:rPr lang="ru-RU" sz="1200" b="0" i="0" u="none" strike="noStrike" dirty="0">
                           <a:solidFill>
                             <a:srgbClr val="000000"/>
                           </a:solidFill>
@@ -20717,9 +22185,9 @@
                     <a:bodyPr/>
                     <a:lstStyle/>
                     <a:p>
-                      <a:pPr algn="l" fontAlgn="b"/>
-                      <a:r>
-                        <a:rPr lang="ru-RU" sz="1200" b="0" i="0" u="none" strike="noStrike">
+                      <a:pPr algn="ctr" fontAlgn="b"/>
+                      <a:r>
+                        <a:rPr lang="ru-RU" sz="1200" b="0" i="0" u="none" strike="noStrike" dirty="0">
                           <a:solidFill>
                             <a:srgbClr val="000000"/>
                           </a:solidFill>
@@ -20730,34 +22198,35 @@
                       </a:r>
                     </a:p>
                   </a:txBody>
-                  <a:tcPr marL="9525" marR="9525" marT="9525" marB="0" anchor="b"/>
-                </a:tc>
-                <a:tc>
-                  <a:txBody>
-                    <a:bodyPr/>
-                    <a:lstStyle/>
-                    <a:p>
-                      <a:pPr algn="r" fontAlgn="b"/>
-                      <a:r>
-                        <a:rPr lang="ru-RU" sz="1200" b="0" i="0" u="none" strike="noStrike">
-                          <a:solidFill>
-                            <a:srgbClr val="000000"/>
-                          </a:solidFill>
-                          <a:effectLst/>
-                          <a:latin typeface="Calibri" panose="020F0502020204030204" pitchFamily="34" charset="0"/>
-                        </a:rPr>
-                        <a:t>-1</a:t>
-                      </a:r>
-                    </a:p>
-                  </a:txBody>
-                  <a:tcPr marL="9525" marR="9525" marT="9525" marB="0" anchor="b"/>
-                </a:tc>
-                <a:tc>
-                  <a:txBody>
-                    <a:bodyPr/>
-                    <a:lstStyle/>
-                    <a:p>
-                      <a:pPr algn="l" fontAlgn="b"/>
+                  <a:tcPr marL="9525" marR="9525" marT="9525" marB="0" anchor="b">
+                    <a:solidFill>
+                      <a:schemeClr val="accent6"/>
+                    </a:solidFill>
+                  </a:tcPr>
+                </a:tc>
+                <a:tc>
+                  <a:txBody>
+                    <a:bodyPr/>
+                    <a:lstStyle/>
+                    <a:p>
+                      <a:pPr algn="ctr" fontAlgn="b"/>
+                      <a:r>
+                        <a:rPr kumimoji="0" lang="ru-RU" sz="1200" b="0" i="0" u="none" strike="noStrike" kern="1200" cap="none" spc="0" normalizeH="0" baseline="0" noProof="0" dirty="0" smtClean="0">
+                          <a:ln>
+                            <a:noFill/>
+                          </a:ln>
+                          <a:solidFill>
+                            <a:srgbClr val="000000"/>
+                          </a:solidFill>
+                          <a:effectLst/>
+                          <a:uLnTx/>
+                          <a:uFillTx/>
+                          <a:latin typeface="Calibri" panose="020F0502020204030204" pitchFamily="34" charset="0"/>
+                          <a:ea typeface="+mn-ea"/>
+                          <a:cs typeface="+mn-cs"/>
+                        </a:rPr>
+                        <a:t>ЛОЖЬ</a:t>
+                      </a:r>
                       <a:endParaRPr lang="ru-RU" sz="1200" b="0" i="0" u="none" strike="noStrike" dirty="0">
                         <a:solidFill>
                           <a:srgbClr val="000000"/>
@@ -20767,14 +22236,18 @@
                       </a:endParaRPr>
                     </a:p>
                   </a:txBody>
-                  <a:tcPr marL="9525" marR="9525" marT="9525" marB="0" anchor="b"/>
-                </a:tc>
-                <a:tc>
-                  <a:txBody>
-                    <a:bodyPr/>
-                    <a:lstStyle/>
-                    <a:p>
-                      <a:pPr algn="l" fontAlgn="b"/>
+                  <a:tcPr marL="9525" marR="9525" marT="9525" marB="0" anchor="b">
+                    <a:solidFill>
+                      <a:srgbClr val="FF0000"/>
+                    </a:solidFill>
+                  </a:tcPr>
+                </a:tc>
+                <a:tc>
+                  <a:txBody>
+                    <a:bodyPr/>
+                    <a:lstStyle/>
+                    <a:p>
+                      <a:pPr algn="ctr" fontAlgn="b"/>
                       <a:r>
                         <a:rPr lang="en-US" sz="1200" b="0" i="0" u="none" strike="noStrike" dirty="0">
                           <a:solidFill>
@@ -20794,7 +22267,27 @@
                     <a:bodyPr/>
                     <a:lstStyle/>
                     <a:p>
-                      <a:pPr algn="r" fontAlgn="b"/>
+                      <a:pPr algn="ctr" fontAlgn="b"/>
+                      <a:r>
+                        <a:rPr lang="en-US" sz="1200" b="0" i="0" u="none" strike="noStrike" dirty="0">
+                          <a:solidFill>
+                            <a:srgbClr val="000000"/>
+                          </a:solidFill>
+                          <a:effectLst/>
+                          <a:latin typeface="Calibri" panose="020F0502020204030204" pitchFamily="34" charset="0"/>
+                        </a:rPr>
+                        <a:t>X</a:t>
+                      </a:r>
+                    </a:p>
+                  </a:txBody>
+                  <a:tcPr marL="9525" marR="9525" marT="9525" marB="0" anchor="b"/>
+                </a:tc>
+                <a:tc>
+                  <a:txBody>
+                    <a:bodyPr/>
+                    <a:lstStyle/>
+                    <a:p>
+                      <a:pPr algn="ctr" fontAlgn="b"/>
                       <a:r>
                         <a:rPr lang="ru-RU" sz="1200" b="0" i="0" u="none" strike="noStrike" dirty="0">
                           <a:solidFill>
@@ -21191,7 +22684,15 @@
             </a:r>
             <a:r>
               <a:rPr lang="ru-RU" sz="2800" dirty="0"/>
-              <a:t>быстрой проверки на регулярность поданного на вход графа (на 〖10〗^6 должна выполняться не более 5 секунд</a:t>
+              <a:t>быстрой </a:t>
+            </a:r>
+            <a:r>
+              <a:rPr lang="ru-RU" sz="2800" dirty="0" smtClean="0"/>
+              <a:t>проверки графа на необходимых условий регулярности (на </a:t>
+            </a:r>
+            <a:r>
+              <a:rPr lang="ru-RU" sz="2800" dirty="0"/>
+              <a:t>〖10〗^6 должна выполняться не более 5 секунд</a:t>
             </a:r>
             <a:r>
               <a:rPr lang="ru-RU" sz="2800" dirty="0" smtClean="0"/>
@@ -21356,6 +22857,275 @@
           <a:chExt cx="0" cy="0"/>
         </a:xfrm>
       </p:grpSpPr>
+      <p:sp>
+        <p:nvSpPr>
+          <p:cNvPr id="2" name="TextBox 1"/>
+          <p:cNvSpPr txBox="1"/>
+          <p:nvPr/>
+        </p:nvSpPr>
+        <p:spPr>
+          <a:xfrm>
+            <a:off x="883920" y="822960"/>
+            <a:ext cx="1480213" cy="523220"/>
+          </a:xfrm>
+          <a:prstGeom prst="rect">
+            <a:avLst/>
+          </a:prstGeom>
+          <a:noFill/>
+        </p:spPr>
+        <p:txBody>
+          <a:bodyPr wrap="none" rtlCol="0">
+            <a:spAutoFit/>
+          </a:bodyPr>
+          <a:lstStyle/>
+          <a:p>
+            <a:r>
+              <a:rPr lang="ru-RU" sz="2800" dirty="0">
+                <a:solidFill>
+                  <a:schemeClr val="accent1">
+                    <a:lumMod val="50000"/>
+                  </a:schemeClr>
+                </a:solidFill>
+              </a:rPr>
+              <a:t>Сделано</a:t>
+            </a:r>
+            <a:endParaRPr lang="ru-RU" sz="2800" dirty="0">
+              <a:solidFill>
+                <a:schemeClr val="accent1">
+                  <a:lumMod val="50000"/>
+                </a:schemeClr>
+              </a:solidFill>
+            </a:endParaRPr>
+          </a:p>
+        </p:txBody>
+      </p:sp>
+      <p:sp>
+        <p:nvSpPr>
+          <p:cNvPr id="3" name="TextBox 2"/>
+          <p:cNvSpPr txBox="1"/>
+          <p:nvPr/>
+        </p:nvSpPr>
+        <p:spPr>
+          <a:xfrm>
+            <a:off x="883917" y="2638841"/>
+            <a:ext cx="1809341" cy="523220"/>
+          </a:xfrm>
+          <a:prstGeom prst="rect">
+            <a:avLst/>
+          </a:prstGeom>
+          <a:noFill/>
+        </p:spPr>
+        <p:txBody>
+          <a:bodyPr wrap="none" rtlCol="0">
+            <a:spAutoFit/>
+          </a:bodyPr>
+          <a:lstStyle/>
+          <a:p>
+            <a:r>
+              <a:rPr lang="ru-RU" sz="2800" dirty="0" smtClean="0">
+                <a:solidFill>
+                  <a:schemeClr val="accent1">
+                    <a:lumMod val="50000"/>
+                  </a:schemeClr>
+                </a:solidFill>
+              </a:rPr>
+              <a:t>Проблемы</a:t>
+            </a:r>
+            <a:endParaRPr lang="ru-RU" sz="2800" dirty="0">
+              <a:solidFill>
+                <a:schemeClr val="accent1">
+                  <a:lumMod val="50000"/>
+                </a:schemeClr>
+              </a:solidFill>
+            </a:endParaRPr>
+          </a:p>
+        </p:txBody>
+      </p:sp>
+      <p:sp>
+        <p:nvSpPr>
+          <p:cNvPr id="4" name="TextBox 3"/>
+          <p:cNvSpPr txBox="1"/>
+          <p:nvPr/>
+        </p:nvSpPr>
+        <p:spPr>
+          <a:xfrm>
+            <a:off x="883917" y="4146947"/>
+            <a:ext cx="2202847" cy="523220"/>
+          </a:xfrm>
+          <a:prstGeom prst="rect">
+            <a:avLst/>
+          </a:prstGeom>
+          <a:noFill/>
+        </p:spPr>
+        <p:txBody>
+          <a:bodyPr wrap="none" rtlCol="0">
+            <a:spAutoFit/>
+          </a:bodyPr>
+          <a:lstStyle/>
+          <a:p>
+            <a:r>
+              <a:rPr lang="ru-RU" sz="2800" dirty="0" smtClean="0">
+                <a:solidFill>
+                  <a:schemeClr val="accent1">
+                    <a:lumMod val="50000"/>
+                  </a:schemeClr>
+                </a:solidFill>
+              </a:rPr>
+              <a:t>Перспективы</a:t>
+            </a:r>
+            <a:endParaRPr lang="ru-RU" sz="2800" dirty="0">
+              <a:solidFill>
+                <a:schemeClr val="accent1">
+                  <a:lumMod val="50000"/>
+                </a:schemeClr>
+              </a:solidFill>
+            </a:endParaRPr>
+          </a:p>
+        </p:txBody>
+      </p:sp>
+      <p:sp>
+        <p:nvSpPr>
+          <p:cNvPr id="5" name="TextBox 4"/>
+          <p:cNvSpPr txBox="1"/>
+          <p:nvPr/>
+        </p:nvSpPr>
+        <p:spPr>
+          <a:xfrm>
+            <a:off x="883919" y="1346180"/>
+            <a:ext cx="9626161" cy="1200329"/>
+          </a:xfrm>
+          <a:prstGeom prst="rect">
+            <a:avLst/>
+          </a:prstGeom>
+          <a:noFill/>
+        </p:spPr>
+        <p:txBody>
+          <a:bodyPr wrap="none" rtlCol="0">
+            <a:spAutoFit/>
+          </a:bodyPr>
+          <a:lstStyle/>
+          <a:p>
+            <a:r>
+              <a:rPr lang="ru-RU" dirty="0" smtClean="0"/>
+              <a:t>Написана библиотека, позволяющая:</a:t>
+            </a:r>
+          </a:p>
+          <a:p>
+            <a:pPr marL="342900" indent="-342900">
+              <a:buAutoNum type="arabicParenR"/>
+            </a:pPr>
+            <a:r>
+              <a:rPr lang="ru-RU" dirty="0" smtClean="0"/>
+              <a:t>Проверять граф на необходимые условия регулярности (быстро говорить о невозможности)</a:t>
+            </a:r>
+          </a:p>
+          <a:p>
+            <a:pPr marL="342900" indent="-342900">
+              <a:buAutoNum type="arabicParenR"/>
+            </a:pPr>
+            <a:r>
+              <a:rPr lang="ru-RU" dirty="0" smtClean="0"/>
+              <a:t>Восстанавливать геометрическую информацию для исходного графа</a:t>
+            </a:r>
+          </a:p>
+          <a:p>
+            <a:pPr marL="342900" indent="-342900">
+              <a:buAutoNum type="arabicParenR"/>
+            </a:pPr>
+            <a:r>
+              <a:rPr lang="ru-RU" dirty="0" smtClean="0"/>
+              <a:t>Создана тестовая инфраструктура с расширяемой базой</a:t>
+            </a:r>
+            <a:endParaRPr lang="ru-RU" dirty="0"/>
+          </a:p>
+        </p:txBody>
+      </p:sp>
+      <p:sp>
+        <p:nvSpPr>
+          <p:cNvPr id="6" name="TextBox 5"/>
+          <p:cNvSpPr txBox="1"/>
+          <p:nvPr/>
+        </p:nvSpPr>
+        <p:spPr>
+          <a:xfrm>
+            <a:off x="883917" y="3192839"/>
+            <a:ext cx="7923323" cy="923330"/>
+          </a:xfrm>
+          <a:prstGeom prst="rect">
+            <a:avLst/>
+          </a:prstGeom>
+          <a:noFill/>
+        </p:spPr>
+        <p:txBody>
+          <a:bodyPr wrap="none" rtlCol="0">
+            <a:spAutoFit/>
+          </a:bodyPr>
+          <a:lstStyle/>
+          <a:p>
+            <a:r>
+              <a:rPr lang="ru-RU" dirty="0" smtClean="0"/>
+              <a:t>Предложенное решение позволяет решать только определенный класс задач.</a:t>
+            </a:r>
+          </a:p>
+          <a:p>
+            <a:r>
+              <a:rPr lang="ru-RU" dirty="0" smtClean="0"/>
+              <a:t>Время выполнения зависит от топологии исходного графа</a:t>
+            </a:r>
+          </a:p>
+          <a:p>
+            <a:endParaRPr lang="ru-RU" dirty="0"/>
+          </a:p>
+        </p:txBody>
+      </p:sp>
+      <p:sp>
+        <p:nvSpPr>
+          <p:cNvPr id="7" name="TextBox 6"/>
+          <p:cNvSpPr txBox="1"/>
+          <p:nvPr/>
+        </p:nvSpPr>
+        <p:spPr>
+          <a:xfrm>
+            <a:off x="883917" y="4762499"/>
+            <a:ext cx="4981044" cy="923330"/>
+          </a:xfrm>
+          <a:prstGeom prst="rect">
+            <a:avLst/>
+          </a:prstGeom>
+          <a:noFill/>
+        </p:spPr>
+        <p:txBody>
+          <a:bodyPr wrap="none" rtlCol="0">
+            <a:spAutoFit/>
+          </a:bodyPr>
+          <a:lstStyle/>
+          <a:p>
+            <a:r>
+              <a:rPr lang="ru-RU" dirty="0" smtClean="0"/>
+              <a:t>Ускорение через:</a:t>
+            </a:r>
+          </a:p>
+          <a:p>
+            <a:pPr marL="342900" indent="-342900">
+              <a:buAutoNum type="arabicParenR"/>
+            </a:pPr>
+            <a:r>
+              <a:rPr lang="ru-RU" dirty="0" smtClean="0"/>
+              <a:t>Распараллеливание работы</a:t>
+            </a:r>
+          </a:p>
+          <a:p>
+            <a:pPr marL="342900" indent="-342900">
+              <a:buAutoNum type="arabicParenR"/>
+            </a:pPr>
+            <a:r>
+              <a:rPr lang="ru-RU" dirty="0" smtClean="0"/>
+              <a:t>Определение класса задач до начала работы</a:t>
+            </a:r>
+            <a:endParaRPr lang="ru-RU" dirty="0"/>
+          </a:p>
+        </p:txBody>
+      </p:sp>
     </p:spTree>
     <p:extLst>
       <p:ext uri="{BB962C8B-B14F-4D97-AF65-F5344CB8AC3E}">

--- a/docs/Презентация v0.8.1.pptx
+++ b/docs/Презентация v0.8.1.pptx
@@ -252,7 +252,7 @@
           <a:p>
             <a:fld id="{2F7BDC20-999D-4259-B6C3-F40ECC5C4406}" type="datetimeFigureOut">
               <a:rPr lang="ru-RU" smtClean="0"/>
-              <a:t>14.12.2017</a:t>
+              <a:t>16.12.2017</a:t>
             </a:fld>
             <a:endParaRPr lang="ru-RU"/>
           </a:p>
@@ -1707,7 +1707,7 @@
           <a:p>
             <a:fld id="{8F045AFB-DE82-40CD-9223-121836DEA27A}" type="datetimeFigureOut">
               <a:rPr lang="ru-RU" smtClean="0"/>
-              <a:t>14.12.2017</a:t>
+              <a:t>16.12.2017</a:t>
             </a:fld>
             <a:endParaRPr lang="ru-RU"/>
           </a:p>
@@ -1877,7 +1877,7 @@
           <a:p>
             <a:fld id="{8F045AFB-DE82-40CD-9223-121836DEA27A}" type="datetimeFigureOut">
               <a:rPr lang="ru-RU" smtClean="0"/>
-              <a:t>14.12.2017</a:t>
+              <a:t>16.12.2017</a:t>
             </a:fld>
             <a:endParaRPr lang="ru-RU"/>
           </a:p>
@@ -2057,7 +2057,7 @@
           <a:p>
             <a:fld id="{8F045AFB-DE82-40CD-9223-121836DEA27A}" type="datetimeFigureOut">
               <a:rPr lang="ru-RU" smtClean="0"/>
-              <a:t>14.12.2017</a:t>
+              <a:t>16.12.2017</a:t>
             </a:fld>
             <a:endParaRPr lang="ru-RU"/>
           </a:p>
@@ -2227,7 +2227,7 @@
           <a:p>
             <a:fld id="{8F045AFB-DE82-40CD-9223-121836DEA27A}" type="datetimeFigureOut">
               <a:rPr lang="ru-RU" smtClean="0"/>
-              <a:t>14.12.2017</a:t>
+              <a:t>16.12.2017</a:t>
             </a:fld>
             <a:endParaRPr lang="ru-RU"/>
           </a:p>
@@ -2473,7 +2473,7 @@
           <a:p>
             <a:fld id="{8F045AFB-DE82-40CD-9223-121836DEA27A}" type="datetimeFigureOut">
               <a:rPr lang="ru-RU" smtClean="0"/>
-              <a:t>14.12.2017</a:t>
+              <a:t>16.12.2017</a:t>
             </a:fld>
             <a:endParaRPr lang="ru-RU"/>
           </a:p>
@@ -2705,7 +2705,7 @@
           <a:p>
             <a:fld id="{8F045AFB-DE82-40CD-9223-121836DEA27A}" type="datetimeFigureOut">
               <a:rPr lang="ru-RU" smtClean="0"/>
-              <a:t>14.12.2017</a:t>
+              <a:t>16.12.2017</a:t>
             </a:fld>
             <a:endParaRPr lang="ru-RU"/>
           </a:p>
@@ -3072,7 +3072,7 @@
           <a:p>
             <a:fld id="{8F045AFB-DE82-40CD-9223-121836DEA27A}" type="datetimeFigureOut">
               <a:rPr lang="ru-RU" smtClean="0"/>
-              <a:t>14.12.2017</a:t>
+              <a:t>16.12.2017</a:t>
             </a:fld>
             <a:endParaRPr lang="ru-RU"/>
           </a:p>
@@ -3190,7 +3190,7 @@
           <a:p>
             <a:fld id="{8F045AFB-DE82-40CD-9223-121836DEA27A}" type="datetimeFigureOut">
               <a:rPr lang="ru-RU" smtClean="0"/>
-              <a:t>14.12.2017</a:t>
+              <a:t>16.12.2017</a:t>
             </a:fld>
             <a:endParaRPr lang="ru-RU"/>
           </a:p>
@@ -3285,7 +3285,7 @@
           <a:p>
             <a:fld id="{8F045AFB-DE82-40CD-9223-121836DEA27A}" type="datetimeFigureOut">
               <a:rPr lang="ru-RU" smtClean="0"/>
-              <a:t>14.12.2017</a:t>
+              <a:t>16.12.2017</a:t>
             </a:fld>
             <a:endParaRPr lang="ru-RU"/>
           </a:p>
@@ -3562,7 +3562,7 @@
           <a:p>
             <a:fld id="{8F045AFB-DE82-40CD-9223-121836DEA27A}" type="datetimeFigureOut">
               <a:rPr lang="ru-RU" smtClean="0"/>
-              <a:t>14.12.2017</a:t>
+              <a:t>16.12.2017</a:t>
             </a:fld>
             <a:endParaRPr lang="ru-RU"/>
           </a:p>
@@ -3815,7 +3815,7 @@
           <a:p>
             <a:fld id="{8F045AFB-DE82-40CD-9223-121836DEA27A}" type="datetimeFigureOut">
               <a:rPr lang="ru-RU" smtClean="0"/>
-              <a:t>14.12.2017</a:t>
+              <a:t>16.12.2017</a:t>
             </a:fld>
             <a:endParaRPr lang="ru-RU"/>
           </a:p>
@@ -4028,7 +4028,7 @@
           <a:p>
             <a:fld id="{8F045AFB-DE82-40CD-9223-121836DEA27A}" type="datetimeFigureOut">
               <a:rPr lang="ru-RU" smtClean="0"/>
-              <a:t>14.12.2017</a:t>
+              <a:t>16.12.2017</a:t>
             </a:fld>
             <a:endParaRPr lang="ru-RU"/>
           </a:p>
@@ -8365,7 +8365,7 @@
         <p:spPr>
           <a:xfrm>
             <a:off x="793029" y="1328786"/>
-            <a:ext cx="10510838" cy="2602636"/>
+            <a:ext cx="10510838" cy="2039020"/>
           </a:xfrm>
           <a:prstGeom prst="rect">
             <a:avLst/>
@@ -8396,37 +8396,21 @@
                 <a:ea typeface="Calibri" panose="020F0502020204030204" pitchFamily="34" charset="0"/>
                 <a:cs typeface="Times New Roman" panose="02020603050405020304" pitchFamily="18" charset="0"/>
               </a:rPr>
-              <a:t>Шаг 1.</a:t>
-            </a:r>
-            <a:r>
-              <a:rPr lang="ru-RU" sz="2800" dirty="0" smtClean="0">
+              <a:t>Шаг </a:t>
+            </a:r>
+            <a:r>
+              <a:rPr lang="ru-RU" sz="2800" dirty="0">
                 <a:solidFill>
-                  <a:srgbClr val="FF0000"/>
+                  <a:schemeClr val="accent1">
+                    <a:lumMod val="50000"/>
+                  </a:schemeClr>
                 </a:solidFill>
                 <a:latin typeface="Calibri" panose="020F0502020204030204" pitchFamily="34" charset="0"/>
                 <a:ea typeface="Calibri" panose="020F0502020204030204" pitchFamily="34" charset="0"/>
                 <a:cs typeface="Times New Roman" panose="02020603050405020304" pitchFamily="18" charset="0"/>
               </a:rPr>
-              <a:t> </a:t>
-            </a:r>
-            <a:r>
-              <a:rPr lang="ru-RU" sz="2800" dirty="0" smtClean="0">
-                <a:latin typeface="Calibri" panose="020F0502020204030204" pitchFamily="34" charset="0"/>
-                <a:ea typeface="Calibri" panose="020F0502020204030204" pitchFamily="34" charset="0"/>
-                <a:cs typeface="Times New Roman" panose="02020603050405020304" pitchFamily="18" charset="0"/>
-              </a:rPr>
-              <a:t>Проверяем, что граф - связный</a:t>
-            </a:r>
-          </a:p>
-          <a:p>
-            <a:pPr>
-              <a:lnSpc>
-                <a:spcPct val="107000"/>
-              </a:lnSpc>
-              <a:spcAft>
-                <a:spcPts val="800"/>
-              </a:spcAft>
-            </a:pPr>
+              <a:t>1</a:t>
+            </a:r>
             <a:r>
               <a:rPr lang="ru-RU" sz="2800" dirty="0" smtClean="0">
                 <a:solidFill>
@@ -8438,7 +8422,7 @@
                 <a:ea typeface="Calibri" panose="020F0502020204030204" pitchFamily="34" charset="0"/>
                 <a:cs typeface="Times New Roman" panose="02020603050405020304" pitchFamily="18" charset="0"/>
               </a:rPr>
-              <a:t>Шаг 2.</a:t>
+              <a:t>.</a:t>
             </a:r>
             <a:r>
               <a:rPr lang="ru-RU" sz="2800" dirty="0" smtClean="0">
@@ -8480,7 +8464,20 @@
                 <a:ea typeface="Calibri" panose="020F0502020204030204" pitchFamily="34" charset="0"/>
                 <a:cs typeface="Times New Roman" panose="02020603050405020304" pitchFamily="18" charset="0"/>
               </a:rPr>
-              <a:t>Шаг 3.</a:t>
+              <a:t>Шаг </a:t>
+            </a:r>
+            <a:r>
+              <a:rPr lang="ru-RU" sz="2800" dirty="0" smtClean="0">
+                <a:solidFill>
+                  <a:schemeClr val="accent1">
+                    <a:lumMod val="50000"/>
+                  </a:schemeClr>
+                </a:solidFill>
+                <a:latin typeface="Calibri" panose="020F0502020204030204" pitchFamily="34" charset="0"/>
+                <a:ea typeface="Calibri" panose="020F0502020204030204" pitchFamily="34" charset="0"/>
+                <a:cs typeface="Times New Roman" panose="02020603050405020304" pitchFamily="18" charset="0"/>
+              </a:rPr>
+              <a:t>2.</a:t>
             </a:r>
             <a:r>
               <a:rPr lang="ru-RU" sz="2800" dirty="0" smtClean="0">
@@ -10083,20 +10080,7 @@
                 <a:ea typeface="Calibri" panose="020F0502020204030204" pitchFamily="34" charset="0"/>
                 <a:cs typeface="Times New Roman" panose="02020603050405020304" pitchFamily="18" charset="0"/>
               </a:rPr>
-              <a:t>Шаг </a:t>
-            </a:r>
-            <a:r>
-              <a:rPr lang="ru-RU" sz="2800" dirty="0" smtClean="0">
-                <a:solidFill>
-                  <a:schemeClr val="accent1">
-                    <a:lumMod val="50000"/>
-                  </a:schemeClr>
-                </a:solidFill>
-                <a:latin typeface="Calibri" panose="020F0502020204030204" pitchFamily="34" charset="0"/>
-                <a:ea typeface="Calibri" panose="020F0502020204030204" pitchFamily="34" charset="0"/>
-                <a:cs typeface="Times New Roman" panose="02020603050405020304" pitchFamily="18" charset="0"/>
-              </a:rPr>
-              <a:t>5</a:t>
+              <a:t>Шаг 5</a:t>
             </a:r>
             <a:endParaRPr lang="ru-RU" sz="2800" dirty="0" smtClean="0">
               <a:latin typeface="Calibri" panose="020F0502020204030204" pitchFamily="34" charset="0"/>
@@ -10184,7 +10168,7 @@
         <p:spPr>
           <a:xfrm>
             <a:off x="517554" y="622980"/>
-            <a:ext cx="6415795" cy="954107"/>
+            <a:ext cx="6223948" cy="954107"/>
           </a:xfrm>
           <a:prstGeom prst="rect">
             <a:avLst/>
@@ -10208,7 +10192,7 @@
                 <a:ea typeface="Calibri" panose="020F0502020204030204" pitchFamily="34" charset="0"/>
                 <a:cs typeface="Times New Roman" panose="02020603050405020304" pitchFamily="18" charset="0"/>
               </a:rPr>
-              <a:t>Идея: </a:t>
+              <a:t>Идея</a:t>
             </a:r>
             <a:r>
               <a:rPr lang="ru-RU" sz="2800" dirty="0" smtClean="0">
@@ -10221,23 +10205,10 @@
                 <a:ea typeface="Calibri" panose="020F0502020204030204" pitchFamily="34" charset="0"/>
                 <a:cs typeface="Times New Roman" panose="02020603050405020304" pitchFamily="18" charset="0"/>
               </a:rPr>
-              <a:t>Перебираем варианты нумерации</a:t>
-            </a:r>
-          </a:p>
-          <a:p>
-            <a:r>
-              <a:rPr lang="ru-RU" sz="2800" dirty="0">
-                <a:solidFill>
-                  <a:schemeClr val="accent1">
-                    <a:lumMod val="50000"/>
-                  </a:schemeClr>
-                </a:solidFill>
-                <a:latin typeface="Calibri" panose="020F0502020204030204" pitchFamily="34" charset="0"/>
-                <a:ea typeface="Calibri" panose="020F0502020204030204" pitchFamily="34" charset="0"/>
-                <a:cs typeface="Times New Roman" panose="02020603050405020304" pitchFamily="18" charset="0"/>
-              </a:rPr>
-              <a:t>д</a:t>
-            </a:r>
+              <a:t>: Возвращаемся и пробуем заново</a:t>
+            </a:r>
+          </a:p>
+          <a:p>
             <a:r>
               <a:rPr lang="ru-RU" sz="2800" dirty="0" smtClean="0">
                 <a:solidFill>
@@ -10249,7 +10220,7 @@
                 <a:ea typeface="Calibri" panose="020F0502020204030204" pitchFamily="34" charset="0"/>
                 <a:cs typeface="Times New Roman" panose="02020603050405020304" pitchFamily="18" charset="0"/>
               </a:rPr>
-              <a:t>ля неоднозначных случаев</a:t>
+              <a:t>В случае неудачи</a:t>
             </a:r>
             <a:endParaRPr lang="ru-RU" sz="2800" dirty="0">
               <a:solidFill>
@@ -11736,20 +11707,7 @@
                 <a:ea typeface="Calibri" panose="020F0502020204030204" pitchFamily="34" charset="0"/>
                 <a:cs typeface="Times New Roman" panose="02020603050405020304" pitchFamily="18" charset="0"/>
               </a:rPr>
-              <a:t>Шаг </a:t>
-            </a:r>
-            <a:r>
-              <a:rPr lang="ru-RU" sz="2800" dirty="0" smtClean="0">
-                <a:solidFill>
-                  <a:schemeClr val="accent1">
-                    <a:lumMod val="50000"/>
-                  </a:schemeClr>
-                </a:solidFill>
-                <a:latin typeface="Calibri" panose="020F0502020204030204" pitchFamily="34" charset="0"/>
-                <a:ea typeface="Calibri" panose="020F0502020204030204" pitchFamily="34" charset="0"/>
-                <a:cs typeface="Times New Roman" panose="02020603050405020304" pitchFamily="18" charset="0"/>
-              </a:rPr>
-              <a:t>5</a:t>
+              <a:t>Шаг 5</a:t>
             </a:r>
             <a:endParaRPr lang="ru-RU" sz="2800" dirty="0" smtClean="0">
               <a:latin typeface="Calibri" panose="020F0502020204030204" pitchFamily="34" charset="0"/>
@@ -11861,20 +11819,7 @@
                 <a:ea typeface="Calibri" panose="020F0502020204030204" pitchFamily="34" charset="0"/>
                 <a:cs typeface="Times New Roman" panose="02020603050405020304" pitchFamily="18" charset="0"/>
               </a:rPr>
-              <a:t>Идея: </a:t>
-            </a:r>
-            <a:r>
-              <a:rPr lang="ru-RU" sz="2800" dirty="0" smtClean="0">
-                <a:solidFill>
-                  <a:schemeClr val="accent1">
-                    <a:lumMod val="50000"/>
-                  </a:schemeClr>
-                </a:solidFill>
-                <a:latin typeface="Calibri" panose="020F0502020204030204" pitchFamily="34" charset="0"/>
-                <a:ea typeface="Calibri" panose="020F0502020204030204" pitchFamily="34" charset="0"/>
-                <a:cs typeface="Times New Roman" panose="02020603050405020304" pitchFamily="18" charset="0"/>
-              </a:rPr>
-              <a:t>Перебираем варианты нумерации</a:t>
+              <a:t>Идея: Возвращаемся и пробуем заново</a:t>
             </a:r>
           </a:p>
           <a:p>
@@ -11889,20 +11834,7 @@
                 <a:ea typeface="Calibri" panose="020F0502020204030204" pitchFamily="34" charset="0"/>
                 <a:cs typeface="Times New Roman" panose="02020603050405020304" pitchFamily="18" charset="0"/>
               </a:rPr>
-              <a:t>д</a:t>
-            </a:r>
-            <a:r>
-              <a:rPr lang="ru-RU" sz="2800" dirty="0" smtClean="0">
-                <a:solidFill>
-                  <a:schemeClr val="accent1">
-                    <a:lumMod val="50000"/>
-                  </a:schemeClr>
-                </a:solidFill>
-                <a:latin typeface="Calibri" panose="020F0502020204030204" pitchFamily="34" charset="0"/>
-                <a:ea typeface="Calibri" panose="020F0502020204030204" pitchFamily="34" charset="0"/>
-                <a:cs typeface="Times New Roman" panose="02020603050405020304" pitchFamily="18" charset="0"/>
-              </a:rPr>
-              <a:t>ля неоднозначных случаев</a:t>
+              <a:t>В случае неудачи</a:t>
             </a:r>
             <a:endParaRPr lang="ru-RU" sz="2800" dirty="0">
               <a:solidFill>
@@ -22688,7 +22620,15 @@
             </a:r>
             <a:r>
               <a:rPr lang="ru-RU" sz="2800" dirty="0" smtClean="0"/>
-              <a:t>проверки графа на необходимых условий регулярности (на </a:t>
+              <a:t>проверки графа на </a:t>
+            </a:r>
+            <a:r>
+              <a:rPr lang="ru-RU" sz="2800" dirty="0" smtClean="0"/>
+              <a:t>необходимые условия </a:t>
+            </a:r>
+            <a:r>
+              <a:rPr lang="ru-RU" sz="2800" dirty="0" smtClean="0"/>
+              <a:t>регулярности (на </a:t>
             </a:r>
             <a:r>
               <a:rPr lang="ru-RU" sz="2800" dirty="0"/>
@@ -22865,7 +22805,7 @@
         </p:nvSpPr>
         <p:spPr>
           <a:xfrm>
-            <a:off x="883920" y="822960"/>
+            <a:off x="502920" y="243840"/>
             <a:ext cx="1480213" cy="523220"/>
           </a:xfrm>
           <a:prstGeom prst="rect">
@@ -22889,13 +22829,6 @@
               </a:rPr>
               <a:t>Сделано</a:t>
             </a:r>
-            <a:endParaRPr lang="ru-RU" sz="2800" dirty="0">
-              <a:solidFill>
-                <a:schemeClr val="accent1">
-                  <a:lumMod val="50000"/>
-                </a:schemeClr>
-              </a:solidFill>
-            </a:endParaRPr>
           </a:p>
         </p:txBody>
       </p:sp>
@@ -22907,7 +22840,7 @@
         </p:nvSpPr>
         <p:spPr>
           <a:xfrm>
-            <a:off x="883917" y="2638841"/>
+            <a:off x="502917" y="2413664"/>
             <a:ext cx="1809341" cy="523220"/>
           </a:xfrm>
           <a:prstGeom prst="rect">
@@ -22949,7 +22882,7 @@
         </p:nvSpPr>
         <p:spPr>
           <a:xfrm>
-            <a:off x="883917" y="4146947"/>
+            <a:off x="502917" y="3937158"/>
             <a:ext cx="2202847" cy="523220"/>
           </a:xfrm>
           <a:prstGeom prst="rect">
@@ -22991,8 +22924,8 @@
         </p:nvSpPr>
         <p:spPr>
           <a:xfrm>
-            <a:off x="883919" y="1346180"/>
-            <a:ext cx="9626161" cy="1200329"/>
+            <a:off x="502917" y="767060"/>
+            <a:ext cx="9584227" cy="1569660"/>
           </a:xfrm>
           <a:prstGeom prst="rect">
             <a:avLst/>
@@ -23005,38 +22938,56 @@
           </a:bodyPr>
           <a:lstStyle/>
           <a:p>
-            <a:r>
-              <a:rPr lang="ru-RU" dirty="0" smtClean="0"/>
+            <a:pPr marL="342900" indent="-342900">
+              <a:buFont typeface="Arial" panose="020B0604020202020204" pitchFamily="34" charset="0"/>
+              <a:buChar char="•"/>
+            </a:pPr>
+            <a:r>
+              <a:rPr lang="ru-RU" sz="2400" dirty="0"/>
               <a:t>Написана библиотека, позволяющая:</a:t>
             </a:r>
           </a:p>
           <a:p>
-            <a:pPr marL="342900" indent="-342900">
+            <a:pPr marL="800100" lvl="1" indent="-342900">
               <a:buAutoNum type="arabicParenR"/>
             </a:pPr>
             <a:r>
-              <a:rPr lang="ru-RU" dirty="0" smtClean="0"/>
-              <a:t>Проверять граф на необходимые условия регулярности (быстро говорить о невозможности)</a:t>
-            </a:r>
-          </a:p>
-          <a:p>
-            <a:pPr marL="342900" indent="-342900">
+              <a:rPr lang="ru-RU" sz="2400" dirty="0" smtClean="0"/>
+              <a:t>Проверить </a:t>
+            </a:r>
+            <a:r>
+              <a:rPr lang="ru-RU" sz="2400" dirty="0"/>
+              <a:t>граф на необходимые условия </a:t>
+            </a:r>
+            <a:r>
+              <a:rPr lang="ru-RU" sz="2400" dirty="0" smtClean="0"/>
+              <a:t>регулярности</a:t>
+            </a:r>
+            <a:endParaRPr lang="ru-RU" sz="2400" dirty="0"/>
+          </a:p>
+          <a:p>
+            <a:pPr marL="800100" lvl="1" indent="-342900">
               <a:buAutoNum type="arabicParenR"/>
             </a:pPr>
             <a:r>
-              <a:rPr lang="ru-RU" dirty="0" smtClean="0"/>
-              <a:t>Восстанавливать геометрическую информацию для исходного графа</a:t>
+              <a:rPr lang="ru-RU" sz="2400" dirty="0" smtClean="0"/>
+              <a:t>Восстановить </a:t>
+            </a:r>
+            <a:r>
+              <a:rPr lang="ru-RU" sz="2400" dirty="0"/>
+              <a:t>геометрическую информацию для исходного графа</a:t>
             </a:r>
           </a:p>
           <a:p>
             <a:pPr marL="342900" indent="-342900">
-              <a:buAutoNum type="arabicParenR"/>
+              <a:buFont typeface="Arial" panose="020B0604020202020204" pitchFamily="34" charset="0"/>
+              <a:buChar char="•"/>
             </a:pPr>
             <a:r>
-              <a:rPr lang="ru-RU" dirty="0" smtClean="0"/>
+              <a:rPr lang="ru-RU" sz="2400" dirty="0"/>
               <a:t>Создана тестовая инфраструктура с расширяемой базой</a:t>
             </a:r>
-            <a:endParaRPr lang="ru-RU" dirty="0"/>
+            <a:endParaRPr lang="ru-RU" sz="2400" dirty="0"/>
           </a:p>
         </p:txBody>
       </p:sp>
@@ -23048,8 +22999,8 @@
         </p:nvSpPr>
         <p:spPr>
           <a:xfrm>
-            <a:off x="883917" y="3192839"/>
-            <a:ext cx="7923323" cy="923330"/>
+            <a:off x="502917" y="2859940"/>
+            <a:ext cx="10148419" cy="1077218"/>
           </a:xfrm>
           <a:prstGeom prst="rect">
             <a:avLst/>
@@ -23062,19 +23013,43 @@
           </a:bodyPr>
           <a:lstStyle/>
           <a:p>
-            <a:r>
-              <a:rPr lang="ru-RU" dirty="0" smtClean="0"/>
-              <a:t>Предложенное решение позволяет решать только определенный класс задач.</a:t>
-            </a:r>
-          </a:p>
-          <a:p>
-            <a:r>
-              <a:rPr lang="ru-RU" dirty="0" smtClean="0"/>
-              <a:t>Время выполнения зависит от топологии исходного графа</a:t>
-            </a:r>
-          </a:p>
-          <a:p>
-            <a:endParaRPr lang="ru-RU" dirty="0"/>
+            <a:pPr marL="342900" indent="-342900">
+              <a:buFont typeface="Arial" panose="020B0604020202020204" pitchFamily="34" charset="0"/>
+              <a:buChar char="•"/>
+            </a:pPr>
+            <a:r>
+              <a:rPr lang="ru-RU" sz="2400" dirty="0" smtClean="0"/>
+              <a:t>Предложенное </a:t>
+            </a:r>
+            <a:r>
+              <a:rPr lang="ru-RU" sz="2400" dirty="0"/>
+              <a:t>решение позволяет решать только </a:t>
+            </a:r>
+            <a:r>
+              <a:rPr lang="ru-RU" sz="2400" dirty="0" smtClean="0"/>
+              <a:t>некоторый класс задач</a:t>
+            </a:r>
+          </a:p>
+          <a:p>
+            <a:pPr marL="342900" indent="-342900">
+              <a:buFont typeface="Arial" panose="020B0604020202020204" pitchFamily="34" charset="0"/>
+              <a:buChar char="•"/>
+            </a:pPr>
+            <a:r>
+              <a:rPr lang="ru-RU" sz="2400" dirty="0" smtClean="0"/>
+              <a:t>Время выполнения сильно </a:t>
+            </a:r>
+            <a:r>
+              <a:rPr lang="ru-RU" sz="2400" dirty="0"/>
+              <a:t>зависит от топологии исходного графа</a:t>
+            </a:r>
+          </a:p>
+          <a:p>
+            <a:pPr marL="285750" indent="-285750">
+              <a:buFont typeface="Arial" panose="020B0604020202020204" pitchFamily="34" charset="0"/>
+              <a:buChar char="•"/>
+            </a:pPr>
+            <a:endParaRPr lang="ru-RU" sz="1600" dirty="0"/>
           </a:p>
         </p:txBody>
       </p:sp>
@@ -23086,8 +23061,8 @@
         </p:nvSpPr>
         <p:spPr>
           <a:xfrm>
-            <a:off x="883917" y="4762499"/>
-            <a:ext cx="4981044" cy="923330"/>
+            <a:off x="502917" y="4460378"/>
+            <a:ext cx="7433830" cy="1569660"/>
           </a:xfrm>
           <a:prstGeom prst="rect">
             <a:avLst/>
@@ -23100,29 +23075,57 @@
           </a:bodyPr>
           <a:lstStyle/>
           <a:p>
-            <a:r>
-              <a:rPr lang="ru-RU" dirty="0" smtClean="0"/>
-              <a:t>Ускорение через:</a:t>
-            </a:r>
-          </a:p>
-          <a:p>
             <a:pPr marL="342900" indent="-342900">
+              <a:buFont typeface="Arial" panose="020B0604020202020204" pitchFamily="34" charset="0"/>
+              <a:buChar char="•"/>
+            </a:pPr>
+            <a:r>
+              <a:rPr lang="ru-RU" sz="2400" dirty="0"/>
+              <a:t>Ускорение </a:t>
+            </a:r>
+            <a:r>
+              <a:rPr lang="ru-RU" sz="2400" dirty="0" smtClean="0"/>
+              <a:t>текущего алгоритма:</a:t>
+            </a:r>
+            <a:endParaRPr lang="ru-RU" sz="2400" dirty="0"/>
+          </a:p>
+          <a:p>
+            <a:pPr marL="800100" lvl="1" indent="-342900">
               <a:buAutoNum type="arabicParenR"/>
             </a:pPr>
             <a:r>
-              <a:rPr lang="ru-RU" dirty="0" smtClean="0"/>
-              <a:t>Распараллеливание работы</a:t>
-            </a:r>
-          </a:p>
-          <a:p>
-            <a:pPr marL="342900" indent="-342900">
+              <a:rPr lang="ru-RU" sz="2400" dirty="0"/>
+              <a:t>Распараллеливание </a:t>
+            </a:r>
+            <a:r>
+              <a:rPr lang="ru-RU" sz="2400" dirty="0" smtClean="0"/>
+              <a:t>нумерации</a:t>
+            </a:r>
+            <a:endParaRPr lang="ru-RU" sz="2400" dirty="0"/>
+          </a:p>
+          <a:p>
+            <a:pPr marL="800100" lvl="1" indent="-342900">
               <a:buAutoNum type="arabicParenR"/>
             </a:pPr>
             <a:r>
-              <a:rPr lang="ru-RU" dirty="0" smtClean="0"/>
-              <a:t>Определение класса задач до начала работы</a:t>
-            </a:r>
-            <a:endParaRPr lang="ru-RU" dirty="0"/>
+              <a:rPr lang="ru-RU" sz="2400" dirty="0"/>
+              <a:t>Определение класса задач до </a:t>
+            </a:r>
+            <a:r>
+              <a:rPr lang="ru-RU" sz="2400" dirty="0" smtClean="0"/>
+              <a:t>начала нумерации</a:t>
+            </a:r>
+          </a:p>
+          <a:p>
+            <a:pPr marL="342900" indent="-342900">
+              <a:buFont typeface="Arial" panose="020B0604020202020204" pitchFamily="34" charset="0"/>
+              <a:buChar char="•"/>
+            </a:pPr>
+            <a:r>
+              <a:rPr lang="ru-RU" sz="2400" dirty="0" smtClean="0"/>
+              <a:t>Исследование других подходов к решению задачи</a:t>
+            </a:r>
+            <a:endParaRPr lang="ru-RU" sz="2400" dirty="0"/>
           </a:p>
         </p:txBody>
       </p:sp>

--- a/docs/Презентация v0.8.1.pptx
+++ b/docs/Презентация v0.8.1.pptx
@@ -5,7 +5,7 @@
     <p:sldMasterId id="2147483648" r:id="rId1"/>
   </p:sldMasterIdLst>
   <p:notesMasterIdLst>
-    <p:notesMasterId r:id="rId52"/>
+    <p:notesMasterId r:id="rId51"/>
   </p:notesMasterIdLst>
   <p:sldIdLst>
     <p:sldId id="256" r:id="rId2"/>
@@ -53,11 +53,10 @@
     <p:sldId id="365" r:id="rId44"/>
     <p:sldId id="366" r:id="rId45"/>
     <p:sldId id="338" r:id="rId46"/>
-    <p:sldId id="347" r:id="rId47"/>
-    <p:sldId id="348" r:id="rId48"/>
-    <p:sldId id="344" r:id="rId49"/>
-    <p:sldId id="345" r:id="rId50"/>
-    <p:sldId id="346" r:id="rId51"/>
+    <p:sldId id="348" r:id="rId47"/>
+    <p:sldId id="344" r:id="rId48"/>
+    <p:sldId id="345" r:id="rId49"/>
+    <p:sldId id="346" r:id="rId50"/>
   </p:sldIdLst>
   <p:sldSz cx="12192000" cy="6858000"/>
   <p:notesSz cx="6858000" cy="9144000"/>
@@ -939,7 +938,7 @@
           <a:p>
             <a:fld id="{9C466FCC-2ADF-469F-864C-91669074506B}" type="slidenum">
               <a:rPr lang="ru-RU" smtClean="0"/>
-              <a:t>49</a:t>
+              <a:t>48</a:t>
             </a:fld>
             <a:endParaRPr lang="ru-RU"/>
           </a:p>
@@ -4605,7 +4604,7 @@
         </p:nvSpPr>
         <p:spPr>
           <a:xfrm>
-            <a:off x="792480" y="472440"/>
+            <a:off x="792480" y="752849"/>
             <a:ext cx="4128053" cy="769441"/>
           </a:xfrm>
           <a:prstGeom prst="rect">
@@ -4660,7 +4659,7 @@
         </p:nvSpPr>
         <p:spPr>
           <a:xfrm>
-            <a:off x="792480" y="2118360"/>
+            <a:off x="792480" y="2814951"/>
             <a:ext cx="4565673" cy="769441"/>
           </a:xfrm>
           <a:prstGeom prst="rect">
@@ -4708,7 +4707,7 @@
         </p:nvSpPr>
         <p:spPr>
           <a:xfrm>
-            <a:off x="792480" y="1299150"/>
+            <a:off x="792480" y="1522290"/>
             <a:ext cx="6787436" cy="523220"/>
           </a:xfrm>
           <a:prstGeom prst="rect">
@@ -4742,7 +4741,7 @@
         </p:nvSpPr>
         <p:spPr>
           <a:xfrm>
-            <a:off x="792480" y="3182422"/>
+            <a:off x="792480" y="3584392"/>
             <a:ext cx="10096225" cy="1815882"/>
           </a:xfrm>
           <a:prstGeom prst="rect">
@@ -4791,7 +4790,7 @@
           </a:p>
           <a:p>
             <a:r>
-              <a:rPr lang="ru-RU" sz="2800" smtClean="0"/>
+              <a:rPr lang="ru-RU" sz="2800" dirty="0" smtClean="0"/>
               <a:t>индексы</a:t>
             </a:r>
             <a:endParaRPr lang="ru-RU" sz="2800" dirty="0"/>
@@ -6189,8 +6188,8 @@
           <a:chExt cx="0" cy="0"/>
         </a:xfrm>
       </p:grpSpPr>
-      <mc:AlternateContent xmlns:mc="http://schemas.openxmlformats.org/markup-compatibility/2006" xmlns:a14="http://schemas.microsoft.com/office/drawing/2010/main">
-        <mc:Choice Requires="a14">
+      <mc:AlternateContent xmlns:mc="http://schemas.openxmlformats.org/markup-compatibility/2006">
+        <mc:Choice xmlns:a14="http://schemas.microsoft.com/office/drawing/2010/main" Requires="a14">
           <p:sp>
             <p:nvSpPr>
               <p:cNvPr id="4" name="Прямоугольник 3"/>
@@ -6244,12 +6243,20 @@
               </a:p>
               <a:p>
                 <a:r>
+                  <a:rPr lang="ru-RU" sz="2800" dirty="0">
+                    <a:solidFill>
+                      <a:srgbClr val="000000"/>
+                    </a:solidFill>
+                  </a:rPr>
+                  <a:t>·</a:t>
+                </a:r>
+                <a:r>
                   <a:rPr lang="ru-RU" sz="4000" dirty="0">
                     <a:solidFill>
                       <a:srgbClr val="000000"/>
                     </a:solidFill>
                   </a:rPr>
-                  <a:t>· </a:t>
+                  <a:t> </a:t>
                 </a:r>
                 <a14:m>
                   <m:oMath xmlns:m="http://schemas.openxmlformats.org/officeDocument/2006/math">
@@ -6520,7 +6527,7 @@
             </p:txBody>
           </p:sp>
         </mc:Choice>
-        <mc:Fallback xmlns="">
+        <mc:Fallback>
           <p:sp>
             <p:nvSpPr>
               <p:cNvPr id="4" name="Прямоугольник 3"/>
@@ -6540,7 +6547,7 @@
               <a:blipFill>
                 <a:blip r:embed="rId2"/>
                 <a:stretch>
-                  <a:fillRect l="-1938" t="-5348" b="-21925"/>
+                  <a:fillRect l="-1130" t="-5348" b="-10695"/>
                 </a:stretch>
               </a:blipFill>
             </p:spPr>
@@ -8818,10 +8825,24 @@
             <p:ph idx="1"/>
           </p:nvPr>
         </p:nvSpPr>
-        <p:spPr/>
+        <p:spPr>
+          <a:xfrm>
+            <a:off x="838200" y="1627346"/>
+            <a:ext cx="10515600" cy="4351338"/>
+          </a:xfrm>
+        </p:spPr>
         <p:txBody>
           <a:bodyPr/>
           <a:lstStyle/>
+          <a:p>
+            <a:pPr marL="0" indent="0">
+              <a:buNone/>
+            </a:pPr>
+            <a:r>
+              <a:rPr lang="ru-RU" dirty="0" smtClean="0"/>
+              <a:t>Решение состоит из следующих шагов:</a:t>
+            </a:r>
+          </a:p>
           <a:p>
             <a:pPr marL="514350" indent="-514350">
               <a:buFont typeface="+mj-lt"/>
@@ -8829,15 +8850,7 @@
             </a:pPr>
             <a:r>
               <a:rPr lang="ru-RU" dirty="0" smtClean="0"/>
-              <a:t>Быстрая </a:t>
-            </a:r>
-            <a:r>
-              <a:rPr lang="ru-RU" dirty="0"/>
-              <a:t>п</a:t>
-            </a:r>
-            <a:r>
-              <a:rPr lang="ru-RU" dirty="0" smtClean="0"/>
-              <a:t>роверка исходного графа на необходимые условия регулярности.</a:t>
+              <a:t>Проверка исходного графа на необходимые условия регулярности</a:t>
             </a:r>
           </a:p>
           <a:p>
@@ -9001,20 +9014,19 @@
             <p:ph idx="1"/>
           </p:nvPr>
         </p:nvSpPr>
-        <p:spPr/>
+        <p:spPr>
+          <a:xfrm>
+            <a:off x="823194" y="1362233"/>
+            <a:ext cx="5463953" cy="4927283"/>
+          </a:xfrm>
+        </p:spPr>
         <p:txBody>
           <a:bodyPr/>
           <a:lstStyle/>
           <a:p>
             <a:r>
               <a:rPr lang="ru-RU" dirty="0" smtClean="0"/>
-              <a:t>Предназначена для проверки графа на необходимые условия регулярности.</a:t>
-            </a:r>
-          </a:p>
-          <a:p>
-            <a:r>
-              <a:rPr lang="ru-RU" dirty="0" smtClean="0"/>
-              <a:t>Проверяет, что:</a:t>
+              <a:t>Предназначена для проверки графа на необходимые условия регулярности:</a:t>
             </a:r>
           </a:p>
           <a:p>
@@ -9023,7 +9035,7 @@
               <a:buAutoNum type="arabicPeriod"/>
             </a:pPr>
             <a:r>
-              <a:rPr lang="ru-RU" dirty="0" smtClean="0"/>
+              <a:rPr lang="ru-RU" sz="2800" dirty="0" smtClean="0"/>
               <a:t>Граф является связным</a:t>
             </a:r>
           </a:p>
@@ -9033,23 +9045,15 @@
               <a:buAutoNum type="arabicPeriod"/>
             </a:pPr>
             <a:r>
+              <a:rPr lang="ru-RU" sz="2800" dirty="0" smtClean="0"/>
+              <a:t>Максимальная степень вершины не больше 6</a:t>
+            </a:r>
+          </a:p>
+          <a:p>
+            <a:r>
               <a:rPr lang="ru-RU" dirty="0" smtClean="0"/>
-              <a:t>Максимальная степень вершины не больше </a:t>
-            </a:r>
-            <a:r>
-              <a:rPr lang="ru-RU" dirty="0"/>
-              <a:t>6</a:t>
-            </a:r>
-            <a:r>
-              <a:rPr lang="ru-RU" dirty="0" smtClean="0"/>
-              <a:t> (так как иначе граф точно не укладывается в регулярную сетку размерности 3 и ниже)</a:t>
-            </a:r>
-          </a:p>
-          <a:p>
-            <a:pPr marL="514350" indent="-514350">
-              <a:buFont typeface="+mj-lt"/>
-              <a:buAutoNum type="arabicPeriod"/>
-            </a:pPr>
+              <a:t>Позволяет быстро сказать о невозможности нумерации, не запуская алгоритм</a:t>
+            </a:r>
             <a:endParaRPr lang="ru-RU" dirty="0"/>
           </a:p>
         </p:txBody>
@@ -9087,7 +9091,7 @@
         </p:nvSpPr>
         <p:spPr>
           <a:xfrm>
-            <a:off x="0" y="203440"/>
+            <a:off x="0" y="157720"/>
             <a:ext cx="12192000" cy="1046240"/>
           </a:xfrm>
           <a:prstGeom prst="rect">
@@ -9139,6 +9143,1248 @@
           </a:p>
         </p:txBody>
       </p:sp>
+      <p:grpSp>
+        <p:nvGrpSpPr>
+          <p:cNvPr id="116" name="Группа 115"/>
+          <p:cNvGrpSpPr/>
+          <p:nvPr/>
+        </p:nvGrpSpPr>
+        <p:grpSpPr>
+          <a:xfrm>
+            <a:off x="6686962" y="1249680"/>
+            <a:ext cx="4282440" cy="5152390"/>
+            <a:chOff x="7311802" y="1137126"/>
+            <a:chExt cx="4282440" cy="5152390"/>
+          </a:xfrm>
+        </p:grpSpPr>
+        <p:sp>
+          <p:nvSpPr>
+            <p:cNvPr id="47" name="Овал 46"/>
+            <p:cNvSpPr/>
+            <p:nvPr/>
+          </p:nvSpPr>
+          <p:spPr>
+            <a:xfrm>
+              <a:off x="8541989" y="4763023"/>
+              <a:ext cx="320040" cy="335280"/>
+            </a:xfrm>
+            <a:prstGeom prst="ellipse">
+              <a:avLst/>
+            </a:prstGeom>
+          </p:spPr>
+          <p:style>
+            <a:lnRef idx="2">
+              <a:schemeClr val="accent1">
+                <a:shade val="50000"/>
+              </a:schemeClr>
+            </a:lnRef>
+            <a:fillRef idx="1">
+              <a:schemeClr val="accent1"/>
+            </a:fillRef>
+            <a:effectRef idx="0">
+              <a:schemeClr val="accent1"/>
+            </a:effectRef>
+            <a:fontRef idx="minor">
+              <a:schemeClr val="lt1"/>
+            </a:fontRef>
+          </p:style>
+          <p:txBody>
+            <a:bodyPr rtlCol="0" anchor="ctr"/>
+            <a:lstStyle/>
+            <a:p>
+              <a:pPr algn="ctr"/>
+              <a:endParaRPr lang="ru-RU"/>
+            </a:p>
+          </p:txBody>
+        </p:sp>
+        <p:sp>
+          <p:nvSpPr>
+            <p:cNvPr id="48" name="Овал 47"/>
+            <p:cNvSpPr/>
+            <p:nvPr/>
+          </p:nvSpPr>
+          <p:spPr>
+            <a:xfrm>
+              <a:off x="7978109" y="5479303"/>
+              <a:ext cx="320040" cy="335280"/>
+            </a:xfrm>
+            <a:prstGeom prst="ellipse">
+              <a:avLst/>
+            </a:prstGeom>
+          </p:spPr>
+          <p:style>
+            <a:lnRef idx="2">
+              <a:schemeClr val="accent1">
+                <a:shade val="50000"/>
+              </a:schemeClr>
+            </a:lnRef>
+            <a:fillRef idx="1">
+              <a:schemeClr val="accent1"/>
+            </a:fillRef>
+            <a:effectRef idx="0">
+              <a:schemeClr val="accent1"/>
+            </a:effectRef>
+            <a:fontRef idx="minor">
+              <a:schemeClr val="lt1"/>
+            </a:fontRef>
+          </p:style>
+          <p:txBody>
+            <a:bodyPr rtlCol="0" anchor="ctr"/>
+            <a:lstStyle/>
+            <a:p>
+              <a:pPr algn="ctr"/>
+              <a:endParaRPr lang="ru-RU"/>
+            </a:p>
+          </p:txBody>
+        </p:sp>
+        <p:sp>
+          <p:nvSpPr>
+            <p:cNvPr id="49" name="Овал 48"/>
+            <p:cNvSpPr/>
+            <p:nvPr/>
+          </p:nvSpPr>
+          <p:spPr>
+            <a:xfrm>
+              <a:off x="9105869" y="4084843"/>
+              <a:ext cx="320040" cy="335280"/>
+            </a:xfrm>
+            <a:prstGeom prst="ellipse">
+              <a:avLst/>
+            </a:prstGeom>
+          </p:spPr>
+          <p:style>
+            <a:lnRef idx="2">
+              <a:schemeClr val="accent1">
+                <a:shade val="50000"/>
+              </a:schemeClr>
+            </a:lnRef>
+            <a:fillRef idx="1">
+              <a:schemeClr val="accent1"/>
+            </a:fillRef>
+            <a:effectRef idx="0">
+              <a:schemeClr val="accent1"/>
+            </a:effectRef>
+            <a:fontRef idx="minor">
+              <a:schemeClr val="lt1"/>
+            </a:fontRef>
+          </p:style>
+          <p:txBody>
+            <a:bodyPr rtlCol="0" anchor="ctr"/>
+            <a:lstStyle/>
+            <a:p>
+              <a:pPr algn="ctr"/>
+              <a:endParaRPr lang="ru-RU"/>
+            </a:p>
+          </p:txBody>
+        </p:sp>
+        <p:sp>
+          <p:nvSpPr>
+            <p:cNvPr id="50" name="Овал 49"/>
+            <p:cNvSpPr/>
+            <p:nvPr/>
+          </p:nvSpPr>
+          <p:spPr>
+            <a:xfrm>
+              <a:off x="8541989" y="3879103"/>
+              <a:ext cx="320040" cy="335280"/>
+            </a:xfrm>
+            <a:prstGeom prst="ellipse">
+              <a:avLst/>
+            </a:prstGeom>
+          </p:spPr>
+          <p:style>
+            <a:lnRef idx="2">
+              <a:schemeClr val="accent1">
+                <a:shade val="50000"/>
+              </a:schemeClr>
+            </a:lnRef>
+            <a:fillRef idx="1">
+              <a:schemeClr val="accent1"/>
+            </a:fillRef>
+            <a:effectRef idx="0">
+              <a:schemeClr val="accent1"/>
+            </a:effectRef>
+            <a:fontRef idx="minor">
+              <a:schemeClr val="lt1"/>
+            </a:fontRef>
+          </p:style>
+          <p:txBody>
+            <a:bodyPr rtlCol="0" anchor="ctr"/>
+            <a:lstStyle/>
+            <a:p>
+              <a:pPr algn="ctr"/>
+              <a:endParaRPr lang="ru-RU"/>
+            </a:p>
+          </p:txBody>
+        </p:sp>
+        <p:sp>
+          <p:nvSpPr>
+            <p:cNvPr id="51" name="Овал 50"/>
+            <p:cNvSpPr/>
+            <p:nvPr/>
+          </p:nvSpPr>
+          <p:spPr>
+            <a:xfrm>
+              <a:off x="8541989" y="5646943"/>
+              <a:ext cx="320040" cy="335280"/>
+            </a:xfrm>
+            <a:prstGeom prst="ellipse">
+              <a:avLst/>
+            </a:prstGeom>
+          </p:spPr>
+          <p:style>
+            <a:lnRef idx="2">
+              <a:schemeClr val="accent1">
+                <a:shade val="50000"/>
+              </a:schemeClr>
+            </a:lnRef>
+            <a:fillRef idx="1">
+              <a:schemeClr val="accent1"/>
+            </a:fillRef>
+            <a:effectRef idx="0">
+              <a:schemeClr val="accent1"/>
+            </a:effectRef>
+            <a:fontRef idx="minor">
+              <a:schemeClr val="lt1"/>
+            </a:fontRef>
+          </p:style>
+          <p:txBody>
+            <a:bodyPr rtlCol="0" anchor="ctr"/>
+            <a:lstStyle/>
+            <a:p>
+              <a:pPr algn="ctr"/>
+              <a:endParaRPr lang="ru-RU"/>
+            </a:p>
+          </p:txBody>
+        </p:sp>
+        <p:sp>
+          <p:nvSpPr>
+            <p:cNvPr id="52" name="Овал 51"/>
+            <p:cNvSpPr/>
+            <p:nvPr/>
+          </p:nvSpPr>
+          <p:spPr>
+            <a:xfrm>
+              <a:off x="9425909" y="4763023"/>
+              <a:ext cx="320040" cy="335280"/>
+            </a:xfrm>
+            <a:prstGeom prst="ellipse">
+              <a:avLst/>
+            </a:prstGeom>
+          </p:spPr>
+          <p:style>
+            <a:lnRef idx="2">
+              <a:schemeClr val="accent1">
+                <a:shade val="50000"/>
+              </a:schemeClr>
+            </a:lnRef>
+            <a:fillRef idx="1">
+              <a:schemeClr val="accent1"/>
+            </a:fillRef>
+            <a:effectRef idx="0">
+              <a:schemeClr val="accent1"/>
+            </a:effectRef>
+            <a:fontRef idx="minor">
+              <a:schemeClr val="lt1"/>
+            </a:fontRef>
+          </p:style>
+          <p:txBody>
+            <a:bodyPr rtlCol="0" anchor="ctr"/>
+            <a:lstStyle/>
+            <a:p>
+              <a:pPr algn="ctr"/>
+              <a:endParaRPr lang="ru-RU"/>
+            </a:p>
+          </p:txBody>
+        </p:sp>
+        <p:sp>
+          <p:nvSpPr>
+            <p:cNvPr id="53" name="Овал 52"/>
+            <p:cNvSpPr/>
+            <p:nvPr/>
+          </p:nvSpPr>
+          <p:spPr>
+            <a:xfrm>
+              <a:off x="7658069" y="4763023"/>
+              <a:ext cx="320040" cy="335280"/>
+            </a:xfrm>
+            <a:prstGeom prst="ellipse">
+              <a:avLst/>
+            </a:prstGeom>
+          </p:spPr>
+          <p:style>
+            <a:lnRef idx="2">
+              <a:schemeClr val="accent1">
+                <a:shade val="50000"/>
+              </a:schemeClr>
+            </a:lnRef>
+            <a:fillRef idx="1">
+              <a:schemeClr val="accent1"/>
+            </a:fillRef>
+            <a:effectRef idx="0">
+              <a:schemeClr val="accent1"/>
+            </a:effectRef>
+            <a:fontRef idx="minor">
+              <a:schemeClr val="lt1"/>
+            </a:fontRef>
+          </p:style>
+          <p:txBody>
+            <a:bodyPr rtlCol="0" anchor="ctr"/>
+            <a:lstStyle/>
+            <a:p>
+              <a:pPr algn="ctr"/>
+              <a:endParaRPr lang="ru-RU"/>
+            </a:p>
+          </p:txBody>
+        </p:sp>
+        <p:cxnSp>
+          <p:nvCxnSpPr>
+            <p:cNvPr id="55" name="Прямая соединительная линия 54"/>
+            <p:cNvCxnSpPr>
+              <a:stCxn id="47" idx="0"/>
+              <a:endCxn id="50" idx="4"/>
+            </p:cNvCxnSpPr>
+            <p:nvPr/>
+          </p:nvCxnSpPr>
+          <p:spPr>
+            <a:xfrm flipV="1">
+              <a:off x="8702009" y="4214383"/>
+              <a:ext cx="0" cy="548640"/>
+            </a:xfrm>
+            <a:prstGeom prst="line">
+              <a:avLst/>
+            </a:prstGeom>
+          </p:spPr>
+          <p:style>
+            <a:lnRef idx="1">
+              <a:schemeClr val="accent1"/>
+            </a:lnRef>
+            <a:fillRef idx="0">
+              <a:schemeClr val="accent1"/>
+            </a:fillRef>
+            <a:effectRef idx="0">
+              <a:schemeClr val="accent1"/>
+            </a:effectRef>
+            <a:fontRef idx="minor">
+              <a:schemeClr val="tx1"/>
+            </a:fontRef>
+          </p:style>
+        </p:cxnSp>
+        <p:cxnSp>
+          <p:nvCxnSpPr>
+            <p:cNvPr id="57" name="Прямая соединительная линия 56"/>
+            <p:cNvCxnSpPr>
+              <a:stCxn id="47" idx="7"/>
+              <a:endCxn id="49" idx="3"/>
+            </p:cNvCxnSpPr>
+            <p:nvPr/>
+          </p:nvCxnSpPr>
+          <p:spPr>
+            <a:xfrm flipV="1">
+              <a:off x="8815160" y="4371022"/>
+              <a:ext cx="337578" cy="441102"/>
+            </a:xfrm>
+            <a:prstGeom prst="line">
+              <a:avLst/>
+            </a:prstGeom>
+          </p:spPr>
+          <p:style>
+            <a:lnRef idx="1">
+              <a:schemeClr val="accent1"/>
+            </a:lnRef>
+            <a:fillRef idx="0">
+              <a:schemeClr val="accent1"/>
+            </a:fillRef>
+            <a:effectRef idx="0">
+              <a:schemeClr val="accent1"/>
+            </a:effectRef>
+            <a:fontRef idx="minor">
+              <a:schemeClr val="tx1"/>
+            </a:fontRef>
+          </p:style>
+        </p:cxnSp>
+        <p:cxnSp>
+          <p:nvCxnSpPr>
+            <p:cNvPr id="59" name="Прямая соединительная линия 58"/>
+            <p:cNvCxnSpPr>
+              <a:stCxn id="47" idx="6"/>
+              <a:endCxn id="52" idx="2"/>
+            </p:cNvCxnSpPr>
+            <p:nvPr/>
+          </p:nvCxnSpPr>
+          <p:spPr>
+            <a:xfrm>
+              <a:off x="8862029" y="4930663"/>
+              <a:ext cx="563880" cy="0"/>
+            </a:xfrm>
+            <a:prstGeom prst="line">
+              <a:avLst/>
+            </a:prstGeom>
+          </p:spPr>
+          <p:style>
+            <a:lnRef idx="1">
+              <a:schemeClr val="accent1"/>
+            </a:lnRef>
+            <a:fillRef idx="0">
+              <a:schemeClr val="accent1"/>
+            </a:fillRef>
+            <a:effectRef idx="0">
+              <a:schemeClr val="accent1"/>
+            </a:effectRef>
+            <a:fontRef idx="minor">
+              <a:schemeClr val="tx1"/>
+            </a:fontRef>
+          </p:style>
+        </p:cxnSp>
+        <p:cxnSp>
+          <p:nvCxnSpPr>
+            <p:cNvPr id="61" name="Прямая соединительная линия 60"/>
+            <p:cNvCxnSpPr>
+              <a:stCxn id="47" idx="4"/>
+              <a:endCxn id="51" idx="0"/>
+            </p:cNvCxnSpPr>
+            <p:nvPr/>
+          </p:nvCxnSpPr>
+          <p:spPr>
+            <a:xfrm>
+              <a:off x="8702009" y="5098303"/>
+              <a:ext cx="0" cy="548640"/>
+            </a:xfrm>
+            <a:prstGeom prst="line">
+              <a:avLst/>
+            </a:prstGeom>
+          </p:spPr>
+          <p:style>
+            <a:lnRef idx="1">
+              <a:schemeClr val="accent1"/>
+            </a:lnRef>
+            <a:fillRef idx="0">
+              <a:schemeClr val="accent1"/>
+            </a:fillRef>
+            <a:effectRef idx="0">
+              <a:schemeClr val="accent1"/>
+            </a:effectRef>
+            <a:fontRef idx="minor">
+              <a:schemeClr val="tx1"/>
+            </a:fontRef>
+          </p:style>
+        </p:cxnSp>
+        <p:cxnSp>
+          <p:nvCxnSpPr>
+            <p:cNvPr id="63" name="Прямая соединительная линия 62"/>
+            <p:cNvCxnSpPr>
+              <a:stCxn id="53" idx="6"/>
+              <a:endCxn id="47" idx="2"/>
+            </p:cNvCxnSpPr>
+            <p:nvPr/>
+          </p:nvCxnSpPr>
+          <p:spPr>
+            <a:xfrm>
+              <a:off x="7978109" y="4930663"/>
+              <a:ext cx="563880" cy="0"/>
+            </a:xfrm>
+            <a:prstGeom prst="line">
+              <a:avLst/>
+            </a:prstGeom>
+          </p:spPr>
+          <p:style>
+            <a:lnRef idx="1">
+              <a:schemeClr val="accent1"/>
+            </a:lnRef>
+            <a:fillRef idx="0">
+              <a:schemeClr val="accent1"/>
+            </a:fillRef>
+            <a:effectRef idx="0">
+              <a:schemeClr val="accent1"/>
+            </a:effectRef>
+            <a:fontRef idx="minor">
+              <a:schemeClr val="tx1"/>
+            </a:fontRef>
+          </p:style>
+        </p:cxnSp>
+        <p:cxnSp>
+          <p:nvCxnSpPr>
+            <p:cNvPr id="65" name="Прямая соединительная линия 64"/>
+            <p:cNvCxnSpPr>
+              <a:stCxn id="48" idx="7"/>
+              <a:endCxn id="47" idx="3"/>
+            </p:cNvCxnSpPr>
+            <p:nvPr/>
+          </p:nvCxnSpPr>
+          <p:spPr>
+            <a:xfrm flipV="1">
+              <a:off x="8251280" y="5049202"/>
+              <a:ext cx="337578" cy="479202"/>
+            </a:xfrm>
+            <a:prstGeom prst="line">
+              <a:avLst/>
+            </a:prstGeom>
+          </p:spPr>
+          <p:style>
+            <a:lnRef idx="1">
+              <a:schemeClr val="accent1"/>
+            </a:lnRef>
+            <a:fillRef idx="0">
+              <a:schemeClr val="accent1"/>
+            </a:fillRef>
+            <a:effectRef idx="0">
+              <a:schemeClr val="accent1"/>
+            </a:effectRef>
+            <a:fontRef idx="minor">
+              <a:schemeClr val="tx1"/>
+            </a:fontRef>
+          </p:style>
+        </p:cxnSp>
+        <p:sp>
+          <p:nvSpPr>
+            <p:cNvPr id="67" name="Овал 66"/>
+            <p:cNvSpPr/>
+            <p:nvPr/>
+          </p:nvSpPr>
+          <p:spPr>
+            <a:xfrm>
+              <a:off x="9425909" y="5646943"/>
+              <a:ext cx="320040" cy="335280"/>
+            </a:xfrm>
+            <a:prstGeom prst="ellipse">
+              <a:avLst/>
+            </a:prstGeom>
+          </p:spPr>
+          <p:style>
+            <a:lnRef idx="2">
+              <a:schemeClr val="accent1">
+                <a:shade val="50000"/>
+              </a:schemeClr>
+            </a:lnRef>
+            <a:fillRef idx="1">
+              <a:schemeClr val="accent1"/>
+            </a:fillRef>
+            <a:effectRef idx="0">
+              <a:schemeClr val="accent1"/>
+            </a:effectRef>
+            <a:fontRef idx="minor">
+              <a:schemeClr val="lt1"/>
+            </a:fontRef>
+          </p:style>
+          <p:txBody>
+            <a:bodyPr rtlCol="0" anchor="ctr"/>
+            <a:lstStyle/>
+            <a:p>
+              <a:pPr algn="ctr"/>
+              <a:endParaRPr lang="ru-RU"/>
+            </a:p>
+          </p:txBody>
+        </p:sp>
+        <p:cxnSp>
+          <p:nvCxnSpPr>
+            <p:cNvPr id="69" name="Прямая соединительная линия 68"/>
+            <p:cNvCxnSpPr>
+              <a:stCxn id="47" idx="5"/>
+              <a:endCxn id="67" idx="1"/>
+            </p:cNvCxnSpPr>
+            <p:nvPr/>
+          </p:nvCxnSpPr>
+          <p:spPr>
+            <a:xfrm>
+              <a:off x="8815160" y="5049202"/>
+              <a:ext cx="657618" cy="646842"/>
+            </a:xfrm>
+            <a:prstGeom prst="line">
+              <a:avLst/>
+            </a:prstGeom>
+          </p:spPr>
+          <p:style>
+            <a:lnRef idx="1">
+              <a:schemeClr val="accent1"/>
+            </a:lnRef>
+            <a:fillRef idx="0">
+              <a:schemeClr val="accent1"/>
+            </a:fillRef>
+            <a:effectRef idx="0">
+              <a:schemeClr val="accent1"/>
+            </a:effectRef>
+            <a:fontRef idx="minor">
+              <a:schemeClr val="tx1"/>
+            </a:fontRef>
+          </p:style>
+        </p:cxnSp>
+        <p:sp>
+          <p:nvSpPr>
+            <p:cNvPr id="71" name="Умножение 70"/>
+            <p:cNvSpPr/>
+            <p:nvPr/>
+          </p:nvSpPr>
+          <p:spPr>
+            <a:xfrm>
+              <a:off x="10216513" y="4040664"/>
+              <a:ext cx="1245870" cy="1921510"/>
+            </a:xfrm>
+            <a:prstGeom prst="mathMultiply">
+              <a:avLst/>
+            </a:prstGeom>
+            <a:solidFill>
+              <a:srgbClr val="FF0000"/>
+            </a:solidFill>
+          </p:spPr>
+          <p:style>
+            <a:lnRef idx="2">
+              <a:schemeClr val="accent1">
+                <a:shade val="50000"/>
+              </a:schemeClr>
+            </a:lnRef>
+            <a:fillRef idx="1">
+              <a:schemeClr val="accent1"/>
+            </a:fillRef>
+            <a:effectRef idx="0">
+              <a:schemeClr val="accent1"/>
+            </a:effectRef>
+            <a:fontRef idx="minor">
+              <a:schemeClr val="lt1"/>
+            </a:fontRef>
+          </p:style>
+          <p:txBody>
+            <a:bodyPr rtlCol="0" anchor="ctr"/>
+            <a:lstStyle/>
+            <a:p>
+              <a:pPr algn="ctr"/>
+              <a:endParaRPr lang="ru-RU"/>
+            </a:p>
+          </p:txBody>
+        </p:sp>
+        <p:sp>
+          <p:nvSpPr>
+            <p:cNvPr id="79" name="Шеврон 78"/>
+            <p:cNvSpPr/>
+            <p:nvPr/>
+          </p:nvSpPr>
+          <p:spPr>
+            <a:xfrm rot="5400000">
+              <a:off x="10549488" y="1884204"/>
+              <a:ext cx="622935" cy="1143000"/>
+            </a:xfrm>
+            <a:prstGeom prst="chevron">
+              <a:avLst/>
+            </a:prstGeom>
+          </p:spPr>
+          <p:style>
+            <a:lnRef idx="2">
+              <a:schemeClr val="accent6">
+                <a:shade val="50000"/>
+              </a:schemeClr>
+            </a:lnRef>
+            <a:fillRef idx="1">
+              <a:schemeClr val="accent6"/>
+            </a:fillRef>
+            <a:effectRef idx="0">
+              <a:schemeClr val="accent6"/>
+            </a:effectRef>
+            <a:fontRef idx="minor">
+              <a:schemeClr val="lt1"/>
+            </a:fontRef>
+          </p:style>
+          <p:txBody>
+            <a:bodyPr rtlCol="0" anchor="ctr"/>
+            <a:lstStyle/>
+            <a:p>
+              <a:pPr algn="ctr"/>
+              <a:endParaRPr lang="ru-RU">
+                <a:solidFill>
+                  <a:schemeClr val="tx1"/>
+                </a:solidFill>
+              </a:endParaRPr>
+            </a:p>
+          </p:txBody>
+        </p:sp>
+        <p:sp>
+          <p:nvSpPr>
+            <p:cNvPr id="94" name="Овал 93"/>
+            <p:cNvSpPr/>
+            <p:nvPr/>
+          </p:nvSpPr>
+          <p:spPr>
+            <a:xfrm>
+              <a:off x="8546714" y="2253662"/>
+              <a:ext cx="320040" cy="335280"/>
+            </a:xfrm>
+            <a:prstGeom prst="ellipse">
+              <a:avLst/>
+            </a:prstGeom>
+          </p:spPr>
+          <p:style>
+            <a:lnRef idx="2">
+              <a:schemeClr val="accent1">
+                <a:shade val="50000"/>
+              </a:schemeClr>
+            </a:lnRef>
+            <a:fillRef idx="1">
+              <a:schemeClr val="accent1"/>
+            </a:fillRef>
+            <a:effectRef idx="0">
+              <a:schemeClr val="accent1"/>
+            </a:effectRef>
+            <a:fontRef idx="minor">
+              <a:schemeClr val="lt1"/>
+            </a:fontRef>
+          </p:style>
+          <p:txBody>
+            <a:bodyPr rtlCol="0" anchor="ctr"/>
+            <a:lstStyle/>
+            <a:p>
+              <a:pPr algn="ctr"/>
+              <a:endParaRPr lang="ru-RU"/>
+            </a:p>
+          </p:txBody>
+        </p:sp>
+        <p:sp>
+          <p:nvSpPr>
+            <p:cNvPr id="95" name="Овал 94"/>
+            <p:cNvSpPr/>
+            <p:nvPr/>
+          </p:nvSpPr>
+          <p:spPr>
+            <a:xfrm>
+              <a:off x="7982834" y="2969942"/>
+              <a:ext cx="320040" cy="335280"/>
+            </a:xfrm>
+            <a:prstGeom prst="ellipse">
+              <a:avLst/>
+            </a:prstGeom>
+          </p:spPr>
+          <p:style>
+            <a:lnRef idx="2">
+              <a:schemeClr val="accent1">
+                <a:shade val="50000"/>
+              </a:schemeClr>
+            </a:lnRef>
+            <a:fillRef idx="1">
+              <a:schemeClr val="accent1"/>
+            </a:fillRef>
+            <a:effectRef idx="0">
+              <a:schemeClr val="accent1"/>
+            </a:effectRef>
+            <a:fontRef idx="minor">
+              <a:schemeClr val="lt1"/>
+            </a:fontRef>
+          </p:style>
+          <p:txBody>
+            <a:bodyPr rtlCol="0" anchor="ctr"/>
+            <a:lstStyle/>
+            <a:p>
+              <a:pPr algn="ctr"/>
+              <a:endParaRPr lang="ru-RU"/>
+            </a:p>
+          </p:txBody>
+        </p:sp>
+        <p:sp>
+          <p:nvSpPr>
+            <p:cNvPr id="96" name="Овал 95"/>
+            <p:cNvSpPr/>
+            <p:nvPr/>
+          </p:nvSpPr>
+          <p:spPr>
+            <a:xfrm>
+              <a:off x="9110594" y="1575482"/>
+              <a:ext cx="320040" cy="335280"/>
+            </a:xfrm>
+            <a:prstGeom prst="ellipse">
+              <a:avLst/>
+            </a:prstGeom>
+          </p:spPr>
+          <p:style>
+            <a:lnRef idx="2">
+              <a:schemeClr val="accent1">
+                <a:shade val="50000"/>
+              </a:schemeClr>
+            </a:lnRef>
+            <a:fillRef idx="1">
+              <a:schemeClr val="accent1"/>
+            </a:fillRef>
+            <a:effectRef idx="0">
+              <a:schemeClr val="accent1"/>
+            </a:effectRef>
+            <a:fontRef idx="minor">
+              <a:schemeClr val="lt1"/>
+            </a:fontRef>
+          </p:style>
+          <p:txBody>
+            <a:bodyPr rtlCol="0" anchor="ctr"/>
+            <a:lstStyle/>
+            <a:p>
+              <a:pPr algn="ctr"/>
+              <a:endParaRPr lang="ru-RU"/>
+            </a:p>
+          </p:txBody>
+        </p:sp>
+        <p:sp>
+          <p:nvSpPr>
+            <p:cNvPr id="97" name="Овал 96"/>
+            <p:cNvSpPr/>
+            <p:nvPr/>
+          </p:nvSpPr>
+          <p:spPr>
+            <a:xfrm>
+              <a:off x="8546714" y="1369742"/>
+              <a:ext cx="320040" cy="335280"/>
+            </a:xfrm>
+            <a:prstGeom prst="ellipse">
+              <a:avLst/>
+            </a:prstGeom>
+          </p:spPr>
+          <p:style>
+            <a:lnRef idx="2">
+              <a:schemeClr val="accent1">
+                <a:shade val="50000"/>
+              </a:schemeClr>
+            </a:lnRef>
+            <a:fillRef idx="1">
+              <a:schemeClr val="accent1"/>
+            </a:fillRef>
+            <a:effectRef idx="0">
+              <a:schemeClr val="accent1"/>
+            </a:effectRef>
+            <a:fontRef idx="minor">
+              <a:schemeClr val="lt1"/>
+            </a:fontRef>
+          </p:style>
+          <p:txBody>
+            <a:bodyPr rtlCol="0" anchor="ctr"/>
+            <a:lstStyle/>
+            <a:p>
+              <a:pPr algn="ctr"/>
+              <a:endParaRPr lang="ru-RU"/>
+            </a:p>
+          </p:txBody>
+        </p:sp>
+        <p:sp>
+          <p:nvSpPr>
+            <p:cNvPr id="98" name="Овал 97"/>
+            <p:cNvSpPr/>
+            <p:nvPr/>
+          </p:nvSpPr>
+          <p:spPr>
+            <a:xfrm>
+              <a:off x="8546714" y="3137582"/>
+              <a:ext cx="320040" cy="335280"/>
+            </a:xfrm>
+            <a:prstGeom prst="ellipse">
+              <a:avLst/>
+            </a:prstGeom>
+          </p:spPr>
+          <p:style>
+            <a:lnRef idx="2">
+              <a:schemeClr val="accent1">
+                <a:shade val="50000"/>
+              </a:schemeClr>
+            </a:lnRef>
+            <a:fillRef idx="1">
+              <a:schemeClr val="accent1"/>
+            </a:fillRef>
+            <a:effectRef idx="0">
+              <a:schemeClr val="accent1"/>
+            </a:effectRef>
+            <a:fontRef idx="minor">
+              <a:schemeClr val="lt1"/>
+            </a:fontRef>
+          </p:style>
+          <p:txBody>
+            <a:bodyPr rtlCol="0" anchor="ctr"/>
+            <a:lstStyle/>
+            <a:p>
+              <a:pPr algn="ctr"/>
+              <a:endParaRPr lang="ru-RU"/>
+            </a:p>
+          </p:txBody>
+        </p:sp>
+        <p:sp>
+          <p:nvSpPr>
+            <p:cNvPr id="99" name="Овал 98"/>
+            <p:cNvSpPr/>
+            <p:nvPr/>
+          </p:nvSpPr>
+          <p:spPr>
+            <a:xfrm>
+              <a:off x="9430634" y="2253662"/>
+              <a:ext cx="320040" cy="335280"/>
+            </a:xfrm>
+            <a:prstGeom prst="ellipse">
+              <a:avLst/>
+            </a:prstGeom>
+          </p:spPr>
+          <p:style>
+            <a:lnRef idx="2">
+              <a:schemeClr val="accent1">
+                <a:shade val="50000"/>
+              </a:schemeClr>
+            </a:lnRef>
+            <a:fillRef idx="1">
+              <a:schemeClr val="accent1"/>
+            </a:fillRef>
+            <a:effectRef idx="0">
+              <a:schemeClr val="accent1"/>
+            </a:effectRef>
+            <a:fontRef idx="minor">
+              <a:schemeClr val="lt1"/>
+            </a:fontRef>
+          </p:style>
+          <p:txBody>
+            <a:bodyPr rtlCol="0" anchor="ctr"/>
+            <a:lstStyle/>
+            <a:p>
+              <a:pPr algn="ctr"/>
+              <a:endParaRPr lang="ru-RU"/>
+            </a:p>
+          </p:txBody>
+        </p:sp>
+        <p:sp>
+          <p:nvSpPr>
+            <p:cNvPr id="100" name="Овал 99"/>
+            <p:cNvSpPr/>
+            <p:nvPr/>
+          </p:nvSpPr>
+          <p:spPr>
+            <a:xfrm>
+              <a:off x="7662794" y="2253662"/>
+              <a:ext cx="320040" cy="335280"/>
+            </a:xfrm>
+            <a:prstGeom prst="ellipse">
+              <a:avLst/>
+            </a:prstGeom>
+          </p:spPr>
+          <p:style>
+            <a:lnRef idx="2">
+              <a:schemeClr val="accent1">
+                <a:shade val="50000"/>
+              </a:schemeClr>
+            </a:lnRef>
+            <a:fillRef idx="1">
+              <a:schemeClr val="accent1"/>
+            </a:fillRef>
+            <a:effectRef idx="0">
+              <a:schemeClr val="accent1"/>
+            </a:effectRef>
+            <a:fontRef idx="minor">
+              <a:schemeClr val="lt1"/>
+            </a:fontRef>
+          </p:style>
+          <p:txBody>
+            <a:bodyPr rtlCol="0" anchor="ctr"/>
+            <a:lstStyle/>
+            <a:p>
+              <a:pPr algn="ctr"/>
+              <a:endParaRPr lang="ru-RU"/>
+            </a:p>
+          </p:txBody>
+        </p:sp>
+        <p:cxnSp>
+          <p:nvCxnSpPr>
+            <p:cNvPr id="101" name="Прямая соединительная линия 100"/>
+            <p:cNvCxnSpPr>
+              <a:stCxn id="94" idx="0"/>
+              <a:endCxn id="97" idx="4"/>
+            </p:cNvCxnSpPr>
+            <p:nvPr/>
+          </p:nvCxnSpPr>
+          <p:spPr>
+            <a:xfrm flipV="1">
+              <a:off x="8706734" y="1705022"/>
+              <a:ext cx="0" cy="548640"/>
+            </a:xfrm>
+            <a:prstGeom prst="line">
+              <a:avLst/>
+            </a:prstGeom>
+          </p:spPr>
+          <p:style>
+            <a:lnRef idx="1">
+              <a:schemeClr val="accent1"/>
+            </a:lnRef>
+            <a:fillRef idx="0">
+              <a:schemeClr val="accent1"/>
+            </a:fillRef>
+            <a:effectRef idx="0">
+              <a:schemeClr val="accent1"/>
+            </a:effectRef>
+            <a:fontRef idx="minor">
+              <a:schemeClr val="tx1"/>
+            </a:fontRef>
+          </p:style>
+        </p:cxnSp>
+        <p:cxnSp>
+          <p:nvCxnSpPr>
+            <p:cNvPr id="102" name="Прямая соединительная линия 101"/>
+            <p:cNvCxnSpPr>
+              <a:stCxn id="94" idx="7"/>
+              <a:endCxn id="96" idx="3"/>
+            </p:cNvCxnSpPr>
+            <p:nvPr/>
+          </p:nvCxnSpPr>
+          <p:spPr>
+            <a:xfrm flipV="1">
+              <a:off x="8819885" y="1861661"/>
+              <a:ext cx="337578" cy="441102"/>
+            </a:xfrm>
+            <a:prstGeom prst="line">
+              <a:avLst/>
+            </a:prstGeom>
+          </p:spPr>
+          <p:style>
+            <a:lnRef idx="1">
+              <a:schemeClr val="accent1"/>
+            </a:lnRef>
+            <a:fillRef idx="0">
+              <a:schemeClr val="accent1"/>
+            </a:fillRef>
+            <a:effectRef idx="0">
+              <a:schemeClr val="accent1"/>
+            </a:effectRef>
+            <a:fontRef idx="minor">
+              <a:schemeClr val="tx1"/>
+            </a:fontRef>
+          </p:style>
+        </p:cxnSp>
+        <p:cxnSp>
+          <p:nvCxnSpPr>
+            <p:cNvPr id="103" name="Прямая соединительная линия 102"/>
+            <p:cNvCxnSpPr>
+              <a:stCxn id="94" idx="6"/>
+              <a:endCxn id="99" idx="2"/>
+            </p:cNvCxnSpPr>
+            <p:nvPr/>
+          </p:nvCxnSpPr>
+          <p:spPr>
+            <a:xfrm>
+              <a:off x="8866754" y="2421302"/>
+              <a:ext cx="563880" cy="0"/>
+            </a:xfrm>
+            <a:prstGeom prst="line">
+              <a:avLst/>
+            </a:prstGeom>
+          </p:spPr>
+          <p:style>
+            <a:lnRef idx="1">
+              <a:schemeClr val="accent1"/>
+            </a:lnRef>
+            <a:fillRef idx="0">
+              <a:schemeClr val="accent1"/>
+            </a:fillRef>
+            <a:effectRef idx="0">
+              <a:schemeClr val="accent1"/>
+            </a:effectRef>
+            <a:fontRef idx="minor">
+              <a:schemeClr val="tx1"/>
+            </a:fontRef>
+          </p:style>
+        </p:cxnSp>
+        <p:cxnSp>
+          <p:nvCxnSpPr>
+            <p:cNvPr id="104" name="Прямая соединительная линия 103"/>
+            <p:cNvCxnSpPr>
+              <a:stCxn id="94" idx="4"/>
+              <a:endCxn id="98" idx="0"/>
+            </p:cNvCxnSpPr>
+            <p:nvPr/>
+          </p:nvCxnSpPr>
+          <p:spPr>
+            <a:xfrm>
+              <a:off x="8706734" y="2588942"/>
+              <a:ext cx="0" cy="548640"/>
+            </a:xfrm>
+            <a:prstGeom prst="line">
+              <a:avLst/>
+            </a:prstGeom>
+          </p:spPr>
+          <p:style>
+            <a:lnRef idx="1">
+              <a:schemeClr val="accent1"/>
+            </a:lnRef>
+            <a:fillRef idx="0">
+              <a:schemeClr val="accent1"/>
+            </a:fillRef>
+            <a:effectRef idx="0">
+              <a:schemeClr val="accent1"/>
+            </a:effectRef>
+            <a:fontRef idx="minor">
+              <a:schemeClr val="tx1"/>
+            </a:fontRef>
+          </p:style>
+        </p:cxnSp>
+        <p:cxnSp>
+          <p:nvCxnSpPr>
+            <p:cNvPr id="105" name="Прямая соединительная линия 104"/>
+            <p:cNvCxnSpPr>
+              <a:stCxn id="100" idx="6"/>
+              <a:endCxn id="94" idx="2"/>
+            </p:cNvCxnSpPr>
+            <p:nvPr/>
+          </p:nvCxnSpPr>
+          <p:spPr>
+            <a:xfrm>
+              <a:off x="7982834" y="2421302"/>
+              <a:ext cx="563880" cy="0"/>
+            </a:xfrm>
+            <a:prstGeom prst="line">
+              <a:avLst/>
+            </a:prstGeom>
+          </p:spPr>
+          <p:style>
+            <a:lnRef idx="1">
+              <a:schemeClr val="accent1"/>
+            </a:lnRef>
+            <a:fillRef idx="0">
+              <a:schemeClr val="accent1"/>
+            </a:fillRef>
+            <a:effectRef idx="0">
+              <a:schemeClr val="accent1"/>
+            </a:effectRef>
+            <a:fontRef idx="minor">
+              <a:schemeClr val="tx1"/>
+            </a:fontRef>
+          </p:style>
+        </p:cxnSp>
+        <p:cxnSp>
+          <p:nvCxnSpPr>
+            <p:cNvPr id="106" name="Прямая соединительная линия 105"/>
+            <p:cNvCxnSpPr>
+              <a:stCxn id="95" idx="7"/>
+              <a:endCxn id="94" idx="3"/>
+            </p:cNvCxnSpPr>
+            <p:nvPr/>
+          </p:nvCxnSpPr>
+          <p:spPr>
+            <a:xfrm flipV="1">
+              <a:off x="8256005" y="2539841"/>
+              <a:ext cx="337578" cy="479202"/>
+            </a:xfrm>
+            <a:prstGeom prst="line">
+              <a:avLst/>
+            </a:prstGeom>
+          </p:spPr>
+          <p:style>
+            <a:lnRef idx="1">
+              <a:schemeClr val="accent1"/>
+            </a:lnRef>
+            <a:fillRef idx="0">
+              <a:schemeClr val="accent1"/>
+            </a:fillRef>
+            <a:effectRef idx="0">
+              <a:schemeClr val="accent1"/>
+            </a:effectRef>
+            <a:fontRef idx="minor">
+              <a:schemeClr val="tx1"/>
+            </a:fontRef>
+          </p:style>
+        </p:cxnSp>
+        <p:sp>
+          <p:nvSpPr>
+            <p:cNvPr id="109" name="Прямоугольник 108"/>
+            <p:cNvSpPr/>
+            <p:nvPr/>
+          </p:nvSpPr>
+          <p:spPr>
+            <a:xfrm>
+              <a:off x="7311802" y="1137126"/>
+              <a:ext cx="4282440" cy="5152390"/>
+            </a:xfrm>
+            <a:prstGeom prst="rect">
+              <a:avLst/>
+            </a:prstGeom>
+            <a:noFill/>
+            <a:ln w="9525" cap="flat" cmpd="sng" algn="ctr">
+              <a:solidFill>
+                <a:schemeClr val="dk1"/>
+              </a:solidFill>
+              <a:prstDash val="solid"/>
+              <a:round/>
+              <a:headEnd type="none" w="med" len="med"/>
+              <a:tailEnd type="none" w="med" len="med"/>
+            </a:ln>
+          </p:spPr>
+          <p:style>
+            <a:lnRef idx="0">
+              <a:scrgbClr r="0" g="0" b="0"/>
+            </a:lnRef>
+            <a:fillRef idx="0">
+              <a:scrgbClr r="0" g="0" b="0"/>
+            </a:fillRef>
+            <a:effectRef idx="0">
+              <a:scrgbClr r="0" g="0" b="0"/>
+            </a:effectRef>
+            <a:fontRef idx="minor">
+              <a:schemeClr val="dk1"/>
+            </a:fontRef>
+          </p:style>
+          <p:txBody>
+            <a:bodyPr rtlCol="0" anchor="ctr"/>
+            <a:lstStyle/>
+            <a:p>
+              <a:pPr algn="ctr"/>
+              <a:endParaRPr lang="ru-RU"/>
+            </a:p>
+          </p:txBody>
+        </p:sp>
+        <p:cxnSp>
+          <p:nvCxnSpPr>
+            <p:cNvPr id="111" name="Прямая соединительная линия 110"/>
+            <p:cNvCxnSpPr>
+              <a:stCxn id="109" idx="1"/>
+              <a:endCxn id="109" idx="3"/>
+            </p:cNvCxnSpPr>
+            <p:nvPr/>
+          </p:nvCxnSpPr>
+          <p:spPr>
+            <a:xfrm>
+              <a:off x="7311802" y="3713321"/>
+              <a:ext cx="4282440" cy="0"/>
+            </a:xfrm>
+            <a:prstGeom prst="line">
+              <a:avLst/>
+            </a:prstGeom>
+          </p:spPr>
+          <p:style>
+            <a:lnRef idx="1">
+              <a:schemeClr val="dk1"/>
+            </a:lnRef>
+            <a:fillRef idx="0">
+              <a:schemeClr val="dk1"/>
+            </a:fillRef>
+            <a:effectRef idx="0">
+              <a:schemeClr val="dk1"/>
+            </a:effectRef>
+            <a:fontRef idx="minor">
+              <a:schemeClr val="tx1"/>
+            </a:fontRef>
+          </p:style>
+        </p:cxnSp>
+        <p:cxnSp>
+          <p:nvCxnSpPr>
+            <p:cNvPr id="113" name="Прямая соединительная линия 112"/>
+            <p:cNvCxnSpPr/>
+            <p:nvPr/>
+          </p:nvCxnSpPr>
+          <p:spPr>
+            <a:xfrm>
+              <a:off x="10107930" y="1137126"/>
+              <a:ext cx="0" cy="5152390"/>
+            </a:xfrm>
+            <a:prstGeom prst="line">
+              <a:avLst/>
+            </a:prstGeom>
+          </p:spPr>
+          <p:style>
+            <a:lnRef idx="1">
+              <a:schemeClr val="dk1"/>
+            </a:lnRef>
+            <a:fillRef idx="0">
+              <a:schemeClr val="dk1"/>
+            </a:fillRef>
+            <a:effectRef idx="0">
+              <a:schemeClr val="dk1"/>
+            </a:effectRef>
+            <a:fontRef idx="minor">
+              <a:schemeClr val="tx1"/>
+            </a:fontRef>
+          </p:style>
+        </p:cxnSp>
+      </p:grpSp>
     </p:spTree>
     <p:extLst>
       <p:ext uri="{BB962C8B-B14F-4D97-AF65-F5344CB8AC3E}">
@@ -9186,8 +10432,8 @@
         </p:nvSpPr>
         <p:spPr>
           <a:xfrm>
-            <a:off x="2805979" y="970683"/>
-            <a:ext cx="6456219" cy="4544292"/>
+            <a:off x="1" y="970683"/>
+            <a:ext cx="12192000" cy="4544292"/>
           </a:xfrm>
           <a:prstGeom prst="rect">
             <a:avLst/>
@@ -9226,7 +10472,17 @@
                   </a:schemeClr>
                 </a:solidFill>
               </a:rPr>
-              <a:t>Описание алгоритма для одномерного случая</a:t>
+              <a:t>Алгоритм нумерации для </a:t>
+            </a:r>
+            <a:r>
+              <a:rPr lang="ru-RU" sz="7200" dirty="0" smtClean="0">
+                <a:solidFill>
+                  <a:schemeClr val="accent1">
+                    <a:lumMod val="50000"/>
+                  </a:schemeClr>
+                </a:solidFill>
+              </a:rPr>
+              <a:t>одномерного случая</a:t>
             </a:r>
             <a:endParaRPr lang="ru-RU" sz="7200" dirty="0">
               <a:solidFill>
@@ -9787,8 +11043,8 @@
         </p:nvSpPr>
         <p:spPr>
           <a:xfrm>
-            <a:off x="2805979" y="970683"/>
-            <a:ext cx="6456219" cy="4544292"/>
+            <a:off x="0" y="970683"/>
+            <a:ext cx="12191999" cy="4544292"/>
           </a:xfrm>
           <a:prstGeom prst="rect">
             <a:avLst/>
@@ -9827,7 +11083,37 @@
                   </a:schemeClr>
                 </a:solidFill>
               </a:rPr>
-              <a:t>Описание алгоритма для двухмерного случая</a:t>
+              <a:t>Алгоритм </a:t>
+            </a:r>
+            <a:r>
+              <a:rPr lang="ru-RU" sz="7200" dirty="0" smtClean="0">
+                <a:solidFill>
+                  <a:schemeClr val="accent1">
+                    <a:lumMod val="50000"/>
+                  </a:schemeClr>
+                </a:solidFill>
+              </a:rPr>
+              <a:t>нумерации </a:t>
+            </a:r>
+            <a:r>
+              <a:rPr lang="ru-RU" sz="7200" dirty="0" smtClean="0">
+                <a:solidFill>
+                  <a:schemeClr val="accent1">
+                    <a:lumMod val="50000"/>
+                  </a:schemeClr>
+                </a:solidFill>
+              </a:rPr>
+              <a:t>для двухмерного </a:t>
+            </a:r>
+            <a:r>
+              <a:rPr lang="ru-RU" sz="7200" dirty="0" smtClean="0">
+                <a:solidFill>
+                  <a:schemeClr val="accent1">
+                    <a:lumMod val="50000"/>
+                  </a:schemeClr>
+                </a:solidFill>
+              </a:rPr>
+              <a:t>случая</a:t>
             </a:r>
             <a:endParaRPr lang="ru-RU" sz="7200" dirty="0">
               <a:solidFill>
@@ -11579,8 +12865,8 @@
         </p:nvSpPr>
         <p:spPr>
           <a:xfrm>
-            <a:off x="2805979" y="970683"/>
-            <a:ext cx="6456219" cy="4544292"/>
+            <a:off x="0" y="970683"/>
+            <a:ext cx="12191999" cy="4544292"/>
           </a:xfrm>
           <a:prstGeom prst="rect">
             <a:avLst/>
@@ -11619,7 +12905,17 @@
                   </a:schemeClr>
                 </a:solidFill>
               </a:rPr>
-              <a:t>Описание алгоритма для трёхмерного случая</a:t>
+              <a:t>Алгоритм нумерации для </a:t>
+            </a:r>
+            <a:r>
+              <a:rPr lang="ru-RU" sz="7200" dirty="0" smtClean="0">
+                <a:solidFill>
+                  <a:schemeClr val="accent1">
+                    <a:lumMod val="50000"/>
+                  </a:schemeClr>
+                </a:solidFill>
+              </a:rPr>
+              <a:t>трёхмерного случая</a:t>
             </a:r>
             <a:endParaRPr lang="ru-RU" sz="7200" dirty="0">
               <a:solidFill>
@@ -14056,7 +15352,7 @@
         </p:blipFill>
         <p:spPr>
           <a:xfrm>
-            <a:off x="442216" y="1005360"/>
+            <a:off x="442216" y="1040257"/>
             <a:ext cx="4872388" cy="5725510"/>
           </a:xfrm>
           <a:prstGeom prst="rect">
@@ -14741,8 +16037,12 @@
           <a:p>
             <a:pPr fontAlgn="base"/>
             <a:r>
+              <a:rPr lang="ru-RU" dirty="0" smtClean="0"/>
+              <a:t>В случае успеха </a:t>
+            </a:r>
+            <a:r>
               <a:rPr lang="ru-RU" dirty="0"/>
-              <a:t>Если граф распознан, то запускается алгоритм нумерации</a:t>
+              <a:t>запускается алгоритм нумерации</a:t>
             </a:r>
           </a:p>
           <a:p>
@@ -22542,7 +23842,12 @@
             <p:ph idx="1"/>
           </p:nvPr>
         </p:nvSpPr>
-        <p:spPr/>
+        <p:spPr>
+          <a:xfrm>
+            <a:off x="838200" y="1825625"/>
+            <a:ext cx="10515600" cy="3477895"/>
+          </a:xfrm>
+        </p:spPr>
         <p:txBody>
           <a:bodyPr>
             <a:normAutofit/>
@@ -24278,7 +25583,216 @@
       </p:grpSpPr>
       <p:sp>
         <p:nvSpPr>
-          <p:cNvPr id="2" name="Заголовок 1"/>
+          <p:cNvPr id="4" name="Прямоугольник 3"/>
+          <p:cNvSpPr/>
+          <p:nvPr/>
+        </p:nvSpPr>
+        <p:spPr>
+          <a:xfrm>
+            <a:off x="271460" y="1487666"/>
+            <a:ext cx="11920537" cy="523220"/>
+          </a:xfrm>
+          <a:prstGeom prst="rect">
+            <a:avLst/>
+          </a:prstGeom>
+        </p:spPr>
+        <p:txBody>
+          <a:bodyPr wrap="square">
+            <a:spAutoFit/>
+          </a:bodyPr>
+          <a:lstStyle/>
+          <a:p>
+            <a:r>
+              <a:rPr lang="ru-RU" sz="2800" dirty="0">
+                <a:solidFill>
+                  <a:schemeClr val="accent1">
+                    <a:lumMod val="50000"/>
+                  </a:schemeClr>
+                </a:solidFill>
+              </a:rPr>
+              <a:t>Требования</a:t>
+            </a:r>
+            <a:r>
+              <a:rPr lang="ru-RU" sz="2800" dirty="0"/>
+              <a:t>: установленный .</a:t>
+            </a:r>
+            <a:r>
+              <a:rPr lang="ru-RU" sz="2800" dirty="0" err="1"/>
+              <a:t>Net</a:t>
+            </a:r>
+            <a:r>
+              <a:rPr lang="ru-RU" sz="2800" dirty="0"/>
+              <a:t> </a:t>
+            </a:r>
+            <a:r>
+              <a:rPr lang="ru-RU" sz="2800" dirty="0" err="1"/>
+              <a:t>Framework</a:t>
+            </a:r>
+            <a:r>
+              <a:rPr lang="ru-RU" sz="2800" dirty="0"/>
+              <a:t> 4.6 (и </a:t>
+            </a:r>
+            <a:r>
+              <a:rPr lang="ru-RU" sz="2800" dirty="0" smtClean="0"/>
+              <a:t>младше),ОС </a:t>
+            </a:r>
+            <a:r>
+              <a:rPr lang="ru-RU" sz="2800" dirty="0"/>
+              <a:t>Windows </a:t>
+            </a:r>
+            <a:r>
+              <a:rPr lang="ru-RU" sz="2800" dirty="0" smtClean="0"/>
+              <a:t>10 </a:t>
+            </a:r>
+            <a:r>
+              <a:rPr lang="ru-RU" sz="2800" dirty="0"/>
+              <a:t>­</a:t>
+            </a:r>
+          </a:p>
+        </p:txBody>
+      </p:sp>
+      <p:sp>
+        <p:nvSpPr>
+          <p:cNvPr id="5" name="Прямоугольник 4"/>
+          <p:cNvSpPr/>
+          <p:nvPr/>
+        </p:nvSpPr>
+        <p:spPr>
+          <a:xfrm>
+            <a:off x="271461" y="2294592"/>
+            <a:ext cx="11920537" cy="3970318"/>
+          </a:xfrm>
+          <a:prstGeom prst="rect">
+            <a:avLst/>
+          </a:prstGeom>
+        </p:spPr>
+        <p:txBody>
+          <a:bodyPr wrap="square">
+            <a:spAutoFit/>
+          </a:bodyPr>
+          <a:lstStyle/>
+          <a:p>
+            <a:r>
+              <a:rPr lang="ru-RU" sz="2800" dirty="0" smtClean="0">
+                <a:solidFill>
+                  <a:schemeClr val="accent1">
+                    <a:lumMod val="50000"/>
+                  </a:schemeClr>
+                </a:solidFill>
+              </a:rPr>
+              <a:t>Библиотека</a:t>
+            </a:r>
+            <a:r>
+              <a:rPr lang="ru-RU" sz="2800" dirty="0" smtClean="0"/>
+              <a:t>: Библиотека «</a:t>
+            </a:r>
+            <a:r>
+              <a:rPr lang="ru-RU" sz="2800" dirty="0" err="1" smtClean="0"/>
+              <a:t>MeshRecovery_Lib</a:t>
+            </a:r>
+            <a:r>
+              <a:rPr lang="ru-RU" sz="2800" dirty="0" smtClean="0"/>
+              <a:t>» написана на языке </a:t>
+            </a:r>
+            <a:r>
+              <a:rPr lang="en-US" sz="2800" dirty="0" smtClean="0"/>
+              <a:t>C#,</a:t>
+            </a:r>
+            <a:r>
+              <a:rPr lang="ru-RU" sz="2800" dirty="0" smtClean="0"/>
+              <a:t> включает </a:t>
+            </a:r>
+            <a:r>
+              <a:rPr lang="ru-RU" sz="2800" dirty="0"/>
+              <a:t>в себя </a:t>
+            </a:r>
+            <a:r>
+              <a:rPr lang="ru-RU" sz="2800" dirty="0" smtClean="0"/>
+              <a:t>функции:</a:t>
+            </a:r>
+            <a:endParaRPr lang="ru-RU" sz="2800" dirty="0"/>
+          </a:p>
+          <a:p>
+            <a:endParaRPr lang="ru-RU" sz="2800" dirty="0" smtClean="0"/>
+          </a:p>
+          <a:p>
+            <a:pPr marL="457200" indent="-457200">
+              <a:buFont typeface="Arial" panose="020B0604020202020204" pitchFamily="34" charset="0"/>
+              <a:buChar char="•"/>
+            </a:pPr>
+            <a:r>
+              <a:rPr lang="ru-RU" sz="2800" i="1" dirty="0" err="1" smtClean="0"/>
+              <a:t>Validate</a:t>
+            </a:r>
+            <a:r>
+              <a:rPr lang="ru-RU" sz="2800" dirty="0" smtClean="0"/>
+              <a:t>: Функция </a:t>
+            </a:r>
+            <a:r>
+              <a:rPr lang="ru-RU" sz="2800" dirty="0"/>
+              <a:t>быстрой </a:t>
+            </a:r>
+            <a:r>
+              <a:rPr lang="ru-RU" sz="2800" dirty="0" smtClean="0"/>
+              <a:t>проверки графа на необходимые условия регулярности (на </a:t>
+            </a:r>
+            <a:r>
+              <a:rPr lang="ru-RU" sz="2800" dirty="0"/>
+              <a:t>〖10〗^6 должна выполняться не более 5 секунд</a:t>
+            </a:r>
+            <a:r>
+              <a:rPr lang="ru-RU" sz="2800" dirty="0" smtClean="0"/>
+              <a:t>).</a:t>
+            </a:r>
+          </a:p>
+          <a:p>
+            <a:endParaRPr lang="ru-RU" sz="2800" dirty="0"/>
+          </a:p>
+          <a:p>
+            <a:pPr marL="457200" indent="-457200">
+              <a:buFont typeface="Arial" panose="020B0604020202020204" pitchFamily="34" charset="0"/>
+              <a:buChar char="•"/>
+            </a:pPr>
+            <a:r>
+              <a:rPr lang="ru-RU" sz="2800" i="1" dirty="0" err="1" smtClean="0"/>
+              <a:t>Numerate</a:t>
+            </a:r>
+            <a:r>
+              <a:rPr lang="ru-RU" sz="2800" dirty="0"/>
+              <a:t>: Функция восстановления регулярной нумерации (при регулярности графа) (на 〖10〗^6 должна выполняться не более 5 минут).</a:t>
+            </a:r>
+          </a:p>
+          <a:p>
+            <a:endParaRPr lang="ru-RU" sz="2800" dirty="0"/>
+          </a:p>
+        </p:txBody>
+      </p:sp>
+      <p:sp>
+        <p:nvSpPr>
+          <p:cNvPr id="2" name="Номер слайда 1"/>
+          <p:cNvSpPr>
+            <a:spLocks noGrp="1"/>
+          </p:cNvSpPr>
+          <p:nvPr>
+            <p:ph type="sldNum" sz="quarter" idx="12"/>
+          </p:nvPr>
+        </p:nvSpPr>
+        <p:spPr/>
+        <p:txBody>
+          <a:bodyPr/>
+          <a:lstStyle/>
+          <a:p>
+            <a:fld id="{71FAE75F-E4A2-4DA6-8D8E-DEA36A488C21}" type="slidenum">
+              <a:rPr lang="ru-RU" smtClean="0"/>
+              <a:t>46</a:t>
+            </a:fld>
+            <a:endParaRPr lang="ru-RU"/>
+          </a:p>
+        </p:txBody>
+      </p:sp>
+      <p:sp>
+        <p:nvSpPr>
+          <p:cNvPr id="6" name="Заголовок 1"/>
           <p:cNvSpPr txBox="1">
             <a:spLocks/>
           </p:cNvSpPr>
@@ -24286,8 +25800,8 @@
         </p:nvSpPr>
         <p:spPr>
           <a:xfrm>
-            <a:off x="1" y="970683"/>
-            <a:ext cx="12087224" cy="4544292"/>
+            <a:off x="0" y="157720"/>
+            <a:ext cx="12192000" cy="1046240"/>
           </a:xfrm>
           <a:prstGeom prst="rect">
             <a:avLst/>
@@ -24319,7 +25833,7 @@
           <a:p>
             <a:pPr algn="ctr"/>
             <a:r>
-              <a:rPr lang="ru-RU" sz="7200" dirty="0" smtClean="0">
+              <a:rPr lang="ru-RU" dirty="0" smtClean="0">
                 <a:solidFill>
                   <a:schemeClr val="accent1">
                     <a:lumMod val="50000"/>
@@ -24328,290 +25842,13 @@
               </a:rPr>
               <a:t>Характеристики приложения</a:t>
             </a:r>
-            <a:endParaRPr lang="ru-RU" sz="7200" dirty="0">
+            <a:endParaRPr lang="ru-RU" dirty="0">
               <a:solidFill>
                 <a:schemeClr val="accent1">
                   <a:lumMod val="50000"/>
                 </a:schemeClr>
               </a:solidFill>
             </a:endParaRPr>
-          </a:p>
-        </p:txBody>
-      </p:sp>
-      <p:sp>
-        <p:nvSpPr>
-          <p:cNvPr id="3" name="Номер слайда 2"/>
-          <p:cNvSpPr>
-            <a:spLocks noGrp="1"/>
-          </p:cNvSpPr>
-          <p:nvPr>
-            <p:ph type="sldNum" sz="quarter" idx="12"/>
-          </p:nvPr>
-        </p:nvSpPr>
-        <p:spPr/>
-        <p:txBody>
-          <a:bodyPr/>
-          <a:lstStyle/>
-          <a:p>
-            <a:fld id="{71FAE75F-E4A2-4DA6-8D8E-DEA36A488C21}" type="slidenum">
-              <a:rPr lang="ru-RU" smtClean="0"/>
-              <a:t>46</a:t>
-            </a:fld>
-            <a:endParaRPr lang="ru-RU"/>
-          </a:p>
-        </p:txBody>
-      </p:sp>
-    </p:spTree>
-    <p:extLst>
-      <p:ext uri="{BB962C8B-B14F-4D97-AF65-F5344CB8AC3E}">
-        <p14:creationId xmlns:p14="http://schemas.microsoft.com/office/powerpoint/2010/main" val="2398216839"/>
-      </p:ext>
-    </p:extLst>
-  </p:cSld>
-  <p:clrMapOvr>
-    <a:masterClrMapping/>
-  </p:clrMapOvr>
-  <mc:AlternateContent xmlns:mc="http://schemas.openxmlformats.org/markup-compatibility/2006">
-    <mc:Choice xmlns:p14="http://schemas.microsoft.com/office/powerpoint/2010/main" Requires="p14">
-      <p:transition p14:dur="0"/>
-    </mc:Choice>
-    <mc:Fallback>
-      <p:transition/>
-    </mc:Fallback>
-  </mc:AlternateContent>
-  <p:timing>
-    <p:tnLst>
-      <p:par>
-        <p:cTn id="1" dur="indefinite" restart="never" nodeType="tmRoot"/>
-      </p:par>
-    </p:tnLst>
-  </p:timing>
-</p:sld>
-</file>
-
-<file path=ppt/slides/slide47.xml><?xml version="1.0" encoding="utf-8"?>
-<p:sld xmlns:a="http://schemas.openxmlformats.org/drawingml/2006/main" xmlns:r="http://schemas.openxmlformats.org/officeDocument/2006/relationships" xmlns:p="http://schemas.openxmlformats.org/presentationml/2006/main">
-  <p:cSld>
-    <p:spTree>
-      <p:nvGrpSpPr>
-        <p:cNvPr id="1" name=""/>
-        <p:cNvGrpSpPr/>
-        <p:nvPr/>
-      </p:nvGrpSpPr>
-      <p:grpSpPr>
-        <a:xfrm>
-          <a:off x="0" y="0"/>
-          <a:ext cx="0" cy="0"/>
-          <a:chOff x="0" y="0"/>
-          <a:chExt cx="0" cy="0"/>
-        </a:xfrm>
-      </p:grpSpPr>
-      <p:sp>
-        <p:nvSpPr>
-          <p:cNvPr id="4" name="Прямоугольник 3"/>
-          <p:cNvSpPr/>
-          <p:nvPr/>
-        </p:nvSpPr>
-        <p:spPr>
-          <a:xfrm>
-            <a:off x="271462" y="762685"/>
-            <a:ext cx="11920537" cy="523220"/>
-          </a:xfrm>
-          <a:prstGeom prst="rect">
-            <a:avLst/>
-          </a:prstGeom>
-        </p:spPr>
-        <p:txBody>
-          <a:bodyPr wrap="square">
-            <a:spAutoFit/>
-          </a:bodyPr>
-          <a:lstStyle/>
-          <a:p>
-            <a:r>
-              <a:rPr lang="ru-RU" sz="2800" dirty="0">
-                <a:solidFill>
-                  <a:schemeClr val="accent1">
-                    <a:lumMod val="50000"/>
-                  </a:schemeClr>
-                </a:solidFill>
-              </a:rPr>
-              <a:t>Требования</a:t>
-            </a:r>
-            <a:r>
-              <a:rPr lang="ru-RU" sz="2800" dirty="0"/>
-              <a:t>: установленный .</a:t>
-            </a:r>
-            <a:r>
-              <a:rPr lang="ru-RU" sz="2800" dirty="0" err="1"/>
-              <a:t>Net</a:t>
-            </a:r>
-            <a:r>
-              <a:rPr lang="ru-RU" sz="2800" dirty="0"/>
-              <a:t> </a:t>
-            </a:r>
-            <a:r>
-              <a:rPr lang="ru-RU" sz="2800" dirty="0" err="1"/>
-              <a:t>Framework</a:t>
-            </a:r>
-            <a:r>
-              <a:rPr lang="ru-RU" sz="2800" dirty="0"/>
-              <a:t> 4.6 (и </a:t>
-            </a:r>
-            <a:r>
-              <a:rPr lang="ru-RU" sz="2800" dirty="0" smtClean="0"/>
-              <a:t>младше),ОС </a:t>
-            </a:r>
-            <a:r>
-              <a:rPr lang="ru-RU" sz="2800" dirty="0"/>
-              <a:t>Windows </a:t>
-            </a:r>
-            <a:r>
-              <a:rPr lang="ru-RU" sz="2800" dirty="0" smtClean="0"/>
-              <a:t>10 </a:t>
-            </a:r>
-            <a:r>
-              <a:rPr lang="ru-RU" sz="2800" dirty="0"/>
-              <a:t>­</a:t>
-            </a:r>
-          </a:p>
-        </p:txBody>
-      </p:sp>
-      <p:sp>
-        <p:nvSpPr>
-          <p:cNvPr id="5" name="Прямоугольник 4"/>
-          <p:cNvSpPr/>
-          <p:nvPr/>
-        </p:nvSpPr>
-        <p:spPr>
-          <a:xfrm>
-            <a:off x="271461" y="1285905"/>
-            <a:ext cx="11920537" cy="3970318"/>
-          </a:xfrm>
-          <a:prstGeom prst="rect">
-            <a:avLst/>
-          </a:prstGeom>
-        </p:spPr>
-        <p:txBody>
-          <a:bodyPr wrap="square">
-            <a:spAutoFit/>
-          </a:bodyPr>
-          <a:lstStyle/>
-          <a:p>
-            <a:r>
-              <a:rPr lang="ru-RU" sz="2800" dirty="0" smtClean="0">
-                <a:solidFill>
-                  <a:schemeClr val="accent1">
-                    <a:lumMod val="50000"/>
-                  </a:schemeClr>
-                </a:solidFill>
-              </a:rPr>
-              <a:t>Библиотека</a:t>
-            </a:r>
-            <a:r>
-              <a:rPr lang="ru-RU" sz="2800" dirty="0" smtClean="0"/>
-              <a:t>: Библиотека «</a:t>
-            </a:r>
-            <a:r>
-              <a:rPr lang="ru-RU" sz="2800" dirty="0" err="1" smtClean="0"/>
-              <a:t>MeshRecovery_Lib</a:t>
-            </a:r>
-            <a:r>
-              <a:rPr lang="ru-RU" sz="2800" dirty="0" smtClean="0"/>
-              <a:t>» написана на языке </a:t>
-            </a:r>
-            <a:r>
-              <a:rPr lang="en-US" sz="2800" dirty="0" smtClean="0"/>
-              <a:t>C#,</a:t>
-            </a:r>
-            <a:r>
-              <a:rPr lang="ru-RU" sz="2800" dirty="0" smtClean="0"/>
-              <a:t> включает </a:t>
-            </a:r>
-            <a:r>
-              <a:rPr lang="ru-RU" sz="2800" dirty="0"/>
-              <a:t>в себя </a:t>
-            </a:r>
-            <a:r>
-              <a:rPr lang="ru-RU" sz="2800" dirty="0" smtClean="0"/>
-              <a:t>функции:</a:t>
-            </a:r>
-            <a:endParaRPr lang="ru-RU" sz="2800" dirty="0"/>
-          </a:p>
-          <a:p>
-            <a:endParaRPr lang="ru-RU" sz="2800" dirty="0" smtClean="0"/>
-          </a:p>
-          <a:p>
-            <a:pPr marL="457200" indent="-457200">
-              <a:buFont typeface="Arial" panose="020B0604020202020204" pitchFamily="34" charset="0"/>
-              <a:buChar char="•"/>
-            </a:pPr>
-            <a:r>
-              <a:rPr lang="ru-RU" sz="2800" i="1" dirty="0" err="1" smtClean="0"/>
-              <a:t>Validate</a:t>
-            </a:r>
-            <a:r>
-              <a:rPr lang="ru-RU" sz="2800" dirty="0" smtClean="0"/>
-              <a:t>: Функция </a:t>
-            </a:r>
-            <a:r>
-              <a:rPr lang="ru-RU" sz="2800" dirty="0"/>
-              <a:t>быстрой </a:t>
-            </a:r>
-            <a:r>
-              <a:rPr lang="ru-RU" sz="2800" dirty="0" smtClean="0"/>
-              <a:t>проверки графа на необходимые условия регулярности (на </a:t>
-            </a:r>
-            <a:r>
-              <a:rPr lang="ru-RU" sz="2800" dirty="0"/>
-              <a:t>〖10〗^6 должна выполняться не более 5 секунд</a:t>
-            </a:r>
-            <a:r>
-              <a:rPr lang="ru-RU" sz="2800" dirty="0" smtClean="0"/>
-              <a:t>).</a:t>
-            </a:r>
-          </a:p>
-          <a:p>
-            <a:endParaRPr lang="ru-RU" sz="2800" dirty="0"/>
-          </a:p>
-          <a:p>
-            <a:pPr marL="457200" indent="-457200">
-              <a:buFont typeface="Arial" panose="020B0604020202020204" pitchFamily="34" charset="0"/>
-              <a:buChar char="•"/>
-            </a:pPr>
-            <a:r>
-              <a:rPr lang="ru-RU" sz="2800" i="1" dirty="0" err="1" smtClean="0"/>
-              <a:t>Numerate</a:t>
-            </a:r>
-            <a:r>
-              <a:rPr lang="ru-RU" sz="2800" dirty="0"/>
-              <a:t>: Функция восстановления регулярной нумерации (при регулярности графа) (на 〖10〗^6 должна выполняться не более 5 минут).</a:t>
-            </a:r>
-          </a:p>
-          <a:p>
-            <a:endParaRPr lang="ru-RU" sz="2800" dirty="0"/>
-          </a:p>
-        </p:txBody>
-      </p:sp>
-      <p:sp>
-        <p:nvSpPr>
-          <p:cNvPr id="2" name="Номер слайда 1"/>
-          <p:cNvSpPr>
-            <a:spLocks noGrp="1"/>
-          </p:cNvSpPr>
-          <p:nvPr>
-            <p:ph type="sldNum" sz="quarter" idx="12"/>
-          </p:nvPr>
-        </p:nvSpPr>
-        <p:spPr/>
-        <p:txBody>
-          <a:bodyPr/>
-          <a:lstStyle/>
-          <a:p>
-            <a:fld id="{71FAE75F-E4A2-4DA6-8D8E-DEA36A488C21}" type="slidenum">
-              <a:rPr lang="ru-RU" smtClean="0"/>
-              <a:t>47</a:t>
-            </a:fld>
-            <a:endParaRPr lang="ru-RU"/>
           </a:p>
         </p:txBody>
       </p:sp>
@@ -24643,7 +25880,7 @@
 </p:sld>
 </file>
 
-<file path=ppt/slides/slide48.xml><?xml version="1.0" encoding="utf-8"?>
+<file path=ppt/slides/slide47.xml><?xml version="1.0" encoding="utf-8"?>
 <p:sld xmlns:a="http://schemas.openxmlformats.org/drawingml/2006/main" xmlns:r="http://schemas.openxmlformats.org/officeDocument/2006/relationships" xmlns:p="http://schemas.openxmlformats.org/presentationml/2006/main">
   <p:cSld>
     <p:spTree>
@@ -24739,7 +25976,7 @@
           <a:p>
             <a:fld id="{71FAE75F-E4A2-4DA6-8D8E-DEA36A488C21}" type="slidenum">
               <a:rPr lang="ru-RU" smtClean="0"/>
-              <a:t>48</a:t>
+              <a:t>47</a:t>
             </a:fld>
             <a:endParaRPr lang="ru-RU"/>
           </a:p>
@@ -24749,6 +25986,410 @@
     <p:extLst>
       <p:ext uri="{BB962C8B-B14F-4D97-AF65-F5344CB8AC3E}">
         <p14:creationId xmlns:p14="http://schemas.microsoft.com/office/powerpoint/2010/main" val="3956198000"/>
+      </p:ext>
+    </p:extLst>
+  </p:cSld>
+  <p:clrMapOvr>
+    <a:masterClrMapping/>
+  </p:clrMapOvr>
+  <mc:AlternateContent xmlns:mc="http://schemas.openxmlformats.org/markup-compatibility/2006">
+    <mc:Choice xmlns:p14="http://schemas.microsoft.com/office/powerpoint/2010/main" Requires="p14">
+      <p:transition p14:dur="0"/>
+    </mc:Choice>
+    <mc:Fallback>
+      <p:transition/>
+    </mc:Fallback>
+  </mc:AlternateContent>
+  <p:timing>
+    <p:tnLst>
+      <p:par>
+        <p:cTn id="1" dur="indefinite" restart="never" nodeType="tmRoot"/>
+      </p:par>
+    </p:tnLst>
+  </p:timing>
+</p:sld>
+</file>
+
+<file path=ppt/slides/slide48.xml><?xml version="1.0" encoding="utf-8"?>
+<p:sld xmlns:a="http://schemas.openxmlformats.org/drawingml/2006/main" xmlns:r="http://schemas.openxmlformats.org/officeDocument/2006/relationships" xmlns:p="http://schemas.openxmlformats.org/presentationml/2006/main">
+  <p:cSld>
+    <p:spTree>
+      <p:nvGrpSpPr>
+        <p:cNvPr id="1" name=""/>
+        <p:cNvGrpSpPr/>
+        <p:nvPr/>
+      </p:nvGrpSpPr>
+      <p:grpSpPr>
+        <a:xfrm>
+          <a:off x="0" y="0"/>
+          <a:ext cx="0" cy="0"/>
+          <a:chOff x="0" y="0"/>
+          <a:chExt cx="0" cy="0"/>
+        </a:xfrm>
+      </p:grpSpPr>
+      <p:sp>
+        <p:nvSpPr>
+          <p:cNvPr id="2" name="TextBox 1"/>
+          <p:cNvSpPr txBox="1"/>
+          <p:nvPr/>
+        </p:nvSpPr>
+        <p:spPr>
+          <a:xfrm>
+            <a:off x="502920" y="243840"/>
+            <a:ext cx="1480213" cy="523220"/>
+          </a:xfrm>
+          <a:prstGeom prst="rect">
+            <a:avLst/>
+          </a:prstGeom>
+          <a:noFill/>
+        </p:spPr>
+        <p:txBody>
+          <a:bodyPr wrap="none" rtlCol="0">
+            <a:spAutoFit/>
+          </a:bodyPr>
+          <a:lstStyle/>
+          <a:p>
+            <a:r>
+              <a:rPr lang="ru-RU" sz="2800" dirty="0">
+                <a:solidFill>
+                  <a:schemeClr val="accent1">
+                    <a:lumMod val="50000"/>
+                  </a:schemeClr>
+                </a:solidFill>
+              </a:rPr>
+              <a:t>Сделано</a:t>
+            </a:r>
+          </a:p>
+        </p:txBody>
+      </p:sp>
+      <p:sp>
+        <p:nvSpPr>
+          <p:cNvPr id="3" name="TextBox 2"/>
+          <p:cNvSpPr txBox="1"/>
+          <p:nvPr/>
+        </p:nvSpPr>
+        <p:spPr>
+          <a:xfrm>
+            <a:off x="502917" y="2413664"/>
+            <a:ext cx="1809341" cy="523220"/>
+          </a:xfrm>
+          <a:prstGeom prst="rect">
+            <a:avLst/>
+          </a:prstGeom>
+          <a:noFill/>
+        </p:spPr>
+        <p:txBody>
+          <a:bodyPr wrap="none" rtlCol="0">
+            <a:spAutoFit/>
+          </a:bodyPr>
+          <a:lstStyle/>
+          <a:p>
+            <a:r>
+              <a:rPr lang="ru-RU" sz="2800" dirty="0" smtClean="0">
+                <a:solidFill>
+                  <a:schemeClr val="accent1">
+                    <a:lumMod val="50000"/>
+                  </a:schemeClr>
+                </a:solidFill>
+              </a:rPr>
+              <a:t>Проблемы</a:t>
+            </a:r>
+            <a:endParaRPr lang="ru-RU" sz="2800" dirty="0">
+              <a:solidFill>
+                <a:schemeClr val="accent1">
+                  <a:lumMod val="50000"/>
+                </a:schemeClr>
+              </a:solidFill>
+            </a:endParaRPr>
+          </a:p>
+        </p:txBody>
+      </p:sp>
+      <p:sp>
+        <p:nvSpPr>
+          <p:cNvPr id="4" name="TextBox 3"/>
+          <p:cNvSpPr txBox="1"/>
+          <p:nvPr/>
+        </p:nvSpPr>
+        <p:spPr>
+          <a:xfrm>
+            <a:off x="502917" y="3937158"/>
+            <a:ext cx="2202847" cy="523220"/>
+          </a:xfrm>
+          <a:prstGeom prst="rect">
+            <a:avLst/>
+          </a:prstGeom>
+          <a:noFill/>
+        </p:spPr>
+        <p:txBody>
+          <a:bodyPr wrap="none" rtlCol="0">
+            <a:spAutoFit/>
+          </a:bodyPr>
+          <a:lstStyle/>
+          <a:p>
+            <a:r>
+              <a:rPr lang="ru-RU" sz="2800" dirty="0" smtClean="0">
+                <a:solidFill>
+                  <a:schemeClr val="accent1">
+                    <a:lumMod val="50000"/>
+                  </a:schemeClr>
+                </a:solidFill>
+              </a:rPr>
+              <a:t>Перспективы</a:t>
+            </a:r>
+            <a:endParaRPr lang="ru-RU" sz="2800" dirty="0">
+              <a:solidFill>
+                <a:schemeClr val="accent1">
+                  <a:lumMod val="50000"/>
+                </a:schemeClr>
+              </a:solidFill>
+            </a:endParaRPr>
+          </a:p>
+        </p:txBody>
+      </p:sp>
+      <p:sp>
+        <p:nvSpPr>
+          <p:cNvPr id="5" name="TextBox 4"/>
+          <p:cNvSpPr txBox="1"/>
+          <p:nvPr/>
+        </p:nvSpPr>
+        <p:spPr>
+          <a:xfrm>
+            <a:off x="502917" y="767060"/>
+            <a:ext cx="9584227" cy="1569660"/>
+          </a:xfrm>
+          <a:prstGeom prst="rect">
+            <a:avLst/>
+          </a:prstGeom>
+          <a:noFill/>
+        </p:spPr>
+        <p:txBody>
+          <a:bodyPr wrap="none" rtlCol="0">
+            <a:spAutoFit/>
+          </a:bodyPr>
+          <a:lstStyle/>
+          <a:p>
+            <a:pPr marL="342900" indent="-342900">
+              <a:buFont typeface="Arial" panose="020B0604020202020204" pitchFamily="34" charset="0"/>
+              <a:buChar char="•"/>
+            </a:pPr>
+            <a:r>
+              <a:rPr lang="ru-RU" sz="2400" dirty="0"/>
+              <a:t>Написана библиотека, позволяющая:</a:t>
+            </a:r>
+          </a:p>
+          <a:p>
+            <a:pPr marL="800100" lvl="1" indent="-342900">
+              <a:buAutoNum type="arabicParenR"/>
+            </a:pPr>
+            <a:r>
+              <a:rPr lang="ru-RU" sz="2400" dirty="0" smtClean="0"/>
+              <a:t>Проверить </a:t>
+            </a:r>
+            <a:r>
+              <a:rPr lang="ru-RU" sz="2400" dirty="0"/>
+              <a:t>граф на необходимые условия </a:t>
+            </a:r>
+            <a:r>
+              <a:rPr lang="ru-RU" sz="2400" dirty="0" smtClean="0"/>
+              <a:t>регулярности</a:t>
+            </a:r>
+            <a:endParaRPr lang="ru-RU" sz="2400" dirty="0"/>
+          </a:p>
+          <a:p>
+            <a:pPr marL="800100" lvl="1" indent="-342900">
+              <a:buAutoNum type="arabicParenR"/>
+            </a:pPr>
+            <a:r>
+              <a:rPr lang="ru-RU" sz="2400" dirty="0" smtClean="0"/>
+              <a:t>Восстановить </a:t>
+            </a:r>
+            <a:r>
+              <a:rPr lang="ru-RU" sz="2400" dirty="0"/>
+              <a:t>геометрическую информацию для исходного </a:t>
+            </a:r>
+            <a:r>
+              <a:rPr lang="ru-RU" sz="2400" dirty="0" smtClean="0"/>
+              <a:t>графа</a:t>
+            </a:r>
+            <a:endParaRPr lang="ru-RU" sz="2400" dirty="0"/>
+          </a:p>
+          <a:p>
+            <a:pPr marL="342900" indent="-342900">
+              <a:buFont typeface="Arial" panose="020B0604020202020204" pitchFamily="34" charset="0"/>
+              <a:buChar char="•"/>
+            </a:pPr>
+            <a:r>
+              <a:rPr lang="ru-RU" sz="2400" dirty="0"/>
+              <a:t>Создана тестовая инфраструктура с расширяемой базой</a:t>
+            </a:r>
+          </a:p>
+        </p:txBody>
+      </p:sp>
+      <p:sp>
+        <p:nvSpPr>
+          <p:cNvPr id="6" name="TextBox 5"/>
+          <p:cNvSpPr txBox="1"/>
+          <p:nvPr/>
+        </p:nvSpPr>
+        <p:spPr>
+          <a:xfrm>
+            <a:off x="502917" y="2859940"/>
+            <a:ext cx="10148419" cy="1077218"/>
+          </a:xfrm>
+          <a:prstGeom prst="rect">
+            <a:avLst/>
+          </a:prstGeom>
+          <a:noFill/>
+        </p:spPr>
+        <p:txBody>
+          <a:bodyPr wrap="none" rtlCol="0">
+            <a:spAutoFit/>
+          </a:bodyPr>
+          <a:lstStyle/>
+          <a:p>
+            <a:pPr marL="342900" indent="-342900">
+              <a:buFont typeface="Arial" panose="020B0604020202020204" pitchFamily="34" charset="0"/>
+              <a:buChar char="•"/>
+            </a:pPr>
+            <a:r>
+              <a:rPr lang="ru-RU" sz="2400" dirty="0" smtClean="0"/>
+              <a:t>Предложенное </a:t>
+            </a:r>
+            <a:r>
+              <a:rPr lang="ru-RU" sz="2400" dirty="0"/>
+              <a:t>решение позволяет решать только </a:t>
+            </a:r>
+            <a:r>
+              <a:rPr lang="ru-RU" sz="2400" dirty="0" smtClean="0"/>
+              <a:t>некоторый класс задач</a:t>
+            </a:r>
+          </a:p>
+          <a:p>
+            <a:pPr marL="342900" indent="-342900">
+              <a:buFont typeface="Arial" panose="020B0604020202020204" pitchFamily="34" charset="0"/>
+              <a:buChar char="•"/>
+            </a:pPr>
+            <a:r>
+              <a:rPr lang="ru-RU" sz="2400" dirty="0" smtClean="0"/>
+              <a:t>Время выполнения сильно </a:t>
+            </a:r>
+            <a:r>
+              <a:rPr lang="ru-RU" sz="2400" dirty="0"/>
+              <a:t>зависит от топологии исходного графа</a:t>
+            </a:r>
+          </a:p>
+          <a:p>
+            <a:pPr marL="285750" indent="-285750">
+              <a:buFont typeface="Arial" panose="020B0604020202020204" pitchFamily="34" charset="0"/>
+              <a:buChar char="•"/>
+            </a:pPr>
+            <a:endParaRPr lang="ru-RU" sz="1600" dirty="0"/>
+          </a:p>
+        </p:txBody>
+      </p:sp>
+      <p:sp>
+        <p:nvSpPr>
+          <p:cNvPr id="7" name="TextBox 6"/>
+          <p:cNvSpPr txBox="1"/>
+          <p:nvPr/>
+        </p:nvSpPr>
+        <p:spPr>
+          <a:xfrm>
+            <a:off x="502917" y="4460378"/>
+            <a:ext cx="7433830" cy="1569660"/>
+          </a:xfrm>
+          <a:prstGeom prst="rect">
+            <a:avLst/>
+          </a:prstGeom>
+          <a:noFill/>
+        </p:spPr>
+        <p:txBody>
+          <a:bodyPr wrap="none" rtlCol="0">
+            <a:spAutoFit/>
+          </a:bodyPr>
+          <a:lstStyle/>
+          <a:p>
+            <a:pPr marL="342900" indent="-342900">
+              <a:buFont typeface="Arial" panose="020B0604020202020204" pitchFamily="34" charset="0"/>
+              <a:buChar char="•"/>
+            </a:pPr>
+            <a:r>
+              <a:rPr lang="ru-RU" sz="2400" dirty="0"/>
+              <a:t>Ускорение </a:t>
+            </a:r>
+            <a:r>
+              <a:rPr lang="ru-RU" sz="2400" dirty="0" smtClean="0"/>
+              <a:t>текущего алгоритма:</a:t>
+            </a:r>
+            <a:endParaRPr lang="ru-RU" sz="2400" dirty="0"/>
+          </a:p>
+          <a:p>
+            <a:pPr marL="800100" lvl="1" indent="-342900">
+              <a:buAutoNum type="arabicParenR"/>
+            </a:pPr>
+            <a:r>
+              <a:rPr lang="ru-RU" sz="2400" dirty="0"/>
+              <a:t>Распараллеливание </a:t>
+            </a:r>
+            <a:r>
+              <a:rPr lang="ru-RU" sz="2400" dirty="0" smtClean="0"/>
+              <a:t>нумерации</a:t>
+            </a:r>
+            <a:endParaRPr lang="ru-RU" sz="2400" dirty="0"/>
+          </a:p>
+          <a:p>
+            <a:pPr marL="800100" lvl="1" indent="-342900">
+              <a:buAutoNum type="arabicParenR"/>
+            </a:pPr>
+            <a:r>
+              <a:rPr lang="ru-RU" sz="2400" dirty="0"/>
+              <a:t>Определение класса задач до </a:t>
+            </a:r>
+            <a:r>
+              <a:rPr lang="ru-RU" sz="2400" dirty="0" smtClean="0"/>
+              <a:t>начала нумерации</a:t>
+            </a:r>
+          </a:p>
+          <a:p>
+            <a:pPr marL="342900" indent="-342900">
+              <a:buFont typeface="Arial" panose="020B0604020202020204" pitchFamily="34" charset="0"/>
+              <a:buChar char="•"/>
+            </a:pPr>
+            <a:r>
+              <a:rPr lang="ru-RU" sz="2400" dirty="0" smtClean="0"/>
+              <a:t>Исследование других подходов к решению задачи</a:t>
+            </a:r>
+            <a:endParaRPr lang="ru-RU" sz="2400" dirty="0"/>
+          </a:p>
+        </p:txBody>
+      </p:sp>
+      <p:sp>
+        <p:nvSpPr>
+          <p:cNvPr id="8" name="Номер слайда 7"/>
+          <p:cNvSpPr>
+            <a:spLocks noGrp="1"/>
+          </p:cNvSpPr>
+          <p:nvPr>
+            <p:ph type="sldNum" sz="quarter" idx="12"/>
+          </p:nvPr>
+        </p:nvSpPr>
+        <p:spPr/>
+        <p:txBody>
+          <a:bodyPr/>
+          <a:lstStyle/>
+          <a:p>
+            <a:fld id="{71FAE75F-E4A2-4DA6-8D8E-DEA36A488C21}" type="slidenum">
+              <a:rPr lang="ru-RU" smtClean="0"/>
+              <a:t>48</a:t>
+            </a:fld>
+            <a:endParaRPr lang="ru-RU"/>
+          </a:p>
+        </p:txBody>
+      </p:sp>
+    </p:spTree>
+    <p:extLst>
+      <p:ext uri="{BB962C8B-B14F-4D97-AF65-F5344CB8AC3E}">
+        <p14:creationId xmlns:p14="http://schemas.microsoft.com/office/powerpoint/2010/main" val="2830600498"/>
       </p:ext>
     </p:extLst>
   </p:cSld>
@@ -24792,343 +26433,117 @@
       </p:grpSpPr>
       <p:sp>
         <p:nvSpPr>
-          <p:cNvPr id="2" name="TextBox 1"/>
-          <p:cNvSpPr txBox="1"/>
+          <p:cNvPr id="2" name="Прямоугольник 1"/>
+          <p:cNvSpPr/>
           <p:nvPr/>
         </p:nvSpPr>
         <p:spPr>
           <a:xfrm>
-            <a:off x="502920" y="243840"/>
-            <a:ext cx="1480213" cy="523220"/>
+            <a:off x="-1" y="2518166"/>
+            <a:ext cx="12192000" cy="1077218"/>
           </a:xfrm>
           <a:prstGeom prst="rect">
             <a:avLst/>
           </a:prstGeom>
-          <a:noFill/>
         </p:spPr>
         <p:txBody>
-          <a:bodyPr wrap="none" rtlCol="0">
+          <a:bodyPr wrap="square">
             <a:spAutoFit/>
           </a:bodyPr>
           <a:lstStyle/>
           <a:p>
-            <a:r>
-              <a:rPr lang="ru-RU" sz="2800" dirty="0">
+            <a:pPr lvl="0" algn="ctr"/>
+            <a:r>
+              <a:rPr lang="ru-RU" sz="3200" dirty="0">
+                <a:ea typeface="Calibri" panose="020F0502020204030204" pitchFamily="34" charset="0"/>
+                <a:cs typeface="Times New Roman" panose="02020603050405020304" pitchFamily="18" charset="0"/>
+              </a:rPr>
+              <a:t/>
+            </a:r>
+            <a:br>
+              <a:rPr lang="ru-RU" sz="3200" dirty="0">
+                <a:ea typeface="Calibri" panose="020F0502020204030204" pitchFamily="34" charset="0"/>
+                <a:cs typeface="Times New Roman" panose="02020603050405020304" pitchFamily="18" charset="0"/>
+              </a:rPr>
+            </a:br>
+            <a:r>
+              <a:rPr lang="en-US" sz="3200" dirty="0"/>
+              <a:t>https://github.com/Linserous/NumericalGridGeneration</a:t>
+            </a:r>
+            <a:endParaRPr lang="ru-RU" sz="3200" dirty="0"/>
+          </a:p>
+        </p:txBody>
+      </p:sp>
+      <p:sp>
+        <p:nvSpPr>
+          <p:cNvPr id="3" name="Прямоугольник 2"/>
+          <p:cNvSpPr/>
+          <p:nvPr/>
+        </p:nvSpPr>
+        <p:spPr>
+          <a:xfrm>
+            <a:off x="0" y="360753"/>
+            <a:ext cx="12191999" cy="830997"/>
+          </a:xfrm>
+          <a:prstGeom prst="rect">
+            <a:avLst/>
+          </a:prstGeom>
+        </p:spPr>
+        <p:txBody>
+          <a:bodyPr wrap="square">
+            <a:spAutoFit/>
+          </a:bodyPr>
+          <a:lstStyle/>
+          <a:p>
+            <a:pPr algn="ctr"/>
+            <a:r>
+              <a:rPr lang="ru-RU" sz="4800" dirty="0">
                 <a:solidFill>
                   <a:schemeClr val="accent1">
                     <a:lumMod val="50000"/>
                   </a:schemeClr>
                 </a:solidFill>
+                <a:latin typeface="+mj-lt"/>
+                <a:ea typeface="Calibri" panose="020F0502020204030204" pitchFamily="34" charset="0"/>
+                <a:cs typeface="Times New Roman" panose="02020603050405020304" pitchFamily="18" charset="0"/>
               </a:rPr>
-              <a:t>Сделано</a:t>
-            </a:r>
-          </a:p>
-        </p:txBody>
-      </p:sp>
-      <p:sp>
-        <p:nvSpPr>
-          <p:cNvPr id="3" name="TextBox 2"/>
-          <p:cNvSpPr txBox="1"/>
-          <p:nvPr/>
-        </p:nvSpPr>
-        <p:spPr>
-          <a:xfrm>
-            <a:off x="502917" y="2413664"/>
-            <a:ext cx="1809341" cy="523220"/>
-          </a:xfrm>
-          <a:prstGeom prst="rect">
-            <a:avLst/>
-          </a:prstGeom>
-          <a:noFill/>
-        </p:spPr>
-        <p:txBody>
-          <a:bodyPr wrap="none" rtlCol="0">
-            <a:spAutoFit/>
-          </a:bodyPr>
-          <a:lstStyle/>
-          <a:p>
-            <a:r>
-              <a:rPr lang="ru-RU" sz="2800" dirty="0" smtClean="0">
+              <a:t>Ссылка на </a:t>
+            </a:r>
+            <a:r>
+              <a:rPr lang="ru-RU" sz="4800" dirty="0" err="1">
                 <a:solidFill>
                   <a:schemeClr val="accent1">
                     <a:lumMod val="50000"/>
                   </a:schemeClr>
                 </a:solidFill>
+                <a:latin typeface="+mj-lt"/>
+                <a:ea typeface="Calibri" panose="020F0502020204030204" pitchFamily="34" charset="0"/>
+                <a:cs typeface="Times New Roman" panose="02020603050405020304" pitchFamily="18" charset="0"/>
               </a:rPr>
-              <a:t>Проблемы</a:t>
-            </a:r>
-            <a:endParaRPr lang="ru-RU" sz="2800" dirty="0">
-              <a:solidFill>
-                <a:schemeClr val="accent1">
-                  <a:lumMod val="50000"/>
-                </a:schemeClr>
-              </a:solidFill>
-            </a:endParaRPr>
-          </a:p>
-        </p:txBody>
-      </p:sp>
-      <p:sp>
-        <p:nvSpPr>
-          <p:cNvPr id="4" name="TextBox 3"/>
-          <p:cNvSpPr txBox="1"/>
-          <p:nvPr/>
-        </p:nvSpPr>
-        <p:spPr>
-          <a:xfrm>
-            <a:off x="502917" y="3937158"/>
-            <a:ext cx="2202847" cy="523220"/>
-          </a:xfrm>
-          <a:prstGeom prst="rect">
-            <a:avLst/>
-          </a:prstGeom>
-          <a:noFill/>
-        </p:spPr>
-        <p:txBody>
-          <a:bodyPr wrap="none" rtlCol="0">
-            <a:spAutoFit/>
-          </a:bodyPr>
-          <a:lstStyle/>
-          <a:p>
-            <a:r>
-              <a:rPr lang="ru-RU" sz="2800" dirty="0" smtClean="0">
+              <a:t>репозиторий</a:t>
+            </a:r>
+            <a:r>
+              <a:rPr lang="ru-RU" sz="4800" dirty="0">
                 <a:solidFill>
                   <a:schemeClr val="accent1">
                     <a:lumMod val="50000"/>
                   </a:schemeClr>
                 </a:solidFill>
+                <a:latin typeface="+mj-lt"/>
+                <a:ea typeface="Calibri" panose="020F0502020204030204" pitchFamily="34" charset="0"/>
+                <a:cs typeface="Times New Roman" panose="02020603050405020304" pitchFamily="18" charset="0"/>
               </a:rPr>
-              <a:t>Перспективы</a:t>
-            </a:r>
-            <a:endParaRPr lang="ru-RU" sz="2800" dirty="0">
-              <a:solidFill>
-                <a:schemeClr val="accent1">
-                  <a:lumMod val="50000"/>
-                </a:schemeClr>
-              </a:solidFill>
+              <a:t> проекта</a:t>
+            </a:r>
+            <a:endParaRPr lang="ru-RU" sz="4800" dirty="0">
+              <a:latin typeface="+mj-lt"/>
             </a:endParaRPr>
           </a:p>
         </p:txBody>
       </p:sp>
       <p:sp>
         <p:nvSpPr>
-          <p:cNvPr id="5" name="TextBox 4"/>
-          <p:cNvSpPr txBox="1"/>
-          <p:nvPr/>
-        </p:nvSpPr>
-        <p:spPr>
-          <a:xfrm>
-            <a:off x="502917" y="767060"/>
-            <a:ext cx="9584227" cy="1569660"/>
-          </a:xfrm>
-          <a:prstGeom prst="rect">
-            <a:avLst/>
-          </a:prstGeom>
-          <a:noFill/>
-        </p:spPr>
-        <p:txBody>
-          <a:bodyPr wrap="none" rtlCol="0">
-            <a:spAutoFit/>
-          </a:bodyPr>
-          <a:lstStyle/>
-          <a:p>
-            <a:pPr marL="342900" indent="-342900">
-              <a:buFont typeface="Arial" panose="020B0604020202020204" pitchFamily="34" charset="0"/>
-              <a:buChar char="•"/>
-            </a:pPr>
-            <a:r>
-              <a:rPr lang="ru-RU" sz="2400" dirty="0"/>
-              <a:t>Написана библиотека, позволяющая:</a:t>
-            </a:r>
-          </a:p>
-          <a:p>
-            <a:pPr marL="800100" lvl="1" indent="-342900">
-              <a:buAutoNum type="arabicParenR"/>
-            </a:pPr>
-            <a:r>
-              <a:rPr lang="ru-RU" sz="2400" dirty="0" smtClean="0"/>
-              <a:t>Проверить </a:t>
-            </a:r>
-            <a:r>
-              <a:rPr lang="ru-RU" sz="2400" dirty="0"/>
-              <a:t>граф на необходимые условия </a:t>
-            </a:r>
-            <a:r>
-              <a:rPr lang="ru-RU" sz="2400" dirty="0" smtClean="0"/>
-              <a:t>регулярности</a:t>
-            </a:r>
-            <a:endParaRPr lang="ru-RU" sz="2400" dirty="0"/>
-          </a:p>
-          <a:p>
-            <a:pPr marL="800100" lvl="1" indent="-342900">
-              <a:buAutoNum type="arabicParenR"/>
-            </a:pPr>
-            <a:r>
-              <a:rPr lang="ru-RU" sz="2400" dirty="0" smtClean="0"/>
-              <a:t>Восстановить </a:t>
-            </a:r>
-            <a:r>
-              <a:rPr lang="ru-RU" sz="2400" dirty="0"/>
-              <a:t>геометрическую информацию для исходного </a:t>
-            </a:r>
-            <a:r>
-              <a:rPr lang="ru-RU" sz="2400" dirty="0" smtClean="0"/>
-              <a:t>графа</a:t>
-            </a:r>
-            <a:endParaRPr lang="ru-RU" sz="2400" dirty="0"/>
-          </a:p>
-          <a:p>
-            <a:pPr marL="342900" indent="-342900">
-              <a:buFont typeface="Arial" panose="020B0604020202020204" pitchFamily="34" charset="0"/>
-              <a:buChar char="•"/>
-            </a:pPr>
-            <a:r>
-              <a:rPr lang="ru-RU" sz="2400" dirty="0"/>
-              <a:t>Создана тестовая инфраструктура с расширяемой базой</a:t>
-            </a:r>
-          </a:p>
-        </p:txBody>
-      </p:sp>
-      <p:sp>
-        <p:nvSpPr>
-          <p:cNvPr id="6" name="TextBox 5"/>
-          <p:cNvSpPr txBox="1"/>
-          <p:nvPr/>
-        </p:nvSpPr>
-        <p:spPr>
-          <a:xfrm>
-            <a:off x="502917" y="2859940"/>
-            <a:ext cx="10148419" cy="1077218"/>
-          </a:xfrm>
-          <a:prstGeom prst="rect">
-            <a:avLst/>
-          </a:prstGeom>
-          <a:noFill/>
-        </p:spPr>
-        <p:txBody>
-          <a:bodyPr wrap="none" rtlCol="0">
-            <a:spAutoFit/>
-          </a:bodyPr>
-          <a:lstStyle/>
-          <a:p>
-            <a:pPr marL="342900" indent="-342900">
-              <a:buFont typeface="Arial" panose="020B0604020202020204" pitchFamily="34" charset="0"/>
-              <a:buChar char="•"/>
-            </a:pPr>
-            <a:r>
-              <a:rPr lang="ru-RU" sz="2400" dirty="0" smtClean="0"/>
-              <a:t>Предложенное </a:t>
-            </a:r>
-            <a:r>
-              <a:rPr lang="ru-RU" sz="2400" dirty="0"/>
-              <a:t>решение позволяет решать только </a:t>
-            </a:r>
-            <a:r>
-              <a:rPr lang="ru-RU" sz="2400" dirty="0" smtClean="0"/>
-              <a:t>некоторый класс задач</a:t>
-            </a:r>
-          </a:p>
-          <a:p>
-            <a:pPr marL="342900" indent="-342900">
-              <a:buFont typeface="Arial" panose="020B0604020202020204" pitchFamily="34" charset="0"/>
-              <a:buChar char="•"/>
-            </a:pPr>
-            <a:r>
-              <a:rPr lang="ru-RU" sz="2400" dirty="0" smtClean="0"/>
-              <a:t>Время выполнения сильно </a:t>
-            </a:r>
-            <a:r>
-              <a:rPr lang="ru-RU" sz="2400" dirty="0"/>
-              <a:t>зависит от топологии исходного графа</a:t>
-            </a:r>
-          </a:p>
-          <a:p>
-            <a:pPr marL="285750" indent="-285750">
-              <a:buFont typeface="Arial" panose="020B0604020202020204" pitchFamily="34" charset="0"/>
-              <a:buChar char="•"/>
-            </a:pPr>
-            <a:endParaRPr lang="ru-RU" sz="1600" dirty="0"/>
-          </a:p>
-        </p:txBody>
-      </p:sp>
-      <p:sp>
-        <p:nvSpPr>
-          <p:cNvPr id="7" name="TextBox 6"/>
-          <p:cNvSpPr txBox="1"/>
-          <p:nvPr/>
-        </p:nvSpPr>
-        <p:spPr>
-          <a:xfrm>
-            <a:off x="502917" y="4460378"/>
-            <a:ext cx="7433830" cy="1569660"/>
-          </a:xfrm>
-          <a:prstGeom prst="rect">
-            <a:avLst/>
-          </a:prstGeom>
-          <a:noFill/>
-        </p:spPr>
-        <p:txBody>
-          <a:bodyPr wrap="none" rtlCol="0">
-            <a:spAutoFit/>
-          </a:bodyPr>
-          <a:lstStyle/>
-          <a:p>
-            <a:pPr marL="342900" indent="-342900">
-              <a:buFont typeface="Arial" panose="020B0604020202020204" pitchFamily="34" charset="0"/>
-              <a:buChar char="•"/>
-            </a:pPr>
-            <a:r>
-              <a:rPr lang="ru-RU" sz="2400" dirty="0"/>
-              <a:t>Ускорение </a:t>
-            </a:r>
-            <a:r>
-              <a:rPr lang="ru-RU" sz="2400" dirty="0" smtClean="0"/>
-              <a:t>текущего алгоритма:</a:t>
-            </a:r>
-            <a:endParaRPr lang="ru-RU" sz="2400" dirty="0"/>
-          </a:p>
-          <a:p>
-            <a:pPr marL="800100" lvl="1" indent="-342900">
-              <a:buAutoNum type="arabicParenR"/>
-            </a:pPr>
-            <a:r>
-              <a:rPr lang="ru-RU" sz="2400" dirty="0"/>
-              <a:t>Распараллеливание </a:t>
-            </a:r>
-            <a:r>
-              <a:rPr lang="ru-RU" sz="2400" dirty="0" smtClean="0"/>
-              <a:t>нумерации</a:t>
-            </a:r>
-            <a:endParaRPr lang="ru-RU" sz="2400" dirty="0"/>
-          </a:p>
-          <a:p>
-            <a:pPr marL="800100" lvl="1" indent="-342900">
-              <a:buAutoNum type="arabicParenR"/>
-            </a:pPr>
-            <a:r>
-              <a:rPr lang="ru-RU" sz="2400" dirty="0"/>
-              <a:t>Определение класса задач до </a:t>
-            </a:r>
-            <a:r>
-              <a:rPr lang="ru-RU" sz="2400" dirty="0" smtClean="0"/>
-              <a:t>начала нумерации</a:t>
-            </a:r>
-          </a:p>
-          <a:p>
-            <a:pPr marL="342900" indent="-342900">
-              <a:buFont typeface="Arial" panose="020B0604020202020204" pitchFamily="34" charset="0"/>
-              <a:buChar char="•"/>
-            </a:pPr>
-            <a:r>
-              <a:rPr lang="ru-RU" sz="2400" dirty="0" smtClean="0"/>
-              <a:t>Исследование других подходов к решению задачи</a:t>
-            </a:r>
-            <a:endParaRPr lang="ru-RU" sz="2400" dirty="0"/>
-          </a:p>
-        </p:txBody>
-      </p:sp>
-      <p:sp>
-        <p:nvSpPr>
-          <p:cNvPr id="8" name="Номер слайда 7"/>
+          <p:cNvPr id="4" name="Номер слайда 3"/>
           <p:cNvSpPr>
             <a:spLocks noGrp="1"/>
           </p:cNvSpPr>
@@ -25152,7 +26567,7 @@
     </p:spTree>
     <p:extLst>
       <p:ext uri="{BB962C8B-B14F-4D97-AF65-F5344CB8AC3E}">
-        <p14:creationId xmlns:p14="http://schemas.microsoft.com/office/powerpoint/2010/main" val="2830600498"/>
+        <p14:creationId xmlns:p14="http://schemas.microsoft.com/office/powerpoint/2010/main" val="2950866799"/>
       </p:ext>
     </p:extLst>
   </p:cSld>
@@ -25262,184 +26677,6 @@
     <p:extLst>
       <p:ext uri="{BB962C8B-B14F-4D97-AF65-F5344CB8AC3E}">
         <p14:creationId xmlns:p14="http://schemas.microsoft.com/office/powerpoint/2010/main" val="3731920258"/>
-      </p:ext>
-    </p:extLst>
-  </p:cSld>
-  <p:clrMapOvr>
-    <a:masterClrMapping/>
-  </p:clrMapOvr>
-  <mc:AlternateContent xmlns:mc="http://schemas.openxmlformats.org/markup-compatibility/2006">
-    <mc:Choice xmlns:p14="http://schemas.microsoft.com/office/powerpoint/2010/main" Requires="p14">
-      <p:transition p14:dur="0"/>
-    </mc:Choice>
-    <mc:Fallback>
-      <p:transition/>
-    </mc:Fallback>
-  </mc:AlternateContent>
-  <p:timing>
-    <p:tnLst>
-      <p:par>
-        <p:cTn id="1" dur="indefinite" restart="never" nodeType="tmRoot"/>
-      </p:par>
-    </p:tnLst>
-  </p:timing>
-</p:sld>
-</file>
-
-<file path=ppt/slides/slide50.xml><?xml version="1.0" encoding="utf-8"?>
-<p:sld xmlns:a="http://schemas.openxmlformats.org/drawingml/2006/main" xmlns:r="http://schemas.openxmlformats.org/officeDocument/2006/relationships" xmlns:p="http://schemas.openxmlformats.org/presentationml/2006/main">
-  <p:cSld>
-    <p:spTree>
-      <p:nvGrpSpPr>
-        <p:cNvPr id="1" name=""/>
-        <p:cNvGrpSpPr/>
-        <p:nvPr/>
-      </p:nvGrpSpPr>
-      <p:grpSpPr>
-        <a:xfrm>
-          <a:off x="0" y="0"/>
-          <a:ext cx="0" cy="0"/>
-          <a:chOff x="0" y="0"/>
-          <a:chExt cx="0" cy="0"/>
-        </a:xfrm>
-      </p:grpSpPr>
-      <p:sp>
-        <p:nvSpPr>
-          <p:cNvPr id="2" name="Прямоугольник 1"/>
-          <p:cNvSpPr/>
-          <p:nvPr/>
-        </p:nvSpPr>
-        <p:spPr>
-          <a:xfrm>
-            <a:off x="-1" y="2518166"/>
-            <a:ext cx="12192000" cy="1077218"/>
-          </a:xfrm>
-          <a:prstGeom prst="rect">
-            <a:avLst/>
-          </a:prstGeom>
-        </p:spPr>
-        <p:txBody>
-          <a:bodyPr wrap="square">
-            <a:spAutoFit/>
-          </a:bodyPr>
-          <a:lstStyle/>
-          <a:p>
-            <a:pPr lvl="0" algn="ctr"/>
-            <a:r>
-              <a:rPr lang="ru-RU" sz="3200" dirty="0">
-                <a:ea typeface="Calibri" panose="020F0502020204030204" pitchFamily="34" charset="0"/>
-                <a:cs typeface="Times New Roman" panose="02020603050405020304" pitchFamily="18" charset="0"/>
-              </a:rPr>
-              <a:t/>
-            </a:r>
-            <a:br>
-              <a:rPr lang="ru-RU" sz="3200" dirty="0">
-                <a:ea typeface="Calibri" panose="020F0502020204030204" pitchFamily="34" charset="0"/>
-                <a:cs typeface="Times New Roman" panose="02020603050405020304" pitchFamily="18" charset="0"/>
-              </a:rPr>
-            </a:br>
-            <a:r>
-              <a:rPr lang="en-US" sz="3200" dirty="0"/>
-              <a:t>https://github.com/Linserous/NumericalGridGeneration</a:t>
-            </a:r>
-            <a:endParaRPr lang="ru-RU" sz="3200" dirty="0"/>
-          </a:p>
-        </p:txBody>
-      </p:sp>
-      <p:sp>
-        <p:nvSpPr>
-          <p:cNvPr id="3" name="Прямоугольник 2"/>
-          <p:cNvSpPr/>
-          <p:nvPr/>
-        </p:nvSpPr>
-        <p:spPr>
-          <a:xfrm>
-            <a:off x="0" y="360753"/>
-            <a:ext cx="12191999" cy="830997"/>
-          </a:xfrm>
-          <a:prstGeom prst="rect">
-            <a:avLst/>
-          </a:prstGeom>
-        </p:spPr>
-        <p:txBody>
-          <a:bodyPr wrap="square">
-            <a:spAutoFit/>
-          </a:bodyPr>
-          <a:lstStyle/>
-          <a:p>
-            <a:pPr algn="ctr"/>
-            <a:r>
-              <a:rPr lang="ru-RU" sz="4800" dirty="0">
-                <a:solidFill>
-                  <a:schemeClr val="accent1">
-                    <a:lumMod val="50000"/>
-                  </a:schemeClr>
-                </a:solidFill>
-                <a:latin typeface="+mj-lt"/>
-                <a:ea typeface="Calibri" panose="020F0502020204030204" pitchFamily="34" charset="0"/>
-                <a:cs typeface="Times New Roman" panose="02020603050405020304" pitchFamily="18" charset="0"/>
-              </a:rPr>
-              <a:t>Ссылка на </a:t>
-            </a:r>
-            <a:r>
-              <a:rPr lang="ru-RU" sz="4800" dirty="0" err="1">
-                <a:solidFill>
-                  <a:schemeClr val="accent1">
-                    <a:lumMod val="50000"/>
-                  </a:schemeClr>
-                </a:solidFill>
-                <a:latin typeface="+mj-lt"/>
-                <a:ea typeface="Calibri" panose="020F0502020204030204" pitchFamily="34" charset="0"/>
-                <a:cs typeface="Times New Roman" panose="02020603050405020304" pitchFamily="18" charset="0"/>
-              </a:rPr>
-              <a:t>репозиторий</a:t>
-            </a:r>
-            <a:r>
-              <a:rPr lang="ru-RU" sz="4800" dirty="0">
-                <a:solidFill>
-                  <a:schemeClr val="accent1">
-                    <a:lumMod val="50000"/>
-                  </a:schemeClr>
-                </a:solidFill>
-                <a:latin typeface="+mj-lt"/>
-                <a:ea typeface="Calibri" panose="020F0502020204030204" pitchFamily="34" charset="0"/>
-                <a:cs typeface="Times New Roman" panose="02020603050405020304" pitchFamily="18" charset="0"/>
-              </a:rPr>
-              <a:t> проекта</a:t>
-            </a:r>
-            <a:endParaRPr lang="ru-RU" sz="4800" dirty="0">
-              <a:latin typeface="+mj-lt"/>
-            </a:endParaRPr>
-          </a:p>
-        </p:txBody>
-      </p:sp>
-      <p:sp>
-        <p:nvSpPr>
-          <p:cNvPr id="4" name="Номер слайда 3"/>
-          <p:cNvSpPr>
-            <a:spLocks noGrp="1"/>
-          </p:cNvSpPr>
-          <p:nvPr>
-            <p:ph type="sldNum" sz="quarter" idx="12"/>
-          </p:nvPr>
-        </p:nvSpPr>
-        <p:spPr/>
-        <p:txBody>
-          <a:bodyPr/>
-          <a:lstStyle/>
-          <a:p>
-            <a:fld id="{71FAE75F-E4A2-4DA6-8D8E-DEA36A488C21}" type="slidenum">
-              <a:rPr lang="ru-RU" smtClean="0"/>
-              <a:t>50</a:t>
-            </a:fld>
-            <a:endParaRPr lang="ru-RU"/>
-          </a:p>
-        </p:txBody>
-      </p:sp>
-    </p:spTree>
-    <p:extLst>
-      <p:ext uri="{BB962C8B-B14F-4D97-AF65-F5344CB8AC3E}">
-        <p14:creationId xmlns:p14="http://schemas.microsoft.com/office/powerpoint/2010/main" val="2950866799"/>
       </p:ext>
     </p:extLst>
   </p:cSld>
